--- a/ppt/tmp_ppt.pptx
+++ b/ppt/tmp_ppt.pptx
@@ -6,6 +6,7 @@
   </p:sldMasterIdLst>
   <p:sldIdLst>
     <p:sldId id="256" r:id="rId2"/>
+    <p:sldId id="257" r:id="rId3"/>
   </p:sldIdLst>
   <p:sldSz cx="12192000" cy="6858000"/>
   <p:notesSz cx="6858000" cy="9144000"/>
@@ -104,6 +105,11 @@
       </a:defRPr>
     </a:lvl9pPr>
   </p:defaultTextStyle>
+  <p:extLst>
+    <p:ext uri="{EFAFB233-063F-42B5-8137-9DF3F51BA10A}">
+      <p15:sldGuideLst xmlns:p15="http://schemas.microsoft.com/office/powerpoint/2012/main"/>
+    </p:ext>
+  </p:extLst>
 </p:presentation>
 </file>
 
@@ -4647,6 +4653,1416 @@
 </p:sld>
 </file>
 
+<file path=ppt/slides/slide2.xml><?xml version="1.0" encoding="utf-8"?>
+<p:sld xmlns:a="http://schemas.openxmlformats.org/drawingml/2006/main" xmlns:r="http://schemas.openxmlformats.org/officeDocument/2006/relationships" xmlns:p="http://schemas.openxmlformats.org/presentationml/2006/main">
+  <p:cSld>
+    <p:spTree>
+      <p:nvGrpSpPr>
+        <p:cNvPr id="1" name=""/>
+        <p:cNvGrpSpPr/>
+        <p:nvPr/>
+      </p:nvGrpSpPr>
+      <p:grpSpPr>
+        <a:xfrm>
+          <a:off x="0" y="0"/>
+          <a:ext cx="0" cy="0"/>
+          <a:chOff x="0" y="0"/>
+          <a:chExt cx="0" cy="0"/>
+        </a:xfrm>
+      </p:grpSpPr>
+      <p:sp>
+        <p:nvSpPr>
+          <p:cNvPr id="31" name="矩形 30">
+            <a:extLst>
+              <a:ext uri="{FF2B5EF4-FFF2-40B4-BE49-F238E27FC236}">
+                <a16:creationId xmlns:a16="http://schemas.microsoft.com/office/drawing/2014/main" id="{54C4985F-30A7-4C60-8CCC-ED97F89588AE}"/>
+              </a:ext>
+            </a:extLst>
+          </p:cNvPr>
+          <p:cNvSpPr/>
+          <p:nvPr/>
+        </p:nvSpPr>
+        <p:spPr>
+          <a:xfrm>
+            <a:off x="5867401" y="2727057"/>
+            <a:ext cx="4426069" cy="1517321"/>
+          </a:xfrm>
+          <a:prstGeom prst="rect">
+            <a:avLst/>
+          </a:prstGeom>
+        </p:spPr>
+        <p:style>
+          <a:lnRef idx="2">
+            <a:schemeClr val="accent6"/>
+          </a:lnRef>
+          <a:fillRef idx="1">
+            <a:schemeClr val="lt1"/>
+          </a:fillRef>
+          <a:effectRef idx="0">
+            <a:schemeClr val="accent6"/>
+          </a:effectRef>
+          <a:fontRef idx="minor">
+            <a:schemeClr val="dk1"/>
+          </a:fontRef>
+        </p:style>
+        <p:txBody>
+          <a:bodyPr rtlCol="0" anchor="ctr"/>
+          <a:lstStyle/>
+          <a:p>
+            <a:pPr algn="ctr"/>
+            <a:endParaRPr lang="zh-CN" altLang="en-US"/>
+          </a:p>
+        </p:txBody>
+      </p:sp>
+      <p:sp>
+        <p:nvSpPr>
+          <p:cNvPr id="2" name="矩形 1">
+            <a:extLst>
+              <a:ext uri="{FF2B5EF4-FFF2-40B4-BE49-F238E27FC236}">
+                <a16:creationId xmlns:a16="http://schemas.microsoft.com/office/drawing/2014/main" id="{79B301BB-2FDA-4AC4-8D42-3C6EE47A97FA}"/>
+              </a:ext>
+            </a:extLst>
+          </p:cNvPr>
+          <p:cNvSpPr/>
+          <p:nvPr/>
+        </p:nvSpPr>
+        <p:spPr>
+          <a:xfrm>
+            <a:off x="1385977" y="2719363"/>
+            <a:ext cx="4324710" cy="1525015"/>
+          </a:xfrm>
+          <a:prstGeom prst="rect">
+            <a:avLst/>
+          </a:prstGeom>
+        </p:spPr>
+        <p:style>
+          <a:lnRef idx="2">
+            <a:schemeClr val="accent6"/>
+          </a:lnRef>
+          <a:fillRef idx="1">
+            <a:schemeClr val="lt1"/>
+          </a:fillRef>
+          <a:effectRef idx="0">
+            <a:schemeClr val="accent6"/>
+          </a:effectRef>
+          <a:fontRef idx="minor">
+            <a:schemeClr val="dk1"/>
+          </a:fontRef>
+        </p:style>
+        <p:txBody>
+          <a:bodyPr rtlCol="0" anchor="ctr"/>
+          <a:lstStyle/>
+          <a:p>
+            <a:pPr algn="ctr"/>
+            <a:endParaRPr lang="zh-CN" altLang="en-US"/>
+          </a:p>
+        </p:txBody>
+      </p:sp>
+      <p:sp>
+        <p:nvSpPr>
+          <p:cNvPr id="4" name="矩形: 圆角 3">
+            <a:extLst>
+              <a:ext uri="{FF2B5EF4-FFF2-40B4-BE49-F238E27FC236}">
+                <a16:creationId xmlns:a16="http://schemas.microsoft.com/office/drawing/2014/main" id="{5666A3AF-0220-4D23-96B1-913D946F297A}"/>
+              </a:ext>
+            </a:extLst>
+          </p:cNvPr>
+          <p:cNvSpPr/>
+          <p:nvPr/>
+        </p:nvSpPr>
+        <p:spPr>
+          <a:xfrm>
+            <a:off x="4114800" y="516194"/>
+            <a:ext cx="2533289" cy="277436"/>
+          </a:xfrm>
+          <a:prstGeom prst="roundRect">
+            <a:avLst/>
+          </a:prstGeom>
+        </p:spPr>
+        <p:style>
+          <a:lnRef idx="2">
+            <a:schemeClr val="accent6"/>
+          </a:lnRef>
+          <a:fillRef idx="1">
+            <a:schemeClr val="lt1"/>
+          </a:fillRef>
+          <a:effectRef idx="0">
+            <a:schemeClr val="accent6"/>
+          </a:effectRef>
+          <a:fontRef idx="minor">
+            <a:schemeClr val="dk1"/>
+          </a:fontRef>
+        </p:style>
+        <p:txBody>
+          <a:bodyPr rtlCol="0" anchor="ctr"/>
+          <a:lstStyle/>
+          <a:p>
+            <a:pPr algn="ctr"/>
+            <a:r>
+              <a:rPr lang="zh-CN" altLang="en-US" sz="1200" dirty="0"/>
+              <a:t>业务请求</a:t>
+            </a:r>
+            <a:r>
+              <a:rPr lang="en-US" altLang="zh-CN" sz="1200" dirty="0"/>
+              <a:t>: www.aaa.com</a:t>
+            </a:r>
+            <a:endParaRPr lang="zh-CN" altLang="en-US" sz="1200" dirty="0"/>
+          </a:p>
+        </p:txBody>
+      </p:sp>
+      <p:sp>
+        <p:nvSpPr>
+          <p:cNvPr id="5" name="矩形: 圆角 4">
+            <a:extLst>
+              <a:ext uri="{FF2B5EF4-FFF2-40B4-BE49-F238E27FC236}">
+                <a16:creationId xmlns:a16="http://schemas.microsoft.com/office/drawing/2014/main" id="{8FE3051E-E1CB-41F9-9198-D12B3138E9D1}"/>
+              </a:ext>
+            </a:extLst>
+          </p:cNvPr>
+          <p:cNvSpPr/>
+          <p:nvPr/>
+        </p:nvSpPr>
+        <p:spPr>
+          <a:xfrm>
+            <a:off x="4114801" y="1168926"/>
+            <a:ext cx="2533290" cy="277436"/>
+          </a:xfrm>
+          <a:prstGeom prst="roundRect">
+            <a:avLst/>
+          </a:prstGeom>
+        </p:spPr>
+        <p:style>
+          <a:lnRef idx="2">
+            <a:schemeClr val="accent6"/>
+          </a:lnRef>
+          <a:fillRef idx="1">
+            <a:schemeClr val="lt1"/>
+          </a:fillRef>
+          <a:effectRef idx="0">
+            <a:schemeClr val="accent6"/>
+          </a:effectRef>
+          <a:fontRef idx="minor">
+            <a:schemeClr val="dk1"/>
+          </a:fontRef>
+        </p:style>
+        <p:txBody>
+          <a:bodyPr rtlCol="0" anchor="ctr"/>
+          <a:lstStyle/>
+          <a:p>
+            <a:pPr algn="ctr"/>
+            <a:r>
+              <a:rPr lang="en-US" altLang="zh-CN" sz="1200" dirty="0"/>
+              <a:t>Base</a:t>
+            </a:r>
+            <a:r>
+              <a:rPr lang="zh-CN" altLang="en-US" sz="1200" dirty="0"/>
+              <a:t>域名</a:t>
+            </a:r>
+            <a:r>
+              <a:rPr lang="en-US" altLang="zh-CN" sz="1200" dirty="0"/>
+              <a:t>:  www.aaadns.com</a:t>
+            </a:r>
+            <a:endParaRPr lang="zh-CN" altLang="en-US" sz="1200" dirty="0"/>
+          </a:p>
+        </p:txBody>
+      </p:sp>
+      <p:sp>
+        <p:nvSpPr>
+          <p:cNvPr id="6" name="矩形: 圆角 5">
+            <a:extLst>
+              <a:ext uri="{FF2B5EF4-FFF2-40B4-BE49-F238E27FC236}">
+                <a16:creationId xmlns:a16="http://schemas.microsoft.com/office/drawing/2014/main" id="{D3A5600D-C0DD-454E-8C46-B7DB12F102FE}"/>
+              </a:ext>
+            </a:extLst>
+          </p:cNvPr>
+          <p:cNvSpPr/>
+          <p:nvPr/>
+        </p:nvSpPr>
+        <p:spPr>
+          <a:xfrm>
+            <a:off x="2714446" y="2126457"/>
+            <a:ext cx="2533290" cy="277436"/>
+          </a:xfrm>
+          <a:prstGeom prst="roundRect">
+            <a:avLst/>
+          </a:prstGeom>
+        </p:spPr>
+        <p:style>
+          <a:lnRef idx="2">
+            <a:schemeClr val="accent6"/>
+          </a:lnRef>
+          <a:fillRef idx="1">
+            <a:schemeClr val="lt1"/>
+          </a:fillRef>
+          <a:effectRef idx="0">
+            <a:schemeClr val="accent6"/>
+          </a:effectRef>
+          <a:fontRef idx="minor">
+            <a:schemeClr val="dk1"/>
+          </a:fontRef>
+        </p:style>
+        <p:txBody>
+          <a:bodyPr rtlCol="0" anchor="ctr"/>
+          <a:lstStyle/>
+          <a:p>
+            <a:pPr algn="ctr"/>
+            <a:r>
+              <a:rPr lang="zh-CN" altLang="en-US" sz="1200" dirty="0"/>
+              <a:t>链路域名</a:t>
+            </a:r>
+            <a:r>
+              <a:rPr lang="en-US" altLang="zh-CN" sz="1200" dirty="0"/>
+              <a:t>:  www.os30-aaa.com</a:t>
+            </a:r>
+            <a:endParaRPr lang="zh-CN" altLang="en-US" sz="1200" dirty="0"/>
+          </a:p>
+        </p:txBody>
+      </p:sp>
+      <p:sp>
+        <p:nvSpPr>
+          <p:cNvPr id="7" name="矩形: 圆角 6">
+            <a:extLst>
+              <a:ext uri="{FF2B5EF4-FFF2-40B4-BE49-F238E27FC236}">
+                <a16:creationId xmlns:a16="http://schemas.microsoft.com/office/drawing/2014/main" id="{20DB759E-E4A1-4933-9656-BFCB418EB5A0}"/>
+              </a:ext>
+            </a:extLst>
+          </p:cNvPr>
+          <p:cNvSpPr/>
+          <p:nvPr/>
+        </p:nvSpPr>
+        <p:spPr>
+          <a:xfrm>
+            <a:off x="6096000" y="2126457"/>
+            <a:ext cx="2533290" cy="277436"/>
+          </a:xfrm>
+          <a:prstGeom prst="roundRect">
+            <a:avLst/>
+          </a:prstGeom>
+        </p:spPr>
+        <p:style>
+          <a:lnRef idx="2">
+            <a:schemeClr val="accent6"/>
+          </a:lnRef>
+          <a:fillRef idx="1">
+            <a:schemeClr val="lt1"/>
+          </a:fillRef>
+          <a:effectRef idx="0">
+            <a:schemeClr val="accent6"/>
+          </a:effectRef>
+          <a:fontRef idx="minor">
+            <a:schemeClr val="dk1"/>
+          </a:fontRef>
+        </p:style>
+        <p:txBody>
+          <a:bodyPr rtlCol="0" anchor="ctr"/>
+          <a:lstStyle/>
+          <a:p>
+            <a:pPr algn="ctr"/>
+            <a:r>
+              <a:rPr lang="zh-CN" altLang="en-US" sz="1200" dirty="0"/>
+              <a:t>链路域名</a:t>
+            </a:r>
+            <a:r>
+              <a:rPr lang="en-US" altLang="zh-CN" sz="1200" dirty="0"/>
+              <a:t>:  www.sg52-aaa.com</a:t>
+            </a:r>
+            <a:endParaRPr lang="zh-CN" altLang="en-US" sz="1200" dirty="0"/>
+          </a:p>
+        </p:txBody>
+      </p:sp>
+      <p:sp>
+        <p:nvSpPr>
+          <p:cNvPr id="8" name="文本框 7">
+            <a:extLst>
+              <a:ext uri="{FF2B5EF4-FFF2-40B4-BE49-F238E27FC236}">
+                <a16:creationId xmlns:a16="http://schemas.microsoft.com/office/drawing/2014/main" id="{5C7E80A1-1FA4-4753-8DF1-742DEEBDAD06}"/>
+              </a:ext>
+            </a:extLst>
+          </p:cNvPr>
+          <p:cNvSpPr txBox="1"/>
+          <p:nvPr/>
+        </p:nvSpPr>
+        <p:spPr>
+          <a:xfrm>
+            <a:off x="6993146" y="977660"/>
+            <a:ext cx="4111925" cy="646331"/>
+          </a:xfrm>
+          <a:prstGeom prst="rect">
+            <a:avLst/>
+          </a:prstGeom>
+          <a:noFill/>
+        </p:spPr>
+        <p:txBody>
+          <a:bodyPr wrap="square" rtlCol="0">
+            <a:spAutoFit/>
+          </a:bodyPr>
+          <a:lstStyle/>
+          <a:p>
+            <a:r>
+              <a:rPr lang="en-US" altLang="zh-CN" sz="1200" dirty="0"/>
+              <a:t>DNS: </a:t>
+            </a:r>
+            <a:r>
+              <a:rPr lang="en-US" altLang="zh-CN" sz="1200" dirty="0">
+                <a:hlinkClick r:id="rId2"/>
+              </a:rPr>
+              <a:t>www.aaadns.com</a:t>
+            </a:r>
+            <a:endParaRPr lang="en-US" altLang="zh-CN" sz="1200" dirty="0"/>
+          </a:p>
+          <a:p>
+            <a:r>
+              <a:rPr lang="en-US" altLang="zh-CN" sz="1200" dirty="0"/>
+              <a:t>cname: </a:t>
+            </a:r>
+            <a:r>
+              <a:rPr lang="en-US" altLang="zh-CN" sz="1200" dirty="0">
+                <a:hlinkClick r:id="rId3"/>
+              </a:rPr>
+              <a:t>www.os30-aaa.com</a:t>
+            </a:r>
+            <a:r>
+              <a:rPr lang="en-US" altLang="zh-CN" sz="1200" dirty="0"/>
+              <a:t> TTL 300 weight 50</a:t>
+            </a:r>
+          </a:p>
+          <a:p>
+            <a:r>
+              <a:rPr lang="en-US" altLang="zh-CN" sz="1200" dirty="0"/>
+              <a:t>cname: </a:t>
+            </a:r>
+            <a:r>
+              <a:rPr lang="en-US" altLang="zh-CN" sz="1200" dirty="0">
+                <a:hlinkClick r:id="rId4"/>
+              </a:rPr>
+              <a:t>www.sg52-aaa.com</a:t>
+            </a:r>
+            <a:r>
+              <a:rPr lang="en-US" altLang="zh-CN" sz="1200" dirty="0"/>
+              <a:t> TTL 300 weight 50</a:t>
+            </a:r>
+            <a:endParaRPr lang="zh-CN" altLang="en-US" sz="1200" dirty="0"/>
+          </a:p>
+        </p:txBody>
+      </p:sp>
+      <p:cxnSp>
+        <p:nvCxnSpPr>
+          <p:cNvPr id="10" name="直接箭头连接符 9">
+            <a:extLst>
+              <a:ext uri="{FF2B5EF4-FFF2-40B4-BE49-F238E27FC236}">
+                <a16:creationId xmlns:a16="http://schemas.microsoft.com/office/drawing/2014/main" id="{6FA3EF47-0B9C-45BB-A67E-6B88E305CD33}"/>
+              </a:ext>
+            </a:extLst>
+          </p:cNvPr>
+          <p:cNvCxnSpPr>
+            <a:cxnSpLocks/>
+          </p:cNvCxnSpPr>
+          <p:nvPr/>
+        </p:nvCxnSpPr>
+        <p:spPr>
+          <a:xfrm>
+            <a:off x="4915619" y="786668"/>
+            <a:ext cx="1" cy="375296"/>
+          </a:xfrm>
+          <a:prstGeom prst="straightConnector1">
+            <a:avLst/>
+          </a:prstGeom>
+          <a:ln>
+            <a:tailEnd type="triangle"/>
+          </a:ln>
+        </p:spPr>
+        <p:style>
+          <a:lnRef idx="1">
+            <a:schemeClr val="dk1"/>
+          </a:lnRef>
+          <a:fillRef idx="0">
+            <a:schemeClr val="dk1"/>
+          </a:fillRef>
+          <a:effectRef idx="0">
+            <a:schemeClr val="dk1"/>
+          </a:effectRef>
+          <a:fontRef idx="minor">
+            <a:schemeClr val="tx1"/>
+          </a:fontRef>
+        </p:style>
+      </p:cxnSp>
+      <p:cxnSp>
+        <p:nvCxnSpPr>
+          <p:cNvPr id="12" name="直接箭头连接符 11">
+            <a:extLst>
+              <a:ext uri="{FF2B5EF4-FFF2-40B4-BE49-F238E27FC236}">
+                <a16:creationId xmlns:a16="http://schemas.microsoft.com/office/drawing/2014/main" id="{EB108899-53A4-4209-B148-02D21BDB139E}"/>
+              </a:ext>
+            </a:extLst>
+          </p:cNvPr>
+          <p:cNvCxnSpPr>
+            <a:cxnSpLocks/>
+            <a:endCxn id="6" idx="0"/>
+          </p:cNvCxnSpPr>
+          <p:nvPr/>
+        </p:nvCxnSpPr>
+        <p:spPr>
+          <a:xfrm flipH="1">
+            <a:off x="3981091" y="1439400"/>
+            <a:ext cx="934528" cy="687057"/>
+          </a:xfrm>
+          <a:prstGeom prst="straightConnector1">
+            <a:avLst/>
+          </a:prstGeom>
+          <a:ln>
+            <a:tailEnd type="triangle"/>
+          </a:ln>
+        </p:spPr>
+        <p:style>
+          <a:lnRef idx="1">
+            <a:schemeClr val="dk1"/>
+          </a:lnRef>
+          <a:fillRef idx="0">
+            <a:schemeClr val="dk1"/>
+          </a:fillRef>
+          <a:effectRef idx="0">
+            <a:schemeClr val="dk1"/>
+          </a:effectRef>
+          <a:fontRef idx="minor">
+            <a:schemeClr val="tx1"/>
+          </a:fontRef>
+        </p:style>
+      </p:cxnSp>
+      <p:sp>
+        <p:nvSpPr>
+          <p:cNvPr id="13" name="文本框 12">
+            <a:extLst>
+              <a:ext uri="{FF2B5EF4-FFF2-40B4-BE49-F238E27FC236}">
+                <a16:creationId xmlns:a16="http://schemas.microsoft.com/office/drawing/2014/main" id="{0306614E-54DD-499D-A88E-55EDE7695D22}"/>
+              </a:ext>
+            </a:extLst>
+          </p:cNvPr>
+          <p:cNvSpPr txBox="1"/>
+          <p:nvPr/>
+        </p:nvSpPr>
+        <p:spPr>
+          <a:xfrm>
+            <a:off x="212785" y="2024332"/>
+            <a:ext cx="2311879" cy="646331"/>
+          </a:xfrm>
+          <a:prstGeom prst="rect">
+            <a:avLst/>
+          </a:prstGeom>
+          <a:noFill/>
+        </p:spPr>
+        <p:txBody>
+          <a:bodyPr wrap="square" rtlCol="0">
+            <a:spAutoFit/>
+          </a:bodyPr>
+          <a:lstStyle/>
+          <a:p>
+            <a:r>
+              <a:rPr lang="en-US" altLang="zh-CN" sz="1200" dirty="0"/>
+              <a:t>DNS: </a:t>
+            </a:r>
+            <a:r>
+              <a:rPr lang="en-US" altLang="zh-CN" sz="1200" dirty="0">
+                <a:hlinkClick r:id="rId5"/>
+              </a:rPr>
+              <a:t>www.os30-aaa.com</a:t>
+            </a:r>
+            <a:endParaRPr lang="en-US" altLang="zh-CN" sz="1200" dirty="0"/>
+          </a:p>
+          <a:p>
+            <a:r>
+              <a:rPr lang="en-US" altLang="zh-CN" sz="1200" dirty="0"/>
+              <a:t>A: 123.123.123.123 weight 50</a:t>
+            </a:r>
+          </a:p>
+          <a:p>
+            <a:r>
+              <a:rPr lang="en-US" altLang="zh-CN" sz="1200" dirty="0"/>
+              <a:t>A: 124.124.124.124 weight 50</a:t>
+            </a:r>
+            <a:endParaRPr lang="zh-CN" altLang="en-US" sz="1200" dirty="0"/>
+          </a:p>
+        </p:txBody>
+      </p:sp>
+      <p:sp>
+        <p:nvSpPr>
+          <p:cNvPr id="14" name="文本框 13">
+            <a:extLst>
+              <a:ext uri="{FF2B5EF4-FFF2-40B4-BE49-F238E27FC236}">
+                <a16:creationId xmlns:a16="http://schemas.microsoft.com/office/drawing/2014/main" id="{50EE2B3C-742C-4E70-8C3F-674D5D48A31E}"/>
+              </a:ext>
+            </a:extLst>
+          </p:cNvPr>
+          <p:cNvSpPr txBox="1"/>
+          <p:nvPr/>
+        </p:nvSpPr>
+        <p:spPr>
+          <a:xfrm>
+            <a:off x="9137530" y="2062086"/>
+            <a:ext cx="2311879" cy="646331"/>
+          </a:xfrm>
+          <a:prstGeom prst="rect">
+            <a:avLst/>
+          </a:prstGeom>
+          <a:noFill/>
+        </p:spPr>
+        <p:txBody>
+          <a:bodyPr wrap="square" rtlCol="0">
+            <a:spAutoFit/>
+          </a:bodyPr>
+          <a:lstStyle/>
+          <a:p>
+            <a:r>
+              <a:rPr lang="en-US" altLang="zh-CN" sz="1200" dirty="0"/>
+              <a:t>DNS: </a:t>
+            </a:r>
+            <a:r>
+              <a:rPr lang="en-US" altLang="zh-CN" sz="1200" dirty="0">
+                <a:hlinkClick r:id="rId4"/>
+              </a:rPr>
+              <a:t>www.sg52-aaa.com</a:t>
+            </a:r>
+            <a:endParaRPr lang="en-US" altLang="zh-CN" sz="1200" dirty="0"/>
+          </a:p>
+          <a:p>
+            <a:r>
+              <a:rPr lang="en-US" altLang="zh-CN" sz="1200" dirty="0"/>
+              <a:t>A: 234.234.234.234 weight 50</a:t>
+            </a:r>
+          </a:p>
+          <a:p>
+            <a:r>
+              <a:rPr lang="en-US" altLang="zh-CN" sz="1200" dirty="0"/>
+              <a:t>A: 235.235.235.235 weight 50</a:t>
+            </a:r>
+            <a:endParaRPr lang="zh-CN" altLang="en-US" sz="1200" dirty="0"/>
+          </a:p>
+        </p:txBody>
+      </p:sp>
+      <p:sp>
+        <p:nvSpPr>
+          <p:cNvPr id="15" name="矩形: 圆角 14">
+            <a:extLst>
+              <a:ext uri="{FF2B5EF4-FFF2-40B4-BE49-F238E27FC236}">
+                <a16:creationId xmlns:a16="http://schemas.microsoft.com/office/drawing/2014/main" id="{2E9B3640-9E6D-4945-BEC4-09BD31B9DCB3}"/>
+              </a:ext>
+            </a:extLst>
+          </p:cNvPr>
+          <p:cNvSpPr/>
+          <p:nvPr/>
+        </p:nvSpPr>
+        <p:spPr>
+          <a:xfrm>
+            <a:off x="1666336" y="3087697"/>
+            <a:ext cx="1807234" cy="277436"/>
+          </a:xfrm>
+          <a:prstGeom prst="roundRect">
+            <a:avLst/>
+          </a:prstGeom>
+        </p:spPr>
+        <p:style>
+          <a:lnRef idx="2">
+            <a:schemeClr val="accent6"/>
+          </a:lnRef>
+          <a:fillRef idx="1">
+            <a:schemeClr val="lt1"/>
+          </a:fillRef>
+          <a:effectRef idx="0">
+            <a:schemeClr val="accent6"/>
+          </a:effectRef>
+          <a:fontRef idx="minor">
+            <a:schemeClr val="dk1"/>
+          </a:fontRef>
+        </p:style>
+        <p:txBody>
+          <a:bodyPr rtlCol="0" anchor="ctr"/>
+          <a:lstStyle/>
+          <a:p>
+            <a:pPr algn="ctr"/>
+            <a:r>
+              <a:rPr lang="en-US" altLang="zh-CN" sz="1200" dirty="0"/>
+              <a:t>VIP</a:t>
+            </a:r>
+            <a:r>
+              <a:rPr lang="zh-CN" altLang="en-US" sz="1200" dirty="0"/>
+              <a:t>层</a:t>
+            </a:r>
+            <a:r>
+              <a:rPr lang="en-US" altLang="zh-CN" sz="1200" dirty="0"/>
+              <a:t>:  123.123.123.123</a:t>
+            </a:r>
+            <a:endParaRPr lang="zh-CN" altLang="en-US" sz="1200" dirty="0"/>
+          </a:p>
+        </p:txBody>
+      </p:sp>
+      <p:sp>
+        <p:nvSpPr>
+          <p:cNvPr id="16" name="矩形: 圆角 15">
+            <a:extLst>
+              <a:ext uri="{FF2B5EF4-FFF2-40B4-BE49-F238E27FC236}">
+                <a16:creationId xmlns:a16="http://schemas.microsoft.com/office/drawing/2014/main" id="{138D6183-A9B6-427B-B7F8-D83037ED2556}"/>
+              </a:ext>
+            </a:extLst>
+          </p:cNvPr>
+          <p:cNvSpPr/>
+          <p:nvPr/>
+        </p:nvSpPr>
+        <p:spPr>
+          <a:xfrm>
+            <a:off x="3777651" y="3087697"/>
+            <a:ext cx="1807234" cy="277436"/>
+          </a:xfrm>
+          <a:prstGeom prst="roundRect">
+            <a:avLst/>
+          </a:prstGeom>
+        </p:spPr>
+        <p:style>
+          <a:lnRef idx="2">
+            <a:schemeClr val="accent6"/>
+          </a:lnRef>
+          <a:fillRef idx="1">
+            <a:schemeClr val="lt1"/>
+          </a:fillRef>
+          <a:effectRef idx="0">
+            <a:schemeClr val="accent6"/>
+          </a:effectRef>
+          <a:fontRef idx="minor">
+            <a:schemeClr val="dk1"/>
+          </a:fontRef>
+        </p:style>
+        <p:txBody>
+          <a:bodyPr rtlCol="0" anchor="ctr"/>
+          <a:lstStyle/>
+          <a:p>
+            <a:pPr algn="ctr"/>
+            <a:r>
+              <a:rPr lang="en-US" altLang="zh-CN" sz="1200" dirty="0"/>
+              <a:t>VIP</a:t>
+            </a:r>
+            <a:r>
+              <a:rPr lang="zh-CN" altLang="en-US" sz="1200" dirty="0"/>
+              <a:t>层</a:t>
+            </a:r>
+            <a:r>
+              <a:rPr lang="en-US" altLang="zh-CN" sz="1200" dirty="0"/>
+              <a:t>:  124.124.124.124</a:t>
+            </a:r>
+            <a:endParaRPr lang="zh-CN" altLang="en-US" sz="1200" dirty="0"/>
+          </a:p>
+        </p:txBody>
+      </p:sp>
+      <p:sp>
+        <p:nvSpPr>
+          <p:cNvPr id="17" name="矩形: 圆角 16">
+            <a:extLst>
+              <a:ext uri="{FF2B5EF4-FFF2-40B4-BE49-F238E27FC236}">
+                <a16:creationId xmlns:a16="http://schemas.microsoft.com/office/drawing/2014/main" id="{7F9AE9FA-1736-45F1-B66B-5AE213CBE2C7}"/>
+              </a:ext>
+            </a:extLst>
+          </p:cNvPr>
+          <p:cNvSpPr/>
+          <p:nvPr/>
+        </p:nvSpPr>
+        <p:spPr>
+          <a:xfrm>
+            <a:off x="5993921" y="3087697"/>
+            <a:ext cx="1807234" cy="277436"/>
+          </a:xfrm>
+          <a:prstGeom prst="roundRect">
+            <a:avLst/>
+          </a:prstGeom>
+        </p:spPr>
+        <p:style>
+          <a:lnRef idx="2">
+            <a:schemeClr val="accent6"/>
+          </a:lnRef>
+          <a:fillRef idx="1">
+            <a:schemeClr val="lt1"/>
+          </a:fillRef>
+          <a:effectRef idx="0">
+            <a:schemeClr val="accent6"/>
+          </a:effectRef>
+          <a:fontRef idx="minor">
+            <a:schemeClr val="dk1"/>
+          </a:fontRef>
+        </p:style>
+        <p:txBody>
+          <a:bodyPr rtlCol="0" anchor="ctr"/>
+          <a:lstStyle/>
+          <a:p>
+            <a:pPr algn="ctr"/>
+            <a:r>
+              <a:rPr lang="en-US" altLang="zh-CN" sz="1200" dirty="0"/>
+              <a:t>VIP</a:t>
+            </a:r>
+            <a:r>
+              <a:rPr lang="zh-CN" altLang="en-US" sz="1200" dirty="0"/>
+              <a:t>层</a:t>
+            </a:r>
+            <a:r>
+              <a:rPr lang="en-US" altLang="zh-CN" sz="1200" dirty="0"/>
+              <a:t>:  234.234.234.234</a:t>
+            </a:r>
+            <a:endParaRPr lang="zh-CN" altLang="en-US" sz="1200" dirty="0"/>
+          </a:p>
+        </p:txBody>
+      </p:sp>
+      <p:sp>
+        <p:nvSpPr>
+          <p:cNvPr id="18" name="矩形: 圆角 17">
+            <a:extLst>
+              <a:ext uri="{FF2B5EF4-FFF2-40B4-BE49-F238E27FC236}">
+                <a16:creationId xmlns:a16="http://schemas.microsoft.com/office/drawing/2014/main" id="{1BF2CCF6-DFA9-4ECF-B5EA-B262D133E8E8}"/>
+              </a:ext>
+            </a:extLst>
+          </p:cNvPr>
+          <p:cNvSpPr/>
+          <p:nvPr/>
+        </p:nvSpPr>
+        <p:spPr>
+          <a:xfrm>
+            <a:off x="8038381" y="3087697"/>
+            <a:ext cx="1807234" cy="277436"/>
+          </a:xfrm>
+          <a:prstGeom prst="roundRect">
+            <a:avLst/>
+          </a:prstGeom>
+        </p:spPr>
+        <p:style>
+          <a:lnRef idx="2">
+            <a:schemeClr val="accent6"/>
+          </a:lnRef>
+          <a:fillRef idx="1">
+            <a:schemeClr val="lt1"/>
+          </a:fillRef>
+          <a:effectRef idx="0">
+            <a:schemeClr val="accent6"/>
+          </a:effectRef>
+          <a:fontRef idx="minor">
+            <a:schemeClr val="dk1"/>
+          </a:fontRef>
+        </p:style>
+        <p:txBody>
+          <a:bodyPr rtlCol="0" anchor="ctr"/>
+          <a:lstStyle/>
+          <a:p>
+            <a:pPr algn="ctr"/>
+            <a:r>
+              <a:rPr lang="en-US" altLang="zh-CN" sz="1200" dirty="0"/>
+              <a:t>VIP</a:t>
+            </a:r>
+            <a:r>
+              <a:rPr lang="zh-CN" altLang="en-US" sz="1200" dirty="0"/>
+              <a:t>层</a:t>
+            </a:r>
+            <a:r>
+              <a:rPr lang="en-US" altLang="zh-CN" sz="1200" dirty="0"/>
+              <a:t>:  235.235.235.235</a:t>
+            </a:r>
+            <a:endParaRPr lang="zh-CN" altLang="en-US" sz="1200" dirty="0"/>
+          </a:p>
+        </p:txBody>
+      </p:sp>
+      <p:cxnSp>
+        <p:nvCxnSpPr>
+          <p:cNvPr id="20" name="直接箭头连接符 19">
+            <a:extLst>
+              <a:ext uri="{FF2B5EF4-FFF2-40B4-BE49-F238E27FC236}">
+                <a16:creationId xmlns:a16="http://schemas.microsoft.com/office/drawing/2014/main" id="{D9B11D23-DB58-4364-AB62-2194062D1DDC}"/>
+              </a:ext>
+            </a:extLst>
+          </p:cNvPr>
+          <p:cNvCxnSpPr>
+            <a:stCxn id="6" idx="2"/>
+            <a:endCxn id="16" idx="0"/>
+          </p:cNvCxnSpPr>
+          <p:nvPr/>
+        </p:nvCxnSpPr>
+        <p:spPr>
+          <a:xfrm>
+            <a:off x="3981091" y="2403893"/>
+            <a:ext cx="700177" cy="683804"/>
+          </a:xfrm>
+          <a:prstGeom prst="straightConnector1">
+            <a:avLst/>
+          </a:prstGeom>
+          <a:ln>
+            <a:tailEnd type="triangle"/>
+          </a:ln>
+        </p:spPr>
+        <p:style>
+          <a:lnRef idx="1">
+            <a:schemeClr val="dk1"/>
+          </a:lnRef>
+          <a:fillRef idx="0">
+            <a:schemeClr val="dk1"/>
+          </a:fillRef>
+          <a:effectRef idx="0">
+            <a:schemeClr val="dk1"/>
+          </a:effectRef>
+          <a:fontRef idx="minor">
+            <a:schemeClr val="tx1"/>
+          </a:fontRef>
+        </p:style>
+      </p:cxnSp>
+      <p:sp>
+        <p:nvSpPr>
+          <p:cNvPr id="21" name="矩形: 圆角 20">
+            <a:extLst>
+              <a:ext uri="{FF2B5EF4-FFF2-40B4-BE49-F238E27FC236}">
+                <a16:creationId xmlns:a16="http://schemas.microsoft.com/office/drawing/2014/main" id="{A601AAC6-0C07-4A7E-8F85-B54D68AC0AC0}"/>
+              </a:ext>
+            </a:extLst>
+          </p:cNvPr>
+          <p:cNvSpPr/>
+          <p:nvPr/>
+        </p:nvSpPr>
+        <p:spPr>
+          <a:xfrm>
+            <a:off x="3777651" y="3700173"/>
+            <a:ext cx="1807234" cy="277436"/>
+          </a:xfrm>
+          <a:prstGeom prst="roundRect">
+            <a:avLst/>
+          </a:prstGeom>
+        </p:spPr>
+        <p:style>
+          <a:lnRef idx="2">
+            <a:schemeClr val="accent6"/>
+          </a:lnRef>
+          <a:fillRef idx="1">
+            <a:schemeClr val="lt1"/>
+          </a:fillRef>
+          <a:effectRef idx="0">
+            <a:schemeClr val="accent6"/>
+          </a:effectRef>
+          <a:fontRef idx="minor">
+            <a:schemeClr val="dk1"/>
+          </a:fontRef>
+        </p:style>
+        <p:txBody>
+          <a:bodyPr rtlCol="0" anchor="ctr"/>
+          <a:lstStyle/>
+          <a:p>
+            <a:pPr algn="ctr"/>
+            <a:r>
+              <a:rPr lang="zh-CN" altLang="en-US" sz="1200" dirty="0"/>
+              <a:t>七层</a:t>
+            </a:r>
+            <a:r>
+              <a:rPr lang="en-US" altLang="zh-CN" sz="1200" dirty="0"/>
+              <a:t>:  10.123.123.122</a:t>
+            </a:r>
+            <a:endParaRPr lang="zh-CN" altLang="en-US" sz="1200" dirty="0"/>
+          </a:p>
+        </p:txBody>
+      </p:sp>
+      <p:sp>
+        <p:nvSpPr>
+          <p:cNvPr id="22" name="矩形: 圆角 21">
+            <a:extLst>
+              <a:ext uri="{FF2B5EF4-FFF2-40B4-BE49-F238E27FC236}">
+                <a16:creationId xmlns:a16="http://schemas.microsoft.com/office/drawing/2014/main" id="{ABE8ABFF-10A2-4BF7-937B-9A0D4F90F92E}"/>
+              </a:ext>
+            </a:extLst>
+          </p:cNvPr>
+          <p:cNvSpPr/>
+          <p:nvPr/>
+        </p:nvSpPr>
+        <p:spPr>
+          <a:xfrm>
+            <a:off x="1687901" y="3700173"/>
+            <a:ext cx="1807234" cy="277436"/>
+          </a:xfrm>
+          <a:prstGeom prst="roundRect">
+            <a:avLst/>
+          </a:prstGeom>
+        </p:spPr>
+        <p:style>
+          <a:lnRef idx="2">
+            <a:schemeClr val="accent6"/>
+          </a:lnRef>
+          <a:fillRef idx="1">
+            <a:schemeClr val="lt1"/>
+          </a:fillRef>
+          <a:effectRef idx="0">
+            <a:schemeClr val="accent6"/>
+          </a:effectRef>
+          <a:fontRef idx="minor">
+            <a:schemeClr val="dk1"/>
+          </a:fontRef>
+        </p:style>
+        <p:txBody>
+          <a:bodyPr rtlCol="0" anchor="ctr"/>
+          <a:lstStyle/>
+          <a:p>
+            <a:pPr algn="ctr"/>
+            <a:r>
+              <a:rPr lang="zh-CN" altLang="en-US" sz="1200" dirty="0"/>
+              <a:t>七层</a:t>
+            </a:r>
+            <a:r>
+              <a:rPr lang="en-US" altLang="zh-CN" sz="1200" dirty="0"/>
+              <a:t>:  10.123.123.121</a:t>
+            </a:r>
+            <a:endParaRPr lang="zh-CN" altLang="en-US" sz="1200" dirty="0"/>
+          </a:p>
+        </p:txBody>
+      </p:sp>
+      <p:sp>
+        <p:nvSpPr>
+          <p:cNvPr id="23" name="矩形: 圆角 22">
+            <a:extLst>
+              <a:ext uri="{FF2B5EF4-FFF2-40B4-BE49-F238E27FC236}">
+                <a16:creationId xmlns:a16="http://schemas.microsoft.com/office/drawing/2014/main" id="{E29229EA-8045-4B65-BBB6-7C6339EF8F02}"/>
+              </a:ext>
+            </a:extLst>
+          </p:cNvPr>
+          <p:cNvSpPr/>
+          <p:nvPr/>
+        </p:nvSpPr>
+        <p:spPr>
+          <a:xfrm>
+            <a:off x="5993921" y="3700173"/>
+            <a:ext cx="1807234" cy="277436"/>
+          </a:xfrm>
+          <a:prstGeom prst="roundRect">
+            <a:avLst/>
+          </a:prstGeom>
+        </p:spPr>
+        <p:style>
+          <a:lnRef idx="2">
+            <a:schemeClr val="accent6"/>
+          </a:lnRef>
+          <a:fillRef idx="1">
+            <a:schemeClr val="lt1"/>
+          </a:fillRef>
+          <a:effectRef idx="0">
+            <a:schemeClr val="accent6"/>
+          </a:effectRef>
+          <a:fontRef idx="minor">
+            <a:schemeClr val="dk1"/>
+          </a:fontRef>
+        </p:style>
+        <p:txBody>
+          <a:bodyPr rtlCol="0" anchor="ctr"/>
+          <a:lstStyle/>
+          <a:p>
+            <a:pPr algn="ctr"/>
+            <a:r>
+              <a:rPr lang="zh-CN" altLang="en-US" sz="1200" dirty="0"/>
+              <a:t>七层</a:t>
+            </a:r>
+            <a:r>
+              <a:rPr lang="en-US" altLang="zh-CN" sz="1200" dirty="0"/>
+              <a:t>:  10.123.123.123</a:t>
+            </a:r>
+            <a:endParaRPr lang="zh-CN" altLang="en-US" sz="1200" dirty="0"/>
+          </a:p>
+        </p:txBody>
+      </p:sp>
+      <p:sp>
+        <p:nvSpPr>
+          <p:cNvPr id="24" name="矩形: 圆角 23">
+            <a:extLst>
+              <a:ext uri="{FF2B5EF4-FFF2-40B4-BE49-F238E27FC236}">
+                <a16:creationId xmlns:a16="http://schemas.microsoft.com/office/drawing/2014/main" id="{556A20B0-24F8-46C2-B5CC-54F59219DF02}"/>
+              </a:ext>
+            </a:extLst>
+          </p:cNvPr>
+          <p:cNvSpPr/>
+          <p:nvPr/>
+        </p:nvSpPr>
+        <p:spPr>
+          <a:xfrm>
+            <a:off x="8038381" y="3700173"/>
+            <a:ext cx="1807234" cy="277436"/>
+          </a:xfrm>
+          <a:prstGeom prst="roundRect">
+            <a:avLst/>
+          </a:prstGeom>
+        </p:spPr>
+        <p:style>
+          <a:lnRef idx="2">
+            <a:schemeClr val="accent6"/>
+          </a:lnRef>
+          <a:fillRef idx="1">
+            <a:schemeClr val="lt1"/>
+          </a:fillRef>
+          <a:effectRef idx="0">
+            <a:schemeClr val="accent6"/>
+          </a:effectRef>
+          <a:fontRef idx="minor">
+            <a:schemeClr val="dk1"/>
+          </a:fontRef>
+        </p:style>
+        <p:txBody>
+          <a:bodyPr rtlCol="0" anchor="ctr"/>
+          <a:lstStyle/>
+          <a:p>
+            <a:pPr algn="ctr"/>
+            <a:r>
+              <a:rPr lang="zh-CN" altLang="en-US" sz="1200" dirty="0"/>
+              <a:t>七层</a:t>
+            </a:r>
+            <a:r>
+              <a:rPr lang="en-US" altLang="zh-CN" sz="1200" dirty="0"/>
+              <a:t>:  10.123.123.124</a:t>
+            </a:r>
+            <a:endParaRPr lang="zh-CN" altLang="en-US" sz="1200" dirty="0"/>
+          </a:p>
+        </p:txBody>
+      </p:sp>
+      <p:cxnSp>
+        <p:nvCxnSpPr>
+          <p:cNvPr id="26" name="直接箭头连接符 25">
+            <a:extLst>
+              <a:ext uri="{FF2B5EF4-FFF2-40B4-BE49-F238E27FC236}">
+                <a16:creationId xmlns:a16="http://schemas.microsoft.com/office/drawing/2014/main" id="{2EA583CF-1906-4DF8-BDE8-DA1FCA8041C3}"/>
+              </a:ext>
+            </a:extLst>
+          </p:cNvPr>
+          <p:cNvCxnSpPr>
+            <a:stCxn id="16" idx="2"/>
+            <a:endCxn id="21" idx="0"/>
+          </p:cNvCxnSpPr>
+          <p:nvPr/>
+        </p:nvCxnSpPr>
+        <p:spPr>
+          <a:xfrm>
+            <a:off x="4681268" y="3365133"/>
+            <a:ext cx="0" cy="335040"/>
+          </a:xfrm>
+          <a:prstGeom prst="straightConnector1">
+            <a:avLst/>
+          </a:prstGeom>
+          <a:ln>
+            <a:tailEnd type="triangle"/>
+          </a:ln>
+        </p:spPr>
+        <p:style>
+          <a:lnRef idx="1">
+            <a:schemeClr val="dk1"/>
+          </a:lnRef>
+          <a:fillRef idx="0">
+            <a:schemeClr val="dk1"/>
+          </a:fillRef>
+          <a:effectRef idx="0">
+            <a:schemeClr val="dk1"/>
+          </a:effectRef>
+          <a:fontRef idx="minor">
+            <a:schemeClr val="tx1"/>
+          </a:fontRef>
+        </p:style>
+      </p:cxnSp>
+      <p:sp>
+        <p:nvSpPr>
+          <p:cNvPr id="27" name="文本框 26">
+            <a:extLst>
+              <a:ext uri="{FF2B5EF4-FFF2-40B4-BE49-F238E27FC236}">
+                <a16:creationId xmlns:a16="http://schemas.microsoft.com/office/drawing/2014/main" id="{22E69F96-F645-43AE-81D2-F672FA890128}"/>
+              </a:ext>
+            </a:extLst>
+          </p:cNvPr>
+          <p:cNvSpPr txBox="1"/>
+          <p:nvPr/>
+        </p:nvSpPr>
+        <p:spPr>
+          <a:xfrm>
+            <a:off x="10293470" y="3562110"/>
+            <a:ext cx="1650521" cy="830997"/>
+          </a:xfrm>
+          <a:prstGeom prst="rect">
+            <a:avLst/>
+          </a:prstGeom>
+          <a:noFill/>
+        </p:spPr>
+        <p:txBody>
+          <a:bodyPr wrap="square" rtlCol="0">
+            <a:spAutoFit/>
+          </a:bodyPr>
+          <a:lstStyle/>
+          <a:p>
+            <a:r>
+              <a:rPr lang="zh-CN" altLang="en-US" sz="1200" b="1" dirty="0">
+                <a:solidFill>
+                  <a:srgbClr val="FF0000"/>
+                </a:solidFill>
+              </a:rPr>
+              <a:t>备注：一个</a:t>
+            </a:r>
+            <a:r>
+              <a:rPr lang="en-US" altLang="zh-CN" sz="1200" b="1" dirty="0">
+                <a:solidFill>
+                  <a:srgbClr val="FF0000"/>
+                </a:solidFill>
+              </a:rPr>
+              <a:t>VIP</a:t>
+            </a:r>
+            <a:r>
+              <a:rPr lang="zh-CN" altLang="en-US" sz="1200" b="1" dirty="0">
+                <a:solidFill>
+                  <a:srgbClr val="FF0000"/>
+                </a:solidFill>
+              </a:rPr>
+              <a:t>一般对应多个七层的接入层设备，这里画图方便一一对应</a:t>
+            </a:r>
+          </a:p>
+        </p:txBody>
+      </p:sp>
+      <p:sp>
+        <p:nvSpPr>
+          <p:cNvPr id="3" name="文本框 2">
+            <a:extLst>
+              <a:ext uri="{FF2B5EF4-FFF2-40B4-BE49-F238E27FC236}">
+                <a16:creationId xmlns:a16="http://schemas.microsoft.com/office/drawing/2014/main" id="{6B9E3F62-3B54-46AD-A9B1-13FFBC766573}"/>
+              </a:ext>
+            </a:extLst>
+          </p:cNvPr>
+          <p:cNvSpPr txBox="1"/>
+          <p:nvPr/>
+        </p:nvSpPr>
+        <p:spPr>
+          <a:xfrm>
+            <a:off x="1463616" y="2752657"/>
+            <a:ext cx="997788" cy="276999"/>
+          </a:xfrm>
+          <a:prstGeom prst="rect">
+            <a:avLst/>
+          </a:prstGeom>
+          <a:noFill/>
+        </p:spPr>
+        <p:txBody>
+          <a:bodyPr wrap="square" rtlCol="0">
+            <a:spAutoFit/>
+          </a:bodyPr>
+          <a:lstStyle/>
+          <a:p>
+            <a:r>
+              <a:rPr lang="en-US" altLang="zh-CN" sz="1200" dirty="0"/>
+              <a:t>os30</a:t>
+            </a:r>
+            <a:r>
+              <a:rPr lang="zh-CN" altLang="en-US" sz="1200" dirty="0"/>
+              <a:t>机房</a:t>
+            </a:r>
+          </a:p>
+        </p:txBody>
+      </p:sp>
+      <p:sp>
+        <p:nvSpPr>
+          <p:cNvPr id="34" name="文本框 33">
+            <a:extLst>
+              <a:ext uri="{FF2B5EF4-FFF2-40B4-BE49-F238E27FC236}">
+                <a16:creationId xmlns:a16="http://schemas.microsoft.com/office/drawing/2014/main" id="{A3DFC812-0E04-4698-9CBF-25B801C10CF2}"/>
+              </a:ext>
+            </a:extLst>
+          </p:cNvPr>
+          <p:cNvSpPr txBox="1"/>
+          <p:nvPr/>
+        </p:nvSpPr>
+        <p:spPr>
+          <a:xfrm>
+            <a:off x="5899750" y="2767859"/>
+            <a:ext cx="997788" cy="276999"/>
+          </a:xfrm>
+          <a:prstGeom prst="rect">
+            <a:avLst/>
+          </a:prstGeom>
+          <a:noFill/>
+        </p:spPr>
+        <p:txBody>
+          <a:bodyPr wrap="square" rtlCol="0">
+            <a:spAutoFit/>
+          </a:bodyPr>
+          <a:lstStyle/>
+          <a:p>
+            <a:r>
+              <a:rPr lang="en-US" altLang="zh-CN" sz="1200" dirty="0"/>
+              <a:t>sg52</a:t>
+            </a:r>
+            <a:r>
+              <a:rPr lang="zh-CN" altLang="en-US" sz="1200" dirty="0"/>
+              <a:t>机房</a:t>
+            </a:r>
+          </a:p>
+        </p:txBody>
+      </p:sp>
+      <p:cxnSp>
+        <p:nvCxnSpPr>
+          <p:cNvPr id="19" name="直接箭头连接符 18">
+            <a:extLst>
+              <a:ext uri="{FF2B5EF4-FFF2-40B4-BE49-F238E27FC236}">
+                <a16:creationId xmlns:a16="http://schemas.microsoft.com/office/drawing/2014/main" id="{EA00BE29-4837-4472-9A0E-E69334E3A8A6}"/>
+              </a:ext>
+            </a:extLst>
+          </p:cNvPr>
+          <p:cNvCxnSpPr/>
+          <p:nvPr/>
+        </p:nvCxnSpPr>
+        <p:spPr>
+          <a:xfrm>
+            <a:off x="5993921" y="779706"/>
+            <a:ext cx="0" cy="348964"/>
+          </a:xfrm>
+          <a:prstGeom prst="straightConnector1">
+            <a:avLst/>
+          </a:prstGeom>
+          <a:ln>
+            <a:tailEnd type="triangle"/>
+          </a:ln>
+        </p:spPr>
+        <p:style>
+          <a:lnRef idx="1">
+            <a:schemeClr val="accent2"/>
+          </a:lnRef>
+          <a:fillRef idx="0">
+            <a:schemeClr val="accent2"/>
+          </a:fillRef>
+          <a:effectRef idx="0">
+            <a:schemeClr val="accent2"/>
+          </a:effectRef>
+          <a:fontRef idx="minor">
+            <a:schemeClr val="tx1"/>
+          </a:fontRef>
+        </p:style>
+      </p:cxnSp>
+      <p:cxnSp>
+        <p:nvCxnSpPr>
+          <p:cNvPr id="35" name="直接箭头连接符 34">
+            <a:extLst>
+              <a:ext uri="{FF2B5EF4-FFF2-40B4-BE49-F238E27FC236}">
+                <a16:creationId xmlns:a16="http://schemas.microsoft.com/office/drawing/2014/main" id="{27C273FC-B745-43C4-983A-7D2DA86568C7}"/>
+              </a:ext>
+            </a:extLst>
+          </p:cNvPr>
+          <p:cNvCxnSpPr>
+            <a:endCxn id="7" idx="0"/>
+          </p:cNvCxnSpPr>
+          <p:nvPr/>
+        </p:nvCxnSpPr>
+        <p:spPr>
+          <a:xfrm>
+            <a:off x="5993921" y="1439400"/>
+            <a:ext cx="1368724" cy="687057"/>
+          </a:xfrm>
+          <a:prstGeom prst="straightConnector1">
+            <a:avLst/>
+          </a:prstGeom>
+          <a:ln>
+            <a:tailEnd type="triangle"/>
+          </a:ln>
+        </p:spPr>
+        <p:style>
+          <a:lnRef idx="1">
+            <a:schemeClr val="accent2"/>
+          </a:lnRef>
+          <a:fillRef idx="0">
+            <a:schemeClr val="accent2"/>
+          </a:fillRef>
+          <a:effectRef idx="0">
+            <a:schemeClr val="accent2"/>
+          </a:effectRef>
+          <a:fontRef idx="minor">
+            <a:schemeClr val="tx1"/>
+          </a:fontRef>
+        </p:style>
+      </p:cxnSp>
+      <p:cxnSp>
+        <p:nvCxnSpPr>
+          <p:cNvPr id="37" name="直接箭头连接符 36">
+            <a:extLst>
+              <a:ext uri="{FF2B5EF4-FFF2-40B4-BE49-F238E27FC236}">
+                <a16:creationId xmlns:a16="http://schemas.microsoft.com/office/drawing/2014/main" id="{8B53FD4C-14E5-4A1E-947B-E155C880D2D0}"/>
+              </a:ext>
+            </a:extLst>
+          </p:cNvPr>
+          <p:cNvCxnSpPr>
+            <a:stCxn id="7" idx="2"/>
+            <a:endCxn id="17" idx="0"/>
+          </p:cNvCxnSpPr>
+          <p:nvPr/>
+        </p:nvCxnSpPr>
+        <p:spPr>
+          <a:xfrm flipH="1">
+            <a:off x="6897538" y="2403893"/>
+            <a:ext cx="465107" cy="683804"/>
+          </a:xfrm>
+          <a:prstGeom prst="straightConnector1">
+            <a:avLst/>
+          </a:prstGeom>
+          <a:ln>
+            <a:tailEnd type="triangle"/>
+          </a:ln>
+        </p:spPr>
+        <p:style>
+          <a:lnRef idx="1">
+            <a:schemeClr val="accent2"/>
+          </a:lnRef>
+          <a:fillRef idx="0">
+            <a:schemeClr val="accent2"/>
+          </a:fillRef>
+          <a:effectRef idx="0">
+            <a:schemeClr val="accent2"/>
+          </a:effectRef>
+          <a:fontRef idx="minor">
+            <a:schemeClr val="tx1"/>
+          </a:fontRef>
+        </p:style>
+      </p:cxnSp>
+      <p:cxnSp>
+        <p:nvCxnSpPr>
+          <p:cNvPr id="39" name="直接箭头连接符 38">
+            <a:extLst>
+              <a:ext uri="{FF2B5EF4-FFF2-40B4-BE49-F238E27FC236}">
+                <a16:creationId xmlns:a16="http://schemas.microsoft.com/office/drawing/2014/main" id="{92848573-99AD-4F50-AA87-C44039E528E0}"/>
+              </a:ext>
+            </a:extLst>
+          </p:cNvPr>
+          <p:cNvCxnSpPr>
+            <a:cxnSpLocks/>
+          </p:cNvCxnSpPr>
+          <p:nvPr/>
+        </p:nvCxnSpPr>
+        <p:spPr>
+          <a:xfrm>
+            <a:off x="6929887" y="3379898"/>
+            <a:ext cx="0" cy="304690"/>
+          </a:xfrm>
+          <a:prstGeom prst="straightConnector1">
+            <a:avLst/>
+          </a:prstGeom>
+          <a:ln>
+            <a:tailEnd type="triangle"/>
+          </a:ln>
+        </p:spPr>
+        <p:style>
+          <a:lnRef idx="1">
+            <a:schemeClr val="accent2"/>
+          </a:lnRef>
+          <a:fillRef idx="0">
+            <a:schemeClr val="accent2"/>
+          </a:fillRef>
+          <a:effectRef idx="0">
+            <a:schemeClr val="accent2"/>
+          </a:effectRef>
+          <a:fontRef idx="minor">
+            <a:schemeClr val="tx1"/>
+          </a:fontRef>
+        </p:style>
+      </p:cxnSp>
+    </p:spTree>
+    <p:extLst>
+      <p:ext uri="{BB962C8B-B14F-4D97-AF65-F5344CB8AC3E}">
+        <p14:creationId xmlns:p14="http://schemas.microsoft.com/office/powerpoint/2010/main" val="1101175525"/>
+      </p:ext>
+    </p:extLst>
+  </p:cSld>
+  <p:clrMapOvr>
+    <a:masterClrMapping/>
+  </p:clrMapOvr>
+</p:sld>
+</file>
+
 <file path=ppt/theme/theme1.xml><?xml version="1.0" encoding="utf-8"?>
 <a:theme xmlns:a="http://schemas.openxmlformats.org/drawingml/2006/main" name="Office 主题​​">
   <a:themeElements>

--- a/ppt/tmp_ppt.pptx
+++ b/ppt/tmp_ppt.pptx
@@ -7,6 +7,7 @@
   <p:sldIdLst>
     <p:sldId id="256" r:id="rId2"/>
     <p:sldId id="257" r:id="rId3"/>
+    <p:sldId id="258" r:id="rId4"/>
   </p:sldIdLst>
   <p:sldSz cx="12192000" cy="6858000"/>
   <p:notesSz cx="6858000" cy="9144000"/>
@@ -6063,6 +6064,2373 @@
 </p:sld>
 </file>
 
+<file path=ppt/slides/slide3.xml><?xml version="1.0" encoding="utf-8"?>
+<p:sld xmlns:a="http://schemas.openxmlformats.org/drawingml/2006/main" xmlns:r="http://schemas.openxmlformats.org/officeDocument/2006/relationships" xmlns:p="http://schemas.openxmlformats.org/presentationml/2006/main">
+  <p:cSld>
+    <p:spTree>
+      <p:nvGrpSpPr>
+        <p:cNvPr id="1" name=""/>
+        <p:cNvGrpSpPr/>
+        <p:nvPr/>
+      </p:nvGrpSpPr>
+      <p:grpSpPr>
+        <a:xfrm>
+          <a:off x="0" y="0"/>
+          <a:ext cx="0" cy="0"/>
+          <a:chOff x="0" y="0"/>
+          <a:chExt cx="0" cy="0"/>
+        </a:xfrm>
+      </p:grpSpPr>
+      <p:sp>
+        <p:nvSpPr>
+          <p:cNvPr id="18" name="矩形 17">
+            <a:extLst>
+              <a:ext uri="{FF2B5EF4-FFF2-40B4-BE49-F238E27FC236}">
+                <a16:creationId xmlns:a16="http://schemas.microsoft.com/office/drawing/2014/main" id="{77F3FE3B-C56B-4FEA-8B86-9E326E1A6FE1}"/>
+              </a:ext>
+            </a:extLst>
+          </p:cNvPr>
+          <p:cNvSpPr/>
+          <p:nvPr/>
+        </p:nvSpPr>
+        <p:spPr>
+          <a:xfrm>
+            <a:off x="2438401" y="1259459"/>
+            <a:ext cx="2051647" cy="3220528"/>
+          </a:xfrm>
+          <a:prstGeom prst="rect">
+            <a:avLst/>
+          </a:prstGeom>
+        </p:spPr>
+        <p:style>
+          <a:lnRef idx="2">
+            <a:schemeClr val="accent6"/>
+          </a:lnRef>
+          <a:fillRef idx="1">
+            <a:schemeClr val="lt1"/>
+          </a:fillRef>
+          <a:effectRef idx="0">
+            <a:schemeClr val="accent6"/>
+          </a:effectRef>
+          <a:fontRef idx="minor">
+            <a:schemeClr val="dk1"/>
+          </a:fontRef>
+        </p:style>
+        <p:txBody>
+          <a:bodyPr rtlCol="0" anchor="ctr"/>
+          <a:lstStyle/>
+          <a:p>
+            <a:pPr algn="ctr"/>
+            <a:endParaRPr lang="zh-CN" altLang="en-US"/>
+          </a:p>
+        </p:txBody>
+      </p:sp>
+      <p:sp>
+        <p:nvSpPr>
+          <p:cNvPr id="17" name="矩形 16">
+            <a:extLst>
+              <a:ext uri="{FF2B5EF4-FFF2-40B4-BE49-F238E27FC236}">
+                <a16:creationId xmlns:a16="http://schemas.microsoft.com/office/drawing/2014/main" id="{CF4CE930-781E-4017-81BB-B347C39114C4}"/>
+              </a:ext>
+            </a:extLst>
+          </p:cNvPr>
+          <p:cNvSpPr/>
+          <p:nvPr/>
+        </p:nvSpPr>
+        <p:spPr>
+          <a:xfrm>
+            <a:off x="362309" y="1259458"/>
+            <a:ext cx="1938068" cy="3220528"/>
+          </a:xfrm>
+          <a:prstGeom prst="rect">
+            <a:avLst/>
+          </a:prstGeom>
+        </p:spPr>
+        <p:style>
+          <a:lnRef idx="2">
+            <a:schemeClr val="accent6"/>
+          </a:lnRef>
+          <a:fillRef idx="1">
+            <a:schemeClr val="lt1"/>
+          </a:fillRef>
+          <a:effectRef idx="0">
+            <a:schemeClr val="accent6"/>
+          </a:effectRef>
+          <a:fontRef idx="minor">
+            <a:schemeClr val="dk1"/>
+          </a:fontRef>
+        </p:style>
+        <p:txBody>
+          <a:bodyPr rtlCol="0" anchor="ctr"/>
+          <a:lstStyle/>
+          <a:p>
+            <a:pPr algn="ctr"/>
+            <a:endParaRPr lang="zh-CN" altLang="en-US"/>
+          </a:p>
+        </p:txBody>
+      </p:sp>
+      <p:sp>
+        <p:nvSpPr>
+          <p:cNvPr id="4" name="文本框 3">
+            <a:extLst>
+              <a:ext uri="{FF2B5EF4-FFF2-40B4-BE49-F238E27FC236}">
+                <a16:creationId xmlns:a16="http://schemas.microsoft.com/office/drawing/2014/main" id="{633B73AA-7EEF-4761-B4AF-B49F1F0D73A1}"/>
+              </a:ext>
+            </a:extLst>
+          </p:cNvPr>
+          <p:cNvSpPr txBox="1"/>
+          <p:nvPr/>
+        </p:nvSpPr>
+        <p:spPr>
+          <a:xfrm>
+            <a:off x="224287" y="304800"/>
+            <a:ext cx="1627517" cy="276999"/>
+          </a:xfrm>
+          <a:prstGeom prst="rect">
+            <a:avLst/>
+          </a:prstGeom>
+          <a:noFill/>
+        </p:spPr>
+        <p:txBody>
+          <a:bodyPr wrap="square" rtlCol="0">
+            <a:spAutoFit/>
+          </a:bodyPr>
+          <a:lstStyle/>
+          <a:p>
+            <a:r>
+              <a:rPr lang="zh-CN" altLang="en-US" sz="1200" dirty="0"/>
+              <a:t>缩容前</a:t>
+            </a:r>
+          </a:p>
+        </p:txBody>
+      </p:sp>
+      <p:sp>
+        <p:nvSpPr>
+          <p:cNvPr id="5" name="矩形 4">
+            <a:extLst>
+              <a:ext uri="{FF2B5EF4-FFF2-40B4-BE49-F238E27FC236}">
+                <a16:creationId xmlns:a16="http://schemas.microsoft.com/office/drawing/2014/main" id="{1A744FDA-736D-4EC9-BD05-25EA06D4BB25}"/>
+              </a:ext>
+            </a:extLst>
+          </p:cNvPr>
+          <p:cNvSpPr/>
+          <p:nvPr/>
+        </p:nvSpPr>
+        <p:spPr>
+          <a:xfrm>
+            <a:off x="477328" y="1610740"/>
+            <a:ext cx="782129" cy="276999"/>
+          </a:xfrm>
+          <a:prstGeom prst="rect">
+            <a:avLst/>
+          </a:prstGeom>
+        </p:spPr>
+        <p:style>
+          <a:lnRef idx="2">
+            <a:schemeClr val="accent6"/>
+          </a:lnRef>
+          <a:fillRef idx="1">
+            <a:schemeClr val="lt1"/>
+          </a:fillRef>
+          <a:effectRef idx="0">
+            <a:schemeClr val="accent6"/>
+          </a:effectRef>
+          <a:fontRef idx="minor">
+            <a:schemeClr val="dk1"/>
+          </a:fontRef>
+        </p:style>
+        <p:txBody>
+          <a:bodyPr rtlCol="0" anchor="ctr"/>
+          <a:lstStyle/>
+          <a:p>
+            <a:pPr algn="ctr"/>
+            <a:r>
+              <a:rPr lang="zh-CN" altLang="en-US" sz="1200" dirty="0"/>
+              <a:t>应用</a:t>
+            </a:r>
+            <a:r>
+              <a:rPr lang="en-US" altLang="zh-CN" sz="1200" dirty="0"/>
+              <a:t>A</a:t>
+            </a:r>
+            <a:endParaRPr lang="zh-CN" altLang="en-US" sz="1200" dirty="0"/>
+          </a:p>
+        </p:txBody>
+      </p:sp>
+      <p:sp>
+        <p:nvSpPr>
+          <p:cNvPr id="6" name="矩形 5">
+            <a:extLst>
+              <a:ext uri="{FF2B5EF4-FFF2-40B4-BE49-F238E27FC236}">
+                <a16:creationId xmlns:a16="http://schemas.microsoft.com/office/drawing/2014/main" id="{E8424912-57CF-4A8D-B0B9-BA7347B51E09}"/>
+              </a:ext>
+            </a:extLst>
+          </p:cNvPr>
+          <p:cNvSpPr/>
+          <p:nvPr/>
+        </p:nvSpPr>
+        <p:spPr>
+          <a:xfrm>
+            <a:off x="1342845" y="1610740"/>
+            <a:ext cx="782129" cy="276999"/>
+          </a:xfrm>
+          <a:prstGeom prst="rect">
+            <a:avLst/>
+          </a:prstGeom>
+        </p:spPr>
+        <p:style>
+          <a:lnRef idx="2">
+            <a:schemeClr val="accent6"/>
+          </a:lnRef>
+          <a:fillRef idx="1">
+            <a:schemeClr val="lt1"/>
+          </a:fillRef>
+          <a:effectRef idx="0">
+            <a:schemeClr val="accent6"/>
+          </a:effectRef>
+          <a:fontRef idx="minor">
+            <a:schemeClr val="dk1"/>
+          </a:fontRef>
+        </p:style>
+        <p:txBody>
+          <a:bodyPr rtlCol="0" anchor="ctr"/>
+          <a:lstStyle/>
+          <a:p>
+            <a:pPr algn="ctr"/>
+            <a:r>
+              <a:rPr lang="zh-CN" altLang="en-US" sz="1200" dirty="0"/>
+              <a:t>应用</a:t>
+            </a:r>
+            <a:r>
+              <a:rPr lang="en-US" altLang="zh-CN" sz="1200" dirty="0"/>
+              <a:t>A</a:t>
+            </a:r>
+            <a:endParaRPr lang="zh-CN" altLang="en-US" sz="1200" dirty="0"/>
+          </a:p>
+        </p:txBody>
+      </p:sp>
+      <p:sp>
+        <p:nvSpPr>
+          <p:cNvPr id="7" name="矩形 6">
+            <a:extLst>
+              <a:ext uri="{FF2B5EF4-FFF2-40B4-BE49-F238E27FC236}">
+                <a16:creationId xmlns:a16="http://schemas.microsoft.com/office/drawing/2014/main" id="{4F952F6C-C292-496E-87FC-45654D88533C}"/>
+              </a:ext>
+            </a:extLst>
+          </p:cNvPr>
+          <p:cNvSpPr/>
+          <p:nvPr/>
+        </p:nvSpPr>
+        <p:spPr>
+          <a:xfrm>
+            <a:off x="477327" y="1993177"/>
+            <a:ext cx="782129" cy="276999"/>
+          </a:xfrm>
+          <a:prstGeom prst="rect">
+            <a:avLst/>
+          </a:prstGeom>
+        </p:spPr>
+        <p:style>
+          <a:lnRef idx="2">
+            <a:schemeClr val="accent6"/>
+          </a:lnRef>
+          <a:fillRef idx="1">
+            <a:schemeClr val="lt1"/>
+          </a:fillRef>
+          <a:effectRef idx="0">
+            <a:schemeClr val="accent6"/>
+          </a:effectRef>
+          <a:fontRef idx="minor">
+            <a:schemeClr val="dk1"/>
+          </a:fontRef>
+        </p:style>
+        <p:txBody>
+          <a:bodyPr rtlCol="0" anchor="ctr"/>
+          <a:lstStyle/>
+          <a:p>
+            <a:pPr algn="ctr"/>
+            <a:r>
+              <a:rPr lang="zh-CN" altLang="en-US" sz="1200" dirty="0"/>
+              <a:t>应用</a:t>
+            </a:r>
+            <a:r>
+              <a:rPr lang="en-US" altLang="zh-CN" sz="1200" dirty="0"/>
+              <a:t>A</a:t>
+            </a:r>
+            <a:endParaRPr lang="zh-CN" altLang="en-US" sz="1200" dirty="0"/>
+          </a:p>
+        </p:txBody>
+      </p:sp>
+      <p:sp>
+        <p:nvSpPr>
+          <p:cNvPr id="8" name="矩形 7">
+            <a:extLst>
+              <a:ext uri="{FF2B5EF4-FFF2-40B4-BE49-F238E27FC236}">
+                <a16:creationId xmlns:a16="http://schemas.microsoft.com/office/drawing/2014/main" id="{B97C4638-8990-4C84-A3B9-E950FE7014A1}"/>
+              </a:ext>
+            </a:extLst>
+          </p:cNvPr>
+          <p:cNvSpPr/>
+          <p:nvPr/>
+        </p:nvSpPr>
+        <p:spPr>
+          <a:xfrm>
+            <a:off x="1342845" y="2012344"/>
+            <a:ext cx="782129" cy="276999"/>
+          </a:xfrm>
+          <a:prstGeom prst="rect">
+            <a:avLst/>
+          </a:prstGeom>
+        </p:spPr>
+        <p:style>
+          <a:lnRef idx="2">
+            <a:schemeClr val="accent6"/>
+          </a:lnRef>
+          <a:fillRef idx="1">
+            <a:schemeClr val="lt1"/>
+          </a:fillRef>
+          <a:effectRef idx="0">
+            <a:schemeClr val="accent6"/>
+          </a:effectRef>
+          <a:fontRef idx="minor">
+            <a:schemeClr val="dk1"/>
+          </a:fontRef>
+        </p:style>
+        <p:txBody>
+          <a:bodyPr rtlCol="0" anchor="ctr"/>
+          <a:lstStyle/>
+          <a:p>
+            <a:pPr algn="ctr"/>
+            <a:r>
+              <a:rPr lang="zh-CN" altLang="en-US" sz="1200" dirty="0"/>
+              <a:t>应用</a:t>
+            </a:r>
+            <a:r>
+              <a:rPr lang="en-US" altLang="zh-CN" sz="1200" dirty="0"/>
+              <a:t>A</a:t>
+            </a:r>
+            <a:endParaRPr lang="zh-CN" altLang="en-US" sz="1200" dirty="0"/>
+          </a:p>
+        </p:txBody>
+      </p:sp>
+      <p:sp>
+        <p:nvSpPr>
+          <p:cNvPr id="9" name="矩形 8">
+            <a:extLst>
+              <a:ext uri="{FF2B5EF4-FFF2-40B4-BE49-F238E27FC236}">
+                <a16:creationId xmlns:a16="http://schemas.microsoft.com/office/drawing/2014/main" id="{FFFBC8AB-4BC1-4AA6-BBC2-FFBF4A22B346}"/>
+              </a:ext>
+            </a:extLst>
+          </p:cNvPr>
+          <p:cNvSpPr/>
+          <p:nvPr/>
+        </p:nvSpPr>
+        <p:spPr>
+          <a:xfrm>
+            <a:off x="477326" y="2418262"/>
+            <a:ext cx="782129" cy="276999"/>
+          </a:xfrm>
+          <a:prstGeom prst="rect">
+            <a:avLst/>
+          </a:prstGeom>
+        </p:spPr>
+        <p:style>
+          <a:lnRef idx="2">
+            <a:schemeClr val="accent6"/>
+          </a:lnRef>
+          <a:fillRef idx="1">
+            <a:schemeClr val="lt1"/>
+          </a:fillRef>
+          <a:effectRef idx="0">
+            <a:schemeClr val="accent6"/>
+          </a:effectRef>
+          <a:fontRef idx="minor">
+            <a:schemeClr val="dk1"/>
+          </a:fontRef>
+        </p:style>
+        <p:txBody>
+          <a:bodyPr rtlCol="0" anchor="ctr"/>
+          <a:lstStyle/>
+          <a:p>
+            <a:pPr algn="ctr"/>
+            <a:r>
+              <a:rPr lang="zh-CN" altLang="en-US" sz="1200" dirty="0"/>
+              <a:t>应用</a:t>
+            </a:r>
+            <a:r>
+              <a:rPr lang="en-US" altLang="zh-CN" sz="1200" dirty="0"/>
+              <a:t>A</a:t>
+            </a:r>
+            <a:endParaRPr lang="zh-CN" altLang="en-US" sz="1200" dirty="0"/>
+          </a:p>
+        </p:txBody>
+      </p:sp>
+      <p:sp>
+        <p:nvSpPr>
+          <p:cNvPr id="10" name="矩形 9">
+            <a:extLst>
+              <a:ext uri="{FF2B5EF4-FFF2-40B4-BE49-F238E27FC236}">
+                <a16:creationId xmlns:a16="http://schemas.microsoft.com/office/drawing/2014/main" id="{A9BCB5A9-2DB0-44D5-B4D7-A4C215428528}"/>
+              </a:ext>
+            </a:extLst>
+          </p:cNvPr>
+          <p:cNvSpPr/>
+          <p:nvPr/>
+        </p:nvSpPr>
+        <p:spPr>
+          <a:xfrm>
+            <a:off x="1342845" y="2418262"/>
+            <a:ext cx="782129" cy="276999"/>
+          </a:xfrm>
+          <a:prstGeom prst="rect">
+            <a:avLst/>
+          </a:prstGeom>
+        </p:spPr>
+        <p:style>
+          <a:lnRef idx="2">
+            <a:schemeClr val="accent6"/>
+          </a:lnRef>
+          <a:fillRef idx="1">
+            <a:schemeClr val="lt1"/>
+          </a:fillRef>
+          <a:effectRef idx="0">
+            <a:schemeClr val="accent6"/>
+          </a:effectRef>
+          <a:fontRef idx="minor">
+            <a:schemeClr val="dk1"/>
+          </a:fontRef>
+        </p:style>
+        <p:txBody>
+          <a:bodyPr rtlCol="0" anchor="ctr"/>
+          <a:lstStyle/>
+          <a:p>
+            <a:pPr algn="ctr"/>
+            <a:r>
+              <a:rPr lang="zh-CN" altLang="en-US" sz="1200" dirty="0"/>
+              <a:t>应用</a:t>
+            </a:r>
+            <a:r>
+              <a:rPr lang="en-US" altLang="zh-CN" sz="1200" dirty="0"/>
+              <a:t>A</a:t>
+            </a:r>
+            <a:endParaRPr lang="zh-CN" altLang="en-US" sz="1200" dirty="0"/>
+          </a:p>
+        </p:txBody>
+      </p:sp>
+      <p:sp>
+        <p:nvSpPr>
+          <p:cNvPr id="11" name="矩形 10">
+            <a:extLst>
+              <a:ext uri="{FF2B5EF4-FFF2-40B4-BE49-F238E27FC236}">
+                <a16:creationId xmlns:a16="http://schemas.microsoft.com/office/drawing/2014/main" id="{68E5D0B9-DF19-429E-AE2A-D606F12FFEB9}"/>
+              </a:ext>
+            </a:extLst>
+          </p:cNvPr>
+          <p:cNvSpPr/>
+          <p:nvPr/>
+        </p:nvSpPr>
+        <p:spPr>
+          <a:xfrm>
+            <a:off x="2567796" y="1610740"/>
+            <a:ext cx="782129" cy="276999"/>
+          </a:xfrm>
+          <a:prstGeom prst="rect">
+            <a:avLst/>
+          </a:prstGeom>
+        </p:spPr>
+        <p:style>
+          <a:lnRef idx="2">
+            <a:schemeClr val="accent6"/>
+          </a:lnRef>
+          <a:fillRef idx="1">
+            <a:schemeClr val="lt1"/>
+          </a:fillRef>
+          <a:effectRef idx="0">
+            <a:schemeClr val="accent6"/>
+          </a:effectRef>
+          <a:fontRef idx="minor">
+            <a:schemeClr val="dk1"/>
+          </a:fontRef>
+        </p:style>
+        <p:txBody>
+          <a:bodyPr rtlCol="0" anchor="ctr"/>
+          <a:lstStyle/>
+          <a:p>
+            <a:pPr algn="ctr"/>
+            <a:r>
+              <a:rPr lang="zh-CN" altLang="en-US" sz="1200" dirty="0"/>
+              <a:t>应用</a:t>
+            </a:r>
+            <a:r>
+              <a:rPr lang="en-US" altLang="zh-CN" sz="1200" dirty="0"/>
+              <a:t>A</a:t>
+            </a:r>
+            <a:endParaRPr lang="zh-CN" altLang="en-US" sz="1200" dirty="0"/>
+          </a:p>
+        </p:txBody>
+      </p:sp>
+      <p:sp>
+        <p:nvSpPr>
+          <p:cNvPr id="12" name="矩形 11">
+            <a:extLst>
+              <a:ext uri="{FF2B5EF4-FFF2-40B4-BE49-F238E27FC236}">
+                <a16:creationId xmlns:a16="http://schemas.microsoft.com/office/drawing/2014/main" id="{D507E794-C980-4952-BA4C-E3AD29086FF1}"/>
+              </a:ext>
+            </a:extLst>
+          </p:cNvPr>
+          <p:cNvSpPr/>
+          <p:nvPr/>
+        </p:nvSpPr>
+        <p:spPr>
+          <a:xfrm>
+            <a:off x="3433313" y="1610740"/>
+            <a:ext cx="782129" cy="276999"/>
+          </a:xfrm>
+          <a:prstGeom prst="rect">
+            <a:avLst/>
+          </a:prstGeom>
+        </p:spPr>
+        <p:style>
+          <a:lnRef idx="2">
+            <a:schemeClr val="accent6"/>
+          </a:lnRef>
+          <a:fillRef idx="1">
+            <a:schemeClr val="lt1"/>
+          </a:fillRef>
+          <a:effectRef idx="0">
+            <a:schemeClr val="accent6"/>
+          </a:effectRef>
+          <a:fontRef idx="minor">
+            <a:schemeClr val="dk1"/>
+          </a:fontRef>
+        </p:style>
+        <p:txBody>
+          <a:bodyPr rtlCol="0" anchor="ctr"/>
+          <a:lstStyle/>
+          <a:p>
+            <a:pPr algn="ctr"/>
+            <a:r>
+              <a:rPr lang="zh-CN" altLang="en-US" sz="1200" dirty="0"/>
+              <a:t>应用</a:t>
+            </a:r>
+            <a:r>
+              <a:rPr lang="en-US" altLang="zh-CN" sz="1200" dirty="0"/>
+              <a:t>A</a:t>
+            </a:r>
+            <a:endParaRPr lang="zh-CN" altLang="en-US" sz="1200" dirty="0"/>
+          </a:p>
+        </p:txBody>
+      </p:sp>
+      <p:sp>
+        <p:nvSpPr>
+          <p:cNvPr id="13" name="矩形 12">
+            <a:extLst>
+              <a:ext uri="{FF2B5EF4-FFF2-40B4-BE49-F238E27FC236}">
+                <a16:creationId xmlns:a16="http://schemas.microsoft.com/office/drawing/2014/main" id="{DA98675B-D93F-4256-9038-D1ED9B0564A9}"/>
+              </a:ext>
+            </a:extLst>
+          </p:cNvPr>
+          <p:cNvSpPr/>
+          <p:nvPr/>
+        </p:nvSpPr>
+        <p:spPr>
+          <a:xfrm>
+            <a:off x="2567795" y="1993177"/>
+            <a:ext cx="782129" cy="276999"/>
+          </a:xfrm>
+          <a:prstGeom prst="rect">
+            <a:avLst/>
+          </a:prstGeom>
+        </p:spPr>
+        <p:style>
+          <a:lnRef idx="2">
+            <a:schemeClr val="accent6"/>
+          </a:lnRef>
+          <a:fillRef idx="1">
+            <a:schemeClr val="lt1"/>
+          </a:fillRef>
+          <a:effectRef idx="0">
+            <a:schemeClr val="accent6"/>
+          </a:effectRef>
+          <a:fontRef idx="minor">
+            <a:schemeClr val="dk1"/>
+          </a:fontRef>
+        </p:style>
+        <p:txBody>
+          <a:bodyPr rtlCol="0" anchor="ctr"/>
+          <a:lstStyle/>
+          <a:p>
+            <a:pPr algn="ctr"/>
+            <a:r>
+              <a:rPr lang="zh-CN" altLang="en-US" sz="1200" dirty="0"/>
+              <a:t>应用</a:t>
+            </a:r>
+            <a:r>
+              <a:rPr lang="en-US" altLang="zh-CN" sz="1200" dirty="0"/>
+              <a:t>A</a:t>
+            </a:r>
+            <a:endParaRPr lang="zh-CN" altLang="en-US" sz="1200" dirty="0"/>
+          </a:p>
+        </p:txBody>
+      </p:sp>
+      <p:sp>
+        <p:nvSpPr>
+          <p:cNvPr id="14" name="矩形 13">
+            <a:extLst>
+              <a:ext uri="{FF2B5EF4-FFF2-40B4-BE49-F238E27FC236}">
+                <a16:creationId xmlns:a16="http://schemas.microsoft.com/office/drawing/2014/main" id="{0A048BB5-B003-486F-BAD0-E78FED5B2FD5}"/>
+              </a:ext>
+            </a:extLst>
+          </p:cNvPr>
+          <p:cNvSpPr/>
+          <p:nvPr/>
+        </p:nvSpPr>
+        <p:spPr>
+          <a:xfrm>
+            <a:off x="3433313" y="2012344"/>
+            <a:ext cx="782129" cy="276999"/>
+          </a:xfrm>
+          <a:prstGeom prst="rect">
+            <a:avLst/>
+          </a:prstGeom>
+        </p:spPr>
+        <p:style>
+          <a:lnRef idx="2">
+            <a:schemeClr val="accent6"/>
+          </a:lnRef>
+          <a:fillRef idx="1">
+            <a:schemeClr val="lt1"/>
+          </a:fillRef>
+          <a:effectRef idx="0">
+            <a:schemeClr val="accent6"/>
+          </a:effectRef>
+          <a:fontRef idx="minor">
+            <a:schemeClr val="dk1"/>
+          </a:fontRef>
+        </p:style>
+        <p:txBody>
+          <a:bodyPr rtlCol="0" anchor="ctr"/>
+          <a:lstStyle/>
+          <a:p>
+            <a:pPr algn="ctr"/>
+            <a:r>
+              <a:rPr lang="zh-CN" altLang="en-US" sz="1200" dirty="0"/>
+              <a:t>应用</a:t>
+            </a:r>
+            <a:r>
+              <a:rPr lang="en-US" altLang="zh-CN" sz="1200" dirty="0"/>
+              <a:t>A</a:t>
+            </a:r>
+            <a:endParaRPr lang="zh-CN" altLang="en-US" sz="1200" dirty="0"/>
+          </a:p>
+        </p:txBody>
+      </p:sp>
+      <p:sp>
+        <p:nvSpPr>
+          <p:cNvPr id="15" name="矩形 14">
+            <a:extLst>
+              <a:ext uri="{FF2B5EF4-FFF2-40B4-BE49-F238E27FC236}">
+                <a16:creationId xmlns:a16="http://schemas.microsoft.com/office/drawing/2014/main" id="{CA46A514-E298-4283-976D-44EC76C5966C}"/>
+              </a:ext>
+            </a:extLst>
+          </p:cNvPr>
+          <p:cNvSpPr/>
+          <p:nvPr/>
+        </p:nvSpPr>
+        <p:spPr>
+          <a:xfrm>
+            <a:off x="2567794" y="2418262"/>
+            <a:ext cx="782129" cy="276999"/>
+          </a:xfrm>
+          <a:prstGeom prst="rect">
+            <a:avLst/>
+          </a:prstGeom>
+        </p:spPr>
+        <p:style>
+          <a:lnRef idx="2">
+            <a:schemeClr val="accent6"/>
+          </a:lnRef>
+          <a:fillRef idx="1">
+            <a:schemeClr val="lt1"/>
+          </a:fillRef>
+          <a:effectRef idx="0">
+            <a:schemeClr val="accent6"/>
+          </a:effectRef>
+          <a:fontRef idx="minor">
+            <a:schemeClr val="dk1"/>
+          </a:fontRef>
+        </p:style>
+        <p:txBody>
+          <a:bodyPr rtlCol="0" anchor="ctr"/>
+          <a:lstStyle/>
+          <a:p>
+            <a:pPr algn="ctr"/>
+            <a:r>
+              <a:rPr lang="zh-CN" altLang="en-US" sz="1200" dirty="0"/>
+              <a:t>应用</a:t>
+            </a:r>
+            <a:r>
+              <a:rPr lang="en-US" altLang="zh-CN" sz="1200" dirty="0"/>
+              <a:t>A</a:t>
+            </a:r>
+            <a:endParaRPr lang="zh-CN" altLang="en-US" sz="1200" dirty="0"/>
+          </a:p>
+        </p:txBody>
+      </p:sp>
+      <p:sp>
+        <p:nvSpPr>
+          <p:cNvPr id="16" name="矩形 15">
+            <a:extLst>
+              <a:ext uri="{FF2B5EF4-FFF2-40B4-BE49-F238E27FC236}">
+                <a16:creationId xmlns:a16="http://schemas.microsoft.com/office/drawing/2014/main" id="{AB5C317E-1813-4E44-9B83-ED99614821E9}"/>
+              </a:ext>
+            </a:extLst>
+          </p:cNvPr>
+          <p:cNvSpPr/>
+          <p:nvPr/>
+        </p:nvSpPr>
+        <p:spPr>
+          <a:xfrm>
+            <a:off x="3433313" y="2418262"/>
+            <a:ext cx="782129" cy="276999"/>
+          </a:xfrm>
+          <a:prstGeom prst="rect">
+            <a:avLst/>
+          </a:prstGeom>
+        </p:spPr>
+        <p:style>
+          <a:lnRef idx="2">
+            <a:schemeClr val="accent6"/>
+          </a:lnRef>
+          <a:fillRef idx="1">
+            <a:schemeClr val="lt1"/>
+          </a:fillRef>
+          <a:effectRef idx="0">
+            <a:schemeClr val="accent6"/>
+          </a:effectRef>
+          <a:fontRef idx="minor">
+            <a:schemeClr val="dk1"/>
+          </a:fontRef>
+        </p:style>
+        <p:txBody>
+          <a:bodyPr rtlCol="0" anchor="ctr"/>
+          <a:lstStyle/>
+          <a:p>
+            <a:pPr algn="ctr"/>
+            <a:r>
+              <a:rPr lang="zh-CN" altLang="en-US" sz="1200" dirty="0"/>
+              <a:t>应用</a:t>
+            </a:r>
+            <a:r>
+              <a:rPr lang="en-US" altLang="zh-CN" sz="1200" dirty="0"/>
+              <a:t>A</a:t>
+            </a:r>
+            <a:endParaRPr lang="zh-CN" altLang="en-US" sz="1200" dirty="0"/>
+          </a:p>
+        </p:txBody>
+      </p:sp>
+      <p:sp>
+        <p:nvSpPr>
+          <p:cNvPr id="19" name="文本框 18">
+            <a:extLst>
+              <a:ext uri="{FF2B5EF4-FFF2-40B4-BE49-F238E27FC236}">
+                <a16:creationId xmlns:a16="http://schemas.microsoft.com/office/drawing/2014/main" id="{5793AB0B-9D59-4D0F-9D50-0C29C6854ED4}"/>
+              </a:ext>
+            </a:extLst>
+          </p:cNvPr>
+          <p:cNvSpPr txBox="1"/>
+          <p:nvPr/>
+        </p:nvSpPr>
+        <p:spPr>
+          <a:xfrm>
+            <a:off x="362309" y="1285092"/>
+            <a:ext cx="1288211" cy="276999"/>
+          </a:xfrm>
+          <a:prstGeom prst="rect">
+            <a:avLst/>
+          </a:prstGeom>
+          <a:noFill/>
+        </p:spPr>
+        <p:txBody>
+          <a:bodyPr wrap="square" rtlCol="0">
+            <a:spAutoFit/>
+          </a:bodyPr>
+          <a:lstStyle/>
+          <a:p>
+            <a:r>
+              <a:rPr lang="en-US" altLang="zh-CN" sz="1200" dirty="0"/>
+              <a:t>OS30</a:t>
+            </a:r>
+            <a:r>
+              <a:rPr lang="zh-CN" altLang="en-US" sz="1200" dirty="0"/>
+              <a:t>机房</a:t>
+            </a:r>
+          </a:p>
+        </p:txBody>
+      </p:sp>
+      <p:sp>
+        <p:nvSpPr>
+          <p:cNvPr id="20" name="文本框 19">
+            <a:extLst>
+              <a:ext uri="{FF2B5EF4-FFF2-40B4-BE49-F238E27FC236}">
+                <a16:creationId xmlns:a16="http://schemas.microsoft.com/office/drawing/2014/main" id="{467AAE60-0AA7-4EAE-AD9B-B6918488EFA9}"/>
+              </a:ext>
+            </a:extLst>
+          </p:cNvPr>
+          <p:cNvSpPr txBox="1"/>
+          <p:nvPr/>
+        </p:nvSpPr>
+        <p:spPr>
+          <a:xfrm>
+            <a:off x="2438401" y="1288206"/>
+            <a:ext cx="1288211" cy="276999"/>
+          </a:xfrm>
+          <a:prstGeom prst="rect">
+            <a:avLst/>
+          </a:prstGeom>
+          <a:noFill/>
+        </p:spPr>
+        <p:txBody>
+          <a:bodyPr wrap="square" rtlCol="0">
+            <a:spAutoFit/>
+          </a:bodyPr>
+          <a:lstStyle/>
+          <a:p>
+            <a:r>
+              <a:rPr lang="en-US" altLang="zh-CN" sz="1200" dirty="0"/>
+              <a:t>SG52</a:t>
+            </a:r>
+            <a:r>
+              <a:rPr lang="zh-CN" altLang="en-US" sz="1200" dirty="0"/>
+              <a:t>机房</a:t>
+            </a:r>
+          </a:p>
+        </p:txBody>
+      </p:sp>
+      <p:sp>
+        <p:nvSpPr>
+          <p:cNvPr id="21" name="矩形 20">
+            <a:extLst>
+              <a:ext uri="{FF2B5EF4-FFF2-40B4-BE49-F238E27FC236}">
+                <a16:creationId xmlns:a16="http://schemas.microsoft.com/office/drawing/2014/main" id="{F575300F-7EE8-43C5-9819-4BB3B9418763}"/>
+              </a:ext>
+            </a:extLst>
+          </p:cNvPr>
+          <p:cNvSpPr/>
+          <p:nvPr/>
+        </p:nvSpPr>
+        <p:spPr>
+          <a:xfrm>
+            <a:off x="1439174" y="173494"/>
+            <a:ext cx="1814422" cy="344096"/>
+          </a:xfrm>
+          <a:prstGeom prst="rect">
+            <a:avLst/>
+          </a:prstGeom>
+        </p:spPr>
+        <p:style>
+          <a:lnRef idx="2">
+            <a:schemeClr val="accent6"/>
+          </a:lnRef>
+          <a:fillRef idx="1">
+            <a:schemeClr val="lt1"/>
+          </a:fillRef>
+          <a:effectRef idx="0">
+            <a:schemeClr val="accent6"/>
+          </a:effectRef>
+          <a:fontRef idx="minor">
+            <a:schemeClr val="dk1"/>
+          </a:fontRef>
+        </p:style>
+        <p:txBody>
+          <a:bodyPr rtlCol="0" anchor="ctr"/>
+          <a:lstStyle/>
+          <a:p>
+            <a:pPr algn="ctr"/>
+            <a:r>
+              <a:rPr lang="zh-CN" altLang="en-US" sz="1200" dirty="0"/>
+              <a:t>业务请求</a:t>
+            </a:r>
+          </a:p>
+        </p:txBody>
+      </p:sp>
+      <p:sp>
+        <p:nvSpPr>
+          <p:cNvPr id="22" name="矩形 21">
+            <a:extLst>
+              <a:ext uri="{FF2B5EF4-FFF2-40B4-BE49-F238E27FC236}">
+                <a16:creationId xmlns:a16="http://schemas.microsoft.com/office/drawing/2014/main" id="{A5F8C211-D580-4D27-8CD9-9439003CCB1E}"/>
+              </a:ext>
+            </a:extLst>
+          </p:cNvPr>
+          <p:cNvSpPr/>
+          <p:nvPr/>
+        </p:nvSpPr>
+        <p:spPr>
+          <a:xfrm>
+            <a:off x="477326" y="3460390"/>
+            <a:ext cx="782129" cy="276999"/>
+          </a:xfrm>
+          <a:prstGeom prst="rect">
+            <a:avLst/>
+          </a:prstGeom>
+        </p:spPr>
+        <p:style>
+          <a:lnRef idx="2">
+            <a:schemeClr val="accent6"/>
+          </a:lnRef>
+          <a:fillRef idx="1">
+            <a:schemeClr val="lt1"/>
+          </a:fillRef>
+          <a:effectRef idx="0">
+            <a:schemeClr val="accent6"/>
+          </a:effectRef>
+          <a:fontRef idx="minor">
+            <a:schemeClr val="dk1"/>
+          </a:fontRef>
+        </p:style>
+        <p:txBody>
+          <a:bodyPr rtlCol="0" anchor="ctr"/>
+          <a:lstStyle/>
+          <a:p>
+            <a:pPr algn="ctr"/>
+            <a:r>
+              <a:rPr lang="zh-CN" altLang="en-US" sz="1200" dirty="0"/>
+              <a:t>应用</a:t>
+            </a:r>
+            <a:r>
+              <a:rPr lang="en-US" altLang="zh-CN" sz="1200" dirty="0"/>
+              <a:t>B</a:t>
+            </a:r>
+            <a:endParaRPr lang="zh-CN" altLang="en-US" sz="1200" dirty="0"/>
+          </a:p>
+        </p:txBody>
+      </p:sp>
+      <p:sp>
+        <p:nvSpPr>
+          <p:cNvPr id="23" name="矩形 22">
+            <a:extLst>
+              <a:ext uri="{FF2B5EF4-FFF2-40B4-BE49-F238E27FC236}">
+                <a16:creationId xmlns:a16="http://schemas.microsoft.com/office/drawing/2014/main" id="{0A85BF82-C15A-46BE-8D2C-74BB0A9E3086}"/>
+              </a:ext>
+            </a:extLst>
+          </p:cNvPr>
+          <p:cNvSpPr/>
+          <p:nvPr/>
+        </p:nvSpPr>
+        <p:spPr>
+          <a:xfrm>
+            <a:off x="1362969" y="3460390"/>
+            <a:ext cx="782129" cy="276999"/>
+          </a:xfrm>
+          <a:prstGeom prst="rect">
+            <a:avLst/>
+          </a:prstGeom>
+        </p:spPr>
+        <p:style>
+          <a:lnRef idx="2">
+            <a:schemeClr val="accent6"/>
+          </a:lnRef>
+          <a:fillRef idx="1">
+            <a:schemeClr val="lt1"/>
+          </a:fillRef>
+          <a:effectRef idx="0">
+            <a:schemeClr val="accent6"/>
+          </a:effectRef>
+          <a:fontRef idx="minor">
+            <a:schemeClr val="dk1"/>
+          </a:fontRef>
+        </p:style>
+        <p:txBody>
+          <a:bodyPr rtlCol="0" anchor="ctr"/>
+          <a:lstStyle/>
+          <a:p>
+            <a:pPr algn="ctr"/>
+            <a:r>
+              <a:rPr lang="zh-CN" altLang="en-US" sz="1200" dirty="0"/>
+              <a:t>应用</a:t>
+            </a:r>
+            <a:r>
+              <a:rPr lang="en-US" altLang="zh-CN" sz="1200" dirty="0"/>
+              <a:t>B</a:t>
+            </a:r>
+            <a:endParaRPr lang="zh-CN" altLang="en-US" sz="1200" dirty="0"/>
+          </a:p>
+        </p:txBody>
+      </p:sp>
+      <p:sp>
+        <p:nvSpPr>
+          <p:cNvPr id="24" name="矩形 23">
+            <a:extLst>
+              <a:ext uri="{FF2B5EF4-FFF2-40B4-BE49-F238E27FC236}">
+                <a16:creationId xmlns:a16="http://schemas.microsoft.com/office/drawing/2014/main" id="{D67FB8E8-199B-4855-A944-73E2EF9169E6}"/>
+              </a:ext>
+            </a:extLst>
+          </p:cNvPr>
+          <p:cNvSpPr/>
+          <p:nvPr/>
+        </p:nvSpPr>
+        <p:spPr>
+          <a:xfrm>
+            <a:off x="477325" y="3890510"/>
+            <a:ext cx="782129" cy="276999"/>
+          </a:xfrm>
+          <a:prstGeom prst="rect">
+            <a:avLst/>
+          </a:prstGeom>
+        </p:spPr>
+        <p:style>
+          <a:lnRef idx="2">
+            <a:schemeClr val="accent6"/>
+          </a:lnRef>
+          <a:fillRef idx="1">
+            <a:schemeClr val="lt1"/>
+          </a:fillRef>
+          <a:effectRef idx="0">
+            <a:schemeClr val="accent6"/>
+          </a:effectRef>
+          <a:fontRef idx="minor">
+            <a:schemeClr val="dk1"/>
+          </a:fontRef>
+        </p:style>
+        <p:txBody>
+          <a:bodyPr rtlCol="0" anchor="ctr"/>
+          <a:lstStyle/>
+          <a:p>
+            <a:pPr algn="ctr"/>
+            <a:r>
+              <a:rPr lang="zh-CN" altLang="en-US" sz="1200" dirty="0"/>
+              <a:t>应用</a:t>
+            </a:r>
+            <a:r>
+              <a:rPr lang="en-US" altLang="zh-CN" sz="1200" dirty="0"/>
+              <a:t>B</a:t>
+            </a:r>
+            <a:endParaRPr lang="zh-CN" altLang="en-US" sz="1200" dirty="0"/>
+          </a:p>
+        </p:txBody>
+      </p:sp>
+      <p:sp>
+        <p:nvSpPr>
+          <p:cNvPr id="25" name="矩形 24">
+            <a:extLst>
+              <a:ext uri="{FF2B5EF4-FFF2-40B4-BE49-F238E27FC236}">
+                <a16:creationId xmlns:a16="http://schemas.microsoft.com/office/drawing/2014/main" id="{33EB3DAD-90E3-41E9-9AE5-065335478548}"/>
+              </a:ext>
+            </a:extLst>
+          </p:cNvPr>
+          <p:cNvSpPr/>
+          <p:nvPr/>
+        </p:nvSpPr>
+        <p:spPr>
+          <a:xfrm>
+            <a:off x="1357216" y="3898659"/>
+            <a:ext cx="782129" cy="276999"/>
+          </a:xfrm>
+          <a:prstGeom prst="rect">
+            <a:avLst/>
+          </a:prstGeom>
+        </p:spPr>
+        <p:style>
+          <a:lnRef idx="2">
+            <a:schemeClr val="accent6"/>
+          </a:lnRef>
+          <a:fillRef idx="1">
+            <a:schemeClr val="lt1"/>
+          </a:fillRef>
+          <a:effectRef idx="0">
+            <a:schemeClr val="accent6"/>
+          </a:effectRef>
+          <a:fontRef idx="minor">
+            <a:schemeClr val="dk1"/>
+          </a:fontRef>
+        </p:style>
+        <p:txBody>
+          <a:bodyPr rtlCol="0" anchor="ctr"/>
+          <a:lstStyle/>
+          <a:p>
+            <a:pPr algn="ctr"/>
+            <a:r>
+              <a:rPr lang="zh-CN" altLang="en-US" sz="1200" dirty="0"/>
+              <a:t>应用</a:t>
+            </a:r>
+            <a:r>
+              <a:rPr lang="en-US" altLang="zh-CN" sz="1200" dirty="0"/>
+              <a:t>B</a:t>
+            </a:r>
+            <a:endParaRPr lang="zh-CN" altLang="en-US" sz="1200" dirty="0"/>
+          </a:p>
+        </p:txBody>
+      </p:sp>
+      <p:sp>
+        <p:nvSpPr>
+          <p:cNvPr id="26" name="矩形 25">
+            <a:extLst>
+              <a:ext uri="{FF2B5EF4-FFF2-40B4-BE49-F238E27FC236}">
+                <a16:creationId xmlns:a16="http://schemas.microsoft.com/office/drawing/2014/main" id="{7A62D838-E890-4EE6-922A-8113775A38DD}"/>
+              </a:ext>
+            </a:extLst>
+          </p:cNvPr>
+          <p:cNvSpPr/>
+          <p:nvPr/>
+        </p:nvSpPr>
+        <p:spPr>
+          <a:xfrm>
+            <a:off x="2573547" y="3460389"/>
+            <a:ext cx="793628" cy="276999"/>
+          </a:xfrm>
+          <a:prstGeom prst="rect">
+            <a:avLst/>
+          </a:prstGeom>
+        </p:spPr>
+        <p:style>
+          <a:lnRef idx="2">
+            <a:schemeClr val="accent6"/>
+          </a:lnRef>
+          <a:fillRef idx="1">
+            <a:schemeClr val="lt1"/>
+          </a:fillRef>
+          <a:effectRef idx="0">
+            <a:schemeClr val="accent6"/>
+          </a:effectRef>
+          <a:fontRef idx="minor">
+            <a:schemeClr val="dk1"/>
+          </a:fontRef>
+        </p:style>
+        <p:txBody>
+          <a:bodyPr rtlCol="0" anchor="ctr"/>
+          <a:lstStyle/>
+          <a:p>
+            <a:pPr algn="ctr"/>
+            <a:r>
+              <a:rPr lang="zh-CN" altLang="en-US" sz="1200" dirty="0"/>
+              <a:t>应用</a:t>
+            </a:r>
+            <a:r>
+              <a:rPr lang="en-US" altLang="zh-CN" sz="1200" dirty="0"/>
+              <a:t>B</a:t>
+            </a:r>
+            <a:endParaRPr lang="zh-CN" altLang="en-US" sz="1200" dirty="0"/>
+          </a:p>
+        </p:txBody>
+      </p:sp>
+      <p:sp>
+        <p:nvSpPr>
+          <p:cNvPr id="27" name="矩形 26">
+            <a:extLst>
+              <a:ext uri="{FF2B5EF4-FFF2-40B4-BE49-F238E27FC236}">
+                <a16:creationId xmlns:a16="http://schemas.microsoft.com/office/drawing/2014/main" id="{5DDFDF19-3A52-40C8-8CB6-2F06CD7BFEC4}"/>
+              </a:ext>
+            </a:extLst>
+          </p:cNvPr>
+          <p:cNvSpPr/>
+          <p:nvPr/>
+        </p:nvSpPr>
+        <p:spPr>
+          <a:xfrm>
+            <a:off x="3502321" y="3460389"/>
+            <a:ext cx="782129" cy="276999"/>
+          </a:xfrm>
+          <a:prstGeom prst="rect">
+            <a:avLst/>
+          </a:prstGeom>
+        </p:spPr>
+        <p:style>
+          <a:lnRef idx="2">
+            <a:schemeClr val="accent6"/>
+          </a:lnRef>
+          <a:fillRef idx="1">
+            <a:schemeClr val="lt1"/>
+          </a:fillRef>
+          <a:effectRef idx="0">
+            <a:schemeClr val="accent6"/>
+          </a:effectRef>
+          <a:fontRef idx="minor">
+            <a:schemeClr val="dk1"/>
+          </a:fontRef>
+        </p:style>
+        <p:txBody>
+          <a:bodyPr rtlCol="0" anchor="ctr"/>
+          <a:lstStyle/>
+          <a:p>
+            <a:pPr algn="ctr"/>
+            <a:r>
+              <a:rPr lang="zh-CN" altLang="en-US" sz="1200" dirty="0"/>
+              <a:t>应用</a:t>
+            </a:r>
+            <a:r>
+              <a:rPr lang="en-US" altLang="zh-CN" sz="1200" dirty="0"/>
+              <a:t>B</a:t>
+            </a:r>
+            <a:endParaRPr lang="zh-CN" altLang="en-US" sz="1200" dirty="0"/>
+          </a:p>
+        </p:txBody>
+      </p:sp>
+      <p:sp>
+        <p:nvSpPr>
+          <p:cNvPr id="28" name="矩形 27">
+            <a:extLst>
+              <a:ext uri="{FF2B5EF4-FFF2-40B4-BE49-F238E27FC236}">
+                <a16:creationId xmlns:a16="http://schemas.microsoft.com/office/drawing/2014/main" id="{7688A1B4-9CA8-49FE-A8E8-A57C72D66B7D}"/>
+              </a:ext>
+            </a:extLst>
+          </p:cNvPr>
+          <p:cNvSpPr/>
+          <p:nvPr/>
+        </p:nvSpPr>
+        <p:spPr>
+          <a:xfrm>
+            <a:off x="2556295" y="3898659"/>
+            <a:ext cx="793628" cy="276999"/>
+          </a:xfrm>
+          <a:prstGeom prst="rect">
+            <a:avLst/>
+          </a:prstGeom>
+        </p:spPr>
+        <p:style>
+          <a:lnRef idx="2">
+            <a:schemeClr val="accent6"/>
+          </a:lnRef>
+          <a:fillRef idx="1">
+            <a:schemeClr val="lt1"/>
+          </a:fillRef>
+          <a:effectRef idx="0">
+            <a:schemeClr val="accent6"/>
+          </a:effectRef>
+          <a:fontRef idx="minor">
+            <a:schemeClr val="dk1"/>
+          </a:fontRef>
+        </p:style>
+        <p:txBody>
+          <a:bodyPr rtlCol="0" anchor="ctr"/>
+          <a:lstStyle/>
+          <a:p>
+            <a:pPr algn="ctr"/>
+            <a:r>
+              <a:rPr lang="zh-CN" altLang="en-US" sz="1200" dirty="0"/>
+              <a:t>应用</a:t>
+            </a:r>
+            <a:r>
+              <a:rPr lang="en-US" altLang="zh-CN" sz="1200" dirty="0"/>
+              <a:t>B</a:t>
+            </a:r>
+            <a:endParaRPr lang="zh-CN" altLang="en-US" sz="1200" dirty="0"/>
+          </a:p>
+        </p:txBody>
+      </p:sp>
+      <p:sp>
+        <p:nvSpPr>
+          <p:cNvPr id="29" name="矩形 28">
+            <a:extLst>
+              <a:ext uri="{FF2B5EF4-FFF2-40B4-BE49-F238E27FC236}">
+                <a16:creationId xmlns:a16="http://schemas.microsoft.com/office/drawing/2014/main" id="{341FF968-E40D-43F1-BA2F-7BCFE912AEB3}"/>
+              </a:ext>
+            </a:extLst>
+          </p:cNvPr>
+          <p:cNvSpPr/>
+          <p:nvPr/>
+        </p:nvSpPr>
+        <p:spPr>
+          <a:xfrm>
+            <a:off x="3496571" y="3929332"/>
+            <a:ext cx="793628" cy="276999"/>
+          </a:xfrm>
+          <a:prstGeom prst="rect">
+            <a:avLst/>
+          </a:prstGeom>
+        </p:spPr>
+        <p:style>
+          <a:lnRef idx="2">
+            <a:schemeClr val="accent6"/>
+          </a:lnRef>
+          <a:fillRef idx="1">
+            <a:schemeClr val="lt1"/>
+          </a:fillRef>
+          <a:effectRef idx="0">
+            <a:schemeClr val="accent6"/>
+          </a:effectRef>
+          <a:fontRef idx="minor">
+            <a:schemeClr val="dk1"/>
+          </a:fontRef>
+        </p:style>
+        <p:txBody>
+          <a:bodyPr rtlCol="0" anchor="ctr"/>
+          <a:lstStyle/>
+          <a:p>
+            <a:pPr algn="ctr"/>
+            <a:r>
+              <a:rPr lang="zh-CN" altLang="en-US" sz="1200" dirty="0"/>
+              <a:t>应用</a:t>
+            </a:r>
+            <a:r>
+              <a:rPr lang="en-US" altLang="zh-CN" sz="1200" dirty="0"/>
+              <a:t>B</a:t>
+            </a:r>
+            <a:endParaRPr lang="zh-CN" altLang="en-US" sz="1200" dirty="0"/>
+          </a:p>
+        </p:txBody>
+      </p:sp>
+      <p:cxnSp>
+        <p:nvCxnSpPr>
+          <p:cNvPr id="35" name="直接箭头连接符 34">
+            <a:extLst>
+              <a:ext uri="{FF2B5EF4-FFF2-40B4-BE49-F238E27FC236}">
+                <a16:creationId xmlns:a16="http://schemas.microsoft.com/office/drawing/2014/main" id="{60A6A7D1-6D9E-4FD0-9981-0BC37A07D709}"/>
+              </a:ext>
+            </a:extLst>
+          </p:cNvPr>
+          <p:cNvCxnSpPr>
+            <a:stCxn id="21" idx="2"/>
+          </p:cNvCxnSpPr>
+          <p:nvPr/>
+        </p:nvCxnSpPr>
+        <p:spPr>
+          <a:xfrm flipH="1">
+            <a:off x="1259454" y="517590"/>
+            <a:ext cx="1086931" cy="767502"/>
+          </a:xfrm>
+          <a:prstGeom prst="straightConnector1">
+            <a:avLst/>
+          </a:prstGeom>
+          <a:ln>
+            <a:tailEnd type="triangle"/>
+          </a:ln>
+        </p:spPr>
+        <p:style>
+          <a:lnRef idx="1">
+            <a:schemeClr val="accent1"/>
+          </a:lnRef>
+          <a:fillRef idx="0">
+            <a:schemeClr val="accent1"/>
+          </a:fillRef>
+          <a:effectRef idx="0">
+            <a:schemeClr val="accent1"/>
+          </a:effectRef>
+          <a:fontRef idx="minor">
+            <a:schemeClr val="tx1"/>
+          </a:fontRef>
+        </p:style>
+      </p:cxnSp>
+      <p:cxnSp>
+        <p:nvCxnSpPr>
+          <p:cNvPr id="37" name="直接箭头连接符 36">
+            <a:extLst>
+              <a:ext uri="{FF2B5EF4-FFF2-40B4-BE49-F238E27FC236}">
+                <a16:creationId xmlns:a16="http://schemas.microsoft.com/office/drawing/2014/main" id="{4754C233-6624-4CD0-8701-813A634856C3}"/>
+              </a:ext>
+            </a:extLst>
+          </p:cNvPr>
+          <p:cNvCxnSpPr>
+            <a:stCxn id="9" idx="2"/>
+            <a:endCxn id="22" idx="0"/>
+          </p:cNvCxnSpPr>
+          <p:nvPr/>
+        </p:nvCxnSpPr>
+        <p:spPr>
+          <a:xfrm>
+            <a:off x="868391" y="2695261"/>
+            <a:ext cx="0" cy="765129"/>
+          </a:xfrm>
+          <a:prstGeom prst="straightConnector1">
+            <a:avLst/>
+          </a:prstGeom>
+          <a:ln>
+            <a:tailEnd type="triangle"/>
+          </a:ln>
+        </p:spPr>
+        <p:style>
+          <a:lnRef idx="1">
+            <a:schemeClr val="accent1"/>
+          </a:lnRef>
+          <a:fillRef idx="0">
+            <a:schemeClr val="accent1"/>
+          </a:fillRef>
+          <a:effectRef idx="0">
+            <a:schemeClr val="accent1"/>
+          </a:effectRef>
+          <a:fontRef idx="minor">
+            <a:schemeClr val="tx1"/>
+          </a:fontRef>
+        </p:style>
+      </p:cxnSp>
+      <p:sp>
+        <p:nvSpPr>
+          <p:cNvPr id="38" name="文本框 37">
+            <a:extLst>
+              <a:ext uri="{FF2B5EF4-FFF2-40B4-BE49-F238E27FC236}">
+                <a16:creationId xmlns:a16="http://schemas.microsoft.com/office/drawing/2014/main" id="{2500C3E3-7A56-4585-90C2-69A36FA1C478}"/>
+              </a:ext>
+            </a:extLst>
+          </p:cNvPr>
+          <p:cNvSpPr txBox="1"/>
+          <p:nvPr/>
+        </p:nvSpPr>
+        <p:spPr>
+          <a:xfrm>
+            <a:off x="2031522" y="767029"/>
+            <a:ext cx="1049546" cy="276999"/>
+          </a:xfrm>
+          <a:prstGeom prst="rect">
+            <a:avLst/>
+          </a:prstGeom>
+          <a:noFill/>
+        </p:spPr>
+        <p:txBody>
+          <a:bodyPr wrap="square" rtlCol="0">
+            <a:spAutoFit/>
+          </a:bodyPr>
+          <a:lstStyle/>
+          <a:p>
+            <a:r>
+              <a:rPr lang="zh-CN" altLang="en-US" sz="1200" dirty="0"/>
+              <a:t>切流到</a:t>
+            </a:r>
+            <a:r>
+              <a:rPr lang="en-US" altLang="zh-CN" sz="1200" dirty="0"/>
+              <a:t>OS30</a:t>
+            </a:r>
+            <a:endParaRPr lang="zh-CN" altLang="en-US" sz="1200" dirty="0"/>
+          </a:p>
+        </p:txBody>
+      </p:sp>
+      <p:sp>
+        <p:nvSpPr>
+          <p:cNvPr id="39" name="矩形 38">
+            <a:extLst>
+              <a:ext uri="{FF2B5EF4-FFF2-40B4-BE49-F238E27FC236}">
+                <a16:creationId xmlns:a16="http://schemas.microsoft.com/office/drawing/2014/main" id="{54CA9711-BFFD-4265-A7B9-1ADD8D342729}"/>
+              </a:ext>
+            </a:extLst>
+          </p:cNvPr>
+          <p:cNvSpPr/>
+          <p:nvPr/>
+        </p:nvSpPr>
+        <p:spPr>
+          <a:xfrm>
+            <a:off x="7701955" y="1259458"/>
+            <a:ext cx="1245078" cy="3220528"/>
+          </a:xfrm>
+          <a:prstGeom prst="rect">
+            <a:avLst/>
+          </a:prstGeom>
+        </p:spPr>
+        <p:style>
+          <a:lnRef idx="2">
+            <a:schemeClr val="accent6"/>
+          </a:lnRef>
+          <a:fillRef idx="1">
+            <a:schemeClr val="lt1"/>
+          </a:fillRef>
+          <a:effectRef idx="0">
+            <a:schemeClr val="accent6"/>
+          </a:effectRef>
+          <a:fontRef idx="minor">
+            <a:schemeClr val="dk1"/>
+          </a:fontRef>
+        </p:style>
+        <p:txBody>
+          <a:bodyPr rtlCol="0" anchor="ctr"/>
+          <a:lstStyle/>
+          <a:p>
+            <a:pPr algn="ctr"/>
+            <a:endParaRPr lang="zh-CN" altLang="en-US"/>
+          </a:p>
+        </p:txBody>
+      </p:sp>
+      <p:sp>
+        <p:nvSpPr>
+          <p:cNvPr id="40" name="矩形 39">
+            <a:extLst>
+              <a:ext uri="{FF2B5EF4-FFF2-40B4-BE49-F238E27FC236}">
+                <a16:creationId xmlns:a16="http://schemas.microsoft.com/office/drawing/2014/main" id="{55BEA10E-2712-47D8-BBE3-9A3DC8DF6EB9}"/>
+              </a:ext>
+            </a:extLst>
+          </p:cNvPr>
+          <p:cNvSpPr/>
+          <p:nvPr/>
+        </p:nvSpPr>
+        <p:spPr>
+          <a:xfrm>
+            <a:off x="5949358" y="1259458"/>
+            <a:ext cx="1183252" cy="3220528"/>
+          </a:xfrm>
+          <a:prstGeom prst="rect">
+            <a:avLst/>
+          </a:prstGeom>
+        </p:spPr>
+        <p:style>
+          <a:lnRef idx="2">
+            <a:schemeClr val="accent6"/>
+          </a:lnRef>
+          <a:fillRef idx="1">
+            <a:schemeClr val="lt1"/>
+          </a:fillRef>
+          <a:effectRef idx="0">
+            <a:schemeClr val="accent6"/>
+          </a:effectRef>
+          <a:fontRef idx="minor">
+            <a:schemeClr val="dk1"/>
+          </a:fontRef>
+        </p:style>
+        <p:txBody>
+          <a:bodyPr rtlCol="0" anchor="ctr"/>
+          <a:lstStyle/>
+          <a:p>
+            <a:pPr algn="ctr"/>
+            <a:endParaRPr lang="zh-CN" altLang="en-US"/>
+          </a:p>
+        </p:txBody>
+      </p:sp>
+      <p:sp>
+        <p:nvSpPr>
+          <p:cNvPr id="41" name="文本框 40">
+            <a:extLst>
+              <a:ext uri="{FF2B5EF4-FFF2-40B4-BE49-F238E27FC236}">
+                <a16:creationId xmlns:a16="http://schemas.microsoft.com/office/drawing/2014/main" id="{F9ECBC88-0831-4F38-8B6E-C651FFC41595}"/>
+              </a:ext>
+            </a:extLst>
+          </p:cNvPr>
+          <p:cNvSpPr txBox="1"/>
+          <p:nvPr/>
+        </p:nvSpPr>
+        <p:spPr>
+          <a:xfrm>
+            <a:off x="5487840" y="304799"/>
+            <a:ext cx="1627517" cy="276999"/>
+          </a:xfrm>
+          <a:prstGeom prst="rect">
+            <a:avLst/>
+          </a:prstGeom>
+          <a:noFill/>
+        </p:spPr>
+        <p:txBody>
+          <a:bodyPr wrap="square" rtlCol="0">
+            <a:spAutoFit/>
+          </a:bodyPr>
+          <a:lstStyle/>
+          <a:p>
+            <a:r>
+              <a:rPr lang="zh-CN" altLang="en-US" sz="1200" dirty="0"/>
+              <a:t>缩容后</a:t>
+            </a:r>
+          </a:p>
+        </p:txBody>
+      </p:sp>
+      <p:sp>
+        <p:nvSpPr>
+          <p:cNvPr id="42" name="矩形 41">
+            <a:extLst>
+              <a:ext uri="{FF2B5EF4-FFF2-40B4-BE49-F238E27FC236}">
+                <a16:creationId xmlns:a16="http://schemas.microsoft.com/office/drawing/2014/main" id="{42F41C3F-46A5-43A3-86DD-BFD2505DE2BC}"/>
+              </a:ext>
+            </a:extLst>
+          </p:cNvPr>
+          <p:cNvSpPr/>
+          <p:nvPr/>
+        </p:nvSpPr>
+        <p:spPr>
+          <a:xfrm>
+            <a:off x="6064377" y="1610740"/>
+            <a:ext cx="782129" cy="276999"/>
+          </a:xfrm>
+          <a:prstGeom prst="rect">
+            <a:avLst/>
+          </a:prstGeom>
+        </p:spPr>
+        <p:style>
+          <a:lnRef idx="2">
+            <a:schemeClr val="accent6"/>
+          </a:lnRef>
+          <a:fillRef idx="1">
+            <a:schemeClr val="lt1"/>
+          </a:fillRef>
+          <a:effectRef idx="0">
+            <a:schemeClr val="accent6"/>
+          </a:effectRef>
+          <a:fontRef idx="minor">
+            <a:schemeClr val="dk1"/>
+          </a:fontRef>
+        </p:style>
+        <p:txBody>
+          <a:bodyPr rtlCol="0" anchor="ctr"/>
+          <a:lstStyle/>
+          <a:p>
+            <a:pPr algn="ctr"/>
+            <a:r>
+              <a:rPr lang="zh-CN" altLang="en-US" sz="1200" dirty="0"/>
+              <a:t>应用</a:t>
+            </a:r>
+            <a:r>
+              <a:rPr lang="en-US" altLang="zh-CN" sz="1200" dirty="0"/>
+              <a:t>A</a:t>
+            </a:r>
+            <a:endParaRPr lang="zh-CN" altLang="en-US" sz="1200" dirty="0"/>
+          </a:p>
+        </p:txBody>
+      </p:sp>
+      <p:sp>
+        <p:nvSpPr>
+          <p:cNvPr id="44" name="矩形 43">
+            <a:extLst>
+              <a:ext uri="{FF2B5EF4-FFF2-40B4-BE49-F238E27FC236}">
+                <a16:creationId xmlns:a16="http://schemas.microsoft.com/office/drawing/2014/main" id="{414CFC0D-91BA-469A-B1B1-51E817528471}"/>
+              </a:ext>
+            </a:extLst>
+          </p:cNvPr>
+          <p:cNvSpPr/>
+          <p:nvPr/>
+        </p:nvSpPr>
+        <p:spPr>
+          <a:xfrm>
+            <a:off x="6064376" y="1993177"/>
+            <a:ext cx="782129" cy="276999"/>
+          </a:xfrm>
+          <a:prstGeom prst="rect">
+            <a:avLst/>
+          </a:prstGeom>
+        </p:spPr>
+        <p:style>
+          <a:lnRef idx="2">
+            <a:schemeClr val="accent6"/>
+          </a:lnRef>
+          <a:fillRef idx="1">
+            <a:schemeClr val="lt1"/>
+          </a:fillRef>
+          <a:effectRef idx="0">
+            <a:schemeClr val="accent6"/>
+          </a:effectRef>
+          <a:fontRef idx="minor">
+            <a:schemeClr val="dk1"/>
+          </a:fontRef>
+        </p:style>
+        <p:txBody>
+          <a:bodyPr rtlCol="0" anchor="ctr"/>
+          <a:lstStyle/>
+          <a:p>
+            <a:pPr algn="ctr"/>
+            <a:r>
+              <a:rPr lang="zh-CN" altLang="en-US" sz="1200" dirty="0"/>
+              <a:t>应用</a:t>
+            </a:r>
+            <a:r>
+              <a:rPr lang="en-US" altLang="zh-CN" sz="1200" dirty="0"/>
+              <a:t>A</a:t>
+            </a:r>
+            <a:endParaRPr lang="zh-CN" altLang="en-US" sz="1200" dirty="0"/>
+          </a:p>
+        </p:txBody>
+      </p:sp>
+      <p:sp>
+        <p:nvSpPr>
+          <p:cNvPr id="46" name="矩形 45">
+            <a:extLst>
+              <a:ext uri="{FF2B5EF4-FFF2-40B4-BE49-F238E27FC236}">
+                <a16:creationId xmlns:a16="http://schemas.microsoft.com/office/drawing/2014/main" id="{78073A16-4358-43CC-9211-5CD22C95861D}"/>
+              </a:ext>
+            </a:extLst>
+          </p:cNvPr>
+          <p:cNvSpPr/>
+          <p:nvPr/>
+        </p:nvSpPr>
+        <p:spPr>
+          <a:xfrm>
+            <a:off x="6064375" y="2418262"/>
+            <a:ext cx="782129" cy="276999"/>
+          </a:xfrm>
+          <a:prstGeom prst="rect">
+            <a:avLst/>
+          </a:prstGeom>
+        </p:spPr>
+        <p:style>
+          <a:lnRef idx="2">
+            <a:schemeClr val="accent6"/>
+          </a:lnRef>
+          <a:fillRef idx="1">
+            <a:schemeClr val="lt1"/>
+          </a:fillRef>
+          <a:effectRef idx="0">
+            <a:schemeClr val="accent6"/>
+          </a:effectRef>
+          <a:fontRef idx="minor">
+            <a:schemeClr val="dk1"/>
+          </a:fontRef>
+        </p:style>
+        <p:txBody>
+          <a:bodyPr rtlCol="0" anchor="ctr"/>
+          <a:lstStyle/>
+          <a:p>
+            <a:pPr algn="ctr"/>
+            <a:r>
+              <a:rPr lang="zh-CN" altLang="en-US" sz="1200" dirty="0"/>
+              <a:t>应用</a:t>
+            </a:r>
+            <a:r>
+              <a:rPr lang="en-US" altLang="zh-CN" sz="1200" dirty="0"/>
+              <a:t>A</a:t>
+            </a:r>
+            <a:endParaRPr lang="zh-CN" altLang="en-US" sz="1200" dirty="0"/>
+          </a:p>
+        </p:txBody>
+      </p:sp>
+      <p:sp>
+        <p:nvSpPr>
+          <p:cNvPr id="48" name="矩形 47">
+            <a:extLst>
+              <a:ext uri="{FF2B5EF4-FFF2-40B4-BE49-F238E27FC236}">
+                <a16:creationId xmlns:a16="http://schemas.microsoft.com/office/drawing/2014/main" id="{F8428F4B-9C39-48CD-8E03-4B6FD462944C}"/>
+              </a:ext>
+            </a:extLst>
+          </p:cNvPr>
+          <p:cNvSpPr/>
+          <p:nvPr/>
+        </p:nvSpPr>
+        <p:spPr>
+          <a:xfrm>
+            <a:off x="7831349" y="1610739"/>
+            <a:ext cx="782129" cy="276999"/>
+          </a:xfrm>
+          <a:prstGeom prst="rect">
+            <a:avLst/>
+          </a:prstGeom>
+        </p:spPr>
+        <p:style>
+          <a:lnRef idx="2">
+            <a:schemeClr val="accent6"/>
+          </a:lnRef>
+          <a:fillRef idx="1">
+            <a:schemeClr val="lt1"/>
+          </a:fillRef>
+          <a:effectRef idx="0">
+            <a:schemeClr val="accent6"/>
+          </a:effectRef>
+          <a:fontRef idx="minor">
+            <a:schemeClr val="dk1"/>
+          </a:fontRef>
+        </p:style>
+        <p:txBody>
+          <a:bodyPr rtlCol="0" anchor="ctr"/>
+          <a:lstStyle/>
+          <a:p>
+            <a:pPr algn="ctr"/>
+            <a:r>
+              <a:rPr lang="zh-CN" altLang="en-US" sz="1200" dirty="0"/>
+              <a:t>应用</a:t>
+            </a:r>
+            <a:r>
+              <a:rPr lang="en-US" altLang="zh-CN" sz="1200" dirty="0"/>
+              <a:t>A</a:t>
+            </a:r>
+            <a:endParaRPr lang="zh-CN" altLang="en-US" sz="1200" dirty="0"/>
+          </a:p>
+        </p:txBody>
+      </p:sp>
+      <p:sp>
+        <p:nvSpPr>
+          <p:cNvPr id="50" name="矩形 49">
+            <a:extLst>
+              <a:ext uri="{FF2B5EF4-FFF2-40B4-BE49-F238E27FC236}">
+                <a16:creationId xmlns:a16="http://schemas.microsoft.com/office/drawing/2014/main" id="{06E41AAC-4958-4DE1-B178-CFD188A44D79}"/>
+              </a:ext>
+            </a:extLst>
+          </p:cNvPr>
+          <p:cNvSpPr/>
+          <p:nvPr/>
+        </p:nvSpPr>
+        <p:spPr>
+          <a:xfrm>
+            <a:off x="7831348" y="1993176"/>
+            <a:ext cx="782129" cy="276999"/>
+          </a:xfrm>
+          <a:prstGeom prst="rect">
+            <a:avLst/>
+          </a:prstGeom>
+        </p:spPr>
+        <p:style>
+          <a:lnRef idx="2">
+            <a:schemeClr val="accent6"/>
+          </a:lnRef>
+          <a:fillRef idx="1">
+            <a:schemeClr val="lt1"/>
+          </a:fillRef>
+          <a:effectRef idx="0">
+            <a:schemeClr val="accent6"/>
+          </a:effectRef>
+          <a:fontRef idx="minor">
+            <a:schemeClr val="dk1"/>
+          </a:fontRef>
+        </p:style>
+        <p:txBody>
+          <a:bodyPr rtlCol="0" anchor="ctr"/>
+          <a:lstStyle/>
+          <a:p>
+            <a:pPr algn="ctr"/>
+            <a:r>
+              <a:rPr lang="zh-CN" altLang="en-US" sz="1200" dirty="0"/>
+              <a:t>应用</a:t>
+            </a:r>
+            <a:r>
+              <a:rPr lang="en-US" altLang="zh-CN" sz="1200" dirty="0"/>
+              <a:t>A</a:t>
+            </a:r>
+            <a:endParaRPr lang="zh-CN" altLang="en-US" sz="1200" dirty="0"/>
+          </a:p>
+        </p:txBody>
+      </p:sp>
+      <p:sp>
+        <p:nvSpPr>
+          <p:cNvPr id="52" name="矩形 51">
+            <a:extLst>
+              <a:ext uri="{FF2B5EF4-FFF2-40B4-BE49-F238E27FC236}">
+                <a16:creationId xmlns:a16="http://schemas.microsoft.com/office/drawing/2014/main" id="{FAF23017-78CF-4CA1-8908-32142FFE0E56}"/>
+              </a:ext>
+            </a:extLst>
+          </p:cNvPr>
+          <p:cNvSpPr/>
+          <p:nvPr/>
+        </p:nvSpPr>
+        <p:spPr>
+          <a:xfrm>
+            <a:off x="7831347" y="2418261"/>
+            <a:ext cx="782129" cy="276999"/>
+          </a:xfrm>
+          <a:prstGeom prst="rect">
+            <a:avLst/>
+          </a:prstGeom>
+        </p:spPr>
+        <p:style>
+          <a:lnRef idx="2">
+            <a:schemeClr val="accent6"/>
+          </a:lnRef>
+          <a:fillRef idx="1">
+            <a:schemeClr val="lt1"/>
+          </a:fillRef>
+          <a:effectRef idx="0">
+            <a:schemeClr val="accent6"/>
+          </a:effectRef>
+          <a:fontRef idx="minor">
+            <a:schemeClr val="dk1"/>
+          </a:fontRef>
+        </p:style>
+        <p:txBody>
+          <a:bodyPr rtlCol="0" anchor="ctr"/>
+          <a:lstStyle/>
+          <a:p>
+            <a:pPr algn="ctr"/>
+            <a:r>
+              <a:rPr lang="zh-CN" altLang="en-US" sz="1200" dirty="0"/>
+              <a:t>应用</a:t>
+            </a:r>
+            <a:r>
+              <a:rPr lang="en-US" altLang="zh-CN" sz="1200" dirty="0"/>
+              <a:t>A</a:t>
+            </a:r>
+            <a:endParaRPr lang="zh-CN" altLang="en-US" sz="1200" dirty="0"/>
+          </a:p>
+        </p:txBody>
+      </p:sp>
+      <p:sp>
+        <p:nvSpPr>
+          <p:cNvPr id="54" name="文本框 53">
+            <a:extLst>
+              <a:ext uri="{FF2B5EF4-FFF2-40B4-BE49-F238E27FC236}">
+                <a16:creationId xmlns:a16="http://schemas.microsoft.com/office/drawing/2014/main" id="{3A3FF7B1-4D75-467C-A9E3-E2C0C7BC38E6}"/>
+              </a:ext>
+            </a:extLst>
+          </p:cNvPr>
+          <p:cNvSpPr txBox="1"/>
+          <p:nvPr/>
+        </p:nvSpPr>
+        <p:spPr>
+          <a:xfrm>
+            <a:off x="5949358" y="1285092"/>
+            <a:ext cx="1288211" cy="276999"/>
+          </a:xfrm>
+          <a:prstGeom prst="rect">
+            <a:avLst/>
+          </a:prstGeom>
+          <a:noFill/>
+        </p:spPr>
+        <p:txBody>
+          <a:bodyPr wrap="square" rtlCol="0">
+            <a:spAutoFit/>
+          </a:bodyPr>
+          <a:lstStyle/>
+          <a:p>
+            <a:r>
+              <a:rPr lang="en-US" altLang="zh-CN" sz="1200" dirty="0"/>
+              <a:t>OS30</a:t>
+            </a:r>
+            <a:r>
+              <a:rPr lang="zh-CN" altLang="en-US" sz="1200" dirty="0"/>
+              <a:t>机房</a:t>
+            </a:r>
+          </a:p>
+        </p:txBody>
+      </p:sp>
+      <p:sp>
+        <p:nvSpPr>
+          <p:cNvPr id="55" name="文本框 54">
+            <a:extLst>
+              <a:ext uri="{FF2B5EF4-FFF2-40B4-BE49-F238E27FC236}">
+                <a16:creationId xmlns:a16="http://schemas.microsoft.com/office/drawing/2014/main" id="{6206E1D7-837E-4B27-B2E3-7E1F1EB86B5B}"/>
+              </a:ext>
+            </a:extLst>
+          </p:cNvPr>
+          <p:cNvSpPr txBox="1"/>
+          <p:nvPr/>
+        </p:nvSpPr>
+        <p:spPr>
+          <a:xfrm>
+            <a:off x="7701954" y="1288205"/>
+            <a:ext cx="1288211" cy="276999"/>
+          </a:xfrm>
+          <a:prstGeom prst="rect">
+            <a:avLst/>
+          </a:prstGeom>
+          <a:noFill/>
+        </p:spPr>
+        <p:txBody>
+          <a:bodyPr wrap="square" rtlCol="0">
+            <a:spAutoFit/>
+          </a:bodyPr>
+          <a:lstStyle/>
+          <a:p>
+            <a:r>
+              <a:rPr lang="en-US" altLang="zh-CN" sz="1200" dirty="0"/>
+              <a:t>SG52</a:t>
+            </a:r>
+            <a:r>
+              <a:rPr lang="zh-CN" altLang="en-US" sz="1200" dirty="0"/>
+              <a:t>机房</a:t>
+            </a:r>
+          </a:p>
+        </p:txBody>
+      </p:sp>
+      <p:sp>
+        <p:nvSpPr>
+          <p:cNvPr id="56" name="矩形 55">
+            <a:extLst>
+              <a:ext uri="{FF2B5EF4-FFF2-40B4-BE49-F238E27FC236}">
+                <a16:creationId xmlns:a16="http://schemas.microsoft.com/office/drawing/2014/main" id="{38C40907-C948-4345-AF71-24C2DAD8C35A}"/>
+              </a:ext>
+            </a:extLst>
+          </p:cNvPr>
+          <p:cNvSpPr/>
+          <p:nvPr/>
+        </p:nvSpPr>
+        <p:spPr>
+          <a:xfrm>
+            <a:off x="6702727" y="173493"/>
+            <a:ext cx="1814422" cy="344096"/>
+          </a:xfrm>
+          <a:prstGeom prst="rect">
+            <a:avLst/>
+          </a:prstGeom>
+        </p:spPr>
+        <p:style>
+          <a:lnRef idx="2">
+            <a:schemeClr val="accent6"/>
+          </a:lnRef>
+          <a:fillRef idx="1">
+            <a:schemeClr val="lt1"/>
+          </a:fillRef>
+          <a:effectRef idx="0">
+            <a:schemeClr val="accent6"/>
+          </a:effectRef>
+          <a:fontRef idx="minor">
+            <a:schemeClr val="dk1"/>
+          </a:fontRef>
+        </p:style>
+        <p:txBody>
+          <a:bodyPr rtlCol="0" anchor="ctr"/>
+          <a:lstStyle/>
+          <a:p>
+            <a:pPr algn="ctr"/>
+            <a:r>
+              <a:rPr lang="zh-CN" altLang="en-US" sz="1200" dirty="0"/>
+              <a:t>业务请求</a:t>
+            </a:r>
+          </a:p>
+        </p:txBody>
+      </p:sp>
+      <p:sp>
+        <p:nvSpPr>
+          <p:cNvPr id="57" name="矩形 56">
+            <a:extLst>
+              <a:ext uri="{FF2B5EF4-FFF2-40B4-BE49-F238E27FC236}">
+                <a16:creationId xmlns:a16="http://schemas.microsoft.com/office/drawing/2014/main" id="{68133B6B-D1C4-43E3-A3F5-B30B5B8BDA53}"/>
+              </a:ext>
+            </a:extLst>
+          </p:cNvPr>
+          <p:cNvSpPr/>
+          <p:nvPr/>
+        </p:nvSpPr>
+        <p:spPr>
+          <a:xfrm>
+            <a:off x="6064375" y="3460390"/>
+            <a:ext cx="782129" cy="276999"/>
+          </a:xfrm>
+          <a:prstGeom prst="rect">
+            <a:avLst/>
+          </a:prstGeom>
+        </p:spPr>
+        <p:style>
+          <a:lnRef idx="2">
+            <a:schemeClr val="accent6"/>
+          </a:lnRef>
+          <a:fillRef idx="1">
+            <a:schemeClr val="lt1"/>
+          </a:fillRef>
+          <a:effectRef idx="0">
+            <a:schemeClr val="accent6"/>
+          </a:effectRef>
+          <a:fontRef idx="minor">
+            <a:schemeClr val="dk1"/>
+          </a:fontRef>
+        </p:style>
+        <p:txBody>
+          <a:bodyPr rtlCol="0" anchor="ctr"/>
+          <a:lstStyle/>
+          <a:p>
+            <a:pPr algn="ctr"/>
+            <a:r>
+              <a:rPr lang="zh-CN" altLang="en-US" sz="1200" dirty="0"/>
+              <a:t>应用</a:t>
+            </a:r>
+            <a:r>
+              <a:rPr lang="en-US" altLang="zh-CN" sz="1200" dirty="0"/>
+              <a:t>B</a:t>
+            </a:r>
+            <a:endParaRPr lang="zh-CN" altLang="en-US" sz="1200" dirty="0"/>
+          </a:p>
+        </p:txBody>
+      </p:sp>
+      <p:sp>
+        <p:nvSpPr>
+          <p:cNvPr id="59" name="矩形 58">
+            <a:extLst>
+              <a:ext uri="{FF2B5EF4-FFF2-40B4-BE49-F238E27FC236}">
+                <a16:creationId xmlns:a16="http://schemas.microsoft.com/office/drawing/2014/main" id="{D4680896-3649-4052-8963-237790A6FD75}"/>
+              </a:ext>
+            </a:extLst>
+          </p:cNvPr>
+          <p:cNvSpPr/>
+          <p:nvPr/>
+        </p:nvSpPr>
+        <p:spPr>
+          <a:xfrm>
+            <a:off x="6064374" y="3890510"/>
+            <a:ext cx="782129" cy="276999"/>
+          </a:xfrm>
+          <a:prstGeom prst="rect">
+            <a:avLst/>
+          </a:prstGeom>
+        </p:spPr>
+        <p:style>
+          <a:lnRef idx="2">
+            <a:schemeClr val="accent6"/>
+          </a:lnRef>
+          <a:fillRef idx="1">
+            <a:schemeClr val="lt1"/>
+          </a:fillRef>
+          <a:effectRef idx="0">
+            <a:schemeClr val="accent6"/>
+          </a:effectRef>
+          <a:fontRef idx="minor">
+            <a:schemeClr val="dk1"/>
+          </a:fontRef>
+        </p:style>
+        <p:txBody>
+          <a:bodyPr rtlCol="0" anchor="ctr"/>
+          <a:lstStyle/>
+          <a:p>
+            <a:pPr algn="ctr"/>
+            <a:r>
+              <a:rPr lang="zh-CN" altLang="en-US" sz="1200" dirty="0"/>
+              <a:t>应用</a:t>
+            </a:r>
+            <a:r>
+              <a:rPr lang="en-US" altLang="zh-CN" sz="1200" dirty="0"/>
+              <a:t>B</a:t>
+            </a:r>
+            <a:endParaRPr lang="zh-CN" altLang="en-US" sz="1200" dirty="0"/>
+          </a:p>
+        </p:txBody>
+      </p:sp>
+      <p:sp>
+        <p:nvSpPr>
+          <p:cNvPr id="61" name="矩形 60">
+            <a:extLst>
+              <a:ext uri="{FF2B5EF4-FFF2-40B4-BE49-F238E27FC236}">
+                <a16:creationId xmlns:a16="http://schemas.microsoft.com/office/drawing/2014/main" id="{AF705856-56A6-40E7-8EC9-18485CB3B179}"/>
+              </a:ext>
+            </a:extLst>
+          </p:cNvPr>
+          <p:cNvSpPr/>
+          <p:nvPr/>
+        </p:nvSpPr>
+        <p:spPr>
+          <a:xfrm>
+            <a:off x="7837100" y="3460388"/>
+            <a:ext cx="793628" cy="276999"/>
+          </a:xfrm>
+          <a:prstGeom prst="rect">
+            <a:avLst/>
+          </a:prstGeom>
+        </p:spPr>
+        <p:style>
+          <a:lnRef idx="2">
+            <a:schemeClr val="accent6"/>
+          </a:lnRef>
+          <a:fillRef idx="1">
+            <a:schemeClr val="lt1"/>
+          </a:fillRef>
+          <a:effectRef idx="0">
+            <a:schemeClr val="accent6"/>
+          </a:effectRef>
+          <a:fontRef idx="minor">
+            <a:schemeClr val="dk1"/>
+          </a:fontRef>
+        </p:style>
+        <p:txBody>
+          <a:bodyPr rtlCol="0" anchor="ctr"/>
+          <a:lstStyle/>
+          <a:p>
+            <a:pPr algn="ctr"/>
+            <a:r>
+              <a:rPr lang="zh-CN" altLang="en-US" sz="1200" dirty="0"/>
+              <a:t>应用</a:t>
+            </a:r>
+            <a:r>
+              <a:rPr lang="en-US" altLang="zh-CN" sz="1200" dirty="0"/>
+              <a:t>B</a:t>
+            </a:r>
+            <a:endParaRPr lang="zh-CN" altLang="en-US" sz="1200" dirty="0"/>
+          </a:p>
+        </p:txBody>
+      </p:sp>
+      <p:sp>
+        <p:nvSpPr>
+          <p:cNvPr id="63" name="矩形 62">
+            <a:extLst>
+              <a:ext uri="{FF2B5EF4-FFF2-40B4-BE49-F238E27FC236}">
+                <a16:creationId xmlns:a16="http://schemas.microsoft.com/office/drawing/2014/main" id="{F7536BE8-C640-4BC0-9602-FABB66130978}"/>
+              </a:ext>
+            </a:extLst>
+          </p:cNvPr>
+          <p:cNvSpPr/>
+          <p:nvPr/>
+        </p:nvSpPr>
+        <p:spPr>
+          <a:xfrm>
+            <a:off x="7819848" y="3898658"/>
+            <a:ext cx="793628" cy="276999"/>
+          </a:xfrm>
+          <a:prstGeom prst="rect">
+            <a:avLst/>
+          </a:prstGeom>
+        </p:spPr>
+        <p:style>
+          <a:lnRef idx="2">
+            <a:schemeClr val="accent6"/>
+          </a:lnRef>
+          <a:fillRef idx="1">
+            <a:schemeClr val="lt1"/>
+          </a:fillRef>
+          <a:effectRef idx="0">
+            <a:schemeClr val="accent6"/>
+          </a:effectRef>
+          <a:fontRef idx="minor">
+            <a:schemeClr val="dk1"/>
+          </a:fontRef>
+        </p:style>
+        <p:txBody>
+          <a:bodyPr rtlCol="0" anchor="ctr"/>
+          <a:lstStyle/>
+          <a:p>
+            <a:pPr algn="ctr"/>
+            <a:r>
+              <a:rPr lang="zh-CN" altLang="en-US" sz="1200" dirty="0"/>
+              <a:t>应用</a:t>
+            </a:r>
+            <a:r>
+              <a:rPr lang="en-US" altLang="zh-CN" sz="1200" dirty="0"/>
+              <a:t>B</a:t>
+            </a:r>
+            <a:endParaRPr lang="zh-CN" altLang="en-US" sz="1200" dirty="0"/>
+          </a:p>
+        </p:txBody>
+      </p:sp>
+      <p:cxnSp>
+        <p:nvCxnSpPr>
+          <p:cNvPr id="65" name="直接箭头连接符 64">
+            <a:extLst>
+              <a:ext uri="{FF2B5EF4-FFF2-40B4-BE49-F238E27FC236}">
+                <a16:creationId xmlns:a16="http://schemas.microsoft.com/office/drawing/2014/main" id="{19854B25-0BEC-48F0-9E7A-A5101ED354FF}"/>
+              </a:ext>
+            </a:extLst>
+          </p:cNvPr>
+          <p:cNvCxnSpPr>
+            <a:stCxn id="56" idx="2"/>
+          </p:cNvCxnSpPr>
+          <p:nvPr/>
+        </p:nvCxnSpPr>
+        <p:spPr>
+          <a:xfrm flipH="1">
+            <a:off x="6523007" y="517589"/>
+            <a:ext cx="1086931" cy="767502"/>
+          </a:xfrm>
+          <a:prstGeom prst="straightConnector1">
+            <a:avLst/>
+          </a:prstGeom>
+          <a:ln>
+            <a:tailEnd type="triangle"/>
+          </a:ln>
+        </p:spPr>
+        <p:style>
+          <a:lnRef idx="1">
+            <a:schemeClr val="accent1"/>
+          </a:lnRef>
+          <a:fillRef idx="0">
+            <a:schemeClr val="accent1"/>
+          </a:fillRef>
+          <a:effectRef idx="0">
+            <a:schemeClr val="accent1"/>
+          </a:effectRef>
+          <a:fontRef idx="minor">
+            <a:schemeClr val="tx1"/>
+          </a:fontRef>
+        </p:style>
+      </p:cxnSp>
+      <p:cxnSp>
+        <p:nvCxnSpPr>
+          <p:cNvPr id="66" name="直接箭头连接符 65">
+            <a:extLst>
+              <a:ext uri="{FF2B5EF4-FFF2-40B4-BE49-F238E27FC236}">
+                <a16:creationId xmlns:a16="http://schemas.microsoft.com/office/drawing/2014/main" id="{A7E061EC-057A-44B8-A94A-6433B3DDF90D}"/>
+              </a:ext>
+            </a:extLst>
+          </p:cNvPr>
+          <p:cNvCxnSpPr>
+            <a:stCxn id="46" idx="2"/>
+            <a:endCxn id="57" idx="0"/>
+          </p:cNvCxnSpPr>
+          <p:nvPr/>
+        </p:nvCxnSpPr>
+        <p:spPr>
+          <a:xfrm>
+            <a:off x="6455440" y="2695261"/>
+            <a:ext cx="0" cy="765129"/>
+          </a:xfrm>
+          <a:prstGeom prst="straightConnector1">
+            <a:avLst/>
+          </a:prstGeom>
+          <a:ln>
+            <a:tailEnd type="triangle"/>
+          </a:ln>
+        </p:spPr>
+        <p:style>
+          <a:lnRef idx="1">
+            <a:schemeClr val="accent2"/>
+          </a:lnRef>
+          <a:fillRef idx="0">
+            <a:schemeClr val="accent2"/>
+          </a:fillRef>
+          <a:effectRef idx="0">
+            <a:schemeClr val="accent2"/>
+          </a:effectRef>
+          <a:fontRef idx="minor">
+            <a:schemeClr val="tx1"/>
+          </a:fontRef>
+        </p:style>
+      </p:cxnSp>
+      <p:sp>
+        <p:nvSpPr>
+          <p:cNvPr id="67" name="文本框 66">
+            <a:extLst>
+              <a:ext uri="{FF2B5EF4-FFF2-40B4-BE49-F238E27FC236}">
+                <a16:creationId xmlns:a16="http://schemas.microsoft.com/office/drawing/2014/main" id="{DF286DE0-255D-4097-9AA2-CCD59A56948C}"/>
+              </a:ext>
+            </a:extLst>
+          </p:cNvPr>
+          <p:cNvSpPr txBox="1"/>
+          <p:nvPr/>
+        </p:nvSpPr>
+        <p:spPr>
+          <a:xfrm>
+            <a:off x="7295075" y="767028"/>
+            <a:ext cx="1049546" cy="276999"/>
+          </a:xfrm>
+          <a:prstGeom prst="rect">
+            <a:avLst/>
+          </a:prstGeom>
+          <a:noFill/>
+        </p:spPr>
+        <p:txBody>
+          <a:bodyPr wrap="square" rtlCol="0">
+            <a:spAutoFit/>
+          </a:bodyPr>
+          <a:lstStyle/>
+          <a:p>
+            <a:r>
+              <a:rPr lang="zh-CN" altLang="en-US" sz="1200" dirty="0"/>
+              <a:t>切流到</a:t>
+            </a:r>
+            <a:r>
+              <a:rPr lang="en-US" altLang="zh-CN" sz="1200" dirty="0"/>
+              <a:t>OS30</a:t>
+            </a:r>
+            <a:endParaRPr lang="zh-CN" altLang="en-US" sz="1200" dirty="0"/>
+          </a:p>
+        </p:txBody>
+      </p:sp>
+      <p:sp>
+        <p:nvSpPr>
+          <p:cNvPr id="68" name="文本框 67">
+            <a:extLst>
+              <a:ext uri="{FF2B5EF4-FFF2-40B4-BE49-F238E27FC236}">
+                <a16:creationId xmlns:a16="http://schemas.microsoft.com/office/drawing/2014/main" id="{D84E7043-4980-4848-9592-C6BDFBA2FF5A}"/>
+              </a:ext>
+            </a:extLst>
+          </p:cNvPr>
+          <p:cNvSpPr txBox="1"/>
+          <p:nvPr/>
+        </p:nvSpPr>
+        <p:spPr>
+          <a:xfrm>
+            <a:off x="6455438" y="2766290"/>
+            <a:ext cx="744745" cy="646331"/>
+          </a:xfrm>
+          <a:prstGeom prst="rect">
+            <a:avLst/>
+          </a:prstGeom>
+          <a:noFill/>
+        </p:spPr>
+        <p:txBody>
+          <a:bodyPr wrap="square" rtlCol="0">
+            <a:spAutoFit/>
+          </a:bodyPr>
+          <a:lstStyle/>
+          <a:p>
+            <a:r>
+              <a:rPr lang="zh-CN" altLang="en-US" sz="1200" dirty="0"/>
+              <a:t>容量不足，限流触发</a:t>
+            </a:r>
+          </a:p>
+        </p:txBody>
+      </p:sp>
+    </p:spTree>
+    <p:extLst>
+      <p:ext uri="{BB962C8B-B14F-4D97-AF65-F5344CB8AC3E}">
+        <p14:creationId xmlns:p14="http://schemas.microsoft.com/office/powerpoint/2010/main" val="782079896"/>
+      </p:ext>
+    </p:extLst>
+  </p:cSld>
+  <p:clrMapOvr>
+    <a:masterClrMapping/>
+  </p:clrMapOvr>
+</p:sld>
+</file>
+
 <file path=ppt/theme/theme1.xml><?xml version="1.0" encoding="utf-8"?>
 <a:theme xmlns:a="http://schemas.openxmlformats.org/drawingml/2006/main" name="Office 主题​​">
   <a:themeElements>

--- a/ppt/tmp_ppt.pptx
+++ b/ppt/tmp_ppt.pptx
@@ -8,6 +8,7 @@
     <p:sldId id="256" r:id="rId2"/>
     <p:sldId id="257" r:id="rId3"/>
     <p:sldId id="258" r:id="rId4"/>
+    <p:sldId id="259" r:id="rId5"/>
   </p:sldIdLst>
   <p:sldSz cx="12192000" cy="6858000"/>
   <p:notesSz cx="6858000" cy="9144000"/>
@@ -261,7 +262,7 @@
           <a:p>
             <a:fld id="{454A0F4F-8F8E-4FE7-B4C3-4986872B7D08}" type="datetimeFigureOut">
               <a:rPr lang="zh-CN" altLang="en-US" smtClean="0"/>
-              <a:t>2021/4/4</a:t>
+              <a:t>2021/4/5</a:t>
             </a:fld>
             <a:endParaRPr lang="zh-CN" altLang="en-US"/>
           </a:p>
@@ -459,7 +460,7 @@
           <a:p>
             <a:fld id="{454A0F4F-8F8E-4FE7-B4C3-4986872B7D08}" type="datetimeFigureOut">
               <a:rPr lang="zh-CN" altLang="en-US" smtClean="0"/>
-              <a:t>2021/4/4</a:t>
+              <a:t>2021/4/5</a:t>
             </a:fld>
             <a:endParaRPr lang="zh-CN" altLang="en-US"/>
           </a:p>
@@ -667,7 +668,7 @@
           <a:p>
             <a:fld id="{454A0F4F-8F8E-4FE7-B4C3-4986872B7D08}" type="datetimeFigureOut">
               <a:rPr lang="zh-CN" altLang="en-US" smtClean="0"/>
-              <a:t>2021/4/4</a:t>
+              <a:t>2021/4/5</a:t>
             </a:fld>
             <a:endParaRPr lang="zh-CN" altLang="en-US"/>
           </a:p>
@@ -865,7 +866,7 @@
           <a:p>
             <a:fld id="{454A0F4F-8F8E-4FE7-B4C3-4986872B7D08}" type="datetimeFigureOut">
               <a:rPr lang="zh-CN" altLang="en-US" smtClean="0"/>
-              <a:t>2021/4/4</a:t>
+              <a:t>2021/4/5</a:t>
             </a:fld>
             <a:endParaRPr lang="zh-CN" altLang="en-US"/>
           </a:p>
@@ -1140,7 +1141,7 @@
           <a:p>
             <a:fld id="{454A0F4F-8F8E-4FE7-B4C3-4986872B7D08}" type="datetimeFigureOut">
               <a:rPr lang="zh-CN" altLang="en-US" smtClean="0"/>
-              <a:t>2021/4/4</a:t>
+              <a:t>2021/4/5</a:t>
             </a:fld>
             <a:endParaRPr lang="zh-CN" altLang="en-US"/>
           </a:p>
@@ -1405,7 +1406,7 @@
           <a:p>
             <a:fld id="{454A0F4F-8F8E-4FE7-B4C3-4986872B7D08}" type="datetimeFigureOut">
               <a:rPr lang="zh-CN" altLang="en-US" smtClean="0"/>
-              <a:t>2021/4/4</a:t>
+              <a:t>2021/4/5</a:t>
             </a:fld>
             <a:endParaRPr lang="zh-CN" altLang="en-US"/>
           </a:p>
@@ -1817,7 +1818,7 @@
           <a:p>
             <a:fld id="{454A0F4F-8F8E-4FE7-B4C3-4986872B7D08}" type="datetimeFigureOut">
               <a:rPr lang="zh-CN" altLang="en-US" smtClean="0"/>
-              <a:t>2021/4/4</a:t>
+              <a:t>2021/4/5</a:t>
             </a:fld>
             <a:endParaRPr lang="zh-CN" altLang="en-US"/>
           </a:p>
@@ -1958,7 +1959,7 @@
           <a:p>
             <a:fld id="{454A0F4F-8F8E-4FE7-B4C3-4986872B7D08}" type="datetimeFigureOut">
               <a:rPr lang="zh-CN" altLang="en-US" smtClean="0"/>
-              <a:t>2021/4/4</a:t>
+              <a:t>2021/4/5</a:t>
             </a:fld>
             <a:endParaRPr lang="zh-CN" altLang="en-US"/>
           </a:p>
@@ -2071,7 +2072,7 @@
           <a:p>
             <a:fld id="{454A0F4F-8F8E-4FE7-B4C3-4986872B7D08}" type="datetimeFigureOut">
               <a:rPr lang="zh-CN" altLang="en-US" smtClean="0"/>
-              <a:t>2021/4/4</a:t>
+              <a:t>2021/4/5</a:t>
             </a:fld>
             <a:endParaRPr lang="zh-CN" altLang="en-US"/>
           </a:p>
@@ -2382,7 +2383,7 @@
           <a:p>
             <a:fld id="{454A0F4F-8F8E-4FE7-B4C3-4986872B7D08}" type="datetimeFigureOut">
               <a:rPr lang="zh-CN" altLang="en-US" smtClean="0"/>
-              <a:t>2021/4/4</a:t>
+              <a:t>2021/4/5</a:t>
             </a:fld>
             <a:endParaRPr lang="zh-CN" altLang="en-US"/>
           </a:p>
@@ -2670,7 +2671,7 @@
           <a:p>
             <a:fld id="{454A0F4F-8F8E-4FE7-B4C3-4986872B7D08}" type="datetimeFigureOut">
               <a:rPr lang="zh-CN" altLang="en-US" smtClean="0"/>
-              <a:t>2021/4/4</a:t>
+              <a:t>2021/4/5</a:t>
             </a:fld>
             <a:endParaRPr lang="zh-CN" altLang="en-US"/>
           </a:p>
@@ -2911,7 +2912,7 @@
           <a:p>
             <a:fld id="{454A0F4F-8F8E-4FE7-B4C3-4986872B7D08}" type="datetimeFigureOut">
               <a:rPr lang="zh-CN" altLang="en-US" smtClean="0"/>
-              <a:t>2021/4/4</a:t>
+              <a:t>2021/4/5</a:t>
             </a:fld>
             <a:endParaRPr lang="zh-CN" altLang="en-US"/>
           </a:p>
@@ -8431,6 +8432,1809 @@
 </p:sld>
 </file>
 
+<file path=ppt/slides/slide4.xml><?xml version="1.0" encoding="utf-8"?>
+<p:sld xmlns:a="http://schemas.openxmlformats.org/drawingml/2006/main" xmlns:r="http://schemas.openxmlformats.org/officeDocument/2006/relationships" xmlns:p="http://schemas.openxmlformats.org/presentationml/2006/main">
+  <p:cSld>
+    <p:spTree>
+      <p:nvGrpSpPr>
+        <p:cNvPr id="1" name=""/>
+        <p:cNvGrpSpPr/>
+        <p:nvPr/>
+      </p:nvGrpSpPr>
+      <p:grpSpPr>
+        <a:xfrm>
+          <a:off x="0" y="0"/>
+          <a:ext cx="0" cy="0"/>
+          <a:chOff x="0" y="0"/>
+          <a:chExt cx="0" cy="0"/>
+        </a:xfrm>
+      </p:grpSpPr>
+      <p:sp>
+        <p:nvSpPr>
+          <p:cNvPr id="39" name="矩形 38">
+            <a:extLst>
+              <a:ext uri="{FF2B5EF4-FFF2-40B4-BE49-F238E27FC236}">
+                <a16:creationId xmlns:a16="http://schemas.microsoft.com/office/drawing/2014/main" id="{51DDEB4C-CC56-4F92-B485-53EEC3E4182A}"/>
+              </a:ext>
+            </a:extLst>
+          </p:cNvPr>
+          <p:cNvSpPr/>
+          <p:nvPr/>
+        </p:nvSpPr>
+        <p:spPr>
+          <a:xfrm>
+            <a:off x="925903" y="2096266"/>
+            <a:ext cx="8839200" cy="4241273"/>
+          </a:xfrm>
+          <a:prstGeom prst="rect">
+            <a:avLst/>
+          </a:prstGeom>
+        </p:spPr>
+        <p:style>
+          <a:lnRef idx="2">
+            <a:schemeClr val="accent6"/>
+          </a:lnRef>
+          <a:fillRef idx="1">
+            <a:schemeClr val="lt1"/>
+          </a:fillRef>
+          <a:effectRef idx="0">
+            <a:schemeClr val="accent6"/>
+          </a:effectRef>
+          <a:fontRef idx="minor">
+            <a:schemeClr val="dk1"/>
+          </a:fontRef>
+        </p:style>
+        <p:txBody>
+          <a:bodyPr rtlCol="0" anchor="ctr"/>
+          <a:lstStyle/>
+          <a:p>
+            <a:pPr algn="ctr"/>
+            <a:endParaRPr lang="zh-CN" altLang="en-US"/>
+          </a:p>
+        </p:txBody>
+      </p:sp>
+      <p:sp>
+        <p:nvSpPr>
+          <p:cNvPr id="37" name="矩形 36">
+            <a:extLst>
+              <a:ext uri="{FF2B5EF4-FFF2-40B4-BE49-F238E27FC236}">
+                <a16:creationId xmlns:a16="http://schemas.microsoft.com/office/drawing/2014/main" id="{3A9B01A6-2DD5-4E4B-938F-250950B199DD}"/>
+              </a:ext>
+            </a:extLst>
+          </p:cNvPr>
+          <p:cNvSpPr/>
+          <p:nvPr/>
+        </p:nvSpPr>
+        <p:spPr>
+          <a:xfrm>
+            <a:off x="7257077" y="2467155"/>
+            <a:ext cx="2070339" cy="3593455"/>
+          </a:xfrm>
+          <a:prstGeom prst="rect">
+            <a:avLst/>
+          </a:prstGeom>
+        </p:spPr>
+        <p:style>
+          <a:lnRef idx="2">
+            <a:schemeClr val="accent6"/>
+          </a:lnRef>
+          <a:fillRef idx="1">
+            <a:schemeClr val="lt1"/>
+          </a:fillRef>
+          <a:effectRef idx="0">
+            <a:schemeClr val="accent6"/>
+          </a:effectRef>
+          <a:fontRef idx="minor">
+            <a:schemeClr val="dk1"/>
+          </a:fontRef>
+        </p:style>
+        <p:txBody>
+          <a:bodyPr rtlCol="0" anchor="ctr"/>
+          <a:lstStyle/>
+          <a:p>
+            <a:pPr algn="ctr"/>
+            <a:endParaRPr lang="zh-CN" altLang="en-US" dirty="0"/>
+          </a:p>
+        </p:txBody>
+      </p:sp>
+      <p:sp>
+        <p:nvSpPr>
+          <p:cNvPr id="38" name="文本框 37">
+            <a:extLst>
+              <a:ext uri="{FF2B5EF4-FFF2-40B4-BE49-F238E27FC236}">
+                <a16:creationId xmlns:a16="http://schemas.microsoft.com/office/drawing/2014/main" id="{5FB872FC-F924-4B48-9EA6-8E5704E6821B}"/>
+              </a:ext>
+            </a:extLst>
+          </p:cNvPr>
+          <p:cNvSpPr txBox="1"/>
+          <p:nvPr/>
+        </p:nvSpPr>
+        <p:spPr>
+          <a:xfrm>
+            <a:off x="7312544" y="2530609"/>
+            <a:ext cx="921352" cy="276999"/>
+          </a:xfrm>
+          <a:prstGeom prst="rect">
+            <a:avLst/>
+          </a:prstGeom>
+          <a:noFill/>
+        </p:spPr>
+        <p:txBody>
+          <a:bodyPr wrap="square" rtlCol="0">
+            <a:spAutoFit/>
+          </a:bodyPr>
+          <a:lstStyle/>
+          <a:p>
+            <a:r>
+              <a:rPr lang="en-US" altLang="zh-CN" sz="1200" dirty="0"/>
+              <a:t>SG5</a:t>
+            </a:r>
+            <a:r>
+              <a:rPr lang="zh-CN" altLang="en-US" sz="1200" dirty="0"/>
+              <a:t>机房</a:t>
+            </a:r>
+          </a:p>
+        </p:txBody>
+      </p:sp>
+      <p:sp>
+        <p:nvSpPr>
+          <p:cNvPr id="35" name="矩形 34">
+            <a:extLst>
+              <a:ext uri="{FF2B5EF4-FFF2-40B4-BE49-F238E27FC236}">
+                <a16:creationId xmlns:a16="http://schemas.microsoft.com/office/drawing/2014/main" id="{D4A674F5-621C-4B92-A85C-C9DECC8B4210}"/>
+              </a:ext>
+            </a:extLst>
+          </p:cNvPr>
+          <p:cNvSpPr/>
+          <p:nvPr/>
+        </p:nvSpPr>
+        <p:spPr>
+          <a:xfrm>
+            <a:off x="2265872" y="2467155"/>
+            <a:ext cx="2070339" cy="3594339"/>
+          </a:xfrm>
+          <a:prstGeom prst="rect">
+            <a:avLst/>
+          </a:prstGeom>
+        </p:spPr>
+        <p:style>
+          <a:lnRef idx="2">
+            <a:schemeClr val="accent6"/>
+          </a:lnRef>
+          <a:fillRef idx="1">
+            <a:schemeClr val="lt1"/>
+          </a:fillRef>
+          <a:effectRef idx="0">
+            <a:schemeClr val="accent6"/>
+          </a:effectRef>
+          <a:fontRef idx="minor">
+            <a:schemeClr val="dk1"/>
+          </a:fontRef>
+        </p:style>
+        <p:txBody>
+          <a:bodyPr rtlCol="0" anchor="ctr"/>
+          <a:lstStyle/>
+          <a:p>
+            <a:pPr algn="ctr"/>
+            <a:endParaRPr lang="zh-CN" altLang="en-US" dirty="0"/>
+          </a:p>
+        </p:txBody>
+      </p:sp>
+      <p:sp>
+        <p:nvSpPr>
+          <p:cNvPr id="4" name="笑脸 3">
+            <a:extLst>
+              <a:ext uri="{FF2B5EF4-FFF2-40B4-BE49-F238E27FC236}">
+                <a16:creationId xmlns:a16="http://schemas.microsoft.com/office/drawing/2014/main" id="{1D10A485-66F8-477D-8C9E-22EC928622C0}"/>
+              </a:ext>
+            </a:extLst>
+          </p:cNvPr>
+          <p:cNvSpPr/>
+          <p:nvPr/>
+        </p:nvSpPr>
+        <p:spPr>
+          <a:xfrm>
+            <a:off x="5510098" y="243534"/>
+            <a:ext cx="730370" cy="718868"/>
+          </a:xfrm>
+          <a:prstGeom prst="smileyFace">
+            <a:avLst/>
+          </a:prstGeom>
+        </p:spPr>
+        <p:style>
+          <a:lnRef idx="2">
+            <a:schemeClr val="accent6"/>
+          </a:lnRef>
+          <a:fillRef idx="1">
+            <a:schemeClr val="lt1"/>
+          </a:fillRef>
+          <a:effectRef idx="0">
+            <a:schemeClr val="accent6"/>
+          </a:effectRef>
+          <a:fontRef idx="minor">
+            <a:schemeClr val="dk1"/>
+          </a:fontRef>
+        </p:style>
+        <p:txBody>
+          <a:bodyPr rtlCol="0" anchor="ctr"/>
+          <a:lstStyle/>
+          <a:p>
+            <a:pPr algn="ctr"/>
+            <a:endParaRPr lang="zh-CN" altLang="en-US"/>
+          </a:p>
+        </p:txBody>
+      </p:sp>
+      <p:sp>
+        <p:nvSpPr>
+          <p:cNvPr id="5" name="文本框 4">
+            <a:extLst>
+              <a:ext uri="{FF2B5EF4-FFF2-40B4-BE49-F238E27FC236}">
+                <a16:creationId xmlns:a16="http://schemas.microsoft.com/office/drawing/2014/main" id="{E25C409C-C599-49F7-81AF-355E8C68184F}"/>
+              </a:ext>
+            </a:extLst>
+          </p:cNvPr>
+          <p:cNvSpPr txBox="1"/>
+          <p:nvPr/>
+        </p:nvSpPr>
+        <p:spPr>
+          <a:xfrm>
+            <a:off x="5144913" y="1068795"/>
+            <a:ext cx="1460740" cy="276999"/>
+          </a:xfrm>
+          <a:prstGeom prst="rect">
+            <a:avLst/>
+          </a:prstGeom>
+          <a:noFill/>
+          <a:ln>
+            <a:solidFill>
+              <a:schemeClr val="accent1"/>
+            </a:solidFill>
+          </a:ln>
+        </p:spPr>
+        <p:txBody>
+          <a:bodyPr wrap="square" rtlCol="0">
+            <a:spAutoFit/>
+          </a:bodyPr>
+          <a:lstStyle/>
+          <a:p>
+            <a:r>
+              <a:rPr lang="zh-CN" altLang="en-US" sz="1200" dirty="0"/>
+              <a:t>请求</a:t>
+            </a:r>
+            <a:r>
+              <a:rPr lang="en-US" altLang="zh-CN" sz="1200" dirty="0"/>
+              <a:t>www.aaa.com</a:t>
+            </a:r>
+            <a:endParaRPr lang="zh-CN" altLang="en-US" sz="1200" dirty="0"/>
+          </a:p>
+        </p:txBody>
+      </p:sp>
+      <p:sp>
+        <p:nvSpPr>
+          <p:cNvPr id="6" name="文本框 5">
+            <a:extLst>
+              <a:ext uri="{FF2B5EF4-FFF2-40B4-BE49-F238E27FC236}">
+                <a16:creationId xmlns:a16="http://schemas.microsoft.com/office/drawing/2014/main" id="{23DE99EB-DD92-4C77-8DBE-23396BAD83B9}"/>
+              </a:ext>
+            </a:extLst>
+          </p:cNvPr>
+          <p:cNvSpPr txBox="1"/>
+          <p:nvPr/>
+        </p:nvSpPr>
+        <p:spPr>
+          <a:xfrm>
+            <a:off x="4648012" y="1582531"/>
+            <a:ext cx="2457369" cy="276999"/>
+          </a:xfrm>
+          <a:prstGeom prst="rect">
+            <a:avLst/>
+          </a:prstGeom>
+          <a:noFill/>
+          <a:ln>
+            <a:solidFill>
+              <a:schemeClr val="accent1"/>
+            </a:solidFill>
+          </a:ln>
+        </p:spPr>
+        <p:txBody>
+          <a:bodyPr wrap="square" rtlCol="0">
+            <a:spAutoFit/>
+          </a:bodyPr>
+          <a:lstStyle/>
+          <a:p>
+            <a:r>
+              <a:rPr lang="zh-CN" altLang="en-US" sz="1200" dirty="0"/>
+              <a:t>解析到</a:t>
+            </a:r>
+            <a:r>
+              <a:rPr lang="en-US" altLang="zh-CN" sz="1200" dirty="0"/>
+              <a:t>base</a:t>
+            </a:r>
+            <a:r>
+              <a:rPr lang="zh-CN" altLang="en-US" sz="1200" dirty="0"/>
+              <a:t>域名</a:t>
+            </a:r>
+            <a:r>
+              <a:rPr lang="en-US" altLang="zh-CN" sz="1200" dirty="0"/>
+              <a:t>www.aaadns.com</a:t>
+            </a:r>
+            <a:endParaRPr lang="zh-CN" altLang="en-US" sz="1200" dirty="0"/>
+          </a:p>
+        </p:txBody>
+      </p:sp>
+      <p:sp>
+        <p:nvSpPr>
+          <p:cNvPr id="7" name="文本框 6">
+            <a:extLst>
+              <a:ext uri="{FF2B5EF4-FFF2-40B4-BE49-F238E27FC236}">
+                <a16:creationId xmlns:a16="http://schemas.microsoft.com/office/drawing/2014/main" id="{7F4DE25D-3378-4829-9E89-1C17AEF5F1C9}"/>
+              </a:ext>
+            </a:extLst>
+          </p:cNvPr>
+          <p:cNvSpPr txBox="1"/>
+          <p:nvPr/>
+        </p:nvSpPr>
+        <p:spPr>
+          <a:xfrm>
+            <a:off x="2806388" y="2830888"/>
+            <a:ext cx="1338950" cy="278224"/>
+          </a:xfrm>
+          <a:prstGeom prst="rect">
+            <a:avLst/>
+          </a:prstGeom>
+          <a:noFill/>
+          <a:ln>
+            <a:solidFill>
+              <a:schemeClr val="accent1"/>
+            </a:solidFill>
+          </a:ln>
+        </p:spPr>
+        <p:txBody>
+          <a:bodyPr wrap="square" rtlCol="0">
+            <a:spAutoFit/>
+          </a:bodyPr>
+          <a:lstStyle/>
+          <a:p>
+            <a:r>
+              <a:rPr lang="en-US" altLang="zh-CN" sz="1200" dirty="0"/>
+              <a:t>OS30</a:t>
+            </a:r>
+            <a:r>
+              <a:rPr lang="zh-CN" altLang="en-US" sz="1200" dirty="0"/>
+              <a:t>统一接入层</a:t>
+            </a:r>
+            <a:endParaRPr lang="en-US" altLang="zh-CN" sz="1200" dirty="0"/>
+          </a:p>
+        </p:txBody>
+      </p:sp>
+      <p:sp>
+        <p:nvSpPr>
+          <p:cNvPr id="8" name="文本框 7">
+            <a:extLst>
+              <a:ext uri="{FF2B5EF4-FFF2-40B4-BE49-F238E27FC236}">
+                <a16:creationId xmlns:a16="http://schemas.microsoft.com/office/drawing/2014/main" id="{7B2E211B-64CC-4FDC-A6A5-B6A98608231C}"/>
+              </a:ext>
+            </a:extLst>
+          </p:cNvPr>
+          <p:cNvSpPr txBox="1"/>
+          <p:nvPr/>
+        </p:nvSpPr>
+        <p:spPr>
+          <a:xfrm>
+            <a:off x="7399119" y="2830888"/>
+            <a:ext cx="1338950" cy="278224"/>
+          </a:xfrm>
+          <a:prstGeom prst="rect">
+            <a:avLst/>
+          </a:prstGeom>
+          <a:noFill/>
+          <a:ln>
+            <a:solidFill>
+              <a:schemeClr val="accent1"/>
+            </a:solidFill>
+          </a:ln>
+        </p:spPr>
+        <p:txBody>
+          <a:bodyPr wrap="square" rtlCol="0">
+            <a:spAutoFit/>
+          </a:bodyPr>
+          <a:lstStyle/>
+          <a:p>
+            <a:r>
+              <a:rPr lang="en-US" altLang="zh-CN" sz="1200" dirty="0"/>
+              <a:t>SG52</a:t>
+            </a:r>
+            <a:r>
+              <a:rPr lang="zh-CN" altLang="en-US" sz="1200" dirty="0"/>
+              <a:t>统一接入层</a:t>
+            </a:r>
+            <a:endParaRPr lang="en-US" altLang="zh-CN" sz="1200" dirty="0"/>
+          </a:p>
+        </p:txBody>
+      </p:sp>
+      <p:sp>
+        <p:nvSpPr>
+          <p:cNvPr id="9" name="文本框 8">
+            <a:extLst>
+              <a:ext uri="{FF2B5EF4-FFF2-40B4-BE49-F238E27FC236}">
+                <a16:creationId xmlns:a16="http://schemas.microsoft.com/office/drawing/2014/main" id="{EEF82D11-56DC-46C1-90E8-E630333A0D62}"/>
+              </a:ext>
+            </a:extLst>
+          </p:cNvPr>
+          <p:cNvSpPr txBox="1"/>
+          <p:nvPr/>
+        </p:nvSpPr>
+        <p:spPr>
+          <a:xfrm>
+            <a:off x="2806388" y="3456750"/>
+            <a:ext cx="1338950" cy="276999"/>
+          </a:xfrm>
+          <a:prstGeom prst="rect">
+            <a:avLst/>
+          </a:prstGeom>
+          <a:noFill/>
+          <a:ln>
+            <a:solidFill>
+              <a:schemeClr val="accent1"/>
+            </a:solidFill>
+          </a:ln>
+        </p:spPr>
+        <p:txBody>
+          <a:bodyPr wrap="square" rtlCol="0">
+            <a:spAutoFit/>
+          </a:bodyPr>
+          <a:lstStyle/>
+          <a:p>
+            <a:r>
+              <a:rPr lang="en-US" altLang="zh-CN" sz="1200" dirty="0"/>
+              <a:t>OS30</a:t>
+            </a:r>
+            <a:r>
+              <a:rPr lang="zh-CN" altLang="en-US" sz="1200" dirty="0"/>
+              <a:t>应用</a:t>
+            </a:r>
+            <a:r>
+              <a:rPr lang="en-US" altLang="zh-CN" sz="1200" dirty="0"/>
+              <a:t>A</a:t>
+            </a:r>
+            <a:r>
+              <a:rPr lang="zh-CN" altLang="en-US" sz="1200" dirty="0"/>
+              <a:t>节点</a:t>
+            </a:r>
+            <a:r>
+              <a:rPr lang="en-US" altLang="zh-CN" sz="1200" dirty="0"/>
+              <a:t>1</a:t>
+            </a:r>
+          </a:p>
+        </p:txBody>
+      </p:sp>
+      <p:sp>
+        <p:nvSpPr>
+          <p:cNvPr id="10" name="文本框 9">
+            <a:extLst>
+              <a:ext uri="{FF2B5EF4-FFF2-40B4-BE49-F238E27FC236}">
+                <a16:creationId xmlns:a16="http://schemas.microsoft.com/office/drawing/2014/main" id="{4006409F-F125-4E0D-9250-36B192A88286}"/>
+              </a:ext>
+            </a:extLst>
+          </p:cNvPr>
+          <p:cNvSpPr txBox="1"/>
+          <p:nvPr/>
+        </p:nvSpPr>
+        <p:spPr>
+          <a:xfrm>
+            <a:off x="2806389" y="3804388"/>
+            <a:ext cx="1338950" cy="276999"/>
+          </a:xfrm>
+          <a:prstGeom prst="rect">
+            <a:avLst/>
+          </a:prstGeom>
+          <a:noFill/>
+          <a:ln>
+            <a:solidFill>
+              <a:schemeClr val="accent1"/>
+            </a:solidFill>
+          </a:ln>
+        </p:spPr>
+        <p:txBody>
+          <a:bodyPr wrap="square" rtlCol="0">
+            <a:spAutoFit/>
+          </a:bodyPr>
+          <a:lstStyle/>
+          <a:p>
+            <a:r>
+              <a:rPr lang="en-US" altLang="zh-CN" sz="1200" dirty="0"/>
+              <a:t>OS30</a:t>
+            </a:r>
+            <a:r>
+              <a:rPr lang="zh-CN" altLang="en-US" sz="1200" dirty="0"/>
+              <a:t>应用</a:t>
+            </a:r>
+            <a:r>
+              <a:rPr lang="en-US" altLang="zh-CN" sz="1200" dirty="0"/>
+              <a:t>A</a:t>
+            </a:r>
+            <a:r>
+              <a:rPr lang="zh-CN" altLang="en-US" sz="1200" dirty="0"/>
+              <a:t>节点</a:t>
+            </a:r>
+            <a:r>
+              <a:rPr lang="en-US" altLang="zh-CN" sz="1200" dirty="0"/>
+              <a:t>2</a:t>
+            </a:r>
+          </a:p>
+        </p:txBody>
+      </p:sp>
+      <p:sp>
+        <p:nvSpPr>
+          <p:cNvPr id="11" name="文本框 10">
+            <a:extLst>
+              <a:ext uri="{FF2B5EF4-FFF2-40B4-BE49-F238E27FC236}">
+                <a16:creationId xmlns:a16="http://schemas.microsoft.com/office/drawing/2014/main" id="{51EE403E-55AE-42F1-BF38-C3DEF5944C84}"/>
+              </a:ext>
+            </a:extLst>
+          </p:cNvPr>
+          <p:cNvSpPr txBox="1"/>
+          <p:nvPr/>
+        </p:nvSpPr>
+        <p:spPr>
+          <a:xfrm>
+            <a:off x="7399118" y="3456749"/>
+            <a:ext cx="1338950" cy="276999"/>
+          </a:xfrm>
+          <a:prstGeom prst="rect">
+            <a:avLst/>
+          </a:prstGeom>
+          <a:noFill/>
+          <a:ln>
+            <a:solidFill>
+              <a:schemeClr val="accent1"/>
+            </a:solidFill>
+          </a:ln>
+        </p:spPr>
+        <p:txBody>
+          <a:bodyPr wrap="square" rtlCol="0">
+            <a:spAutoFit/>
+          </a:bodyPr>
+          <a:lstStyle/>
+          <a:p>
+            <a:r>
+              <a:rPr lang="en-US" altLang="zh-CN" sz="1200" dirty="0"/>
+              <a:t>SG52</a:t>
+            </a:r>
+            <a:r>
+              <a:rPr lang="zh-CN" altLang="en-US" sz="1200" dirty="0"/>
+              <a:t>应用</a:t>
+            </a:r>
+            <a:r>
+              <a:rPr lang="en-US" altLang="zh-CN" sz="1200" dirty="0"/>
+              <a:t>A</a:t>
+            </a:r>
+            <a:r>
+              <a:rPr lang="zh-CN" altLang="en-US" sz="1200" dirty="0"/>
+              <a:t>节点</a:t>
+            </a:r>
+            <a:r>
+              <a:rPr lang="en-US" altLang="zh-CN" sz="1200" dirty="0"/>
+              <a:t>3</a:t>
+            </a:r>
+          </a:p>
+        </p:txBody>
+      </p:sp>
+      <p:sp>
+        <p:nvSpPr>
+          <p:cNvPr id="12" name="文本框 11">
+            <a:extLst>
+              <a:ext uri="{FF2B5EF4-FFF2-40B4-BE49-F238E27FC236}">
+                <a16:creationId xmlns:a16="http://schemas.microsoft.com/office/drawing/2014/main" id="{1F0F606F-010E-4D31-84F3-26B46353DC9E}"/>
+              </a:ext>
+            </a:extLst>
+          </p:cNvPr>
+          <p:cNvSpPr txBox="1"/>
+          <p:nvPr/>
+        </p:nvSpPr>
+        <p:spPr>
+          <a:xfrm>
+            <a:off x="7399118" y="3837980"/>
+            <a:ext cx="1338950" cy="276999"/>
+          </a:xfrm>
+          <a:prstGeom prst="rect">
+            <a:avLst/>
+          </a:prstGeom>
+          <a:noFill/>
+          <a:ln>
+            <a:solidFill>
+              <a:schemeClr val="accent1"/>
+            </a:solidFill>
+          </a:ln>
+        </p:spPr>
+        <p:txBody>
+          <a:bodyPr wrap="square" rtlCol="0">
+            <a:spAutoFit/>
+          </a:bodyPr>
+          <a:lstStyle/>
+          <a:p>
+            <a:r>
+              <a:rPr lang="en-US" altLang="zh-CN" sz="1200" dirty="0"/>
+              <a:t>SG52</a:t>
+            </a:r>
+            <a:r>
+              <a:rPr lang="zh-CN" altLang="en-US" sz="1200" dirty="0"/>
+              <a:t>应用</a:t>
+            </a:r>
+            <a:r>
+              <a:rPr lang="en-US" altLang="zh-CN" sz="1200" dirty="0"/>
+              <a:t>A</a:t>
+            </a:r>
+            <a:r>
+              <a:rPr lang="zh-CN" altLang="en-US" sz="1200" dirty="0"/>
+              <a:t>节点</a:t>
+            </a:r>
+            <a:r>
+              <a:rPr lang="en-US" altLang="zh-CN" sz="1200" dirty="0"/>
+              <a:t>4</a:t>
+            </a:r>
+          </a:p>
+        </p:txBody>
+      </p:sp>
+      <p:sp>
+        <p:nvSpPr>
+          <p:cNvPr id="13" name="文本框 12">
+            <a:extLst>
+              <a:ext uri="{FF2B5EF4-FFF2-40B4-BE49-F238E27FC236}">
+                <a16:creationId xmlns:a16="http://schemas.microsoft.com/office/drawing/2014/main" id="{E9129C8D-CDAC-49D4-A6F4-F33BF447ACAB}"/>
+              </a:ext>
+            </a:extLst>
+          </p:cNvPr>
+          <p:cNvSpPr txBox="1"/>
+          <p:nvPr/>
+        </p:nvSpPr>
+        <p:spPr>
+          <a:xfrm>
+            <a:off x="4586558" y="2739609"/>
+            <a:ext cx="2518823" cy="461665"/>
+          </a:xfrm>
+          <a:prstGeom prst="rect">
+            <a:avLst/>
+          </a:prstGeom>
+          <a:noFill/>
+          <a:ln>
+            <a:solidFill>
+              <a:schemeClr val="accent1"/>
+            </a:solidFill>
+          </a:ln>
+        </p:spPr>
+        <p:txBody>
+          <a:bodyPr wrap="square" rtlCol="0">
+            <a:spAutoFit/>
+          </a:bodyPr>
+          <a:lstStyle/>
+          <a:p>
+            <a:r>
+              <a:rPr lang="en-US" altLang="zh-CN" sz="1200" dirty="0"/>
+              <a:t>Vipserver key </a:t>
+            </a:r>
+            <a:r>
+              <a:rPr lang="zh-CN" altLang="en-US" sz="1200" dirty="0"/>
+              <a:t>跨机房注册</a:t>
+            </a:r>
+            <a:r>
+              <a:rPr lang="en-US" altLang="zh-CN" sz="1200" dirty="0"/>
+              <a:t> app-a</a:t>
+            </a:r>
+            <a:r>
+              <a:rPr lang="zh-CN" altLang="en-US" sz="1200" dirty="0"/>
+              <a:t>：</a:t>
+            </a:r>
+            <a:endParaRPr lang="en-US" altLang="zh-CN" sz="1200" dirty="0"/>
+          </a:p>
+          <a:p>
+            <a:r>
+              <a:rPr lang="zh-CN" altLang="en-US" sz="1200" dirty="0"/>
+              <a:t>节点</a:t>
+            </a:r>
+            <a:r>
+              <a:rPr lang="en-US" altLang="zh-CN" sz="1200" dirty="0"/>
+              <a:t>1</a:t>
+            </a:r>
+            <a:r>
+              <a:rPr lang="zh-CN" altLang="en-US" sz="1200" dirty="0"/>
+              <a:t>   节点</a:t>
+            </a:r>
+            <a:r>
+              <a:rPr lang="en-US" altLang="zh-CN" sz="1200" dirty="0"/>
+              <a:t>2   </a:t>
+            </a:r>
+            <a:r>
+              <a:rPr lang="zh-CN" altLang="en-US" sz="1200" dirty="0"/>
+              <a:t>节点</a:t>
+            </a:r>
+            <a:r>
+              <a:rPr lang="en-US" altLang="zh-CN" sz="1200" dirty="0"/>
+              <a:t>3     </a:t>
+            </a:r>
+            <a:r>
+              <a:rPr lang="zh-CN" altLang="en-US" sz="1200" dirty="0"/>
+              <a:t>节点</a:t>
+            </a:r>
+            <a:r>
+              <a:rPr lang="en-US" altLang="zh-CN" sz="1200" dirty="0"/>
+              <a:t>4</a:t>
+            </a:r>
+          </a:p>
+        </p:txBody>
+      </p:sp>
+      <p:cxnSp>
+        <p:nvCxnSpPr>
+          <p:cNvPr id="15" name="直接箭头连接符 14">
+            <a:extLst>
+              <a:ext uri="{FF2B5EF4-FFF2-40B4-BE49-F238E27FC236}">
+                <a16:creationId xmlns:a16="http://schemas.microsoft.com/office/drawing/2014/main" id="{01421A87-D201-4817-96A6-229B2BE1721F}"/>
+              </a:ext>
+            </a:extLst>
+          </p:cNvPr>
+          <p:cNvCxnSpPr>
+            <a:stCxn id="8" idx="1"/>
+            <a:endCxn id="13" idx="3"/>
+          </p:cNvCxnSpPr>
+          <p:nvPr/>
+        </p:nvCxnSpPr>
+        <p:spPr>
+          <a:xfrm flipH="1">
+            <a:off x="7105381" y="2970000"/>
+            <a:ext cx="293738" cy="442"/>
+          </a:xfrm>
+          <a:prstGeom prst="straightConnector1">
+            <a:avLst/>
+          </a:prstGeom>
+          <a:ln>
+            <a:tailEnd type="triangle"/>
+          </a:ln>
+        </p:spPr>
+        <p:style>
+          <a:lnRef idx="1">
+            <a:schemeClr val="accent1"/>
+          </a:lnRef>
+          <a:fillRef idx="0">
+            <a:schemeClr val="accent1"/>
+          </a:fillRef>
+          <a:effectRef idx="0">
+            <a:schemeClr val="accent1"/>
+          </a:effectRef>
+          <a:fontRef idx="minor">
+            <a:schemeClr val="tx1"/>
+          </a:fontRef>
+        </p:style>
+      </p:cxnSp>
+      <p:cxnSp>
+        <p:nvCxnSpPr>
+          <p:cNvPr id="18" name="直接箭头连接符 17">
+            <a:extLst>
+              <a:ext uri="{FF2B5EF4-FFF2-40B4-BE49-F238E27FC236}">
+                <a16:creationId xmlns:a16="http://schemas.microsoft.com/office/drawing/2014/main" id="{C7E8F700-ABB0-4593-B268-A033D90E3226}"/>
+              </a:ext>
+            </a:extLst>
+          </p:cNvPr>
+          <p:cNvCxnSpPr>
+            <a:stCxn id="7" idx="3"/>
+            <a:endCxn id="13" idx="1"/>
+          </p:cNvCxnSpPr>
+          <p:nvPr/>
+        </p:nvCxnSpPr>
+        <p:spPr>
+          <a:xfrm>
+            <a:off x="4145338" y="2970000"/>
+            <a:ext cx="441220" cy="442"/>
+          </a:xfrm>
+          <a:prstGeom prst="straightConnector1">
+            <a:avLst/>
+          </a:prstGeom>
+          <a:ln>
+            <a:tailEnd type="triangle"/>
+          </a:ln>
+        </p:spPr>
+        <p:style>
+          <a:lnRef idx="1">
+            <a:schemeClr val="accent1"/>
+          </a:lnRef>
+          <a:fillRef idx="0">
+            <a:schemeClr val="accent1"/>
+          </a:fillRef>
+          <a:effectRef idx="0">
+            <a:schemeClr val="accent1"/>
+          </a:effectRef>
+          <a:fontRef idx="minor">
+            <a:schemeClr val="tx1"/>
+          </a:fontRef>
+        </p:style>
+      </p:cxnSp>
+      <p:cxnSp>
+        <p:nvCxnSpPr>
+          <p:cNvPr id="20" name="直接箭头连接符 19">
+            <a:extLst>
+              <a:ext uri="{FF2B5EF4-FFF2-40B4-BE49-F238E27FC236}">
+                <a16:creationId xmlns:a16="http://schemas.microsoft.com/office/drawing/2014/main" id="{14FE827C-8382-4447-9D05-A6199C916657}"/>
+              </a:ext>
+            </a:extLst>
+          </p:cNvPr>
+          <p:cNvCxnSpPr>
+            <a:stCxn id="5" idx="2"/>
+            <a:endCxn id="6" idx="0"/>
+          </p:cNvCxnSpPr>
+          <p:nvPr/>
+        </p:nvCxnSpPr>
+        <p:spPr>
+          <a:xfrm>
+            <a:off x="5875283" y="1345794"/>
+            <a:ext cx="1414" cy="236737"/>
+          </a:xfrm>
+          <a:prstGeom prst="straightConnector1">
+            <a:avLst/>
+          </a:prstGeom>
+          <a:ln>
+            <a:tailEnd type="triangle"/>
+          </a:ln>
+        </p:spPr>
+        <p:style>
+          <a:lnRef idx="1">
+            <a:schemeClr val="accent1"/>
+          </a:lnRef>
+          <a:fillRef idx="0">
+            <a:schemeClr val="accent1"/>
+          </a:fillRef>
+          <a:effectRef idx="0">
+            <a:schemeClr val="accent1"/>
+          </a:effectRef>
+          <a:fontRef idx="minor">
+            <a:schemeClr val="tx1"/>
+          </a:fontRef>
+        </p:style>
+      </p:cxnSp>
+      <p:cxnSp>
+        <p:nvCxnSpPr>
+          <p:cNvPr id="22" name="直接箭头连接符 21">
+            <a:extLst>
+              <a:ext uri="{FF2B5EF4-FFF2-40B4-BE49-F238E27FC236}">
+                <a16:creationId xmlns:a16="http://schemas.microsoft.com/office/drawing/2014/main" id="{E81D865B-99C4-45A5-95C8-790B9D7C766F}"/>
+              </a:ext>
+            </a:extLst>
+          </p:cNvPr>
+          <p:cNvCxnSpPr>
+            <a:stCxn id="6" idx="2"/>
+            <a:endCxn id="7" idx="0"/>
+          </p:cNvCxnSpPr>
+          <p:nvPr/>
+        </p:nvCxnSpPr>
+        <p:spPr>
+          <a:xfrm flipH="1">
+            <a:off x="3475863" y="1859530"/>
+            <a:ext cx="2400834" cy="971358"/>
+          </a:xfrm>
+          <a:prstGeom prst="straightConnector1">
+            <a:avLst/>
+          </a:prstGeom>
+          <a:ln>
+            <a:tailEnd type="triangle"/>
+          </a:ln>
+        </p:spPr>
+        <p:style>
+          <a:lnRef idx="1">
+            <a:schemeClr val="accent1"/>
+          </a:lnRef>
+          <a:fillRef idx="0">
+            <a:schemeClr val="accent1"/>
+          </a:fillRef>
+          <a:effectRef idx="0">
+            <a:schemeClr val="accent1"/>
+          </a:effectRef>
+          <a:fontRef idx="minor">
+            <a:schemeClr val="tx1"/>
+          </a:fontRef>
+        </p:style>
+      </p:cxnSp>
+      <p:cxnSp>
+        <p:nvCxnSpPr>
+          <p:cNvPr id="24" name="直接箭头连接符 23">
+            <a:extLst>
+              <a:ext uri="{FF2B5EF4-FFF2-40B4-BE49-F238E27FC236}">
+                <a16:creationId xmlns:a16="http://schemas.microsoft.com/office/drawing/2014/main" id="{C2961714-37DB-4CDF-91D8-EB4A5400FE5C}"/>
+              </a:ext>
+            </a:extLst>
+          </p:cNvPr>
+          <p:cNvCxnSpPr>
+            <a:stCxn id="7" idx="2"/>
+            <a:endCxn id="12" idx="1"/>
+          </p:cNvCxnSpPr>
+          <p:nvPr/>
+        </p:nvCxnSpPr>
+        <p:spPr>
+          <a:xfrm>
+            <a:off x="3475863" y="3109112"/>
+            <a:ext cx="3923255" cy="867368"/>
+          </a:xfrm>
+          <a:prstGeom prst="straightConnector1">
+            <a:avLst/>
+          </a:prstGeom>
+          <a:ln>
+            <a:tailEnd type="triangle"/>
+          </a:ln>
+        </p:spPr>
+        <p:style>
+          <a:lnRef idx="1">
+            <a:schemeClr val="accent1"/>
+          </a:lnRef>
+          <a:fillRef idx="0">
+            <a:schemeClr val="accent1"/>
+          </a:fillRef>
+          <a:effectRef idx="0">
+            <a:schemeClr val="accent1"/>
+          </a:effectRef>
+          <a:fontRef idx="minor">
+            <a:schemeClr val="tx1"/>
+          </a:fontRef>
+        </p:style>
+      </p:cxnSp>
+      <p:sp>
+        <p:nvSpPr>
+          <p:cNvPr id="25" name="文本框 24">
+            <a:extLst>
+              <a:ext uri="{FF2B5EF4-FFF2-40B4-BE49-F238E27FC236}">
+                <a16:creationId xmlns:a16="http://schemas.microsoft.com/office/drawing/2014/main" id="{CF6EE4CF-15F9-4DD1-873B-9F047D25F980}"/>
+              </a:ext>
+            </a:extLst>
+          </p:cNvPr>
+          <p:cNvSpPr txBox="1"/>
+          <p:nvPr/>
+        </p:nvSpPr>
+        <p:spPr>
+          <a:xfrm>
+            <a:off x="2806388" y="5090802"/>
+            <a:ext cx="1338950" cy="276999"/>
+          </a:xfrm>
+          <a:prstGeom prst="rect">
+            <a:avLst/>
+          </a:prstGeom>
+          <a:noFill/>
+          <a:ln>
+            <a:solidFill>
+              <a:schemeClr val="accent1"/>
+            </a:solidFill>
+          </a:ln>
+        </p:spPr>
+        <p:txBody>
+          <a:bodyPr wrap="square" rtlCol="0">
+            <a:spAutoFit/>
+          </a:bodyPr>
+          <a:lstStyle/>
+          <a:p>
+            <a:r>
+              <a:rPr lang="en-US" altLang="zh-CN" sz="1200" dirty="0"/>
+              <a:t>OS30</a:t>
+            </a:r>
+            <a:r>
+              <a:rPr lang="zh-CN" altLang="en-US" sz="1200" dirty="0"/>
+              <a:t>应用</a:t>
+            </a:r>
+            <a:r>
+              <a:rPr lang="en-US" altLang="zh-CN" sz="1200" dirty="0"/>
+              <a:t>B</a:t>
+            </a:r>
+            <a:r>
+              <a:rPr lang="zh-CN" altLang="en-US" sz="1200" dirty="0"/>
+              <a:t>节点</a:t>
+            </a:r>
+            <a:r>
+              <a:rPr lang="en-US" altLang="zh-CN" sz="1200" dirty="0"/>
+              <a:t>1</a:t>
+            </a:r>
+          </a:p>
+        </p:txBody>
+      </p:sp>
+      <p:sp>
+        <p:nvSpPr>
+          <p:cNvPr id="26" name="文本框 25">
+            <a:extLst>
+              <a:ext uri="{FF2B5EF4-FFF2-40B4-BE49-F238E27FC236}">
+                <a16:creationId xmlns:a16="http://schemas.microsoft.com/office/drawing/2014/main" id="{78DBE6AF-84EF-4666-B5A5-CD34FDFF1AC3}"/>
+              </a:ext>
+            </a:extLst>
+          </p:cNvPr>
+          <p:cNvSpPr txBox="1"/>
+          <p:nvPr/>
+        </p:nvSpPr>
+        <p:spPr>
+          <a:xfrm>
+            <a:off x="2803234" y="5451109"/>
+            <a:ext cx="1338950" cy="276999"/>
+          </a:xfrm>
+          <a:prstGeom prst="rect">
+            <a:avLst/>
+          </a:prstGeom>
+          <a:noFill/>
+          <a:ln>
+            <a:solidFill>
+              <a:schemeClr val="accent1"/>
+            </a:solidFill>
+          </a:ln>
+        </p:spPr>
+        <p:txBody>
+          <a:bodyPr wrap="square" rtlCol="0">
+            <a:spAutoFit/>
+          </a:bodyPr>
+          <a:lstStyle/>
+          <a:p>
+            <a:r>
+              <a:rPr lang="en-US" altLang="zh-CN" sz="1200" dirty="0"/>
+              <a:t>OS30</a:t>
+            </a:r>
+            <a:r>
+              <a:rPr lang="zh-CN" altLang="en-US" sz="1200" dirty="0"/>
+              <a:t>应用</a:t>
+            </a:r>
+            <a:r>
+              <a:rPr lang="en-US" altLang="zh-CN" sz="1200" dirty="0"/>
+              <a:t>B</a:t>
+            </a:r>
+            <a:r>
+              <a:rPr lang="zh-CN" altLang="en-US" sz="1200" dirty="0"/>
+              <a:t>节点</a:t>
+            </a:r>
+            <a:r>
+              <a:rPr lang="en-US" altLang="zh-CN" sz="1200" dirty="0"/>
+              <a:t>1</a:t>
+            </a:r>
+          </a:p>
+        </p:txBody>
+      </p:sp>
+      <p:sp>
+        <p:nvSpPr>
+          <p:cNvPr id="27" name="文本框 26">
+            <a:extLst>
+              <a:ext uri="{FF2B5EF4-FFF2-40B4-BE49-F238E27FC236}">
+                <a16:creationId xmlns:a16="http://schemas.microsoft.com/office/drawing/2014/main" id="{1E7FC0FD-4872-4048-A1FF-0FC0220C7DE9}"/>
+              </a:ext>
+            </a:extLst>
+          </p:cNvPr>
+          <p:cNvSpPr txBox="1"/>
+          <p:nvPr/>
+        </p:nvSpPr>
+        <p:spPr>
+          <a:xfrm>
+            <a:off x="7399118" y="5021553"/>
+            <a:ext cx="1338950" cy="276999"/>
+          </a:xfrm>
+          <a:prstGeom prst="rect">
+            <a:avLst/>
+          </a:prstGeom>
+          <a:noFill/>
+          <a:ln>
+            <a:solidFill>
+              <a:schemeClr val="accent1"/>
+            </a:solidFill>
+          </a:ln>
+        </p:spPr>
+        <p:txBody>
+          <a:bodyPr wrap="square" rtlCol="0">
+            <a:spAutoFit/>
+          </a:bodyPr>
+          <a:lstStyle/>
+          <a:p>
+            <a:r>
+              <a:rPr lang="en-US" altLang="zh-CN" sz="1200" dirty="0"/>
+              <a:t>SG52</a:t>
+            </a:r>
+            <a:r>
+              <a:rPr lang="zh-CN" altLang="en-US" sz="1200" dirty="0"/>
+              <a:t>应用</a:t>
+            </a:r>
+            <a:r>
+              <a:rPr lang="en-US" altLang="zh-CN" sz="1200" dirty="0"/>
+              <a:t>B</a:t>
+            </a:r>
+            <a:r>
+              <a:rPr lang="zh-CN" altLang="en-US" sz="1200" dirty="0"/>
+              <a:t>节点</a:t>
+            </a:r>
+            <a:r>
+              <a:rPr lang="en-US" altLang="zh-CN" sz="1200" dirty="0"/>
+              <a:t>3</a:t>
+            </a:r>
+          </a:p>
+        </p:txBody>
+      </p:sp>
+      <p:sp>
+        <p:nvSpPr>
+          <p:cNvPr id="28" name="文本框 27">
+            <a:extLst>
+              <a:ext uri="{FF2B5EF4-FFF2-40B4-BE49-F238E27FC236}">
+                <a16:creationId xmlns:a16="http://schemas.microsoft.com/office/drawing/2014/main" id="{92E26A39-05B4-4787-9653-8D0302079F7D}"/>
+              </a:ext>
+            </a:extLst>
+          </p:cNvPr>
+          <p:cNvSpPr txBox="1"/>
+          <p:nvPr/>
+        </p:nvSpPr>
+        <p:spPr>
+          <a:xfrm>
+            <a:off x="7399118" y="5381860"/>
+            <a:ext cx="1338950" cy="276999"/>
+          </a:xfrm>
+          <a:prstGeom prst="rect">
+            <a:avLst/>
+          </a:prstGeom>
+          <a:noFill/>
+          <a:ln>
+            <a:solidFill>
+              <a:schemeClr val="accent1"/>
+            </a:solidFill>
+          </a:ln>
+        </p:spPr>
+        <p:txBody>
+          <a:bodyPr wrap="square" rtlCol="0">
+            <a:spAutoFit/>
+          </a:bodyPr>
+          <a:lstStyle/>
+          <a:p>
+            <a:r>
+              <a:rPr lang="en-US" altLang="zh-CN" sz="1200" dirty="0"/>
+              <a:t>SG52</a:t>
+            </a:r>
+            <a:r>
+              <a:rPr lang="zh-CN" altLang="en-US" sz="1200" dirty="0"/>
+              <a:t>应用</a:t>
+            </a:r>
+            <a:r>
+              <a:rPr lang="en-US" altLang="zh-CN" sz="1200" dirty="0"/>
+              <a:t>B</a:t>
+            </a:r>
+            <a:r>
+              <a:rPr lang="zh-CN" altLang="en-US" sz="1200" dirty="0"/>
+              <a:t>节点</a:t>
+            </a:r>
+            <a:r>
+              <a:rPr lang="en-US" altLang="zh-CN" sz="1200" dirty="0"/>
+              <a:t>4</a:t>
+            </a:r>
+          </a:p>
+        </p:txBody>
+      </p:sp>
+      <p:sp>
+        <p:nvSpPr>
+          <p:cNvPr id="29" name="文本框 28">
+            <a:extLst>
+              <a:ext uri="{FF2B5EF4-FFF2-40B4-BE49-F238E27FC236}">
+                <a16:creationId xmlns:a16="http://schemas.microsoft.com/office/drawing/2014/main" id="{8AA42813-6614-486E-B48E-BEFDF9E784A7}"/>
+              </a:ext>
+            </a:extLst>
+          </p:cNvPr>
+          <p:cNvSpPr txBox="1"/>
+          <p:nvPr/>
+        </p:nvSpPr>
+        <p:spPr>
+          <a:xfrm>
+            <a:off x="4586558" y="5262894"/>
+            <a:ext cx="2518823" cy="461665"/>
+          </a:xfrm>
+          <a:prstGeom prst="rect">
+            <a:avLst/>
+          </a:prstGeom>
+          <a:noFill/>
+          <a:ln>
+            <a:solidFill>
+              <a:schemeClr val="accent1"/>
+            </a:solidFill>
+          </a:ln>
+        </p:spPr>
+        <p:txBody>
+          <a:bodyPr wrap="square" rtlCol="0">
+            <a:spAutoFit/>
+          </a:bodyPr>
+          <a:lstStyle/>
+          <a:p>
+            <a:r>
+              <a:rPr lang="en-US" altLang="zh-CN" sz="1200" dirty="0"/>
+              <a:t>configServer </a:t>
+            </a:r>
+            <a:r>
+              <a:rPr lang="zh-CN" altLang="en-US" sz="1200" dirty="0"/>
+              <a:t>跨机房注册</a:t>
+            </a:r>
+            <a:r>
+              <a:rPr lang="en-US" altLang="zh-CN" sz="1200" dirty="0"/>
+              <a:t> app-b</a:t>
+            </a:r>
+            <a:r>
+              <a:rPr lang="zh-CN" altLang="en-US" sz="1200" dirty="0"/>
+              <a:t>：</a:t>
+            </a:r>
+            <a:endParaRPr lang="en-US" altLang="zh-CN" sz="1200" dirty="0"/>
+          </a:p>
+          <a:p>
+            <a:r>
+              <a:rPr lang="zh-CN" altLang="en-US" sz="1200" dirty="0"/>
+              <a:t>节点</a:t>
+            </a:r>
+            <a:r>
+              <a:rPr lang="en-US" altLang="zh-CN" sz="1200" dirty="0"/>
+              <a:t>1</a:t>
+            </a:r>
+            <a:r>
+              <a:rPr lang="zh-CN" altLang="en-US" sz="1200" dirty="0"/>
+              <a:t>   节点</a:t>
+            </a:r>
+            <a:r>
+              <a:rPr lang="en-US" altLang="zh-CN" sz="1200" dirty="0"/>
+              <a:t>2   </a:t>
+            </a:r>
+            <a:r>
+              <a:rPr lang="zh-CN" altLang="en-US" sz="1200" dirty="0"/>
+              <a:t>节点</a:t>
+            </a:r>
+            <a:r>
+              <a:rPr lang="en-US" altLang="zh-CN" sz="1200" dirty="0"/>
+              <a:t>3     </a:t>
+            </a:r>
+            <a:r>
+              <a:rPr lang="zh-CN" altLang="en-US" sz="1200" dirty="0"/>
+              <a:t>节点</a:t>
+            </a:r>
+            <a:r>
+              <a:rPr lang="en-US" altLang="zh-CN" sz="1200" dirty="0"/>
+              <a:t>4</a:t>
+            </a:r>
+          </a:p>
+        </p:txBody>
+      </p:sp>
+      <p:cxnSp>
+        <p:nvCxnSpPr>
+          <p:cNvPr id="31" name="直接箭头连接符 30">
+            <a:extLst>
+              <a:ext uri="{FF2B5EF4-FFF2-40B4-BE49-F238E27FC236}">
+                <a16:creationId xmlns:a16="http://schemas.microsoft.com/office/drawing/2014/main" id="{2CE97575-81EF-4E37-AEAD-FB8E2F5E083D}"/>
+              </a:ext>
+            </a:extLst>
+          </p:cNvPr>
+          <p:cNvCxnSpPr>
+            <a:stCxn id="12" idx="2"/>
+            <a:endCxn id="25" idx="3"/>
+          </p:cNvCxnSpPr>
+          <p:nvPr/>
+        </p:nvCxnSpPr>
+        <p:spPr>
+          <a:xfrm flipH="1">
+            <a:off x="4145338" y="4114979"/>
+            <a:ext cx="3923255" cy="1114323"/>
+          </a:xfrm>
+          <a:prstGeom prst="straightConnector1">
+            <a:avLst/>
+          </a:prstGeom>
+          <a:ln>
+            <a:tailEnd type="triangle"/>
+          </a:ln>
+        </p:spPr>
+        <p:style>
+          <a:lnRef idx="1">
+            <a:schemeClr val="accent1"/>
+          </a:lnRef>
+          <a:fillRef idx="0">
+            <a:schemeClr val="accent1"/>
+          </a:fillRef>
+          <a:effectRef idx="0">
+            <a:schemeClr val="accent1"/>
+          </a:effectRef>
+          <a:fontRef idx="minor">
+            <a:schemeClr val="tx1"/>
+          </a:fontRef>
+        </p:style>
+      </p:cxnSp>
+      <p:sp>
+        <p:nvSpPr>
+          <p:cNvPr id="36" name="文本框 35">
+            <a:extLst>
+              <a:ext uri="{FF2B5EF4-FFF2-40B4-BE49-F238E27FC236}">
+                <a16:creationId xmlns:a16="http://schemas.microsoft.com/office/drawing/2014/main" id="{97CE3447-D7BB-4DE2-9790-81EB74563206}"/>
+              </a:ext>
+            </a:extLst>
+          </p:cNvPr>
+          <p:cNvSpPr txBox="1"/>
+          <p:nvPr/>
+        </p:nvSpPr>
+        <p:spPr>
+          <a:xfrm>
+            <a:off x="2342558" y="2546980"/>
+            <a:ext cx="921352" cy="276999"/>
+          </a:xfrm>
+          <a:prstGeom prst="rect">
+            <a:avLst/>
+          </a:prstGeom>
+          <a:noFill/>
+        </p:spPr>
+        <p:txBody>
+          <a:bodyPr wrap="square" rtlCol="0">
+            <a:spAutoFit/>
+          </a:bodyPr>
+          <a:lstStyle/>
+          <a:p>
+            <a:r>
+              <a:rPr lang="en-US" altLang="zh-CN" sz="1200" dirty="0"/>
+              <a:t>OS30</a:t>
+            </a:r>
+            <a:r>
+              <a:rPr lang="zh-CN" altLang="en-US" sz="1200" dirty="0"/>
+              <a:t>机房</a:t>
+            </a:r>
+          </a:p>
+        </p:txBody>
+      </p:sp>
+      <p:sp>
+        <p:nvSpPr>
+          <p:cNvPr id="40" name="文本框 39">
+            <a:extLst>
+              <a:ext uri="{FF2B5EF4-FFF2-40B4-BE49-F238E27FC236}">
+                <a16:creationId xmlns:a16="http://schemas.microsoft.com/office/drawing/2014/main" id="{188BD3F6-83C7-4E12-9981-CFB2BFF75FBC}"/>
+              </a:ext>
+            </a:extLst>
+          </p:cNvPr>
+          <p:cNvSpPr txBox="1"/>
+          <p:nvPr/>
+        </p:nvSpPr>
+        <p:spPr>
+          <a:xfrm>
+            <a:off x="969951" y="2161401"/>
+            <a:ext cx="1605074" cy="276999"/>
+          </a:xfrm>
+          <a:prstGeom prst="rect">
+            <a:avLst/>
+          </a:prstGeom>
+          <a:noFill/>
+        </p:spPr>
+        <p:txBody>
+          <a:bodyPr wrap="square" rtlCol="0">
+            <a:spAutoFit/>
+          </a:bodyPr>
+          <a:lstStyle/>
+          <a:p>
+            <a:r>
+              <a:rPr lang="zh-CN" altLang="en-US" sz="1200" dirty="0"/>
+              <a:t>新加坡单元</a:t>
+            </a:r>
+          </a:p>
+        </p:txBody>
+      </p:sp>
+      <p:cxnSp>
+        <p:nvCxnSpPr>
+          <p:cNvPr id="43" name="直接箭头连接符 42">
+            <a:extLst>
+              <a:ext uri="{FF2B5EF4-FFF2-40B4-BE49-F238E27FC236}">
+                <a16:creationId xmlns:a16="http://schemas.microsoft.com/office/drawing/2014/main" id="{01BD03DD-C0B9-4535-B3FA-0CF1B13E86A8}"/>
+              </a:ext>
+            </a:extLst>
+          </p:cNvPr>
+          <p:cNvCxnSpPr/>
+          <p:nvPr/>
+        </p:nvCxnSpPr>
+        <p:spPr>
+          <a:xfrm>
+            <a:off x="969951" y="385313"/>
+            <a:ext cx="651815" cy="0"/>
+          </a:xfrm>
+          <a:prstGeom prst="straightConnector1">
+            <a:avLst/>
+          </a:prstGeom>
+          <a:ln>
+            <a:tailEnd type="triangle"/>
+          </a:ln>
+        </p:spPr>
+        <p:style>
+          <a:lnRef idx="1">
+            <a:schemeClr val="accent1"/>
+          </a:lnRef>
+          <a:fillRef idx="0">
+            <a:schemeClr val="accent1"/>
+          </a:fillRef>
+          <a:effectRef idx="0">
+            <a:schemeClr val="accent1"/>
+          </a:effectRef>
+          <a:fontRef idx="minor">
+            <a:schemeClr val="tx1"/>
+          </a:fontRef>
+        </p:style>
+      </p:cxnSp>
+      <p:sp>
+        <p:nvSpPr>
+          <p:cNvPr id="44" name="文本框 43">
+            <a:extLst>
+              <a:ext uri="{FF2B5EF4-FFF2-40B4-BE49-F238E27FC236}">
+                <a16:creationId xmlns:a16="http://schemas.microsoft.com/office/drawing/2014/main" id="{2FF2C28D-9F3D-4300-A8D4-71720EF18C32}"/>
+              </a:ext>
+            </a:extLst>
+          </p:cNvPr>
+          <p:cNvSpPr txBox="1"/>
+          <p:nvPr/>
+        </p:nvSpPr>
+        <p:spPr>
+          <a:xfrm>
+            <a:off x="1754038" y="243534"/>
+            <a:ext cx="902898" cy="276999"/>
+          </a:xfrm>
+          <a:prstGeom prst="rect">
+            <a:avLst/>
+          </a:prstGeom>
+          <a:noFill/>
+        </p:spPr>
+        <p:txBody>
+          <a:bodyPr wrap="square" rtlCol="0">
+            <a:spAutoFit/>
+          </a:bodyPr>
+          <a:lstStyle/>
+          <a:p>
+            <a:r>
+              <a:rPr lang="zh-CN" altLang="en-US" sz="1200" dirty="0"/>
+              <a:t>正常流量</a:t>
+            </a:r>
+          </a:p>
+        </p:txBody>
+      </p:sp>
+      <p:cxnSp>
+        <p:nvCxnSpPr>
+          <p:cNvPr id="46" name="直接箭头连接符 45">
+            <a:extLst>
+              <a:ext uri="{FF2B5EF4-FFF2-40B4-BE49-F238E27FC236}">
+                <a16:creationId xmlns:a16="http://schemas.microsoft.com/office/drawing/2014/main" id="{BD1955F4-6E0E-4556-9BC9-A88A8FC68E57}"/>
+              </a:ext>
+            </a:extLst>
+          </p:cNvPr>
+          <p:cNvCxnSpPr/>
+          <p:nvPr/>
+        </p:nvCxnSpPr>
+        <p:spPr>
+          <a:xfrm>
+            <a:off x="969951" y="822385"/>
+            <a:ext cx="651815" cy="0"/>
+          </a:xfrm>
+          <a:prstGeom prst="straightConnector1">
+            <a:avLst/>
+          </a:prstGeom>
+          <a:ln w="9525" cap="flat" cmpd="sng" algn="ctr">
+            <a:solidFill>
+              <a:schemeClr val="accent2"/>
+            </a:solidFill>
+            <a:prstDash val="solid"/>
+            <a:round/>
+            <a:headEnd type="none" w="med" len="med"/>
+            <a:tailEnd type="arrow" w="med" len="med"/>
+          </a:ln>
+        </p:spPr>
+        <p:style>
+          <a:lnRef idx="0">
+            <a:scrgbClr r="0" g="0" b="0"/>
+          </a:lnRef>
+          <a:fillRef idx="0">
+            <a:scrgbClr r="0" g="0" b="0"/>
+          </a:fillRef>
+          <a:effectRef idx="0">
+            <a:scrgbClr r="0" g="0" b="0"/>
+          </a:effectRef>
+          <a:fontRef idx="minor">
+            <a:schemeClr val="tx1"/>
+          </a:fontRef>
+        </p:style>
+      </p:cxnSp>
+      <p:sp>
+        <p:nvSpPr>
+          <p:cNvPr id="47" name="文本框 46">
+            <a:extLst>
+              <a:ext uri="{FF2B5EF4-FFF2-40B4-BE49-F238E27FC236}">
+                <a16:creationId xmlns:a16="http://schemas.microsoft.com/office/drawing/2014/main" id="{8AEAC16B-54A0-4311-980E-DF476462E5B9}"/>
+              </a:ext>
+            </a:extLst>
+          </p:cNvPr>
+          <p:cNvSpPr txBox="1"/>
+          <p:nvPr/>
+        </p:nvSpPr>
+        <p:spPr>
+          <a:xfrm>
+            <a:off x="1754038" y="672456"/>
+            <a:ext cx="902898" cy="276999"/>
+          </a:xfrm>
+          <a:prstGeom prst="rect">
+            <a:avLst/>
+          </a:prstGeom>
+          <a:noFill/>
+        </p:spPr>
+        <p:txBody>
+          <a:bodyPr wrap="square" rtlCol="0">
+            <a:spAutoFit/>
+          </a:bodyPr>
+          <a:lstStyle/>
+          <a:p>
+            <a:r>
+              <a:rPr lang="zh-CN" altLang="en-US" sz="1200" dirty="0"/>
+              <a:t>异步流量</a:t>
+            </a:r>
+          </a:p>
+        </p:txBody>
+      </p:sp>
+      <p:sp>
+        <p:nvSpPr>
+          <p:cNvPr id="48" name="文本框 47">
+            <a:extLst>
+              <a:ext uri="{FF2B5EF4-FFF2-40B4-BE49-F238E27FC236}">
+                <a16:creationId xmlns:a16="http://schemas.microsoft.com/office/drawing/2014/main" id="{F87FF4D2-7232-4291-B84D-1A99CFC812B7}"/>
+              </a:ext>
+            </a:extLst>
+          </p:cNvPr>
+          <p:cNvSpPr txBox="1"/>
+          <p:nvPr/>
+        </p:nvSpPr>
+        <p:spPr>
+          <a:xfrm>
+            <a:off x="2803234" y="4378007"/>
+            <a:ext cx="1338950" cy="276999"/>
+          </a:xfrm>
+          <a:prstGeom prst="rect">
+            <a:avLst/>
+          </a:prstGeom>
+          <a:noFill/>
+          <a:ln>
+            <a:solidFill>
+              <a:schemeClr val="accent1"/>
+            </a:solidFill>
+          </a:ln>
+        </p:spPr>
+        <p:txBody>
+          <a:bodyPr wrap="square" rtlCol="0">
+            <a:spAutoFit/>
+          </a:bodyPr>
+          <a:lstStyle/>
+          <a:p>
+            <a:r>
+              <a:rPr lang="en-US" altLang="zh-CN" sz="1200" dirty="0"/>
+              <a:t>OS30 metaQ</a:t>
+            </a:r>
+          </a:p>
+        </p:txBody>
+      </p:sp>
+      <p:sp>
+        <p:nvSpPr>
+          <p:cNvPr id="49" name="文本框 48">
+            <a:extLst>
+              <a:ext uri="{FF2B5EF4-FFF2-40B4-BE49-F238E27FC236}">
+                <a16:creationId xmlns:a16="http://schemas.microsoft.com/office/drawing/2014/main" id="{9932CB4E-F585-4556-8A18-FB29F566E08F}"/>
+              </a:ext>
+            </a:extLst>
+          </p:cNvPr>
+          <p:cNvSpPr txBox="1"/>
+          <p:nvPr/>
+        </p:nvSpPr>
+        <p:spPr>
+          <a:xfrm>
+            <a:off x="7406567" y="4392098"/>
+            <a:ext cx="1338950" cy="276999"/>
+          </a:xfrm>
+          <a:prstGeom prst="rect">
+            <a:avLst/>
+          </a:prstGeom>
+          <a:noFill/>
+          <a:ln>
+            <a:solidFill>
+              <a:schemeClr val="accent1"/>
+            </a:solidFill>
+          </a:ln>
+        </p:spPr>
+        <p:txBody>
+          <a:bodyPr wrap="square" rtlCol="0">
+            <a:spAutoFit/>
+          </a:bodyPr>
+          <a:lstStyle/>
+          <a:p>
+            <a:r>
+              <a:rPr lang="en-US" altLang="zh-CN" sz="1200" dirty="0"/>
+              <a:t>SG52 metaQ</a:t>
+            </a:r>
+          </a:p>
+        </p:txBody>
+      </p:sp>
+      <p:cxnSp>
+        <p:nvCxnSpPr>
+          <p:cNvPr id="51" name="直接箭头连接符 50">
+            <a:extLst>
+              <a:ext uri="{FF2B5EF4-FFF2-40B4-BE49-F238E27FC236}">
+                <a16:creationId xmlns:a16="http://schemas.microsoft.com/office/drawing/2014/main" id="{D42E32EC-FE85-4479-8325-DBCAE45D4875}"/>
+              </a:ext>
+            </a:extLst>
+          </p:cNvPr>
+          <p:cNvCxnSpPr>
+            <a:stCxn id="10" idx="2"/>
+            <a:endCxn id="48" idx="0"/>
+          </p:cNvCxnSpPr>
+          <p:nvPr/>
+        </p:nvCxnSpPr>
+        <p:spPr>
+          <a:xfrm flipH="1">
+            <a:off x="3472709" y="4081387"/>
+            <a:ext cx="3155" cy="296620"/>
+          </a:xfrm>
+          <a:prstGeom prst="straightConnector1">
+            <a:avLst/>
+          </a:prstGeom>
+          <a:ln w="9525" cap="flat" cmpd="sng" algn="ctr">
+            <a:solidFill>
+              <a:schemeClr val="accent2"/>
+            </a:solidFill>
+            <a:prstDash val="solid"/>
+            <a:round/>
+            <a:headEnd type="none" w="med" len="med"/>
+            <a:tailEnd type="arrow" w="med" len="med"/>
+          </a:ln>
+        </p:spPr>
+        <p:style>
+          <a:lnRef idx="0">
+            <a:scrgbClr r="0" g="0" b="0"/>
+          </a:lnRef>
+          <a:fillRef idx="0">
+            <a:scrgbClr r="0" g="0" b="0"/>
+          </a:fillRef>
+          <a:effectRef idx="0">
+            <a:scrgbClr r="0" g="0" b="0"/>
+          </a:effectRef>
+          <a:fontRef idx="minor">
+            <a:schemeClr val="tx1"/>
+          </a:fontRef>
+        </p:style>
+      </p:cxnSp>
+      <p:cxnSp>
+        <p:nvCxnSpPr>
+          <p:cNvPr id="53" name="直接箭头连接符 52">
+            <a:extLst>
+              <a:ext uri="{FF2B5EF4-FFF2-40B4-BE49-F238E27FC236}">
+                <a16:creationId xmlns:a16="http://schemas.microsoft.com/office/drawing/2014/main" id="{F8B57C84-8385-45D2-9CFC-BF38560BE028}"/>
+              </a:ext>
+            </a:extLst>
+          </p:cNvPr>
+          <p:cNvCxnSpPr>
+            <a:stCxn id="27" idx="1"/>
+            <a:endCxn id="48" idx="3"/>
+          </p:cNvCxnSpPr>
+          <p:nvPr/>
+        </p:nvCxnSpPr>
+        <p:spPr>
+          <a:xfrm flipH="1" flipV="1">
+            <a:off x="4142184" y="4516507"/>
+            <a:ext cx="3256934" cy="643546"/>
+          </a:xfrm>
+          <a:prstGeom prst="straightConnector1">
+            <a:avLst/>
+          </a:prstGeom>
+          <a:ln w="9525" cap="flat" cmpd="sng" algn="ctr">
+            <a:solidFill>
+              <a:schemeClr val="accent2"/>
+            </a:solidFill>
+            <a:prstDash val="solid"/>
+            <a:round/>
+            <a:headEnd type="none" w="med" len="med"/>
+            <a:tailEnd type="arrow" w="med" len="med"/>
+          </a:ln>
+        </p:spPr>
+        <p:style>
+          <a:lnRef idx="0">
+            <a:scrgbClr r="0" g="0" b="0"/>
+          </a:lnRef>
+          <a:fillRef idx="0">
+            <a:scrgbClr r="0" g="0" b="0"/>
+          </a:fillRef>
+          <a:effectRef idx="0">
+            <a:scrgbClr r="0" g="0" b="0"/>
+          </a:effectRef>
+          <a:fontRef idx="minor">
+            <a:schemeClr val="tx1"/>
+          </a:fontRef>
+        </p:style>
+      </p:cxnSp>
+      <p:sp>
+        <p:nvSpPr>
+          <p:cNvPr id="54" name="文本框 53">
+            <a:extLst>
+              <a:ext uri="{FF2B5EF4-FFF2-40B4-BE49-F238E27FC236}">
+                <a16:creationId xmlns:a16="http://schemas.microsoft.com/office/drawing/2014/main" id="{04EC76CD-D8C1-484B-9892-0032D247886A}"/>
+              </a:ext>
+            </a:extLst>
+          </p:cNvPr>
+          <p:cNvSpPr txBox="1"/>
+          <p:nvPr/>
+        </p:nvSpPr>
+        <p:spPr>
+          <a:xfrm>
+            <a:off x="7761719" y="262740"/>
+            <a:ext cx="3108432" cy="1754326"/>
+          </a:xfrm>
+          <a:prstGeom prst="rect">
+            <a:avLst/>
+          </a:prstGeom>
+          <a:noFill/>
+        </p:spPr>
+        <p:txBody>
+          <a:bodyPr wrap="square" rtlCol="0">
+            <a:spAutoFit/>
+          </a:bodyPr>
+          <a:lstStyle/>
+          <a:p>
+            <a:r>
+              <a:rPr lang="zh-CN" altLang="en-US" sz="1200" dirty="0"/>
+              <a:t>备注：</a:t>
+            </a:r>
+            <a:endParaRPr lang="en-US" altLang="zh-CN" sz="1200" dirty="0"/>
+          </a:p>
+          <a:p>
+            <a:r>
+              <a:rPr lang="en-US" altLang="zh-CN" sz="1200" dirty="0"/>
+              <a:t>Aserver</a:t>
+            </a:r>
+            <a:r>
+              <a:rPr lang="zh-CN" altLang="en-US" sz="1200" dirty="0"/>
+              <a:t>调度识别单元不识别机房，因此</a:t>
+            </a:r>
+            <a:r>
+              <a:rPr lang="en-US" altLang="zh-CN" sz="1200" dirty="0"/>
+              <a:t>vipserver key</a:t>
+            </a:r>
+            <a:r>
+              <a:rPr lang="zh-CN" altLang="en-US" sz="1200" dirty="0"/>
+              <a:t>多机房挂载同一个</a:t>
+            </a:r>
+            <a:r>
+              <a:rPr lang="en-US" altLang="zh-CN" sz="1200" dirty="0"/>
+              <a:t>key</a:t>
+            </a:r>
+            <a:r>
+              <a:rPr lang="zh-CN" altLang="en-US" sz="1200" dirty="0"/>
+              <a:t>上可以进行机房间的负载均衡。</a:t>
+            </a:r>
+            <a:endParaRPr lang="en-US" altLang="zh-CN" sz="1200" dirty="0"/>
+          </a:p>
+          <a:p>
+            <a:r>
+              <a:rPr lang="zh-CN" altLang="en-US" sz="1200" dirty="0"/>
+              <a:t>而</a:t>
+            </a:r>
+            <a:r>
+              <a:rPr lang="en-US" altLang="zh-CN" sz="1200" dirty="0"/>
+              <a:t>HSF</a:t>
+            </a:r>
+            <a:r>
+              <a:rPr lang="zh-CN" altLang="en-US" sz="1200" dirty="0"/>
+              <a:t>也可以以单元的粒度进行配置，配置为</a:t>
+            </a:r>
+            <a:r>
+              <a:rPr lang="en-US" altLang="zh-CN" sz="1200" dirty="0"/>
+              <a:t>center</a:t>
+            </a:r>
+            <a:r>
+              <a:rPr lang="zh-CN" altLang="en-US" sz="1200" dirty="0"/>
+              <a:t>模式，即可自主在不同机房间进行负载均衡。</a:t>
+            </a:r>
+            <a:endParaRPr lang="en-US" altLang="zh-CN" sz="1200" dirty="0"/>
+          </a:p>
+          <a:p>
+            <a:r>
+              <a:rPr lang="zh-CN" altLang="en-US" sz="1200" dirty="0"/>
+              <a:t>异步消息也是以单元为基础，同单元不同机房可能会出现跨机房的流量投递和消费</a:t>
+            </a:r>
+          </a:p>
+        </p:txBody>
+      </p:sp>
+    </p:spTree>
+    <p:extLst>
+      <p:ext uri="{BB962C8B-B14F-4D97-AF65-F5344CB8AC3E}">
+        <p14:creationId xmlns:p14="http://schemas.microsoft.com/office/powerpoint/2010/main" val="1694452982"/>
+      </p:ext>
+    </p:extLst>
+  </p:cSld>
+  <p:clrMapOvr>
+    <a:masterClrMapping/>
+  </p:clrMapOvr>
+</p:sld>
+</file>
+
 <file path=ppt/theme/theme1.xml><?xml version="1.0" encoding="utf-8"?>
 <a:theme xmlns:a="http://schemas.openxmlformats.org/drawingml/2006/main" name="Office 主题​​">
   <a:themeElements>

--- a/ppt/tmp_ppt.pptx
+++ b/ppt/tmp_ppt.pptx
@@ -9,6 +9,7 @@
     <p:sldId id="257" r:id="rId3"/>
     <p:sldId id="258" r:id="rId4"/>
     <p:sldId id="259" r:id="rId5"/>
+    <p:sldId id="260" r:id="rId6"/>
   </p:sldIdLst>
   <p:sldSz cx="12192000" cy="6858000"/>
   <p:notesSz cx="6858000" cy="9144000"/>
@@ -10174,8 +10175,12 @@
               <a:t>调度识别单元不识别机房，因此</a:t>
             </a:r>
             <a:r>
-              <a:rPr lang="en-US" altLang="zh-CN" sz="1200" dirty="0"/>
-              <a:t>vipserver key</a:t>
+              <a:rPr lang="en-US" altLang="zh-CN" sz="1200" dirty="0" err="1"/>
+              <a:t>vipserver</a:t>
+            </a:r>
+            <a:r>
+              <a:rPr lang="en-US" altLang="zh-CN" sz="1200" dirty="0"/>
+              <a:t> key</a:t>
             </a:r>
             <a:r>
               <a:rPr lang="zh-CN" altLang="en-US" sz="1200" dirty="0"/>
@@ -10226,6 +10231,1626 @@
     <p:extLst>
       <p:ext uri="{BB962C8B-B14F-4D97-AF65-F5344CB8AC3E}">
         <p14:creationId xmlns:p14="http://schemas.microsoft.com/office/powerpoint/2010/main" val="1694452982"/>
+      </p:ext>
+    </p:extLst>
+  </p:cSld>
+  <p:clrMapOvr>
+    <a:masterClrMapping/>
+  </p:clrMapOvr>
+</p:sld>
+</file>
+
+<file path=ppt/slides/slide5.xml><?xml version="1.0" encoding="utf-8"?>
+<p:sld xmlns:a="http://schemas.openxmlformats.org/drawingml/2006/main" xmlns:r="http://schemas.openxmlformats.org/officeDocument/2006/relationships" xmlns:p="http://schemas.openxmlformats.org/presentationml/2006/main">
+  <p:cSld>
+    <p:spTree>
+      <p:nvGrpSpPr>
+        <p:cNvPr id="1" name=""/>
+        <p:cNvGrpSpPr/>
+        <p:nvPr/>
+      </p:nvGrpSpPr>
+      <p:grpSpPr>
+        <a:xfrm>
+          <a:off x="0" y="0"/>
+          <a:ext cx="0" cy="0"/>
+          <a:chOff x="0" y="0"/>
+          <a:chExt cx="0" cy="0"/>
+        </a:xfrm>
+      </p:grpSpPr>
+      <p:sp>
+        <p:nvSpPr>
+          <p:cNvPr id="37" name="矩形 36">
+            <a:extLst>
+              <a:ext uri="{FF2B5EF4-FFF2-40B4-BE49-F238E27FC236}">
+                <a16:creationId xmlns:a16="http://schemas.microsoft.com/office/drawing/2014/main" id="{3A9B01A6-2DD5-4E4B-938F-250950B199DD}"/>
+              </a:ext>
+            </a:extLst>
+          </p:cNvPr>
+          <p:cNvSpPr/>
+          <p:nvPr/>
+        </p:nvSpPr>
+        <p:spPr>
+          <a:xfrm>
+            <a:off x="7274330" y="2444151"/>
+            <a:ext cx="2518823" cy="3593455"/>
+          </a:xfrm>
+          <a:prstGeom prst="rect">
+            <a:avLst/>
+          </a:prstGeom>
+        </p:spPr>
+        <p:style>
+          <a:lnRef idx="2">
+            <a:schemeClr val="accent6"/>
+          </a:lnRef>
+          <a:fillRef idx="1">
+            <a:schemeClr val="lt1"/>
+          </a:fillRef>
+          <a:effectRef idx="0">
+            <a:schemeClr val="accent6"/>
+          </a:effectRef>
+          <a:fontRef idx="minor">
+            <a:schemeClr val="dk1"/>
+          </a:fontRef>
+        </p:style>
+        <p:txBody>
+          <a:bodyPr rtlCol="0" anchor="ctr"/>
+          <a:lstStyle/>
+          <a:p>
+            <a:pPr algn="ctr"/>
+            <a:endParaRPr lang="zh-CN" altLang="en-US" dirty="0"/>
+          </a:p>
+        </p:txBody>
+      </p:sp>
+      <p:sp>
+        <p:nvSpPr>
+          <p:cNvPr id="38" name="文本框 37">
+            <a:extLst>
+              <a:ext uri="{FF2B5EF4-FFF2-40B4-BE49-F238E27FC236}">
+                <a16:creationId xmlns:a16="http://schemas.microsoft.com/office/drawing/2014/main" id="{5FB872FC-F924-4B48-9EA6-8E5704E6821B}"/>
+              </a:ext>
+            </a:extLst>
+          </p:cNvPr>
+          <p:cNvSpPr txBox="1"/>
+          <p:nvPr/>
+        </p:nvSpPr>
+        <p:spPr>
+          <a:xfrm>
+            <a:off x="7329797" y="2507605"/>
+            <a:ext cx="921352" cy="276999"/>
+          </a:xfrm>
+          <a:prstGeom prst="rect">
+            <a:avLst/>
+          </a:prstGeom>
+          <a:noFill/>
+        </p:spPr>
+        <p:txBody>
+          <a:bodyPr wrap="square" rtlCol="0">
+            <a:spAutoFit/>
+          </a:bodyPr>
+          <a:lstStyle/>
+          <a:p>
+            <a:r>
+              <a:rPr lang="en-US" altLang="zh-CN" sz="1200" dirty="0"/>
+              <a:t>sg-2</a:t>
+            </a:r>
+            <a:r>
+              <a:rPr lang="zh-CN" altLang="en-US" sz="1200" dirty="0"/>
+              <a:t>单元</a:t>
+            </a:r>
+          </a:p>
+        </p:txBody>
+      </p:sp>
+      <p:sp>
+        <p:nvSpPr>
+          <p:cNvPr id="35" name="矩形 34">
+            <a:extLst>
+              <a:ext uri="{FF2B5EF4-FFF2-40B4-BE49-F238E27FC236}">
+                <a16:creationId xmlns:a16="http://schemas.microsoft.com/office/drawing/2014/main" id="{D4A674F5-621C-4B92-A85C-C9DECC8B4210}"/>
+              </a:ext>
+            </a:extLst>
+          </p:cNvPr>
+          <p:cNvSpPr/>
+          <p:nvPr/>
+        </p:nvSpPr>
+        <p:spPr>
+          <a:xfrm>
+            <a:off x="2283125" y="2444151"/>
+            <a:ext cx="2070339" cy="3594339"/>
+          </a:xfrm>
+          <a:prstGeom prst="rect">
+            <a:avLst/>
+          </a:prstGeom>
+        </p:spPr>
+        <p:style>
+          <a:lnRef idx="2">
+            <a:schemeClr val="accent6"/>
+          </a:lnRef>
+          <a:fillRef idx="1">
+            <a:schemeClr val="lt1"/>
+          </a:fillRef>
+          <a:effectRef idx="0">
+            <a:schemeClr val="accent6"/>
+          </a:effectRef>
+          <a:fontRef idx="minor">
+            <a:schemeClr val="dk1"/>
+          </a:fontRef>
+        </p:style>
+        <p:txBody>
+          <a:bodyPr rtlCol="0" anchor="ctr"/>
+          <a:lstStyle/>
+          <a:p>
+            <a:pPr algn="ctr"/>
+            <a:endParaRPr lang="zh-CN" altLang="en-US" dirty="0"/>
+          </a:p>
+        </p:txBody>
+      </p:sp>
+      <p:sp>
+        <p:nvSpPr>
+          <p:cNvPr id="4" name="笑脸 3">
+            <a:extLst>
+              <a:ext uri="{FF2B5EF4-FFF2-40B4-BE49-F238E27FC236}">
+                <a16:creationId xmlns:a16="http://schemas.microsoft.com/office/drawing/2014/main" id="{1D10A485-66F8-477D-8C9E-22EC928622C0}"/>
+              </a:ext>
+            </a:extLst>
+          </p:cNvPr>
+          <p:cNvSpPr/>
+          <p:nvPr/>
+        </p:nvSpPr>
+        <p:spPr>
+          <a:xfrm>
+            <a:off x="5510098" y="243534"/>
+            <a:ext cx="730370" cy="718868"/>
+          </a:xfrm>
+          <a:prstGeom prst="smileyFace">
+            <a:avLst/>
+          </a:prstGeom>
+        </p:spPr>
+        <p:style>
+          <a:lnRef idx="2">
+            <a:schemeClr val="accent6"/>
+          </a:lnRef>
+          <a:fillRef idx="1">
+            <a:schemeClr val="lt1"/>
+          </a:fillRef>
+          <a:effectRef idx="0">
+            <a:schemeClr val="accent6"/>
+          </a:effectRef>
+          <a:fontRef idx="minor">
+            <a:schemeClr val="dk1"/>
+          </a:fontRef>
+        </p:style>
+        <p:txBody>
+          <a:bodyPr rtlCol="0" anchor="ctr"/>
+          <a:lstStyle/>
+          <a:p>
+            <a:pPr algn="ctr"/>
+            <a:endParaRPr lang="zh-CN" altLang="en-US"/>
+          </a:p>
+        </p:txBody>
+      </p:sp>
+      <p:sp>
+        <p:nvSpPr>
+          <p:cNvPr id="5" name="文本框 4">
+            <a:extLst>
+              <a:ext uri="{FF2B5EF4-FFF2-40B4-BE49-F238E27FC236}">
+                <a16:creationId xmlns:a16="http://schemas.microsoft.com/office/drawing/2014/main" id="{E25C409C-C599-49F7-81AF-355E8C68184F}"/>
+              </a:ext>
+            </a:extLst>
+          </p:cNvPr>
+          <p:cNvSpPr txBox="1"/>
+          <p:nvPr/>
+        </p:nvSpPr>
+        <p:spPr>
+          <a:xfrm>
+            <a:off x="4648012" y="1068795"/>
+            <a:ext cx="2457369" cy="276999"/>
+          </a:xfrm>
+          <a:prstGeom prst="rect">
+            <a:avLst/>
+          </a:prstGeom>
+          <a:noFill/>
+          <a:ln>
+            <a:solidFill>
+              <a:schemeClr val="accent1"/>
+            </a:solidFill>
+          </a:ln>
+        </p:spPr>
+        <p:txBody>
+          <a:bodyPr wrap="square" rtlCol="0">
+            <a:spAutoFit/>
+          </a:bodyPr>
+          <a:lstStyle/>
+          <a:p>
+            <a:r>
+              <a:rPr lang="zh-CN" altLang="en-US" sz="1200" dirty="0"/>
+              <a:t>请求</a:t>
+            </a:r>
+            <a:r>
+              <a:rPr lang="en-US" altLang="zh-CN" sz="1200" dirty="0">
+                <a:hlinkClick r:id="rId2"/>
+              </a:rPr>
+              <a:t>www.aaa.com</a:t>
+            </a:r>
+            <a:r>
+              <a:rPr lang="zh-CN" altLang="en-US" sz="1200" dirty="0">
+                <a:hlinkClick r:id="rId2"/>
+              </a:rPr>
+              <a:t>，</a:t>
+            </a:r>
+            <a:r>
+              <a:rPr lang="en-US" altLang="zh-CN" sz="1200" dirty="0">
+                <a:hlinkClick r:id="rId2"/>
+              </a:rPr>
+              <a:t>UID</a:t>
+            </a:r>
+            <a:r>
+              <a:rPr lang="en-US" altLang="zh-CN" sz="1200" dirty="0"/>
+              <a:t> 1234567</a:t>
+            </a:r>
+            <a:endParaRPr lang="zh-CN" altLang="en-US" sz="1200" dirty="0"/>
+          </a:p>
+        </p:txBody>
+      </p:sp>
+      <p:sp>
+        <p:nvSpPr>
+          <p:cNvPr id="6" name="文本框 5">
+            <a:extLst>
+              <a:ext uri="{FF2B5EF4-FFF2-40B4-BE49-F238E27FC236}">
+                <a16:creationId xmlns:a16="http://schemas.microsoft.com/office/drawing/2014/main" id="{23DE99EB-DD92-4C77-8DBE-23396BAD83B9}"/>
+              </a:ext>
+            </a:extLst>
+          </p:cNvPr>
+          <p:cNvSpPr txBox="1"/>
+          <p:nvPr/>
+        </p:nvSpPr>
+        <p:spPr>
+          <a:xfrm>
+            <a:off x="4648012" y="1582531"/>
+            <a:ext cx="2457369" cy="276999"/>
+          </a:xfrm>
+          <a:prstGeom prst="rect">
+            <a:avLst/>
+          </a:prstGeom>
+          <a:noFill/>
+          <a:ln>
+            <a:solidFill>
+              <a:schemeClr val="accent1"/>
+            </a:solidFill>
+          </a:ln>
+        </p:spPr>
+        <p:txBody>
+          <a:bodyPr wrap="square" rtlCol="0">
+            <a:spAutoFit/>
+          </a:bodyPr>
+          <a:lstStyle/>
+          <a:p>
+            <a:r>
+              <a:rPr lang="zh-CN" altLang="en-US" sz="1200" dirty="0"/>
+              <a:t>解析到</a:t>
+            </a:r>
+            <a:r>
+              <a:rPr lang="en-US" altLang="zh-CN" sz="1200" dirty="0"/>
+              <a:t>base</a:t>
+            </a:r>
+            <a:r>
+              <a:rPr lang="zh-CN" altLang="en-US" sz="1200" dirty="0"/>
+              <a:t>域名</a:t>
+            </a:r>
+            <a:r>
+              <a:rPr lang="en-US" altLang="zh-CN" sz="1200" dirty="0"/>
+              <a:t>www.aaadns.com</a:t>
+            </a:r>
+            <a:endParaRPr lang="zh-CN" altLang="en-US" sz="1200" dirty="0"/>
+          </a:p>
+        </p:txBody>
+      </p:sp>
+      <p:sp>
+        <p:nvSpPr>
+          <p:cNvPr id="7" name="文本框 6">
+            <a:extLst>
+              <a:ext uri="{FF2B5EF4-FFF2-40B4-BE49-F238E27FC236}">
+                <a16:creationId xmlns:a16="http://schemas.microsoft.com/office/drawing/2014/main" id="{7F4DE25D-3378-4829-9E89-1C17AEF5F1C9}"/>
+              </a:ext>
+            </a:extLst>
+          </p:cNvPr>
+          <p:cNvSpPr txBox="1"/>
+          <p:nvPr/>
+        </p:nvSpPr>
+        <p:spPr>
+          <a:xfrm>
+            <a:off x="2823641" y="2807884"/>
+            <a:ext cx="1338950" cy="278224"/>
+          </a:xfrm>
+          <a:prstGeom prst="rect">
+            <a:avLst/>
+          </a:prstGeom>
+          <a:noFill/>
+          <a:ln>
+            <a:solidFill>
+              <a:schemeClr val="accent1"/>
+            </a:solidFill>
+          </a:ln>
+        </p:spPr>
+        <p:txBody>
+          <a:bodyPr wrap="square" rtlCol="0">
+            <a:spAutoFit/>
+          </a:bodyPr>
+          <a:lstStyle/>
+          <a:p>
+            <a:r>
+              <a:rPr lang="en-US" altLang="zh-CN" sz="1200" dirty="0"/>
+              <a:t>OS30</a:t>
+            </a:r>
+            <a:r>
+              <a:rPr lang="zh-CN" altLang="en-US" sz="1200" dirty="0"/>
+              <a:t>统一接入层</a:t>
+            </a:r>
+            <a:endParaRPr lang="en-US" altLang="zh-CN" sz="1200" dirty="0"/>
+          </a:p>
+        </p:txBody>
+      </p:sp>
+      <p:sp>
+        <p:nvSpPr>
+          <p:cNvPr id="8" name="文本框 7">
+            <a:extLst>
+              <a:ext uri="{FF2B5EF4-FFF2-40B4-BE49-F238E27FC236}">
+                <a16:creationId xmlns:a16="http://schemas.microsoft.com/office/drawing/2014/main" id="{7B2E211B-64CC-4FDC-A6A5-B6A98608231C}"/>
+              </a:ext>
+            </a:extLst>
+          </p:cNvPr>
+          <p:cNvSpPr txBox="1"/>
+          <p:nvPr/>
+        </p:nvSpPr>
+        <p:spPr>
+          <a:xfrm>
+            <a:off x="7416372" y="2807884"/>
+            <a:ext cx="1338950" cy="278224"/>
+          </a:xfrm>
+          <a:prstGeom prst="rect">
+            <a:avLst/>
+          </a:prstGeom>
+          <a:noFill/>
+          <a:ln>
+            <a:solidFill>
+              <a:schemeClr val="accent1"/>
+            </a:solidFill>
+          </a:ln>
+        </p:spPr>
+        <p:txBody>
+          <a:bodyPr wrap="square" rtlCol="0">
+            <a:spAutoFit/>
+          </a:bodyPr>
+          <a:lstStyle/>
+          <a:p>
+            <a:r>
+              <a:rPr lang="en-US" altLang="zh-CN" sz="1200" dirty="0"/>
+              <a:t>SG52</a:t>
+            </a:r>
+            <a:r>
+              <a:rPr lang="zh-CN" altLang="en-US" sz="1200" dirty="0"/>
+              <a:t>统一接入层</a:t>
+            </a:r>
+            <a:endParaRPr lang="en-US" altLang="zh-CN" sz="1200" dirty="0"/>
+          </a:p>
+        </p:txBody>
+      </p:sp>
+      <p:sp>
+        <p:nvSpPr>
+          <p:cNvPr id="9" name="文本框 8">
+            <a:extLst>
+              <a:ext uri="{FF2B5EF4-FFF2-40B4-BE49-F238E27FC236}">
+                <a16:creationId xmlns:a16="http://schemas.microsoft.com/office/drawing/2014/main" id="{EEF82D11-56DC-46C1-90E8-E630333A0D62}"/>
+              </a:ext>
+            </a:extLst>
+          </p:cNvPr>
+          <p:cNvSpPr txBox="1"/>
+          <p:nvPr/>
+        </p:nvSpPr>
+        <p:spPr>
+          <a:xfrm>
+            <a:off x="2801426" y="4423799"/>
+            <a:ext cx="1338950" cy="276999"/>
+          </a:xfrm>
+          <a:prstGeom prst="rect">
+            <a:avLst/>
+          </a:prstGeom>
+          <a:noFill/>
+          <a:ln>
+            <a:solidFill>
+              <a:schemeClr val="accent1"/>
+            </a:solidFill>
+          </a:ln>
+        </p:spPr>
+        <p:txBody>
+          <a:bodyPr wrap="square" rtlCol="0">
+            <a:spAutoFit/>
+          </a:bodyPr>
+          <a:lstStyle/>
+          <a:p>
+            <a:r>
+              <a:rPr lang="en-US" altLang="zh-CN" sz="1200" dirty="0"/>
+              <a:t>OS30</a:t>
+            </a:r>
+            <a:r>
+              <a:rPr lang="zh-CN" altLang="en-US" sz="1200" dirty="0"/>
+              <a:t>应用</a:t>
+            </a:r>
+            <a:r>
+              <a:rPr lang="en-US" altLang="zh-CN" sz="1200" dirty="0"/>
+              <a:t>A</a:t>
+            </a:r>
+            <a:r>
+              <a:rPr lang="zh-CN" altLang="en-US" sz="1200" dirty="0"/>
+              <a:t>节点</a:t>
+            </a:r>
+            <a:endParaRPr lang="en-US" altLang="zh-CN" sz="1200" dirty="0"/>
+          </a:p>
+        </p:txBody>
+      </p:sp>
+      <p:sp>
+        <p:nvSpPr>
+          <p:cNvPr id="12" name="文本框 11">
+            <a:extLst>
+              <a:ext uri="{FF2B5EF4-FFF2-40B4-BE49-F238E27FC236}">
+                <a16:creationId xmlns:a16="http://schemas.microsoft.com/office/drawing/2014/main" id="{1F0F606F-010E-4D31-84F3-26B46353DC9E}"/>
+              </a:ext>
+            </a:extLst>
+          </p:cNvPr>
+          <p:cNvSpPr txBox="1"/>
+          <p:nvPr/>
+        </p:nvSpPr>
+        <p:spPr>
+          <a:xfrm>
+            <a:off x="7416371" y="4483521"/>
+            <a:ext cx="1338950" cy="276999"/>
+          </a:xfrm>
+          <a:prstGeom prst="rect">
+            <a:avLst/>
+          </a:prstGeom>
+          <a:noFill/>
+          <a:ln>
+            <a:solidFill>
+              <a:schemeClr val="accent1"/>
+            </a:solidFill>
+          </a:ln>
+        </p:spPr>
+        <p:txBody>
+          <a:bodyPr wrap="square" rtlCol="0">
+            <a:spAutoFit/>
+          </a:bodyPr>
+          <a:lstStyle/>
+          <a:p>
+            <a:pPr algn="ctr"/>
+            <a:r>
+              <a:rPr lang="en-US" altLang="zh-CN" sz="1200" dirty="0"/>
+              <a:t>SG52</a:t>
+            </a:r>
+            <a:r>
+              <a:rPr lang="zh-CN" altLang="en-US" sz="1200" dirty="0"/>
+              <a:t>应用</a:t>
+            </a:r>
+            <a:r>
+              <a:rPr lang="en-US" altLang="zh-CN" sz="1200" dirty="0"/>
+              <a:t>A</a:t>
+            </a:r>
+            <a:r>
+              <a:rPr lang="zh-CN" altLang="en-US" sz="1200" dirty="0"/>
+              <a:t>节点</a:t>
+            </a:r>
+            <a:endParaRPr lang="en-US" altLang="zh-CN" sz="1200" dirty="0"/>
+          </a:p>
+        </p:txBody>
+      </p:sp>
+      <p:sp>
+        <p:nvSpPr>
+          <p:cNvPr id="13" name="文本框 12">
+            <a:extLst>
+              <a:ext uri="{FF2B5EF4-FFF2-40B4-BE49-F238E27FC236}">
+                <a16:creationId xmlns:a16="http://schemas.microsoft.com/office/drawing/2014/main" id="{E9129C8D-CDAC-49D4-A6F4-F33BF447ACAB}"/>
+              </a:ext>
+            </a:extLst>
+          </p:cNvPr>
+          <p:cNvSpPr txBox="1"/>
+          <p:nvPr/>
+        </p:nvSpPr>
+        <p:spPr>
+          <a:xfrm>
+            <a:off x="4585118" y="2415271"/>
+            <a:ext cx="2518823" cy="461665"/>
+          </a:xfrm>
+          <a:prstGeom prst="rect">
+            <a:avLst/>
+          </a:prstGeom>
+          <a:noFill/>
+          <a:ln>
+            <a:solidFill>
+              <a:schemeClr val="accent1"/>
+            </a:solidFill>
+          </a:ln>
+        </p:spPr>
+        <p:txBody>
+          <a:bodyPr wrap="square" rtlCol="0">
+            <a:spAutoFit/>
+          </a:bodyPr>
+          <a:lstStyle/>
+          <a:p>
+            <a:pPr algn="ctr"/>
+            <a:r>
+              <a:rPr lang="en-US" altLang="zh-CN" sz="1200" dirty="0"/>
+              <a:t>mtop Vipserver </a:t>
+            </a:r>
+            <a:r>
+              <a:rPr lang="zh-CN" altLang="en-US" sz="1200" dirty="0"/>
+              <a:t>双单元</a:t>
+            </a:r>
+            <a:endParaRPr lang="en-US" altLang="zh-CN" sz="1200" dirty="0"/>
+          </a:p>
+          <a:p>
+            <a:pPr algn="ctr"/>
+            <a:r>
+              <a:rPr lang="en-US" altLang="zh-CN" sz="1200" dirty="0"/>
+              <a:t>mtop-rg-sg    mtop-sg-2</a:t>
+            </a:r>
+          </a:p>
+        </p:txBody>
+      </p:sp>
+      <p:cxnSp>
+        <p:nvCxnSpPr>
+          <p:cNvPr id="15" name="直接箭头连接符 14">
+            <a:extLst>
+              <a:ext uri="{FF2B5EF4-FFF2-40B4-BE49-F238E27FC236}">
+                <a16:creationId xmlns:a16="http://schemas.microsoft.com/office/drawing/2014/main" id="{01421A87-D201-4817-96A6-229B2BE1721F}"/>
+              </a:ext>
+            </a:extLst>
+          </p:cNvPr>
+          <p:cNvCxnSpPr>
+            <a:stCxn id="8" idx="1"/>
+            <a:endCxn id="13" idx="3"/>
+          </p:cNvCxnSpPr>
+          <p:nvPr/>
+        </p:nvCxnSpPr>
+        <p:spPr>
+          <a:xfrm flipH="1" flipV="1">
+            <a:off x="7103941" y="2646104"/>
+            <a:ext cx="312431" cy="300892"/>
+          </a:xfrm>
+          <a:prstGeom prst="straightConnector1">
+            <a:avLst/>
+          </a:prstGeom>
+          <a:ln>
+            <a:tailEnd type="triangle"/>
+          </a:ln>
+        </p:spPr>
+        <p:style>
+          <a:lnRef idx="1">
+            <a:schemeClr val="accent1"/>
+          </a:lnRef>
+          <a:fillRef idx="0">
+            <a:schemeClr val="accent1"/>
+          </a:fillRef>
+          <a:effectRef idx="0">
+            <a:schemeClr val="accent1"/>
+          </a:effectRef>
+          <a:fontRef idx="minor">
+            <a:schemeClr val="tx1"/>
+          </a:fontRef>
+        </p:style>
+      </p:cxnSp>
+      <p:cxnSp>
+        <p:nvCxnSpPr>
+          <p:cNvPr id="18" name="直接箭头连接符 17">
+            <a:extLst>
+              <a:ext uri="{FF2B5EF4-FFF2-40B4-BE49-F238E27FC236}">
+                <a16:creationId xmlns:a16="http://schemas.microsoft.com/office/drawing/2014/main" id="{C7E8F700-ABB0-4593-B268-A033D90E3226}"/>
+              </a:ext>
+            </a:extLst>
+          </p:cNvPr>
+          <p:cNvCxnSpPr>
+            <a:stCxn id="7" idx="3"/>
+            <a:endCxn id="13" idx="1"/>
+          </p:cNvCxnSpPr>
+          <p:nvPr/>
+        </p:nvCxnSpPr>
+        <p:spPr>
+          <a:xfrm flipV="1">
+            <a:off x="4162591" y="2646104"/>
+            <a:ext cx="422527" cy="300892"/>
+          </a:xfrm>
+          <a:prstGeom prst="straightConnector1">
+            <a:avLst/>
+          </a:prstGeom>
+          <a:ln>
+            <a:tailEnd type="triangle"/>
+          </a:ln>
+        </p:spPr>
+        <p:style>
+          <a:lnRef idx="1">
+            <a:schemeClr val="accent1"/>
+          </a:lnRef>
+          <a:fillRef idx="0">
+            <a:schemeClr val="accent1"/>
+          </a:fillRef>
+          <a:effectRef idx="0">
+            <a:schemeClr val="accent1"/>
+          </a:effectRef>
+          <a:fontRef idx="minor">
+            <a:schemeClr val="tx1"/>
+          </a:fontRef>
+        </p:style>
+      </p:cxnSp>
+      <p:cxnSp>
+        <p:nvCxnSpPr>
+          <p:cNvPr id="20" name="直接箭头连接符 19">
+            <a:extLst>
+              <a:ext uri="{FF2B5EF4-FFF2-40B4-BE49-F238E27FC236}">
+                <a16:creationId xmlns:a16="http://schemas.microsoft.com/office/drawing/2014/main" id="{14FE827C-8382-4447-9D05-A6199C916657}"/>
+              </a:ext>
+            </a:extLst>
+          </p:cNvPr>
+          <p:cNvCxnSpPr>
+            <a:cxnSpLocks/>
+            <a:stCxn id="5" idx="2"/>
+            <a:endCxn id="6" idx="0"/>
+          </p:cNvCxnSpPr>
+          <p:nvPr/>
+        </p:nvCxnSpPr>
+        <p:spPr>
+          <a:xfrm>
+            <a:off x="5876697" y="1345794"/>
+            <a:ext cx="0" cy="236737"/>
+          </a:xfrm>
+          <a:prstGeom prst="straightConnector1">
+            <a:avLst/>
+          </a:prstGeom>
+          <a:ln>
+            <a:tailEnd type="triangle"/>
+          </a:ln>
+        </p:spPr>
+        <p:style>
+          <a:lnRef idx="1">
+            <a:schemeClr val="accent1"/>
+          </a:lnRef>
+          <a:fillRef idx="0">
+            <a:schemeClr val="accent1"/>
+          </a:fillRef>
+          <a:effectRef idx="0">
+            <a:schemeClr val="accent1"/>
+          </a:effectRef>
+          <a:fontRef idx="minor">
+            <a:schemeClr val="tx1"/>
+          </a:fontRef>
+        </p:style>
+      </p:cxnSp>
+      <p:cxnSp>
+        <p:nvCxnSpPr>
+          <p:cNvPr id="22" name="直接箭头连接符 21">
+            <a:extLst>
+              <a:ext uri="{FF2B5EF4-FFF2-40B4-BE49-F238E27FC236}">
+                <a16:creationId xmlns:a16="http://schemas.microsoft.com/office/drawing/2014/main" id="{E81D865B-99C4-45A5-95C8-790B9D7C766F}"/>
+              </a:ext>
+            </a:extLst>
+          </p:cNvPr>
+          <p:cNvCxnSpPr>
+            <a:stCxn id="6" idx="2"/>
+            <a:endCxn id="7" idx="0"/>
+          </p:cNvCxnSpPr>
+          <p:nvPr/>
+        </p:nvCxnSpPr>
+        <p:spPr>
+          <a:xfrm flipH="1">
+            <a:off x="3493116" y="1859530"/>
+            <a:ext cx="2383581" cy="948354"/>
+          </a:xfrm>
+          <a:prstGeom prst="straightConnector1">
+            <a:avLst/>
+          </a:prstGeom>
+          <a:ln>
+            <a:tailEnd type="triangle"/>
+          </a:ln>
+        </p:spPr>
+        <p:style>
+          <a:lnRef idx="1">
+            <a:schemeClr val="accent1"/>
+          </a:lnRef>
+          <a:fillRef idx="0">
+            <a:schemeClr val="accent1"/>
+          </a:fillRef>
+          <a:effectRef idx="0">
+            <a:schemeClr val="accent1"/>
+          </a:effectRef>
+          <a:fontRef idx="minor">
+            <a:schemeClr val="tx1"/>
+          </a:fontRef>
+        </p:style>
+      </p:cxnSp>
+      <p:sp>
+        <p:nvSpPr>
+          <p:cNvPr id="25" name="文本框 24">
+            <a:extLst>
+              <a:ext uri="{FF2B5EF4-FFF2-40B4-BE49-F238E27FC236}">
+                <a16:creationId xmlns:a16="http://schemas.microsoft.com/office/drawing/2014/main" id="{CF6EE4CF-15F9-4DD1-873B-9F047D25F980}"/>
+              </a:ext>
+            </a:extLst>
+          </p:cNvPr>
+          <p:cNvSpPr txBox="1"/>
+          <p:nvPr/>
+        </p:nvSpPr>
+        <p:spPr>
+          <a:xfrm>
+            <a:off x="2816192" y="5522865"/>
+            <a:ext cx="1338950" cy="276999"/>
+          </a:xfrm>
+          <a:prstGeom prst="rect">
+            <a:avLst/>
+          </a:prstGeom>
+          <a:noFill/>
+          <a:ln>
+            <a:solidFill>
+              <a:schemeClr val="accent1"/>
+            </a:solidFill>
+          </a:ln>
+        </p:spPr>
+        <p:txBody>
+          <a:bodyPr wrap="square" rtlCol="0">
+            <a:spAutoFit/>
+          </a:bodyPr>
+          <a:lstStyle/>
+          <a:p>
+            <a:r>
+              <a:rPr lang="en-US" altLang="zh-CN" sz="1200" dirty="0"/>
+              <a:t>OS30</a:t>
+            </a:r>
+            <a:r>
+              <a:rPr lang="zh-CN" altLang="en-US" sz="1200" dirty="0"/>
+              <a:t>应用</a:t>
+            </a:r>
+            <a:r>
+              <a:rPr lang="en-US" altLang="zh-CN" sz="1200" dirty="0"/>
+              <a:t>B</a:t>
+            </a:r>
+            <a:r>
+              <a:rPr lang="zh-CN" altLang="en-US" sz="1200" dirty="0"/>
+              <a:t>节点</a:t>
+            </a:r>
+            <a:endParaRPr lang="en-US" altLang="zh-CN" sz="1200" dirty="0"/>
+          </a:p>
+        </p:txBody>
+      </p:sp>
+      <p:sp>
+        <p:nvSpPr>
+          <p:cNvPr id="27" name="文本框 26">
+            <a:extLst>
+              <a:ext uri="{FF2B5EF4-FFF2-40B4-BE49-F238E27FC236}">
+                <a16:creationId xmlns:a16="http://schemas.microsoft.com/office/drawing/2014/main" id="{1E7FC0FD-4872-4048-A1FF-0FC0220C7DE9}"/>
+              </a:ext>
+            </a:extLst>
+          </p:cNvPr>
+          <p:cNvSpPr txBox="1"/>
+          <p:nvPr/>
+        </p:nvSpPr>
+        <p:spPr>
+          <a:xfrm>
+            <a:off x="7416371" y="5487380"/>
+            <a:ext cx="1338950" cy="276999"/>
+          </a:xfrm>
+          <a:prstGeom prst="rect">
+            <a:avLst/>
+          </a:prstGeom>
+          <a:noFill/>
+          <a:ln>
+            <a:solidFill>
+              <a:schemeClr val="accent1"/>
+            </a:solidFill>
+          </a:ln>
+        </p:spPr>
+        <p:txBody>
+          <a:bodyPr wrap="square" rtlCol="0">
+            <a:spAutoFit/>
+          </a:bodyPr>
+          <a:lstStyle/>
+          <a:p>
+            <a:r>
+              <a:rPr lang="en-US" altLang="zh-CN" sz="1200" dirty="0"/>
+              <a:t>SG52</a:t>
+            </a:r>
+            <a:r>
+              <a:rPr lang="zh-CN" altLang="en-US" sz="1200" dirty="0"/>
+              <a:t>应用</a:t>
+            </a:r>
+            <a:r>
+              <a:rPr lang="en-US" altLang="zh-CN" sz="1200" dirty="0"/>
+              <a:t>B</a:t>
+            </a:r>
+            <a:r>
+              <a:rPr lang="zh-CN" altLang="en-US" sz="1200" dirty="0"/>
+              <a:t>节点</a:t>
+            </a:r>
+            <a:endParaRPr lang="en-US" altLang="zh-CN" sz="1200" dirty="0"/>
+          </a:p>
+        </p:txBody>
+      </p:sp>
+      <p:sp>
+        <p:nvSpPr>
+          <p:cNvPr id="36" name="文本框 35">
+            <a:extLst>
+              <a:ext uri="{FF2B5EF4-FFF2-40B4-BE49-F238E27FC236}">
+                <a16:creationId xmlns:a16="http://schemas.microsoft.com/office/drawing/2014/main" id="{97CE3447-D7BB-4DE2-9790-81EB74563206}"/>
+              </a:ext>
+            </a:extLst>
+          </p:cNvPr>
+          <p:cNvSpPr txBox="1"/>
+          <p:nvPr/>
+        </p:nvSpPr>
+        <p:spPr>
+          <a:xfrm>
+            <a:off x="2359811" y="2523976"/>
+            <a:ext cx="921352" cy="276999"/>
+          </a:xfrm>
+          <a:prstGeom prst="rect">
+            <a:avLst/>
+          </a:prstGeom>
+          <a:noFill/>
+        </p:spPr>
+        <p:txBody>
+          <a:bodyPr wrap="square" rtlCol="0">
+            <a:spAutoFit/>
+          </a:bodyPr>
+          <a:lstStyle/>
+          <a:p>
+            <a:r>
+              <a:rPr lang="en-US" altLang="zh-CN" sz="1200" dirty="0" err="1"/>
+              <a:t>rg</a:t>
+            </a:r>
+            <a:r>
+              <a:rPr lang="en-US" altLang="zh-CN" sz="1200" dirty="0"/>
+              <a:t>-sg</a:t>
+            </a:r>
+            <a:r>
+              <a:rPr lang="zh-CN" altLang="en-US" sz="1200" dirty="0"/>
+              <a:t>单元</a:t>
+            </a:r>
+            <a:endParaRPr lang="zh-CN" altLang="en-US" sz="1200" dirty="0">
+              <a:solidFill>
+                <a:srgbClr val="FF0000"/>
+              </a:solidFill>
+            </a:endParaRPr>
+          </a:p>
+        </p:txBody>
+      </p:sp>
+      <p:cxnSp>
+        <p:nvCxnSpPr>
+          <p:cNvPr id="43" name="直接箭头连接符 42">
+            <a:extLst>
+              <a:ext uri="{FF2B5EF4-FFF2-40B4-BE49-F238E27FC236}">
+                <a16:creationId xmlns:a16="http://schemas.microsoft.com/office/drawing/2014/main" id="{01BD03DD-C0B9-4535-B3FA-0CF1B13E86A8}"/>
+              </a:ext>
+            </a:extLst>
+          </p:cNvPr>
+          <p:cNvCxnSpPr/>
+          <p:nvPr/>
+        </p:nvCxnSpPr>
+        <p:spPr>
+          <a:xfrm>
+            <a:off x="969951" y="385313"/>
+            <a:ext cx="651815" cy="0"/>
+          </a:xfrm>
+          <a:prstGeom prst="straightConnector1">
+            <a:avLst/>
+          </a:prstGeom>
+          <a:ln>
+            <a:tailEnd type="triangle"/>
+          </a:ln>
+        </p:spPr>
+        <p:style>
+          <a:lnRef idx="1">
+            <a:schemeClr val="accent1"/>
+          </a:lnRef>
+          <a:fillRef idx="0">
+            <a:schemeClr val="accent1"/>
+          </a:fillRef>
+          <a:effectRef idx="0">
+            <a:schemeClr val="accent1"/>
+          </a:effectRef>
+          <a:fontRef idx="minor">
+            <a:schemeClr val="tx1"/>
+          </a:fontRef>
+        </p:style>
+      </p:cxnSp>
+      <p:sp>
+        <p:nvSpPr>
+          <p:cNvPr id="44" name="文本框 43">
+            <a:extLst>
+              <a:ext uri="{FF2B5EF4-FFF2-40B4-BE49-F238E27FC236}">
+                <a16:creationId xmlns:a16="http://schemas.microsoft.com/office/drawing/2014/main" id="{2FF2C28D-9F3D-4300-A8D4-71720EF18C32}"/>
+              </a:ext>
+            </a:extLst>
+          </p:cNvPr>
+          <p:cNvSpPr txBox="1"/>
+          <p:nvPr/>
+        </p:nvSpPr>
+        <p:spPr>
+          <a:xfrm>
+            <a:off x="1754038" y="243534"/>
+            <a:ext cx="902898" cy="276999"/>
+          </a:xfrm>
+          <a:prstGeom prst="rect">
+            <a:avLst/>
+          </a:prstGeom>
+          <a:noFill/>
+        </p:spPr>
+        <p:txBody>
+          <a:bodyPr wrap="square" rtlCol="0">
+            <a:spAutoFit/>
+          </a:bodyPr>
+          <a:lstStyle/>
+          <a:p>
+            <a:r>
+              <a:rPr lang="zh-CN" altLang="en-US" sz="1200" dirty="0"/>
+              <a:t>正常流量</a:t>
+            </a:r>
+          </a:p>
+        </p:txBody>
+      </p:sp>
+      <p:cxnSp>
+        <p:nvCxnSpPr>
+          <p:cNvPr id="46" name="直接箭头连接符 45">
+            <a:extLst>
+              <a:ext uri="{FF2B5EF4-FFF2-40B4-BE49-F238E27FC236}">
+                <a16:creationId xmlns:a16="http://schemas.microsoft.com/office/drawing/2014/main" id="{BD1955F4-6E0E-4556-9BC9-A88A8FC68E57}"/>
+              </a:ext>
+            </a:extLst>
+          </p:cNvPr>
+          <p:cNvCxnSpPr/>
+          <p:nvPr/>
+        </p:nvCxnSpPr>
+        <p:spPr>
+          <a:xfrm>
+            <a:off x="969951" y="822385"/>
+            <a:ext cx="651815" cy="0"/>
+          </a:xfrm>
+          <a:prstGeom prst="straightConnector1">
+            <a:avLst/>
+          </a:prstGeom>
+          <a:ln w="9525" cap="flat" cmpd="sng" algn="ctr">
+            <a:solidFill>
+              <a:schemeClr val="accent2"/>
+            </a:solidFill>
+            <a:prstDash val="solid"/>
+            <a:round/>
+            <a:headEnd type="none" w="med" len="med"/>
+            <a:tailEnd type="arrow" w="med" len="med"/>
+          </a:ln>
+        </p:spPr>
+        <p:style>
+          <a:lnRef idx="0">
+            <a:scrgbClr r="0" g="0" b="0"/>
+          </a:lnRef>
+          <a:fillRef idx="0">
+            <a:scrgbClr r="0" g="0" b="0"/>
+          </a:fillRef>
+          <a:effectRef idx="0">
+            <a:scrgbClr r="0" g="0" b="0"/>
+          </a:effectRef>
+          <a:fontRef idx="minor">
+            <a:schemeClr val="tx1"/>
+          </a:fontRef>
+        </p:style>
+      </p:cxnSp>
+      <p:sp>
+        <p:nvSpPr>
+          <p:cNvPr id="47" name="文本框 46">
+            <a:extLst>
+              <a:ext uri="{FF2B5EF4-FFF2-40B4-BE49-F238E27FC236}">
+                <a16:creationId xmlns:a16="http://schemas.microsoft.com/office/drawing/2014/main" id="{8AEAC16B-54A0-4311-980E-DF476462E5B9}"/>
+              </a:ext>
+            </a:extLst>
+          </p:cNvPr>
+          <p:cNvSpPr txBox="1"/>
+          <p:nvPr/>
+        </p:nvSpPr>
+        <p:spPr>
+          <a:xfrm>
+            <a:off x="1754038" y="672456"/>
+            <a:ext cx="902898" cy="276999"/>
+          </a:xfrm>
+          <a:prstGeom prst="rect">
+            <a:avLst/>
+          </a:prstGeom>
+          <a:noFill/>
+        </p:spPr>
+        <p:txBody>
+          <a:bodyPr wrap="square" rtlCol="0">
+            <a:spAutoFit/>
+          </a:bodyPr>
+          <a:lstStyle/>
+          <a:p>
+            <a:r>
+              <a:rPr lang="zh-CN" altLang="en-US" sz="1200" dirty="0"/>
+              <a:t>异步流量</a:t>
+            </a:r>
+          </a:p>
+        </p:txBody>
+      </p:sp>
+      <p:sp>
+        <p:nvSpPr>
+          <p:cNvPr id="48" name="文本框 47">
+            <a:extLst>
+              <a:ext uri="{FF2B5EF4-FFF2-40B4-BE49-F238E27FC236}">
+                <a16:creationId xmlns:a16="http://schemas.microsoft.com/office/drawing/2014/main" id="{F87FF4D2-7232-4291-B84D-1A99CFC812B7}"/>
+              </a:ext>
+            </a:extLst>
+          </p:cNvPr>
+          <p:cNvSpPr txBox="1"/>
+          <p:nvPr/>
+        </p:nvSpPr>
+        <p:spPr>
+          <a:xfrm>
+            <a:off x="2816192" y="5019811"/>
+            <a:ext cx="1338950" cy="276999"/>
+          </a:xfrm>
+          <a:prstGeom prst="rect">
+            <a:avLst/>
+          </a:prstGeom>
+          <a:noFill/>
+          <a:ln>
+            <a:solidFill>
+              <a:schemeClr val="accent1"/>
+            </a:solidFill>
+          </a:ln>
+        </p:spPr>
+        <p:txBody>
+          <a:bodyPr wrap="square" rtlCol="0">
+            <a:spAutoFit/>
+          </a:bodyPr>
+          <a:lstStyle/>
+          <a:p>
+            <a:r>
+              <a:rPr lang="en-US" altLang="zh-CN" sz="1200" dirty="0"/>
+              <a:t>OS30 metaQ</a:t>
+            </a:r>
+          </a:p>
+        </p:txBody>
+      </p:sp>
+      <p:sp>
+        <p:nvSpPr>
+          <p:cNvPr id="49" name="文本框 48">
+            <a:extLst>
+              <a:ext uri="{FF2B5EF4-FFF2-40B4-BE49-F238E27FC236}">
+                <a16:creationId xmlns:a16="http://schemas.microsoft.com/office/drawing/2014/main" id="{9932CB4E-F585-4556-8A18-FB29F566E08F}"/>
+              </a:ext>
+            </a:extLst>
+          </p:cNvPr>
+          <p:cNvSpPr txBox="1"/>
+          <p:nvPr/>
+        </p:nvSpPr>
+        <p:spPr>
+          <a:xfrm>
+            <a:off x="8533741" y="4985450"/>
+            <a:ext cx="1066310" cy="276999"/>
+          </a:xfrm>
+          <a:prstGeom prst="rect">
+            <a:avLst/>
+          </a:prstGeom>
+          <a:noFill/>
+          <a:ln>
+            <a:solidFill>
+              <a:schemeClr val="accent1"/>
+            </a:solidFill>
+          </a:ln>
+        </p:spPr>
+        <p:txBody>
+          <a:bodyPr wrap="square" rtlCol="0">
+            <a:spAutoFit/>
+          </a:bodyPr>
+          <a:lstStyle/>
+          <a:p>
+            <a:r>
+              <a:rPr lang="en-US" altLang="zh-CN" sz="1200" dirty="0"/>
+              <a:t>SG52 metaQ</a:t>
+            </a:r>
+          </a:p>
+        </p:txBody>
+      </p:sp>
+      <p:cxnSp>
+        <p:nvCxnSpPr>
+          <p:cNvPr id="51" name="直接箭头连接符 50">
+            <a:extLst>
+              <a:ext uri="{FF2B5EF4-FFF2-40B4-BE49-F238E27FC236}">
+                <a16:creationId xmlns:a16="http://schemas.microsoft.com/office/drawing/2014/main" id="{D42E32EC-FE85-4479-8325-DBCAE45D4875}"/>
+              </a:ext>
+            </a:extLst>
+          </p:cNvPr>
+          <p:cNvCxnSpPr>
+            <a:cxnSpLocks/>
+            <a:endCxn id="48" idx="0"/>
+          </p:cNvCxnSpPr>
+          <p:nvPr/>
+        </p:nvCxnSpPr>
+        <p:spPr>
+          <a:xfrm flipH="1">
+            <a:off x="3485667" y="4723191"/>
+            <a:ext cx="3155" cy="296620"/>
+          </a:xfrm>
+          <a:prstGeom prst="straightConnector1">
+            <a:avLst/>
+          </a:prstGeom>
+          <a:ln w="9525" cap="flat" cmpd="sng" algn="ctr">
+            <a:solidFill>
+              <a:schemeClr val="accent2"/>
+            </a:solidFill>
+            <a:prstDash val="solid"/>
+            <a:round/>
+            <a:headEnd type="none" w="med" len="med"/>
+            <a:tailEnd type="arrow" w="med" len="med"/>
+          </a:ln>
+        </p:spPr>
+        <p:style>
+          <a:lnRef idx="0">
+            <a:scrgbClr r="0" g="0" b="0"/>
+          </a:lnRef>
+          <a:fillRef idx="0">
+            <a:scrgbClr r="0" g="0" b="0"/>
+          </a:fillRef>
+          <a:effectRef idx="0">
+            <a:scrgbClr r="0" g="0" b="0"/>
+          </a:effectRef>
+          <a:fontRef idx="minor">
+            <a:schemeClr val="tx1"/>
+          </a:fontRef>
+        </p:style>
+      </p:cxnSp>
+      <p:sp>
+        <p:nvSpPr>
+          <p:cNvPr id="41" name="文本框 40">
+            <a:extLst>
+              <a:ext uri="{FF2B5EF4-FFF2-40B4-BE49-F238E27FC236}">
+                <a16:creationId xmlns:a16="http://schemas.microsoft.com/office/drawing/2014/main" id="{133B9358-0467-4412-A575-408FC280FF68}"/>
+              </a:ext>
+            </a:extLst>
+          </p:cNvPr>
+          <p:cNvSpPr txBox="1"/>
+          <p:nvPr/>
+        </p:nvSpPr>
+        <p:spPr>
+          <a:xfrm>
+            <a:off x="2812481" y="3944070"/>
+            <a:ext cx="1338950" cy="276999"/>
+          </a:xfrm>
+          <a:prstGeom prst="rect">
+            <a:avLst/>
+          </a:prstGeom>
+          <a:noFill/>
+          <a:ln>
+            <a:solidFill>
+              <a:schemeClr val="accent1"/>
+            </a:solidFill>
+          </a:ln>
+        </p:spPr>
+        <p:txBody>
+          <a:bodyPr wrap="square" rtlCol="0">
+            <a:spAutoFit/>
+          </a:bodyPr>
+          <a:lstStyle/>
+          <a:p>
+            <a:pPr algn="ctr"/>
+            <a:r>
+              <a:rPr lang="en-US" altLang="zh-CN" sz="1200" dirty="0"/>
+              <a:t>mtop-rg-sg</a:t>
+            </a:r>
+          </a:p>
+        </p:txBody>
+      </p:sp>
+      <p:sp>
+        <p:nvSpPr>
+          <p:cNvPr id="42" name="文本框 41">
+            <a:extLst>
+              <a:ext uri="{FF2B5EF4-FFF2-40B4-BE49-F238E27FC236}">
+                <a16:creationId xmlns:a16="http://schemas.microsoft.com/office/drawing/2014/main" id="{F91C12AA-9ABE-4861-8D4B-1B19EEFB55B4}"/>
+              </a:ext>
+            </a:extLst>
+          </p:cNvPr>
+          <p:cNvSpPr txBox="1"/>
+          <p:nvPr/>
+        </p:nvSpPr>
+        <p:spPr>
+          <a:xfrm>
+            <a:off x="7416371" y="3944070"/>
+            <a:ext cx="1338950" cy="276999"/>
+          </a:xfrm>
+          <a:prstGeom prst="rect">
+            <a:avLst/>
+          </a:prstGeom>
+          <a:noFill/>
+          <a:ln>
+            <a:solidFill>
+              <a:schemeClr val="accent1"/>
+            </a:solidFill>
+          </a:ln>
+        </p:spPr>
+        <p:txBody>
+          <a:bodyPr wrap="square" rtlCol="0">
+            <a:spAutoFit/>
+          </a:bodyPr>
+          <a:lstStyle/>
+          <a:p>
+            <a:pPr algn="ctr"/>
+            <a:r>
+              <a:rPr lang="en-US" altLang="zh-CN" sz="1200" dirty="0"/>
+              <a:t>Mtop-sg-2</a:t>
+            </a:r>
+          </a:p>
+        </p:txBody>
+      </p:sp>
+      <p:sp>
+        <p:nvSpPr>
+          <p:cNvPr id="50" name="文本框 49">
+            <a:extLst>
+              <a:ext uri="{FF2B5EF4-FFF2-40B4-BE49-F238E27FC236}">
+                <a16:creationId xmlns:a16="http://schemas.microsoft.com/office/drawing/2014/main" id="{D018C3E3-9B18-44B2-BBB4-22D7E4977618}"/>
+              </a:ext>
+            </a:extLst>
+          </p:cNvPr>
+          <p:cNvSpPr txBox="1"/>
+          <p:nvPr/>
+        </p:nvSpPr>
+        <p:spPr>
+          <a:xfrm>
+            <a:off x="4603811" y="3017284"/>
+            <a:ext cx="2518823" cy="276999"/>
+          </a:xfrm>
+          <a:prstGeom prst="rect">
+            <a:avLst/>
+          </a:prstGeom>
+          <a:noFill/>
+          <a:ln>
+            <a:solidFill>
+              <a:schemeClr val="accent1"/>
+            </a:solidFill>
+          </a:ln>
+        </p:spPr>
+        <p:txBody>
+          <a:bodyPr wrap="square" rtlCol="0">
+            <a:spAutoFit/>
+          </a:bodyPr>
+          <a:lstStyle/>
+          <a:p>
+            <a:pPr algn="ctr"/>
+            <a:r>
+              <a:rPr lang="en-US" altLang="zh-CN" sz="1200" dirty="0"/>
+              <a:t>Diamond</a:t>
+            </a:r>
+            <a:r>
+              <a:rPr lang="zh-CN" altLang="en-US" sz="1200" dirty="0"/>
+              <a:t>记录</a:t>
+            </a:r>
+            <a:r>
+              <a:rPr lang="en-US" altLang="zh-CN" sz="1200" dirty="0"/>
+              <a:t>UID</a:t>
+            </a:r>
+            <a:r>
+              <a:rPr lang="zh-CN" altLang="en-US" sz="1200" dirty="0"/>
+              <a:t>的调度规则</a:t>
+            </a:r>
+            <a:endParaRPr lang="en-US" altLang="zh-CN" sz="1200" dirty="0"/>
+          </a:p>
+        </p:txBody>
+      </p:sp>
+      <p:cxnSp>
+        <p:nvCxnSpPr>
+          <p:cNvPr id="34" name="直接箭头连接符 33">
+            <a:extLst>
+              <a:ext uri="{FF2B5EF4-FFF2-40B4-BE49-F238E27FC236}">
+                <a16:creationId xmlns:a16="http://schemas.microsoft.com/office/drawing/2014/main" id="{5874C26A-1283-44F7-8924-D07BA65D1346}"/>
+              </a:ext>
+            </a:extLst>
+          </p:cNvPr>
+          <p:cNvCxnSpPr>
+            <a:stCxn id="7" idx="3"/>
+            <a:endCxn id="50" idx="1"/>
+          </p:cNvCxnSpPr>
+          <p:nvPr/>
+        </p:nvCxnSpPr>
+        <p:spPr>
+          <a:xfrm>
+            <a:off x="4162591" y="2946996"/>
+            <a:ext cx="441220" cy="208788"/>
+          </a:xfrm>
+          <a:prstGeom prst="straightConnector1">
+            <a:avLst/>
+          </a:prstGeom>
+          <a:ln>
+            <a:tailEnd type="triangle"/>
+          </a:ln>
+        </p:spPr>
+        <p:style>
+          <a:lnRef idx="1">
+            <a:schemeClr val="accent1"/>
+          </a:lnRef>
+          <a:fillRef idx="0">
+            <a:schemeClr val="accent1"/>
+          </a:fillRef>
+          <a:effectRef idx="0">
+            <a:schemeClr val="accent1"/>
+          </a:effectRef>
+          <a:fontRef idx="minor">
+            <a:schemeClr val="tx1"/>
+          </a:fontRef>
+        </p:style>
+      </p:cxnSp>
+      <p:cxnSp>
+        <p:nvCxnSpPr>
+          <p:cNvPr id="52" name="直接箭头连接符 51">
+            <a:extLst>
+              <a:ext uri="{FF2B5EF4-FFF2-40B4-BE49-F238E27FC236}">
+                <a16:creationId xmlns:a16="http://schemas.microsoft.com/office/drawing/2014/main" id="{A0166CD3-C50F-483B-B68D-0B88D3483DF6}"/>
+              </a:ext>
+            </a:extLst>
+          </p:cNvPr>
+          <p:cNvCxnSpPr>
+            <a:stCxn id="8" idx="1"/>
+            <a:endCxn id="50" idx="3"/>
+          </p:cNvCxnSpPr>
+          <p:nvPr/>
+        </p:nvCxnSpPr>
+        <p:spPr>
+          <a:xfrm flipH="1">
+            <a:off x="7122634" y="2946996"/>
+            <a:ext cx="293738" cy="208788"/>
+          </a:xfrm>
+          <a:prstGeom prst="straightConnector1">
+            <a:avLst/>
+          </a:prstGeom>
+          <a:ln>
+            <a:tailEnd type="triangle"/>
+          </a:ln>
+        </p:spPr>
+        <p:style>
+          <a:lnRef idx="1">
+            <a:schemeClr val="accent1"/>
+          </a:lnRef>
+          <a:fillRef idx="0">
+            <a:schemeClr val="accent1"/>
+          </a:fillRef>
+          <a:effectRef idx="0">
+            <a:schemeClr val="accent1"/>
+          </a:effectRef>
+          <a:fontRef idx="minor">
+            <a:schemeClr val="tx1"/>
+          </a:fontRef>
+        </p:style>
+      </p:cxnSp>
+      <p:cxnSp>
+        <p:nvCxnSpPr>
+          <p:cNvPr id="57" name="直接箭头连接符 56">
+            <a:extLst>
+              <a:ext uri="{FF2B5EF4-FFF2-40B4-BE49-F238E27FC236}">
+                <a16:creationId xmlns:a16="http://schemas.microsoft.com/office/drawing/2014/main" id="{99C870B4-043D-48AF-BAF0-82BABF5EB980}"/>
+              </a:ext>
+            </a:extLst>
+          </p:cNvPr>
+          <p:cNvCxnSpPr>
+            <a:endCxn id="42" idx="0"/>
+          </p:cNvCxnSpPr>
+          <p:nvPr/>
+        </p:nvCxnSpPr>
+        <p:spPr>
+          <a:xfrm>
+            <a:off x="3470901" y="3086108"/>
+            <a:ext cx="4614945" cy="857962"/>
+          </a:xfrm>
+          <a:prstGeom prst="straightConnector1">
+            <a:avLst/>
+          </a:prstGeom>
+          <a:ln>
+            <a:tailEnd type="triangle"/>
+          </a:ln>
+        </p:spPr>
+        <p:style>
+          <a:lnRef idx="1">
+            <a:schemeClr val="accent1"/>
+          </a:lnRef>
+          <a:fillRef idx="0">
+            <a:schemeClr val="accent1"/>
+          </a:fillRef>
+          <a:effectRef idx="0">
+            <a:schemeClr val="accent1"/>
+          </a:effectRef>
+          <a:fontRef idx="minor">
+            <a:schemeClr val="tx1"/>
+          </a:fontRef>
+        </p:style>
+      </p:cxnSp>
+      <p:cxnSp>
+        <p:nvCxnSpPr>
+          <p:cNvPr id="59" name="直接箭头连接符 58">
+            <a:extLst>
+              <a:ext uri="{FF2B5EF4-FFF2-40B4-BE49-F238E27FC236}">
+                <a16:creationId xmlns:a16="http://schemas.microsoft.com/office/drawing/2014/main" id="{189E872B-5D7A-4062-B21A-796D135309B9}"/>
+              </a:ext>
+            </a:extLst>
+          </p:cNvPr>
+          <p:cNvCxnSpPr>
+            <a:stCxn id="42" idx="2"/>
+            <a:endCxn id="12" idx="0"/>
+          </p:cNvCxnSpPr>
+          <p:nvPr/>
+        </p:nvCxnSpPr>
+        <p:spPr>
+          <a:xfrm>
+            <a:off x="8085846" y="4221069"/>
+            <a:ext cx="0" cy="262452"/>
+          </a:xfrm>
+          <a:prstGeom prst="straightConnector1">
+            <a:avLst/>
+          </a:prstGeom>
+          <a:ln>
+            <a:tailEnd type="triangle"/>
+          </a:ln>
+        </p:spPr>
+        <p:style>
+          <a:lnRef idx="1">
+            <a:schemeClr val="accent1"/>
+          </a:lnRef>
+          <a:fillRef idx="0">
+            <a:schemeClr val="accent1"/>
+          </a:fillRef>
+          <a:effectRef idx="0">
+            <a:schemeClr val="accent1"/>
+          </a:effectRef>
+          <a:fontRef idx="minor">
+            <a:schemeClr val="tx1"/>
+          </a:fontRef>
+        </p:style>
+      </p:cxnSp>
+      <p:cxnSp>
+        <p:nvCxnSpPr>
+          <p:cNvPr id="61" name="直接箭头连接符 60">
+            <a:extLst>
+              <a:ext uri="{FF2B5EF4-FFF2-40B4-BE49-F238E27FC236}">
+                <a16:creationId xmlns:a16="http://schemas.microsoft.com/office/drawing/2014/main" id="{5AEC6823-8022-4E82-A9BD-5409F029A6DF}"/>
+              </a:ext>
+            </a:extLst>
+          </p:cNvPr>
+          <p:cNvCxnSpPr>
+            <a:stCxn id="12" idx="2"/>
+            <a:endCxn id="27" idx="0"/>
+          </p:cNvCxnSpPr>
+          <p:nvPr/>
+        </p:nvCxnSpPr>
+        <p:spPr>
+          <a:xfrm>
+            <a:off x="8085846" y="4760520"/>
+            <a:ext cx="0" cy="726860"/>
+          </a:xfrm>
+          <a:prstGeom prst="straightConnector1">
+            <a:avLst/>
+          </a:prstGeom>
+          <a:ln>
+            <a:tailEnd type="triangle"/>
+          </a:ln>
+        </p:spPr>
+        <p:style>
+          <a:lnRef idx="1">
+            <a:schemeClr val="accent1"/>
+          </a:lnRef>
+          <a:fillRef idx="0">
+            <a:schemeClr val="accent1"/>
+          </a:fillRef>
+          <a:effectRef idx="0">
+            <a:schemeClr val="accent1"/>
+          </a:effectRef>
+          <a:fontRef idx="minor">
+            <a:schemeClr val="tx1"/>
+          </a:fontRef>
+        </p:style>
+      </p:cxnSp>
+      <p:cxnSp>
+        <p:nvCxnSpPr>
+          <p:cNvPr id="63" name="直接箭头连接符 62">
+            <a:extLst>
+              <a:ext uri="{FF2B5EF4-FFF2-40B4-BE49-F238E27FC236}">
+                <a16:creationId xmlns:a16="http://schemas.microsoft.com/office/drawing/2014/main" id="{4E5739EA-3204-40D8-A13E-CBC64155594D}"/>
+              </a:ext>
+            </a:extLst>
+          </p:cNvPr>
+          <p:cNvCxnSpPr>
+            <a:stCxn id="25" idx="0"/>
+            <a:endCxn id="48" idx="2"/>
+          </p:cNvCxnSpPr>
+          <p:nvPr/>
+        </p:nvCxnSpPr>
+        <p:spPr>
+          <a:xfrm flipV="1">
+            <a:off x="3485667" y="5296810"/>
+            <a:ext cx="0" cy="226055"/>
+          </a:xfrm>
+          <a:prstGeom prst="straightConnector1">
+            <a:avLst/>
+          </a:prstGeom>
+          <a:ln w="9525" cap="flat" cmpd="sng" algn="ctr">
+            <a:solidFill>
+              <a:schemeClr val="accent2"/>
+            </a:solidFill>
+            <a:prstDash val="solid"/>
+            <a:round/>
+            <a:headEnd type="none" w="med" len="med"/>
+            <a:tailEnd type="arrow" w="med" len="med"/>
+          </a:ln>
+        </p:spPr>
+        <p:style>
+          <a:lnRef idx="0">
+            <a:scrgbClr r="0" g="0" b="0"/>
+          </a:lnRef>
+          <a:fillRef idx="0">
+            <a:scrgbClr r="0" g="0" b="0"/>
+          </a:fillRef>
+          <a:effectRef idx="0">
+            <a:scrgbClr r="0" g="0" b="0"/>
+          </a:effectRef>
+          <a:fontRef idx="minor">
+            <a:schemeClr val="tx1"/>
+          </a:fontRef>
+        </p:style>
+      </p:cxnSp>
+      <p:sp>
+        <p:nvSpPr>
+          <p:cNvPr id="64" name="文本框 63">
+            <a:extLst>
+              <a:ext uri="{FF2B5EF4-FFF2-40B4-BE49-F238E27FC236}">
+                <a16:creationId xmlns:a16="http://schemas.microsoft.com/office/drawing/2014/main" id="{0047992F-1C94-4E2C-88F5-AAA449BCB40C}"/>
+              </a:ext>
+            </a:extLst>
+          </p:cNvPr>
+          <p:cNvSpPr txBox="1"/>
+          <p:nvPr/>
+        </p:nvSpPr>
+        <p:spPr>
+          <a:xfrm>
+            <a:off x="4495505" y="4260802"/>
+            <a:ext cx="2518823" cy="1569660"/>
+          </a:xfrm>
+          <a:prstGeom prst="rect">
+            <a:avLst/>
+          </a:prstGeom>
+          <a:noFill/>
+        </p:spPr>
+        <p:txBody>
+          <a:bodyPr wrap="square" rtlCol="0">
+            <a:spAutoFit/>
+          </a:bodyPr>
+          <a:lstStyle/>
+          <a:p>
+            <a:r>
+              <a:rPr lang="en-US" altLang="zh-CN" sz="1200" dirty="0"/>
+              <a:t>HSF</a:t>
+            </a:r>
+            <a:r>
+              <a:rPr lang="zh-CN" altLang="en-US" sz="1200" dirty="0"/>
+              <a:t>虽然提供了单元化能力，不过要有</a:t>
+            </a:r>
+            <a:r>
+              <a:rPr lang="en-US" altLang="zh-CN" sz="1200" dirty="0" err="1"/>
+              <a:t>uid</a:t>
+            </a:r>
+            <a:r>
+              <a:rPr lang="zh-CN" altLang="en-US" sz="1200" dirty="0"/>
+              <a:t>调度，目前调度统一放在了接入层，</a:t>
+            </a:r>
+            <a:r>
+              <a:rPr lang="en-US" altLang="zh-CN" sz="1200" dirty="0"/>
+              <a:t>HSFOPS</a:t>
+            </a:r>
+            <a:r>
+              <a:rPr lang="zh-CN" altLang="en-US" sz="1200" dirty="0"/>
+              <a:t>上业务配置的仍然是中心调用，只是注册到了不同单元上，其他中间件也提供了不同的单元化及容灾模式，具体看业务接入方式，整体上是实现单元封闭</a:t>
+            </a:r>
+          </a:p>
+        </p:txBody>
+      </p:sp>
+    </p:spTree>
+    <p:extLst>
+      <p:ext uri="{BB962C8B-B14F-4D97-AF65-F5344CB8AC3E}">
+        <p14:creationId xmlns:p14="http://schemas.microsoft.com/office/powerpoint/2010/main" val="1903048047"/>
       </p:ext>
     </p:extLst>
   </p:cSld>

--- a/ppt/tmp_ppt.pptx
+++ b/ppt/tmp_ppt.pptx
@@ -10,6 +10,7 @@
     <p:sldId id="258" r:id="rId4"/>
     <p:sldId id="259" r:id="rId5"/>
     <p:sldId id="260" r:id="rId6"/>
+    <p:sldId id="261" r:id="rId7"/>
   </p:sldIdLst>
   <p:sldSz cx="12192000" cy="6858000"/>
   <p:notesSz cx="6858000" cy="9144000"/>
@@ -263,7 +264,7 @@
           <a:p>
             <a:fld id="{454A0F4F-8F8E-4FE7-B4C3-4986872B7D08}" type="datetimeFigureOut">
               <a:rPr lang="zh-CN" altLang="en-US" smtClean="0"/>
-              <a:t>2021/4/5</a:t>
+              <a:t>2021/4/9</a:t>
             </a:fld>
             <a:endParaRPr lang="zh-CN" altLang="en-US"/>
           </a:p>
@@ -461,7 +462,7 @@
           <a:p>
             <a:fld id="{454A0F4F-8F8E-4FE7-B4C3-4986872B7D08}" type="datetimeFigureOut">
               <a:rPr lang="zh-CN" altLang="en-US" smtClean="0"/>
-              <a:t>2021/4/5</a:t>
+              <a:t>2021/4/9</a:t>
             </a:fld>
             <a:endParaRPr lang="zh-CN" altLang="en-US"/>
           </a:p>
@@ -669,7 +670,7 @@
           <a:p>
             <a:fld id="{454A0F4F-8F8E-4FE7-B4C3-4986872B7D08}" type="datetimeFigureOut">
               <a:rPr lang="zh-CN" altLang="en-US" smtClean="0"/>
-              <a:t>2021/4/5</a:t>
+              <a:t>2021/4/9</a:t>
             </a:fld>
             <a:endParaRPr lang="zh-CN" altLang="en-US"/>
           </a:p>
@@ -867,7 +868,7 @@
           <a:p>
             <a:fld id="{454A0F4F-8F8E-4FE7-B4C3-4986872B7D08}" type="datetimeFigureOut">
               <a:rPr lang="zh-CN" altLang="en-US" smtClean="0"/>
-              <a:t>2021/4/5</a:t>
+              <a:t>2021/4/9</a:t>
             </a:fld>
             <a:endParaRPr lang="zh-CN" altLang="en-US"/>
           </a:p>
@@ -1142,7 +1143,7 @@
           <a:p>
             <a:fld id="{454A0F4F-8F8E-4FE7-B4C3-4986872B7D08}" type="datetimeFigureOut">
               <a:rPr lang="zh-CN" altLang="en-US" smtClean="0"/>
-              <a:t>2021/4/5</a:t>
+              <a:t>2021/4/9</a:t>
             </a:fld>
             <a:endParaRPr lang="zh-CN" altLang="en-US"/>
           </a:p>
@@ -1407,7 +1408,7 @@
           <a:p>
             <a:fld id="{454A0F4F-8F8E-4FE7-B4C3-4986872B7D08}" type="datetimeFigureOut">
               <a:rPr lang="zh-CN" altLang="en-US" smtClean="0"/>
-              <a:t>2021/4/5</a:t>
+              <a:t>2021/4/9</a:t>
             </a:fld>
             <a:endParaRPr lang="zh-CN" altLang="en-US"/>
           </a:p>
@@ -1819,7 +1820,7 @@
           <a:p>
             <a:fld id="{454A0F4F-8F8E-4FE7-B4C3-4986872B7D08}" type="datetimeFigureOut">
               <a:rPr lang="zh-CN" altLang="en-US" smtClean="0"/>
-              <a:t>2021/4/5</a:t>
+              <a:t>2021/4/9</a:t>
             </a:fld>
             <a:endParaRPr lang="zh-CN" altLang="en-US"/>
           </a:p>
@@ -1960,7 +1961,7 @@
           <a:p>
             <a:fld id="{454A0F4F-8F8E-4FE7-B4C3-4986872B7D08}" type="datetimeFigureOut">
               <a:rPr lang="zh-CN" altLang="en-US" smtClean="0"/>
-              <a:t>2021/4/5</a:t>
+              <a:t>2021/4/9</a:t>
             </a:fld>
             <a:endParaRPr lang="zh-CN" altLang="en-US"/>
           </a:p>
@@ -2073,7 +2074,7 @@
           <a:p>
             <a:fld id="{454A0F4F-8F8E-4FE7-B4C3-4986872B7D08}" type="datetimeFigureOut">
               <a:rPr lang="zh-CN" altLang="en-US" smtClean="0"/>
-              <a:t>2021/4/5</a:t>
+              <a:t>2021/4/9</a:t>
             </a:fld>
             <a:endParaRPr lang="zh-CN" altLang="en-US"/>
           </a:p>
@@ -2384,7 +2385,7 @@
           <a:p>
             <a:fld id="{454A0F4F-8F8E-4FE7-B4C3-4986872B7D08}" type="datetimeFigureOut">
               <a:rPr lang="zh-CN" altLang="en-US" smtClean="0"/>
-              <a:t>2021/4/5</a:t>
+              <a:t>2021/4/9</a:t>
             </a:fld>
             <a:endParaRPr lang="zh-CN" altLang="en-US"/>
           </a:p>
@@ -2672,7 +2673,7 @@
           <a:p>
             <a:fld id="{454A0F4F-8F8E-4FE7-B4C3-4986872B7D08}" type="datetimeFigureOut">
               <a:rPr lang="zh-CN" altLang="en-US" smtClean="0"/>
-              <a:t>2021/4/5</a:t>
+              <a:t>2021/4/9</a:t>
             </a:fld>
             <a:endParaRPr lang="zh-CN" altLang="en-US"/>
           </a:p>
@@ -2913,7 +2914,7 @@
           <a:p>
             <a:fld id="{454A0F4F-8F8E-4FE7-B4C3-4986872B7D08}" type="datetimeFigureOut">
               <a:rPr lang="zh-CN" altLang="en-US" smtClean="0"/>
-              <a:t>2021/4/5</a:t>
+              <a:t>2021/4/9</a:t>
             </a:fld>
             <a:endParaRPr lang="zh-CN" altLang="en-US"/>
           </a:p>
@@ -8464,7 +8465,7 @@
         </p:nvSpPr>
         <p:spPr>
           <a:xfrm>
-            <a:off x="925903" y="2096266"/>
+            <a:off x="969951" y="1636036"/>
             <a:ext cx="8839200" cy="4241273"/>
           </a:xfrm>
           <a:prstGeom prst="rect">
@@ -8508,7 +8509,7 @@
         </p:nvSpPr>
         <p:spPr>
           <a:xfrm>
-            <a:off x="7257077" y="2467155"/>
+            <a:off x="7301125" y="2006925"/>
             <a:ext cx="2070339" cy="3593455"/>
           </a:xfrm>
           <a:prstGeom prst="rect">
@@ -8552,7 +8553,7 @@
         </p:nvSpPr>
         <p:spPr>
           <a:xfrm>
-            <a:off x="7312544" y="2530609"/>
+            <a:off x="7356592" y="2070379"/>
             <a:ext cx="921352" cy="276999"/>
           </a:xfrm>
           <a:prstGeom prst="rect">
@@ -8591,7 +8592,7 @@
         </p:nvSpPr>
         <p:spPr>
           <a:xfrm>
-            <a:off x="2265872" y="2467155"/>
+            <a:off x="2309920" y="2006925"/>
             <a:ext cx="2070339" cy="3594339"/>
           </a:xfrm>
           <a:prstGeom prst="rect">
@@ -8635,8 +8636,8 @@
         </p:nvSpPr>
         <p:spPr>
           <a:xfrm>
-            <a:off x="5510098" y="243534"/>
-            <a:ext cx="730370" cy="718868"/>
+            <a:off x="5510098" y="130062"/>
+            <a:ext cx="585902" cy="327054"/>
           </a:xfrm>
           <a:prstGeom prst="smileyFace">
             <a:avLst/>
@@ -8679,7 +8680,7 @@
         </p:nvSpPr>
         <p:spPr>
           <a:xfrm>
-            <a:off x="5144913" y="1068795"/>
+            <a:off x="5041396" y="549007"/>
             <a:ext cx="1460740" cy="276999"/>
           </a:xfrm>
           <a:prstGeom prst="rect">
@@ -8724,7 +8725,7 @@
         </p:nvSpPr>
         <p:spPr>
           <a:xfrm>
-            <a:off x="4648012" y="1582531"/>
+            <a:off x="4544495" y="1062743"/>
             <a:ext cx="2457369" cy="276999"/>
           </a:xfrm>
           <a:prstGeom prst="rect">
@@ -8777,7 +8778,7 @@
         </p:nvSpPr>
         <p:spPr>
           <a:xfrm>
-            <a:off x="2806388" y="2830888"/>
+            <a:off x="2850436" y="2370658"/>
             <a:ext cx="1338950" cy="278224"/>
           </a:xfrm>
           <a:prstGeom prst="rect">
@@ -8822,7 +8823,7 @@
         </p:nvSpPr>
         <p:spPr>
           <a:xfrm>
-            <a:off x="7399119" y="2830888"/>
+            <a:off x="7443167" y="2370658"/>
             <a:ext cx="1338950" cy="278224"/>
           </a:xfrm>
           <a:prstGeom prst="rect">
@@ -8867,7 +8868,7 @@
         </p:nvSpPr>
         <p:spPr>
           <a:xfrm>
-            <a:off x="2806388" y="3456750"/>
+            <a:off x="2850436" y="2996520"/>
             <a:ext cx="1338950" cy="276999"/>
           </a:xfrm>
           <a:prstGeom prst="rect">
@@ -8923,7 +8924,7 @@
         </p:nvSpPr>
         <p:spPr>
           <a:xfrm>
-            <a:off x="2806389" y="3804388"/>
+            <a:off x="2850437" y="3344158"/>
             <a:ext cx="1338950" cy="276999"/>
           </a:xfrm>
           <a:prstGeom prst="rect">
@@ -8979,7 +8980,7 @@
         </p:nvSpPr>
         <p:spPr>
           <a:xfrm>
-            <a:off x="7399118" y="3456749"/>
+            <a:off x="7443166" y="2996519"/>
             <a:ext cx="1338950" cy="276999"/>
           </a:xfrm>
           <a:prstGeom prst="rect">
@@ -9035,7 +9036,7 @@
         </p:nvSpPr>
         <p:spPr>
           <a:xfrm>
-            <a:off x="7399118" y="3837980"/>
+            <a:off x="7443166" y="3377750"/>
             <a:ext cx="1338950" cy="276999"/>
           </a:xfrm>
           <a:prstGeom prst="rect">
@@ -9091,7 +9092,7 @@
         </p:nvSpPr>
         <p:spPr>
           <a:xfrm>
-            <a:off x="4586558" y="2739609"/>
+            <a:off x="4630606" y="2279379"/>
             <a:ext cx="2518823" cy="461665"/>
           </a:xfrm>
           <a:prstGeom prst="rect">
@@ -9181,7 +9182,7 @@
         </p:nvCxnSpPr>
         <p:spPr>
           <a:xfrm flipH="1">
-            <a:off x="7105381" y="2970000"/>
+            <a:off x="7149429" y="2509770"/>
             <a:ext cx="293738" cy="442"/>
           </a:xfrm>
           <a:prstGeom prst="straightConnector1">
@@ -9223,7 +9224,7 @@
         </p:nvCxnSpPr>
         <p:spPr>
           <a:xfrm>
-            <a:off x="4145338" y="2970000"/>
+            <a:off x="4189386" y="2509770"/>
             <a:ext cx="441220" cy="442"/>
           </a:xfrm>
           <a:prstGeom prst="straightConnector1">
@@ -9265,7 +9266,7 @@
         </p:nvCxnSpPr>
         <p:spPr>
           <a:xfrm>
-            <a:off x="5875283" y="1345794"/>
+            <a:off x="5771766" y="826006"/>
             <a:ext cx="1414" cy="236737"/>
           </a:xfrm>
           <a:prstGeom prst="straightConnector1">
@@ -9307,8 +9308,8 @@
         </p:nvCxnSpPr>
         <p:spPr>
           <a:xfrm flipH="1">
-            <a:off x="3475863" y="1859530"/>
-            <a:ext cx="2400834" cy="971358"/>
+            <a:off x="3519911" y="1339742"/>
+            <a:ext cx="2253269" cy="1030916"/>
           </a:xfrm>
           <a:prstGeom prst="straightConnector1">
             <a:avLst/>
@@ -9349,7 +9350,7 @@
         </p:nvCxnSpPr>
         <p:spPr>
           <a:xfrm>
-            <a:off x="3475863" y="3109112"/>
+            <a:off x="3519911" y="2648882"/>
             <a:ext cx="3923255" cy="867368"/>
           </a:xfrm>
           <a:prstGeom prst="straightConnector1">
@@ -9388,7 +9389,7 @@
         </p:nvSpPr>
         <p:spPr>
           <a:xfrm>
-            <a:off x="2806388" y="5090802"/>
+            <a:off x="2850436" y="4630572"/>
             <a:ext cx="1338950" cy="276999"/>
           </a:xfrm>
           <a:prstGeom prst="rect">
@@ -9444,7 +9445,7 @@
         </p:nvSpPr>
         <p:spPr>
           <a:xfrm>
-            <a:off x="2803234" y="5451109"/>
+            <a:off x="2847282" y="4990879"/>
             <a:ext cx="1338950" cy="276999"/>
           </a:xfrm>
           <a:prstGeom prst="rect">
@@ -9500,7 +9501,7 @@
         </p:nvSpPr>
         <p:spPr>
           <a:xfrm>
-            <a:off x="7399118" y="5021553"/>
+            <a:off x="7443166" y="4561323"/>
             <a:ext cx="1338950" cy="276999"/>
           </a:xfrm>
           <a:prstGeom prst="rect">
@@ -9556,7 +9557,7 @@
         </p:nvSpPr>
         <p:spPr>
           <a:xfrm>
-            <a:off x="7399118" y="5381860"/>
+            <a:off x="7443166" y="4921630"/>
             <a:ext cx="1338950" cy="276999"/>
           </a:xfrm>
           <a:prstGeom prst="rect">
@@ -9612,7 +9613,7 @@
         </p:nvSpPr>
         <p:spPr>
           <a:xfrm>
-            <a:off x="4586558" y="5262894"/>
+            <a:off x="4630606" y="5017540"/>
             <a:ext cx="2518823" cy="461665"/>
           </a:xfrm>
           <a:prstGeom prst="rect">
@@ -9685,48 +9686,6 @@
           </a:p>
         </p:txBody>
       </p:sp>
-      <p:cxnSp>
-        <p:nvCxnSpPr>
-          <p:cNvPr id="31" name="直接箭头连接符 30">
-            <a:extLst>
-              <a:ext uri="{FF2B5EF4-FFF2-40B4-BE49-F238E27FC236}">
-                <a16:creationId xmlns:a16="http://schemas.microsoft.com/office/drawing/2014/main" id="{2CE97575-81EF-4E37-AEAD-FB8E2F5E083D}"/>
-              </a:ext>
-            </a:extLst>
-          </p:cNvPr>
-          <p:cNvCxnSpPr>
-            <a:stCxn id="12" idx="2"/>
-            <a:endCxn id="25" idx="3"/>
-          </p:cNvCxnSpPr>
-          <p:nvPr/>
-        </p:nvCxnSpPr>
-        <p:spPr>
-          <a:xfrm flipH="1">
-            <a:off x="4145338" y="4114979"/>
-            <a:ext cx="3923255" cy="1114323"/>
-          </a:xfrm>
-          <a:prstGeom prst="straightConnector1">
-            <a:avLst/>
-          </a:prstGeom>
-          <a:ln>
-            <a:tailEnd type="triangle"/>
-          </a:ln>
-        </p:spPr>
-        <p:style>
-          <a:lnRef idx="1">
-            <a:schemeClr val="accent1"/>
-          </a:lnRef>
-          <a:fillRef idx="0">
-            <a:schemeClr val="accent1"/>
-          </a:fillRef>
-          <a:effectRef idx="0">
-            <a:schemeClr val="accent1"/>
-          </a:effectRef>
-          <a:fontRef idx="minor">
-            <a:schemeClr val="tx1"/>
-          </a:fontRef>
-        </p:style>
-      </p:cxnSp>
       <p:sp>
         <p:nvSpPr>
           <p:cNvPr id="36" name="文本框 35">
@@ -9741,7 +9700,7 @@
         </p:nvSpPr>
         <p:spPr>
           <a:xfrm>
-            <a:off x="2342558" y="2546980"/>
+            <a:off x="2386606" y="2086750"/>
             <a:ext cx="921352" cy="276999"/>
           </a:xfrm>
           <a:prstGeom prst="rect">
@@ -9780,7 +9739,7 @@
         </p:nvSpPr>
         <p:spPr>
           <a:xfrm>
-            <a:off x="969951" y="2161401"/>
+            <a:off x="1013999" y="1701171"/>
             <a:ext cx="1605074" cy="276999"/>
           </a:xfrm>
           <a:prstGeom prst="rect">
@@ -9969,7 +9928,7 @@
         </p:nvSpPr>
         <p:spPr>
           <a:xfrm>
-            <a:off x="2803234" y="4378007"/>
+            <a:off x="2847282" y="3917777"/>
             <a:ext cx="1338950" cy="276999"/>
           </a:xfrm>
           <a:prstGeom prst="rect">
@@ -10009,7 +9968,7 @@
         </p:nvSpPr>
         <p:spPr>
           <a:xfrm>
-            <a:off x="7406567" y="4392098"/>
+            <a:off x="7450615" y="3931868"/>
             <a:ext cx="1338950" cy="276999"/>
           </a:xfrm>
           <a:prstGeom prst="rect">
@@ -10052,7 +10011,7 @@
         </p:nvCxnSpPr>
         <p:spPr>
           <a:xfrm flipH="1">
-            <a:off x="3472709" y="4081387"/>
+            <a:off x="3516757" y="3621157"/>
             <a:ext cx="3155" cy="296620"/>
           </a:xfrm>
           <a:prstGeom prst="straightConnector1">
@@ -10083,25 +10042,356 @@
           </a:fontRef>
         </p:style>
       </p:cxnSp>
+      <p:sp>
+        <p:nvSpPr>
+          <p:cNvPr id="54" name="文本框 53">
+            <a:extLst>
+              <a:ext uri="{FF2B5EF4-FFF2-40B4-BE49-F238E27FC236}">
+                <a16:creationId xmlns:a16="http://schemas.microsoft.com/office/drawing/2014/main" id="{04EC76CD-D8C1-484B-9892-0032D247886A}"/>
+              </a:ext>
+            </a:extLst>
+          </p:cNvPr>
+          <p:cNvSpPr txBox="1"/>
+          <p:nvPr/>
+        </p:nvSpPr>
+        <p:spPr>
+          <a:xfrm>
+            <a:off x="7773220" y="159150"/>
+            <a:ext cx="4256338" cy="1384995"/>
+          </a:xfrm>
+          <a:prstGeom prst="rect">
+            <a:avLst/>
+          </a:prstGeom>
+          <a:noFill/>
+        </p:spPr>
+        <p:txBody>
+          <a:bodyPr wrap="square" rtlCol="0">
+            <a:spAutoFit/>
+          </a:bodyPr>
+          <a:lstStyle/>
+          <a:p>
+            <a:r>
+              <a:rPr lang="zh-CN" altLang="en-US" sz="1200" dirty="0"/>
+              <a:t>备注：</a:t>
+            </a:r>
+            <a:endParaRPr lang="en-US" altLang="zh-CN" sz="1200" dirty="0"/>
+          </a:p>
+          <a:p>
+            <a:r>
+              <a:rPr lang="en-US" altLang="zh-CN" sz="1200" dirty="0"/>
+              <a:t>Aserver</a:t>
+            </a:r>
+            <a:r>
+              <a:rPr lang="zh-CN" altLang="en-US" sz="1200" dirty="0"/>
+              <a:t>调度识别单元不识别机房，因此</a:t>
+            </a:r>
+            <a:r>
+              <a:rPr lang="en-US" altLang="zh-CN" sz="1200" dirty="0" err="1"/>
+              <a:t>vipserver</a:t>
+            </a:r>
+            <a:r>
+              <a:rPr lang="en-US" altLang="zh-CN" sz="1200" dirty="0"/>
+              <a:t> key</a:t>
+            </a:r>
+            <a:r>
+              <a:rPr lang="zh-CN" altLang="en-US" sz="1200" dirty="0"/>
+              <a:t>多机房挂载同一个</a:t>
+            </a:r>
+            <a:r>
+              <a:rPr lang="en-US" altLang="zh-CN" sz="1200" dirty="0"/>
+              <a:t>key</a:t>
+            </a:r>
+            <a:r>
+              <a:rPr lang="zh-CN" altLang="en-US" sz="1200" dirty="0"/>
+              <a:t>上可以进行机房间的负载均衡。</a:t>
+            </a:r>
+            <a:endParaRPr lang="en-US" altLang="zh-CN" sz="1200" dirty="0"/>
+          </a:p>
+          <a:p>
+            <a:r>
+              <a:rPr lang="zh-CN" altLang="en-US" sz="1200" dirty="0"/>
+              <a:t>而</a:t>
+            </a:r>
+            <a:r>
+              <a:rPr lang="en-US" altLang="zh-CN" sz="1200" dirty="0"/>
+              <a:t>HSF</a:t>
+            </a:r>
+            <a:r>
+              <a:rPr lang="zh-CN" altLang="en-US" sz="1200" dirty="0"/>
+              <a:t>也可以以单元的粒度进行配置，配置为</a:t>
+            </a:r>
+            <a:r>
+              <a:rPr lang="en-US" altLang="zh-CN" sz="1200" dirty="0"/>
+              <a:t>center</a:t>
+            </a:r>
+            <a:r>
+              <a:rPr lang="zh-CN" altLang="en-US" sz="1200" dirty="0"/>
+              <a:t>模式，即可自主在不同机房间进行负载均衡。</a:t>
+            </a:r>
+            <a:endParaRPr lang="en-US" altLang="zh-CN" sz="1200" dirty="0"/>
+          </a:p>
+          <a:p>
+            <a:r>
+              <a:rPr lang="zh-CN" altLang="en-US" sz="1200" dirty="0"/>
+              <a:t>异步消息也是以单元为基础，同单元不同机房可能会出现跨机房的流量投递和消费</a:t>
+            </a:r>
+          </a:p>
+        </p:txBody>
+      </p:sp>
+      <p:sp>
+        <p:nvSpPr>
+          <p:cNvPr id="52" name="矩形 51">
+            <a:extLst>
+              <a:ext uri="{FF2B5EF4-FFF2-40B4-BE49-F238E27FC236}">
+                <a16:creationId xmlns:a16="http://schemas.microsoft.com/office/drawing/2014/main" id="{C00B2E5B-D0E6-446D-9252-9EC99353E5BC}"/>
+              </a:ext>
+            </a:extLst>
+          </p:cNvPr>
+          <p:cNvSpPr/>
+          <p:nvPr/>
+        </p:nvSpPr>
+        <p:spPr>
+          <a:xfrm>
+            <a:off x="3128513" y="5963728"/>
+            <a:ext cx="4508740" cy="857962"/>
+          </a:xfrm>
+          <a:prstGeom prst="rect">
+            <a:avLst/>
+          </a:prstGeom>
+        </p:spPr>
+        <p:style>
+          <a:lnRef idx="2">
+            <a:schemeClr val="accent6"/>
+          </a:lnRef>
+          <a:fillRef idx="1">
+            <a:schemeClr val="lt1"/>
+          </a:fillRef>
+          <a:effectRef idx="0">
+            <a:schemeClr val="accent6"/>
+          </a:effectRef>
+          <a:fontRef idx="minor">
+            <a:schemeClr val="dk1"/>
+          </a:fontRef>
+        </p:style>
+        <p:txBody>
+          <a:bodyPr rtlCol="0" anchor="ctr"/>
+          <a:lstStyle/>
+          <a:p>
+            <a:pPr algn="ctr"/>
+            <a:endParaRPr lang="zh-CN" altLang="en-US"/>
+          </a:p>
+        </p:txBody>
+      </p:sp>
+      <p:sp>
+        <p:nvSpPr>
+          <p:cNvPr id="55" name="矩形 54">
+            <a:extLst>
+              <a:ext uri="{FF2B5EF4-FFF2-40B4-BE49-F238E27FC236}">
+                <a16:creationId xmlns:a16="http://schemas.microsoft.com/office/drawing/2014/main" id="{EBF46A08-5A58-40AD-8870-D581FE82C666}"/>
+              </a:ext>
+            </a:extLst>
+          </p:cNvPr>
+          <p:cNvSpPr/>
+          <p:nvPr/>
+        </p:nvSpPr>
+        <p:spPr>
+          <a:xfrm>
+            <a:off x="3476205" y="6088001"/>
+            <a:ext cx="1805795" cy="247289"/>
+          </a:xfrm>
+          <a:prstGeom prst="rect">
+            <a:avLst/>
+          </a:prstGeom>
+        </p:spPr>
+        <p:style>
+          <a:lnRef idx="2">
+            <a:schemeClr val="accent6"/>
+          </a:lnRef>
+          <a:fillRef idx="1">
+            <a:schemeClr val="lt1"/>
+          </a:fillRef>
+          <a:effectRef idx="0">
+            <a:schemeClr val="accent6"/>
+          </a:effectRef>
+          <a:fontRef idx="minor">
+            <a:schemeClr val="dk1"/>
+          </a:fontRef>
+        </p:style>
+        <p:txBody>
+          <a:bodyPr rtlCol="0" anchor="ctr"/>
+          <a:lstStyle/>
+          <a:p>
+            <a:pPr algn="ctr"/>
+            <a:r>
+              <a:rPr lang="en-US" altLang="zh-CN" sz="1200" dirty="0"/>
+              <a:t>DB leader in OS30</a:t>
+            </a:r>
+          </a:p>
+        </p:txBody>
+      </p:sp>
+      <p:sp>
+        <p:nvSpPr>
+          <p:cNvPr id="56" name="矩形 55">
+            <a:extLst>
+              <a:ext uri="{FF2B5EF4-FFF2-40B4-BE49-F238E27FC236}">
+                <a16:creationId xmlns:a16="http://schemas.microsoft.com/office/drawing/2014/main" id="{6D13D2E2-EDBB-4908-8C33-E02CCA22E7B1}"/>
+              </a:ext>
+            </a:extLst>
+          </p:cNvPr>
+          <p:cNvSpPr/>
+          <p:nvPr/>
+        </p:nvSpPr>
+        <p:spPr>
+          <a:xfrm>
+            <a:off x="5604825" y="6119193"/>
+            <a:ext cx="1805795" cy="247289"/>
+          </a:xfrm>
+          <a:prstGeom prst="rect">
+            <a:avLst/>
+          </a:prstGeom>
+        </p:spPr>
+        <p:style>
+          <a:lnRef idx="2">
+            <a:schemeClr val="accent6"/>
+          </a:lnRef>
+          <a:fillRef idx="1">
+            <a:schemeClr val="lt1"/>
+          </a:fillRef>
+          <a:effectRef idx="0">
+            <a:schemeClr val="accent6"/>
+          </a:effectRef>
+          <a:fontRef idx="minor">
+            <a:schemeClr val="dk1"/>
+          </a:fontRef>
+        </p:style>
+        <p:txBody>
+          <a:bodyPr rtlCol="0" anchor="ctr"/>
+          <a:lstStyle/>
+          <a:p>
+            <a:pPr algn="ctr"/>
+            <a:r>
+              <a:rPr lang="en-US" altLang="zh-CN" sz="1200" dirty="0"/>
+              <a:t>DB follow in SG52</a:t>
+            </a:r>
+          </a:p>
+        </p:txBody>
+      </p:sp>
+      <p:sp>
+        <p:nvSpPr>
+          <p:cNvPr id="57" name="矩形 56">
+            <a:extLst>
+              <a:ext uri="{FF2B5EF4-FFF2-40B4-BE49-F238E27FC236}">
+                <a16:creationId xmlns:a16="http://schemas.microsoft.com/office/drawing/2014/main" id="{1202CBE6-68DC-4F03-80E9-DBF7F4ACEFC1}"/>
+              </a:ext>
+            </a:extLst>
+          </p:cNvPr>
+          <p:cNvSpPr/>
+          <p:nvPr/>
+        </p:nvSpPr>
+        <p:spPr>
+          <a:xfrm>
+            <a:off x="4434673" y="6490821"/>
+            <a:ext cx="1805795" cy="247289"/>
+          </a:xfrm>
+          <a:prstGeom prst="rect">
+            <a:avLst/>
+          </a:prstGeom>
+        </p:spPr>
+        <p:style>
+          <a:lnRef idx="2">
+            <a:schemeClr val="accent6"/>
+          </a:lnRef>
+          <a:fillRef idx="1">
+            <a:schemeClr val="lt1"/>
+          </a:fillRef>
+          <a:effectRef idx="0">
+            <a:schemeClr val="accent6"/>
+          </a:effectRef>
+          <a:fontRef idx="minor">
+            <a:schemeClr val="dk1"/>
+          </a:fontRef>
+        </p:style>
+        <p:txBody>
+          <a:bodyPr rtlCol="0" anchor="ctr"/>
+          <a:lstStyle/>
+          <a:p>
+            <a:pPr algn="ctr"/>
+            <a:r>
+              <a:rPr lang="en-US" altLang="zh-CN" sz="1200" dirty="0"/>
+              <a:t>DB </a:t>
+            </a:r>
+            <a:r>
+              <a:rPr lang="en-US" altLang="zh-CN" sz="1200" dirty="0" err="1"/>
+              <a:t>binlong</a:t>
+            </a:r>
+            <a:r>
+              <a:rPr lang="en-US" altLang="zh-CN" sz="1200" dirty="0"/>
+              <a:t> in SG113</a:t>
+            </a:r>
+          </a:p>
+        </p:txBody>
+      </p:sp>
       <p:cxnSp>
         <p:nvCxnSpPr>
-          <p:cNvPr id="53" name="直接箭头连接符 52">
-            <a:extLst>
-              <a:ext uri="{FF2B5EF4-FFF2-40B4-BE49-F238E27FC236}">
-                <a16:creationId xmlns:a16="http://schemas.microsoft.com/office/drawing/2014/main" id="{F8B57C84-8385-45D2-9CFC-BF38560BE028}"/>
+          <p:cNvPr id="23" name="直接箭头连接符 22">
+            <a:extLst>
+              <a:ext uri="{FF2B5EF4-FFF2-40B4-BE49-F238E27FC236}">
+                <a16:creationId xmlns:a16="http://schemas.microsoft.com/office/drawing/2014/main" id="{175BA767-8ED6-45CF-83EF-053DE1A2CEAD}"/>
               </a:ext>
             </a:extLst>
           </p:cNvPr>
           <p:cNvCxnSpPr>
-            <a:stCxn id="27" idx="1"/>
+            <a:stCxn id="12" idx="1"/>
+          </p:cNvCxnSpPr>
+          <p:nvPr/>
+        </p:nvCxnSpPr>
+        <p:spPr>
+          <a:xfrm flipH="1">
+            <a:off x="4186232" y="3516250"/>
+            <a:ext cx="3256934" cy="1613128"/>
+          </a:xfrm>
+          <a:prstGeom prst="straightConnector1">
+            <a:avLst/>
+          </a:prstGeom>
+          <a:ln>
+            <a:tailEnd type="triangle"/>
+          </a:ln>
+        </p:spPr>
+        <p:style>
+          <a:lnRef idx="1">
+            <a:schemeClr val="accent1"/>
+          </a:lnRef>
+          <a:fillRef idx="0">
+            <a:schemeClr val="accent1"/>
+          </a:fillRef>
+          <a:effectRef idx="0">
+            <a:schemeClr val="accent1"/>
+          </a:effectRef>
+          <a:fontRef idx="minor">
+            <a:schemeClr val="tx1"/>
+          </a:fontRef>
+        </p:style>
+      </p:cxnSp>
+      <p:cxnSp>
+        <p:nvCxnSpPr>
+          <p:cNvPr id="32" name="直接箭头连接符 31">
+            <a:extLst>
+              <a:ext uri="{FF2B5EF4-FFF2-40B4-BE49-F238E27FC236}">
+                <a16:creationId xmlns:a16="http://schemas.microsoft.com/office/drawing/2014/main" id="{BCC0DE57-D231-4EB0-BDE8-2BD28A58923B}"/>
+              </a:ext>
+            </a:extLst>
+          </p:cNvPr>
+          <p:cNvCxnSpPr>
+            <a:cxnSpLocks/>
+            <a:stCxn id="28" idx="1"/>
             <a:endCxn id="48" idx="3"/>
           </p:cNvCxnSpPr>
           <p:nvPr/>
         </p:nvCxnSpPr>
         <p:spPr>
           <a:xfrm flipH="1" flipV="1">
-            <a:off x="4142184" y="4516507"/>
-            <a:ext cx="3256934" cy="643546"/>
+            <a:off x="4186232" y="4056277"/>
+            <a:ext cx="3256934" cy="1003853"/>
           </a:xfrm>
           <a:prstGeom prst="straightConnector1">
             <a:avLst/>
@@ -10131,102 +10421,96 @@
           </a:fontRef>
         </p:style>
       </p:cxnSp>
-      <p:sp>
-        <p:nvSpPr>
-          <p:cNvPr id="54" name="文本框 53">
-            <a:extLst>
-              <a:ext uri="{FF2B5EF4-FFF2-40B4-BE49-F238E27FC236}">
-                <a16:creationId xmlns:a16="http://schemas.microsoft.com/office/drawing/2014/main" id="{04EC76CD-D8C1-484B-9892-0032D247886A}"/>
-              </a:ext>
-            </a:extLst>
-          </p:cNvPr>
-          <p:cNvSpPr txBox="1"/>
-          <p:nvPr/>
-        </p:nvSpPr>
-        <p:spPr>
-          <a:xfrm>
-            <a:off x="7761719" y="262740"/>
-            <a:ext cx="3108432" cy="1754326"/>
-          </a:xfrm>
-          <a:prstGeom prst="rect">
-            <a:avLst/>
-          </a:prstGeom>
-          <a:noFill/>
-        </p:spPr>
-        <p:txBody>
-          <a:bodyPr wrap="square" rtlCol="0">
-            <a:spAutoFit/>
-          </a:bodyPr>
-          <a:lstStyle/>
-          <a:p>
-            <a:r>
-              <a:rPr lang="zh-CN" altLang="en-US" sz="1200" dirty="0"/>
-              <a:t>备注：</a:t>
-            </a:r>
-            <a:endParaRPr lang="en-US" altLang="zh-CN" sz="1200" dirty="0"/>
-          </a:p>
-          <a:p>
-            <a:r>
-              <a:rPr lang="en-US" altLang="zh-CN" sz="1200" dirty="0"/>
-              <a:t>Aserver</a:t>
-            </a:r>
-            <a:r>
-              <a:rPr lang="zh-CN" altLang="en-US" sz="1200" dirty="0"/>
-              <a:t>调度识别单元不识别机房，因此</a:t>
-            </a:r>
-            <a:r>
-              <a:rPr lang="en-US" altLang="zh-CN" sz="1200" dirty="0" err="1"/>
-              <a:t>vipserver</a:t>
-            </a:r>
-            <a:r>
-              <a:rPr lang="en-US" altLang="zh-CN" sz="1200" dirty="0"/>
-              <a:t> key</a:t>
-            </a:r>
-            <a:r>
-              <a:rPr lang="zh-CN" altLang="en-US" sz="1200" dirty="0"/>
-              <a:t>多机房挂载同一个</a:t>
-            </a:r>
-            <a:r>
-              <a:rPr lang="en-US" altLang="zh-CN" sz="1200" dirty="0"/>
-              <a:t>key</a:t>
-            </a:r>
-            <a:r>
-              <a:rPr lang="zh-CN" altLang="en-US" sz="1200" dirty="0"/>
-              <a:t>上可以进行机房间的负载均衡。</a:t>
-            </a:r>
-            <a:endParaRPr lang="en-US" altLang="zh-CN" sz="1200" dirty="0"/>
-          </a:p>
-          <a:p>
-            <a:r>
-              <a:rPr lang="zh-CN" altLang="en-US" sz="1200" dirty="0"/>
-              <a:t>而</a:t>
-            </a:r>
-            <a:r>
-              <a:rPr lang="en-US" altLang="zh-CN" sz="1200" dirty="0"/>
-              <a:t>HSF</a:t>
-            </a:r>
-            <a:r>
-              <a:rPr lang="zh-CN" altLang="en-US" sz="1200" dirty="0"/>
-              <a:t>也可以以单元的粒度进行配置，配置为</a:t>
-            </a:r>
-            <a:r>
-              <a:rPr lang="en-US" altLang="zh-CN" sz="1200" dirty="0"/>
-              <a:t>center</a:t>
-            </a:r>
-            <a:r>
-              <a:rPr lang="zh-CN" altLang="en-US" sz="1200" dirty="0"/>
-              <a:t>模式，即可自主在不同机房间进行负载均衡。</a:t>
-            </a:r>
-            <a:endParaRPr lang="en-US" altLang="zh-CN" sz="1200" dirty="0"/>
-          </a:p>
-          <a:p>
-            <a:r>
-              <a:rPr lang="zh-CN" altLang="en-US" sz="1200" dirty="0"/>
-              <a:t>异步消息也是以单元为基础，同单元不同机房可能会出现跨机房的流量投递和消费</a:t>
-            </a:r>
-          </a:p>
-        </p:txBody>
-      </p:sp>
+      <p:cxnSp>
+        <p:nvCxnSpPr>
+          <p:cNvPr id="58" name="直接箭头连接符 57">
+            <a:extLst>
+              <a:ext uri="{FF2B5EF4-FFF2-40B4-BE49-F238E27FC236}">
+                <a16:creationId xmlns:a16="http://schemas.microsoft.com/office/drawing/2014/main" id="{C41AE5DC-81AF-49BE-A195-C72C86A9FEF5}"/>
+              </a:ext>
+            </a:extLst>
+          </p:cNvPr>
+          <p:cNvCxnSpPr>
+            <a:stCxn id="26" idx="2"/>
+            <a:endCxn id="52" idx="0"/>
+          </p:cNvCxnSpPr>
+          <p:nvPr/>
+        </p:nvCxnSpPr>
+        <p:spPr>
+          <a:xfrm>
+            <a:off x="3516757" y="5267878"/>
+            <a:ext cx="1866126" cy="695850"/>
+          </a:xfrm>
+          <a:prstGeom prst="straightConnector1">
+            <a:avLst/>
+          </a:prstGeom>
+          <a:ln>
+            <a:tailEnd type="triangle"/>
+          </a:ln>
+        </p:spPr>
+        <p:style>
+          <a:lnRef idx="1">
+            <a:schemeClr val="accent1"/>
+          </a:lnRef>
+          <a:fillRef idx="0">
+            <a:schemeClr val="accent1"/>
+          </a:fillRef>
+          <a:effectRef idx="0">
+            <a:schemeClr val="accent1"/>
+          </a:effectRef>
+          <a:fontRef idx="minor">
+            <a:schemeClr val="tx1"/>
+          </a:fontRef>
+        </p:style>
+      </p:cxnSp>
+      <p:cxnSp>
+        <p:nvCxnSpPr>
+          <p:cNvPr id="60" name="直接箭头连接符 59">
+            <a:extLst>
+              <a:ext uri="{FF2B5EF4-FFF2-40B4-BE49-F238E27FC236}">
+                <a16:creationId xmlns:a16="http://schemas.microsoft.com/office/drawing/2014/main" id="{25966F3D-441B-4B6F-8C35-BA32353A89EA}"/>
+              </a:ext>
+            </a:extLst>
+          </p:cNvPr>
+          <p:cNvCxnSpPr>
+            <a:stCxn id="28" idx="2"/>
+            <a:endCxn id="52" idx="0"/>
+          </p:cNvCxnSpPr>
+          <p:nvPr/>
+        </p:nvCxnSpPr>
+        <p:spPr>
+          <a:xfrm flipH="1">
+            <a:off x="5382883" y="5198629"/>
+            <a:ext cx="2729758" cy="765099"/>
+          </a:xfrm>
+          <a:prstGeom prst="straightConnector1">
+            <a:avLst/>
+          </a:prstGeom>
+          <a:ln w="9525" cap="flat" cmpd="sng" algn="ctr">
+            <a:solidFill>
+              <a:schemeClr val="accent2"/>
+            </a:solidFill>
+            <a:prstDash val="solid"/>
+            <a:round/>
+            <a:headEnd type="none" w="med" len="med"/>
+            <a:tailEnd type="arrow" w="med" len="med"/>
+          </a:ln>
+        </p:spPr>
+        <p:style>
+          <a:lnRef idx="0">
+            <a:scrgbClr r="0" g="0" b="0"/>
+          </a:lnRef>
+          <a:fillRef idx="0">
+            <a:scrgbClr r="0" g="0" b="0"/>
+          </a:fillRef>
+          <a:effectRef idx="0">
+            <a:scrgbClr r="0" g="0" b="0"/>
+          </a:effectRef>
+          <a:fontRef idx="minor">
+            <a:schemeClr val="tx1"/>
+          </a:fontRef>
+        </p:style>
+      </p:cxnSp>
     </p:spTree>
     <p:extLst>
       <p:ext uri="{BB962C8B-B14F-4D97-AF65-F5344CB8AC3E}">
@@ -10259,10 +10543,10 @@
       </p:grpSpPr>
       <p:sp>
         <p:nvSpPr>
-          <p:cNvPr id="37" name="矩形 36">
-            <a:extLst>
-              <a:ext uri="{FF2B5EF4-FFF2-40B4-BE49-F238E27FC236}">
-                <a16:creationId xmlns:a16="http://schemas.microsoft.com/office/drawing/2014/main" id="{3A9B01A6-2DD5-4E4B-938F-250950B199DD}"/>
+          <p:cNvPr id="3" name="矩形 2">
+            <a:extLst>
+              <a:ext uri="{FF2B5EF4-FFF2-40B4-BE49-F238E27FC236}">
+                <a16:creationId xmlns:a16="http://schemas.microsoft.com/office/drawing/2014/main" id="{91A34973-7ED0-4246-BE7E-D74FAB9B1CC6}"/>
               </a:ext>
             </a:extLst>
           </p:cNvPr>
@@ -10271,8 +10555,8 @@
         </p:nvSpPr>
         <p:spPr>
           <a:xfrm>
-            <a:off x="7274330" y="2444151"/>
-            <a:ext cx="2518823" cy="3593455"/>
+            <a:off x="3128513" y="5963728"/>
+            <a:ext cx="4508740" cy="857962"/>
           </a:xfrm>
           <a:prstGeom prst="rect">
             <a:avLst/>
@@ -10297,6 +10581,50 @@
           <a:lstStyle/>
           <a:p>
             <a:pPr algn="ctr"/>
+            <a:endParaRPr lang="zh-CN" altLang="en-US"/>
+          </a:p>
+        </p:txBody>
+      </p:sp>
+      <p:sp>
+        <p:nvSpPr>
+          <p:cNvPr id="37" name="矩形 36">
+            <a:extLst>
+              <a:ext uri="{FF2B5EF4-FFF2-40B4-BE49-F238E27FC236}">
+                <a16:creationId xmlns:a16="http://schemas.microsoft.com/office/drawing/2014/main" id="{3A9B01A6-2DD5-4E4B-938F-250950B199DD}"/>
+              </a:ext>
+            </a:extLst>
+          </p:cNvPr>
+          <p:cNvSpPr/>
+          <p:nvPr/>
+        </p:nvSpPr>
+        <p:spPr>
+          <a:xfrm>
+            <a:off x="7268579" y="2195750"/>
+            <a:ext cx="2518823" cy="3593455"/>
+          </a:xfrm>
+          <a:prstGeom prst="rect">
+            <a:avLst/>
+          </a:prstGeom>
+        </p:spPr>
+        <p:style>
+          <a:lnRef idx="2">
+            <a:schemeClr val="accent6"/>
+          </a:lnRef>
+          <a:fillRef idx="1">
+            <a:schemeClr val="lt1"/>
+          </a:fillRef>
+          <a:effectRef idx="0">
+            <a:schemeClr val="accent6"/>
+          </a:effectRef>
+          <a:fontRef idx="minor">
+            <a:schemeClr val="dk1"/>
+          </a:fontRef>
+        </p:style>
+        <p:txBody>
+          <a:bodyPr rtlCol="0" anchor="ctr"/>
+          <a:lstStyle/>
+          <a:p>
+            <a:pPr algn="ctr"/>
             <a:endParaRPr lang="zh-CN" altLang="en-US" dirty="0"/>
           </a:p>
         </p:txBody>
@@ -10315,7 +10643,7 @@
         </p:nvSpPr>
         <p:spPr>
           <a:xfrm>
-            <a:off x="7329797" y="2507605"/>
+            <a:off x="7324046" y="2259204"/>
             <a:ext cx="921352" cy="276999"/>
           </a:xfrm>
           <a:prstGeom prst="rect">
@@ -10354,7 +10682,7 @@
         </p:nvSpPr>
         <p:spPr>
           <a:xfrm>
-            <a:off x="2283125" y="2444151"/>
+            <a:off x="2277374" y="2195750"/>
             <a:ext cx="2070339" cy="3594339"/>
           </a:xfrm>
           <a:prstGeom prst="rect">
@@ -10558,7 +10886,7 @@
         </p:nvSpPr>
         <p:spPr>
           <a:xfrm>
-            <a:off x="2823641" y="2807884"/>
+            <a:off x="2817890" y="2559483"/>
             <a:ext cx="1338950" cy="278224"/>
           </a:xfrm>
           <a:prstGeom prst="rect">
@@ -10603,7 +10931,7 @@
         </p:nvSpPr>
         <p:spPr>
           <a:xfrm>
-            <a:off x="7416372" y="2807884"/>
+            <a:off x="7410621" y="2559483"/>
             <a:ext cx="1338950" cy="278224"/>
           </a:xfrm>
           <a:prstGeom prst="rect">
@@ -10648,7 +10976,7 @@
         </p:nvSpPr>
         <p:spPr>
           <a:xfrm>
-            <a:off x="2801426" y="4423799"/>
+            <a:off x="2795675" y="4175398"/>
             <a:ext cx="1338950" cy="276999"/>
           </a:xfrm>
           <a:prstGeom prst="rect">
@@ -10701,7 +11029,7 @@
         </p:nvSpPr>
         <p:spPr>
           <a:xfrm>
-            <a:off x="7416371" y="4483521"/>
+            <a:off x="7410620" y="4235120"/>
             <a:ext cx="1338950" cy="276999"/>
           </a:xfrm>
           <a:prstGeom prst="rect">
@@ -10755,7 +11083,7 @@
         </p:nvSpPr>
         <p:spPr>
           <a:xfrm>
-            <a:off x="4585118" y="2415271"/>
+            <a:off x="4579367" y="2166870"/>
             <a:ext cx="2518823" cy="461665"/>
           </a:xfrm>
           <a:prstGeom prst="rect">
@@ -10811,7 +11139,7 @@
         </p:nvCxnSpPr>
         <p:spPr>
           <a:xfrm flipH="1" flipV="1">
-            <a:off x="7103941" y="2646104"/>
+            <a:off x="7098190" y="2397703"/>
             <a:ext cx="312431" cy="300892"/>
           </a:xfrm>
           <a:prstGeom prst="straightConnector1">
@@ -10853,7 +11181,7 @@
         </p:nvCxnSpPr>
         <p:spPr>
           <a:xfrm flipV="1">
-            <a:off x="4162591" y="2646104"/>
+            <a:off x="4156840" y="2397703"/>
             <a:ext cx="422527" cy="300892"/>
           </a:xfrm>
           <a:prstGeom prst="straightConnector1">
@@ -10938,8 +11266,8 @@
         </p:nvCxnSpPr>
         <p:spPr>
           <a:xfrm flipH="1">
-            <a:off x="3493116" y="1859530"/>
-            <a:ext cx="2383581" cy="948354"/>
+            <a:off x="3487365" y="1859530"/>
+            <a:ext cx="2389332" cy="699953"/>
           </a:xfrm>
           <a:prstGeom prst="straightConnector1">
             <a:avLst/>
@@ -10977,7 +11305,7 @@
         </p:nvSpPr>
         <p:spPr>
           <a:xfrm>
-            <a:off x="2816192" y="5522865"/>
+            <a:off x="2810441" y="5274464"/>
             <a:ext cx="1338950" cy="276999"/>
           </a:xfrm>
           <a:prstGeom prst="rect">
@@ -11030,7 +11358,7 @@
         </p:nvSpPr>
         <p:spPr>
           <a:xfrm>
-            <a:off x="7416371" y="5487380"/>
+            <a:off x="7410620" y="5238979"/>
             <a:ext cx="1338950" cy="276999"/>
           </a:xfrm>
           <a:prstGeom prst="rect">
@@ -11083,7 +11411,7 @@
         </p:nvSpPr>
         <p:spPr>
           <a:xfrm>
-            <a:off x="2359811" y="2523976"/>
+            <a:off x="2354060" y="2275575"/>
             <a:ext cx="921352" cy="276999"/>
           </a:xfrm>
           <a:prstGeom prst="rect">
@@ -11285,7 +11613,7 @@
         </p:nvSpPr>
         <p:spPr>
           <a:xfrm>
-            <a:off x="2816192" y="5019811"/>
+            <a:off x="2810441" y="4771410"/>
             <a:ext cx="1338950" cy="276999"/>
           </a:xfrm>
           <a:prstGeom prst="rect">
@@ -11325,7 +11653,7 @@
         </p:nvSpPr>
         <p:spPr>
           <a:xfrm>
-            <a:off x="8533741" y="4985450"/>
+            <a:off x="8527990" y="4737049"/>
             <a:ext cx="1066310" cy="276999"/>
           </a:xfrm>
           <a:prstGeom prst="rect">
@@ -11368,7 +11696,7 @@
         </p:nvCxnSpPr>
         <p:spPr>
           <a:xfrm flipH="1">
-            <a:off x="3485667" y="4723191"/>
+            <a:off x="3479916" y="4474790"/>
             <a:ext cx="3155" cy="296620"/>
           </a:xfrm>
           <a:prstGeom prst="straightConnector1">
@@ -11413,7 +11741,7 @@
         </p:nvSpPr>
         <p:spPr>
           <a:xfrm>
-            <a:off x="2812481" y="3944070"/>
+            <a:off x="2806730" y="3695669"/>
             <a:ext cx="1338950" cy="276999"/>
           </a:xfrm>
           <a:prstGeom prst="rect">
@@ -11454,7 +11782,7 @@
         </p:nvSpPr>
         <p:spPr>
           <a:xfrm>
-            <a:off x="7416371" y="3944070"/>
+            <a:off x="7410620" y="3695669"/>
             <a:ext cx="1338950" cy="276999"/>
           </a:xfrm>
           <a:prstGeom prst="rect">
@@ -11495,7 +11823,7 @@
         </p:nvSpPr>
         <p:spPr>
           <a:xfrm>
-            <a:off x="4603811" y="3017284"/>
+            <a:off x="4598060" y="2768883"/>
             <a:ext cx="2518823" cy="276999"/>
           </a:xfrm>
           <a:prstGeom prst="rect">
@@ -11552,7 +11880,7 @@
         </p:nvCxnSpPr>
         <p:spPr>
           <a:xfrm>
-            <a:off x="4162591" y="2946996"/>
+            <a:off x="4156840" y="2698595"/>
             <a:ext cx="441220" cy="208788"/>
           </a:xfrm>
           <a:prstGeom prst="straightConnector1">
@@ -11594,7 +11922,7 @@
         </p:nvCxnSpPr>
         <p:spPr>
           <a:xfrm flipH="1">
-            <a:off x="7122634" y="2946996"/>
+            <a:off x="7116883" y="2698595"/>
             <a:ext cx="293738" cy="208788"/>
           </a:xfrm>
           <a:prstGeom prst="straightConnector1">
@@ -11635,7 +11963,7 @@
         </p:nvCxnSpPr>
         <p:spPr>
           <a:xfrm>
-            <a:off x="3470901" y="3086108"/>
+            <a:off x="3465150" y="2837707"/>
             <a:ext cx="4614945" cy="857962"/>
           </a:xfrm>
           <a:prstGeom prst="straightConnector1">
@@ -11677,7 +12005,7 @@
         </p:nvCxnSpPr>
         <p:spPr>
           <a:xfrm>
-            <a:off x="8085846" y="4221069"/>
+            <a:off x="8080095" y="3972668"/>
             <a:ext cx="0" cy="262452"/>
           </a:xfrm>
           <a:prstGeom prst="straightConnector1">
@@ -11719,7 +12047,7 @@
         </p:nvCxnSpPr>
         <p:spPr>
           <a:xfrm>
-            <a:off x="8085846" y="4760520"/>
+            <a:off x="8080095" y="4512119"/>
             <a:ext cx="0" cy="726860"/>
           </a:xfrm>
           <a:prstGeom prst="straightConnector1">
@@ -11761,7 +12089,7 @@
         </p:nvCxnSpPr>
         <p:spPr>
           <a:xfrm flipV="1">
-            <a:off x="3485667" y="5296810"/>
+            <a:off x="3479916" y="5048409"/>
             <a:ext cx="0" cy="226055"/>
           </a:xfrm>
           <a:prstGeom prst="straightConnector1">
@@ -11806,7 +12134,7 @@
         </p:nvSpPr>
         <p:spPr>
           <a:xfrm>
-            <a:off x="4495505" y="4260802"/>
+            <a:off x="4489754" y="4012401"/>
             <a:ext cx="2518823" cy="1569660"/>
           </a:xfrm>
           <a:prstGeom prst="rect">
@@ -11847,10 +12175,1909 @@
           </a:p>
         </p:txBody>
       </p:sp>
+      <p:sp>
+        <p:nvSpPr>
+          <p:cNvPr id="39" name="矩形 38">
+            <a:extLst>
+              <a:ext uri="{FF2B5EF4-FFF2-40B4-BE49-F238E27FC236}">
+                <a16:creationId xmlns:a16="http://schemas.microsoft.com/office/drawing/2014/main" id="{53EF9FA6-EF88-4AC1-B2F4-9E22A3393418}"/>
+              </a:ext>
+            </a:extLst>
+          </p:cNvPr>
+          <p:cNvSpPr/>
+          <p:nvPr/>
+        </p:nvSpPr>
+        <p:spPr>
+          <a:xfrm>
+            <a:off x="3476205" y="6088001"/>
+            <a:ext cx="1805795" cy="247289"/>
+          </a:xfrm>
+          <a:prstGeom prst="rect">
+            <a:avLst/>
+          </a:prstGeom>
+        </p:spPr>
+        <p:style>
+          <a:lnRef idx="2">
+            <a:schemeClr val="accent6"/>
+          </a:lnRef>
+          <a:fillRef idx="1">
+            <a:schemeClr val="lt1"/>
+          </a:fillRef>
+          <a:effectRef idx="0">
+            <a:schemeClr val="accent6"/>
+          </a:effectRef>
+          <a:fontRef idx="minor">
+            <a:schemeClr val="dk1"/>
+          </a:fontRef>
+        </p:style>
+        <p:txBody>
+          <a:bodyPr rtlCol="0" anchor="ctr"/>
+          <a:lstStyle/>
+          <a:p>
+            <a:pPr algn="ctr"/>
+            <a:r>
+              <a:rPr lang="en-US" altLang="zh-CN" sz="1200" dirty="0"/>
+              <a:t>DB leader in OS30</a:t>
+            </a:r>
+          </a:p>
+        </p:txBody>
+      </p:sp>
+      <p:sp>
+        <p:nvSpPr>
+          <p:cNvPr id="40" name="矩形 39">
+            <a:extLst>
+              <a:ext uri="{FF2B5EF4-FFF2-40B4-BE49-F238E27FC236}">
+                <a16:creationId xmlns:a16="http://schemas.microsoft.com/office/drawing/2014/main" id="{E54E41B0-3E61-4172-A2B3-2F81D92F9E69}"/>
+              </a:ext>
+            </a:extLst>
+          </p:cNvPr>
+          <p:cNvSpPr/>
+          <p:nvPr/>
+        </p:nvSpPr>
+        <p:spPr>
+          <a:xfrm>
+            <a:off x="5604825" y="6119193"/>
+            <a:ext cx="1805795" cy="247289"/>
+          </a:xfrm>
+          <a:prstGeom prst="rect">
+            <a:avLst/>
+          </a:prstGeom>
+        </p:spPr>
+        <p:style>
+          <a:lnRef idx="2">
+            <a:schemeClr val="accent6"/>
+          </a:lnRef>
+          <a:fillRef idx="1">
+            <a:schemeClr val="lt1"/>
+          </a:fillRef>
+          <a:effectRef idx="0">
+            <a:schemeClr val="accent6"/>
+          </a:effectRef>
+          <a:fontRef idx="minor">
+            <a:schemeClr val="dk1"/>
+          </a:fontRef>
+        </p:style>
+        <p:txBody>
+          <a:bodyPr rtlCol="0" anchor="ctr"/>
+          <a:lstStyle/>
+          <a:p>
+            <a:pPr algn="ctr"/>
+            <a:r>
+              <a:rPr lang="en-US" altLang="zh-CN" sz="1200" dirty="0"/>
+              <a:t>DB follow in SG52</a:t>
+            </a:r>
+          </a:p>
+        </p:txBody>
+      </p:sp>
+      <p:sp>
+        <p:nvSpPr>
+          <p:cNvPr id="45" name="矩形 44">
+            <a:extLst>
+              <a:ext uri="{FF2B5EF4-FFF2-40B4-BE49-F238E27FC236}">
+                <a16:creationId xmlns:a16="http://schemas.microsoft.com/office/drawing/2014/main" id="{8CD11FAD-27D0-4F3F-9DE2-1097216C60C4}"/>
+              </a:ext>
+            </a:extLst>
+          </p:cNvPr>
+          <p:cNvSpPr/>
+          <p:nvPr/>
+        </p:nvSpPr>
+        <p:spPr>
+          <a:xfrm>
+            <a:off x="4434673" y="6490821"/>
+            <a:ext cx="1805795" cy="247289"/>
+          </a:xfrm>
+          <a:prstGeom prst="rect">
+            <a:avLst/>
+          </a:prstGeom>
+        </p:spPr>
+        <p:style>
+          <a:lnRef idx="2">
+            <a:schemeClr val="accent6"/>
+          </a:lnRef>
+          <a:fillRef idx="1">
+            <a:schemeClr val="lt1"/>
+          </a:fillRef>
+          <a:effectRef idx="0">
+            <a:schemeClr val="accent6"/>
+          </a:effectRef>
+          <a:fontRef idx="minor">
+            <a:schemeClr val="dk1"/>
+          </a:fontRef>
+        </p:style>
+        <p:txBody>
+          <a:bodyPr rtlCol="0" anchor="ctr"/>
+          <a:lstStyle/>
+          <a:p>
+            <a:pPr algn="ctr"/>
+            <a:r>
+              <a:rPr lang="en-US" altLang="zh-CN" sz="1200" dirty="0"/>
+              <a:t>DB </a:t>
+            </a:r>
+            <a:r>
+              <a:rPr lang="en-US" altLang="zh-CN" sz="1200" dirty="0" err="1"/>
+              <a:t>binlong</a:t>
+            </a:r>
+            <a:r>
+              <a:rPr lang="en-US" altLang="zh-CN" sz="1200" dirty="0"/>
+              <a:t> in SG113</a:t>
+            </a:r>
+          </a:p>
+        </p:txBody>
+      </p:sp>
+      <p:cxnSp>
+        <p:nvCxnSpPr>
+          <p:cNvPr id="11" name="直接箭头连接符 10">
+            <a:extLst>
+              <a:ext uri="{FF2B5EF4-FFF2-40B4-BE49-F238E27FC236}">
+                <a16:creationId xmlns:a16="http://schemas.microsoft.com/office/drawing/2014/main" id="{A21BDFA9-CD15-4BEF-9746-4B9FED91E824}"/>
+              </a:ext>
+            </a:extLst>
+          </p:cNvPr>
+          <p:cNvCxnSpPr>
+            <a:endCxn id="3" idx="0"/>
+          </p:cNvCxnSpPr>
+          <p:nvPr/>
+        </p:nvCxnSpPr>
+        <p:spPr>
+          <a:xfrm flipH="1">
+            <a:off x="5382883" y="5515978"/>
+            <a:ext cx="2651185" cy="447750"/>
+          </a:xfrm>
+          <a:prstGeom prst="straightConnector1">
+            <a:avLst/>
+          </a:prstGeom>
+          <a:ln>
+            <a:tailEnd type="triangle"/>
+          </a:ln>
+        </p:spPr>
+        <p:style>
+          <a:lnRef idx="1">
+            <a:schemeClr val="accent1"/>
+          </a:lnRef>
+          <a:fillRef idx="0">
+            <a:schemeClr val="accent1"/>
+          </a:fillRef>
+          <a:effectRef idx="0">
+            <a:schemeClr val="accent1"/>
+          </a:effectRef>
+          <a:fontRef idx="minor">
+            <a:schemeClr val="tx1"/>
+          </a:fontRef>
+        </p:style>
+      </p:cxnSp>
+      <p:cxnSp>
+        <p:nvCxnSpPr>
+          <p:cNvPr id="16" name="直接箭头连接符 15">
+            <a:extLst>
+              <a:ext uri="{FF2B5EF4-FFF2-40B4-BE49-F238E27FC236}">
+                <a16:creationId xmlns:a16="http://schemas.microsoft.com/office/drawing/2014/main" id="{D35326A1-F9C7-48D8-AFB7-F3373BBA8BCB}"/>
+              </a:ext>
+            </a:extLst>
+          </p:cNvPr>
+          <p:cNvCxnSpPr>
+            <a:stCxn id="25" idx="2"/>
+            <a:endCxn id="3" idx="0"/>
+          </p:cNvCxnSpPr>
+          <p:nvPr/>
+        </p:nvCxnSpPr>
+        <p:spPr>
+          <a:xfrm>
+            <a:off x="3479916" y="5551463"/>
+            <a:ext cx="1902967" cy="412265"/>
+          </a:xfrm>
+          <a:prstGeom prst="straightConnector1">
+            <a:avLst/>
+          </a:prstGeom>
+          <a:ln w="9525" cap="flat" cmpd="sng" algn="ctr">
+            <a:solidFill>
+              <a:schemeClr val="accent2"/>
+            </a:solidFill>
+            <a:prstDash val="solid"/>
+            <a:round/>
+            <a:headEnd type="none" w="med" len="med"/>
+            <a:tailEnd type="arrow" w="med" len="med"/>
+          </a:ln>
+        </p:spPr>
+        <p:style>
+          <a:lnRef idx="0">
+            <a:scrgbClr r="0" g="0" b="0"/>
+          </a:lnRef>
+          <a:fillRef idx="0">
+            <a:scrgbClr r="0" g="0" b="0"/>
+          </a:fillRef>
+          <a:effectRef idx="0">
+            <a:scrgbClr r="0" g="0" b="0"/>
+          </a:effectRef>
+          <a:fontRef idx="minor">
+            <a:schemeClr val="tx1"/>
+          </a:fontRef>
+        </p:style>
+      </p:cxnSp>
     </p:spTree>
     <p:extLst>
       <p:ext uri="{BB962C8B-B14F-4D97-AF65-F5344CB8AC3E}">
         <p14:creationId xmlns:p14="http://schemas.microsoft.com/office/powerpoint/2010/main" val="1903048047"/>
+      </p:ext>
+    </p:extLst>
+  </p:cSld>
+  <p:clrMapOvr>
+    <a:masterClrMapping/>
+  </p:clrMapOvr>
+</p:sld>
+</file>
+
+<file path=ppt/slides/slide6.xml><?xml version="1.0" encoding="utf-8"?>
+<p:sld xmlns:a="http://schemas.openxmlformats.org/drawingml/2006/main" xmlns:r="http://schemas.openxmlformats.org/officeDocument/2006/relationships" xmlns:p="http://schemas.openxmlformats.org/presentationml/2006/main">
+  <p:cSld>
+    <p:spTree>
+      <p:nvGrpSpPr>
+        <p:cNvPr id="1" name=""/>
+        <p:cNvGrpSpPr/>
+        <p:nvPr/>
+      </p:nvGrpSpPr>
+      <p:grpSpPr>
+        <a:xfrm>
+          <a:off x="0" y="0"/>
+          <a:ext cx="0" cy="0"/>
+          <a:chOff x="0" y="0"/>
+          <a:chExt cx="0" cy="0"/>
+        </a:xfrm>
+      </p:grpSpPr>
+      <p:sp>
+        <p:nvSpPr>
+          <p:cNvPr id="4" name="笑脸 3">
+            <a:extLst>
+              <a:ext uri="{FF2B5EF4-FFF2-40B4-BE49-F238E27FC236}">
+                <a16:creationId xmlns:a16="http://schemas.microsoft.com/office/drawing/2014/main" id="{40427EF2-413F-427A-83BF-076EB83BC4B8}"/>
+              </a:ext>
+            </a:extLst>
+          </p:cNvPr>
+          <p:cNvSpPr/>
+          <p:nvPr/>
+        </p:nvSpPr>
+        <p:spPr>
+          <a:xfrm>
+            <a:off x="5198852" y="287547"/>
+            <a:ext cx="408317" cy="500332"/>
+          </a:xfrm>
+          <a:prstGeom prst="smileyFace">
+            <a:avLst/>
+          </a:prstGeom>
+        </p:spPr>
+        <p:style>
+          <a:lnRef idx="2">
+            <a:schemeClr val="accent1">
+              <a:shade val="50000"/>
+            </a:schemeClr>
+          </a:lnRef>
+          <a:fillRef idx="1">
+            <a:schemeClr val="accent1"/>
+          </a:fillRef>
+          <a:effectRef idx="0">
+            <a:schemeClr val="accent1"/>
+          </a:effectRef>
+          <a:fontRef idx="minor">
+            <a:schemeClr val="lt1"/>
+          </a:fontRef>
+        </p:style>
+        <p:txBody>
+          <a:bodyPr rtlCol="0" anchor="ctr"/>
+          <a:lstStyle/>
+          <a:p>
+            <a:pPr algn="ctr"/>
+            <a:endParaRPr lang="zh-CN" altLang="en-US"/>
+          </a:p>
+        </p:txBody>
+      </p:sp>
+      <p:sp>
+        <p:nvSpPr>
+          <p:cNvPr id="5" name="矩形 4">
+            <a:extLst>
+              <a:ext uri="{FF2B5EF4-FFF2-40B4-BE49-F238E27FC236}">
+                <a16:creationId xmlns:a16="http://schemas.microsoft.com/office/drawing/2014/main" id="{888CF1E6-EFC5-40FC-821F-AC2ECC3709EB}"/>
+              </a:ext>
+            </a:extLst>
+          </p:cNvPr>
+          <p:cNvSpPr/>
+          <p:nvPr/>
+        </p:nvSpPr>
+        <p:spPr>
+          <a:xfrm>
+            <a:off x="4566250" y="1000665"/>
+            <a:ext cx="1805795" cy="247289"/>
+          </a:xfrm>
+          <a:prstGeom prst="rect">
+            <a:avLst/>
+          </a:prstGeom>
+        </p:spPr>
+        <p:style>
+          <a:lnRef idx="2">
+            <a:schemeClr val="accent6"/>
+          </a:lnRef>
+          <a:fillRef idx="1">
+            <a:schemeClr val="lt1"/>
+          </a:fillRef>
+          <a:effectRef idx="0">
+            <a:schemeClr val="accent6"/>
+          </a:effectRef>
+          <a:fontRef idx="minor">
+            <a:schemeClr val="dk1"/>
+          </a:fontRef>
+        </p:style>
+        <p:txBody>
+          <a:bodyPr rtlCol="0" anchor="ctr"/>
+          <a:lstStyle/>
+          <a:p>
+            <a:pPr algn="ctr"/>
+            <a:r>
+              <a:rPr lang="en-US" altLang="zh-CN" sz="1200" dirty="0"/>
+              <a:t>CDN</a:t>
+            </a:r>
+            <a:r>
+              <a:rPr lang="zh-CN" altLang="en-US" sz="1200" dirty="0"/>
+              <a:t>动态加速</a:t>
+            </a:r>
+            <a:endParaRPr lang="en-US" altLang="zh-CN" sz="1200" dirty="0"/>
+          </a:p>
+        </p:txBody>
+      </p:sp>
+      <p:sp>
+        <p:nvSpPr>
+          <p:cNvPr id="6" name="矩形 5">
+            <a:extLst>
+              <a:ext uri="{FF2B5EF4-FFF2-40B4-BE49-F238E27FC236}">
+                <a16:creationId xmlns:a16="http://schemas.microsoft.com/office/drawing/2014/main" id="{FCCF6F0F-39C2-4015-8278-79244FB0FE66}"/>
+              </a:ext>
+            </a:extLst>
+          </p:cNvPr>
+          <p:cNvSpPr/>
+          <p:nvPr/>
+        </p:nvSpPr>
+        <p:spPr>
+          <a:xfrm>
+            <a:off x="1854681" y="1877684"/>
+            <a:ext cx="1805795" cy="247289"/>
+          </a:xfrm>
+          <a:prstGeom prst="rect">
+            <a:avLst/>
+          </a:prstGeom>
+        </p:spPr>
+        <p:style>
+          <a:lnRef idx="2">
+            <a:schemeClr val="accent6"/>
+          </a:lnRef>
+          <a:fillRef idx="1">
+            <a:schemeClr val="lt1"/>
+          </a:fillRef>
+          <a:effectRef idx="0">
+            <a:schemeClr val="accent6"/>
+          </a:effectRef>
+          <a:fontRef idx="minor">
+            <a:schemeClr val="dk1"/>
+          </a:fontRef>
+        </p:style>
+        <p:txBody>
+          <a:bodyPr rtlCol="0" anchor="ctr"/>
+          <a:lstStyle/>
+          <a:p>
+            <a:pPr algn="ctr"/>
+            <a:r>
+              <a:rPr lang="zh-CN" altLang="en-US" sz="1200" dirty="0"/>
+              <a:t>统一接入层</a:t>
+            </a:r>
+            <a:endParaRPr lang="en-US" altLang="zh-CN" sz="1200" dirty="0"/>
+          </a:p>
+        </p:txBody>
+      </p:sp>
+      <p:sp>
+        <p:nvSpPr>
+          <p:cNvPr id="7" name="矩形 6">
+            <a:extLst>
+              <a:ext uri="{FF2B5EF4-FFF2-40B4-BE49-F238E27FC236}">
+                <a16:creationId xmlns:a16="http://schemas.microsoft.com/office/drawing/2014/main" id="{52BC8E9A-4548-4DCA-A8E0-CB03C85E10CC}"/>
+              </a:ext>
+            </a:extLst>
+          </p:cNvPr>
+          <p:cNvSpPr/>
+          <p:nvPr/>
+        </p:nvSpPr>
+        <p:spPr>
+          <a:xfrm>
+            <a:off x="4566250" y="1877684"/>
+            <a:ext cx="1805795" cy="247289"/>
+          </a:xfrm>
+          <a:prstGeom prst="rect">
+            <a:avLst/>
+          </a:prstGeom>
+        </p:spPr>
+        <p:style>
+          <a:lnRef idx="2">
+            <a:schemeClr val="accent6"/>
+          </a:lnRef>
+          <a:fillRef idx="1">
+            <a:schemeClr val="lt1"/>
+          </a:fillRef>
+          <a:effectRef idx="0">
+            <a:schemeClr val="accent6"/>
+          </a:effectRef>
+          <a:fontRef idx="minor">
+            <a:schemeClr val="dk1"/>
+          </a:fontRef>
+        </p:style>
+        <p:txBody>
+          <a:bodyPr rtlCol="0" anchor="ctr"/>
+          <a:lstStyle/>
+          <a:p>
+            <a:pPr algn="ctr"/>
+            <a:r>
+              <a:rPr lang="zh-CN" altLang="en-US" sz="1200" dirty="0"/>
+              <a:t>统一接入层</a:t>
+            </a:r>
+            <a:endParaRPr lang="en-US" altLang="zh-CN" sz="1200" dirty="0"/>
+          </a:p>
+        </p:txBody>
+      </p:sp>
+      <p:sp>
+        <p:nvSpPr>
+          <p:cNvPr id="8" name="矩形 7">
+            <a:extLst>
+              <a:ext uri="{FF2B5EF4-FFF2-40B4-BE49-F238E27FC236}">
+                <a16:creationId xmlns:a16="http://schemas.microsoft.com/office/drawing/2014/main" id="{337CB4FE-1F7F-4D37-AF0F-557238EB6DC0}"/>
+              </a:ext>
+            </a:extLst>
+          </p:cNvPr>
+          <p:cNvSpPr/>
+          <p:nvPr/>
+        </p:nvSpPr>
+        <p:spPr>
+          <a:xfrm>
+            <a:off x="7372710" y="1877684"/>
+            <a:ext cx="1805795" cy="247289"/>
+          </a:xfrm>
+          <a:prstGeom prst="rect">
+            <a:avLst/>
+          </a:prstGeom>
+        </p:spPr>
+        <p:style>
+          <a:lnRef idx="2">
+            <a:schemeClr val="accent6"/>
+          </a:lnRef>
+          <a:fillRef idx="1">
+            <a:schemeClr val="lt1"/>
+          </a:fillRef>
+          <a:effectRef idx="0">
+            <a:schemeClr val="accent6"/>
+          </a:effectRef>
+          <a:fontRef idx="minor">
+            <a:schemeClr val="dk1"/>
+          </a:fontRef>
+        </p:style>
+        <p:txBody>
+          <a:bodyPr rtlCol="0" anchor="ctr"/>
+          <a:lstStyle/>
+          <a:p>
+            <a:pPr algn="ctr"/>
+            <a:r>
+              <a:rPr lang="zh-CN" altLang="en-US" sz="1200" dirty="0"/>
+              <a:t>统一接入层</a:t>
+            </a:r>
+            <a:endParaRPr lang="en-US" altLang="zh-CN" sz="1200" dirty="0"/>
+          </a:p>
+        </p:txBody>
+      </p:sp>
+      <p:sp>
+        <p:nvSpPr>
+          <p:cNvPr id="10" name="矩形 9">
+            <a:extLst>
+              <a:ext uri="{FF2B5EF4-FFF2-40B4-BE49-F238E27FC236}">
+                <a16:creationId xmlns:a16="http://schemas.microsoft.com/office/drawing/2014/main" id="{9C5C031D-591D-4D21-94A7-0DF465ADD412}"/>
+              </a:ext>
+            </a:extLst>
+          </p:cNvPr>
+          <p:cNvSpPr/>
+          <p:nvPr/>
+        </p:nvSpPr>
+        <p:spPr>
+          <a:xfrm>
+            <a:off x="1854680" y="3349925"/>
+            <a:ext cx="1805795" cy="247289"/>
+          </a:xfrm>
+          <a:prstGeom prst="rect">
+            <a:avLst/>
+          </a:prstGeom>
+        </p:spPr>
+        <p:style>
+          <a:lnRef idx="2">
+            <a:schemeClr val="accent6"/>
+          </a:lnRef>
+          <a:fillRef idx="1">
+            <a:schemeClr val="lt1"/>
+          </a:fillRef>
+          <a:effectRef idx="0">
+            <a:schemeClr val="accent6"/>
+          </a:effectRef>
+          <a:fontRef idx="minor">
+            <a:schemeClr val="dk1"/>
+          </a:fontRef>
+        </p:style>
+        <p:txBody>
+          <a:bodyPr rtlCol="0" anchor="ctr"/>
+          <a:lstStyle/>
+          <a:p>
+            <a:pPr algn="ctr"/>
+            <a:r>
+              <a:rPr lang="zh-CN" altLang="en-US" sz="1200" dirty="0"/>
+              <a:t>导购搜索</a:t>
+            </a:r>
+            <a:endParaRPr lang="en-US" altLang="zh-CN" sz="1200" dirty="0"/>
+          </a:p>
+        </p:txBody>
+      </p:sp>
+      <p:sp>
+        <p:nvSpPr>
+          <p:cNvPr id="11" name="矩形 10">
+            <a:extLst>
+              <a:ext uri="{FF2B5EF4-FFF2-40B4-BE49-F238E27FC236}">
+                <a16:creationId xmlns:a16="http://schemas.microsoft.com/office/drawing/2014/main" id="{7B352EDC-FABA-4EC7-88E5-C5A95F0FB73C}"/>
+              </a:ext>
+            </a:extLst>
+          </p:cNvPr>
+          <p:cNvSpPr/>
+          <p:nvPr/>
+        </p:nvSpPr>
+        <p:spPr>
+          <a:xfrm>
+            <a:off x="4566248" y="3413185"/>
+            <a:ext cx="1805795" cy="247289"/>
+          </a:xfrm>
+          <a:prstGeom prst="rect">
+            <a:avLst/>
+          </a:prstGeom>
+        </p:spPr>
+        <p:style>
+          <a:lnRef idx="2">
+            <a:schemeClr val="accent6"/>
+          </a:lnRef>
+          <a:fillRef idx="1">
+            <a:schemeClr val="lt1"/>
+          </a:fillRef>
+          <a:effectRef idx="0">
+            <a:schemeClr val="accent6"/>
+          </a:effectRef>
+          <a:fontRef idx="minor">
+            <a:schemeClr val="dk1"/>
+          </a:fontRef>
+        </p:style>
+        <p:txBody>
+          <a:bodyPr rtlCol="0" anchor="ctr"/>
+          <a:lstStyle/>
+          <a:p>
+            <a:pPr algn="ctr"/>
+            <a:r>
+              <a:rPr lang="zh-CN" altLang="en-US" sz="1200" dirty="0"/>
+              <a:t>导购搜索</a:t>
+            </a:r>
+            <a:endParaRPr lang="en-US" altLang="zh-CN" sz="1200" dirty="0"/>
+          </a:p>
+        </p:txBody>
+      </p:sp>
+      <p:sp>
+        <p:nvSpPr>
+          <p:cNvPr id="12" name="矩形 11">
+            <a:extLst>
+              <a:ext uri="{FF2B5EF4-FFF2-40B4-BE49-F238E27FC236}">
+                <a16:creationId xmlns:a16="http://schemas.microsoft.com/office/drawing/2014/main" id="{CA000967-222C-4E18-B68A-70BB49C21CE4}"/>
+              </a:ext>
+            </a:extLst>
+          </p:cNvPr>
+          <p:cNvSpPr/>
+          <p:nvPr/>
+        </p:nvSpPr>
+        <p:spPr>
+          <a:xfrm>
+            <a:off x="7372708" y="3429000"/>
+            <a:ext cx="1805795" cy="247289"/>
+          </a:xfrm>
+          <a:prstGeom prst="rect">
+            <a:avLst/>
+          </a:prstGeom>
+        </p:spPr>
+        <p:style>
+          <a:lnRef idx="2">
+            <a:schemeClr val="accent6"/>
+          </a:lnRef>
+          <a:fillRef idx="1">
+            <a:schemeClr val="lt1"/>
+          </a:fillRef>
+          <a:effectRef idx="0">
+            <a:schemeClr val="accent6"/>
+          </a:effectRef>
+          <a:fontRef idx="minor">
+            <a:schemeClr val="dk1"/>
+          </a:fontRef>
+        </p:style>
+        <p:txBody>
+          <a:bodyPr rtlCol="0" anchor="ctr"/>
+          <a:lstStyle/>
+          <a:p>
+            <a:pPr algn="ctr"/>
+            <a:r>
+              <a:rPr lang="zh-CN" altLang="en-US" sz="1200" dirty="0"/>
+              <a:t>导购搜索</a:t>
+            </a:r>
+            <a:endParaRPr lang="en-US" altLang="zh-CN" sz="1200" dirty="0"/>
+          </a:p>
+        </p:txBody>
+      </p:sp>
+      <p:sp>
+        <p:nvSpPr>
+          <p:cNvPr id="13" name="矩形 12">
+            <a:extLst>
+              <a:ext uri="{FF2B5EF4-FFF2-40B4-BE49-F238E27FC236}">
+                <a16:creationId xmlns:a16="http://schemas.microsoft.com/office/drawing/2014/main" id="{F1F5843F-54E4-4C2D-BC87-071EA98EF4B6}"/>
+              </a:ext>
+            </a:extLst>
+          </p:cNvPr>
+          <p:cNvSpPr/>
+          <p:nvPr/>
+        </p:nvSpPr>
+        <p:spPr>
+          <a:xfrm>
+            <a:off x="1854680" y="3850257"/>
+            <a:ext cx="1805795" cy="247289"/>
+          </a:xfrm>
+          <a:prstGeom prst="rect">
+            <a:avLst/>
+          </a:prstGeom>
+        </p:spPr>
+        <p:style>
+          <a:lnRef idx="2">
+            <a:schemeClr val="accent6"/>
+          </a:lnRef>
+          <a:fillRef idx="1">
+            <a:schemeClr val="lt1"/>
+          </a:fillRef>
+          <a:effectRef idx="0">
+            <a:schemeClr val="accent6"/>
+          </a:effectRef>
+          <a:fontRef idx="minor">
+            <a:schemeClr val="dk1"/>
+          </a:fontRef>
+        </p:style>
+        <p:txBody>
+          <a:bodyPr rtlCol="0" anchor="ctr"/>
+          <a:lstStyle/>
+          <a:p>
+            <a:pPr algn="ctr"/>
+            <a:r>
+              <a:rPr lang="zh-CN" altLang="en-US" sz="1200" dirty="0"/>
+              <a:t>交易</a:t>
+            </a:r>
+            <a:endParaRPr lang="en-US" altLang="zh-CN" sz="1200" dirty="0"/>
+          </a:p>
+        </p:txBody>
+      </p:sp>
+      <p:sp>
+        <p:nvSpPr>
+          <p:cNvPr id="14" name="矩形 13">
+            <a:extLst>
+              <a:ext uri="{FF2B5EF4-FFF2-40B4-BE49-F238E27FC236}">
+                <a16:creationId xmlns:a16="http://schemas.microsoft.com/office/drawing/2014/main" id="{ADF6FC50-461A-4F79-904B-3B53BE1AB9CB}"/>
+              </a:ext>
+            </a:extLst>
+          </p:cNvPr>
+          <p:cNvSpPr/>
+          <p:nvPr/>
+        </p:nvSpPr>
+        <p:spPr>
+          <a:xfrm>
+            <a:off x="4566249" y="3919267"/>
+            <a:ext cx="1805795" cy="247289"/>
+          </a:xfrm>
+          <a:prstGeom prst="rect">
+            <a:avLst/>
+          </a:prstGeom>
+        </p:spPr>
+        <p:style>
+          <a:lnRef idx="2">
+            <a:schemeClr val="accent6"/>
+          </a:lnRef>
+          <a:fillRef idx="1">
+            <a:schemeClr val="lt1"/>
+          </a:fillRef>
+          <a:effectRef idx="0">
+            <a:schemeClr val="accent6"/>
+          </a:effectRef>
+          <a:fontRef idx="minor">
+            <a:schemeClr val="dk1"/>
+          </a:fontRef>
+        </p:style>
+        <p:txBody>
+          <a:bodyPr rtlCol="0" anchor="ctr"/>
+          <a:lstStyle/>
+          <a:p>
+            <a:pPr algn="ctr"/>
+            <a:r>
+              <a:rPr lang="zh-CN" altLang="en-US" sz="1200" dirty="0"/>
+              <a:t>交易</a:t>
+            </a:r>
+            <a:endParaRPr lang="en-US" altLang="zh-CN" sz="1200" dirty="0"/>
+          </a:p>
+        </p:txBody>
+      </p:sp>
+      <p:sp>
+        <p:nvSpPr>
+          <p:cNvPr id="15" name="矩形 14">
+            <a:extLst>
+              <a:ext uri="{FF2B5EF4-FFF2-40B4-BE49-F238E27FC236}">
+                <a16:creationId xmlns:a16="http://schemas.microsoft.com/office/drawing/2014/main" id="{D7AF5165-5237-49FD-89EE-254BEF8337FE}"/>
+              </a:ext>
+            </a:extLst>
+          </p:cNvPr>
+          <p:cNvSpPr/>
+          <p:nvPr/>
+        </p:nvSpPr>
+        <p:spPr>
+          <a:xfrm>
+            <a:off x="7372709" y="3919266"/>
+            <a:ext cx="1805795" cy="247289"/>
+          </a:xfrm>
+          <a:prstGeom prst="rect">
+            <a:avLst/>
+          </a:prstGeom>
+        </p:spPr>
+        <p:style>
+          <a:lnRef idx="2">
+            <a:schemeClr val="accent6"/>
+          </a:lnRef>
+          <a:fillRef idx="1">
+            <a:schemeClr val="lt1"/>
+          </a:fillRef>
+          <a:effectRef idx="0">
+            <a:schemeClr val="accent6"/>
+          </a:effectRef>
+          <a:fontRef idx="minor">
+            <a:schemeClr val="dk1"/>
+          </a:fontRef>
+        </p:style>
+        <p:txBody>
+          <a:bodyPr rtlCol="0" anchor="ctr"/>
+          <a:lstStyle/>
+          <a:p>
+            <a:pPr algn="ctr"/>
+            <a:r>
+              <a:rPr lang="zh-CN" altLang="en-US" sz="1200" dirty="0"/>
+              <a:t>交易</a:t>
+            </a:r>
+            <a:endParaRPr lang="en-US" altLang="zh-CN" sz="1200" dirty="0"/>
+          </a:p>
+        </p:txBody>
+      </p:sp>
+      <p:sp>
+        <p:nvSpPr>
+          <p:cNvPr id="16" name="矩形 15">
+            <a:extLst>
+              <a:ext uri="{FF2B5EF4-FFF2-40B4-BE49-F238E27FC236}">
+                <a16:creationId xmlns:a16="http://schemas.microsoft.com/office/drawing/2014/main" id="{332C73EB-8450-4E85-9EF3-1EC159162152}"/>
+              </a:ext>
+            </a:extLst>
+          </p:cNvPr>
+          <p:cNvSpPr/>
+          <p:nvPr/>
+        </p:nvSpPr>
+        <p:spPr>
+          <a:xfrm>
+            <a:off x="7372706" y="2373705"/>
+            <a:ext cx="1805795" cy="247289"/>
+          </a:xfrm>
+          <a:prstGeom prst="rect">
+            <a:avLst/>
+          </a:prstGeom>
+        </p:spPr>
+        <p:style>
+          <a:lnRef idx="2">
+            <a:schemeClr val="accent6"/>
+          </a:lnRef>
+          <a:fillRef idx="1">
+            <a:schemeClr val="lt1"/>
+          </a:fillRef>
+          <a:effectRef idx="0">
+            <a:schemeClr val="accent6"/>
+          </a:effectRef>
+          <a:fontRef idx="minor">
+            <a:schemeClr val="dk1"/>
+          </a:fontRef>
+        </p:style>
+        <p:txBody>
+          <a:bodyPr rtlCol="0" anchor="ctr"/>
+          <a:lstStyle/>
+          <a:p>
+            <a:pPr algn="ctr"/>
+            <a:r>
+              <a:rPr lang="zh-CN" altLang="en-US" sz="1200" dirty="0"/>
+              <a:t>区域化路由层</a:t>
+            </a:r>
+            <a:endParaRPr lang="en-US" altLang="zh-CN" sz="1200" dirty="0"/>
+          </a:p>
+        </p:txBody>
+      </p:sp>
+      <p:sp>
+        <p:nvSpPr>
+          <p:cNvPr id="17" name="矩形 16">
+            <a:extLst>
+              <a:ext uri="{FF2B5EF4-FFF2-40B4-BE49-F238E27FC236}">
+                <a16:creationId xmlns:a16="http://schemas.microsoft.com/office/drawing/2014/main" id="{A7B21C8C-ABBE-4460-9643-57921AB429E1}"/>
+              </a:ext>
+            </a:extLst>
+          </p:cNvPr>
+          <p:cNvSpPr/>
+          <p:nvPr/>
+        </p:nvSpPr>
+        <p:spPr>
+          <a:xfrm>
+            <a:off x="4566246" y="2373706"/>
+            <a:ext cx="1805795" cy="247289"/>
+          </a:xfrm>
+          <a:prstGeom prst="rect">
+            <a:avLst/>
+          </a:prstGeom>
+        </p:spPr>
+        <p:style>
+          <a:lnRef idx="2">
+            <a:schemeClr val="accent6"/>
+          </a:lnRef>
+          <a:fillRef idx="1">
+            <a:schemeClr val="lt1"/>
+          </a:fillRef>
+          <a:effectRef idx="0">
+            <a:schemeClr val="accent6"/>
+          </a:effectRef>
+          <a:fontRef idx="minor">
+            <a:schemeClr val="dk1"/>
+          </a:fontRef>
+        </p:style>
+        <p:txBody>
+          <a:bodyPr rtlCol="0" anchor="ctr"/>
+          <a:lstStyle/>
+          <a:p>
+            <a:pPr algn="ctr"/>
+            <a:r>
+              <a:rPr lang="zh-CN" altLang="en-US" sz="1200" dirty="0"/>
+              <a:t>区域化路由层</a:t>
+            </a:r>
+            <a:endParaRPr lang="en-US" altLang="zh-CN" sz="1200" dirty="0"/>
+          </a:p>
+        </p:txBody>
+      </p:sp>
+      <p:sp>
+        <p:nvSpPr>
+          <p:cNvPr id="18" name="矩形 17">
+            <a:extLst>
+              <a:ext uri="{FF2B5EF4-FFF2-40B4-BE49-F238E27FC236}">
+                <a16:creationId xmlns:a16="http://schemas.microsoft.com/office/drawing/2014/main" id="{FCA19D50-3429-45B4-9A7F-D46246116082}"/>
+              </a:ext>
+            </a:extLst>
+          </p:cNvPr>
+          <p:cNvSpPr/>
+          <p:nvPr/>
+        </p:nvSpPr>
+        <p:spPr>
+          <a:xfrm>
+            <a:off x="1854680" y="2378016"/>
+            <a:ext cx="1805795" cy="247289"/>
+          </a:xfrm>
+          <a:prstGeom prst="rect">
+            <a:avLst/>
+          </a:prstGeom>
+        </p:spPr>
+        <p:style>
+          <a:lnRef idx="2">
+            <a:schemeClr val="accent6"/>
+          </a:lnRef>
+          <a:fillRef idx="1">
+            <a:schemeClr val="lt1"/>
+          </a:fillRef>
+          <a:effectRef idx="0">
+            <a:schemeClr val="accent6"/>
+          </a:effectRef>
+          <a:fontRef idx="minor">
+            <a:schemeClr val="dk1"/>
+          </a:fontRef>
+        </p:style>
+        <p:txBody>
+          <a:bodyPr rtlCol="0" anchor="ctr"/>
+          <a:lstStyle/>
+          <a:p>
+            <a:pPr algn="ctr"/>
+            <a:r>
+              <a:rPr lang="zh-CN" altLang="en-US" sz="1200" dirty="0"/>
+              <a:t>区域化路由层</a:t>
+            </a:r>
+            <a:endParaRPr lang="en-US" altLang="zh-CN" sz="1200" dirty="0"/>
+          </a:p>
+        </p:txBody>
+      </p:sp>
+      <p:sp>
+        <p:nvSpPr>
+          <p:cNvPr id="19" name="矩形 18">
+            <a:extLst>
+              <a:ext uri="{FF2B5EF4-FFF2-40B4-BE49-F238E27FC236}">
+                <a16:creationId xmlns:a16="http://schemas.microsoft.com/office/drawing/2014/main" id="{076222BF-81AC-49D4-9886-813209AE90D0}"/>
+              </a:ext>
+            </a:extLst>
+          </p:cNvPr>
+          <p:cNvSpPr/>
+          <p:nvPr/>
+        </p:nvSpPr>
+        <p:spPr>
+          <a:xfrm>
+            <a:off x="1846053" y="2790647"/>
+            <a:ext cx="1805795" cy="247289"/>
+          </a:xfrm>
+          <a:prstGeom prst="rect">
+            <a:avLst/>
+          </a:prstGeom>
+        </p:spPr>
+        <p:style>
+          <a:lnRef idx="2">
+            <a:schemeClr val="accent6"/>
+          </a:lnRef>
+          <a:fillRef idx="1">
+            <a:schemeClr val="lt1"/>
+          </a:fillRef>
+          <a:effectRef idx="0">
+            <a:schemeClr val="accent6"/>
+          </a:effectRef>
+          <a:fontRef idx="minor">
+            <a:schemeClr val="dk1"/>
+          </a:fontRef>
+        </p:style>
+        <p:txBody>
+          <a:bodyPr rtlCol="0" anchor="ctr"/>
+          <a:lstStyle/>
+          <a:p>
+            <a:pPr algn="ctr"/>
+            <a:r>
+              <a:rPr lang="zh-CN" altLang="en-US" sz="1200" dirty="0"/>
+              <a:t>服务发现</a:t>
+            </a:r>
+            <a:r>
+              <a:rPr lang="en-US" altLang="zh-CN" sz="1200" dirty="0"/>
+              <a:t>HSF</a:t>
+            </a:r>
+          </a:p>
+        </p:txBody>
+      </p:sp>
+      <p:sp>
+        <p:nvSpPr>
+          <p:cNvPr id="20" name="矩形 19">
+            <a:extLst>
+              <a:ext uri="{FF2B5EF4-FFF2-40B4-BE49-F238E27FC236}">
+                <a16:creationId xmlns:a16="http://schemas.microsoft.com/office/drawing/2014/main" id="{4F29CF1F-5675-4A13-B3B8-2C12B8D9AE75}"/>
+              </a:ext>
+            </a:extLst>
+          </p:cNvPr>
+          <p:cNvSpPr/>
+          <p:nvPr/>
+        </p:nvSpPr>
+        <p:spPr>
+          <a:xfrm>
+            <a:off x="4566248" y="2790647"/>
+            <a:ext cx="1805795" cy="247289"/>
+          </a:xfrm>
+          <a:prstGeom prst="rect">
+            <a:avLst/>
+          </a:prstGeom>
+        </p:spPr>
+        <p:style>
+          <a:lnRef idx="2">
+            <a:schemeClr val="accent6"/>
+          </a:lnRef>
+          <a:fillRef idx="1">
+            <a:schemeClr val="lt1"/>
+          </a:fillRef>
+          <a:effectRef idx="0">
+            <a:schemeClr val="accent6"/>
+          </a:effectRef>
+          <a:fontRef idx="minor">
+            <a:schemeClr val="dk1"/>
+          </a:fontRef>
+        </p:style>
+        <p:txBody>
+          <a:bodyPr rtlCol="0" anchor="ctr"/>
+          <a:lstStyle/>
+          <a:p>
+            <a:pPr algn="ctr"/>
+            <a:r>
+              <a:rPr lang="zh-CN" altLang="en-US" sz="1200" dirty="0"/>
+              <a:t>服务发现</a:t>
+            </a:r>
+            <a:r>
+              <a:rPr lang="en-US" altLang="zh-CN" sz="1200" dirty="0"/>
+              <a:t>HSF</a:t>
+            </a:r>
+          </a:p>
+        </p:txBody>
+      </p:sp>
+      <p:sp>
+        <p:nvSpPr>
+          <p:cNvPr id="21" name="矩形 20">
+            <a:extLst>
+              <a:ext uri="{FF2B5EF4-FFF2-40B4-BE49-F238E27FC236}">
+                <a16:creationId xmlns:a16="http://schemas.microsoft.com/office/drawing/2014/main" id="{0F9FC9F7-ECC6-4E5F-BC54-6DA2A219A012}"/>
+              </a:ext>
+            </a:extLst>
+          </p:cNvPr>
+          <p:cNvSpPr/>
+          <p:nvPr/>
+        </p:nvSpPr>
+        <p:spPr>
+          <a:xfrm>
+            <a:off x="7372708" y="2790647"/>
+            <a:ext cx="1805795" cy="247289"/>
+          </a:xfrm>
+          <a:prstGeom prst="rect">
+            <a:avLst/>
+          </a:prstGeom>
+        </p:spPr>
+        <p:style>
+          <a:lnRef idx="2">
+            <a:schemeClr val="accent6"/>
+          </a:lnRef>
+          <a:fillRef idx="1">
+            <a:schemeClr val="lt1"/>
+          </a:fillRef>
+          <a:effectRef idx="0">
+            <a:schemeClr val="accent6"/>
+          </a:effectRef>
+          <a:fontRef idx="minor">
+            <a:schemeClr val="dk1"/>
+          </a:fontRef>
+        </p:style>
+        <p:txBody>
+          <a:bodyPr rtlCol="0" anchor="ctr"/>
+          <a:lstStyle/>
+          <a:p>
+            <a:pPr algn="ctr"/>
+            <a:r>
+              <a:rPr lang="zh-CN" altLang="en-US" sz="1200" dirty="0"/>
+              <a:t>服务发现</a:t>
+            </a:r>
+            <a:r>
+              <a:rPr lang="en-US" altLang="zh-CN" sz="1200" dirty="0"/>
+              <a:t>HSF</a:t>
+            </a:r>
+          </a:p>
+        </p:txBody>
+      </p:sp>
+      <p:sp>
+        <p:nvSpPr>
+          <p:cNvPr id="22" name="矩形 21">
+            <a:extLst>
+              <a:ext uri="{FF2B5EF4-FFF2-40B4-BE49-F238E27FC236}">
+                <a16:creationId xmlns:a16="http://schemas.microsoft.com/office/drawing/2014/main" id="{B1D8BAD4-0889-4A51-B726-CD39B0859CDF}"/>
+              </a:ext>
+            </a:extLst>
+          </p:cNvPr>
+          <p:cNvSpPr/>
+          <p:nvPr/>
+        </p:nvSpPr>
+        <p:spPr>
+          <a:xfrm>
+            <a:off x="1846052" y="4350589"/>
+            <a:ext cx="1805795" cy="247289"/>
+          </a:xfrm>
+          <a:prstGeom prst="rect">
+            <a:avLst/>
+          </a:prstGeom>
+        </p:spPr>
+        <p:style>
+          <a:lnRef idx="2">
+            <a:schemeClr val="accent6"/>
+          </a:lnRef>
+          <a:fillRef idx="1">
+            <a:schemeClr val="lt1"/>
+          </a:fillRef>
+          <a:effectRef idx="0">
+            <a:schemeClr val="accent6"/>
+          </a:effectRef>
+          <a:fontRef idx="minor">
+            <a:schemeClr val="dk1"/>
+          </a:fontRef>
+        </p:style>
+        <p:txBody>
+          <a:bodyPr rtlCol="0" anchor="ctr"/>
+          <a:lstStyle/>
+          <a:p>
+            <a:pPr algn="ctr"/>
+            <a:r>
+              <a:rPr lang="zh-CN" altLang="en-US" sz="1200" dirty="0"/>
+              <a:t>支付</a:t>
+            </a:r>
+            <a:endParaRPr lang="en-US" altLang="zh-CN" sz="1200" dirty="0"/>
+          </a:p>
+        </p:txBody>
+      </p:sp>
+      <p:sp>
+        <p:nvSpPr>
+          <p:cNvPr id="23" name="矩形 22">
+            <a:extLst>
+              <a:ext uri="{FF2B5EF4-FFF2-40B4-BE49-F238E27FC236}">
+                <a16:creationId xmlns:a16="http://schemas.microsoft.com/office/drawing/2014/main" id="{0925603C-935A-4A5E-8C73-19C1F5F63A61}"/>
+              </a:ext>
+            </a:extLst>
+          </p:cNvPr>
+          <p:cNvSpPr/>
+          <p:nvPr/>
+        </p:nvSpPr>
+        <p:spPr>
+          <a:xfrm>
+            <a:off x="4566247" y="4405222"/>
+            <a:ext cx="1805795" cy="247289"/>
+          </a:xfrm>
+          <a:prstGeom prst="rect">
+            <a:avLst/>
+          </a:prstGeom>
+        </p:spPr>
+        <p:style>
+          <a:lnRef idx="2">
+            <a:schemeClr val="accent6"/>
+          </a:lnRef>
+          <a:fillRef idx="1">
+            <a:schemeClr val="lt1"/>
+          </a:fillRef>
+          <a:effectRef idx="0">
+            <a:schemeClr val="accent6"/>
+          </a:effectRef>
+          <a:fontRef idx="minor">
+            <a:schemeClr val="dk1"/>
+          </a:fontRef>
+        </p:style>
+        <p:txBody>
+          <a:bodyPr rtlCol="0" anchor="ctr"/>
+          <a:lstStyle/>
+          <a:p>
+            <a:pPr algn="ctr"/>
+            <a:r>
+              <a:rPr lang="zh-CN" altLang="en-US" sz="1200" dirty="0"/>
+              <a:t>支付</a:t>
+            </a:r>
+            <a:endParaRPr lang="en-US" altLang="zh-CN" sz="1200" dirty="0"/>
+          </a:p>
+        </p:txBody>
+      </p:sp>
+      <p:sp>
+        <p:nvSpPr>
+          <p:cNvPr id="24" name="矩形 23">
+            <a:extLst>
+              <a:ext uri="{FF2B5EF4-FFF2-40B4-BE49-F238E27FC236}">
+                <a16:creationId xmlns:a16="http://schemas.microsoft.com/office/drawing/2014/main" id="{1A74085B-3997-4B01-B095-2681654BC850}"/>
+              </a:ext>
+            </a:extLst>
+          </p:cNvPr>
+          <p:cNvSpPr/>
+          <p:nvPr/>
+        </p:nvSpPr>
+        <p:spPr>
+          <a:xfrm>
+            <a:off x="7372708" y="4405221"/>
+            <a:ext cx="1805795" cy="247289"/>
+          </a:xfrm>
+          <a:prstGeom prst="rect">
+            <a:avLst/>
+          </a:prstGeom>
+        </p:spPr>
+        <p:style>
+          <a:lnRef idx="2">
+            <a:schemeClr val="accent6"/>
+          </a:lnRef>
+          <a:fillRef idx="1">
+            <a:schemeClr val="lt1"/>
+          </a:fillRef>
+          <a:effectRef idx="0">
+            <a:schemeClr val="accent6"/>
+          </a:effectRef>
+          <a:fontRef idx="minor">
+            <a:schemeClr val="dk1"/>
+          </a:fontRef>
+        </p:style>
+        <p:txBody>
+          <a:bodyPr rtlCol="0" anchor="ctr"/>
+          <a:lstStyle/>
+          <a:p>
+            <a:pPr algn="ctr"/>
+            <a:r>
+              <a:rPr lang="zh-CN" altLang="en-US" sz="1200" dirty="0"/>
+              <a:t>支付</a:t>
+            </a:r>
+            <a:endParaRPr lang="en-US" altLang="zh-CN" sz="1200" dirty="0"/>
+          </a:p>
+        </p:txBody>
+      </p:sp>
+      <p:sp>
+        <p:nvSpPr>
+          <p:cNvPr id="25" name="矩形 24">
+            <a:extLst>
+              <a:ext uri="{FF2B5EF4-FFF2-40B4-BE49-F238E27FC236}">
+                <a16:creationId xmlns:a16="http://schemas.microsoft.com/office/drawing/2014/main" id="{DD32D54F-5CF8-4D2A-880C-5AB85BC9538D}"/>
+              </a:ext>
+            </a:extLst>
+          </p:cNvPr>
+          <p:cNvSpPr/>
+          <p:nvPr/>
+        </p:nvSpPr>
+        <p:spPr>
+          <a:xfrm>
+            <a:off x="4566247" y="4904115"/>
+            <a:ext cx="1805795" cy="247289"/>
+          </a:xfrm>
+          <a:prstGeom prst="rect">
+            <a:avLst/>
+          </a:prstGeom>
+        </p:spPr>
+        <p:style>
+          <a:lnRef idx="2">
+            <a:schemeClr val="accent6"/>
+          </a:lnRef>
+          <a:fillRef idx="1">
+            <a:schemeClr val="lt1"/>
+          </a:fillRef>
+          <a:effectRef idx="0">
+            <a:schemeClr val="accent6"/>
+          </a:effectRef>
+          <a:fontRef idx="minor">
+            <a:schemeClr val="dk1"/>
+          </a:fontRef>
+        </p:style>
+        <p:txBody>
+          <a:bodyPr rtlCol="0" anchor="ctr"/>
+          <a:lstStyle/>
+          <a:p>
+            <a:pPr algn="ctr"/>
+            <a:r>
+              <a:rPr lang="zh-CN" altLang="en-US" sz="1200" dirty="0"/>
+              <a:t>库存</a:t>
+            </a:r>
+            <a:r>
+              <a:rPr lang="en-US" altLang="zh-CN" sz="1200" dirty="0"/>
+              <a:t>/</a:t>
+            </a:r>
+            <a:r>
+              <a:rPr lang="zh-CN" altLang="en-US" sz="1200" dirty="0"/>
+              <a:t>优惠</a:t>
+            </a:r>
+            <a:endParaRPr lang="en-US" altLang="zh-CN" sz="1200" dirty="0"/>
+          </a:p>
+        </p:txBody>
+      </p:sp>
+      <p:sp>
+        <p:nvSpPr>
+          <p:cNvPr id="26" name="矩形 25">
+            <a:extLst>
+              <a:ext uri="{FF2B5EF4-FFF2-40B4-BE49-F238E27FC236}">
+                <a16:creationId xmlns:a16="http://schemas.microsoft.com/office/drawing/2014/main" id="{57F0070C-38B1-44D0-B528-F83379A542EA}"/>
+              </a:ext>
+            </a:extLst>
+          </p:cNvPr>
+          <p:cNvSpPr/>
+          <p:nvPr/>
+        </p:nvSpPr>
+        <p:spPr>
+          <a:xfrm>
+            <a:off x="1854680" y="4850921"/>
+            <a:ext cx="1805795" cy="247289"/>
+          </a:xfrm>
+          <a:prstGeom prst="rect">
+            <a:avLst/>
+          </a:prstGeom>
+        </p:spPr>
+        <p:style>
+          <a:lnRef idx="2">
+            <a:schemeClr val="accent6"/>
+          </a:lnRef>
+          <a:fillRef idx="1">
+            <a:schemeClr val="lt1"/>
+          </a:fillRef>
+          <a:effectRef idx="0">
+            <a:schemeClr val="accent6"/>
+          </a:effectRef>
+          <a:fontRef idx="minor">
+            <a:schemeClr val="dk1"/>
+          </a:fontRef>
+        </p:style>
+        <p:txBody>
+          <a:bodyPr rtlCol="0" anchor="ctr"/>
+          <a:lstStyle/>
+          <a:p>
+            <a:pPr algn="ctr"/>
+            <a:r>
+              <a:rPr lang="zh-CN" altLang="en-US" sz="1200" dirty="0"/>
+              <a:t>库存</a:t>
+            </a:r>
+            <a:r>
+              <a:rPr lang="en-US" altLang="zh-CN" sz="1200" dirty="0"/>
+              <a:t>/</a:t>
+            </a:r>
+            <a:r>
+              <a:rPr lang="zh-CN" altLang="en-US" sz="1200" dirty="0"/>
+              <a:t>优惠</a:t>
+            </a:r>
+            <a:endParaRPr lang="en-US" altLang="zh-CN" sz="1200" dirty="0"/>
+          </a:p>
+        </p:txBody>
+      </p:sp>
+      <p:sp>
+        <p:nvSpPr>
+          <p:cNvPr id="27" name="矩形 26">
+            <a:extLst>
+              <a:ext uri="{FF2B5EF4-FFF2-40B4-BE49-F238E27FC236}">
+                <a16:creationId xmlns:a16="http://schemas.microsoft.com/office/drawing/2014/main" id="{FCA2FF62-BB44-4F83-A07C-D3DDDF4B7E8F}"/>
+              </a:ext>
+            </a:extLst>
+          </p:cNvPr>
+          <p:cNvSpPr/>
+          <p:nvPr/>
+        </p:nvSpPr>
+        <p:spPr>
+          <a:xfrm>
+            <a:off x="7372707" y="4924240"/>
+            <a:ext cx="1805795" cy="247289"/>
+          </a:xfrm>
+          <a:prstGeom prst="rect">
+            <a:avLst/>
+          </a:prstGeom>
+        </p:spPr>
+        <p:style>
+          <a:lnRef idx="2">
+            <a:schemeClr val="accent6"/>
+          </a:lnRef>
+          <a:fillRef idx="1">
+            <a:schemeClr val="lt1"/>
+          </a:fillRef>
+          <a:effectRef idx="0">
+            <a:schemeClr val="accent6"/>
+          </a:effectRef>
+          <a:fontRef idx="minor">
+            <a:schemeClr val="dk1"/>
+          </a:fontRef>
+        </p:style>
+        <p:txBody>
+          <a:bodyPr rtlCol="0" anchor="ctr"/>
+          <a:lstStyle/>
+          <a:p>
+            <a:pPr algn="ctr"/>
+            <a:r>
+              <a:rPr lang="zh-CN" altLang="en-US" sz="1200" dirty="0"/>
+              <a:t>库存</a:t>
+            </a:r>
+            <a:r>
+              <a:rPr lang="en-US" altLang="zh-CN" sz="1200" dirty="0"/>
+              <a:t>/</a:t>
+            </a:r>
+            <a:r>
+              <a:rPr lang="zh-CN" altLang="en-US" sz="1200" dirty="0"/>
+              <a:t>优惠</a:t>
+            </a:r>
+            <a:endParaRPr lang="en-US" altLang="zh-CN" sz="1200" dirty="0"/>
+          </a:p>
+        </p:txBody>
+      </p:sp>
+      <p:cxnSp>
+        <p:nvCxnSpPr>
+          <p:cNvPr id="29" name="直接箭头连接符 28">
+            <a:extLst>
+              <a:ext uri="{FF2B5EF4-FFF2-40B4-BE49-F238E27FC236}">
+                <a16:creationId xmlns:a16="http://schemas.microsoft.com/office/drawing/2014/main" id="{1B788F3E-93CA-44B3-AD39-0C5FF27094CE}"/>
+              </a:ext>
+            </a:extLst>
+          </p:cNvPr>
+          <p:cNvCxnSpPr>
+            <a:stCxn id="18" idx="3"/>
+            <a:endCxn id="17" idx="1"/>
+          </p:cNvCxnSpPr>
+          <p:nvPr/>
+        </p:nvCxnSpPr>
+        <p:spPr>
+          <a:xfrm flipV="1">
+            <a:off x="3660475" y="2497351"/>
+            <a:ext cx="905771" cy="4310"/>
+          </a:xfrm>
+          <a:prstGeom prst="straightConnector1">
+            <a:avLst/>
+          </a:prstGeom>
+          <a:ln>
+            <a:headEnd type="triangle"/>
+            <a:tailEnd type="triangle"/>
+          </a:ln>
+        </p:spPr>
+        <p:style>
+          <a:lnRef idx="1">
+            <a:schemeClr val="accent1"/>
+          </a:lnRef>
+          <a:fillRef idx="0">
+            <a:schemeClr val="accent1"/>
+          </a:fillRef>
+          <a:effectRef idx="0">
+            <a:schemeClr val="accent1"/>
+          </a:effectRef>
+          <a:fontRef idx="minor">
+            <a:schemeClr val="tx1"/>
+          </a:fontRef>
+        </p:style>
+      </p:cxnSp>
+      <p:cxnSp>
+        <p:nvCxnSpPr>
+          <p:cNvPr id="32" name="直接箭头连接符 31">
+            <a:extLst>
+              <a:ext uri="{FF2B5EF4-FFF2-40B4-BE49-F238E27FC236}">
+                <a16:creationId xmlns:a16="http://schemas.microsoft.com/office/drawing/2014/main" id="{FA0D47EE-7ECE-4814-B95C-27593C6FE73E}"/>
+              </a:ext>
+            </a:extLst>
+          </p:cNvPr>
+          <p:cNvCxnSpPr>
+            <a:stCxn id="17" idx="3"/>
+            <a:endCxn id="16" idx="1"/>
+          </p:cNvCxnSpPr>
+          <p:nvPr/>
+        </p:nvCxnSpPr>
+        <p:spPr>
+          <a:xfrm flipV="1">
+            <a:off x="6372041" y="2497350"/>
+            <a:ext cx="1000665" cy="1"/>
+          </a:xfrm>
+          <a:prstGeom prst="straightConnector1">
+            <a:avLst/>
+          </a:prstGeom>
+          <a:ln>
+            <a:headEnd type="triangle"/>
+            <a:tailEnd type="triangle"/>
+          </a:ln>
+        </p:spPr>
+        <p:style>
+          <a:lnRef idx="1">
+            <a:schemeClr val="accent1"/>
+          </a:lnRef>
+          <a:fillRef idx="0">
+            <a:schemeClr val="accent1"/>
+          </a:fillRef>
+          <a:effectRef idx="0">
+            <a:schemeClr val="accent1"/>
+          </a:effectRef>
+          <a:fontRef idx="minor">
+            <a:schemeClr val="tx1"/>
+          </a:fontRef>
+        </p:style>
+      </p:cxnSp>
+      <p:cxnSp>
+        <p:nvCxnSpPr>
+          <p:cNvPr id="35" name="直接箭头连接符 34">
+            <a:extLst>
+              <a:ext uri="{FF2B5EF4-FFF2-40B4-BE49-F238E27FC236}">
+                <a16:creationId xmlns:a16="http://schemas.microsoft.com/office/drawing/2014/main" id="{673EF0AC-F003-4175-8F9D-524A7A1F2486}"/>
+              </a:ext>
+            </a:extLst>
+          </p:cNvPr>
+          <p:cNvCxnSpPr>
+            <a:stCxn id="19" idx="3"/>
+            <a:endCxn id="20" idx="1"/>
+          </p:cNvCxnSpPr>
+          <p:nvPr/>
+        </p:nvCxnSpPr>
+        <p:spPr>
+          <a:xfrm>
+            <a:off x="3651848" y="2914292"/>
+            <a:ext cx="914400" cy="0"/>
+          </a:xfrm>
+          <a:prstGeom prst="straightConnector1">
+            <a:avLst/>
+          </a:prstGeom>
+          <a:ln>
+            <a:headEnd type="triangle"/>
+            <a:tailEnd type="triangle"/>
+          </a:ln>
+        </p:spPr>
+        <p:style>
+          <a:lnRef idx="1">
+            <a:schemeClr val="accent1"/>
+          </a:lnRef>
+          <a:fillRef idx="0">
+            <a:schemeClr val="accent1"/>
+          </a:fillRef>
+          <a:effectRef idx="0">
+            <a:schemeClr val="accent1"/>
+          </a:effectRef>
+          <a:fontRef idx="minor">
+            <a:schemeClr val="tx1"/>
+          </a:fontRef>
+        </p:style>
+      </p:cxnSp>
+      <p:cxnSp>
+        <p:nvCxnSpPr>
+          <p:cNvPr id="37" name="直接箭头连接符 36">
+            <a:extLst>
+              <a:ext uri="{FF2B5EF4-FFF2-40B4-BE49-F238E27FC236}">
+                <a16:creationId xmlns:a16="http://schemas.microsoft.com/office/drawing/2014/main" id="{84903C84-5ED5-4BA8-82E9-1BDB6F878057}"/>
+              </a:ext>
+            </a:extLst>
+          </p:cNvPr>
+          <p:cNvCxnSpPr>
+            <a:stCxn id="20" idx="3"/>
+            <a:endCxn id="21" idx="1"/>
+          </p:cNvCxnSpPr>
+          <p:nvPr/>
+        </p:nvCxnSpPr>
+        <p:spPr>
+          <a:xfrm>
+            <a:off x="6372043" y="2914292"/>
+            <a:ext cx="1000665" cy="0"/>
+          </a:xfrm>
+          <a:prstGeom prst="straightConnector1">
+            <a:avLst/>
+          </a:prstGeom>
+          <a:ln>
+            <a:headEnd type="triangle"/>
+            <a:tailEnd type="triangle"/>
+          </a:ln>
+        </p:spPr>
+        <p:style>
+          <a:lnRef idx="1">
+            <a:schemeClr val="accent1"/>
+          </a:lnRef>
+          <a:fillRef idx="0">
+            <a:schemeClr val="accent1"/>
+          </a:fillRef>
+          <a:effectRef idx="0">
+            <a:schemeClr val="accent1"/>
+          </a:effectRef>
+          <a:fontRef idx="minor">
+            <a:schemeClr val="tx1"/>
+          </a:fontRef>
+        </p:style>
+      </p:cxnSp>
+      <p:sp>
+        <p:nvSpPr>
+          <p:cNvPr id="38" name="文本框 37">
+            <a:extLst>
+              <a:ext uri="{FF2B5EF4-FFF2-40B4-BE49-F238E27FC236}">
+                <a16:creationId xmlns:a16="http://schemas.microsoft.com/office/drawing/2014/main" id="{0D0F0DD3-839C-49AC-9F74-FE8027A0BC99}"/>
+              </a:ext>
+            </a:extLst>
+          </p:cNvPr>
+          <p:cNvSpPr txBox="1"/>
+          <p:nvPr/>
+        </p:nvSpPr>
+        <p:spPr>
+          <a:xfrm>
+            <a:off x="3603679" y="2187524"/>
+            <a:ext cx="1275274" cy="276999"/>
+          </a:xfrm>
+          <a:prstGeom prst="rect">
+            <a:avLst/>
+          </a:prstGeom>
+          <a:noFill/>
+        </p:spPr>
+        <p:txBody>
+          <a:bodyPr wrap="square" rtlCol="0">
+            <a:spAutoFit/>
+          </a:bodyPr>
+          <a:lstStyle/>
+          <a:p>
+            <a:r>
+              <a:rPr lang="en-US" altLang="zh-CN" sz="1200" dirty="0"/>
+              <a:t>Vipserver key</a:t>
+            </a:r>
+            <a:endParaRPr lang="zh-CN" altLang="en-US" sz="1200" dirty="0"/>
+          </a:p>
+        </p:txBody>
+      </p:sp>
+      <p:sp>
+        <p:nvSpPr>
+          <p:cNvPr id="39" name="文本框 38">
+            <a:extLst>
+              <a:ext uri="{FF2B5EF4-FFF2-40B4-BE49-F238E27FC236}">
+                <a16:creationId xmlns:a16="http://schemas.microsoft.com/office/drawing/2014/main" id="{2BB03C6C-C78E-453D-AFCE-F8C760A0A68F}"/>
+              </a:ext>
+            </a:extLst>
+          </p:cNvPr>
+          <p:cNvSpPr txBox="1"/>
+          <p:nvPr/>
+        </p:nvSpPr>
+        <p:spPr>
+          <a:xfrm>
+            <a:off x="6334656" y="2184880"/>
+            <a:ext cx="1275274" cy="276999"/>
+          </a:xfrm>
+          <a:prstGeom prst="rect">
+            <a:avLst/>
+          </a:prstGeom>
+          <a:noFill/>
+        </p:spPr>
+        <p:txBody>
+          <a:bodyPr wrap="square" rtlCol="0">
+            <a:spAutoFit/>
+          </a:bodyPr>
+          <a:lstStyle/>
+          <a:p>
+            <a:r>
+              <a:rPr lang="en-US" altLang="zh-CN" sz="1200" dirty="0"/>
+              <a:t>Vipserver key</a:t>
+            </a:r>
+            <a:endParaRPr lang="zh-CN" altLang="en-US" sz="1200" dirty="0"/>
+          </a:p>
+        </p:txBody>
+      </p:sp>
+      <p:sp>
+        <p:nvSpPr>
+          <p:cNvPr id="40" name="文本框 39">
+            <a:extLst>
+              <a:ext uri="{FF2B5EF4-FFF2-40B4-BE49-F238E27FC236}">
+                <a16:creationId xmlns:a16="http://schemas.microsoft.com/office/drawing/2014/main" id="{7C798688-89A9-4B86-A96F-014639DCA6D9}"/>
+              </a:ext>
+            </a:extLst>
+          </p:cNvPr>
+          <p:cNvSpPr txBox="1"/>
+          <p:nvPr/>
+        </p:nvSpPr>
+        <p:spPr>
+          <a:xfrm>
+            <a:off x="3692104" y="2650705"/>
+            <a:ext cx="1275274" cy="276999"/>
+          </a:xfrm>
+          <a:prstGeom prst="rect">
+            <a:avLst/>
+          </a:prstGeom>
+          <a:noFill/>
+        </p:spPr>
+        <p:txBody>
+          <a:bodyPr wrap="square" rtlCol="0">
+            <a:spAutoFit/>
+          </a:bodyPr>
+          <a:lstStyle/>
+          <a:p>
+            <a:r>
+              <a:rPr lang="en-US" altLang="zh-CN" sz="1200" dirty="0"/>
+              <a:t>skywalker</a:t>
+            </a:r>
+            <a:endParaRPr lang="zh-CN" altLang="en-US" sz="1200" dirty="0"/>
+          </a:p>
+        </p:txBody>
+      </p:sp>
+      <p:sp>
+        <p:nvSpPr>
+          <p:cNvPr id="41" name="文本框 40">
+            <a:extLst>
+              <a:ext uri="{FF2B5EF4-FFF2-40B4-BE49-F238E27FC236}">
+                <a16:creationId xmlns:a16="http://schemas.microsoft.com/office/drawing/2014/main" id="{651EC07F-9FA5-4C45-A41C-8011CB1644BB}"/>
+              </a:ext>
+            </a:extLst>
+          </p:cNvPr>
+          <p:cNvSpPr txBox="1"/>
+          <p:nvPr/>
+        </p:nvSpPr>
+        <p:spPr>
+          <a:xfrm>
+            <a:off x="6510775" y="2659827"/>
+            <a:ext cx="1275274" cy="276999"/>
+          </a:xfrm>
+          <a:prstGeom prst="rect">
+            <a:avLst/>
+          </a:prstGeom>
+          <a:noFill/>
+        </p:spPr>
+        <p:txBody>
+          <a:bodyPr wrap="square" rtlCol="0">
+            <a:spAutoFit/>
+          </a:bodyPr>
+          <a:lstStyle/>
+          <a:p>
+            <a:r>
+              <a:rPr lang="en-US" altLang="zh-CN" sz="1200" dirty="0"/>
+              <a:t>skywalker</a:t>
+            </a:r>
+            <a:endParaRPr lang="zh-CN" altLang="en-US" sz="1200" dirty="0"/>
+          </a:p>
+        </p:txBody>
+      </p:sp>
+      <p:sp>
+        <p:nvSpPr>
+          <p:cNvPr id="42" name="文本框 41">
+            <a:extLst>
+              <a:ext uri="{FF2B5EF4-FFF2-40B4-BE49-F238E27FC236}">
+                <a16:creationId xmlns:a16="http://schemas.microsoft.com/office/drawing/2014/main" id="{D677E56E-C810-4D10-BCE8-7780D6CC5A98}"/>
+              </a:ext>
+            </a:extLst>
+          </p:cNvPr>
+          <p:cNvSpPr txBox="1"/>
+          <p:nvPr/>
+        </p:nvSpPr>
+        <p:spPr>
+          <a:xfrm>
+            <a:off x="5739442" y="345057"/>
+            <a:ext cx="1368724" cy="276999"/>
+          </a:xfrm>
+          <a:prstGeom prst="rect">
+            <a:avLst/>
+          </a:prstGeom>
+          <a:noFill/>
+        </p:spPr>
+        <p:txBody>
+          <a:bodyPr wrap="square" rtlCol="0">
+            <a:spAutoFit/>
+          </a:bodyPr>
+          <a:lstStyle/>
+          <a:p>
+            <a:r>
+              <a:rPr lang="zh-CN" altLang="en-US" sz="1200" dirty="0"/>
+              <a:t>德国用户</a:t>
+            </a:r>
+          </a:p>
+        </p:txBody>
+      </p:sp>
+      <p:sp>
+        <p:nvSpPr>
+          <p:cNvPr id="44" name="矩形 43">
+            <a:extLst>
+              <a:ext uri="{FF2B5EF4-FFF2-40B4-BE49-F238E27FC236}">
+                <a16:creationId xmlns:a16="http://schemas.microsoft.com/office/drawing/2014/main" id="{E1908696-A776-4508-A849-27C3CDB272D6}"/>
+              </a:ext>
+            </a:extLst>
+          </p:cNvPr>
+          <p:cNvSpPr/>
+          <p:nvPr/>
+        </p:nvSpPr>
+        <p:spPr>
+          <a:xfrm>
+            <a:off x="1854680" y="5335910"/>
+            <a:ext cx="1805795" cy="247289"/>
+          </a:xfrm>
+          <a:prstGeom prst="rect">
+            <a:avLst/>
+          </a:prstGeom>
+        </p:spPr>
+        <p:style>
+          <a:lnRef idx="2">
+            <a:schemeClr val="accent6"/>
+          </a:lnRef>
+          <a:fillRef idx="1">
+            <a:schemeClr val="lt1"/>
+          </a:fillRef>
+          <a:effectRef idx="0">
+            <a:schemeClr val="accent6"/>
+          </a:effectRef>
+          <a:fontRef idx="minor">
+            <a:schemeClr val="dk1"/>
+          </a:fontRef>
+        </p:style>
+        <p:txBody>
+          <a:bodyPr rtlCol="0" anchor="ctr"/>
+          <a:lstStyle/>
+          <a:p>
+            <a:pPr algn="ctr"/>
+            <a:r>
+              <a:rPr lang="en-US" altLang="zh-CN" sz="1200" dirty="0"/>
+              <a:t>DB</a:t>
+            </a:r>
+          </a:p>
+        </p:txBody>
+      </p:sp>
+      <p:sp>
+        <p:nvSpPr>
+          <p:cNvPr id="45" name="矩形 44">
+            <a:extLst>
+              <a:ext uri="{FF2B5EF4-FFF2-40B4-BE49-F238E27FC236}">
+                <a16:creationId xmlns:a16="http://schemas.microsoft.com/office/drawing/2014/main" id="{C448BB5E-285D-434B-9C29-7BF57B6EE922}"/>
+              </a:ext>
+            </a:extLst>
+          </p:cNvPr>
+          <p:cNvSpPr/>
+          <p:nvPr/>
+        </p:nvSpPr>
+        <p:spPr>
+          <a:xfrm>
+            <a:off x="4566246" y="5335910"/>
+            <a:ext cx="1805795" cy="247289"/>
+          </a:xfrm>
+          <a:prstGeom prst="rect">
+            <a:avLst/>
+          </a:prstGeom>
+        </p:spPr>
+        <p:style>
+          <a:lnRef idx="2">
+            <a:schemeClr val="accent6"/>
+          </a:lnRef>
+          <a:fillRef idx="1">
+            <a:schemeClr val="lt1"/>
+          </a:fillRef>
+          <a:effectRef idx="0">
+            <a:schemeClr val="accent6"/>
+          </a:effectRef>
+          <a:fontRef idx="minor">
+            <a:schemeClr val="dk1"/>
+          </a:fontRef>
+        </p:style>
+        <p:txBody>
+          <a:bodyPr rtlCol="0" anchor="ctr"/>
+          <a:lstStyle/>
+          <a:p>
+            <a:pPr algn="ctr"/>
+            <a:r>
+              <a:rPr lang="en-US" altLang="zh-CN" sz="1200" dirty="0"/>
+              <a:t>DB</a:t>
+            </a:r>
+          </a:p>
+        </p:txBody>
+      </p:sp>
+      <p:sp>
+        <p:nvSpPr>
+          <p:cNvPr id="46" name="矩形 45">
+            <a:extLst>
+              <a:ext uri="{FF2B5EF4-FFF2-40B4-BE49-F238E27FC236}">
+                <a16:creationId xmlns:a16="http://schemas.microsoft.com/office/drawing/2014/main" id="{E7F5AD7B-182E-4BEF-A7F2-7018191AD38F}"/>
+              </a:ext>
+            </a:extLst>
+          </p:cNvPr>
+          <p:cNvSpPr/>
+          <p:nvPr/>
+        </p:nvSpPr>
+        <p:spPr>
+          <a:xfrm>
+            <a:off x="7372705" y="5381442"/>
+            <a:ext cx="1805795" cy="247289"/>
+          </a:xfrm>
+          <a:prstGeom prst="rect">
+            <a:avLst/>
+          </a:prstGeom>
+        </p:spPr>
+        <p:style>
+          <a:lnRef idx="2">
+            <a:schemeClr val="accent6"/>
+          </a:lnRef>
+          <a:fillRef idx="1">
+            <a:schemeClr val="lt1"/>
+          </a:fillRef>
+          <a:effectRef idx="0">
+            <a:schemeClr val="accent6"/>
+          </a:effectRef>
+          <a:fontRef idx="minor">
+            <a:schemeClr val="dk1"/>
+          </a:fontRef>
+        </p:style>
+        <p:txBody>
+          <a:bodyPr rtlCol="0" anchor="ctr"/>
+          <a:lstStyle/>
+          <a:p>
+            <a:pPr algn="ctr"/>
+            <a:r>
+              <a:rPr lang="en-US" altLang="zh-CN" sz="1200" dirty="0"/>
+              <a:t>DB</a:t>
+            </a:r>
+          </a:p>
+        </p:txBody>
+      </p:sp>
+    </p:spTree>
+    <p:extLst>
+      <p:ext uri="{BB962C8B-B14F-4D97-AF65-F5344CB8AC3E}">
+        <p14:creationId xmlns:p14="http://schemas.microsoft.com/office/powerpoint/2010/main" val="3366575372"/>
       </p:ext>
     </p:extLst>
   </p:cSld>

--- a/ppt/tmp_ppt.pptx
+++ b/ppt/tmp_ppt.pptx
@@ -8,9 +8,10 @@
     <p:sldId id="256" r:id="rId2"/>
     <p:sldId id="257" r:id="rId3"/>
     <p:sldId id="258" r:id="rId4"/>
-    <p:sldId id="259" r:id="rId5"/>
-    <p:sldId id="260" r:id="rId6"/>
-    <p:sldId id="261" r:id="rId7"/>
+    <p:sldId id="262" r:id="rId5"/>
+    <p:sldId id="259" r:id="rId6"/>
+    <p:sldId id="260" r:id="rId7"/>
+    <p:sldId id="261" r:id="rId8"/>
   </p:sldIdLst>
   <p:sldSz cx="12192000" cy="6858000"/>
   <p:notesSz cx="6858000" cy="9144000"/>
@@ -264,7 +265,7 @@
           <a:p>
             <a:fld id="{454A0F4F-8F8E-4FE7-B4C3-4986872B7D08}" type="datetimeFigureOut">
               <a:rPr lang="zh-CN" altLang="en-US" smtClean="0"/>
-              <a:t>2021/4/9</a:t>
+              <a:t>2021/4/10</a:t>
             </a:fld>
             <a:endParaRPr lang="zh-CN" altLang="en-US"/>
           </a:p>
@@ -462,7 +463,7 @@
           <a:p>
             <a:fld id="{454A0F4F-8F8E-4FE7-B4C3-4986872B7D08}" type="datetimeFigureOut">
               <a:rPr lang="zh-CN" altLang="en-US" smtClean="0"/>
-              <a:t>2021/4/9</a:t>
+              <a:t>2021/4/10</a:t>
             </a:fld>
             <a:endParaRPr lang="zh-CN" altLang="en-US"/>
           </a:p>
@@ -670,7 +671,7 @@
           <a:p>
             <a:fld id="{454A0F4F-8F8E-4FE7-B4C3-4986872B7D08}" type="datetimeFigureOut">
               <a:rPr lang="zh-CN" altLang="en-US" smtClean="0"/>
-              <a:t>2021/4/9</a:t>
+              <a:t>2021/4/10</a:t>
             </a:fld>
             <a:endParaRPr lang="zh-CN" altLang="en-US"/>
           </a:p>
@@ -868,7 +869,7 @@
           <a:p>
             <a:fld id="{454A0F4F-8F8E-4FE7-B4C3-4986872B7D08}" type="datetimeFigureOut">
               <a:rPr lang="zh-CN" altLang="en-US" smtClean="0"/>
-              <a:t>2021/4/9</a:t>
+              <a:t>2021/4/10</a:t>
             </a:fld>
             <a:endParaRPr lang="zh-CN" altLang="en-US"/>
           </a:p>
@@ -1143,7 +1144,7 @@
           <a:p>
             <a:fld id="{454A0F4F-8F8E-4FE7-B4C3-4986872B7D08}" type="datetimeFigureOut">
               <a:rPr lang="zh-CN" altLang="en-US" smtClean="0"/>
-              <a:t>2021/4/9</a:t>
+              <a:t>2021/4/10</a:t>
             </a:fld>
             <a:endParaRPr lang="zh-CN" altLang="en-US"/>
           </a:p>
@@ -1408,7 +1409,7 @@
           <a:p>
             <a:fld id="{454A0F4F-8F8E-4FE7-B4C3-4986872B7D08}" type="datetimeFigureOut">
               <a:rPr lang="zh-CN" altLang="en-US" smtClean="0"/>
-              <a:t>2021/4/9</a:t>
+              <a:t>2021/4/10</a:t>
             </a:fld>
             <a:endParaRPr lang="zh-CN" altLang="en-US"/>
           </a:p>
@@ -1820,7 +1821,7 @@
           <a:p>
             <a:fld id="{454A0F4F-8F8E-4FE7-B4C3-4986872B7D08}" type="datetimeFigureOut">
               <a:rPr lang="zh-CN" altLang="en-US" smtClean="0"/>
-              <a:t>2021/4/9</a:t>
+              <a:t>2021/4/10</a:t>
             </a:fld>
             <a:endParaRPr lang="zh-CN" altLang="en-US"/>
           </a:p>
@@ -1961,7 +1962,7 @@
           <a:p>
             <a:fld id="{454A0F4F-8F8E-4FE7-B4C3-4986872B7D08}" type="datetimeFigureOut">
               <a:rPr lang="zh-CN" altLang="en-US" smtClean="0"/>
-              <a:t>2021/4/9</a:t>
+              <a:t>2021/4/10</a:t>
             </a:fld>
             <a:endParaRPr lang="zh-CN" altLang="en-US"/>
           </a:p>
@@ -2074,7 +2075,7 @@
           <a:p>
             <a:fld id="{454A0F4F-8F8E-4FE7-B4C3-4986872B7D08}" type="datetimeFigureOut">
               <a:rPr lang="zh-CN" altLang="en-US" smtClean="0"/>
-              <a:t>2021/4/9</a:t>
+              <a:t>2021/4/10</a:t>
             </a:fld>
             <a:endParaRPr lang="zh-CN" altLang="en-US"/>
           </a:p>
@@ -2385,7 +2386,7 @@
           <a:p>
             <a:fld id="{454A0F4F-8F8E-4FE7-B4C3-4986872B7D08}" type="datetimeFigureOut">
               <a:rPr lang="zh-CN" altLang="en-US" smtClean="0"/>
-              <a:t>2021/4/9</a:t>
+              <a:t>2021/4/10</a:t>
             </a:fld>
             <a:endParaRPr lang="zh-CN" altLang="en-US"/>
           </a:p>
@@ -2673,7 +2674,7 @@
           <a:p>
             <a:fld id="{454A0F4F-8F8E-4FE7-B4C3-4986872B7D08}" type="datetimeFigureOut">
               <a:rPr lang="zh-CN" altLang="en-US" smtClean="0"/>
-              <a:t>2021/4/9</a:t>
+              <a:t>2021/4/10</a:t>
             </a:fld>
             <a:endParaRPr lang="zh-CN" altLang="en-US"/>
           </a:p>
@@ -2914,7 +2915,7 @@
           <a:p>
             <a:fld id="{454A0F4F-8F8E-4FE7-B4C3-4986872B7D08}" type="datetimeFigureOut">
               <a:rPr lang="zh-CN" altLang="en-US" smtClean="0"/>
-              <a:t>2021/4/9</a:t>
+              <a:t>2021/4/10</a:t>
             </a:fld>
             <a:endParaRPr lang="zh-CN" altLang="en-US"/>
           </a:p>
@@ -8453,10 +8454,10 @@
       </p:grpSpPr>
       <p:sp>
         <p:nvSpPr>
-          <p:cNvPr id="39" name="矩形 38">
-            <a:extLst>
-              <a:ext uri="{FF2B5EF4-FFF2-40B4-BE49-F238E27FC236}">
-                <a16:creationId xmlns:a16="http://schemas.microsoft.com/office/drawing/2014/main" id="{51DDEB4C-CC56-4F92-B485-53EEC3E4182A}"/>
+          <p:cNvPr id="79" name="矩形 78">
+            <a:extLst>
+              <a:ext uri="{FF2B5EF4-FFF2-40B4-BE49-F238E27FC236}">
+                <a16:creationId xmlns:a16="http://schemas.microsoft.com/office/drawing/2014/main" id="{384BE3CC-F43F-4CDF-9937-4E22DF52E5B6}"/>
               </a:ext>
             </a:extLst>
           </p:cNvPr>
@@ -8465,12 +8466,15 @@
         </p:nvSpPr>
         <p:spPr>
           <a:xfrm>
-            <a:off x="969951" y="1636036"/>
-            <a:ext cx="8839200" cy="4241273"/>
-          </a:xfrm>
-          <a:prstGeom prst="rect">
-            <a:avLst/>
-          </a:prstGeom>
+            <a:off x="6489290" y="3695664"/>
+            <a:ext cx="5628968" cy="2909294"/>
+          </a:xfrm>
+          <a:prstGeom prst="rect">
+            <a:avLst/>
+          </a:prstGeom>
+          <a:ln>
+            <a:prstDash val="dashDot"/>
+          </a:ln>
         </p:spPr>
         <p:style>
           <a:lnRef idx="2">
@@ -8497,10 +8501,10 @@
       </p:sp>
       <p:sp>
         <p:nvSpPr>
-          <p:cNvPr id="37" name="矩形 36">
-            <a:extLst>
-              <a:ext uri="{FF2B5EF4-FFF2-40B4-BE49-F238E27FC236}">
-                <a16:creationId xmlns:a16="http://schemas.microsoft.com/office/drawing/2014/main" id="{3A9B01A6-2DD5-4E4B-938F-250950B199DD}"/>
+          <p:cNvPr id="77" name="矩形 76">
+            <a:extLst>
+              <a:ext uri="{FF2B5EF4-FFF2-40B4-BE49-F238E27FC236}">
+                <a16:creationId xmlns:a16="http://schemas.microsoft.com/office/drawing/2014/main" id="{B3400304-1B8A-4669-816A-DAFF6EA76BE0}"/>
               </a:ext>
             </a:extLst>
           </p:cNvPr>
@@ -8509,12 +8513,15 @@
         </p:nvSpPr>
         <p:spPr>
           <a:xfrm>
-            <a:off x="7301125" y="2006925"/>
-            <a:ext cx="2070339" cy="3593455"/>
-          </a:xfrm>
-          <a:prstGeom prst="rect">
-            <a:avLst/>
-          </a:prstGeom>
+            <a:off x="73742" y="3401365"/>
+            <a:ext cx="4348734" cy="3102674"/>
+          </a:xfrm>
+          <a:prstGeom prst="rect">
+            <a:avLst/>
+          </a:prstGeom>
+          <a:ln>
+            <a:prstDash val="dashDot"/>
+          </a:ln>
         </p:spPr>
         <p:style>
           <a:lnRef idx="2">
@@ -8535,16 +8542,110 @@
           <a:lstStyle/>
           <a:p>
             <a:pPr algn="ctr"/>
-            <a:endParaRPr lang="zh-CN" altLang="en-US" dirty="0"/>
-          </a:p>
-        </p:txBody>
-      </p:sp>
-      <p:sp>
-        <p:nvSpPr>
-          <p:cNvPr id="38" name="文本框 37">
-            <a:extLst>
-              <a:ext uri="{FF2B5EF4-FFF2-40B4-BE49-F238E27FC236}">
-                <a16:creationId xmlns:a16="http://schemas.microsoft.com/office/drawing/2014/main" id="{5FB872FC-F924-4B48-9EA6-8E5704E6821B}"/>
+            <a:endParaRPr lang="zh-CN" altLang="en-US"/>
+          </a:p>
+        </p:txBody>
+      </p:sp>
+      <p:sp>
+        <p:nvSpPr>
+          <p:cNvPr id="75" name="矩形 74">
+            <a:extLst>
+              <a:ext uri="{FF2B5EF4-FFF2-40B4-BE49-F238E27FC236}">
+                <a16:creationId xmlns:a16="http://schemas.microsoft.com/office/drawing/2014/main" id="{22C9E445-EA6C-4295-8330-D7A785DA4721}"/>
+              </a:ext>
+            </a:extLst>
+          </p:cNvPr>
+          <p:cNvSpPr/>
+          <p:nvPr/>
+        </p:nvSpPr>
+        <p:spPr>
+          <a:xfrm>
+            <a:off x="1912302" y="253042"/>
+            <a:ext cx="6047005" cy="2741961"/>
+          </a:xfrm>
+          <a:prstGeom prst="rect">
+            <a:avLst/>
+          </a:prstGeom>
+          <a:ln>
+            <a:solidFill>
+              <a:schemeClr val="accent6"/>
+            </a:solidFill>
+            <a:prstDash val="dash"/>
+          </a:ln>
+        </p:spPr>
+        <p:style>
+          <a:lnRef idx="2">
+            <a:schemeClr val="accent6"/>
+          </a:lnRef>
+          <a:fillRef idx="1">
+            <a:schemeClr val="lt1"/>
+          </a:fillRef>
+          <a:effectRef idx="0">
+            <a:schemeClr val="accent6"/>
+          </a:effectRef>
+          <a:fontRef idx="minor">
+            <a:schemeClr val="dk1"/>
+          </a:fontRef>
+        </p:style>
+        <p:txBody>
+          <a:bodyPr rtlCol="0" anchor="ctr"/>
+          <a:lstStyle/>
+          <a:p>
+            <a:pPr algn="ctr"/>
+            <a:endParaRPr lang="zh-CN" altLang="en-US"/>
+          </a:p>
+        </p:txBody>
+      </p:sp>
+      <p:sp>
+        <p:nvSpPr>
+          <p:cNvPr id="11" name="矩形 10">
+            <a:extLst>
+              <a:ext uri="{FF2B5EF4-FFF2-40B4-BE49-F238E27FC236}">
+                <a16:creationId xmlns:a16="http://schemas.microsoft.com/office/drawing/2014/main" id="{CFA30332-AEFB-43A2-8936-774569989CAE}"/>
+              </a:ext>
+            </a:extLst>
+          </p:cNvPr>
+          <p:cNvSpPr/>
+          <p:nvPr/>
+        </p:nvSpPr>
+        <p:spPr>
+          <a:xfrm>
+            <a:off x="3663352" y="1875761"/>
+            <a:ext cx="2070340" cy="1046671"/>
+          </a:xfrm>
+          <a:prstGeom prst="rect">
+            <a:avLst/>
+          </a:prstGeom>
+        </p:spPr>
+        <p:style>
+          <a:lnRef idx="2">
+            <a:schemeClr val="accent6"/>
+          </a:lnRef>
+          <a:fillRef idx="1">
+            <a:schemeClr val="lt1"/>
+          </a:fillRef>
+          <a:effectRef idx="0">
+            <a:schemeClr val="accent6"/>
+          </a:effectRef>
+          <a:fontRef idx="minor">
+            <a:schemeClr val="dk1"/>
+          </a:fontRef>
+        </p:style>
+        <p:txBody>
+          <a:bodyPr rtlCol="0" anchor="ctr"/>
+          <a:lstStyle/>
+          <a:p>
+            <a:pPr algn="ctr"/>
+            <a:endParaRPr lang="zh-CN" altLang="en-US"/>
+          </a:p>
+        </p:txBody>
+      </p:sp>
+      <p:sp>
+        <p:nvSpPr>
+          <p:cNvPr id="12" name="文本框 11">
+            <a:extLst>
+              <a:ext uri="{FF2B5EF4-FFF2-40B4-BE49-F238E27FC236}">
+                <a16:creationId xmlns:a16="http://schemas.microsoft.com/office/drawing/2014/main" id="{EE9C8607-BB78-4A49-9422-C658B9C87F07}"/>
               </a:ext>
             </a:extLst>
           </p:cNvPr>
@@ -8553,8 +8654,8 @@
         </p:nvSpPr>
         <p:spPr>
           <a:xfrm>
-            <a:off x="7356592" y="2070379"/>
-            <a:ext cx="921352" cy="276999"/>
+            <a:off x="3763992" y="1978323"/>
+            <a:ext cx="885645" cy="276999"/>
           </a:xfrm>
           <a:prstGeom prst="rect">
             <a:avLst/>
@@ -8568,22 +8669,23 @@
           <a:lstStyle/>
           <a:p>
             <a:r>
-              <a:rPr lang="en-US" altLang="zh-CN" sz="1200" dirty="0"/>
-              <a:t>SG5</a:t>
-            </a:r>
-            <a:r>
               <a:rPr lang="zh-CN" altLang="en-US" sz="1200" dirty="0"/>
               <a:t>机房</a:t>
             </a:r>
-          </a:p>
-        </p:txBody>
-      </p:sp>
-      <p:sp>
-        <p:nvSpPr>
-          <p:cNvPr id="35" name="矩形 34">
-            <a:extLst>
-              <a:ext uri="{FF2B5EF4-FFF2-40B4-BE49-F238E27FC236}">
-                <a16:creationId xmlns:a16="http://schemas.microsoft.com/office/drawing/2014/main" id="{D4A674F5-621C-4B92-A85C-C9DECC8B4210}"/>
+            <a:r>
+              <a:rPr lang="en-US" altLang="zh-CN" sz="1200" dirty="0"/>
+              <a:t>3</a:t>
+            </a:r>
+            <a:endParaRPr lang="zh-CN" altLang="en-US" sz="1200" dirty="0"/>
+          </a:p>
+        </p:txBody>
+      </p:sp>
+      <p:sp>
+        <p:nvSpPr>
+          <p:cNvPr id="9" name="矩形 8">
+            <a:extLst>
+              <a:ext uri="{FF2B5EF4-FFF2-40B4-BE49-F238E27FC236}">
+                <a16:creationId xmlns:a16="http://schemas.microsoft.com/office/drawing/2014/main" id="{3AA9A02C-003B-4342-85C6-2BD705A90324}"/>
               </a:ext>
             </a:extLst>
           </p:cNvPr>
@@ -8592,8 +8694,8 @@
         </p:nvSpPr>
         <p:spPr>
           <a:xfrm>
-            <a:off x="2309920" y="2006925"/>
-            <a:ext cx="2070339" cy="3594339"/>
+            <a:off x="5615797" y="442823"/>
+            <a:ext cx="2070340" cy="1046671"/>
           </a:xfrm>
           <a:prstGeom prst="rect">
             <a:avLst/>
@@ -8618,60 +8720,16 @@
           <a:lstStyle/>
           <a:p>
             <a:pPr algn="ctr"/>
-            <a:endParaRPr lang="zh-CN" altLang="en-US" dirty="0"/>
-          </a:p>
-        </p:txBody>
-      </p:sp>
-      <p:sp>
-        <p:nvSpPr>
-          <p:cNvPr id="4" name="笑脸 3">
-            <a:extLst>
-              <a:ext uri="{FF2B5EF4-FFF2-40B4-BE49-F238E27FC236}">
-                <a16:creationId xmlns:a16="http://schemas.microsoft.com/office/drawing/2014/main" id="{1D10A485-66F8-477D-8C9E-22EC928622C0}"/>
-              </a:ext>
-            </a:extLst>
-          </p:cNvPr>
-          <p:cNvSpPr/>
-          <p:nvPr/>
-        </p:nvSpPr>
-        <p:spPr>
-          <a:xfrm>
-            <a:off x="5510098" y="130062"/>
-            <a:ext cx="585902" cy="327054"/>
-          </a:xfrm>
-          <a:prstGeom prst="smileyFace">
-            <a:avLst/>
-          </a:prstGeom>
-        </p:spPr>
-        <p:style>
-          <a:lnRef idx="2">
-            <a:schemeClr val="accent6"/>
-          </a:lnRef>
-          <a:fillRef idx="1">
-            <a:schemeClr val="lt1"/>
-          </a:fillRef>
-          <a:effectRef idx="0">
-            <a:schemeClr val="accent6"/>
-          </a:effectRef>
-          <a:fontRef idx="minor">
-            <a:schemeClr val="dk1"/>
-          </a:fontRef>
-        </p:style>
-        <p:txBody>
-          <a:bodyPr rtlCol="0" anchor="ctr"/>
-          <a:lstStyle/>
-          <a:p>
-            <a:pPr algn="ctr"/>
             <a:endParaRPr lang="zh-CN" altLang="en-US"/>
           </a:p>
         </p:txBody>
       </p:sp>
       <p:sp>
         <p:nvSpPr>
-          <p:cNvPr id="5" name="文本框 4">
-            <a:extLst>
-              <a:ext uri="{FF2B5EF4-FFF2-40B4-BE49-F238E27FC236}">
-                <a16:creationId xmlns:a16="http://schemas.microsoft.com/office/drawing/2014/main" id="{E25C409C-C599-49F7-81AF-355E8C68184F}"/>
+          <p:cNvPr id="10" name="文本框 9">
+            <a:extLst>
+              <a:ext uri="{FF2B5EF4-FFF2-40B4-BE49-F238E27FC236}">
+                <a16:creationId xmlns:a16="http://schemas.microsoft.com/office/drawing/2014/main" id="{EE1F5059-88B9-443C-9571-E73E411515AF}"/>
               </a:ext>
             </a:extLst>
           </p:cNvPr>
@@ -8680,18 +8738,13 @@
         </p:nvSpPr>
         <p:spPr>
           <a:xfrm>
-            <a:off x="5041396" y="549007"/>
-            <a:ext cx="1460740" cy="276999"/>
+            <a:off x="5713563" y="511834"/>
+            <a:ext cx="885645" cy="276999"/>
           </a:xfrm>
           <a:prstGeom prst="rect">
             <a:avLst/>
           </a:prstGeom>
           <a:noFill/>
-          <a:ln>
-            <a:solidFill>
-              <a:schemeClr val="accent1"/>
-            </a:solidFill>
-          </a:ln>
         </p:spPr>
         <p:txBody>
           <a:bodyPr wrap="square" rtlCol="0">
@@ -8701,11 +8754,11 @@
           <a:p>
             <a:r>
               <a:rPr lang="zh-CN" altLang="en-US" sz="1200" dirty="0"/>
-              <a:t>请求</a:t>
-            </a:r>
-            <a:r>
-              <a:rPr lang="en-US" altLang="zh-CN" sz="1200" dirty="0"/>
-              <a:t>www.aaa.com</a:t>
+              <a:t>机房</a:t>
+            </a:r>
+            <a:r>
+              <a:rPr lang="en-US" altLang="zh-CN" sz="1200" dirty="0"/>
+              <a:t>2</a:t>
             </a:r>
             <a:endParaRPr lang="zh-CN" altLang="en-US" sz="1200" dirty="0"/>
           </a:p>
@@ -8713,10 +8766,198 @@
       </p:sp>
       <p:sp>
         <p:nvSpPr>
-          <p:cNvPr id="6" name="文本框 5">
-            <a:extLst>
-              <a:ext uri="{FF2B5EF4-FFF2-40B4-BE49-F238E27FC236}">
-                <a16:creationId xmlns:a16="http://schemas.microsoft.com/office/drawing/2014/main" id="{23DE99EB-DD92-4C77-8DBE-23396BAD83B9}"/>
+          <p:cNvPr id="7" name="矩形 6">
+            <a:extLst>
+              <a:ext uri="{FF2B5EF4-FFF2-40B4-BE49-F238E27FC236}">
+                <a16:creationId xmlns:a16="http://schemas.microsoft.com/office/drawing/2014/main" id="{060DDDCA-1900-468F-B810-2CF8F59CC92C}"/>
+              </a:ext>
+            </a:extLst>
+          </p:cNvPr>
+          <p:cNvSpPr/>
+          <p:nvPr/>
+        </p:nvSpPr>
+        <p:spPr>
+          <a:xfrm>
+            <a:off x="2041585" y="442823"/>
+            <a:ext cx="2070340" cy="1046671"/>
+          </a:xfrm>
+          <a:prstGeom prst="rect">
+            <a:avLst/>
+          </a:prstGeom>
+        </p:spPr>
+        <p:style>
+          <a:lnRef idx="2">
+            <a:schemeClr val="accent6"/>
+          </a:lnRef>
+          <a:fillRef idx="1">
+            <a:schemeClr val="lt1"/>
+          </a:fillRef>
+          <a:effectRef idx="0">
+            <a:schemeClr val="accent6"/>
+          </a:effectRef>
+          <a:fontRef idx="minor">
+            <a:schemeClr val="dk1"/>
+          </a:fontRef>
+        </p:style>
+        <p:txBody>
+          <a:bodyPr rtlCol="0" anchor="ctr"/>
+          <a:lstStyle/>
+          <a:p>
+            <a:pPr algn="ctr"/>
+            <a:endParaRPr lang="zh-CN" altLang="en-US"/>
+          </a:p>
+        </p:txBody>
+      </p:sp>
+      <p:sp>
+        <p:nvSpPr>
+          <p:cNvPr id="4" name="矩形 3">
+            <a:extLst>
+              <a:ext uri="{FF2B5EF4-FFF2-40B4-BE49-F238E27FC236}">
+                <a16:creationId xmlns:a16="http://schemas.microsoft.com/office/drawing/2014/main" id="{58A98755-EB75-4210-85D9-A2FE129F1721}"/>
+              </a:ext>
+            </a:extLst>
+          </p:cNvPr>
+          <p:cNvSpPr/>
+          <p:nvPr/>
+        </p:nvSpPr>
+        <p:spPr>
+          <a:xfrm>
+            <a:off x="2559170" y="920151"/>
+            <a:ext cx="1339970" cy="316302"/>
+          </a:xfrm>
+          <a:prstGeom prst="rect">
+            <a:avLst/>
+          </a:prstGeom>
+        </p:spPr>
+        <p:style>
+          <a:lnRef idx="2">
+            <a:schemeClr val="accent6"/>
+          </a:lnRef>
+          <a:fillRef idx="1">
+            <a:schemeClr val="lt1"/>
+          </a:fillRef>
+          <a:effectRef idx="0">
+            <a:schemeClr val="accent6"/>
+          </a:effectRef>
+          <a:fontRef idx="minor">
+            <a:schemeClr val="dk1"/>
+          </a:fontRef>
+        </p:style>
+        <p:txBody>
+          <a:bodyPr rtlCol="0" anchor="ctr"/>
+          <a:lstStyle/>
+          <a:p>
+            <a:pPr algn="ctr"/>
+            <a:r>
+              <a:rPr lang="en-US" altLang="zh-CN" sz="1200" dirty="0"/>
+              <a:t>DB leader</a:t>
+            </a:r>
+            <a:endParaRPr lang="zh-CN" altLang="en-US" sz="1200" dirty="0"/>
+          </a:p>
+        </p:txBody>
+      </p:sp>
+      <p:sp>
+        <p:nvSpPr>
+          <p:cNvPr id="5" name="矩形 4">
+            <a:extLst>
+              <a:ext uri="{FF2B5EF4-FFF2-40B4-BE49-F238E27FC236}">
+                <a16:creationId xmlns:a16="http://schemas.microsoft.com/office/drawing/2014/main" id="{852E85F7-CA49-4EC1-9A4B-EDD025F96F70}"/>
+              </a:ext>
+            </a:extLst>
+          </p:cNvPr>
+          <p:cNvSpPr/>
+          <p:nvPr/>
+        </p:nvSpPr>
+        <p:spPr>
+          <a:xfrm>
+            <a:off x="5955102" y="920151"/>
+            <a:ext cx="1339970" cy="316302"/>
+          </a:xfrm>
+          <a:prstGeom prst="rect">
+            <a:avLst/>
+          </a:prstGeom>
+        </p:spPr>
+        <p:style>
+          <a:lnRef idx="2">
+            <a:schemeClr val="accent6"/>
+          </a:lnRef>
+          <a:fillRef idx="1">
+            <a:schemeClr val="lt1"/>
+          </a:fillRef>
+          <a:effectRef idx="0">
+            <a:schemeClr val="accent6"/>
+          </a:effectRef>
+          <a:fontRef idx="minor">
+            <a:schemeClr val="dk1"/>
+          </a:fontRef>
+        </p:style>
+        <p:txBody>
+          <a:bodyPr rtlCol="0" anchor="ctr"/>
+          <a:lstStyle/>
+          <a:p>
+            <a:pPr algn="ctr"/>
+            <a:r>
+              <a:rPr lang="en-US" altLang="zh-CN" sz="1200" dirty="0"/>
+              <a:t>DB follow</a:t>
+            </a:r>
+            <a:endParaRPr lang="zh-CN" altLang="en-US" sz="1200" dirty="0"/>
+          </a:p>
+        </p:txBody>
+      </p:sp>
+      <p:sp>
+        <p:nvSpPr>
+          <p:cNvPr id="6" name="矩形 5">
+            <a:extLst>
+              <a:ext uri="{FF2B5EF4-FFF2-40B4-BE49-F238E27FC236}">
+                <a16:creationId xmlns:a16="http://schemas.microsoft.com/office/drawing/2014/main" id="{66AF979B-AA79-460B-AB8F-C41840E6F10A}"/>
+              </a:ext>
+            </a:extLst>
+          </p:cNvPr>
+          <p:cNvSpPr/>
+          <p:nvPr/>
+        </p:nvSpPr>
+        <p:spPr>
+          <a:xfrm>
+            <a:off x="3899140" y="2315231"/>
+            <a:ext cx="1339970" cy="316302"/>
+          </a:xfrm>
+          <a:prstGeom prst="rect">
+            <a:avLst/>
+          </a:prstGeom>
+        </p:spPr>
+        <p:style>
+          <a:lnRef idx="2">
+            <a:schemeClr val="accent6"/>
+          </a:lnRef>
+          <a:fillRef idx="1">
+            <a:schemeClr val="lt1"/>
+          </a:fillRef>
+          <a:effectRef idx="0">
+            <a:schemeClr val="accent6"/>
+          </a:effectRef>
+          <a:fontRef idx="minor">
+            <a:schemeClr val="dk1"/>
+          </a:fontRef>
+        </p:style>
+        <p:txBody>
+          <a:bodyPr rtlCol="0" anchor="ctr"/>
+          <a:lstStyle/>
+          <a:p>
+            <a:pPr algn="ctr"/>
+            <a:r>
+              <a:rPr lang="en-US" altLang="zh-CN" sz="1200" dirty="0"/>
+              <a:t>DB log</a:t>
+            </a:r>
+            <a:endParaRPr lang="zh-CN" altLang="en-US" sz="1200" dirty="0"/>
+          </a:p>
+        </p:txBody>
+      </p:sp>
+      <p:sp>
+        <p:nvSpPr>
+          <p:cNvPr id="8" name="文本框 7">
+            <a:extLst>
+              <a:ext uri="{FF2B5EF4-FFF2-40B4-BE49-F238E27FC236}">
+                <a16:creationId xmlns:a16="http://schemas.microsoft.com/office/drawing/2014/main" id="{0EBE08F9-02CC-4E75-9FA1-84AC02828CA5}"/>
               </a:ext>
             </a:extLst>
           </p:cNvPr>
@@ -8725,18 +8966,13 @@
         </p:nvSpPr>
         <p:spPr>
           <a:xfrm>
-            <a:off x="4544495" y="1062743"/>
-            <a:ext cx="2457369" cy="276999"/>
+            <a:off x="2139351" y="511834"/>
+            <a:ext cx="885645" cy="276999"/>
           </a:xfrm>
           <a:prstGeom prst="rect">
             <a:avLst/>
           </a:prstGeom>
           <a:noFill/>
-          <a:ln>
-            <a:solidFill>
-              <a:schemeClr val="accent1"/>
-            </a:solidFill>
-          </a:ln>
         </p:spPr>
         <p:txBody>
           <a:bodyPr wrap="square" rtlCol="0">
@@ -8746,19 +8982,11 @@
           <a:p>
             <a:r>
               <a:rPr lang="zh-CN" altLang="en-US" sz="1200" dirty="0"/>
-              <a:t>解析到</a:t>
-            </a:r>
-            <a:r>
-              <a:rPr lang="en-US" altLang="zh-CN" sz="1200" dirty="0"/>
-              <a:t>base</a:t>
-            </a:r>
-            <a:r>
-              <a:rPr lang="zh-CN" altLang="en-US" sz="1200" dirty="0"/>
-              <a:t>域名</a:t>
-            </a:r>
-            <a:r>
-              <a:rPr lang="en-US" altLang="zh-CN" sz="1200" dirty="0"/>
-              <a:t>www.aaadns.com</a:t>
+              <a:t>机房</a:t>
+            </a:r>
+            <a:r>
+              <a:rPr lang="en-US" altLang="zh-CN" sz="1200" dirty="0"/>
+              <a:t>1</a:t>
             </a:r>
             <a:endParaRPr lang="zh-CN" altLang="en-US" sz="1200" dirty="0"/>
           </a:p>
@@ -8766,10 +8994,10 @@
       </p:sp>
       <p:sp>
         <p:nvSpPr>
-          <p:cNvPr id="7" name="文本框 6">
-            <a:extLst>
-              <a:ext uri="{FF2B5EF4-FFF2-40B4-BE49-F238E27FC236}">
-                <a16:creationId xmlns:a16="http://schemas.microsoft.com/office/drawing/2014/main" id="{7F4DE25D-3378-4829-9E89-1C17AEF5F1C9}"/>
+          <p:cNvPr id="13" name="文本框 12">
+            <a:extLst>
+              <a:ext uri="{FF2B5EF4-FFF2-40B4-BE49-F238E27FC236}">
+                <a16:creationId xmlns:a16="http://schemas.microsoft.com/office/drawing/2014/main" id="{1DAE2770-1C05-46E5-AD8A-00449AF1F78D}"/>
               </a:ext>
             </a:extLst>
           </p:cNvPr>
@@ -8778,18 +9006,13 @@
         </p:nvSpPr>
         <p:spPr>
           <a:xfrm>
-            <a:off x="2850436" y="2370658"/>
-            <a:ext cx="1338950" cy="278224"/>
+            <a:off x="290421" y="165824"/>
+            <a:ext cx="1547004" cy="276999"/>
           </a:xfrm>
           <a:prstGeom prst="rect">
             <a:avLst/>
           </a:prstGeom>
           <a:noFill/>
-          <a:ln>
-            <a:solidFill>
-              <a:schemeClr val="accent1"/>
-            </a:solidFill>
-          </a:ln>
         </p:spPr>
         <p:txBody>
           <a:bodyPr wrap="square" rtlCol="0">
@@ -8799,22 +9022,65 @@
           <a:p>
             <a:r>
               <a:rPr lang="en-US" altLang="zh-CN" sz="1200" dirty="0"/>
-              <a:t>OS30</a:t>
-            </a:r>
-            <a:r>
-              <a:rPr lang="zh-CN" altLang="en-US" sz="1200" dirty="0"/>
-              <a:t>统一接入层</a:t>
-            </a:r>
-            <a:endParaRPr lang="en-US" altLang="zh-CN" sz="1200" dirty="0"/>
-          </a:p>
-        </p:txBody>
-      </p:sp>
-      <p:sp>
-        <p:nvSpPr>
-          <p:cNvPr id="8" name="文本框 7">
-            <a:extLst>
-              <a:ext uri="{FF2B5EF4-FFF2-40B4-BE49-F238E27FC236}">
-                <a16:creationId xmlns:a16="http://schemas.microsoft.com/office/drawing/2014/main" id="{7B2E211B-64CC-4FDC-A6A5-B6A98608231C}"/>
+              <a:t>DB</a:t>
+            </a:r>
+            <a:r>
+              <a:rPr lang="zh-CN" altLang="en-US" sz="1200" dirty="0"/>
+              <a:t>同城三机房灾备</a:t>
+            </a:r>
+          </a:p>
+        </p:txBody>
+      </p:sp>
+      <p:sp>
+        <p:nvSpPr>
+          <p:cNvPr id="16" name="矩形 15">
+            <a:extLst>
+              <a:ext uri="{FF2B5EF4-FFF2-40B4-BE49-F238E27FC236}">
+                <a16:creationId xmlns:a16="http://schemas.microsoft.com/office/drawing/2014/main" id="{6E5BBB79-3CD2-4785-A029-24F952FF5BC4}"/>
+              </a:ext>
+            </a:extLst>
+          </p:cNvPr>
+          <p:cNvSpPr/>
+          <p:nvPr/>
+        </p:nvSpPr>
+        <p:spPr>
+          <a:xfrm>
+            <a:off x="1176068" y="5356044"/>
+            <a:ext cx="1782794" cy="1046671"/>
+          </a:xfrm>
+          <a:prstGeom prst="rect">
+            <a:avLst/>
+          </a:prstGeom>
+        </p:spPr>
+        <p:style>
+          <a:lnRef idx="2">
+            <a:schemeClr val="accent6"/>
+          </a:lnRef>
+          <a:fillRef idx="1">
+            <a:schemeClr val="lt1"/>
+          </a:fillRef>
+          <a:effectRef idx="0">
+            <a:schemeClr val="accent6"/>
+          </a:effectRef>
+          <a:fontRef idx="minor">
+            <a:schemeClr val="dk1"/>
+          </a:fontRef>
+        </p:style>
+        <p:txBody>
+          <a:bodyPr rtlCol="0" anchor="ctr"/>
+          <a:lstStyle/>
+          <a:p>
+            <a:pPr algn="ctr"/>
+            <a:endParaRPr lang="zh-CN" altLang="en-US"/>
+          </a:p>
+        </p:txBody>
+      </p:sp>
+      <p:sp>
+        <p:nvSpPr>
+          <p:cNvPr id="17" name="文本框 16">
+            <a:extLst>
+              <a:ext uri="{FF2B5EF4-FFF2-40B4-BE49-F238E27FC236}">
+                <a16:creationId xmlns:a16="http://schemas.microsoft.com/office/drawing/2014/main" id="{14AB5ACA-313E-4146-8A6E-23D8A13641C9}"/>
               </a:ext>
             </a:extLst>
           </p:cNvPr>
@@ -8823,18 +9089,13 @@
         </p:nvSpPr>
         <p:spPr>
           <a:xfrm>
-            <a:off x="7443167" y="2370658"/>
-            <a:ext cx="1338950" cy="278224"/>
+            <a:off x="1861869" y="5437517"/>
+            <a:ext cx="885645" cy="276999"/>
           </a:xfrm>
           <a:prstGeom prst="rect">
             <a:avLst/>
           </a:prstGeom>
           <a:noFill/>
-          <a:ln>
-            <a:solidFill>
-              <a:schemeClr val="accent1"/>
-            </a:solidFill>
-          </a:ln>
         </p:spPr>
         <p:txBody>
           <a:bodyPr wrap="square" rtlCol="0">
@@ -8843,23 +9104,67 @@
           <a:lstStyle/>
           <a:p>
             <a:r>
-              <a:rPr lang="en-US" altLang="zh-CN" sz="1200" dirty="0"/>
-              <a:t>SG52</a:t>
-            </a:r>
-            <a:r>
-              <a:rPr lang="zh-CN" altLang="en-US" sz="1200" dirty="0"/>
-              <a:t>统一接入层</a:t>
-            </a:r>
-            <a:endParaRPr lang="en-US" altLang="zh-CN" sz="1200" dirty="0"/>
-          </a:p>
-        </p:txBody>
-      </p:sp>
-      <p:sp>
-        <p:nvSpPr>
-          <p:cNvPr id="9" name="文本框 8">
-            <a:extLst>
-              <a:ext uri="{FF2B5EF4-FFF2-40B4-BE49-F238E27FC236}">
-                <a16:creationId xmlns:a16="http://schemas.microsoft.com/office/drawing/2014/main" id="{EEF82D11-56DC-46C1-90E8-E630333A0D62}"/>
+              <a:rPr lang="zh-CN" altLang="en-US" sz="1200" dirty="0"/>
+              <a:t>机房</a:t>
+            </a:r>
+            <a:r>
+              <a:rPr lang="en-US" altLang="zh-CN" sz="1200" dirty="0"/>
+              <a:t>3</a:t>
+            </a:r>
+            <a:endParaRPr lang="zh-CN" altLang="en-US" sz="1200" dirty="0"/>
+          </a:p>
+        </p:txBody>
+      </p:sp>
+      <p:sp>
+        <p:nvSpPr>
+          <p:cNvPr id="18" name="矩形 17">
+            <a:extLst>
+              <a:ext uri="{FF2B5EF4-FFF2-40B4-BE49-F238E27FC236}">
+                <a16:creationId xmlns:a16="http://schemas.microsoft.com/office/drawing/2014/main" id="{B45CB49A-C591-47D4-A6AE-25E4D2030DF7}"/>
+              </a:ext>
+            </a:extLst>
+          </p:cNvPr>
+          <p:cNvSpPr/>
+          <p:nvPr/>
+        </p:nvSpPr>
+        <p:spPr>
+          <a:xfrm>
+            <a:off x="2369387" y="3610770"/>
+            <a:ext cx="1810109" cy="1046671"/>
+          </a:xfrm>
+          <a:prstGeom prst="rect">
+            <a:avLst/>
+          </a:prstGeom>
+        </p:spPr>
+        <p:style>
+          <a:lnRef idx="2">
+            <a:schemeClr val="accent6"/>
+          </a:lnRef>
+          <a:fillRef idx="1">
+            <a:schemeClr val="lt1"/>
+          </a:fillRef>
+          <a:effectRef idx="0">
+            <a:schemeClr val="accent6"/>
+          </a:effectRef>
+          <a:fontRef idx="minor">
+            <a:schemeClr val="dk1"/>
+          </a:fontRef>
+        </p:style>
+        <p:txBody>
+          <a:bodyPr rtlCol="0" anchor="ctr"/>
+          <a:lstStyle/>
+          <a:p>
+            <a:pPr algn="ctr"/>
+            <a:endParaRPr lang="zh-CN" altLang="en-US"/>
+          </a:p>
+        </p:txBody>
+      </p:sp>
+      <p:sp>
+        <p:nvSpPr>
+          <p:cNvPr id="19" name="文本框 18">
+            <a:extLst>
+              <a:ext uri="{FF2B5EF4-FFF2-40B4-BE49-F238E27FC236}">
+                <a16:creationId xmlns:a16="http://schemas.microsoft.com/office/drawing/2014/main" id="{99D15AED-8094-4539-945A-F0C47651D833}"/>
               </a:ext>
             </a:extLst>
           </p:cNvPr>
@@ -8868,18 +9173,13 @@
         </p:nvSpPr>
         <p:spPr>
           <a:xfrm>
-            <a:off x="2850436" y="2996520"/>
-            <a:ext cx="1338950" cy="276999"/>
+            <a:off x="2451342" y="3695664"/>
+            <a:ext cx="885645" cy="276999"/>
           </a:xfrm>
           <a:prstGeom prst="rect">
             <a:avLst/>
           </a:prstGeom>
           <a:noFill/>
-          <a:ln>
-            <a:solidFill>
-              <a:schemeClr val="accent1"/>
-            </a:solidFill>
-          </a:ln>
         </p:spPr>
         <p:txBody>
           <a:bodyPr wrap="square" rtlCol="0">
@@ -8888,34 +9188,217 @@
           <a:lstStyle/>
           <a:p>
             <a:r>
-              <a:rPr lang="en-US" altLang="zh-CN" sz="1200" dirty="0"/>
-              <a:t>OS30</a:t>
-            </a:r>
-            <a:r>
-              <a:rPr lang="zh-CN" altLang="en-US" sz="1200" dirty="0"/>
-              <a:t>应用</a:t>
-            </a:r>
-            <a:r>
-              <a:rPr lang="en-US" altLang="zh-CN" sz="1200" dirty="0"/>
-              <a:t>A</a:t>
-            </a:r>
-            <a:r>
-              <a:rPr lang="zh-CN" altLang="en-US" sz="1200" dirty="0"/>
-              <a:t>节点</a:t>
-            </a:r>
-            <a:r>
-              <a:rPr lang="en-US" altLang="zh-CN" sz="1200" dirty="0"/>
-              <a:t>1</a:t>
-            </a:r>
-          </a:p>
-        </p:txBody>
-      </p:sp>
-      <p:sp>
-        <p:nvSpPr>
-          <p:cNvPr id="10" name="文本框 9">
-            <a:extLst>
-              <a:ext uri="{FF2B5EF4-FFF2-40B4-BE49-F238E27FC236}">
-                <a16:creationId xmlns:a16="http://schemas.microsoft.com/office/drawing/2014/main" id="{4006409F-F125-4E0D-9250-36B192A88286}"/>
+              <a:rPr lang="zh-CN" altLang="en-US" sz="1200" dirty="0"/>
+              <a:t>机房</a:t>
+            </a:r>
+            <a:r>
+              <a:rPr lang="en-US" altLang="zh-CN" sz="1200" dirty="0"/>
+              <a:t>2</a:t>
+            </a:r>
+            <a:endParaRPr lang="zh-CN" altLang="en-US" sz="1200" dirty="0"/>
+          </a:p>
+        </p:txBody>
+      </p:sp>
+      <p:sp>
+        <p:nvSpPr>
+          <p:cNvPr id="20" name="矩形 19">
+            <a:extLst>
+              <a:ext uri="{FF2B5EF4-FFF2-40B4-BE49-F238E27FC236}">
+                <a16:creationId xmlns:a16="http://schemas.microsoft.com/office/drawing/2014/main" id="{F9C4C33F-C430-4244-B2F1-A115D43E326D}"/>
+              </a:ext>
+            </a:extLst>
+          </p:cNvPr>
+          <p:cNvSpPr/>
+          <p:nvPr/>
+        </p:nvSpPr>
+        <p:spPr>
+          <a:xfrm>
+            <a:off x="228599" y="3640349"/>
+            <a:ext cx="1719533" cy="1046671"/>
+          </a:xfrm>
+          <a:prstGeom prst="rect">
+            <a:avLst/>
+          </a:prstGeom>
+          <a:solidFill>
+            <a:srgbClr val="C00000"/>
+          </a:solidFill>
+        </p:spPr>
+        <p:style>
+          <a:lnRef idx="2">
+            <a:schemeClr val="accent6"/>
+          </a:lnRef>
+          <a:fillRef idx="1">
+            <a:schemeClr val="lt1"/>
+          </a:fillRef>
+          <a:effectRef idx="0">
+            <a:schemeClr val="accent6"/>
+          </a:effectRef>
+          <a:fontRef idx="minor">
+            <a:schemeClr val="dk1"/>
+          </a:fontRef>
+        </p:style>
+        <p:txBody>
+          <a:bodyPr rtlCol="0" anchor="ctr"/>
+          <a:lstStyle/>
+          <a:p>
+            <a:pPr algn="ctr"/>
+            <a:endParaRPr lang="zh-CN" altLang="en-US"/>
+          </a:p>
+        </p:txBody>
+      </p:sp>
+      <p:sp>
+        <p:nvSpPr>
+          <p:cNvPr id="21" name="矩形 20">
+            <a:extLst>
+              <a:ext uri="{FF2B5EF4-FFF2-40B4-BE49-F238E27FC236}">
+                <a16:creationId xmlns:a16="http://schemas.microsoft.com/office/drawing/2014/main" id="{322F8E73-59D4-4174-90AD-2562384605D6}"/>
+              </a:ext>
+            </a:extLst>
+          </p:cNvPr>
+          <p:cNvSpPr/>
+          <p:nvPr/>
+        </p:nvSpPr>
+        <p:spPr>
+          <a:xfrm>
+            <a:off x="381001" y="4109526"/>
+            <a:ext cx="1339970" cy="316302"/>
+          </a:xfrm>
+          <a:prstGeom prst="rect">
+            <a:avLst/>
+          </a:prstGeom>
+          <a:solidFill>
+            <a:srgbClr val="C00000"/>
+          </a:solidFill>
+        </p:spPr>
+        <p:style>
+          <a:lnRef idx="2">
+            <a:schemeClr val="accent6"/>
+          </a:lnRef>
+          <a:fillRef idx="1">
+            <a:schemeClr val="lt1"/>
+          </a:fillRef>
+          <a:effectRef idx="0">
+            <a:schemeClr val="accent6"/>
+          </a:effectRef>
+          <a:fontRef idx="minor">
+            <a:schemeClr val="dk1"/>
+          </a:fontRef>
+        </p:style>
+        <p:txBody>
+          <a:bodyPr rtlCol="0" anchor="ctr"/>
+          <a:lstStyle/>
+          <a:p>
+            <a:pPr algn="ctr"/>
+            <a:r>
+              <a:rPr lang="en-US" altLang="zh-CN" sz="1200" dirty="0"/>
+              <a:t>DB leader</a:t>
+            </a:r>
+            <a:endParaRPr lang="zh-CN" altLang="en-US" sz="1200" dirty="0"/>
+          </a:p>
+        </p:txBody>
+      </p:sp>
+      <p:sp>
+        <p:nvSpPr>
+          <p:cNvPr id="22" name="矩形 21">
+            <a:extLst>
+              <a:ext uri="{FF2B5EF4-FFF2-40B4-BE49-F238E27FC236}">
+                <a16:creationId xmlns:a16="http://schemas.microsoft.com/office/drawing/2014/main" id="{A98518EA-61CD-4771-BC6C-556A137C5BAC}"/>
+              </a:ext>
+            </a:extLst>
+          </p:cNvPr>
+          <p:cNvSpPr/>
+          <p:nvPr/>
+        </p:nvSpPr>
+        <p:spPr>
+          <a:xfrm>
+            <a:off x="2500221" y="4089879"/>
+            <a:ext cx="1339970" cy="316302"/>
+          </a:xfrm>
+          <a:prstGeom prst="rect">
+            <a:avLst/>
+          </a:prstGeom>
+        </p:spPr>
+        <p:style>
+          <a:lnRef idx="2">
+            <a:schemeClr val="accent6"/>
+          </a:lnRef>
+          <a:fillRef idx="1">
+            <a:schemeClr val="lt1"/>
+          </a:fillRef>
+          <a:effectRef idx="0">
+            <a:schemeClr val="accent6"/>
+          </a:effectRef>
+          <a:fontRef idx="minor">
+            <a:schemeClr val="dk1"/>
+          </a:fontRef>
+        </p:style>
+        <p:txBody>
+          <a:bodyPr rtlCol="0" anchor="ctr"/>
+          <a:lstStyle/>
+          <a:p>
+            <a:pPr algn="ctr"/>
+            <a:r>
+              <a:rPr lang="en-US" altLang="zh-CN" sz="1200" dirty="0"/>
+              <a:t>DB follow</a:t>
+            </a:r>
+            <a:endParaRPr lang="zh-CN" altLang="en-US" sz="1200" dirty="0"/>
+          </a:p>
+        </p:txBody>
+      </p:sp>
+      <p:sp>
+        <p:nvSpPr>
+          <p:cNvPr id="23" name="矩形 22">
+            <a:extLst>
+              <a:ext uri="{FF2B5EF4-FFF2-40B4-BE49-F238E27FC236}">
+                <a16:creationId xmlns:a16="http://schemas.microsoft.com/office/drawing/2014/main" id="{94A74BA5-5FBB-4D76-822F-54200F0FFABB}"/>
+              </a:ext>
+            </a:extLst>
+          </p:cNvPr>
+          <p:cNvSpPr/>
+          <p:nvPr/>
+        </p:nvSpPr>
+        <p:spPr>
+          <a:xfrm>
+            <a:off x="1469366" y="5785188"/>
+            <a:ext cx="1339970" cy="316302"/>
+          </a:xfrm>
+          <a:prstGeom prst="rect">
+            <a:avLst/>
+          </a:prstGeom>
+        </p:spPr>
+        <p:style>
+          <a:lnRef idx="2">
+            <a:schemeClr val="accent6"/>
+          </a:lnRef>
+          <a:fillRef idx="1">
+            <a:schemeClr val="lt1"/>
+          </a:fillRef>
+          <a:effectRef idx="0">
+            <a:schemeClr val="accent6"/>
+          </a:effectRef>
+          <a:fontRef idx="minor">
+            <a:schemeClr val="dk1"/>
+          </a:fontRef>
+        </p:style>
+        <p:txBody>
+          <a:bodyPr rtlCol="0" anchor="ctr"/>
+          <a:lstStyle/>
+          <a:p>
+            <a:pPr algn="ctr"/>
+            <a:r>
+              <a:rPr lang="en-US" altLang="zh-CN" sz="1200" dirty="0"/>
+              <a:t>DB log</a:t>
+            </a:r>
+            <a:endParaRPr lang="zh-CN" altLang="en-US" sz="1200" dirty="0"/>
+          </a:p>
+        </p:txBody>
+      </p:sp>
+      <p:sp>
+        <p:nvSpPr>
+          <p:cNvPr id="24" name="文本框 23">
+            <a:extLst>
+              <a:ext uri="{FF2B5EF4-FFF2-40B4-BE49-F238E27FC236}">
+                <a16:creationId xmlns:a16="http://schemas.microsoft.com/office/drawing/2014/main" id="{04FB83D5-AA37-4166-A571-0E2D947A326B}"/>
               </a:ext>
             </a:extLst>
           </p:cNvPr>
@@ -8924,18 +9407,13 @@
         </p:nvSpPr>
         <p:spPr>
           <a:xfrm>
-            <a:off x="2850437" y="3344158"/>
-            <a:ext cx="1338950" cy="276999"/>
+            <a:off x="237228" y="3701209"/>
+            <a:ext cx="885645" cy="276999"/>
           </a:xfrm>
           <a:prstGeom prst="rect">
             <a:avLst/>
           </a:prstGeom>
           <a:noFill/>
-          <a:ln>
-            <a:solidFill>
-              <a:schemeClr val="accent1"/>
-            </a:solidFill>
-          </a:ln>
         </p:spPr>
         <p:txBody>
           <a:bodyPr wrap="square" rtlCol="0">
@@ -8944,34 +9422,67 @@
           <a:lstStyle/>
           <a:p>
             <a:r>
-              <a:rPr lang="en-US" altLang="zh-CN" sz="1200" dirty="0"/>
-              <a:t>OS30</a:t>
-            </a:r>
-            <a:r>
-              <a:rPr lang="zh-CN" altLang="en-US" sz="1200" dirty="0"/>
-              <a:t>应用</a:t>
-            </a:r>
-            <a:r>
-              <a:rPr lang="en-US" altLang="zh-CN" sz="1200" dirty="0"/>
-              <a:t>A</a:t>
-            </a:r>
-            <a:r>
-              <a:rPr lang="zh-CN" altLang="en-US" sz="1200" dirty="0"/>
-              <a:t>节点</a:t>
-            </a:r>
-            <a:r>
-              <a:rPr lang="en-US" altLang="zh-CN" sz="1200" dirty="0"/>
-              <a:t>2</a:t>
-            </a:r>
-          </a:p>
-        </p:txBody>
-      </p:sp>
-      <p:sp>
-        <p:nvSpPr>
-          <p:cNvPr id="11" name="文本框 10">
-            <a:extLst>
-              <a:ext uri="{FF2B5EF4-FFF2-40B4-BE49-F238E27FC236}">
-                <a16:creationId xmlns:a16="http://schemas.microsoft.com/office/drawing/2014/main" id="{51EE403E-55AE-42F1-BF38-C3DEF5944C84}"/>
+              <a:rPr lang="zh-CN" altLang="en-US" sz="1200" dirty="0"/>
+              <a:t>机房</a:t>
+            </a:r>
+            <a:r>
+              <a:rPr lang="en-US" altLang="zh-CN" sz="1200" dirty="0"/>
+              <a:t>1</a:t>
+            </a:r>
+            <a:endParaRPr lang="zh-CN" altLang="en-US" sz="1200" dirty="0"/>
+          </a:p>
+        </p:txBody>
+      </p:sp>
+      <p:sp>
+        <p:nvSpPr>
+          <p:cNvPr id="40" name="矩形 39">
+            <a:extLst>
+              <a:ext uri="{FF2B5EF4-FFF2-40B4-BE49-F238E27FC236}">
+                <a16:creationId xmlns:a16="http://schemas.microsoft.com/office/drawing/2014/main" id="{DEB5EA9C-9B8E-4601-BA83-E88746351BF3}"/>
+              </a:ext>
+            </a:extLst>
+          </p:cNvPr>
+          <p:cNvSpPr/>
+          <p:nvPr/>
+        </p:nvSpPr>
+        <p:spPr>
+          <a:xfrm>
+            <a:off x="7861541" y="5368506"/>
+            <a:ext cx="2070340" cy="1046671"/>
+          </a:xfrm>
+          <a:prstGeom prst="rect">
+            <a:avLst/>
+          </a:prstGeom>
+        </p:spPr>
+        <p:style>
+          <a:lnRef idx="2">
+            <a:schemeClr val="accent6"/>
+          </a:lnRef>
+          <a:fillRef idx="1">
+            <a:schemeClr val="lt1"/>
+          </a:fillRef>
+          <a:effectRef idx="0">
+            <a:schemeClr val="accent6"/>
+          </a:effectRef>
+          <a:fontRef idx="minor">
+            <a:schemeClr val="dk1"/>
+          </a:fontRef>
+        </p:style>
+        <p:txBody>
+          <a:bodyPr rtlCol="0" anchor="ctr"/>
+          <a:lstStyle/>
+          <a:p>
+            <a:pPr algn="ctr"/>
+            <a:endParaRPr lang="zh-CN" altLang="en-US"/>
+          </a:p>
+        </p:txBody>
+      </p:sp>
+      <p:sp>
+        <p:nvSpPr>
+          <p:cNvPr id="41" name="文本框 40">
+            <a:extLst>
+              <a:ext uri="{FF2B5EF4-FFF2-40B4-BE49-F238E27FC236}">
+                <a16:creationId xmlns:a16="http://schemas.microsoft.com/office/drawing/2014/main" id="{E4B048B9-3B75-40D7-80D9-26ADA9151809}"/>
               </a:ext>
             </a:extLst>
           </p:cNvPr>
@@ -8980,18 +9491,13 @@
         </p:nvSpPr>
         <p:spPr>
           <a:xfrm>
-            <a:off x="7443166" y="2996519"/>
-            <a:ext cx="1338950" cy="276999"/>
+            <a:off x="7959307" y="5437517"/>
+            <a:ext cx="885645" cy="276999"/>
           </a:xfrm>
           <a:prstGeom prst="rect">
             <a:avLst/>
           </a:prstGeom>
           <a:noFill/>
-          <a:ln>
-            <a:solidFill>
-              <a:schemeClr val="accent1"/>
-            </a:solidFill>
-          </a:ln>
         </p:spPr>
         <p:txBody>
           <a:bodyPr wrap="square" rtlCol="0">
@@ -9000,34 +9506,67 @@
           <a:lstStyle/>
           <a:p>
             <a:r>
-              <a:rPr lang="en-US" altLang="zh-CN" sz="1200" dirty="0"/>
-              <a:t>SG52</a:t>
-            </a:r>
-            <a:r>
-              <a:rPr lang="zh-CN" altLang="en-US" sz="1200" dirty="0"/>
-              <a:t>应用</a:t>
-            </a:r>
-            <a:r>
-              <a:rPr lang="en-US" altLang="zh-CN" sz="1200" dirty="0"/>
-              <a:t>A</a:t>
-            </a:r>
-            <a:r>
-              <a:rPr lang="zh-CN" altLang="en-US" sz="1200" dirty="0"/>
-              <a:t>节点</a:t>
+              <a:rPr lang="zh-CN" altLang="en-US" sz="1200" dirty="0"/>
+              <a:t>机房</a:t>
             </a:r>
             <a:r>
               <a:rPr lang="en-US" altLang="zh-CN" sz="1200" dirty="0"/>
               <a:t>3</a:t>
             </a:r>
-          </a:p>
-        </p:txBody>
-      </p:sp>
-      <p:sp>
-        <p:nvSpPr>
-          <p:cNvPr id="12" name="文本框 11">
-            <a:extLst>
-              <a:ext uri="{FF2B5EF4-FFF2-40B4-BE49-F238E27FC236}">
-                <a16:creationId xmlns:a16="http://schemas.microsoft.com/office/drawing/2014/main" id="{1F0F606F-010E-4D31-84F3-26B46353DC9E}"/>
+            <a:endParaRPr lang="zh-CN" altLang="en-US" sz="1200" dirty="0"/>
+          </a:p>
+        </p:txBody>
+      </p:sp>
+      <p:sp>
+        <p:nvSpPr>
+          <p:cNvPr id="42" name="矩形 41">
+            <a:extLst>
+              <a:ext uri="{FF2B5EF4-FFF2-40B4-BE49-F238E27FC236}">
+                <a16:creationId xmlns:a16="http://schemas.microsoft.com/office/drawing/2014/main" id="{53A0E63B-E8C2-4D20-9AA2-0A9A4B89C255}"/>
+              </a:ext>
+            </a:extLst>
+          </p:cNvPr>
+          <p:cNvSpPr/>
+          <p:nvPr/>
+        </p:nvSpPr>
+        <p:spPr>
+          <a:xfrm>
+            <a:off x="9785232" y="3882845"/>
+            <a:ext cx="2070340" cy="1046671"/>
+          </a:xfrm>
+          <a:prstGeom prst="rect">
+            <a:avLst/>
+          </a:prstGeom>
+        </p:spPr>
+        <p:style>
+          <a:lnRef idx="2">
+            <a:schemeClr val="accent6"/>
+          </a:lnRef>
+          <a:fillRef idx="1">
+            <a:schemeClr val="lt1"/>
+          </a:fillRef>
+          <a:effectRef idx="0">
+            <a:schemeClr val="accent6"/>
+          </a:effectRef>
+          <a:fontRef idx="minor">
+            <a:schemeClr val="dk1"/>
+          </a:fontRef>
+        </p:style>
+        <p:txBody>
+          <a:bodyPr rtlCol="0" anchor="ctr"/>
+          <a:lstStyle/>
+          <a:p>
+            <a:pPr algn="ctr"/>
+            <a:endParaRPr lang="zh-CN" altLang="en-US"/>
+          </a:p>
+        </p:txBody>
+      </p:sp>
+      <p:sp>
+        <p:nvSpPr>
+          <p:cNvPr id="43" name="文本框 42">
+            <a:extLst>
+              <a:ext uri="{FF2B5EF4-FFF2-40B4-BE49-F238E27FC236}">
+                <a16:creationId xmlns:a16="http://schemas.microsoft.com/office/drawing/2014/main" id="{04717B42-9F5E-48A6-A77C-1E0173B95BC7}"/>
               </a:ext>
             </a:extLst>
           </p:cNvPr>
@@ -9036,18 +9575,13 @@
         </p:nvSpPr>
         <p:spPr>
           <a:xfrm>
-            <a:off x="7443166" y="3377750"/>
-            <a:ext cx="1338950" cy="276999"/>
+            <a:off x="9882998" y="3951856"/>
+            <a:ext cx="885645" cy="276999"/>
           </a:xfrm>
           <a:prstGeom prst="rect">
             <a:avLst/>
           </a:prstGeom>
           <a:noFill/>
-          <a:ln>
-            <a:solidFill>
-              <a:schemeClr val="accent1"/>
-            </a:solidFill>
-          </a:ln>
         </p:spPr>
         <p:txBody>
           <a:bodyPr wrap="square" rtlCol="0">
@@ -9056,34 +9590,211 @@
           <a:lstStyle/>
           <a:p>
             <a:r>
-              <a:rPr lang="en-US" altLang="zh-CN" sz="1200" dirty="0"/>
-              <a:t>SG52</a:t>
-            </a:r>
-            <a:r>
-              <a:rPr lang="zh-CN" altLang="en-US" sz="1200" dirty="0"/>
-              <a:t>应用</a:t>
-            </a:r>
-            <a:r>
-              <a:rPr lang="en-US" altLang="zh-CN" sz="1200" dirty="0"/>
-              <a:t>A</a:t>
-            </a:r>
-            <a:r>
-              <a:rPr lang="zh-CN" altLang="en-US" sz="1200" dirty="0"/>
-              <a:t>节点</a:t>
-            </a:r>
-            <a:r>
-              <a:rPr lang="en-US" altLang="zh-CN" sz="1200" dirty="0"/>
-              <a:t>4</a:t>
-            </a:r>
-          </a:p>
-        </p:txBody>
-      </p:sp>
-      <p:sp>
-        <p:nvSpPr>
-          <p:cNvPr id="13" name="文本框 12">
-            <a:extLst>
-              <a:ext uri="{FF2B5EF4-FFF2-40B4-BE49-F238E27FC236}">
-                <a16:creationId xmlns:a16="http://schemas.microsoft.com/office/drawing/2014/main" id="{E9129C8D-CDAC-49D4-A6F4-F33BF447ACAB}"/>
+              <a:rPr lang="zh-CN" altLang="en-US" sz="1200" dirty="0"/>
+              <a:t>机房</a:t>
+            </a:r>
+            <a:r>
+              <a:rPr lang="en-US" altLang="zh-CN" sz="1200" dirty="0"/>
+              <a:t>2</a:t>
+            </a:r>
+            <a:endParaRPr lang="zh-CN" altLang="en-US" sz="1200" dirty="0"/>
+          </a:p>
+        </p:txBody>
+      </p:sp>
+      <p:sp>
+        <p:nvSpPr>
+          <p:cNvPr id="44" name="矩形 43">
+            <a:extLst>
+              <a:ext uri="{FF2B5EF4-FFF2-40B4-BE49-F238E27FC236}">
+                <a16:creationId xmlns:a16="http://schemas.microsoft.com/office/drawing/2014/main" id="{4BA43E3F-0EC6-49D3-A706-D0AB5A1D5128}"/>
+              </a:ext>
+            </a:extLst>
+          </p:cNvPr>
+          <p:cNvSpPr/>
+          <p:nvPr/>
+        </p:nvSpPr>
+        <p:spPr>
+          <a:xfrm>
+            <a:off x="6705601" y="3906031"/>
+            <a:ext cx="2070340" cy="1046671"/>
+          </a:xfrm>
+          <a:prstGeom prst="rect">
+            <a:avLst/>
+          </a:prstGeom>
+        </p:spPr>
+        <p:style>
+          <a:lnRef idx="2">
+            <a:schemeClr val="accent6"/>
+          </a:lnRef>
+          <a:fillRef idx="1">
+            <a:schemeClr val="lt1"/>
+          </a:fillRef>
+          <a:effectRef idx="0">
+            <a:schemeClr val="accent6"/>
+          </a:effectRef>
+          <a:fontRef idx="minor">
+            <a:schemeClr val="dk1"/>
+          </a:fontRef>
+        </p:style>
+        <p:txBody>
+          <a:bodyPr rtlCol="0" anchor="ctr"/>
+          <a:lstStyle/>
+          <a:p>
+            <a:pPr algn="ctr"/>
+            <a:endParaRPr lang="zh-CN" altLang="en-US"/>
+          </a:p>
+        </p:txBody>
+      </p:sp>
+      <p:sp>
+        <p:nvSpPr>
+          <p:cNvPr id="45" name="矩形 44">
+            <a:extLst>
+              <a:ext uri="{FF2B5EF4-FFF2-40B4-BE49-F238E27FC236}">
+                <a16:creationId xmlns:a16="http://schemas.microsoft.com/office/drawing/2014/main" id="{100670BC-FE99-4744-8662-BCEF862EF249}"/>
+              </a:ext>
+            </a:extLst>
+          </p:cNvPr>
+          <p:cNvSpPr/>
+          <p:nvPr/>
+        </p:nvSpPr>
+        <p:spPr>
+          <a:xfrm>
+            <a:off x="7191556" y="4278970"/>
+            <a:ext cx="1339970" cy="316302"/>
+          </a:xfrm>
+          <a:prstGeom prst="rect">
+            <a:avLst/>
+          </a:prstGeom>
+        </p:spPr>
+        <p:style>
+          <a:lnRef idx="2">
+            <a:schemeClr val="accent6"/>
+          </a:lnRef>
+          <a:fillRef idx="1">
+            <a:schemeClr val="lt1"/>
+          </a:fillRef>
+          <a:effectRef idx="0">
+            <a:schemeClr val="accent6"/>
+          </a:effectRef>
+          <a:fontRef idx="minor">
+            <a:schemeClr val="dk1"/>
+          </a:fontRef>
+        </p:style>
+        <p:txBody>
+          <a:bodyPr rtlCol="0" anchor="ctr"/>
+          <a:lstStyle/>
+          <a:p>
+            <a:pPr algn="ctr"/>
+            <a:r>
+              <a:rPr lang="en-US" altLang="zh-CN" sz="1200" dirty="0"/>
+              <a:t>DB follow</a:t>
+            </a:r>
+            <a:endParaRPr lang="zh-CN" altLang="en-US" sz="1200" dirty="0"/>
+          </a:p>
+        </p:txBody>
+      </p:sp>
+      <p:sp>
+        <p:nvSpPr>
+          <p:cNvPr id="46" name="矩形 45">
+            <a:extLst>
+              <a:ext uri="{FF2B5EF4-FFF2-40B4-BE49-F238E27FC236}">
+                <a16:creationId xmlns:a16="http://schemas.microsoft.com/office/drawing/2014/main" id="{4D1F91A8-0B58-46D1-A3BF-260288535305}"/>
+              </a:ext>
+            </a:extLst>
+          </p:cNvPr>
+          <p:cNvSpPr/>
+          <p:nvPr/>
+        </p:nvSpPr>
+        <p:spPr>
+          <a:xfrm>
+            <a:off x="10124537" y="4360173"/>
+            <a:ext cx="1339970" cy="316302"/>
+          </a:xfrm>
+          <a:prstGeom prst="rect">
+            <a:avLst/>
+          </a:prstGeom>
+        </p:spPr>
+        <p:style>
+          <a:lnRef idx="2">
+            <a:schemeClr val="accent6"/>
+          </a:lnRef>
+          <a:fillRef idx="1">
+            <a:schemeClr val="lt1"/>
+          </a:fillRef>
+          <a:effectRef idx="0">
+            <a:schemeClr val="accent6"/>
+          </a:effectRef>
+          <a:fontRef idx="minor">
+            <a:schemeClr val="dk1"/>
+          </a:fontRef>
+        </p:style>
+        <p:txBody>
+          <a:bodyPr rtlCol="0" anchor="ctr"/>
+          <a:lstStyle/>
+          <a:p>
+            <a:pPr algn="ctr"/>
+            <a:r>
+              <a:rPr lang="en-US" altLang="zh-CN" sz="1200" dirty="0"/>
+              <a:t>DB leader</a:t>
+            </a:r>
+            <a:endParaRPr lang="zh-CN" altLang="en-US" sz="1200" dirty="0"/>
+          </a:p>
+        </p:txBody>
+      </p:sp>
+      <p:sp>
+        <p:nvSpPr>
+          <p:cNvPr id="47" name="矩形 46">
+            <a:extLst>
+              <a:ext uri="{FF2B5EF4-FFF2-40B4-BE49-F238E27FC236}">
+                <a16:creationId xmlns:a16="http://schemas.microsoft.com/office/drawing/2014/main" id="{D356F668-3B73-4C1F-AF47-B92E7454A371}"/>
+              </a:ext>
+            </a:extLst>
+          </p:cNvPr>
+          <p:cNvSpPr/>
+          <p:nvPr/>
+        </p:nvSpPr>
+        <p:spPr>
+          <a:xfrm>
+            <a:off x="8094455" y="5774425"/>
+            <a:ext cx="1339970" cy="316302"/>
+          </a:xfrm>
+          <a:prstGeom prst="rect">
+            <a:avLst/>
+          </a:prstGeom>
+        </p:spPr>
+        <p:style>
+          <a:lnRef idx="2">
+            <a:schemeClr val="accent6"/>
+          </a:lnRef>
+          <a:fillRef idx="1">
+            <a:schemeClr val="lt1"/>
+          </a:fillRef>
+          <a:effectRef idx="0">
+            <a:schemeClr val="accent6"/>
+          </a:effectRef>
+          <a:fontRef idx="minor">
+            <a:schemeClr val="dk1"/>
+          </a:fontRef>
+        </p:style>
+        <p:txBody>
+          <a:bodyPr rtlCol="0" anchor="ctr"/>
+          <a:lstStyle/>
+          <a:p>
+            <a:pPr algn="ctr"/>
+            <a:r>
+              <a:rPr lang="en-US" altLang="zh-CN" sz="1200" dirty="0"/>
+              <a:t>DB log</a:t>
+            </a:r>
+            <a:endParaRPr lang="zh-CN" altLang="en-US" sz="1200" dirty="0"/>
+          </a:p>
+        </p:txBody>
+      </p:sp>
+      <p:sp>
+        <p:nvSpPr>
+          <p:cNvPr id="48" name="文本框 47">
+            <a:extLst>
+              <a:ext uri="{FF2B5EF4-FFF2-40B4-BE49-F238E27FC236}">
+                <a16:creationId xmlns:a16="http://schemas.microsoft.com/office/drawing/2014/main" id="{FE463BC1-7A5D-4E4B-86F8-4242217A4883}"/>
               </a:ext>
             </a:extLst>
           </p:cNvPr>
@@ -9092,18 +9803,13 @@
         </p:nvSpPr>
         <p:spPr>
           <a:xfrm>
-            <a:off x="4630606" y="2279379"/>
-            <a:ext cx="2518823" cy="461665"/>
+            <a:off x="6800492" y="3951379"/>
+            <a:ext cx="885645" cy="276999"/>
           </a:xfrm>
           <a:prstGeom prst="rect">
             <a:avLst/>
           </a:prstGeom>
           <a:noFill/>
-          <a:ln>
-            <a:solidFill>
-              <a:schemeClr val="accent1"/>
-            </a:solidFill>
-          </a:ln>
         </p:spPr>
         <p:txBody>
           <a:bodyPr wrap="square" rtlCol="0">
@@ -9112,83 +9818,41 @@
           <a:lstStyle/>
           <a:p>
             <a:r>
-              <a:rPr lang="en-US" altLang="zh-CN" sz="1200" dirty="0"/>
-              <a:t>Vipserver key </a:t>
-            </a:r>
-            <a:r>
-              <a:rPr lang="zh-CN" altLang="en-US" sz="1200" dirty="0"/>
-              <a:t>跨机房注册</a:t>
-            </a:r>
-            <a:r>
-              <a:rPr lang="en-US" altLang="zh-CN" sz="1200" dirty="0"/>
-              <a:t> app-a</a:t>
-            </a:r>
-            <a:r>
-              <a:rPr lang="zh-CN" altLang="en-US" sz="1200" dirty="0"/>
-              <a:t>：</a:t>
-            </a:r>
-            <a:endParaRPr lang="en-US" altLang="zh-CN" sz="1200" dirty="0"/>
-          </a:p>
-          <a:p>
-            <a:r>
-              <a:rPr lang="zh-CN" altLang="en-US" sz="1200" dirty="0"/>
-              <a:t>节点</a:t>
+              <a:rPr lang="zh-CN" altLang="en-US" sz="1200" dirty="0"/>
+              <a:t>机房</a:t>
             </a:r>
             <a:r>
               <a:rPr lang="en-US" altLang="zh-CN" sz="1200" dirty="0"/>
               <a:t>1</a:t>
             </a:r>
-            <a:r>
-              <a:rPr lang="zh-CN" altLang="en-US" sz="1200" dirty="0"/>
-              <a:t>   节点</a:t>
-            </a:r>
-            <a:r>
-              <a:rPr lang="en-US" altLang="zh-CN" sz="1200" dirty="0"/>
-              <a:t>2   </a:t>
-            </a:r>
-            <a:r>
-              <a:rPr lang="zh-CN" altLang="en-US" sz="1200" dirty="0"/>
-              <a:t>节点</a:t>
-            </a:r>
-            <a:r>
-              <a:rPr lang="en-US" altLang="zh-CN" sz="1200" dirty="0"/>
-              <a:t>3     </a:t>
-            </a:r>
-            <a:r>
-              <a:rPr lang="zh-CN" altLang="en-US" sz="1200" dirty="0"/>
-              <a:t>节点</a:t>
-            </a:r>
-            <a:r>
-              <a:rPr lang="en-US" altLang="zh-CN" sz="1200" dirty="0"/>
-              <a:t>4</a:t>
-            </a:r>
+            <a:endParaRPr lang="zh-CN" altLang="en-US" sz="1200" dirty="0"/>
           </a:p>
         </p:txBody>
       </p:sp>
       <p:cxnSp>
         <p:nvCxnSpPr>
-          <p:cNvPr id="15" name="直接箭头连接符 14">
-            <a:extLst>
-              <a:ext uri="{FF2B5EF4-FFF2-40B4-BE49-F238E27FC236}">
-                <a16:creationId xmlns:a16="http://schemas.microsoft.com/office/drawing/2014/main" id="{01421A87-D201-4817-96A6-229B2BE1721F}"/>
+          <p:cNvPr id="51" name="直接箭头连接符 50">
+            <a:extLst>
+              <a:ext uri="{FF2B5EF4-FFF2-40B4-BE49-F238E27FC236}">
+                <a16:creationId xmlns:a16="http://schemas.microsoft.com/office/drawing/2014/main" id="{2557637A-40DE-4592-8997-B061DF7EC160}"/>
               </a:ext>
             </a:extLst>
           </p:cNvPr>
           <p:cNvCxnSpPr>
-            <a:stCxn id="8" idx="1"/>
-            <a:endCxn id="13" idx="3"/>
+            <a:stCxn id="46" idx="2"/>
           </p:cNvCxnSpPr>
           <p:nvPr/>
         </p:nvCxnSpPr>
         <p:spPr>
           <a:xfrm flipH="1">
-            <a:off x="7149429" y="2509770"/>
-            <a:ext cx="293738" cy="442"/>
+            <a:off x="8775941" y="4676475"/>
+            <a:ext cx="2018581" cy="1288688"/>
           </a:xfrm>
           <a:prstGeom prst="straightConnector1">
             <a:avLst/>
           </a:prstGeom>
           <a:ln>
+            <a:headEnd type="triangle"/>
             <a:tailEnd type="triangle"/>
           </a:ln>
         </p:spPr>
@@ -9207,180 +9871,12 @@
           </a:fontRef>
         </p:style>
       </p:cxnSp>
-      <p:cxnSp>
-        <p:nvCxnSpPr>
-          <p:cNvPr id="18" name="直接箭头连接符 17">
-            <a:extLst>
-              <a:ext uri="{FF2B5EF4-FFF2-40B4-BE49-F238E27FC236}">
-                <a16:creationId xmlns:a16="http://schemas.microsoft.com/office/drawing/2014/main" id="{C7E8F700-ABB0-4593-B268-A033D90E3226}"/>
-              </a:ext>
-            </a:extLst>
-          </p:cNvPr>
-          <p:cNvCxnSpPr>
-            <a:stCxn id="7" idx="3"/>
-            <a:endCxn id="13" idx="1"/>
-          </p:cNvCxnSpPr>
-          <p:nvPr/>
-        </p:nvCxnSpPr>
-        <p:spPr>
-          <a:xfrm>
-            <a:off x="4189386" y="2509770"/>
-            <a:ext cx="441220" cy="442"/>
-          </a:xfrm>
-          <a:prstGeom prst="straightConnector1">
-            <a:avLst/>
-          </a:prstGeom>
-          <a:ln>
-            <a:tailEnd type="triangle"/>
-          </a:ln>
-        </p:spPr>
-        <p:style>
-          <a:lnRef idx="1">
-            <a:schemeClr val="accent1"/>
-          </a:lnRef>
-          <a:fillRef idx="0">
-            <a:schemeClr val="accent1"/>
-          </a:fillRef>
-          <a:effectRef idx="0">
-            <a:schemeClr val="accent1"/>
-          </a:effectRef>
-          <a:fontRef idx="minor">
-            <a:schemeClr val="tx1"/>
-          </a:fontRef>
-        </p:style>
-      </p:cxnSp>
-      <p:cxnSp>
-        <p:nvCxnSpPr>
-          <p:cNvPr id="20" name="直接箭头连接符 19">
-            <a:extLst>
-              <a:ext uri="{FF2B5EF4-FFF2-40B4-BE49-F238E27FC236}">
-                <a16:creationId xmlns:a16="http://schemas.microsoft.com/office/drawing/2014/main" id="{14FE827C-8382-4447-9D05-A6199C916657}"/>
-              </a:ext>
-            </a:extLst>
-          </p:cNvPr>
-          <p:cNvCxnSpPr>
-            <a:stCxn id="5" idx="2"/>
-            <a:endCxn id="6" idx="0"/>
-          </p:cNvCxnSpPr>
-          <p:nvPr/>
-        </p:nvCxnSpPr>
-        <p:spPr>
-          <a:xfrm>
-            <a:off x="5771766" y="826006"/>
-            <a:ext cx="1414" cy="236737"/>
-          </a:xfrm>
-          <a:prstGeom prst="straightConnector1">
-            <a:avLst/>
-          </a:prstGeom>
-          <a:ln>
-            <a:tailEnd type="triangle"/>
-          </a:ln>
-        </p:spPr>
-        <p:style>
-          <a:lnRef idx="1">
-            <a:schemeClr val="accent1"/>
-          </a:lnRef>
-          <a:fillRef idx="0">
-            <a:schemeClr val="accent1"/>
-          </a:fillRef>
-          <a:effectRef idx="0">
-            <a:schemeClr val="accent1"/>
-          </a:effectRef>
-          <a:fontRef idx="minor">
-            <a:schemeClr val="tx1"/>
-          </a:fontRef>
-        </p:style>
-      </p:cxnSp>
-      <p:cxnSp>
-        <p:nvCxnSpPr>
-          <p:cNvPr id="22" name="直接箭头连接符 21">
-            <a:extLst>
-              <a:ext uri="{FF2B5EF4-FFF2-40B4-BE49-F238E27FC236}">
-                <a16:creationId xmlns:a16="http://schemas.microsoft.com/office/drawing/2014/main" id="{E81D865B-99C4-45A5-95C8-790B9D7C766F}"/>
-              </a:ext>
-            </a:extLst>
-          </p:cNvPr>
-          <p:cNvCxnSpPr>
-            <a:stCxn id="6" idx="2"/>
-            <a:endCxn id="7" idx="0"/>
-          </p:cNvCxnSpPr>
-          <p:nvPr/>
-        </p:nvCxnSpPr>
-        <p:spPr>
-          <a:xfrm flipH="1">
-            <a:off x="3519911" y="1339742"/>
-            <a:ext cx="2253269" cy="1030916"/>
-          </a:xfrm>
-          <a:prstGeom prst="straightConnector1">
-            <a:avLst/>
-          </a:prstGeom>
-          <a:ln>
-            <a:tailEnd type="triangle"/>
-          </a:ln>
-        </p:spPr>
-        <p:style>
-          <a:lnRef idx="1">
-            <a:schemeClr val="accent1"/>
-          </a:lnRef>
-          <a:fillRef idx="0">
-            <a:schemeClr val="accent1"/>
-          </a:fillRef>
-          <a:effectRef idx="0">
-            <a:schemeClr val="accent1"/>
-          </a:effectRef>
-          <a:fontRef idx="minor">
-            <a:schemeClr val="tx1"/>
-          </a:fontRef>
-        </p:style>
-      </p:cxnSp>
-      <p:cxnSp>
-        <p:nvCxnSpPr>
-          <p:cNvPr id="24" name="直接箭头连接符 23">
-            <a:extLst>
-              <a:ext uri="{FF2B5EF4-FFF2-40B4-BE49-F238E27FC236}">
-                <a16:creationId xmlns:a16="http://schemas.microsoft.com/office/drawing/2014/main" id="{C2961714-37DB-4CDF-91D8-EB4A5400FE5C}"/>
-              </a:ext>
-            </a:extLst>
-          </p:cNvPr>
-          <p:cNvCxnSpPr>
-            <a:stCxn id="7" idx="2"/>
-            <a:endCxn id="12" idx="1"/>
-          </p:cNvCxnSpPr>
-          <p:nvPr/>
-        </p:nvCxnSpPr>
-        <p:spPr>
-          <a:xfrm>
-            <a:off x="3519911" y="2648882"/>
-            <a:ext cx="3923255" cy="867368"/>
-          </a:xfrm>
-          <a:prstGeom prst="straightConnector1">
-            <a:avLst/>
-          </a:prstGeom>
-          <a:ln>
-            <a:tailEnd type="triangle"/>
-          </a:ln>
-        </p:spPr>
-        <p:style>
-          <a:lnRef idx="1">
-            <a:schemeClr val="accent1"/>
-          </a:lnRef>
-          <a:fillRef idx="0">
-            <a:schemeClr val="accent1"/>
-          </a:fillRef>
-          <a:effectRef idx="0">
-            <a:schemeClr val="accent1"/>
-          </a:effectRef>
-          <a:fontRef idx="minor">
-            <a:schemeClr val="tx1"/>
-          </a:fontRef>
-        </p:style>
-      </p:cxnSp>
-      <p:sp>
-        <p:nvSpPr>
-          <p:cNvPr id="25" name="文本框 24">
-            <a:extLst>
-              <a:ext uri="{FF2B5EF4-FFF2-40B4-BE49-F238E27FC236}">
-                <a16:creationId xmlns:a16="http://schemas.microsoft.com/office/drawing/2014/main" id="{CF6EE4CF-15F9-4DD1-873B-9F047D25F980}"/>
+      <p:sp>
+        <p:nvSpPr>
+          <p:cNvPr id="68" name="文本框 67">
+            <a:extLst>
+              <a:ext uri="{FF2B5EF4-FFF2-40B4-BE49-F238E27FC236}">
+                <a16:creationId xmlns:a16="http://schemas.microsoft.com/office/drawing/2014/main" id="{FE70E412-E4F8-4E07-9760-4D085D81B31C}"/>
               </a:ext>
             </a:extLst>
           </p:cNvPr>
@@ -9389,18 +9885,13 @@
         </p:nvSpPr>
         <p:spPr>
           <a:xfrm>
-            <a:off x="2850436" y="4630572"/>
-            <a:ext cx="1338950" cy="276999"/>
+            <a:off x="1429112" y="801289"/>
+            <a:ext cx="606722" cy="276999"/>
           </a:xfrm>
           <a:prstGeom prst="rect">
             <a:avLst/>
           </a:prstGeom>
           <a:noFill/>
-          <a:ln>
-            <a:solidFill>
-              <a:schemeClr val="accent1"/>
-            </a:solidFill>
-          </a:ln>
         </p:spPr>
         <p:txBody>
           <a:bodyPr wrap="square" rtlCol="0">
@@ -9409,34 +9900,18 @@
           <a:lstStyle/>
           <a:p>
             <a:r>
-              <a:rPr lang="en-US" altLang="zh-CN" sz="1200" dirty="0"/>
-              <a:t>OS30</a:t>
-            </a:r>
-            <a:r>
-              <a:rPr lang="zh-CN" altLang="en-US" sz="1200" dirty="0"/>
-              <a:t>应用</a:t>
-            </a:r>
-            <a:r>
-              <a:rPr lang="en-US" altLang="zh-CN" sz="1200" dirty="0"/>
-              <a:t>B</a:t>
-            </a:r>
-            <a:r>
-              <a:rPr lang="zh-CN" altLang="en-US" sz="1200" dirty="0"/>
-              <a:t>节点</a:t>
-            </a:r>
-            <a:r>
-              <a:rPr lang="en-US" altLang="zh-CN" sz="1200" dirty="0"/>
-              <a:t>1</a:t>
-            </a:r>
-          </a:p>
-        </p:txBody>
-      </p:sp>
-      <p:sp>
-        <p:nvSpPr>
-          <p:cNvPr id="26" name="文本框 25">
-            <a:extLst>
-              <a:ext uri="{FF2B5EF4-FFF2-40B4-BE49-F238E27FC236}">
-                <a16:creationId xmlns:a16="http://schemas.microsoft.com/office/drawing/2014/main" id="{78DBE6AF-84EF-4666-B5A5-CD34FDFF1AC3}"/>
+              <a:rPr lang="zh-CN" altLang="en-US" sz="1200" dirty="0"/>
+              <a:t>常态</a:t>
+            </a:r>
+          </a:p>
+        </p:txBody>
+      </p:sp>
+      <p:sp>
+        <p:nvSpPr>
+          <p:cNvPr id="69" name="文本框 68">
+            <a:extLst>
+              <a:ext uri="{FF2B5EF4-FFF2-40B4-BE49-F238E27FC236}">
+                <a16:creationId xmlns:a16="http://schemas.microsoft.com/office/drawing/2014/main" id="{DCB35738-17DA-4616-B355-1C01E8DA8385}"/>
               </a:ext>
             </a:extLst>
           </p:cNvPr>
@@ -9445,18 +9920,13 @@
         </p:nvSpPr>
         <p:spPr>
           <a:xfrm>
-            <a:off x="2847282" y="4990879"/>
-            <a:ext cx="1338950" cy="276999"/>
+            <a:off x="4459239" y="4278970"/>
+            <a:ext cx="2087887" cy="646331"/>
           </a:xfrm>
           <a:prstGeom prst="rect">
             <a:avLst/>
           </a:prstGeom>
           <a:noFill/>
-          <a:ln>
-            <a:solidFill>
-              <a:schemeClr val="accent1"/>
-            </a:solidFill>
-          </a:ln>
         </p:spPr>
         <p:txBody>
           <a:bodyPr wrap="square" rtlCol="0">
@@ -9465,34 +9935,31 @@
           <a:lstStyle/>
           <a:p>
             <a:r>
-              <a:rPr lang="en-US" altLang="zh-CN" sz="1200" dirty="0"/>
-              <a:t>OS30</a:t>
-            </a:r>
-            <a:r>
-              <a:rPr lang="zh-CN" altLang="en-US" sz="1200" dirty="0"/>
-              <a:t>应用</a:t>
-            </a:r>
-            <a:r>
-              <a:rPr lang="en-US" altLang="zh-CN" sz="1200" dirty="0"/>
-              <a:t>B</a:t>
-            </a:r>
-            <a:r>
-              <a:rPr lang="zh-CN" altLang="en-US" sz="1200" dirty="0"/>
-              <a:t>节点</a:t>
-            </a:r>
-            <a:r>
-              <a:rPr lang="en-US" altLang="zh-CN" sz="1200" dirty="0"/>
-              <a:t>1</a:t>
-            </a:r>
-          </a:p>
-        </p:txBody>
-      </p:sp>
-      <p:sp>
-        <p:nvSpPr>
-          <p:cNvPr id="27" name="文本框 26">
-            <a:extLst>
-              <a:ext uri="{FF2B5EF4-FFF2-40B4-BE49-F238E27FC236}">
-                <a16:creationId xmlns:a16="http://schemas.microsoft.com/office/drawing/2014/main" id="{1E7FC0FD-4872-4048-A1FF-0FC0220C7DE9}"/>
+              <a:rPr lang="zh-CN" altLang="en-US" sz="1200" dirty="0"/>
+              <a:t>重新选举，</a:t>
+            </a:r>
+            <a:r>
+              <a:rPr lang="en-US" altLang="zh-CN" sz="1200" dirty="0"/>
+              <a:t>leader</a:t>
+            </a:r>
+            <a:r>
+              <a:rPr lang="zh-CN" altLang="en-US" sz="1200" dirty="0"/>
+              <a:t>提升为主节点，主节点恢复后变为</a:t>
+            </a:r>
+            <a:r>
+              <a:rPr lang="en-US" altLang="zh-CN" sz="1200" dirty="0"/>
+              <a:t>follow</a:t>
+            </a:r>
+            <a:endParaRPr lang="zh-CN" altLang="en-US" sz="1200" dirty="0"/>
+          </a:p>
+        </p:txBody>
+      </p:sp>
+      <p:sp>
+        <p:nvSpPr>
+          <p:cNvPr id="70" name="文本框 69">
+            <a:extLst>
+              <a:ext uri="{FF2B5EF4-FFF2-40B4-BE49-F238E27FC236}">
+                <a16:creationId xmlns:a16="http://schemas.microsoft.com/office/drawing/2014/main" id="{8DD30317-A5E8-4E4E-BF5D-D600886BFC1B}"/>
               </a:ext>
             </a:extLst>
           </p:cNvPr>
@@ -9501,18 +9968,13 @@
         </p:nvSpPr>
         <p:spPr>
           <a:xfrm>
-            <a:off x="7443166" y="4561323"/>
-            <a:ext cx="1338950" cy="276999"/>
+            <a:off x="1016818" y="3085917"/>
+            <a:ext cx="1062479" cy="276999"/>
           </a:xfrm>
           <a:prstGeom prst="rect">
             <a:avLst/>
           </a:prstGeom>
           <a:noFill/>
-          <a:ln>
-            <a:solidFill>
-              <a:schemeClr val="accent1"/>
-            </a:solidFill>
-          </a:ln>
         </p:spPr>
         <p:txBody>
           <a:bodyPr wrap="square" rtlCol="0">
@@ -9521,34 +9983,106 @@
           <a:lstStyle/>
           <a:p>
             <a:r>
-              <a:rPr lang="en-US" altLang="zh-CN" sz="1200" dirty="0"/>
-              <a:t>SG52</a:t>
-            </a:r>
-            <a:r>
-              <a:rPr lang="zh-CN" altLang="en-US" sz="1200" dirty="0"/>
-              <a:t>应用</a:t>
-            </a:r>
-            <a:r>
-              <a:rPr lang="en-US" altLang="zh-CN" sz="1200" dirty="0"/>
-              <a:t>B</a:t>
-            </a:r>
-            <a:r>
-              <a:rPr lang="zh-CN" altLang="en-US" sz="1200" dirty="0"/>
-              <a:t>节点</a:t>
-            </a:r>
-            <a:r>
-              <a:rPr lang="en-US" altLang="zh-CN" sz="1200" dirty="0"/>
-              <a:t>3</a:t>
-            </a:r>
-          </a:p>
-        </p:txBody>
-      </p:sp>
-      <p:sp>
-        <p:nvSpPr>
-          <p:cNvPr id="28" name="文本框 27">
-            <a:extLst>
-              <a:ext uri="{FF2B5EF4-FFF2-40B4-BE49-F238E27FC236}">
-                <a16:creationId xmlns:a16="http://schemas.microsoft.com/office/drawing/2014/main" id="{92E26A39-05B4-4787-9653-8D0302079F7D}"/>
+              <a:rPr lang="zh-CN" altLang="en-US" sz="1200" dirty="0"/>
+              <a:t>主节点异常</a:t>
+            </a:r>
+          </a:p>
+        </p:txBody>
+      </p:sp>
+      <p:sp>
+        <p:nvSpPr>
+          <p:cNvPr id="71" name="箭头: 右 70">
+            <a:extLst>
+              <a:ext uri="{FF2B5EF4-FFF2-40B4-BE49-F238E27FC236}">
+                <a16:creationId xmlns:a16="http://schemas.microsoft.com/office/drawing/2014/main" id="{7FC15F86-7FBB-4687-B87E-9D26BE156D67}"/>
+              </a:ext>
+            </a:extLst>
+          </p:cNvPr>
+          <p:cNvSpPr/>
+          <p:nvPr/>
+        </p:nvSpPr>
+        <p:spPr>
+          <a:xfrm rot="8407609">
+            <a:off x="467261" y="2484059"/>
+            <a:ext cx="1193321" cy="648890"/>
+          </a:xfrm>
+          <a:prstGeom prst="rightArrow">
+            <a:avLst/>
+          </a:prstGeom>
+        </p:spPr>
+        <p:style>
+          <a:lnRef idx="2">
+            <a:schemeClr val="accent6"/>
+          </a:lnRef>
+          <a:fillRef idx="1">
+            <a:schemeClr val="lt1"/>
+          </a:fillRef>
+          <a:effectRef idx="0">
+            <a:schemeClr val="accent6"/>
+          </a:effectRef>
+          <a:fontRef idx="minor">
+            <a:schemeClr val="dk1"/>
+          </a:fontRef>
+        </p:style>
+        <p:txBody>
+          <a:bodyPr rtlCol="0" anchor="ctr"/>
+          <a:lstStyle/>
+          <a:p>
+            <a:pPr algn="ctr"/>
+            <a:endParaRPr lang="zh-CN" altLang="en-US"/>
+          </a:p>
+        </p:txBody>
+      </p:sp>
+      <p:sp>
+        <p:nvSpPr>
+          <p:cNvPr id="72" name="箭头: 右 71">
+            <a:extLst>
+              <a:ext uri="{FF2B5EF4-FFF2-40B4-BE49-F238E27FC236}">
+                <a16:creationId xmlns:a16="http://schemas.microsoft.com/office/drawing/2014/main" id="{DC611E28-E332-4117-8F9C-0E5E296BF6D2}"/>
+              </a:ext>
+            </a:extLst>
+          </p:cNvPr>
+          <p:cNvSpPr/>
+          <p:nvPr/>
+        </p:nvSpPr>
+        <p:spPr>
+          <a:xfrm>
+            <a:off x="4813541" y="5065626"/>
+            <a:ext cx="1193321" cy="648890"/>
+          </a:xfrm>
+          <a:prstGeom prst="rightArrow">
+            <a:avLst/>
+          </a:prstGeom>
+        </p:spPr>
+        <p:style>
+          <a:lnRef idx="2">
+            <a:schemeClr val="accent6"/>
+          </a:lnRef>
+          <a:fillRef idx="1">
+            <a:schemeClr val="lt1"/>
+          </a:fillRef>
+          <a:effectRef idx="0">
+            <a:schemeClr val="accent6"/>
+          </a:effectRef>
+          <a:fontRef idx="minor">
+            <a:schemeClr val="dk1"/>
+          </a:fontRef>
+        </p:style>
+        <p:txBody>
+          <a:bodyPr rtlCol="0" anchor="ctr"/>
+          <a:lstStyle/>
+          <a:p>
+            <a:pPr algn="ctr"/>
+            <a:endParaRPr lang="zh-CN" altLang="en-US"/>
+          </a:p>
+        </p:txBody>
+      </p:sp>
+      <p:sp>
+        <p:nvSpPr>
+          <p:cNvPr id="78" name="文本框 77">
+            <a:extLst>
+              <a:ext uri="{FF2B5EF4-FFF2-40B4-BE49-F238E27FC236}">
+                <a16:creationId xmlns:a16="http://schemas.microsoft.com/office/drawing/2014/main" id="{7C3D541C-F3FC-4196-B869-80834971A8E0}"/>
               </a:ext>
             </a:extLst>
           </p:cNvPr>
@@ -9557,18 +10091,13 @@
         </p:nvSpPr>
         <p:spPr>
           <a:xfrm>
-            <a:off x="7443166" y="4921630"/>
-            <a:ext cx="1338950" cy="276999"/>
+            <a:off x="10124397" y="5161935"/>
+            <a:ext cx="1069259" cy="276999"/>
           </a:xfrm>
           <a:prstGeom prst="rect">
             <a:avLst/>
           </a:prstGeom>
           <a:noFill/>
-          <a:ln>
-            <a:solidFill>
-              <a:schemeClr val="accent1"/>
-            </a:solidFill>
-          </a:ln>
         </p:spPr>
         <p:txBody>
           <a:bodyPr wrap="square" rtlCol="0">
@@ -9577,944 +10106,16 @@
           <a:lstStyle/>
           <a:p>
             <a:r>
-              <a:rPr lang="en-US" altLang="zh-CN" sz="1200" dirty="0"/>
-              <a:t>SG52</a:t>
-            </a:r>
-            <a:r>
-              <a:rPr lang="zh-CN" altLang="en-US" sz="1200" dirty="0"/>
-              <a:t>应用</a:t>
-            </a:r>
-            <a:r>
-              <a:rPr lang="en-US" altLang="zh-CN" sz="1200" dirty="0"/>
-              <a:t>B</a:t>
-            </a:r>
-            <a:r>
-              <a:rPr lang="zh-CN" altLang="en-US" sz="1200" dirty="0"/>
-              <a:t>节点</a:t>
-            </a:r>
-            <a:r>
-              <a:rPr lang="en-US" altLang="zh-CN" sz="1200" dirty="0"/>
-              <a:t>4</a:t>
-            </a:r>
-          </a:p>
-        </p:txBody>
-      </p:sp>
-      <p:sp>
-        <p:nvSpPr>
-          <p:cNvPr id="29" name="文本框 28">
-            <a:extLst>
-              <a:ext uri="{FF2B5EF4-FFF2-40B4-BE49-F238E27FC236}">
-                <a16:creationId xmlns:a16="http://schemas.microsoft.com/office/drawing/2014/main" id="{8AA42813-6614-486E-B48E-BEFDF9E784A7}"/>
-              </a:ext>
-            </a:extLst>
-          </p:cNvPr>
-          <p:cNvSpPr txBox="1"/>
-          <p:nvPr/>
-        </p:nvSpPr>
-        <p:spPr>
-          <a:xfrm>
-            <a:off x="4630606" y="5017540"/>
-            <a:ext cx="2518823" cy="461665"/>
-          </a:xfrm>
-          <a:prstGeom prst="rect">
-            <a:avLst/>
-          </a:prstGeom>
-          <a:noFill/>
-          <a:ln>
-            <a:solidFill>
-              <a:schemeClr val="accent1"/>
-            </a:solidFill>
-          </a:ln>
-        </p:spPr>
-        <p:txBody>
-          <a:bodyPr wrap="square" rtlCol="0">
-            <a:spAutoFit/>
-          </a:bodyPr>
-          <a:lstStyle/>
-          <a:p>
-            <a:r>
-              <a:rPr lang="en-US" altLang="zh-CN" sz="1200" dirty="0"/>
-              <a:t>configServer </a:t>
-            </a:r>
-            <a:r>
-              <a:rPr lang="zh-CN" altLang="en-US" sz="1200" dirty="0"/>
-              <a:t>跨机房注册</a:t>
-            </a:r>
-            <a:r>
-              <a:rPr lang="en-US" altLang="zh-CN" sz="1200" dirty="0"/>
-              <a:t> app-b</a:t>
-            </a:r>
-            <a:r>
-              <a:rPr lang="zh-CN" altLang="en-US" sz="1200" dirty="0"/>
-              <a:t>：</a:t>
-            </a:r>
-            <a:endParaRPr lang="en-US" altLang="zh-CN" sz="1200" dirty="0"/>
-          </a:p>
-          <a:p>
-            <a:r>
-              <a:rPr lang="zh-CN" altLang="en-US" sz="1200" dirty="0"/>
-              <a:t>节点</a:t>
-            </a:r>
-            <a:r>
-              <a:rPr lang="en-US" altLang="zh-CN" sz="1200" dirty="0"/>
-              <a:t>1</a:t>
-            </a:r>
-            <a:r>
-              <a:rPr lang="zh-CN" altLang="en-US" sz="1200" dirty="0"/>
-              <a:t>   节点</a:t>
-            </a:r>
-            <a:r>
-              <a:rPr lang="en-US" altLang="zh-CN" sz="1200" dirty="0"/>
-              <a:t>2   </a:t>
-            </a:r>
-            <a:r>
-              <a:rPr lang="zh-CN" altLang="en-US" sz="1200" dirty="0"/>
-              <a:t>节点</a:t>
-            </a:r>
-            <a:r>
-              <a:rPr lang="en-US" altLang="zh-CN" sz="1200" dirty="0"/>
-              <a:t>3     </a:t>
-            </a:r>
-            <a:r>
-              <a:rPr lang="zh-CN" altLang="en-US" sz="1200" dirty="0"/>
-              <a:t>节点</a:t>
-            </a:r>
-            <a:r>
-              <a:rPr lang="en-US" altLang="zh-CN" sz="1200" dirty="0"/>
-              <a:t>4</a:t>
-            </a:r>
-          </a:p>
-        </p:txBody>
-      </p:sp>
-      <p:sp>
-        <p:nvSpPr>
-          <p:cNvPr id="36" name="文本框 35">
-            <a:extLst>
-              <a:ext uri="{FF2B5EF4-FFF2-40B4-BE49-F238E27FC236}">
-                <a16:creationId xmlns:a16="http://schemas.microsoft.com/office/drawing/2014/main" id="{97CE3447-D7BB-4DE2-9790-81EB74563206}"/>
-              </a:ext>
-            </a:extLst>
-          </p:cNvPr>
-          <p:cNvSpPr txBox="1"/>
-          <p:nvPr/>
-        </p:nvSpPr>
-        <p:spPr>
-          <a:xfrm>
-            <a:off x="2386606" y="2086750"/>
-            <a:ext cx="921352" cy="276999"/>
-          </a:xfrm>
-          <a:prstGeom prst="rect">
-            <a:avLst/>
-          </a:prstGeom>
-          <a:noFill/>
-        </p:spPr>
-        <p:txBody>
-          <a:bodyPr wrap="square" rtlCol="0">
-            <a:spAutoFit/>
-          </a:bodyPr>
-          <a:lstStyle/>
-          <a:p>
-            <a:r>
-              <a:rPr lang="en-US" altLang="zh-CN" sz="1200" dirty="0"/>
-              <a:t>OS30</a:t>
-            </a:r>
-            <a:r>
-              <a:rPr lang="zh-CN" altLang="en-US" sz="1200" dirty="0"/>
-              <a:t>机房</a:t>
-            </a:r>
-          </a:p>
-        </p:txBody>
-      </p:sp>
-      <p:sp>
-        <p:nvSpPr>
-          <p:cNvPr id="40" name="文本框 39">
-            <a:extLst>
-              <a:ext uri="{FF2B5EF4-FFF2-40B4-BE49-F238E27FC236}">
-                <a16:creationId xmlns:a16="http://schemas.microsoft.com/office/drawing/2014/main" id="{188BD3F6-83C7-4E12-9981-CFB2BFF75FBC}"/>
-              </a:ext>
-            </a:extLst>
-          </p:cNvPr>
-          <p:cNvSpPr txBox="1"/>
-          <p:nvPr/>
-        </p:nvSpPr>
-        <p:spPr>
-          <a:xfrm>
-            <a:off x="1013999" y="1701171"/>
-            <a:ext cx="1605074" cy="276999"/>
-          </a:xfrm>
-          <a:prstGeom prst="rect">
-            <a:avLst/>
-          </a:prstGeom>
-          <a:noFill/>
-        </p:spPr>
-        <p:txBody>
-          <a:bodyPr wrap="square" rtlCol="0">
-            <a:spAutoFit/>
-          </a:bodyPr>
-          <a:lstStyle/>
-          <a:p>
-            <a:r>
-              <a:rPr lang="zh-CN" altLang="en-US" sz="1200" dirty="0"/>
-              <a:t>新加坡单元</a:t>
-            </a:r>
-          </a:p>
-        </p:txBody>
-      </p:sp>
-      <p:cxnSp>
-        <p:nvCxnSpPr>
-          <p:cNvPr id="43" name="直接箭头连接符 42">
-            <a:extLst>
-              <a:ext uri="{FF2B5EF4-FFF2-40B4-BE49-F238E27FC236}">
-                <a16:creationId xmlns:a16="http://schemas.microsoft.com/office/drawing/2014/main" id="{01BD03DD-C0B9-4535-B3FA-0CF1B13E86A8}"/>
-              </a:ext>
-            </a:extLst>
-          </p:cNvPr>
-          <p:cNvCxnSpPr/>
-          <p:nvPr/>
-        </p:nvCxnSpPr>
-        <p:spPr>
-          <a:xfrm>
-            <a:off x="969951" y="385313"/>
-            <a:ext cx="651815" cy="0"/>
-          </a:xfrm>
-          <a:prstGeom prst="straightConnector1">
-            <a:avLst/>
-          </a:prstGeom>
-          <a:ln>
-            <a:tailEnd type="triangle"/>
-          </a:ln>
-        </p:spPr>
-        <p:style>
-          <a:lnRef idx="1">
-            <a:schemeClr val="accent1"/>
-          </a:lnRef>
-          <a:fillRef idx="0">
-            <a:schemeClr val="accent1"/>
-          </a:fillRef>
-          <a:effectRef idx="0">
-            <a:schemeClr val="accent1"/>
-          </a:effectRef>
-          <a:fontRef idx="minor">
-            <a:schemeClr val="tx1"/>
-          </a:fontRef>
-        </p:style>
-      </p:cxnSp>
-      <p:sp>
-        <p:nvSpPr>
-          <p:cNvPr id="44" name="文本框 43">
-            <a:extLst>
-              <a:ext uri="{FF2B5EF4-FFF2-40B4-BE49-F238E27FC236}">
-                <a16:creationId xmlns:a16="http://schemas.microsoft.com/office/drawing/2014/main" id="{2FF2C28D-9F3D-4300-A8D4-71720EF18C32}"/>
-              </a:ext>
-            </a:extLst>
-          </p:cNvPr>
-          <p:cNvSpPr txBox="1"/>
-          <p:nvPr/>
-        </p:nvSpPr>
-        <p:spPr>
-          <a:xfrm>
-            <a:off x="1754038" y="243534"/>
-            <a:ext cx="902898" cy="276999"/>
-          </a:xfrm>
-          <a:prstGeom prst="rect">
-            <a:avLst/>
-          </a:prstGeom>
-          <a:noFill/>
-        </p:spPr>
-        <p:txBody>
-          <a:bodyPr wrap="square" rtlCol="0">
-            <a:spAutoFit/>
-          </a:bodyPr>
-          <a:lstStyle/>
-          <a:p>
-            <a:r>
-              <a:rPr lang="zh-CN" altLang="en-US" sz="1200" dirty="0"/>
-              <a:t>正常流量</a:t>
-            </a:r>
-          </a:p>
-        </p:txBody>
-      </p:sp>
-      <p:cxnSp>
-        <p:nvCxnSpPr>
-          <p:cNvPr id="46" name="直接箭头连接符 45">
-            <a:extLst>
-              <a:ext uri="{FF2B5EF4-FFF2-40B4-BE49-F238E27FC236}">
-                <a16:creationId xmlns:a16="http://schemas.microsoft.com/office/drawing/2014/main" id="{BD1955F4-6E0E-4556-9BC9-A88A8FC68E57}"/>
-              </a:ext>
-            </a:extLst>
-          </p:cNvPr>
-          <p:cNvCxnSpPr/>
-          <p:nvPr/>
-        </p:nvCxnSpPr>
-        <p:spPr>
-          <a:xfrm>
-            <a:off x="969951" y="822385"/>
-            <a:ext cx="651815" cy="0"/>
-          </a:xfrm>
-          <a:prstGeom prst="straightConnector1">
-            <a:avLst/>
-          </a:prstGeom>
-          <a:ln w="9525" cap="flat" cmpd="sng" algn="ctr">
-            <a:solidFill>
-              <a:schemeClr val="accent2"/>
-            </a:solidFill>
-            <a:prstDash val="solid"/>
-            <a:round/>
-            <a:headEnd type="none" w="med" len="med"/>
-            <a:tailEnd type="arrow" w="med" len="med"/>
-          </a:ln>
-        </p:spPr>
-        <p:style>
-          <a:lnRef idx="0">
-            <a:scrgbClr r="0" g="0" b="0"/>
-          </a:lnRef>
-          <a:fillRef idx="0">
-            <a:scrgbClr r="0" g="0" b="0"/>
-          </a:fillRef>
-          <a:effectRef idx="0">
-            <a:scrgbClr r="0" g="0" b="0"/>
-          </a:effectRef>
-          <a:fontRef idx="minor">
-            <a:schemeClr val="tx1"/>
-          </a:fontRef>
-        </p:style>
-      </p:cxnSp>
-      <p:sp>
-        <p:nvSpPr>
-          <p:cNvPr id="47" name="文本框 46">
-            <a:extLst>
-              <a:ext uri="{FF2B5EF4-FFF2-40B4-BE49-F238E27FC236}">
-                <a16:creationId xmlns:a16="http://schemas.microsoft.com/office/drawing/2014/main" id="{8AEAC16B-54A0-4311-980E-DF476462E5B9}"/>
-              </a:ext>
-            </a:extLst>
-          </p:cNvPr>
-          <p:cNvSpPr txBox="1"/>
-          <p:nvPr/>
-        </p:nvSpPr>
-        <p:spPr>
-          <a:xfrm>
-            <a:off x="1754038" y="672456"/>
-            <a:ext cx="902898" cy="276999"/>
-          </a:xfrm>
-          <a:prstGeom prst="rect">
-            <a:avLst/>
-          </a:prstGeom>
-          <a:noFill/>
-        </p:spPr>
-        <p:txBody>
-          <a:bodyPr wrap="square" rtlCol="0">
-            <a:spAutoFit/>
-          </a:bodyPr>
-          <a:lstStyle/>
-          <a:p>
-            <a:r>
-              <a:rPr lang="zh-CN" altLang="en-US" sz="1200" dirty="0"/>
-              <a:t>异步流量</a:t>
-            </a:r>
-          </a:p>
-        </p:txBody>
-      </p:sp>
-      <p:sp>
-        <p:nvSpPr>
-          <p:cNvPr id="48" name="文本框 47">
-            <a:extLst>
-              <a:ext uri="{FF2B5EF4-FFF2-40B4-BE49-F238E27FC236}">
-                <a16:creationId xmlns:a16="http://schemas.microsoft.com/office/drawing/2014/main" id="{F87FF4D2-7232-4291-B84D-1A99CFC812B7}"/>
-              </a:ext>
-            </a:extLst>
-          </p:cNvPr>
-          <p:cNvSpPr txBox="1"/>
-          <p:nvPr/>
-        </p:nvSpPr>
-        <p:spPr>
-          <a:xfrm>
-            <a:off x="2847282" y="3917777"/>
-            <a:ext cx="1338950" cy="276999"/>
-          </a:xfrm>
-          <a:prstGeom prst="rect">
-            <a:avLst/>
-          </a:prstGeom>
-          <a:noFill/>
-          <a:ln>
-            <a:solidFill>
-              <a:schemeClr val="accent1"/>
-            </a:solidFill>
-          </a:ln>
-        </p:spPr>
-        <p:txBody>
-          <a:bodyPr wrap="square" rtlCol="0">
-            <a:spAutoFit/>
-          </a:bodyPr>
-          <a:lstStyle/>
-          <a:p>
-            <a:r>
-              <a:rPr lang="en-US" altLang="zh-CN" sz="1200" dirty="0"/>
-              <a:t>OS30 metaQ</a:t>
-            </a:r>
-          </a:p>
-        </p:txBody>
-      </p:sp>
-      <p:sp>
-        <p:nvSpPr>
-          <p:cNvPr id="49" name="文本框 48">
-            <a:extLst>
-              <a:ext uri="{FF2B5EF4-FFF2-40B4-BE49-F238E27FC236}">
-                <a16:creationId xmlns:a16="http://schemas.microsoft.com/office/drawing/2014/main" id="{9932CB4E-F585-4556-8A18-FB29F566E08F}"/>
-              </a:ext>
-            </a:extLst>
-          </p:cNvPr>
-          <p:cNvSpPr txBox="1"/>
-          <p:nvPr/>
-        </p:nvSpPr>
-        <p:spPr>
-          <a:xfrm>
-            <a:off x="7450615" y="3931868"/>
-            <a:ext cx="1338950" cy="276999"/>
-          </a:xfrm>
-          <a:prstGeom prst="rect">
-            <a:avLst/>
-          </a:prstGeom>
-          <a:noFill/>
-          <a:ln>
-            <a:solidFill>
-              <a:schemeClr val="accent1"/>
-            </a:solidFill>
-          </a:ln>
-        </p:spPr>
-        <p:txBody>
-          <a:bodyPr wrap="square" rtlCol="0">
-            <a:spAutoFit/>
-          </a:bodyPr>
-          <a:lstStyle/>
-          <a:p>
-            <a:r>
-              <a:rPr lang="en-US" altLang="zh-CN" sz="1200" dirty="0"/>
-              <a:t>SG52 metaQ</a:t>
-            </a:r>
-          </a:p>
-        </p:txBody>
-      </p:sp>
-      <p:cxnSp>
-        <p:nvCxnSpPr>
-          <p:cNvPr id="51" name="直接箭头连接符 50">
-            <a:extLst>
-              <a:ext uri="{FF2B5EF4-FFF2-40B4-BE49-F238E27FC236}">
-                <a16:creationId xmlns:a16="http://schemas.microsoft.com/office/drawing/2014/main" id="{D42E32EC-FE85-4479-8325-DBCAE45D4875}"/>
-              </a:ext>
-            </a:extLst>
-          </p:cNvPr>
-          <p:cNvCxnSpPr>
-            <a:stCxn id="10" idx="2"/>
-            <a:endCxn id="48" idx="0"/>
-          </p:cNvCxnSpPr>
-          <p:nvPr/>
-        </p:nvCxnSpPr>
-        <p:spPr>
-          <a:xfrm flipH="1">
-            <a:off x="3516757" y="3621157"/>
-            <a:ext cx="3155" cy="296620"/>
-          </a:xfrm>
-          <a:prstGeom prst="straightConnector1">
-            <a:avLst/>
-          </a:prstGeom>
-          <a:ln w="9525" cap="flat" cmpd="sng" algn="ctr">
-            <a:solidFill>
-              <a:schemeClr val="accent2"/>
-            </a:solidFill>
-            <a:prstDash val="solid"/>
-            <a:round/>
-            <a:headEnd type="none" w="med" len="med"/>
-            <a:tailEnd type="arrow" w="med" len="med"/>
-          </a:ln>
-        </p:spPr>
-        <p:style>
-          <a:lnRef idx="0">
-            <a:scrgbClr r="0" g="0" b="0"/>
-          </a:lnRef>
-          <a:fillRef idx="0">
-            <a:scrgbClr r="0" g="0" b="0"/>
-          </a:fillRef>
-          <a:effectRef idx="0">
-            <a:scrgbClr r="0" g="0" b="0"/>
-          </a:effectRef>
-          <a:fontRef idx="minor">
-            <a:schemeClr val="tx1"/>
-          </a:fontRef>
-        </p:style>
-      </p:cxnSp>
-      <p:sp>
-        <p:nvSpPr>
-          <p:cNvPr id="54" name="文本框 53">
-            <a:extLst>
-              <a:ext uri="{FF2B5EF4-FFF2-40B4-BE49-F238E27FC236}">
-                <a16:creationId xmlns:a16="http://schemas.microsoft.com/office/drawing/2014/main" id="{04EC76CD-D8C1-484B-9892-0032D247886A}"/>
-              </a:ext>
-            </a:extLst>
-          </p:cNvPr>
-          <p:cNvSpPr txBox="1"/>
-          <p:nvPr/>
-        </p:nvSpPr>
-        <p:spPr>
-          <a:xfrm>
-            <a:off x="7773220" y="159150"/>
-            <a:ext cx="4256338" cy="1384995"/>
-          </a:xfrm>
-          <a:prstGeom prst="rect">
-            <a:avLst/>
-          </a:prstGeom>
-          <a:noFill/>
-        </p:spPr>
-        <p:txBody>
-          <a:bodyPr wrap="square" rtlCol="0">
-            <a:spAutoFit/>
-          </a:bodyPr>
-          <a:lstStyle/>
-          <a:p>
-            <a:r>
-              <a:rPr lang="zh-CN" altLang="en-US" sz="1200" dirty="0"/>
-              <a:t>备注：</a:t>
-            </a:r>
-            <a:endParaRPr lang="en-US" altLang="zh-CN" sz="1200" dirty="0"/>
-          </a:p>
-          <a:p>
-            <a:r>
-              <a:rPr lang="en-US" altLang="zh-CN" sz="1200" dirty="0"/>
-              <a:t>Aserver</a:t>
-            </a:r>
-            <a:r>
-              <a:rPr lang="zh-CN" altLang="en-US" sz="1200" dirty="0"/>
-              <a:t>调度识别单元不识别机房，因此</a:t>
-            </a:r>
-            <a:r>
-              <a:rPr lang="en-US" altLang="zh-CN" sz="1200" dirty="0" err="1"/>
-              <a:t>vipserver</a:t>
-            </a:r>
-            <a:r>
-              <a:rPr lang="en-US" altLang="zh-CN" sz="1200" dirty="0"/>
-              <a:t> key</a:t>
-            </a:r>
-            <a:r>
-              <a:rPr lang="zh-CN" altLang="en-US" sz="1200" dirty="0"/>
-              <a:t>多机房挂载同一个</a:t>
-            </a:r>
-            <a:r>
-              <a:rPr lang="en-US" altLang="zh-CN" sz="1200" dirty="0"/>
-              <a:t>key</a:t>
-            </a:r>
-            <a:r>
-              <a:rPr lang="zh-CN" altLang="en-US" sz="1200" dirty="0"/>
-              <a:t>上可以进行机房间的负载均衡。</a:t>
-            </a:r>
-            <a:endParaRPr lang="en-US" altLang="zh-CN" sz="1200" dirty="0"/>
-          </a:p>
-          <a:p>
-            <a:r>
-              <a:rPr lang="zh-CN" altLang="en-US" sz="1200" dirty="0"/>
-              <a:t>而</a:t>
-            </a:r>
-            <a:r>
-              <a:rPr lang="en-US" altLang="zh-CN" sz="1200" dirty="0"/>
-              <a:t>HSF</a:t>
-            </a:r>
-            <a:r>
-              <a:rPr lang="zh-CN" altLang="en-US" sz="1200" dirty="0"/>
-              <a:t>也可以以单元的粒度进行配置，配置为</a:t>
-            </a:r>
-            <a:r>
-              <a:rPr lang="en-US" altLang="zh-CN" sz="1200" dirty="0"/>
-              <a:t>center</a:t>
-            </a:r>
-            <a:r>
-              <a:rPr lang="zh-CN" altLang="en-US" sz="1200" dirty="0"/>
-              <a:t>模式，即可自主在不同机房间进行负载均衡。</a:t>
-            </a:r>
-            <a:endParaRPr lang="en-US" altLang="zh-CN" sz="1200" dirty="0"/>
-          </a:p>
-          <a:p>
-            <a:r>
-              <a:rPr lang="zh-CN" altLang="en-US" sz="1200" dirty="0"/>
-              <a:t>异步消息也是以单元为基础，同单元不同机房可能会出现跨机房的流量投递和消费</a:t>
-            </a:r>
-          </a:p>
-        </p:txBody>
-      </p:sp>
-      <p:sp>
-        <p:nvSpPr>
-          <p:cNvPr id="52" name="矩形 51">
-            <a:extLst>
-              <a:ext uri="{FF2B5EF4-FFF2-40B4-BE49-F238E27FC236}">
-                <a16:creationId xmlns:a16="http://schemas.microsoft.com/office/drawing/2014/main" id="{C00B2E5B-D0E6-446D-9252-9EC99353E5BC}"/>
-              </a:ext>
-            </a:extLst>
-          </p:cNvPr>
-          <p:cNvSpPr/>
-          <p:nvPr/>
-        </p:nvSpPr>
-        <p:spPr>
-          <a:xfrm>
-            <a:off x="3128513" y="5963728"/>
-            <a:ext cx="4508740" cy="857962"/>
-          </a:xfrm>
-          <a:prstGeom prst="rect">
-            <a:avLst/>
-          </a:prstGeom>
-        </p:spPr>
-        <p:style>
-          <a:lnRef idx="2">
-            <a:schemeClr val="accent6"/>
-          </a:lnRef>
-          <a:fillRef idx="1">
-            <a:schemeClr val="lt1"/>
-          </a:fillRef>
-          <a:effectRef idx="0">
-            <a:schemeClr val="accent6"/>
-          </a:effectRef>
-          <a:fontRef idx="minor">
-            <a:schemeClr val="dk1"/>
-          </a:fontRef>
-        </p:style>
-        <p:txBody>
-          <a:bodyPr rtlCol="0" anchor="ctr"/>
-          <a:lstStyle/>
-          <a:p>
-            <a:pPr algn="ctr"/>
-            <a:endParaRPr lang="zh-CN" altLang="en-US"/>
-          </a:p>
-        </p:txBody>
-      </p:sp>
-      <p:sp>
-        <p:nvSpPr>
-          <p:cNvPr id="55" name="矩形 54">
-            <a:extLst>
-              <a:ext uri="{FF2B5EF4-FFF2-40B4-BE49-F238E27FC236}">
-                <a16:creationId xmlns:a16="http://schemas.microsoft.com/office/drawing/2014/main" id="{EBF46A08-5A58-40AD-8870-D581FE82C666}"/>
-              </a:ext>
-            </a:extLst>
-          </p:cNvPr>
-          <p:cNvSpPr/>
-          <p:nvPr/>
-        </p:nvSpPr>
-        <p:spPr>
-          <a:xfrm>
-            <a:off x="3476205" y="6088001"/>
-            <a:ext cx="1805795" cy="247289"/>
-          </a:xfrm>
-          <a:prstGeom prst="rect">
-            <a:avLst/>
-          </a:prstGeom>
-        </p:spPr>
-        <p:style>
-          <a:lnRef idx="2">
-            <a:schemeClr val="accent6"/>
-          </a:lnRef>
-          <a:fillRef idx="1">
-            <a:schemeClr val="lt1"/>
-          </a:fillRef>
-          <a:effectRef idx="0">
-            <a:schemeClr val="accent6"/>
-          </a:effectRef>
-          <a:fontRef idx="minor">
-            <a:schemeClr val="dk1"/>
-          </a:fontRef>
-        </p:style>
-        <p:txBody>
-          <a:bodyPr rtlCol="0" anchor="ctr"/>
-          <a:lstStyle/>
-          <a:p>
-            <a:pPr algn="ctr"/>
-            <a:r>
-              <a:rPr lang="en-US" altLang="zh-CN" sz="1200" dirty="0"/>
-              <a:t>DB leader in OS30</a:t>
-            </a:r>
-          </a:p>
-        </p:txBody>
-      </p:sp>
-      <p:sp>
-        <p:nvSpPr>
-          <p:cNvPr id="56" name="矩形 55">
-            <a:extLst>
-              <a:ext uri="{FF2B5EF4-FFF2-40B4-BE49-F238E27FC236}">
-                <a16:creationId xmlns:a16="http://schemas.microsoft.com/office/drawing/2014/main" id="{6D13D2E2-EDBB-4908-8C33-E02CCA22E7B1}"/>
-              </a:ext>
-            </a:extLst>
-          </p:cNvPr>
-          <p:cNvSpPr/>
-          <p:nvPr/>
-        </p:nvSpPr>
-        <p:spPr>
-          <a:xfrm>
-            <a:off x="5604825" y="6119193"/>
-            <a:ext cx="1805795" cy="247289"/>
-          </a:xfrm>
-          <a:prstGeom prst="rect">
-            <a:avLst/>
-          </a:prstGeom>
-        </p:spPr>
-        <p:style>
-          <a:lnRef idx="2">
-            <a:schemeClr val="accent6"/>
-          </a:lnRef>
-          <a:fillRef idx="1">
-            <a:schemeClr val="lt1"/>
-          </a:fillRef>
-          <a:effectRef idx="0">
-            <a:schemeClr val="accent6"/>
-          </a:effectRef>
-          <a:fontRef idx="minor">
-            <a:schemeClr val="dk1"/>
-          </a:fontRef>
-        </p:style>
-        <p:txBody>
-          <a:bodyPr rtlCol="0" anchor="ctr"/>
-          <a:lstStyle/>
-          <a:p>
-            <a:pPr algn="ctr"/>
-            <a:r>
-              <a:rPr lang="en-US" altLang="zh-CN" sz="1200" dirty="0"/>
-              <a:t>DB follow in SG52</a:t>
-            </a:r>
-          </a:p>
-        </p:txBody>
-      </p:sp>
-      <p:sp>
-        <p:nvSpPr>
-          <p:cNvPr id="57" name="矩形 56">
-            <a:extLst>
-              <a:ext uri="{FF2B5EF4-FFF2-40B4-BE49-F238E27FC236}">
-                <a16:creationId xmlns:a16="http://schemas.microsoft.com/office/drawing/2014/main" id="{1202CBE6-68DC-4F03-80E9-DBF7F4ACEFC1}"/>
-              </a:ext>
-            </a:extLst>
-          </p:cNvPr>
-          <p:cNvSpPr/>
-          <p:nvPr/>
-        </p:nvSpPr>
-        <p:spPr>
-          <a:xfrm>
-            <a:off x="4434673" y="6490821"/>
-            <a:ext cx="1805795" cy="247289"/>
-          </a:xfrm>
-          <a:prstGeom prst="rect">
-            <a:avLst/>
-          </a:prstGeom>
-        </p:spPr>
-        <p:style>
-          <a:lnRef idx="2">
-            <a:schemeClr val="accent6"/>
-          </a:lnRef>
-          <a:fillRef idx="1">
-            <a:schemeClr val="lt1"/>
-          </a:fillRef>
-          <a:effectRef idx="0">
-            <a:schemeClr val="accent6"/>
-          </a:effectRef>
-          <a:fontRef idx="minor">
-            <a:schemeClr val="dk1"/>
-          </a:fontRef>
-        </p:style>
-        <p:txBody>
-          <a:bodyPr rtlCol="0" anchor="ctr"/>
-          <a:lstStyle/>
-          <a:p>
-            <a:pPr algn="ctr"/>
-            <a:r>
-              <a:rPr lang="en-US" altLang="zh-CN" sz="1200" dirty="0"/>
-              <a:t>DB </a:t>
-            </a:r>
-            <a:r>
-              <a:rPr lang="en-US" altLang="zh-CN" sz="1200" dirty="0" err="1"/>
-              <a:t>binlong</a:t>
-            </a:r>
-            <a:r>
-              <a:rPr lang="en-US" altLang="zh-CN" sz="1200" dirty="0"/>
-              <a:t> in SG113</a:t>
-            </a:r>
-          </a:p>
-        </p:txBody>
-      </p:sp>
-      <p:cxnSp>
-        <p:nvCxnSpPr>
-          <p:cNvPr id="23" name="直接箭头连接符 22">
-            <a:extLst>
-              <a:ext uri="{FF2B5EF4-FFF2-40B4-BE49-F238E27FC236}">
-                <a16:creationId xmlns:a16="http://schemas.microsoft.com/office/drawing/2014/main" id="{175BA767-8ED6-45CF-83EF-053DE1A2CEAD}"/>
-              </a:ext>
-            </a:extLst>
-          </p:cNvPr>
-          <p:cNvCxnSpPr>
-            <a:stCxn id="12" idx="1"/>
-          </p:cNvCxnSpPr>
-          <p:nvPr/>
-        </p:nvCxnSpPr>
-        <p:spPr>
-          <a:xfrm flipH="1">
-            <a:off x="4186232" y="3516250"/>
-            <a:ext cx="3256934" cy="1613128"/>
-          </a:xfrm>
-          <a:prstGeom prst="straightConnector1">
-            <a:avLst/>
-          </a:prstGeom>
-          <a:ln>
-            <a:tailEnd type="triangle"/>
-          </a:ln>
-        </p:spPr>
-        <p:style>
-          <a:lnRef idx="1">
-            <a:schemeClr val="accent1"/>
-          </a:lnRef>
-          <a:fillRef idx="0">
-            <a:schemeClr val="accent1"/>
-          </a:fillRef>
-          <a:effectRef idx="0">
-            <a:schemeClr val="accent1"/>
-          </a:effectRef>
-          <a:fontRef idx="minor">
-            <a:schemeClr val="tx1"/>
-          </a:fontRef>
-        </p:style>
-      </p:cxnSp>
-      <p:cxnSp>
-        <p:nvCxnSpPr>
-          <p:cNvPr id="32" name="直接箭头连接符 31">
-            <a:extLst>
-              <a:ext uri="{FF2B5EF4-FFF2-40B4-BE49-F238E27FC236}">
-                <a16:creationId xmlns:a16="http://schemas.microsoft.com/office/drawing/2014/main" id="{BCC0DE57-D231-4EB0-BDE8-2BD28A58923B}"/>
-              </a:ext>
-            </a:extLst>
-          </p:cNvPr>
-          <p:cNvCxnSpPr>
-            <a:cxnSpLocks/>
-            <a:stCxn id="28" idx="1"/>
-            <a:endCxn id="48" idx="3"/>
-          </p:cNvCxnSpPr>
-          <p:nvPr/>
-        </p:nvCxnSpPr>
-        <p:spPr>
-          <a:xfrm flipH="1" flipV="1">
-            <a:off x="4186232" y="4056277"/>
-            <a:ext cx="3256934" cy="1003853"/>
-          </a:xfrm>
-          <a:prstGeom prst="straightConnector1">
-            <a:avLst/>
-          </a:prstGeom>
-          <a:ln w="9525" cap="flat" cmpd="sng" algn="ctr">
-            <a:solidFill>
-              <a:schemeClr val="accent2"/>
-            </a:solidFill>
-            <a:prstDash val="solid"/>
-            <a:round/>
-            <a:headEnd type="none" w="med" len="med"/>
-            <a:tailEnd type="arrow" w="med" len="med"/>
-          </a:ln>
-        </p:spPr>
-        <p:style>
-          <a:lnRef idx="0">
-            <a:scrgbClr r="0" g="0" b="0"/>
-          </a:lnRef>
-          <a:fillRef idx="0">
-            <a:scrgbClr r="0" g="0" b="0"/>
-          </a:fillRef>
-          <a:effectRef idx="0">
-            <a:scrgbClr r="0" g="0" b="0"/>
-          </a:effectRef>
-          <a:fontRef idx="minor">
-            <a:schemeClr val="tx1"/>
-          </a:fontRef>
-        </p:style>
-      </p:cxnSp>
-      <p:cxnSp>
-        <p:nvCxnSpPr>
-          <p:cNvPr id="58" name="直接箭头连接符 57">
-            <a:extLst>
-              <a:ext uri="{FF2B5EF4-FFF2-40B4-BE49-F238E27FC236}">
-                <a16:creationId xmlns:a16="http://schemas.microsoft.com/office/drawing/2014/main" id="{C41AE5DC-81AF-49BE-A195-C72C86A9FEF5}"/>
-              </a:ext>
-            </a:extLst>
-          </p:cNvPr>
-          <p:cNvCxnSpPr>
-            <a:stCxn id="26" idx="2"/>
-            <a:endCxn id="52" idx="0"/>
-          </p:cNvCxnSpPr>
-          <p:nvPr/>
-        </p:nvCxnSpPr>
-        <p:spPr>
-          <a:xfrm>
-            <a:off x="3516757" y="5267878"/>
-            <a:ext cx="1866126" cy="695850"/>
-          </a:xfrm>
-          <a:prstGeom prst="straightConnector1">
-            <a:avLst/>
-          </a:prstGeom>
-          <a:ln>
-            <a:tailEnd type="triangle"/>
-          </a:ln>
-        </p:spPr>
-        <p:style>
-          <a:lnRef idx="1">
-            <a:schemeClr val="accent1"/>
-          </a:lnRef>
-          <a:fillRef idx="0">
-            <a:schemeClr val="accent1"/>
-          </a:fillRef>
-          <a:effectRef idx="0">
-            <a:schemeClr val="accent1"/>
-          </a:effectRef>
-          <a:fontRef idx="minor">
-            <a:schemeClr val="tx1"/>
-          </a:fontRef>
-        </p:style>
-      </p:cxnSp>
-      <p:cxnSp>
-        <p:nvCxnSpPr>
-          <p:cNvPr id="60" name="直接箭头连接符 59">
-            <a:extLst>
-              <a:ext uri="{FF2B5EF4-FFF2-40B4-BE49-F238E27FC236}">
-                <a16:creationId xmlns:a16="http://schemas.microsoft.com/office/drawing/2014/main" id="{25966F3D-441B-4B6F-8C35-BA32353A89EA}"/>
-              </a:ext>
-            </a:extLst>
-          </p:cNvPr>
-          <p:cNvCxnSpPr>
-            <a:stCxn id="28" idx="2"/>
-            <a:endCxn id="52" idx="0"/>
-          </p:cNvCxnSpPr>
-          <p:nvPr/>
-        </p:nvCxnSpPr>
-        <p:spPr>
-          <a:xfrm flipH="1">
-            <a:off x="5382883" y="5198629"/>
-            <a:ext cx="2729758" cy="765099"/>
-          </a:xfrm>
-          <a:prstGeom prst="straightConnector1">
-            <a:avLst/>
-          </a:prstGeom>
-          <a:ln w="9525" cap="flat" cmpd="sng" algn="ctr">
-            <a:solidFill>
-              <a:schemeClr val="accent2"/>
-            </a:solidFill>
-            <a:prstDash val="solid"/>
-            <a:round/>
-            <a:headEnd type="none" w="med" len="med"/>
-            <a:tailEnd type="arrow" w="med" len="med"/>
-          </a:ln>
-        </p:spPr>
-        <p:style>
-          <a:lnRef idx="0">
-            <a:scrgbClr r="0" g="0" b="0"/>
-          </a:lnRef>
-          <a:fillRef idx="0">
-            <a:scrgbClr r="0" g="0" b="0"/>
-          </a:fillRef>
-          <a:effectRef idx="0">
-            <a:scrgbClr r="0" g="0" b="0"/>
-          </a:effectRef>
-          <a:fontRef idx="minor">
-            <a:schemeClr val="tx1"/>
-          </a:fontRef>
-        </p:style>
-      </p:cxnSp>
+              <a:rPr lang="zh-CN" altLang="en-US" sz="1200" dirty="0"/>
+              <a:t>选举</a:t>
+            </a:r>
+          </a:p>
+        </p:txBody>
+      </p:sp>
     </p:spTree>
     <p:extLst>
       <p:ext uri="{BB962C8B-B14F-4D97-AF65-F5344CB8AC3E}">
-        <p14:creationId xmlns:p14="http://schemas.microsoft.com/office/powerpoint/2010/main" val="1694452982"/>
+        <p14:creationId xmlns:p14="http://schemas.microsoft.com/office/powerpoint/2010/main" val="861873327"/>
       </p:ext>
     </p:extLst>
   </p:cSld>
@@ -10543,10 +10144,10 @@
       </p:grpSpPr>
       <p:sp>
         <p:nvSpPr>
-          <p:cNvPr id="3" name="矩形 2">
-            <a:extLst>
-              <a:ext uri="{FF2B5EF4-FFF2-40B4-BE49-F238E27FC236}">
-                <a16:creationId xmlns:a16="http://schemas.microsoft.com/office/drawing/2014/main" id="{91A34973-7ED0-4246-BE7E-D74FAB9B1CC6}"/>
+          <p:cNvPr id="39" name="矩形 38">
+            <a:extLst>
+              <a:ext uri="{FF2B5EF4-FFF2-40B4-BE49-F238E27FC236}">
+                <a16:creationId xmlns:a16="http://schemas.microsoft.com/office/drawing/2014/main" id="{51DDEB4C-CC56-4F92-B485-53EEC3E4182A}"/>
               </a:ext>
             </a:extLst>
           </p:cNvPr>
@@ -10555,8 +10156,8 @@
         </p:nvSpPr>
         <p:spPr>
           <a:xfrm>
-            <a:off x="3128513" y="5963728"/>
-            <a:ext cx="4508740" cy="857962"/>
+            <a:off x="969951" y="1636036"/>
+            <a:ext cx="8839200" cy="4241273"/>
           </a:xfrm>
           <a:prstGeom prst="rect">
             <a:avLst/>
@@ -10599,8 +10200,8 @@
         </p:nvSpPr>
         <p:spPr>
           <a:xfrm>
-            <a:off x="7268579" y="2195750"/>
-            <a:ext cx="2518823" cy="3593455"/>
+            <a:off x="7301125" y="2006925"/>
+            <a:ext cx="2070339" cy="3593455"/>
           </a:xfrm>
           <a:prstGeom prst="rect">
             <a:avLst/>
@@ -10643,7 +10244,7 @@
         </p:nvSpPr>
         <p:spPr>
           <a:xfrm>
-            <a:off x="7324046" y="2259204"/>
+            <a:off x="7356592" y="2070379"/>
             <a:ext cx="921352" cy="276999"/>
           </a:xfrm>
           <a:prstGeom prst="rect">
@@ -10659,11 +10260,11 @@
           <a:p>
             <a:r>
               <a:rPr lang="en-US" altLang="zh-CN" sz="1200" dirty="0"/>
-              <a:t>sg-2</a:t>
-            </a:r>
-            <a:r>
-              <a:rPr lang="zh-CN" altLang="en-US" sz="1200" dirty="0"/>
-              <a:t>单元</a:t>
+              <a:t>SG5</a:t>
+            </a:r>
+            <a:r>
+              <a:rPr lang="zh-CN" altLang="en-US" sz="1200" dirty="0"/>
+              <a:t>机房</a:t>
             </a:r>
           </a:p>
         </p:txBody>
@@ -10682,7 +10283,7 @@
         </p:nvSpPr>
         <p:spPr>
           <a:xfrm>
-            <a:off x="2277374" y="2195750"/>
+            <a:off x="2309920" y="2006925"/>
             <a:ext cx="2070339" cy="3594339"/>
           </a:xfrm>
           <a:prstGeom prst="rect">
@@ -10726,8 +10327,8 @@
         </p:nvSpPr>
         <p:spPr>
           <a:xfrm>
-            <a:off x="5510098" y="243534"/>
-            <a:ext cx="730370" cy="718868"/>
+            <a:off x="5510098" y="130062"/>
+            <a:ext cx="585902" cy="327054"/>
           </a:xfrm>
           <a:prstGeom prst="smileyFace">
             <a:avLst/>
@@ -10770,8 +10371,8 @@
         </p:nvSpPr>
         <p:spPr>
           <a:xfrm>
-            <a:off x="4648012" y="1068795"/>
-            <a:ext cx="2457369" cy="276999"/>
+            <a:off x="5041396" y="549007"/>
+            <a:ext cx="1460740" cy="276999"/>
           </a:xfrm>
           <a:prstGeom prst="rect">
             <a:avLst/>
@@ -10794,27 +10395,9 @@
               <a:t>请求</a:t>
             </a:r>
             <a:r>
-              <a:rPr lang="en-US" altLang="zh-CN" sz="1200" dirty="0">
-                <a:hlinkClick r:id="rId2"/>
-              </a:rPr>
+              <a:rPr lang="en-US" altLang="zh-CN" sz="1200" dirty="0"/>
               <a:t>www.aaa.com</a:t>
             </a:r>
-            <a:r>
-              <a:rPr lang="zh-CN" altLang="en-US" sz="1200" dirty="0">
-                <a:hlinkClick r:id="rId2"/>
-              </a:rPr>
-              <a:t>，</a:t>
-            </a:r>
-            <a:r>
-              <a:rPr lang="en-US" altLang="zh-CN" sz="1200" dirty="0">
-                <a:hlinkClick r:id="rId2"/>
-              </a:rPr>
-              <a:t>UID</a:t>
-            </a:r>
-            <a:r>
-              <a:rPr lang="en-US" altLang="zh-CN" sz="1200" dirty="0"/>
-              <a:t> 1234567</a:t>
-            </a:r>
             <a:endParaRPr lang="zh-CN" altLang="en-US" sz="1200" dirty="0"/>
           </a:p>
         </p:txBody>
@@ -10833,7 +10416,7 @@
         </p:nvSpPr>
         <p:spPr>
           <a:xfrm>
-            <a:off x="4648012" y="1582531"/>
+            <a:off x="4544495" y="1062743"/>
             <a:ext cx="2457369" cy="276999"/>
           </a:xfrm>
           <a:prstGeom prst="rect">
@@ -10886,7 +10469,7 @@
         </p:nvSpPr>
         <p:spPr>
           <a:xfrm>
-            <a:off x="2817890" y="2559483"/>
+            <a:off x="2850436" y="2370658"/>
             <a:ext cx="1338950" cy="278224"/>
           </a:xfrm>
           <a:prstGeom prst="rect">
@@ -10931,7 +10514,7 @@
         </p:nvSpPr>
         <p:spPr>
           <a:xfrm>
-            <a:off x="7410621" y="2559483"/>
+            <a:off x="7443167" y="2370658"/>
             <a:ext cx="1338950" cy="278224"/>
           </a:xfrm>
           <a:prstGeom prst="rect">
@@ -10976,7 +10559,7 @@
         </p:nvSpPr>
         <p:spPr>
           <a:xfrm>
-            <a:off x="2795675" y="4175398"/>
+            <a:off x="2850436" y="2996520"/>
             <a:ext cx="1338950" cy="276999"/>
           </a:xfrm>
           <a:prstGeom prst="rect">
@@ -11011,16 +10594,19 @@
               <a:rPr lang="zh-CN" altLang="en-US" sz="1200" dirty="0"/>
               <a:t>节点</a:t>
             </a:r>
-            <a:endParaRPr lang="en-US" altLang="zh-CN" sz="1200" dirty="0"/>
-          </a:p>
-        </p:txBody>
-      </p:sp>
-      <p:sp>
-        <p:nvSpPr>
-          <p:cNvPr id="12" name="文本框 11">
-            <a:extLst>
-              <a:ext uri="{FF2B5EF4-FFF2-40B4-BE49-F238E27FC236}">
-                <a16:creationId xmlns:a16="http://schemas.microsoft.com/office/drawing/2014/main" id="{1F0F606F-010E-4D31-84F3-26B46353DC9E}"/>
+            <a:r>
+              <a:rPr lang="en-US" altLang="zh-CN" sz="1200" dirty="0"/>
+              <a:t>1</a:t>
+            </a:r>
+          </a:p>
+        </p:txBody>
+      </p:sp>
+      <p:sp>
+        <p:nvSpPr>
+          <p:cNvPr id="10" name="文本框 9">
+            <a:extLst>
+              <a:ext uri="{FF2B5EF4-FFF2-40B4-BE49-F238E27FC236}">
+                <a16:creationId xmlns:a16="http://schemas.microsoft.com/office/drawing/2014/main" id="{4006409F-F125-4E0D-9250-36B192A88286}"/>
               </a:ext>
             </a:extLst>
           </p:cNvPr>
@@ -11029,7 +10615,7 @@
         </p:nvSpPr>
         <p:spPr>
           <a:xfrm>
-            <a:off x="7410620" y="4235120"/>
+            <a:off x="2850437" y="3344158"/>
             <a:ext cx="1338950" cy="276999"/>
           </a:xfrm>
           <a:prstGeom prst="rect">
@@ -11048,10 +10634,9 @@
           </a:bodyPr>
           <a:lstStyle/>
           <a:p>
-            <a:pPr algn="ctr"/>
-            <a:r>
-              <a:rPr lang="en-US" altLang="zh-CN" sz="1200" dirty="0"/>
-              <a:t>SG52</a:t>
+            <a:r>
+              <a:rPr lang="en-US" altLang="zh-CN" sz="1200" dirty="0"/>
+              <a:t>OS30</a:t>
             </a:r>
             <a:r>
               <a:rPr lang="zh-CN" altLang="en-US" sz="1200" dirty="0"/>
@@ -11065,16 +10650,19 @@
               <a:rPr lang="zh-CN" altLang="en-US" sz="1200" dirty="0"/>
               <a:t>节点</a:t>
             </a:r>
-            <a:endParaRPr lang="en-US" altLang="zh-CN" sz="1200" dirty="0"/>
-          </a:p>
-        </p:txBody>
-      </p:sp>
-      <p:sp>
-        <p:nvSpPr>
-          <p:cNvPr id="13" name="文本框 12">
-            <a:extLst>
-              <a:ext uri="{FF2B5EF4-FFF2-40B4-BE49-F238E27FC236}">
-                <a16:creationId xmlns:a16="http://schemas.microsoft.com/office/drawing/2014/main" id="{E9129C8D-CDAC-49D4-A6F4-F33BF447ACAB}"/>
+            <a:r>
+              <a:rPr lang="en-US" altLang="zh-CN" sz="1200" dirty="0"/>
+              <a:t>2</a:t>
+            </a:r>
+          </a:p>
+        </p:txBody>
+      </p:sp>
+      <p:sp>
+        <p:nvSpPr>
+          <p:cNvPr id="11" name="文本框 10">
+            <a:extLst>
+              <a:ext uri="{FF2B5EF4-FFF2-40B4-BE49-F238E27FC236}">
+                <a16:creationId xmlns:a16="http://schemas.microsoft.com/office/drawing/2014/main" id="{51EE403E-55AE-42F1-BF38-C3DEF5944C84}"/>
               </a:ext>
             </a:extLst>
           </p:cNvPr>
@@ -11083,8 +10671,8 @@
         </p:nvSpPr>
         <p:spPr>
           <a:xfrm>
-            <a:off x="4579367" y="2166870"/>
-            <a:ext cx="2518823" cy="461665"/>
+            <a:off x="7443166" y="2996519"/>
+            <a:ext cx="1338950" cy="276999"/>
           </a:xfrm>
           <a:prstGeom prst="rect">
             <a:avLst/>
@@ -11102,201 +10690,35 @@
           </a:bodyPr>
           <a:lstStyle/>
           <a:p>
-            <a:pPr algn="ctr"/>
-            <a:r>
-              <a:rPr lang="en-US" altLang="zh-CN" sz="1200" dirty="0"/>
-              <a:t>mtop Vipserver </a:t>
-            </a:r>
-            <a:r>
-              <a:rPr lang="zh-CN" altLang="en-US" sz="1200" dirty="0"/>
-              <a:t>双单元</a:t>
-            </a:r>
-            <a:endParaRPr lang="en-US" altLang="zh-CN" sz="1200" dirty="0"/>
-          </a:p>
-          <a:p>
-            <a:pPr algn="ctr"/>
-            <a:r>
-              <a:rPr lang="en-US" altLang="zh-CN" sz="1200" dirty="0"/>
-              <a:t>mtop-rg-sg    mtop-sg-2</a:t>
-            </a:r>
-          </a:p>
-        </p:txBody>
-      </p:sp>
-      <p:cxnSp>
-        <p:nvCxnSpPr>
-          <p:cNvPr id="15" name="直接箭头连接符 14">
-            <a:extLst>
-              <a:ext uri="{FF2B5EF4-FFF2-40B4-BE49-F238E27FC236}">
-                <a16:creationId xmlns:a16="http://schemas.microsoft.com/office/drawing/2014/main" id="{01421A87-D201-4817-96A6-229B2BE1721F}"/>
-              </a:ext>
-            </a:extLst>
-          </p:cNvPr>
-          <p:cNvCxnSpPr>
-            <a:stCxn id="8" idx="1"/>
-            <a:endCxn id="13" idx="3"/>
-          </p:cNvCxnSpPr>
-          <p:nvPr/>
-        </p:nvCxnSpPr>
-        <p:spPr>
-          <a:xfrm flipH="1" flipV="1">
-            <a:off x="7098190" y="2397703"/>
-            <a:ext cx="312431" cy="300892"/>
-          </a:xfrm>
-          <a:prstGeom prst="straightConnector1">
-            <a:avLst/>
-          </a:prstGeom>
-          <a:ln>
-            <a:tailEnd type="triangle"/>
-          </a:ln>
-        </p:spPr>
-        <p:style>
-          <a:lnRef idx="1">
-            <a:schemeClr val="accent1"/>
-          </a:lnRef>
-          <a:fillRef idx="0">
-            <a:schemeClr val="accent1"/>
-          </a:fillRef>
-          <a:effectRef idx="0">
-            <a:schemeClr val="accent1"/>
-          </a:effectRef>
-          <a:fontRef idx="minor">
-            <a:schemeClr val="tx1"/>
-          </a:fontRef>
-        </p:style>
-      </p:cxnSp>
-      <p:cxnSp>
-        <p:nvCxnSpPr>
-          <p:cNvPr id="18" name="直接箭头连接符 17">
-            <a:extLst>
-              <a:ext uri="{FF2B5EF4-FFF2-40B4-BE49-F238E27FC236}">
-                <a16:creationId xmlns:a16="http://schemas.microsoft.com/office/drawing/2014/main" id="{C7E8F700-ABB0-4593-B268-A033D90E3226}"/>
-              </a:ext>
-            </a:extLst>
-          </p:cNvPr>
-          <p:cNvCxnSpPr>
-            <a:stCxn id="7" idx="3"/>
-            <a:endCxn id="13" idx="1"/>
-          </p:cNvCxnSpPr>
-          <p:nvPr/>
-        </p:nvCxnSpPr>
-        <p:spPr>
-          <a:xfrm flipV="1">
-            <a:off x="4156840" y="2397703"/>
-            <a:ext cx="422527" cy="300892"/>
-          </a:xfrm>
-          <a:prstGeom prst="straightConnector1">
-            <a:avLst/>
-          </a:prstGeom>
-          <a:ln>
-            <a:tailEnd type="triangle"/>
-          </a:ln>
-        </p:spPr>
-        <p:style>
-          <a:lnRef idx="1">
-            <a:schemeClr val="accent1"/>
-          </a:lnRef>
-          <a:fillRef idx="0">
-            <a:schemeClr val="accent1"/>
-          </a:fillRef>
-          <a:effectRef idx="0">
-            <a:schemeClr val="accent1"/>
-          </a:effectRef>
-          <a:fontRef idx="minor">
-            <a:schemeClr val="tx1"/>
-          </a:fontRef>
-        </p:style>
-      </p:cxnSp>
-      <p:cxnSp>
-        <p:nvCxnSpPr>
-          <p:cNvPr id="20" name="直接箭头连接符 19">
-            <a:extLst>
-              <a:ext uri="{FF2B5EF4-FFF2-40B4-BE49-F238E27FC236}">
-                <a16:creationId xmlns:a16="http://schemas.microsoft.com/office/drawing/2014/main" id="{14FE827C-8382-4447-9D05-A6199C916657}"/>
-              </a:ext>
-            </a:extLst>
-          </p:cNvPr>
-          <p:cNvCxnSpPr>
-            <a:cxnSpLocks/>
-            <a:stCxn id="5" idx="2"/>
-            <a:endCxn id="6" idx="0"/>
-          </p:cNvCxnSpPr>
-          <p:nvPr/>
-        </p:nvCxnSpPr>
-        <p:spPr>
-          <a:xfrm>
-            <a:off x="5876697" y="1345794"/>
-            <a:ext cx="0" cy="236737"/>
-          </a:xfrm>
-          <a:prstGeom prst="straightConnector1">
-            <a:avLst/>
-          </a:prstGeom>
-          <a:ln>
-            <a:tailEnd type="triangle"/>
-          </a:ln>
-        </p:spPr>
-        <p:style>
-          <a:lnRef idx="1">
-            <a:schemeClr val="accent1"/>
-          </a:lnRef>
-          <a:fillRef idx="0">
-            <a:schemeClr val="accent1"/>
-          </a:fillRef>
-          <a:effectRef idx="0">
-            <a:schemeClr val="accent1"/>
-          </a:effectRef>
-          <a:fontRef idx="minor">
-            <a:schemeClr val="tx1"/>
-          </a:fontRef>
-        </p:style>
-      </p:cxnSp>
-      <p:cxnSp>
-        <p:nvCxnSpPr>
-          <p:cNvPr id="22" name="直接箭头连接符 21">
-            <a:extLst>
-              <a:ext uri="{FF2B5EF4-FFF2-40B4-BE49-F238E27FC236}">
-                <a16:creationId xmlns:a16="http://schemas.microsoft.com/office/drawing/2014/main" id="{E81D865B-99C4-45A5-95C8-790B9D7C766F}"/>
-              </a:ext>
-            </a:extLst>
-          </p:cNvPr>
-          <p:cNvCxnSpPr>
-            <a:stCxn id="6" idx="2"/>
-            <a:endCxn id="7" idx="0"/>
-          </p:cNvCxnSpPr>
-          <p:nvPr/>
-        </p:nvCxnSpPr>
-        <p:spPr>
-          <a:xfrm flipH="1">
-            <a:off x="3487365" y="1859530"/>
-            <a:ext cx="2389332" cy="699953"/>
-          </a:xfrm>
-          <a:prstGeom prst="straightConnector1">
-            <a:avLst/>
-          </a:prstGeom>
-          <a:ln>
-            <a:tailEnd type="triangle"/>
-          </a:ln>
-        </p:spPr>
-        <p:style>
-          <a:lnRef idx="1">
-            <a:schemeClr val="accent1"/>
-          </a:lnRef>
-          <a:fillRef idx="0">
-            <a:schemeClr val="accent1"/>
-          </a:fillRef>
-          <a:effectRef idx="0">
-            <a:schemeClr val="accent1"/>
-          </a:effectRef>
-          <a:fontRef idx="minor">
-            <a:schemeClr val="tx1"/>
-          </a:fontRef>
-        </p:style>
-      </p:cxnSp>
-      <p:sp>
-        <p:nvSpPr>
-          <p:cNvPr id="25" name="文本框 24">
-            <a:extLst>
-              <a:ext uri="{FF2B5EF4-FFF2-40B4-BE49-F238E27FC236}">
-                <a16:creationId xmlns:a16="http://schemas.microsoft.com/office/drawing/2014/main" id="{CF6EE4CF-15F9-4DD1-873B-9F047D25F980}"/>
+            <a:r>
+              <a:rPr lang="en-US" altLang="zh-CN" sz="1200" dirty="0"/>
+              <a:t>SG52</a:t>
+            </a:r>
+            <a:r>
+              <a:rPr lang="zh-CN" altLang="en-US" sz="1200" dirty="0"/>
+              <a:t>应用</a:t>
+            </a:r>
+            <a:r>
+              <a:rPr lang="en-US" altLang="zh-CN" sz="1200" dirty="0"/>
+              <a:t>A</a:t>
+            </a:r>
+            <a:r>
+              <a:rPr lang="zh-CN" altLang="en-US" sz="1200" dirty="0"/>
+              <a:t>节点</a:t>
+            </a:r>
+            <a:r>
+              <a:rPr lang="en-US" altLang="zh-CN" sz="1200" dirty="0"/>
+              <a:t>3</a:t>
+            </a:r>
+          </a:p>
+        </p:txBody>
+      </p:sp>
+      <p:sp>
+        <p:nvSpPr>
+          <p:cNvPr id="12" name="文本框 11">
+            <a:extLst>
+              <a:ext uri="{FF2B5EF4-FFF2-40B4-BE49-F238E27FC236}">
+                <a16:creationId xmlns:a16="http://schemas.microsoft.com/office/drawing/2014/main" id="{1F0F606F-010E-4D31-84F3-26B46353DC9E}"/>
               </a:ext>
             </a:extLst>
           </p:cNvPr>
@@ -11305,7 +10727,7 @@
         </p:nvSpPr>
         <p:spPr>
           <a:xfrm>
-            <a:off x="2810441" y="5274464"/>
+            <a:off x="7443166" y="3377750"/>
             <a:ext cx="1338950" cy="276999"/>
           </a:xfrm>
           <a:prstGeom prst="rect">
@@ -11326,7 +10748,7 @@
           <a:p>
             <a:r>
               <a:rPr lang="en-US" altLang="zh-CN" sz="1200" dirty="0"/>
-              <a:t>OS30</a:t>
+              <a:t>SG52</a:t>
             </a:r>
             <a:r>
               <a:rPr lang="zh-CN" altLang="en-US" sz="1200" dirty="0"/>
@@ -11334,22 +10756,25 @@
             </a:r>
             <a:r>
               <a:rPr lang="en-US" altLang="zh-CN" sz="1200" dirty="0"/>
-              <a:t>B</a:t>
+              <a:t>A</a:t>
             </a:r>
             <a:r>
               <a:rPr lang="zh-CN" altLang="en-US" sz="1200" dirty="0"/>
               <a:t>节点</a:t>
             </a:r>
-            <a:endParaRPr lang="en-US" altLang="zh-CN" sz="1200" dirty="0"/>
-          </a:p>
-        </p:txBody>
-      </p:sp>
-      <p:sp>
-        <p:nvSpPr>
-          <p:cNvPr id="27" name="文本框 26">
-            <a:extLst>
-              <a:ext uri="{FF2B5EF4-FFF2-40B4-BE49-F238E27FC236}">
-                <a16:creationId xmlns:a16="http://schemas.microsoft.com/office/drawing/2014/main" id="{1E7FC0FD-4872-4048-A1FF-0FC0220C7DE9}"/>
+            <a:r>
+              <a:rPr lang="en-US" altLang="zh-CN" sz="1200" dirty="0"/>
+              <a:t>4</a:t>
+            </a:r>
+          </a:p>
+        </p:txBody>
+      </p:sp>
+      <p:sp>
+        <p:nvSpPr>
+          <p:cNvPr id="13" name="文本框 12">
+            <a:extLst>
+              <a:ext uri="{FF2B5EF4-FFF2-40B4-BE49-F238E27FC236}">
+                <a16:creationId xmlns:a16="http://schemas.microsoft.com/office/drawing/2014/main" id="{E9129C8D-CDAC-49D4-A6F4-F33BF447ACAB}"/>
               </a:ext>
             </a:extLst>
           </p:cNvPr>
@@ -11358,8 +10783,8 @@
         </p:nvSpPr>
         <p:spPr>
           <a:xfrm>
-            <a:off x="7410620" y="5238979"/>
-            <a:ext cx="1338950" cy="276999"/>
+            <a:off x="4630606" y="2279379"/>
+            <a:ext cx="2518823" cy="461665"/>
           </a:xfrm>
           <a:prstGeom prst="rect">
             <a:avLst/>
@@ -11379,30 +10804,274 @@
           <a:p>
             <a:r>
               <a:rPr lang="en-US" altLang="zh-CN" sz="1200" dirty="0"/>
-              <a:t>SG52</a:t>
-            </a:r>
-            <a:r>
-              <a:rPr lang="zh-CN" altLang="en-US" sz="1200" dirty="0"/>
-              <a:t>应用</a:t>
-            </a:r>
-            <a:r>
-              <a:rPr lang="en-US" altLang="zh-CN" sz="1200" dirty="0"/>
-              <a:t>B</a:t>
-            </a:r>
+              <a:t>Vipserver key </a:t>
+            </a:r>
+            <a:r>
+              <a:rPr lang="zh-CN" altLang="en-US" sz="1200" dirty="0"/>
+              <a:t>跨机房注册</a:t>
+            </a:r>
+            <a:r>
+              <a:rPr lang="en-US" altLang="zh-CN" sz="1200" dirty="0"/>
+              <a:t> app-a</a:t>
+            </a:r>
+            <a:r>
+              <a:rPr lang="zh-CN" altLang="en-US" sz="1200" dirty="0"/>
+              <a:t>：</a:t>
+            </a:r>
+            <a:endParaRPr lang="en-US" altLang="zh-CN" sz="1200" dirty="0"/>
+          </a:p>
+          <a:p>
             <a:r>
               <a:rPr lang="zh-CN" altLang="en-US" sz="1200" dirty="0"/>
               <a:t>节点</a:t>
             </a:r>
-            <a:endParaRPr lang="en-US" altLang="zh-CN" sz="1200" dirty="0"/>
-          </a:p>
-        </p:txBody>
-      </p:sp>
-      <p:sp>
-        <p:nvSpPr>
-          <p:cNvPr id="36" name="文本框 35">
-            <a:extLst>
-              <a:ext uri="{FF2B5EF4-FFF2-40B4-BE49-F238E27FC236}">
-                <a16:creationId xmlns:a16="http://schemas.microsoft.com/office/drawing/2014/main" id="{97CE3447-D7BB-4DE2-9790-81EB74563206}"/>
+            <a:r>
+              <a:rPr lang="en-US" altLang="zh-CN" sz="1200" dirty="0"/>
+              <a:t>1</a:t>
+            </a:r>
+            <a:r>
+              <a:rPr lang="zh-CN" altLang="en-US" sz="1200" dirty="0"/>
+              <a:t>   节点</a:t>
+            </a:r>
+            <a:r>
+              <a:rPr lang="en-US" altLang="zh-CN" sz="1200" dirty="0"/>
+              <a:t>2   </a:t>
+            </a:r>
+            <a:r>
+              <a:rPr lang="zh-CN" altLang="en-US" sz="1200" dirty="0"/>
+              <a:t>节点</a:t>
+            </a:r>
+            <a:r>
+              <a:rPr lang="en-US" altLang="zh-CN" sz="1200" dirty="0"/>
+              <a:t>3     </a:t>
+            </a:r>
+            <a:r>
+              <a:rPr lang="zh-CN" altLang="en-US" sz="1200" dirty="0"/>
+              <a:t>节点</a:t>
+            </a:r>
+            <a:r>
+              <a:rPr lang="en-US" altLang="zh-CN" sz="1200" dirty="0"/>
+              <a:t>4</a:t>
+            </a:r>
+          </a:p>
+        </p:txBody>
+      </p:sp>
+      <p:cxnSp>
+        <p:nvCxnSpPr>
+          <p:cNvPr id="15" name="直接箭头连接符 14">
+            <a:extLst>
+              <a:ext uri="{FF2B5EF4-FFF2-40B4-BE49-F238E27FC236}">
+                <a16:creationId xmlns:a16="http://schemas.microsoft.com/office/drawing/2014/main" id="{01421A87-D201-4817-96A6-229B2BE1721F}"/>
+              </a:ext>
+            </a:extLst>
+          </p:cNvPr>
+          <p:cNvCxnSpPr>
+            <a:stCxn id="8" idx="1"/>
+            <a:endCxn id="13" idx="3"/>
+          </p:cNvCxnSpPr>
+          <p:nvPr/>
+        </p:nvCxnSpPr>
+        <p:spPr>
+          <a:xfrm flipH="1">
+            <a:off x="7149429" y="2509770"/>
+            <a:ext cx="293738" cy="442"/>
+          </a:xfrm>
+          <a:prstGeom prst="straightConnector1">
+            <a:avLst/>
+          </a:prstGeom>
+          <a:ln>
+            <a:tailEnd type="triangle"/>
+          </a:ln>
+        </p:spPr>
+        <p:style>
+          <a:lnRef idx="1">
+            <a:schemeClr val="accent1"/>
+          </a:lnRef>
+          <a:fillRef idx="0">
+            <a:schemeClr val="accent1"/>
+          </a:fillRef>
+          <a:effectRef idx="0">
+            <a:schemeClr val="accent1"/>
+          </a:effectRef>
+          <a:fontRef idx="minor">
+            <a:schemeClr val="tx1"/>
+          </a:fontRef>
+        </p:style>
+      </p:cxnSp>
+      <p:cxnSp>
+        <p:nvCxnSpPr>
+          <p:cNvPr id="18" name="直接箭头连接符 17">
+            <a:extLst>
+              <a:ext uri="{FF2B5EF4-FFF2-40B4-BE49-F238E27FC236}">
+                <a16:creationId xmlns:a16="http://schemas.microsoft.com/office/drawing/2014/main" id="{C7E8F700-ABB0-4593-B268-A033D90E3226}"/>
+              </a:ext>
+            </a:extLst>
+          </p:cNvPr>
+          <p:cNvCxnSpPr>
+            <a:stCxn id="7" idx="3"/>
+            <a:endCxn id="13" idx="1"/>
+          </p:cNvCxnSpPr>
+          <p:nvPr/>
+        </p:nvCxnSpPr>
+        <p:spPr>
+          <a:xfrm>
+            <a:off x="4189386" y="2509770"/>
+            <a:ext cx="441220" cy="442"/>
+          </a:xfrm>
+          <a:prstGeom prst="straightConnector1">
+            <a:avLst/>
+          </a:prstGeom>
+          <a:ln>
+            <a:tailEnd type="triangle"/>
+          </a:ln>
+        </p:spPr>
+        <p:style>
+          <a:lnRef idx="1">
+            <a:schemeClr val="accent1"/>
+          </a:lnRef>
+          <a:fillRef idx="0">
+            <a:schemeClr val="accent1"/>
+          </a:fillRef>
+          <a:effectRef idx="0">
+            <a:schemeClr val="accent1"/>
+          </a:effectRef>
+          <a:fontRef idx="minor">
+            <a:schemeClr val="tx1"/>
+          </a:fontRef>
+        </p:style>
+      </p:cxnSp>
+      <p:cxnSp>
+        <p:nvCxnSpPr>
+          <p:cNvPr id="20" name="直接箭头连接符 19">
+            <a:extLst>
+              <a:ext uri="{FF2B5EF4-FFF2-40B4-BE49-F238E27FC236}">
+                <a16:creationId xmlns:a16="http://schemas.microsoft.com/office/drawing/2014/main" id="{14FE827C-8382-4447-9D05-A6199C916657}"/>
+              </a:ext>
+            </a:extLst>
+          </p:cNvPr>
+          <p:cNvCxnSpPr>
+            <a:stCxn id="5" idx="2"/>
+            <a:endCxn id="6" idx="0"/>
+          </p:cNvCxnSpPr>
+          <p:nvPr/>
+        </p:nvCxnSpPr>
+        <p:spPr>
+          <a:xfrm>
+            <a:off x="5771766" y="826006"/>
+            <a:ext cx="1414" cy="236737"/>
+          </a:xfrm>
+          <a:prstGeom prst="straightConnector1">
+            <a:avLst/>
+          </a:prstGeom>
+          <a:ln>
+            <a:tailEnd type="triangle"/>
+          </a:ln>
+        </p:spPr>
+        <p:style>
+          <a:lnRef idx="1">
+            <a:schemeClr val="accent1"/>
+          </a:lnRef>
+          <a:fillRef idx="0">
+            <a:schemeClr val="accent1"/>
+          </a:fillRef>
+          <a:effectRef idx="0">
+            <a:schemeClr val="accent1"/>
+          </a:effectRef>
+          <a:fontRef idx="minor">
+            <a:schemeClr val="tx1"/>
+          </a:fontRef>
+        </p:style>
+      </p:cxnSp>
+      <p:cxnSp>
+        <p:nvCxnSpPr>
+          <p:cNvPr id="22" name="直接箭头连接符 21">
+            <a:extLst>
+              <a:ext uri="{FF2B5EF4-FFF2-40B4-BE49-F238E27FC236}">
+                <a16:creationId xmlns:a16="http://schemas.microsoft.com/office/drawing/2014/main" id="{E81D865B-99C4-45A5-95C8-790B9D7C766F}"/>
+              </a:ext>
+            </a:extLst>
+          </p:cNvPr>
+          <p:cNvCxnSpPr>
+            <a:stCxn id="6" idx="2"/>
+            <a:endCxn id="7" idx="0"/>
+          </p:cNvCxnSpPr>
+          <p:nvPr/>
+        </p:nvCxnSpPr>
+        <p:spPr>
+          <a:xfrm flipH="1">
+            <a:off x="3519911" y="1339742"/>
+            <a:ext cx="2253269" cy="1030916"/>
+          </a:xfrm>
+          <a:prstGeom prst="straightConnector1">
+            <a:avLst/>
+          </a:prstGeom>
+          <a:ln>
+            <a:tailEnd type="triangle"/>
+          </a:ln>
+        </p:spPr>
+        <p:style>
+          <a:lnRef idx="1">
+            <a:schemeClr val="accent1"/>
+          </a:lnRef>
+          <a:fillRef idx="0">
+            <a:schemeClr val="accent1"/>
+          </a:fillRef>
+          <a:effectRef idx="0">
+            <a:schemeClr val="accent1"/>
+          </a:effectRef>
+          <a:fontRef idx="minor">
+            <a:schemeClr val="tx1"/>
+          </a:fontRef>
+        </p:style>
+      </p:cxnSp>
+      <p:cxnSp>
+        <p:nvCxnSpPr>
+          <p:cNvPr id="24" name="直接箭头连接符 23">
+            <a:extLst>
+              <a:ext uri="{FF2B5EF4-FFF2-40B4-BE49-F238E27FC236}">
+                <a16:creationId xmlns:a16="http://schemas.microsoft.com/office/drawing/2014/main" id="{C2961714-37DB-4CDF-91D8-EB4A5400FE5C}"/>
+              </a:ext>
+            </a:extLst>
+          </p:cNvPr>
+          <p:cNvCxnSpPr>
+            <a:stCxn id="7" idx="2"/>
+            <a:endCxn id="12" idx="1"/>
+          </p:cNvCxnSpPr>
+          <p:nvPr/>
+        </p:nvCxnSpPr>
+        <p:spPr>
+          <a:xfrm>
+            <a:off x="3519911" y="2648882"/>
+            <a:ext cx="3923255" cy="867368"/>
+          </a:xfrm>
+          <a:prstGeom prst="straightConnector1">
+            <a:avLst/>
+          </a:prstGeom>
+          <a:ln>
+            <a:tailEnd type="triangle"/>
+          </a:ln>
+        </p:spPr>
+        <p:style>
+          <a:lnRef idx="1">
+            <a:schemeClr val="accent1"/>
+          </a:lnRef>
+          <a:fillRef idx="0">
+            <a:schemeClr val="accent1"/>
+          </a:fillRef>
+          <a:effectRef idx="0">
+            <a:schemeClr val="accent1"/>
+          </a:effectRef>
+          <a:fontRef idx="minor">
+            <a:schemeClr val="tx1"/>
+          </a:fontRef>
+        </p:style>
+      </p:cxnSp>
+      <p:sp>
+        <p:nvSpPr>
+          <p:cNvPr id="25" name="文本框 24">
+            <a:extLst>
+              <a:ext uri="{FF2B5EF4-FFF2-40B4-BE49-F238E27FC236}">
+                <a16:creationId xmlns:a16="http://schemas.microsoft.com/office/drawing/2014/main" id="{CF6EE4CF-15F9-4DD1-873B-9F047D25F980}"/>
               </a:ext>
             </a:extLst>
           </p:cNvPr>
@@ -11411,13 +11080,18 @@
         </p:nvSpPr>
         <p:spPr>
           <a:xfrm>
-            <a:off x="2354060" y="2275575"/>
-            <a:ext cx="921352" cy="276999"/>
+            <a:off x="2850436" y="4630572"/>
+            <a:ext cx="1338950" cy="276999"/>
           </a:xfrm>
           <a:prstGeom prst="rect">
             <a:avLst/>
           </a:prstGeom>
           <a:noFill/>
+          <a:ln>
+            <a:solidFill>
+              <a:schemeClr val="accent1"/>
+            </a:solidFill>
+          </a:ln>
         </p:spPr>
         <p:txBody>
           <a:bodyPr wrap="square" rtlCol="0">
@@ -11426,22 +11100,354 @@
           <a:lstStyle/>
           <a:p>
             <a:r>
-              <a:rPr lang="en-US" altLang="zh-CN" sz="1200" dirty="0" err="1"/>
-              <a:t>rg</a:t>
-            </a:r>
-            <a:r>
-              <a:rPr lang="en-US" altLang="zh-CN" sz="1200" dirty="0"/>
-              <a:t>-sg</a:t>
-            </a:r>
-            <a:r>
-              <a:rPr lang="zh-CN" altLang="en-US" sz="1200" dirty="0"/>
-              <a:t>单元</a:t>
-            </a:r>
-            <a:endParaRPr lang="zh-CN" altLang="en-US" sz="1200" dirty="0">
-              <a:solidFill>
-                <a:srgbClr val="FF0000"/>
-              </a:solidFill>
-            </a:endParaRPr>
+              <a:rPr lang="en-US" altLang="zh-CN" sz="1200" dirty="0"/>
+              <a:t>OS30</a:t>
+            </a:r>
+            <a:r>
+              <a:rPr lang="zh-CN" altLang="en-US" sz="1200" dirty="0"/>
+              <a:t>应用</a:t>
+            </a:r>
+            <a:r>
+              <a:rPr lang="en-US" altLang="zh-CN" sz="1200" dirty="0"/>
+              <a:t>B</a:t>
+            </a:r>
+            <a:r>
+              <a:rPr lang="zh-CN" altLang="en-US" sz="1200" dirty="0"/>
+              <a:t>节点</a:t>
+            </a:r>
+            <a:r>
+              <a:rPr lang="en-US" altLang="zh-CN" sz="1200" dirty="0"/>
+              <a:t>1</a:t>
+            </a:r>
+          </a:p>
+        </p:txBody>
+      </p:sp>
+      <p:sp>
+        <p:nvSpPr>
+          <p:cNvPr id="26" name="文本框 25">
+            <a:extLst>
+              <a:ext uri="{FF2B5EF4-FFF2-40B4-BE49-F238E27FC236}">
+                <a16:creationId xmlns:a16="http://schemas.microsoft.com/office/drawing/2014/main" id="{78DBE6AF-84EF-4666-B5A5-CD34FDFF1AC3}"/>
+              </a:ext>
+            </a:extLst>
+          </p:cNvPr>
+          <p:cNvSpPr txBox="1"/>
+          <p:nvPr/>
+        </p:nvSpPr>
+        <p:spPr>
+          <a:xfrm>
+            <a:off x="2847282" y="4990879"/>
+            <a:ext cx="1338950" cy="276999"/>
+          </a:xfrm>
+          <a:prstGeom prst="rect">
+            <a:avLst/>
+          </a:prstGeom>
+          <a:noFill/>
+          <a:ln>
+            <a:solidFill>
+              <a:schemeClr val="accent1"/>
+            </a:solidFill>
+          </a:ln>
+        </p:spPr>
+        <p:txBody>
+          <a:bodyPr wrap="square" rtlCol="0">
+            <a:spAutoFit/>
+          </a:bodyPr>
+          <a:lstStyle/>
+          <a:p>
+            <a:r>
+              <a:rPr lang="en-US" altLang="zh-CN" sz="1200" dirty="0"/>
+              <a:t>OS30</a:t>
+            </a:r>
+            <a:r>
+              <a:rPr lang="zh-CN" altLang="en-US" sz="1200" dirty="0"/>
+              <a:t>应用</a:t>
+            </a:r>
+            <a:r>
+              <a:rPr lang="en-US" altLang="zh-CN" sz="1200" dirty="0"/>
+              <a:t>B</a:t>
+            </a:r>
+            <a:r>
+              <a:rPr lang="zh-CN" altLang="en-US" sz="1200" dirty="0"/>
+              <a:t>节点</a:t>
+            </a:r>
+            <a:r>
+              <a:rPr lang="en-US" altLang="zh-CN" sz="1200" dirty="0"/>
+              <a:t>1</a:t>
+            </a:r>
+          </a:p>
+        </p:txBody>
+      </p:sp>
+      <p:sp>
+        <p:nvSpPr>
+          <p:cNvPr id="27" name="文本框 26">
+            <a:extLst>
+              <a:ext uri="{FF2B5EF4-FFF2-40B4-BE49-F238E27FC236}">
+                <a16:creationId xmlns:a16="http://schemas.microsoft.com/office/drawing/2014/main" id="{1E7FC0FD-4872-4048-A1FF-0FC0220C7DE9}"/>
+              </a:ext>
+            </a:extLst>
+          </p:cNvPr>
+          <p:cNvSpPr txBox="1"/>
+          <p:nvPr/>
+        </p:nvSpPr>
+        <p:spPr>
+          <a:xfrm>
+            <a:off x="7443166" y="4561323"/>
+            <a:ext cx="1338950" cy="276999"/>
+          </a:xfrm>
+          <a:prstGeom prst="rect">
+            <a:avLst/>
+          </a:prstGeom>
+          <a:noFill/>
+          <a:ln>
+            <a:solidFill>
+              <a:schemeClr val="accent1"/>
+            </a:solidFill>
+          </a:ln>
+        </p:spPr>
+        <p:txBody>
+          <a:bodyPr wrap="square" rtlCol="0">
+            <a:spAutoFit/>
+          </a:bodyPr>
+          <a:lstStyle/>
+          <a:p>
+            <a:r>
+              <a:rPr lang="en-US" altLang="zh-CN" sz="1200" dirty="0"/>
+              <a:t>SG52</a:t>
+            </a:r>
+            <a:r>
+              <a:rPr lang="zh-CN" altLang="en-US" sz="1200" dirty="0"/>
+              <a:t>应用</a:t>
+            </a:r>
+            <a:r>
+              <a:rPr lang="en-US" altLang="zh-CN" sz="1200" dirty="0"/>
+              <a:t>B</a:t>
+            </a:r>
+            <a:r>
+              <a:rPr lang="zh-CN" altLang="en-US" sz="1200" dirty="0"/>
+              <a:t>节点</a:t>
+            </a:r>
+            <a:r>
+              <a:rPr lang="en-US" altLang="zh-CN" sz="1200" dirty="0"/>
+              <a:t>3</a:t>
+            </a:r>
+          </a:p>
+        </p:txBody>
+      </p:sp>
+      <p:sp>
+        <p:nvSpPr>
+          <p:cNvPr id="28" name="文本框 27">
+            <a:extLst>
+              <a:ext uri="{FF2B5EF4-FFF2-40B4-BE49-F238E27FC236}">
+                <a16:creationId xmlns:a16="http://schemas.microsoft.com/office/drawing/2014/main" id="{92E26A39-05B4-4787-9653-8D0302079F7D}"/>
+              </a:ext>
+            </a:extLst>
+          </p:cNvPr>
+          <p:cNvSpPr txBox="1"/>
+          <p:nvPr/>
+        </p:nvSpPr>
+        <p:spPr>
+          <a:xfrm>
+            <a:off x="7443166" y="4921630"/>
+            <a:ext cx="1338950" cy="276999"/>
+          </a:xfrm>
+          <a:prstGeom prst="rect">
+            <a:avLst/>
+          </a:prstGeom>
+          <a:noFill/>
+          <a:ln>
+            <a:solidFill>
+              <a:schemeClr val="accent1"/>
+            </a:solidFill>
+          </a:ln>
+        </p:spPr>
+        <p:txBody>
+          <a:bodyPr wrap="square" rtlCol="0">
+            <a:spAutoFit/>
+          </a:bodyPr>
+          <a:lstStyle/>
+          <a:p>
+            <a:r>
+              <a:rPr lang="en-US" altLang="zh-CN" sz="1200" dirty="0"/>
+              <a:t>SG52</a:t>
+            </a:r>
+            <a:r>
+              <a:rPr lang="zh-CN" altLang="en-US" sz="1200" dirty="0"/>
+              <a:t>应用</a:t>
+            </a:r>
+            <a:r>
+              <a:rPr lang="en-US" altLang="zh-CN" sz="1200" dirty="0"/>
+              <a:t>B</a:t>
+            </a:r>
+            <a:r>
+              <a:rPr lang="zh-CN" altLang="en-US" sz="1200" dirty="0"/>
+              <a:t>节点</a:t>
+            </a:r>
+            <a:r>
+              <a:rPr lang="en-US" altLang="zh-CN" sz="1200" dirty="0"/>
+              <a:t>4</a:t>
+            </a:r>
+          </a:p>
+        </p:txBody>
+      </p:sp>
+      <p:sp>
+        <p:nvSpPr>
+          <p:cNvPr id="29" name="文本框 28">
+            <a:extLst>
+              <a:ext uri="{FF2B5EF4-FFF2-40B4-BE49-F238E27FC236}">
+                <a16:creationId xmlns:a16="http://schemas.microsoft.com/office/drawing/2014/main" id="{8AA42813-6614-486E-B48E-BEFDF9E784A7}"/>
+              </a:ext>
+            </a:extLst>
+          </p:cNvPr>
+          <p:cNvSpPr txBox="1"/>
+          <p:nvPr/>
+        </p:nvSpPr>
+        <p:spPr>
+          <a:xfrm>
+            <a:off x="4630606" y="5017540"/>
+            <a:ext cx="2518823" cy="461665"/>
+          </a:xfrm>
+          <a:prstGeom prst="rect">
+            <a:avLst/>
+          </a:prstGeom>
+          <a:noFill/>
+          <a:ln>
+            <a:solidFill>
+              <a:schemeClr val="accent1"/>
+            </a:solidFill>
+          </a:ln>
+        </p:spPr>
+        <p:txBody>
+          <a:bodyPr wrap="square" rtlCol="0">
+            <a:spAutoFit/>
+          </a:bodyPr>
+          <a:lstStyle/>
+          <a:p>
+            <a:r>
+              <a:rPr lang="en-US" altLang="zh-CN" sz="1200" dirty="0"/>
+              <a:t>configServer </a:t>
+            </a:r>
+            <a:r>
+              <a:rPr lang="zh-CN" altLang="en-US" sz="1200" dirty="0"/>
+              <a:t>跨机房注册</a:t>
+            </a:r>
+            <a:r>
+              <a:rPr lang="en-US" altLang="zh-CN" sz="1200" dirty="0"/>
+              <a:t> app-b</a:t>
+            </a:r>
+            <a:r>
+              <a:rPr lang="zh-CN" altLang="en-US" sz="1200" dirty="0"/>
+              <a:t>：</a:t>
+            </a:r>
+            <a:endParaRPr lang="en-US" altLang="zh-CN" sz="1200" dirty="0"/>
+          </a:p>
+          <a:p>
+            <a:r>
+              <a:rPr lang="zh-CN" altLang="en-US" sz="1200" dirty="0"/>
+              <a:t>节点</a:t>
+            </a:r>
+            <a:r>
+              <a:rPr lang="en-US" altLang="zh-CN" sz="1200" dirty="0"/>
+              <a:t>1</a:t>
+            </a:r>
+            <a:r>
+              <a:rPr lang="zh-CN" altLang="en-US" sz="1200" dirty="0"/>
+              <a:t>   节点</a:t>
+            </a:r>
+            <a:r>
+              <a:rPr lang="en-US" altLang="zh-CN" sz="1200" dirty="0"/>
+              <a:t>2   </a:t>
+            </a:r>
+            <a:r>
+              <a:rPr lang="zh-CN" altLang="en-US" sz="1200" dirty="0"/>
+              <a:t>节点</a:t>
+            </a:r>
+            <a:r>
+              <a:rPr lang="en-US" altLang="zh-CN" sz="1200" dirty="0"/>
+              <a:t>3     </a:t>
+            </a:r>
+            <a:r>
+              <a:rPr lang="zh-CN" altLang="en-US" sz="1200" dirty="0"/>
+              <a:t>节点</a:t>
+            </a:r>
+            <a:r>
+              <a:rPr lang="en-US" altLang="zh-CN" sz="1200" dirty="0"/>
+              <a:t>4</a:t>
+            </a:r>
+          </a:p>
+        </p:txBody>
+      </p:sp>
+      <p:sp>
+        <p:nvSpPr>
+          <p:cNvPr id="36" name="文本框 35">
+            <a:extLst>
+              <a:ext uri="{FF2B5EF4-FFF2-40B4-BE49-F238E27FC236}">
+                <a16:creationId xmlns:a16="http://schemas.microsoft.com/office/drawing/2014/main" id="{97CE3447-D7BB-4DE2-9790-81EB74563206}"/>
+              </a:ext>
+            </a:extLst>
+          </p:cNvPr>
+          <p:cNvSpPr txBox="1"/>
+          <p:nvPr/>
+        </p:nvSpPr>
+        <p:spPr>
+          <a:xfrm>
+            <a:off x="2386606" y="2086750"/>
+            <a:ext cx="921352" cy="276999"/>
+          </a:xfrm>
+          <a:prstGeom prst="rect">
+            <a:avLst/>
+          </a:prstGeom>
+          <a:noFill/>
+        </p:spPr>
+        <p:txBody>
+          <a:bodyPr wrap="square" rtlCol="0">
+            <a:spAutoFit/>
+          </a:bodyPr>
+          <a:lstStyle/>
+          <a:p>
+            <a:r>
+              <a:rPr lang="en-US" altLang="zh-CN" sz="1200" dirty="0"/>
+              <a:t>OS30</a:t>
+            </a:r>
+            <a:r>
+              <a:rPr lang="zh-CN" altLang="en-US" sz="1200" dirty="0"/>
+              <a:t>机房</a:t>
+            </a:r>
+          </a:p>
+        </p:txBody>
+      </p:sp>
+      <p:sp>
+        <p:nvSpPr>
+          <p:cNvPr id="40" name="文本框 39">
+            <a:extLst>
+              <a:ext uri="{FF2B5EF4-FFF2-40B4-BE49-F238E27FC236}">
+                <a16:creationId xmlns:a16="http://schemas.microsoft.com/office/drawing/2014/main" id="{188BD3F6-83C7-4E12-9981-CFB2BFF75FBC}"/>
+              </a:ext>
+            </a:extLst>
+          </p:cNvPr>
+          <p:cNvSpPr txBox="1"/>
+          <p:nvPr/>
+        </p:nvSpPr>
+        <p:spPr>
+          <a:xfrm>
+            <a:off x="1013999" y="1701171"/>
+            <a:ext cx="1605074" cy="276999"/>
+          </a:xfrm>
+          <a:prstGeom prst="rect">
+            <a:avLst/>
+          </a:prstGeom>
+          <a:noFill/>
+        </p:spPr>
+        <p:txBody>
+          <a:bodyPr wrap="square" rtlCol="0">
+            <a:spAutoFit/>
+          </a:bodyPr>
+          <a:lstStyle/>
+          <a:p>
+            <a:r>
+              <a:rPr lang="zh-CN" altLang="en-US" sz="1200" dirty="0"/>
+              <a:t>新加坡单元</a:t>
+            </a:r>
           </a:p>
         </p:txBody>
       </p:sp>
@@ -11613,7 +11619,7 @@
         </p:nvSpPr>
         <p:spPr>
           <a:xfrm>
-            <a:off x="2810441" y="4771410"/>
+            <a:off x="2847282" y="3917777"/>
             <a:ext cx="1338950" cy="276999"/>
           </a:xfrm>
           <a:prstGeom prst="rect">
@@ -11653,8 +11659,8 @@
         </p:nvSpPr>
         <p:spPr>
           <a:xfrm>
-            <a:off x="8527990" y="4737049"/>
-            <a:ext cx="1066310" cy="276999"/>
+            <a:off x="7450615" y="3931868"/>
+            <a:ext cx="1338950" cy="276999"/>
           </a:xfrm>
           <a:prstGeom prst="rect">
             <a:avLst/>
@@ -11689,14 +11695,14 @@
             </a:extLst>
           </p:cNvPr>
           <p:cNvCxnSpPr>
-            <a:cxnSpLocks/>
+            <a:stCxn id="10" idx="2"/>
             <a:endCxn id="48" idx="0"/>
           </p:cNvCxnSpPr>
           <p:nvPr/>
         </p:nvCxnSpPr>
         <p:spPr>
           <a:xfrm flipH="1">
-            <a:off x="3479916" y="4474790"/>
+            <a:off x="3516757" y="3621157"/>
             <a:ext cx="3155" cy="296620"/>
           </a:xfrm>
           <a:prstGeom prst="straightConnector1">
@@ -11729,10 +11735,10 @@
       </p:cxnSp>
       <p:sp>
         <p:nvSpPr>
-          <p:cNvPr id="41" name="文本框 40">
-            <a:extLst>
-              <a:ext uri="{FF2B5EF4-FFF2-40B4-BE49-F238E27FC236}">
-                <a16:creationId xmlns:a16="http://schemas.microsoft.com/office/drawing/2014/main" id="{133B9358-0467-4412-A575-408FC280FF68}"/>
+          <p:cNvPr id="54" name="文本框 53">
+            <a:extLst>
+              <a:ext uri="{FF2B5EF4-FFF2-40B4-BE49-F238E27FC236}">
+                <a16:creationId xmlns:a16="http://schemas.microsoft.com/office/drawing/2014/main" id="{04EC76CD-D8C1-484B-9892-0032D247886A}"/>
               </a:ext>
             </a:extLst>
           </p:cNvPr>
@@ -11741,18 +11747,13 @@
         </p:nvSpPr>
         <p:spPr>
           <a:xfrm>
-            <a:off x="2806730" y="3695669"/>
-            <a:ext cx="1338950" cy="276999"/>
+            <a:off x="7773220" y="159150"/>
+            <a:ext cx="4256338" cy="1384995"/>
           </a:xfrm>
           <a:prstGeom prst="rect">
             <a:avLst/>
           </a:prstGeom>
           <a:noFill/>
-          <a:ln>
-            <a:solidFill>
-              <a:schemeClr val="accent1"/>
-            </a:solidFill>
-          </a:ln>
         </p:spPr>
         <p:txBody>
           <a:bodyPr wrap="square" rtlCol="0">
@@ -11760,128 +11761,285 @@
           </a:bodyPr>
           <a:lstStyle/>
           <a:p>
+            <a:r>
+              <a:rPr lang="zh-CN" altLang="en-US" sz="1200" dirty="0"/>
+              <a:t>备注：</a:t>
+            </a:r>
+            <a:endParaRPr lang="en-US" altLang="zh-CN" sz="1200" dirty="0"/>
+          </a:p>
+          <a:p>
+            <a:r>
+              <a:rPr lang="en-US" altLang="zh-CN" sz="1200" dirty="0"/>
+              <a:t>Aserver</a:t>
+            </a:r>
+            <a:r>
+              <a:rPr lang="zh-CN" altLang="en-US" sz="1200" dirty="0"/>
+              <a:t>调度识别单元不识别机房，因此</a:t>
+            </a:r>
+            <a:r>
+              <a:rPr lang="en-US" altLang="zh-CN" sz="1200" dirty="0" err="1"/>
+              <a:t>vipserver</a:t>
+            </a:r>
+            <a:r>
+              <a:rPr lang="en-US" altLang="zh-CN" sz="1200" dirty="0"/>
+              <a:t> key</a:t>
+            </a:r>
+            <a:r>
+              <a:rPr lang="zh-CN" altLang="en-US" sz="1200" dirty="0"/>
+              <a:t>多机房挂载同一个</a:t>
+            </a:r>
+            <a:r>
+              <a:rPr lang="en-US" altLang="zh-CN" sz="1200" dirty="0"/>
+              <a:t>key</a:t>
+            </a:r>
+            <a:r>
+              <a:rPr lang="zh-CN" altLang="en-US" sz="1200" dirty="0"/>
+              <a:t>上可以进行机房间的负载均衡。</a:t>
+            </a:r>
+            <a:endParaRPr lang="en-US" altLang="zh-CN" sz="1200" dirty="0"/>
+          </a:p>
+          <a:p>
+            <a:r>
+              <a:rPr lang="zh-CN" altLang="en-US" sz="1200" dirty="0"/>
+              <a:t>而</a:t>
+            </a:r>
+            <a:r>
+              <a:rPr lang="en-US" altLang="zh-CN" sz="1200" dirty="0"/>
+              <a:t>HSF</a:t>
+            </a:r>
+            <a:r>
+              <a:rPr lang="zh-CN" altLang="en-US" sz="1200" dirty="0"/>
+              <a:t>也可以以单元的粒度进行配置，配置为</a:t>
+            </a:r>
+            <a:r>
+              <a:rPr lang="en-US" altLang="zh-CN" sz="1200" dirty="0"/>
+              <a:t>center</a:t>
+            </a:r>
+            <a:r>
+              <a:rPr lang="zh-CN" altLang="en-US" sz="1200" dirty="0"/>
+              <a:t>模式，即可自主在不同机房间进行负载均衡。</a:t>
+            </a:r>
+            <a:endParaRPr lang="en-US" altLang="zh-CN" sz="1200" dirty="0"/>
+          </a:p>
+          <a:p>
+            <a:r>
+              <a:rPr lang="zh-CN" altLang="en-US" sz="1200" dirty="0"/>
+              <a:t>异步消息也是以单元为基础，同单元不同机房可能会出现跨机房的流量投递和消费</a:t>
+            </a:r>
+          </a:p>
+        </p:txBody>
+      </p:sp>
+      <p:sp>
+        <p:nvSpPr>
+          <p:cNvPr id="52" name="矩形 51">
+            <a:extLst>
+              <a:ext uri="{FF2B5EF4-FFF2-40B4-BE49-F238E27FC236}">
+                <a16:creationId xmlns:a16="http://schemas.microsoft.com/office/drawing/2014/main" id="{C00B2E5B-D0E6-446D-9252-9EC99353E5BC}"/>
+              </a:ext>
+            </a:extLst>
+          </p:cNvPr>
+          <p:cNvSpPr/>
+          <p:nvPr/>
+        </p:nvSpPr>
+        <p:spPr>
+          <a:xfrm>
+            <a:off x="3128513" y="5963728"/>
+            <a:ext cx="4508740" cy="857962"/>
+          </a:xfrm>
+          <a:prstGeom prst="rect">
+            <a:avLst/>
+          </a:prstGeom>
+        </p:spPr>
+        <p:style>
+          <a:lnRef idx="2">
+            <a:schemeClr val="accent6"/>
+          </a:lnRef>
+          <a:fillRef idx="1">
+            <a:schemeClr val="lt1"/>
+          </a:fillRef>
+          <a:effectRef idx="0">
+            <a:schemeClr val="accent6"/>
+          </a:effectRef>
+          <a:fontRef idx="minor">
+            <a:schemeClr val="dk1"/>
+          </a:fontRef>
+        </p:style>
+        <p:txBody>
+          <a:bodyPr rtlCol="0" anchor="ctr"/>
+          <a:lstStyle/>
+          <a:p>
             <a:pPr algn="ctr"/>
-            <a:r>
-              <a:rPr lang="en-US" altLang="zh-CN" sz="1200" dirty="0"/>
-              <a:t>mtop-rg-sg</a:t>
-            </a:r>
-          </a:p>
-        </p:txBody>
-      </p:sp>
-      <p:sp>
-        <p:nvSpPr>
-          <p:cNvPr id="42" name="文本框 41">
-            <a:extLst>
-              <a:ext uri="{FF2B5EF4-FFF2-40B4-BE49-F238E27FC236}">
-                <a16:creationId xmlns:a16="http://schemas.microsoft.com/office/drawing/2014/main" id="{F91C12AA-9ABE-4861-8D4B-1B19EEFB55B4}"/>
-              </a:ext>
-            </a:extLst>
-          </p:cNvPr>
-          <p:cNvSpPr txBox="1"/>
-          <p:nvPr/>
-        </p:nvSpPr>
-        <p:spPr>
-          <a:xfrm>
-            <a:off x="7410620" y="3695669"/>
-            <a:ext cx="1338950" cy="276999"/>
-          </a:xfrm>
-          <a:prstGeom prst="rect">
-            <a:avLst/>
-          </a:prstGeom>
-          <a:noFill/>
-          <a:ln>
-            <a:solidFill>
-              <a:schemeClr val="accent1"/>
-            </a:solidFill>
-          </a:ln>
-        </p:spPr>
-        <p:txBody>
-          <a:bodyPr wrap="square" rtlCol="0">
-            <a:spAutoFit/>
-          </a:bodyPr>
+            <a:endParaRPr lang="zh-CN" altLang="en-US"/>
+          </a:p>
+        </p:txBody>
+      </p:sp>
+      <p:sp>
+        <p:nvSpPr>
+          <p:cNvPr id="55" name="矩形 54">
+            <a:extLst>
+              <a:ext uri="{FF2B5EF4-FFF2-40B4-BE49-F238E27FC236}">
+                <a16:creationId xmlns:a16="http://schemas.microsoft.com/office/drawing/2014/main" id="{EBF46A08-5A58-40AD-8870-D581FE82C666}"/>
+              </a:ext>
+            </a:extLst>
+          </p:cNvPr>
+          <p:cNvSpPr/>
+          <p:nvPr/>
+        </p:nvSpPr>
+        <p:spPr>
+          <a:xfrm>
+            <a:off x="3476205" y="6088001"/>
+            <a:ext cx="1805795" cy="247289"/>
+          </a:xfrm>
+          <a:prstGeom prst="rect">
+            <a:avLst/>
+          </a:prstGeom>
+        </p:spPr>
+        <p:style>
+          <a:lnRef idx="2">
+            <a:schemeClr val="accent6"/>
+          </a:lnRef>
+          <a:fillRef idx="1">
+            <a:schemeClr val="lt1"/>
+          </a:fillRef>
+          <a:effectRef idx="0">
+            <a:schemeClr val="accent6"/>
+          </a:effectRef>
+          <a:fontRef idx="minor">
+            <a:schemeClr val="dk1"/>
+          </a:fontRef>
+        </p:style>
+        <p:txBody>
+          <a:bodyPr rtlCol="0" anchor="ctr"/>
           <a:lstStyle/>
           <a:p>
             <a:pPr algn="ctr"/>
             <a:r>
               <a:rPr lang="en-US" altLang="zh-CN" sz="1200" dirty="0"/>
-              <a:t>Mtop-sg-2</a:t>
-            </a:r>
-          </a:p>
-        </p:txBody>
-      </p:sp>
-      <p:sp>
-        <p:nvSpPr>
-          <p:cNvPr id="50" name="文本框 49">
-            <a:extLst>
-              <a:ext uri="{FF2B5EF4-FFF2-40B4-BE49-F238E27FC236}">
-                <a16:creationId xmlns:a16="http://schemas.microsoft.com/office/drawing/2014/main" id="{D018C3E3-9B18-44B2-BBB4-22D7E4977618}"/>
-              </a:ext>
-            </a:extLst>
-          </p:cNvPr>
-          <p:cNvSpPr txBox="1"/>
-          <p:nvPr/>
-        </p:nvSpPr>
-        <p:spPr>
-          <a:xfrm>
-            <a:off x="4598060" y="2768883"/>
-            <a:ext cx="2518823" cy="276999"/>
-          </a:xfrm>
-          <a:prstGeom prst="rect">
-            <a:avLst/>
-          </a:prstGeom>
-          <a:noFill/>
-          <a:ln>
-            <a:solidFill>
-              <a:schemeClr val="accent1"/>
-            </a:solidFill>
-          </a:ln>
-        </p:spPr>
-        <p:txBody>
-          <a:bodyPr wrap="square" rtlCol="0">
-            <a:spAutoFit/>
-          </a:bodyPr>
+              <a:t>DB leader in OS30</a:t>
+            </a:r>
+          </a:p>
+        </p:txBody>
+      </p:sp>
+      <p:sp>
+        <p:nvSpPr>
+          <p:cNvPr id="56" name="矩形 55">
+            <a:extLst>
+              <a:ext uri="{FF2B5EF4-FFF2-40B4-BE49-F238E27FC236}">
+                <a16:creationId xmlns:a16="http://schemas.microsoft.com/office/drawing/2014/main" id="{6D13D2E2-EDBB-4908-8C33-E02CCA22E7B1}"/>
+              </a:ext>
+            </a:extLst>
+          </p:cNvPr>
+          <p:cNvSpPr/>
+          <p:nvPr/>
+        </p:nvSpPr>
+        <p:spPr>
+          <a:xfrm>
+            <a:off x="5604825" y="6119193"/>
+            <a:ext cx="1805795" cy="247289"/>
+          </a:xfrm>
+          <a:prstGeom prst="rect">
+            <a:avLst/>
+          </a:prstGeom>
+        </p:spPr>
+        <p:style>
+          <a:lnRef idx="2">
+            <a:schemeClr val="accent6"/>
+          </a:lnRef>
+          <a:fillRef idx="1">
+            <a:schemeClr val="lt1"/>
+          </a:fillRef>
+          <a:effectRef idx="0">
+            <a:schemeClr val="accent6"/>
+          </a:effectRef>
+          <a:fontRef idx="minor">
+            <a:schemeClr val="dk1"/>
+          </a:fontRef>
+        </p:style>
+        <p:txBody>
+          <a:bodyPr rtlCol="0" anchor="ctr"/>
           <a:lstStyle/>
           <a:p>
             <a:pPr algn="ctr"/>
             <a:r>
               <a:rPr lang="en-US" altLang="zh-CN" sz="1200" dirty="0"/>
-              <a:t>Diamond</a:t>
-            </a:r>
-            <a:r>
-              <a:rPr lang="zh-CN" altLang="en-US" sz="1200" dirty="0"/>
-              <a:t>记录</a:t>
-            </a:r>
-            <a:r>
-              <a:rPr lang="en-US" altLang="zh-CN" sz="1200" dirty="0"/>
-              <a:t>UID</a:t>
-            </a:r>
-            <a:r>
-              <a:rPr lang="zh-CN" altLang="en-US" sz="1200" dirty="0"/>
-              <a:t>的调度规则</a:t>
-            </a:r>
-            <a:endParaRPr lang="en-US" altLang="zh-CN" sz="1200" dirty="0"/>
+              <a:t>DB follow in SG52</a:t>
+            </a:r>
+          </a:p>
+        </p:txBody>
+      </p:sp>
+      <p:sp>
+        <p:nvSpPr>
+          <p:cNvPr id="57" name="矩形 56">
+            <a:extLst>
+              <a:ext uri="{FF2B5EF4-FFF2-40B4-BE49-F238E27FC236}">
+                <a16:creationId xmlns:a16="http://schemas.microsoft.com/office/drawing/2014/main" id="{1202CBE6-68DC-4F03-80E9-DBF7F4ACEFC1}"/>
+              </a:ext>
+            </a:extLst>
+          </p:cNvPr>
+          <p:cNvSpPr/>
+          <p:nvPr/>
+        </p:nvSpPr>
+        <p:spPr>
+          <a:xfrm>
+            <a:off x="4434673" y="6490821"/>
+            <a:ext cx="1805795" cy="247289"/>
+          </a:xfrm>
+          <a:prstGeom prst="rect">
+            <a:avLst/>
+          </a:prstGeom>
+        </p:spPr>
+        <p:style>
+          <a:lnRef idx="2">
+            <a:schemeClr val="accent6"/>
+          </a:lnRef>
+          <a:fillRef idx="1">
+            <a:schemeClr val="lt1"/>
+          </a:fillRef>
+          <a:effectRef idx="0">
+            <a:schemeClr val="accent6"/>
+          </a:effectRef>
+          <a:fontRef idx="minor">
+            <a:schemeClr val="dk1"/>
+          </a:fontRef>
+        </p:style>
+        <p:txBody>
+          <a:bodyPr rtlCol="0" anchor="ctr"/>
+          <a:lstStyle/>
+          <a:p>
+            <a:pPr algn="ctr"/>
+            <a:r>
+              <a:rPr lang="en-US" altLang="zh-CN" sz="1200" dirty="0"/>
+              <a:t>DB </a:t>
+            </a:r>
+            <a:r>
+              <a:rPr lang="en-US" altLang="zh-CN" sz="1200" dirty="0" err="1"/>
+              <a:t>binlong</a:t>
+            </a:r>
+            <a:r>
+              <a:rPr lang="en-US" altLang="zh-CN" sz="1200" dirty="0"/>
+              <a:t> in SG113</a:t>
+            </a:r>
           </a:p>
         </p:txBody>
       </p:sp>
       <p:cxnSp>
         <p:nvCxnSpPr>
-          <p:cNvPr id="34" name="直接箭头连接符 33">
-            <a:extLst>
-              <a:ext uri="{FF2B5EF4-FFF2-40B4-BE49-F238E27FC236}">
-                <a16:creationId xmlns:a16="http://schemas.microsoft.com/office/drawing/2014/main" id="{5874C26A-1283-44F7-8924-D07BA65D1346}"/>
+          <p:cNvPr id="23" name="直接箭头连接符 22">
+            <a:extLst>
+              <a:ext uri="{FF2B5EF4-FFF2-40B4-BE49-F238E27FC236}">
+                <a16:creationId xmlns:a16="http://schemas.microsoft.com/office/drawing/2014/main" id="{175BA767-8ED6-45CF-83EF-053DE1A2CEAD}"/>
               </a:ext>
             </a:extLst>
           </p:cNvPr>
           <p:cNvCxnSpPr>
-            <a:stCxn id="7" idx="3"/>
-            <a:endCxn id="50" idx="1"/>
+            <a:stCxn id="12" idx="1"/>
           </p:cNvCxnSpPr>
           <p:nvPr/>
         </p:nvCxnSpPr>
         <p:spPr>
-          <a:xfrm>
-            <a:off x="4156840" y="2698595"/>
-            <a:ext cx="441220" cy="208788"/>
+          <a:xfrm flipH="1">
+            <a:off x="4186232" y="3516250"/>
+            <a:ext cx="3256934" cy="1613128"/>
           </a:xfrm>
           <a:prstGeom prst="straightConnector1">
             <a:avLst/>
@@ -11907,190 +12065,24 @@
       </p:cxnSp>
       <p:cxnSp>
         <p:nvCxnSpPr>
-          <p:cNvPr id="52" name="直接箭头连接符 51">
-            <a:extLst>
-              <a:ext uri="{FF2B5EF4-FFF2-40B4-BE49-F238E27FC236}">
-                <a16:creationId xmlns:a16="http://schemas.microsoft.com/office/drawing/2014/main" id="{A0166CD3-C50F-483B-B68D-0B88D3483DF6}"/>
+          <p:cNvPr id="32" name="直接箭头连接符 31">
+            <a:extLst>
+              <a:ext uri="{FF2B5EF4-FFF2-40B4-BE49-F238E27FC236}">
+                <a16:creationId xmlns:a16="http://schemas.microsoft.com/office/drawing/2014/main" id="{BCC0DE57-D231-4EB0-BDE8-2BD28A58923B}"/>
               </a:ext>
             </a:extLst>
           </p:cNvPr>
           <p:cNvCxnSpPr>
-            <a:stCxn id="8" idx="1"/>
-            <a:endCxn id="50" idx="3"/>
+            <a:cxnSpLocks/>
+            <a:stCxn id="28" idx="1"/>
+            <a:endCxn id="48" idx="3"/>
           </p:cNvCxnSpPr>
           <p:nvPr/>
         </p:nvCxnSpPr>
         <p:spPr>
-          <a:xfrm flipH="1">
-            <a:off x="7116883" y="2698595"/>
-            <a:ext cx="293738" cy="208788"/>
-          </a:xfrm>
-          <a:prstGeom prst="straightConnector1">
-            <a:avLst/>
-          </a:prstGeom>
-          <a:ln>
-            <a:tailEnd type="triangle"/>
-          </a:ln>
-        </p:spPr>
-        <p:style>
-          <a:lnRef idx="1">
-            <a:schemeClr val="accent1"/>
-          </a:lnRef>
-          <a:fillRef idx="0">
-            <a:schemeClr val="accent1"/>
-          </a:fillRef>
-          <a:effectRef idx="0">
-            <a:schemeClr val="accent1"/>
-          </a:effectRef>
-          <a:fontRef idx="minor">
-            <a:schemeClr val="tx1"/>
-          </a:fontRef>
-        </p:style>
-      </p:cxnSp>
-      <p:cxnSp>
-        <p:nvCxnSpPr>
-          <p:cNvPr id="57" name="直接箭头连接符 56">
-            <a:extLst>
-              <a:ext uri="{FF2B5EF4-FFF2-40B4-BE49-F238E27FC236}">
-                <a16:creationId xmlns:a16="http://schemas.microsoft.com/office/drawing/2014/main" id="{99C870B4-043D-48AF-BAF0-82BABF5EB980}"/>
-              </a:ext>
-            </a:extLst>
-          </p:cNvPr>
-          <p:cNvCxnSpPr>
-            <a:endCxn id="42" idx="0"/>
-          </p:cNvCxnSpPr>
-          <p:nvPr/>
-        </p:nvCxnSpPr>
-        <p:spPr>
-          <a:xfrm>
-            <a:off x="3465150" y="2837707"/>
-            <a:ext cx="4614945" cy="857962"/>
-          </a:xfrm>
-          <a:prstGeom prst="straightConnector1">
-            <a:avLst/>
-          </a:prstGeom>
-          <a:ln>
-            <a:tailEnd type="triangle"/>
-          </a:ln>
-        </p:spPr>
-        <p:style>
-          <a:lnRef idx="1">
-            <a:schemeClr val="accent1"/>
-          </a:lnRef>
-          <a:fillRef idx="0">
-            <a:schemeClr val="accent1"/>
-          </a:fillRef>
-          <a:effectRef idx="0">
-            <a:schemeClr val="accent1"/>
-          </a:effectRef>
-          <a:fontRef idx="minor">
-            <a:schemeClr val="tx1"/>
-          </a:fontRef>
-        </p:style>
-      </p:cxnSp>
-      <p:cxnSp>
-        <p:nvCxnSpPr>
-          <p:cNvPr id="59" name="直接箭头连接符 58">
-            <a:extLst>
-              <a:ext uri="{FF2B5EF4-FFF2-40B4-BE49-F238E27FC236}">
-                <a16:creationId xmlns:a16="http://schemas.microsoft.com/office/drawing/2014/main" id="{189E872B-5D7A-4062-B21A-796D135309B9}"/>
-              </a:ext>
-            </a:extLst>
-          </p:cNvPr>
-          <p:cNvCxnSpPr>
-            <a:stCxn id="42" idx="2"/>
-            <a:endCxn id="12" idx="0"/>
-          </p:cNvCxnSpPr>
-          <p:nvPr/>
-        </p:nvCxnSpPr>
-        <p:spPr>
-          <a:xfrm>
-            <a:off x="8080095" y="3972668"/>
-            <a:ext cx="0" cy="262452"/>
-          </a:xfrm>
-          <a:prstGeom prst="straightConnector1">
-            <a:avLst/>
-          </a:prstGeom>
-          <a:ln>
-            <a:tailEnd type="triangle"/>
-          </a:ln>
-        </p:spPr>
-        <p:style>
-          <a:lnRef idx="1">
-            <a:schemeClr val="accent1"/>
-          </a:lnRef>
-          <a:fillRef idx="0">
-            <a:schemeClr val="accent1"/>
-          </a:fillRef>
-          <a:effectRef idx="0">
-            <a:schemeClr val="accent1"/>
-          </a:effectRef>
-          <a:fontRef idx="minor">
-            <a:schemeClr val="tx1"/>
-          </a:fontRef>
-        </p:style>
-      </p:cxnSp>
-      <p:cxnSp>
-        <p:nvCxnSpPr>
-          <p:cNvPr id="61" name="直接箭头连接符 60">
-            <a:extLst>
-              <a:ext uri="{FF2B5EF4-FFF2-40B4-BE49-F238E27FC236}">
-                <a16:creationId xmlns:a16="http://schemas.microsoft.com/office/drawing/2014/main" id="{5AEC6823-8022-4E82-A9BD-5409F029A6DF}"/>
-              </a:ext>
-            </a:extLst>
-          </p:cNvPr>
-          <p:cNvCxnSpPr>
-            <a:stCxn id="12" idx="2"/>
-            <a:endCxn id="27" idx="0"/>
-          </p:cNvCxnSpPr>
-          <p:nvPr/>
-        </p:nvCxnSpPr>
-        <p:spPr>
-          <a:xfrm>
-            <a:off x="8080095" y="4512119"/>
-            <a:ext cx="0" cy="726860"/>
-          </a:xfrm>
-          <a:prstGeom prst="straightConnector1">
-            <a:avLst/>
-          </a:prstGeom>
-          <a:ln>
-            <a:tailEnd type="triangle"/>
-          </a:ln>
-        </p:spPr>
-        <p:style>
-          <a:lnRef idx="1">
-            <a:schemeClr val="accent1"/>
-          </a:lnRef>
-          <a:fillRef idx="0">
-            <a:schemeClr val="accent1"/>
-          </a:fillRef>
-          <a:effectRef idx="0">
-            <a:schemeClr val="accent1"/>
-          </a:effectRef>
-          <a:fontRef idx="minor">
-            <a:schemeClr val="tx1"/>
-          </a:fontRef>
-        </p:style>
-      </p:cxnSp>
-      <p:cxnSp>
-        <p:nvCxnSpPr>
-          <p:cNvPr id="63" name="直接箭头连接符 62">
-            <a:extLst>
-              <a:ext uri="{FF2B5EF4-FFF2-40B4-BE49-F238E27FC236}">
-                <a16:creationId xmlns:a16="http://schemas.microsoft.com/office/drawing/2014/main" id="{4E5739EA-3204-40D8-A13E-CBC64155594D}"/>
-              </a:ext>
-            </a:extLst>
-          </p:cNvPr>
-          <p:cNvCxnSpPr>
-            <a:stCxn id="25" idx="0"/>
-            <a:endCxn id="48" idx="2"/>
-          </p:cNvCxnSpPr>
-          <p:nvPr/>
-        </p:nvCxnSpPr>
-        <p:spPr>
-          <a:xfrm flipV="1">
-            <a:off x="3479916" y="5048409"/>
-            <a:ext cx="0" cy="226055"/>
+          <a:xfrm flipH="1" flipV="1">
+            <a:off x="4186232" y="4056277"/>
+            <a:ext cx="3256934" cy="1003853"/>
           </a:xfrm>
           <a:prstGeom prst="straightConnector1">
             <a:avLst/>
@@ -12120,228 +12112,25 @@
           </a:fontRef>
         </p:style>
       </p:cxnSp>
-      <p:sp>
-        <p:nvSpPr>
-          <p:cNvPr id="64" name="文本框 63">
-            <a:extLst>
-              <a:ext uri="{FF2B5EF4-FFF2-40B4-BE49-F238E27FC236}">
-                <a16:creationId xmlns:a16="http://schemas.microsoft.com/office/drawing/2014/main" id="{0047992F-1C94-4E2C-88F5-AAA449BCB40C}"/>
-              </a:ext>
-            </a:extLst>
-          </p:cNvPr>
-          <p:cNvSpPr txBox="1"/>
-          <p:nvPr/>
-        </p:nvSpPr>
-        <p:spPr>
-          <a:xfrm>
-            <a:off x="4489754" y="4012401"/>
-            <a:ext cx="2518823" cy="1569660"/>
-          </a:xfrm>
-          <a:prstGeom prst="rect">
-            <a:avLst/>
-          </a:prstGeom>
-          <a:noFill/>
-        </p:spPr>
-        <p:txBody>
-          <a:bodyPr wrap="square" rtlCol="0">
-            <a:spAutoFit/>
-          </a:bodyPr>
-          <a:lstStyle/>
-          <a:p>
-            <a:r>
-              <a:rPr lang="en-US" altLang="zh-CN" sz="1200" dirty="0"/>
-              <a:t>HSF</a:t>
-            </a:r>
-            <a:r>
-              <a:rPr lang="zh-CN" altLang="en-US" sz="1200" dirty="0"/>
-              <a:t>虽然提供了单元化能力，不过要有</a:t>
-            </a:r>
-            <a:r>
-              <a:rPr lang="en-US" altLang="zh-CN" sz="1200" dirty="0" err="1"/>
-              <a:t>uid</a:t>
-            </a:r>
-            <a:r>
-              <a:rPr lang="zh-CN" altLang="en-US" sz="1200" dirty="0"/>
-              <a:t>调度，目前调度统一放在了接入层，</a:t>
-            </a:r>
-            <a:r>
-              <a:rPr lang="en-US" altLang="zh-CN" sz="1200" dirty="0"/>
-              <a:t>HSFOPS</a:t>
-            </a:r>
-            <a:r>
-              <a:rPr lang="zh-CN" altLang="en-US" sz="1200" dirty="0"/>
-              <a:t>上业务配置的仍然是中心调用，只是注册到了不同单元上，其他中间件也提供了不同的单元化及容灾模式，具体看业务接入方式，整体上是实现单元封闭</a:t>
-            </a:r>
-          </a:p>
-        </p:txBody>
-      </p:sp>
-      <p:sp>
-        <p:nvSpPr>
-          <p:cNvPr id="39" name="矩形 38">
-            <a:extLst>
-              <a:ext uri="{FF2B5EF4-FFF2-40B4-BE49-F238E27FC236}">
-                <a16:creationId xmlns:a16="http://schemas.microsoft.com/office/drawing/2014/main" id="{53EF9FA6-EF88-4AC1-B2F4-9E22A3393418}"/>
-              </a:ext>
-            </a:extLst>
-          </p:cNvPr>
-          <p:cNvSpPr/>
-          <p:nvPr/>
-        </p:nvSpPr>
-        <p:spPr>
-          <a:xfrm>
-            <a:off x="3476205" y="6088001"/>
-            <a:ext cx="1805795" cy="247289"/>
-          </a:xfrm>
-          <a:prstGeom prst="rect">
-            <a:avLst/>
-          </a:prstGeom>
-        </p:spPr>
-        <p:style>
-          <a:lnRef idx="2">
-            <a:schemeClr val="accent6"/>
-          </a:lnRef>
-          <a:fillRef idx="1">
-            <a:schemeClr val="lt1"/>
-          </a:fillRef>
-          <a:effectRef idx="0">
-            <a:schemeClr val="accent6"/>
-          </a:effectRef>
-          <a:fontRef idx="minor">
-            <a:schemeClr val="dk1"/>
-          </a:fontRef>
-        </p:style>
-        <p:txBody>
-          <a:bodyPr rtlCol="0" anchor="ctr"/>
-          <a:lstStyle/>
-          <a:p>
-            <a:pPr algn="ctr"/>
-            <a:r>
-              <a:rPr lang="en-US" altLang="zh-CN" sz="1200" dirty="0"/>
-              <a:t>DB leader in OS30</a:t>
-            </a:r>
-          </a:p>
-        </p:txBody>
-      </p:sp>
-      <p:sp>
-        <p:nvSpPr>
-          <p:cNvPr id="40" name="矩形 39">
-            <a:extLst>
-              <a:ext uri="{FF2B5EF4-FFF2-40B4-BE49-F238E27FC236}">
-                <a16:creationId xmlns:a16="http://schemas.microsoft.com/office/drawing/2014/main" id="{E54E41B0-3E61-4172-A2B3-2F81D92F9E69}"/>
-              </a:ext>
-            </a:extLst>
-          </p:cNvPr>
-          <p:cNvSpPr/>
-          <p:nvPr/>
-        </p:nvSpPr>
-        <p:spPr>
-          <a:xfrm>
-            <a:off x="5604825" y="6119193"/>
-            <a:ext cx="1805795" cy="247289"/>
-          </a:xfrm>
-          <a:prstGeom prst="rect">
-            <a:avLst/>
-          </a:prstGeom>
-        </p:spPr>
-        <p:style>
-          <a:lnRef idx="2">
-            <a:schemeClr val="accent6"/>
-          </a:lnRef>
-          <a:fillRef idx="1">
-            <a:schemeClr val="lt1"/>
-          </a:fillRef>
-          <a:effectRef idx="0">
-            <a:schemeClr val="accent6"/>
-          </a:effectRef>
-          <a:fontRef idx="minor">
-            <a:schemeClr val="dk1"/>
-          </a:fontRef>
-        </p:style>
-        <p:txBody>
-          <a:bodyPr rtlCol="0" anchor="ctr"/>
-          <a:lstStyle/>
-          <a:p>
-            <a:pPr algn="ctr"/>
-            <a:r>
-              <a:rPr lang="en-US" altLang="zh-CN" sz="1200" dirty="0"/>
-              <a:t>DB follow in SG52</a:t>
-            </a:r>
-          </a:p>
-        </p:txBody>
-      </p:sp>
-      <p:sp>
-        <p:nvSpPr>
-          <p:cNvPr id="45" name="矩形 44">
-            <a:extLst>
-              <a:ext uri="{FF2B5EF4-FFF2-40B4-BE49-F238E27FC236}">
-                <a16:creationId xmlns:a16="http://schemas.microsoft.com/office/drawing/2014/main" id="{8CD11FAD-27D0-4F3F-9DE2-1097216C60C4}"/>
-              </a:ext>
-            </a:extLst>
-          </p:cNvPr>
-          <p:cNvSpPr/>
-          <p:nvPr/>
-        </p:nvSpPr>
-        <p:spPr>
-          <a:xfrm>
-            <a:off x="4434673" y="6490821"/>
-            <a:ext cx="1805795" cy="247289"/>
-          </a:xfrm>
-          <a:prstGeom prst="rect">
-            <a:avLst/>
-          </a:prstGeom>
-        </p:spPr>
-        <p:style>
-          <a:lnRef idx="2">
-            <a:schemeClr val="accent6"/>
-          </a:lnRef>
-          <a:fillRef idx="1">
-            <a:schemeClr val="lt1"/>
-          </a:fillRef>
-          <a:effectRef idx="0">
-            <a:schemeClr val="accent6"/>
-          </a:effectRef>
-          <a:fontRef idx="minor">
-            <a:schemeClr val="dk1"/>
-          </a:fontRef>
-        </p:style>
-        <p:txBody>
-          <a:bodyPr rtlCol="0" anchor="ctr"/>
-          <a:lstStyle/>
-          <a:p>
-            <a:pPr algn="ctr"/>
-            <a:r>
-              <a:rPr lang="en-US" altLang="zh-CN" sz="1200" dirty="0"/>
-              <a:t>DB </a:t>
-            </a:r>
-            <a:r>
-              <a:rPr lang="en-US" altLang="zh-CN" sz="1200" dirty="0" err="1"/>
-              <a:t>binlong</a:t>
-            </a:r>
-            <a:r>
-              <a:rPr lang="en-US" altLang="zh-CN" sz="1200" dirty="0"/>
-              <a:t> in SG113</a:t>
-            </a:r>
-          </a:p>
-        </p:txBody>
-      </p:sp>
       <p:cxnSp>
         <p:nvCxnSpPr>
-          <p:cNvPr id="11" name="直接箭头连接符 10">
-            <a:extLst>
-              <a:ext uri="{FF2B5EF4-FFF2-40B4-BE49-F238E27FC236}">
-                <a16:creationId xmlns:a16="http://schemas.microsoft.com/office/drawing/2014/main" id="{A21BDFA9-CD15-4BEF-9746-4B9FED91E824}"/>
+          <p:cNvPr id="58" name="直接箭头连接符 57">
+            <a:extLst>
+              <a:ext uri="{FF2B5EF4-FFF2-40B4-BE49-F238E27FC236}">
+                <a16:creationId xmlns:a16="http://schemas.microsoft.com/office/drawing/2014/main" id="{C41AE5DC-81AF-49BE-A195-C72C86A9FEF5}"/>
               </a:ext>
             </a:extLst>
           </p:cNvPr>
           <p:cNvCxnSpPr>
-            <a:endCxn id="3" idx="0"/>
+            <a:stCxn id="26" idx="2"/>
+            <a:endCxn id="52" idx="0"/>
           </p:cNvCxnSpPr>
           <p:nvPr/>
         </p:nvCxnSpPr>
         <p:spPr>
-          <a:xfrm flipH="1">
-            <a:off x="5382883" y="5515978"/>
-            <a:ext cx="2651185" cy="447750"/>
+          <a:xfrm>
+            <a:off x="3516757" y="5267878"/>
+            <a:ext cx="1866126" cy="695850"/>
           </a:xfrm>
           <a:prstGeom prst="straightConnector1">
             <a:avLst/>
@@ -12367,23 +12156,23 @@
       </p:cxnSp>
       <p:cxnSp>
         <p:nvCxnSpPr>
-          <p:cNvPr id="16" name="直接箭头连接符 15">
-            <a:extLst>
-              <a:ext uri="{FF2B5EF4-FFF2-40B4-BE49-F238E27FC236}">
-                <a16:creationId xmlns:a16="http://schemas.microsoft.com/office/drawing/2014/main" id="{D35326A1-F9C7-48D8-AFB7-F3373BBA8BCB}"/>
+          <p:cNvPr id="60" name="直接箭头连接符 59">
+            <a:extLst>
+              <a:ext uri="{FF2B5EF4-FFF2-40B4-BE49-F238E27FC236}">
+                <a16:creationId xmlns:a16="http://schemas.microsoft.com/office/drawing/2014/main" id="{25966F3D-441B-4B6F-8C35-BA32353A89EA}"/>
               </a:ext>
             </a:extLst>
           </p:cNvPr>
           <p:cNvCxnSpPr>
-            <a:stCxn id="25" idx="2"/>
-            <a:endCxn id="3" idx="0"/>
+            <a:stCxn id="28" idx="2"/>
+            <a:endCxn id="52" idx="0"/>
           </p:cNvCxnSpPr>
           <p:nvPr/>
         </p:nvCxnSpPr>
         <p:spPr>
-          <a:xfrm>
-            <a:off x="3479916" y="5551463"/>
-            <a:ext cx="1902967" cy="412265"/>
+          <a:xfrm flipH="1">
+            <a:off x="5382883" y="5198629"/>
+            <a:ext cx="2729758" cy="765099"/>
           </a:xfrm>
           <a:prstGeom prst="straightConnector1">
             <a:avLst/>
@@ -12416,7 +12205,7 @@
     </p:spTree>
     <p:extLst>
       <p:ext uri="{BB962C8B-B14F-4D97-AF65-F5344CB8AC3E}">
-        <p14:creationId xmlns:p14="http://schemas.microsoft.com/office/powerpoint/2010/main" val="1903048047"/>
+        <p14:creationId xmlns:p14="http://schemas.microsoft.com/office/powerpoint/2010/main" val="1694452982"/>
       </p:ext>
     </p:extLst>
   </p:cSld>
@@ -12445,6 +12234,2110 @@
       </p:grpSpPr>
       <p:sp>
         <p:nvSpPr>
+          <p:cNvPr id="3" name="矩形 2">
+            <a:extLst>
+              <a:ext uri="{FF2B5EF4-FFF2-40B4-BE49-F238E27FC236}">
+                <a16:creationId xmlns:a16="http://schemas.microsoft.com/office/drawing/2014/main" id="{91A34973-7ED0-4246-BE7E-D74FAB9B1CC6}"/>
+              </a:ext>
+            </a:extLst>
+          </p:cNvPr>
+          <p:cNvSpPr/>
+          <p:nvPr/>
+        </p:nvSpPr>
+        <p:spPr>
+          <a:xfrm>
+            <a:off x="3128513" y="5963728"/>
+            <a:ext cx="4508740" cy="857962"/>
+          </a:xfrm>
+          <a:prstGeom prst="rect">
+            <a:avLst/>
+          </a:prstGeom>
+        </p:spPr>
+        <p:style>
+          <a:lnRef idx="2">
+            <a:schemeClr val="accent6"/>
+          </a:lnRef>
+          <a:fillRef idx="1">
+            <a:schemeClr val="lt1"/>
+          </a:fillRef>
+          <a:effectRef idx="0">
+            <a:schemeClr val="accent6"/>
+          </a:effectRef>
+          <a:fontRef idx="minor">
+            <a:schemeClr val="dk1"/>
+          </a:fontRef>
+        </p:style>
+        <p:txBody>
+          <a:bodyPr rtlCol="0" anchor="ctr"/>
+          <a:lstStyle/>
+          <a:p>
+            <a:pPr algn="ctr"/>
+            <a:endParaRPr lang="zh-CN" altLang="en-US"/>
+          </a:p>
+        </p:txBody>
+      </p:sp>
+      <p:sp>
+        <p:nvSpPr>
+          <p:cNvPr id="37" name="矩形 36">
+            <a:extLst>
+              <a:ext uri="{FF2B5EF4-FFF2-40B4-BE49-F238E27FC236}">
+                <a16:creationId xmlns:a16="http://schemas.microsoft.com/office/drawing/2014/main" id="{3A9B01A6-2DD5-4E4B-938F-250950B199DD}"/>
+              </a:ext>
+            </a:extLst>
+          </p:cNvPr>
+          <p:cNvSpPr/>
+          <p:nvPr/>
+        </p:nvSpPr>
+        <p:spPr>
+          <a:xfrm>
+            <a:off x="7268579" y="2195750"/>
+            <a:ext cx="2518823" cy="3593455"/>
+          </a:xfrm>
+          <a:prstGeom prst="rect">
+            <a:avLst/>
+          </a:prstGeom>
+        </p:spPr>
+        <p:style>
+          <a:lnRef idx="2">
+            <a:schemeClr val="accent6"/>
+          </a:lnRef>
+          <a:fillRef idx="1">
+            <a:schemeClr val="lt1"/>
+          </a:fillRef>
+          <a:effectRef idx="0">
+            <a:schemeClr val="accent6"/>
+          </a:effectRef>
+          <a:fontRef idx="minor">
+            <a:schemeClr val="dk1"/>
+          </a:fontRef>
+        </p:style>
+        <p:txBody>
+          <a:bodyPr rtlCol="0" anchor="ctr"/>
+          <a:lstStyle/>
+          <a:p>
+            <a:pPr algn="ctr"/>
+            <a:endParaRPr lang="zh-CN" altLang="en-US" dirty="0"/>
+          </a:p>
+        </p:txBody>
+      </p:sp>
+      <p:sp>
+        <p:nvSpPr>
+          <p:cNvPr id="38" name="文本框 37">
+            <a:extLst>
+              <a:ext uri="{FF2B5EF4-FFF2-40B4-BE49-F238E27FC236}">
+                <a16:creationId xmlns:a16="http://schemas.microsoft.com/office/drawing/2014/main" id="{5FB872FC-F924-4B48-9EA6-8E5704E6821B}"/>
+              </a:ext>
+            </a:extLst>
+          </p:cNvPr>
+          <p:cNvSpPr txBox="1"/>
+          <p:nvPr/>
+        </p:nvSpPr>
+        <p:spPr>
+          <a:xfrm>
+            <a:off x="7324046" y="2259204"/>
+            <a:ext cx="921352" cy="276999"/>
+          </a:xfrm>
+          <a:prstGeom prst="rect">
+            <a:avLst/>
+          </a:prstGeom>
+          <a:noFill/>
+        </p:spPr>
+        <p:txBody>
+          <a:bodyPr wrap="square" rtlCol="0">
+            <a:spAutoFit/>
+          </a:bodyPr>
+          <a:lstStyle/>
+          <a:p>
+            <a:r>
+              <a:rPr lang="en-US" altLang="zh-CN" sz="1200" dirty="0"/>
+              <a:t>sg-2</a:t>
+            </a:r>
+            <a:r>
+              <a:rPr lang="zh-CN" altLang="en-US" sz="1200" dirty="0"/>
+              <a:t>单元</a:t>
+            </a:r>
+          </a:p>
+        </p:txBody>
+      </p:sp>
+      <p:sp>
+        <p:nvSpPr>
+          <p:cNvPr id="35" name="矩形 34">
+            <a:extLst>
+              <a:ext uri="{FF2B5EF4-FFF2-40B4-BE49-F238E27FC236}">
+                <a16:creationId xmlns:a16="http://schemas.microsoft.com/office/drawing/2014/main" id="{D4A674F5-621C-4B92-A85C-C9DECC8B4210}"/>
+              </a:ext>
+            </a:extLst>
+          </p:cNvPr>
+          <p:cNvSpPr/>
+          <p:nvPr/>
+        </p:nvSpPr>
+        <p:spPr>
+          <a:xfrm>
+            <a:off x="2277374" y="2195750"/>
+            <a:ext cx="2070339" cy="3594339"/>
+          </a:xfrm>
+          <a:prstGeom prst="rect">
+            <a:avLst/>
+          </a:prstGeom>
+        </p:spPr>
+        <p:style>
+          <a:lnRef idx="2">
+            <a:schemeClr val="accent6"/>
+          </a:lnRef>
+          <a:fillRef idx="1">
+            <a:schemeClr val="lt1"/>
+          </a:fillRef>
+          <a:effectRef idx="0">
+            <a:schemeClr val="accent6"/>
+          </a:effectRef>
+          <a:fontRef idx="minor">
+            <a:schemeClr val="dk1"/>
+          </a:fontRef>
+        </p:style>
+        <p:txBody>
+          <a:bodyPr rtlCol="0" anchor="ctr"/>
+          <a:lstStyle/>
+          <a:p>
+            <a:pPr algn="ctr"/>
+            <a:endParaRPr lang="zh-CN" altLang="en-US" dirty="0"/>
+          </a:p>
+        </p:txBody>
+      </p:sp>
+      <p:sp>
+        <p:nvSpPr>
+          <p:cNvPr id="4" name="笑脸 3">
+            <a:extLst>
+              <a:ext uri="{FF2B5EF4-FFF2-40B4-BE49-F238E27FC236}">
+                <a16:creationId xmlns:a16="http://schemas.microsoft.com/office/drawing/2014/main" id="{1D10A485-66F8-477D-8C9E-22EC928622C0}"/>
+              </a:ext>
+            </a:extLst>
+          </p:cNvPr>
+          <p:cNvSpPr/>
+          <p:nvPr/>
+        </p:nvSpPr>
+        <p:spPr>
+          <a:xfrm>
+            <a:off x="5510098" y="243534"/>
+            <a:ext cx="730370" cy="718868"/>
+          </a:xfrm>
+          <a:prstGeom prst="smileyFace">
+            <a:avLst/>
+          </a:prstGeom>
+        </p:spPr>
+        <p:style>
+          <a:lnRef idx="2">
+            <a:schemeClr val="accent6"/>
+          </a:lnRef>
+          <a:fillRef idx="1">
+            <a:schemeClr val="lt1"/>
+          </a:fillRef>
+          <a:effectRef idx="0">
+            <a:schemeClr val="accent6"/>
+          </a:effectRef>
+          <a:fontRef idx="minor">
+            <a:schemeClr val="dk1"/>
+          </a:fontRef>
+        </p:style>
+        <p:txBody>
+          <a:bodyPr rtlCol="0" anchor="ctr"/>
+          <a:lstStyle/>
+          <a:p>
+            <a:pPr algn="ctr"/>
+            <a:endParaRPr lang="zh-CN" altLang="en-US"/>
+          </a:p>
+        </p:txBody>
+      </p:sp>
+      <p:sp>
+        <p:nvSpPr>
+          <p:cNvPr id="5" name="文本框 4">
+            <a:extLst>
+              <a:ext uri="{FF2B5EF4-FFF2-40B4-BE49-F238E27FC236}">
+                <a16:creationId xmlns:a16="http://schemas.microsoft.com/office/drawing/2014/main" id="{E25C409C-C599-49F7-81AF-355E8C68184F}"/>
+              </a:ext>
+            </a:extLst>
+          </p:cNvPr>
+          <p:cNvSpPr txBox="1"/>
+          <p:nvPr/>
+        </p:nvSpPr>
+        <p:spPr>
+          <a:xfrm>
+            <a:off x="4648012" y="1068795"/>
+            <a:ext cx="2457369" cy="276999"/>
+          </a:xfrm>
+          <a:prstGeom prst="rect">
+            <a:avLst/>
+          </a:prstGeom>
+          <a:noFill/>
+          <a:ln>
+            <a:solidFill>
+              <a:schemeClr val="accent1"/>
+            </a:solidFill>
+          </a:ln>
+        </p:spPr>
+        <p:txBody>
+          <a:bodyPr wrap="square" rtlCol="0">
+            <a:spAutoFit/>
+          </a:bodyPr>
+          <a:lstStyle/>
+          <a:p>
+            <a:r>
+              <a:rPr lang="zh-CN" altLang="en-US" sz="1200" dirty="0"/>
+              <a:t>请求</a:t>
+            </a:r>
+            <a:r>
+              <a:rPr lang="en-US" altLang="zh-CN" sz="1200" dirty="0">
+                <a:hlinkClick r:id="rId2"/>
+              </a:rPr>
+              <a:t>www.aaa.com</a:t>
+            </a:r>
+            <a:r>
+              <a:rPr lang="zh-CN" altLang="en-US" sz="1200" dirty="0">
+                <a:hlinkClick r:id="rId2"/>
+              </a:rPr>
+              <a:t>，</a:t>
+            </a:r>
+            <a:r>
+              <a:rPr lang="en-US" altLang="zh-CN" sz="1200" dirty="0">
+                <a:hlinkClick r:id="rId2"/>
+              </a:rPr>
+              <a:t>UID</a:t>
+            </a:r>
+            <a:r>
+              <a:rPr lang="en-US" altLang="zh-CN" sz="1200" dirty="0"/>
+              <a:t> 1234567</a:t>
+            </a:r>
+            <a:endParaRPr lang="zh-CN" altLang="en-US" sz="1200" dirty="0"/>
+          </a:p>
+        </p:txBody>
+      </p:sp>
+      <p:sp>
+        <p:nvSpPr>
+          <p:cNvPr id="6" name="文本框 5">
+            <a:extLst>
+              <a:ext uri="{FF2B5EF4-FFF2-40B4-BE49-F238E27FC236}">
+                <a16:creationId xmlns:a16="http://schemas.microsoft.com/office/drawing/2014/main" id="{23DE99EB-DD92-4C77-8DBE-23396BAD83B9}"/>
+              </a:ext>
+            </a:extLst>
+          </p:cNvPr>
+          <p:cNvSpPr txBox="1"/>
+          <p:nvPr/>
+        </p:nvSpPr>
+        <p:spPr>
+          <a:xfrm>
+            <a:off x="4648012" y="1582531"/>
+            <a:ext cx="2457369" cy="276999"/>
+          </a:xfrm>
+          <a:prstGeom prst="rect">
+            <a:avLst/>
+          </a:prstGeom>
+          <a:noFill/>
+          <a:ln>
+            <a:solidFill>
+              <a:schemeClr val="accent1"/>
+            </a:solidFill>
+          </a:ln>
+        </p:spPr>
+        <p:txBody>
+          <a:bodyPr wrap="square" rtlCol="0">
+            <a:spAutoFit/>
+          </a:bodyPr>
+          <a:lstStyle/>
+          <a:p>
+            <a:r>
+              <a:rPr lang="zh-CN" altLang="en-US" sz="1200" dirty="0"/>
+              <a:t>解析到</a:t>
+            </a:r>
+            <a:r>
+              <a:rPr lang="en-US" altLang="zh-CN" sz="1200" dirty="0"/>
+              <a:t>base</a:t>
+            </a:r>
+            <a:r>
+              <a:rPr lang="zh-CN" altLang="en-US" sz="1200" dirty="0"/>
+              <a:t>域名</a:t>
+            </a:r>
+            <a:r>
+              <a:rPr lang="en-US" altLang="zh-CN" sz="1200" dirty="0"/>
+              <a:t>www.aaadns.com</a:t>
+            </a:r>
+            <a:endParaRPr lang="zh-CN" altLang="en-US" sz="1200" dirty="0"/>
+          </a:p>
+        </p:txBody>
+      </p:sp>
+      <p:sp>
+        <p:nvSpPr>
+          <p:cNvPr id="7" name="文本框 6">
+            <a:extLst>
+              <a:ext uri="{FF2B5EF4-FFF2-40B4-BE49-F238E27FC236}">
+                <a16:creationId xmlns:a16="http://schemas.microsoft.com/office/drawing/2014/main" id="{7F4DE25D-3378-4829-9E89-1C17AEF5F1C9}"/>
+              </a:ext>
+            </a:extLst>
+          </p:cNvPr>
+          <p:cNvSpPr txBox="1"/>
+          <p:nvPr/>
+        </p:nvSpPr>
+        <p:spPr>
+          <a:xfrm>
+            <a:off x="2817890" y="2559483"/>
+            <a:ext cx="1338950" cy="278224"/>
+          </a:xfrm>
+          <a:prstGeom prst="rect">
+            <a:avLst/>
+          </a:prstGeom>
+          <a:noFill/>
+          <a:ln>
+            <a:solidFill>
+              <a:schemeClr val="accent1"/>
+            </a:solidFill>
+          </a:ln>
+        </p:spPr>
+        <p:txBody>
+          <a:bodyPr wrap="square" rtlCol="0">
+            <a:spAutoFit/>
+          </a:bodyPr>
+          <a:lstStyle/>
+          <a:p>
+            <a:r>
+              <a:rPr lang="en-US" altLang="zh-CN" sz="1200" dirty="0"/>
+              <a:t>OS30</a:t>
+            </a:r>
+            <a:r>
+              <a:rPr lang="zh-CN" altLang="en-US" sz="1200" dirty="0"/>
+              <a:t>统一接入层</a:t>
+            </a:r>
+            <a:endParaRPr lang="en-US" altLang="zh-CN" sz="1200" dirty="0"/>
+          </a:p>
+        </p:txBody>
+      </p:sp>
+      <p:sp>
+        <p:nvSpPr>
+          <p:cNvPr id="8" name="文本框 7">
+            <a:extLst>
+              <a:ext uri="{FF2B5EF4-FFF2-40B4-BE49-F238E27FC236}">
+                <a16:creationId xmlns:a16="http://schemas.microsoft.com/office/drawing/2014/main" id="{7B2E211B-64CC-4FDC-A6A5-B6A98608231C}"/>
+              </a:ext>
+            </a:extLst>
+          </p:cNvPr>
+          <p:cNvSpPr txBox="1"/>
+          <p:nvPr/>
+        </p:nvSpPr>
+        <p:spPr>
+          <a:xfrm>
+            <a:off x="7410621" y="2559483"/>
+            <a:ext cx="1338950" cy="278224"/>
+          </a:xfrm>
+          <a:prstGeom prst="rect">
+            <a:avLst/>
+          </a:prstGeom>
+          <a:noFill/>
+          <a:ln>
+            <a:solidFill>
+              <a:schemeClr val="accent1"/>
+            </a:solidFill>
+          </a:ln>
+        </p:spPr>
+        <p:txBody>
+          <a:bodyPr wrap="square" rtlCol="0">
+            <a:spAutoFit/>
+          </a:bodyPr>
+          <a:lstStyle/>
+          <a:p>
+            <a:r>
+              <a:rPr lang="en-US" altLang="zh-CN" sz="1200" dirty="0"/>
+              <a:t>SG52</a:t>
+            </a:r>
+            <a:r>
+              <a:rPr lang="zh-CN" altLang="en-US" sz="1200" dirty="0"/>
+              <a:t>统一接入层</a:t>
+            </a:r>
+            <a:endParaRPr lang="en-US" altLang="zh-CN" sz="1200" dirty="0"/>
+          </a:p>
+        </p:txBody>
+      </p:sp>
+      <p:sp>
+        <p:nvSpPr>
+          <p:cNvPr id="9" name="文本框 8">
+            <a:extLst>
+              <a:ext uri="{FF2B5EF4-FFF2-40B4-BE49-F238E27FC236}">
+                <a16:creationId xmlns:a16="http://schemas.microsoft.com/office/drawing/2014/main" id="{EEF82D11-56DC-46C1-90E8-E630333A0D62}"/>
+              </a:ext>
+            </a:extLst>
+          </p:cNvPr>
+          <p:cNvSpPr txBox="1"/>
+          <p:nvPr/>
+        </p:nvSpPr>
+        <p:spPr>
+          <a:xfrm>
+            <a:off x="2795675" y="4175398"/>
+            <a:ext cx="1338950" cy="276999"/>
+          </a:xfrm>
+          <a:prstGeom prst="rect">
+            <a:avLst/>
+          </a:prstGeom>
+          <a:noFill/>
+          <a:ln>
+            <a:solidFill>
+              <a:schemeClr val="accent1"/>
+            </a:solidFill>
+          </a:ln>
+        </p:spPr>
+        <p:txBody>
+          <a:bodyPr wrap="square" rtlCol="0">
+            <a:spAutoFit/>
+          </a:bodyPr>
+          <a:lstStyle/>
+          <a:p>
+            <a:r>
+              <a:rPr lang="en-US" altLang="zh-CN" sz="1200" dirty="0"/>
+              <a:t>OS30</a:t>
+            </a:r>
+            <a:r>
+              <a:rPr lang="zh-CN" altLang="en-US" sz="1200" dirty="0"/>
+              <a:t>应用</a:t>
+            </a:r>
+            <a:r>
+              <a:rPr lang="en-US" altLang="zh-CN" sz="1200" dirty="0"/>
+              <a:t>A</a:t>
+            </a:r>
+            <a:r>
+              <a:rPr lang="zh-CN" altLang="en-US" sz="1200" dirty="0"/>
+              <a:t>节点</a:t>
+            </a:r>
+            <a:endParaRPr lang="en-US" altLang="zh-CN" sz="1200" dirty="0"/>
+          </a:p>
+        </p:txBody>
+      </p:sp>
+      <p:sp>
+        <p:nvSpPr>
+          <p:cNvPr id="12" name="文本框 11">
+            <a:extLst>
+              <a:ext uri="{FF2B5EF4-FFF2-40B4-BE49-F238E27FC236}">
+                <a16:creationId xmlns:a16="http://schemas.microsoft.com/office/drawing/2014/main" id="{1F0F606F-010E-4D31-84F3-26B46353DC9E}"/>
+              </a:ext>
+            </a:extLst>
+          </p:cNvPr>
+          <p:cNvSpPr txBox="1"/>
+          <p:nvPr/>
+        </p:nvSpPr>
+        <p:spPr>
+          <a:xfrm>
+            <a:off x="7410620" y="4235120"/>
+            <a:ext cx="1338950" cy="276999"/>
+          </a:xfrm>
+          <a:prstGeom prst="rect">
+            <a:avLst/>
+          </a:prstGeom>
+          <a:noFill/>
+          <a:ln>
+            <a:solidFill>
+              <a:schemeClr val="accent1"/>
+            </a:solidFill>
+          </a:ln>
+        </p:spPr>
+        <p:txBody>
+          <a:bodyPr wrap="square" rtlCol="0">
+            <a:spAutoFit/>
+          </a:bodyPr>
+          <a:lstStyle/>
+          <a:p>
+            <a:pPr algn="ctr"/>
+            <a:r>
+              <a:rPr lang="en-US" altLang="zh-CN" sz="1200" dirty="0"/>
+              <a:t>SG52</a:t>
+            </a:r>
+            <a:r>
+              <a:rPr lang="zh-CN" altLang="en-US" sz="1200" dirty="0"/>
+              <a:t>应用</a:t>
+            </a:r>
+            <a:r>
+              <a:rPr lang="en-US" altLang="zh-CN" sz="1200" dirty="0"/>
+              <a:t>A</a:t>
+            </a:r>
+            <a:r>
+              <a:rPr lang="zh-CN" altLang="en-US" sz="1200" dirty="0"/>
+              <a:t>节点</a:t>
+            </a:r>
+            <a:endParaRPr lang="en-US" altLang="zh-CN" sz="1200" dirty="0"/>
+          </a:p>
+        </p:txBody>
+      </p:sp>
+      <p:sp>
+        <p:nvSpPr>
+          <p:cNvPr id="13" name="文本框 12">
+            <a:extLst>
+              <a:ext uri="{FF2B5EF4-FFF2-40B4-BE49-F238E27FC236}">
+                <a16:creationId xmlns:a16="http://schemas.microsoft.com/office/drawing/2014/main" id="{E9129C8D-CDAC-49D4-A6F4-F33BF447ACAB}"/>
+              </a:ext>
+            </a:extLst>
+          </p:cNvPr>
+          <p:cNvSpPr txBox="1"/>
+          <p:nvPr/>
+        </p:nvSpPr>
+        <p:spPr>
+          <a:xfrm>
+            <a:off x="4579367" y="2166870"/>
+            <a:ext cx="2518823" cy="461665"/>
+          </a:xfrm>
+          <a:prstGeom prst="rect">
+            <a:avLst/>
+          </a:prstGeom>
+          <a:noFill/>
+          <a:ln>
+            <a:solidFill>
+              <a:schemeClr val="accent1"/>
+            </a:solidFill>
+          </a:ln>
+        </p:spPr>
+        <p:txBody>
+          <a:bodyPr wrap="square" rtlCol="0">
+            <a:spAutoFit/>
+          </a:bodyPr>
+          <a:lstStyle/>
+          <a:p>
+            <a:pPr algn="ctr"/>
+            <a:r>
+              <a:rPr lang="en-US" altLang="zh-CN" sz="1200" dirty="0"/>
+              <a:t>mtop Vipserver </a:t>
+            </a:r>
+            <a:r>
+              <a:rPr lang="zh-CN" altLang="en-US" sz="1200" dirty="0"/>
+              <a:t>双单元</a:t>
+            </a:r>
+            <a:endParaRPr lang="en-US" altLang="zh-CN" sz="1200" dirty="0"/>
+          </a:p>
+          <a:p>
+            <a:pPr algn="ctr"/>
+            <a:r>
+              <a:rPr lang="en-US" altLang="zh-CN" sz="1200" dirty="0"/>
+              <a:t>mtop-rg-sg    mtop-sg-2</a:t>
+            </a:r>
+          </a:p>
+        </p:txBody>
+      </p:sp>
+      <p:cxnSp>
+        <p:nvCxnSpPr>
+          <p:cNvPr id="15" name="直接箭头连接符 14">
+            <a:extLst>
+              <a:ext uri="{FF2B5EF4-FFF2-40B4-BE49-F238E27FC236}">
+                <a16:creationId xmlns:a16="http://schemas.microsoft.com/office/drawing/2014/main" id="{01421A87-D201-4817-96A6-229B2BE1721F}"/>
+              </a:ext>
+            </a:extLst>
+          </p:cNvPr>
+          <p:cNvCxnSpPr>
+            <a:stCxn id="8" idx="1"/>
+            <a:endCxn id="13" idx="3"/>
+          </p:cNvCxnSpPr>
+          <p:nvPr/>
+        </p:nvCxnSpPr>
+        <p:spPr>
+          <a:xfrm flipH="1" flipV="1">
+            <a:off x="7098190" y="2397703"/>
+            <a:ext cx="312431" cy="300892"/>
+          </a:xfrm>
+          <a:prstGeom prst="straightConnector1">
+            <a:avLst/>
+          </a:prstGeom>
+          <a:ln>
+            <a:tailEnd type="triangle"/>
+          </a:ln>
+        </p:spPr>
+        <p:style>
+          <a:lnRef idx="1">
+            <a:schemeClr val="accent1"/>
+          </a:lnRef>
+          <a:fillRef idx="0">
+            <a:schemeClr val="accent1"/>
+          </a:fillRef>
+          <a:effectRef idx="0">
+            <a:schemeClr val="accent1"/>
+          </a:effectRef>
+          <a:fontRef idx="minor">
+            <a:schemeClr val="tx1"/>
+          </a:fontRef>
+        </p:style>
+      </p:cxnSp>
+      <p:cxnSp>
+        <p:nvCxnSpPr>
+          <p:cNvPr id="18" name="直接箭头连接符 17">
+            <a:extLst>
+              <a:ext uri="{FF2B5EF4-FFF2-40B4-BE49-F238E27FC236}">
+                <a16:creationId xmlns:a16="http://schemas.microsoft.com/office/drawing/2014/main" id="{C7E8F700-ABB0-4593-B268-A033D90E3226}"/>
+              </a:ext>
+            </a:extLst>
+          </p:cNvPr>
+          <p:cNvCxnSpPr>
+            <a:stCxn id="7" idx="3"/>
+            <a:endCxn id="13" idx="1"/>
+          </p:cNvCxnSpPr>
+          <p:nvPr/>
+        </p:nvCxnSpPr>
+        <p:spPr>
+          <a:xfrm flipV="1">
+            <a:off x="4156840" y="2397703"/>
+            <a:ext cx="422527" cy="300892"/>
+          </a:xfrm>
+          <a:prstGeom prst="straightConnector1">
+            <a:avLst/>
+          </a:prstGeom>
+          <a:ln>
+            <a:tailEnd type="triangle"/>
+          </a:ln>
+        </p:spPr>
+        <p:style>
+          <a:lnRef idx="1">
+            <a:schemeClr val="accent1"/>
+          </a:lnRef>
+          <a:fillRef idx="0">
+            <a:schemeClr val="accent1"/>
+          </a:fillRef>
+          <a:effectRef idx="0">
+            <a:schemeClr val="accent1"/>
+          </a:effectRef>
+          <a:fontRef idx="minor">
+            <a:schemeClr val="tx1"/>
+          </a:fontRef>
+        </p:style>
+      </p:cxnSp>
+      <p:cxnSp>
+        <p:nvCxnSpPr>
+          <p:cNvPr id="20" name="直接箭头连接符 19">
+            <a:extLst>
+              <a:ext uri="{FF2B5EF4-FFF2-40B4-BE49-F238E27FC236}">
+                <a16:creationId xmlns:a16="http://schemas.microsoft.com/office/drawing/2014/main" id="{14FE827C-8382-4447-9D05-A6199C916657}"/>
+              </a:ext>
+            </a:extLst>
+          </p:cNvPr>
+          <p:cNvCxnSpPr>
+            <a:cxnSpLocks/>
+            <a:stCxn id="5" idx="2"/>
+            <a:endCxn id="6" idx="0"/>
+          </p:cNvCxnSpPr>
+          <p:nvPr/>
+        </p:nvCxnSpPr>
+        <p:spPr>
+          <a:xfrm>
+            <a:off x="5876697" y="1345794"/>
+            <a:ext cx="0" cy="236737"/>
+          </a:xfrm>
+          <a:prstGeom prst="straightConnector1">
+            <a:avLst/>
+          </a:prstGeom>
+          <a:ln>
+            <a:tailEnd type="triangle"/>
+          </a:ln>
+        </p:spPr>
+        <p:style>
+          <a:lnRef idx="1">
+            <a:schemeClr val="accent1"/>
+          </a:lnRef>
+          <a:fillRef idx="0">
+            <a:schemeClr val="accent1"/>
+          </a:fillRef>
+          <a:effectRef idx="0">
+            <a:schemeClr val="accent1"/>
+          </a:effectRef>
+          <a:fontRef idx="minor">
+            <a:schemeClr val="tx1"/>
+          </a:fontRef>
+        </p:style>
+      </p:cxnSp>
+      <p:cxnSp>
+        <p:nvCxnSpPr>
+          <p:cNvPr id="22" name="直接箭头连接符 21">
+            <a:extLst>
+              <a:ext uri="{FF2B5EF4-FFF2-40B4-BE49-F238E27FC236}">
+                <a16:creationId xmlns:a16="http://schemas.microsoft.com/office/drawing/2014/main" id="{E81D865B-99C4-45A5-95C8-790B9D7C766F}"/>
+              </a:ext>
+            </a:extLst>
+          </p:cNvPr>
+          <p:cNvCxnSpPr>
+            <a:stCxn id="6" idx="2"/>
+            <a:endCxn id="7" idx="0"/>
+          </p:cNvCxnSpPr>
+          <p:nvPr/>
+        </p:nvCxnSpPr>
+        <p:spPr>
+          <a:xfrm flipH="1">
+            <a:off x="3487365" y="1859530"/>
+            <a:ext cx="2389332" cy="699953"/>
+          </a:xfrm>
+          <a:prstGeom prst="straightConnector1">
+            <a:avLst/>
+          </a:prstGeom>
+          <a:ln>
+            <a:tailEnd type="triangle"/>
+          </a:ln>
+        </p:spPr>
+        <p:style>
+          <a:lnRef idx="1">
+            <a:schemeClr val="accent1"/>
+          </a:lnRef>
+          <a:fillRef idx="0">
+            <a:schemeClr val="accent1"/>
+          </a:fillRef>
+          <a:effectRef idx="0">
+            <a:schemeClr val="accent1"/>
+          </a:effectRef>
+          <a:fontRef idx="minor">
+            <a:schemeClr val="tx1"/>
+          </a:fontRef>
+        </p:style>
+      </p:cxnSp>
+      <p:sp>
+        <p:nvSpPr>
+          <p:cNvPr id="25" name="文本框 24">
+            <a:extLst>
+              <a:ext uri="{FF2B5EF4-FFF2-40B4-BE49-F238E27FC236}">
+                <a16:creationId xmlns:a16="http://schemas.microsoft.com/office/drawing/2014/main" id="{CF6EE4CF-15F9-4DD1-873B-9F047D25F980}"/>
+              </a:ext>
+            </a:extLst>
+          </p:cNvPr>
+          <p:cNvSpPr txBox="1"/>
+          <p:nvPr/>
+        </p:nvSpPr>
+        <p:spPr>
+          <a:xfrm>
+            <a:off x="2810441" y="5274464"/>
+            <a:ext cx="1338950" cy="276999"/>
+          </a:xfrm>
+          <a:prstGeom prst="rect">
+            <a:avLst/>
+          </a:prstGeom>
+          <a:noFill/>
+          <a:ln>
+            <a:solidFill>
+              <a:schemeClr val="accent1"/>
+            </a:solidFill>
+          </a:ln>
+        </p:spPr>
+        <p:txBody>
+          <a:bodyPr wrap="square" rtlCol="0">
+            <a:spAutoFit/>
+          </a:bodyPr>
+          <a:lstStyle/>
+          <a:p>
+            <a:r>
+              <a:rPr lang="en-US" altLang="zh-CN" sz="1200" dirty="0"/>
+              <a:t>OS30</a:t>
+            </a:r>
+            <a:r>
+              <a:rPr lang="zh-CN" altLang="en-US" sz="1200" dirty="0"/>
+              <a:t>应用</a:t>
+            </a:r>
+            <a:r>
+              <a:rPr lang="en-US" altLang="zh-CN" sz="1200" dirty="0"/>
+              <a:t>B</a:t>
+            </a:r>
+            <a:r>
+              <a:rPr lang="zh-CN" altLang="en-US" sz="1200" dirty="0"/>
+              <a:t>节点</a:t>
+            </a:r>
+            <a:endParaRPr lang="en-US" altLang="zh-CN" sz="1200" dirty="0"/>
+          </a:p>
+        </p:txBody>
+      </p:sp>
+      <p:sp>
+        <p:nvSpPr>
+          <p:cNvPr id="27" name="文本框 26">
+            <a:extLst>
+              <a:ext uri="{FF2B5EF4-FFF2-40B4-BE49-F238E27FC236}">
+                <a16:creationId xmlns:a16="http://schemas.microsoft.com/office/drawing/2014/main" id="{1E7FC0FD-4872-4048-A1FF-0FC0220C7DE9}"/>
+              </a:ext>
+            </a:extLst>
+          </p:cNvPr>
+          <p:cNvSpPr txBox="1"/>
+          <p:nvPr/>
+        </p:nvSpPr>
+        <p:spPr>
+          <a:xfrm>
+            <a:off x="7410620" y="5238979"/>
+            <a:ext cx="1338950" cy="276999"/>
+          </a:xfrm>
+          <a:prstGeom prst="rect">
+            <a:avLst/>
+          </a:prstGeom>
+          <a:noFill/>
+          <a:ln>
+            <a:solidFill>
+              <a:schemeClr val="accent1"/>
+            </a:solidFill>
+          </a:ln>
+        </p:spPr>
+        <p:txBody>
+          <a:bodyPr wrap="square" rtlCol="0">
+            <a:spAutoFit/>
+          </a:bodyPr>
+          <a:lstStyle/>
+          <a:p>
+            <a:r>
+              <a:rPr lang="en-US" altLang="zh-CN" sz="1200" dirty="0"/>
+              <a:t>SG52</a:t>
+            </a:r>
+            <a:r>
+              <a:rPr lang="zh-CN" altLang="en-US" sz="1200" dirty="0"/>
+              <a:t>应用</a:t>
+            </a:r>
+            <a:r>
+              <a:rPr lang="en-US" altLang="zh-CN" sz="1200" dirty="0"/>
+              <a:t>B</a:t>
+            </a:r>
+            <a:r>
+              <a:rPr lang="zh-CN" altLang="en-US" sz="1200" dirty="0"/>
+              <a:t>节点</a:t>
+            </a:r>
+            <a:endParaRPr lang="en-US" altLang="zh-CN" sz="1200" dirty="0"/>
+          </a:p>
+        </p:txBody>
+      </p:sp>
+      <p:sp>
+        <p:nvSpPr>
+          <p:cNvPr id="36" name="文本框 35">
+            <a:extLst>
+              <a:ext uri="{FF2B5EF4-FFF2-40B4-BE49-F238E27FC236}">
+                <a16:creationId xmlns:a16="http://schemas.microsoft.com/office/drawing/2014/main" id="{97CE3447-D7BB-4DE2-9790-81EB74563206}"/>
+              </a:ext>
+            </a:extLst>
+          </p:cNvPr>
+          <p:cNvSpPr txBox="1"/>
+          <p:nvPr/>
+        </p:nvSpPr>
+        <p:spPr>
+          <a:xfrm>
+            <a:off x="2354060" y="2275575"/>
+            <a:ext cx="921352" cy="276999"/>
+          </a:xfrm>
+          <a:prstGeom prst="rect">
+            <a:avLst/>
+          </a:prstGeom>
+          <a:noFill/>
+        </p:spPr>
+        <p:txBody>
+          <a:bodyPr wrap="square" rtlCol="0">
+            <a:spAutoFit/>
+          </a:bodyPr>
+          <a:lstStyle/>
+          <a:p>
+            <a:r>
+              <a:rPr lang="en-US" altLang="zh-CN" sz="1200" dirty="0" err="1"/>
+              <a:t>rg</a:t>
+            </a:r>
+            <a:r>
+              <a:rPr lang="en-US" altLang="zh-CN" sz="1200" dirty="0"/>
+              <a:t>-sg</a:t>
+            </a:r>
+            <a:r>
+              <a:rPr lang="zh-CN" altLang="en-US" sz="1200" dirty="0"/>
+              <a:t>单元</a:t>
+            </a:r>
+            <a:endParaRPr lang="zh-CN" altLang="en-US" sz="1200" dirty="0">
+              <a:solidFill>
+                <a:srgbClr val="FF0000"/>
+              </a:solidFill>
+            </a:endParaRPr>
+          </a:p>
+        </p:txBody>
+      </p:sp>
+      <p:cxnSp>
+        <p:nvCxnSpPr>
+          <p:cNvPr id="43" name="直接箭头连接符 42">
+            <a:extLst>
+              <a:ext uri="{FF2B5EF4-FFF2-40B4-BE49-F238E27FC236}">
+                <a16:creationId xmlns:a16="http://schemas.microsoft.com/office/drawing/2014/main" id="{01BD03DD-C0B9-4535-B3FA-0CF1B13E86A8}"/>
+              </a:ext>
+            </a:extLst>
+          </p:cNvPr>
+          <p:cNvCxnSpPr/>
+          <p:nvPr/>
+        </p:nvCxnSpPr>
+        <p:spPr>
+          <a:xfrm>
+            <a:off x="969951" y="385313"/>
+            <a:ext cx="651815" cy="0"/>
+          </a:xfrm>
+          <a:prstGeom prst="straightConnector1">
+            <a:avLst/>
+          </a:prstGeom>
+          <a:ln>
+            <a:tailEnd type="triangle"/>
+          </a:ln>
+        </p:spPr>
+        <p:style>
+          <a:lnRef idx="1">
+            <a:schemeClr val="accent1"/>
+          </a:lnRef>
+          <a:fillRef idx="0">
+            <a:schemeClr val="accent1"/>
+          </a:fillRef>
+          <a:effectRef idx="0">
+            <a:schemeClr val="accent1"/>
+          </a:effectRef>
+          <a:fontRef idx="minor">
+            <a:schemeClr val="tx1"/>
+          </a:fontRef>
+        </p:style>
+      </p:cxnSp>
+      <p:sp>
+        <p:nvSpPr>
+          <p:cNvPr id="44" name="文本框 43">
+            <a:extLst>
+              <a:ext uri="{FF2B5EF4-FFF2-40B4-BE49-F238E27FC236}">
+                <a16:creationId xmlns:a16="http://schemas.microsoft.com/office/drawing/2014/main" id="{2FF2C28D-9F3D-4300-A8D4-71720EF18C32}"/>
+              </a:ext>
+            </a:extLst>
+          </p:cNvPr>
+          <p:cNvSpPr txBox="1"/>
+          <p:nvPr/>
+        </p:nvSpPr>
+        <p:spPr>
+          <a:xfrm>
+            <a:off x="1754038" y="243534"/>
+            <a:ext cx="902898" cy="276999"/>
+          </a:xfrm>
+          <a:prstGeom prst="rect">
+            <a:avLst/>
+          </a:prstGeom>
+          <a:noFill/>
+        </p:spPr>
+        <p:txBody>
+          <a:bodyPr wrap="square" rtlCol="0">
+            <a:spAutoFit/>
+          </a:bodyPr>
+          <a:lstStyle/>
+          <a:p>
+            <a:r>
+              <a:rPr lang="zh-CN" altLang="en-US" sz="1200" dirty="0"/>
+              <a:t>正常流量</a:t>
+            </a:r>
+          </a:p>
+        </p:txBody>
+      </p:sp>
+      <p:cxnSp>
+        <p:nvCxnSpPr>
+          <p:cNvPr id="46" name="直接箭头连接符 45">
+            <a:extLst>
+              <a:ext uri="{FF2B5EF4-FFF2-40B4-BE49-F238E27FC236}">
+                <a16:creationId xmlns:a16="http://schemas.microsoft.com/office/drawing/2014/main" id="{BD1955F4-6E0E-4556-9BC9-A88A8FC68E57}"/>
+              </a:ext>
+            </a:extLst>
+          </p:cNvPr>
+          <p:cNvCxnSpPr/>
+          <p:nvPr/>
+        </p:nvCxnSpPr>
+        <p:spPr>
+          <a:xfrm>
+            <a:off x="969951" y="822385"/>
+            <a:ext cx="651815" cy="0"/>
+          </a:xfrm>
+          <a:prstGeom prst="straightConnector1">
+            <a:avLst/>
+          </a:prstGeom>
+          <a:ln w="9525" cap="flat" cmpd="sng" algn="ctr">
+            <a:solidFill>
+              <a:schemeClr val="accent2"/>
+            </a:solidFill>
+            <a:prstDash val="solid"/>
+            <a:round/>
+            <a:headEnd type="none" w="med" len="med"/>
+            <a:tailEnd type="arrow" w="med" len="med"/>
+          </a:ln>
+        </p:spPr>
+        <p:style>
+          <a:lnRef idx="0">
+            <a:scrgbClr r="0" g="0" b="0"/>
+          </a:lnRef>
+          <a:fillRef idx="0">
+            <a:scrgbClr r="0" g="0" b="0"/>
+          </a:fillRef>
+          <a:effectRef idx="0">
+            <a:scrgbClr r="0" g="0" b="0"/>
+          </a:effectRef>
+          <a:fontRef idx="minor">
+            <a:schemeClr val="tx1"/>
+          </a:fontRef>
+        </p:style>
+      </p:cxnSp>
+      <p:sp>
+        <p:nvSpPr>
+          <p:cNvPr id="47" name="文本框 46">
+            <a:extLst>
+              <a:ext uri="{FF2B5EF4-FFF2-40B4-BE49-F238E27FC236}">
+                <a16:creationId xmlns:a16="http://schemas.microsoft.com/office/drawing/2014/main" id="{8AEAC16B-54A0-4311-980E-DF476462E5B9}"/>
+              </a:ext>
+            </a:extLst>
+          </p:cNvPr>
+          <p:cNvSpPr txBox="1"/>
+          <p:nvPr/>
+        </p:nvSpPr>
+        <p:spPr>
+          <a:xfrm>
+            <a:off x="1754038" y="672456"/>
+            <a:ext cx="902898" cy="276999"/>
+          </a:xfrm>
+          <a:prstGeom prst="rect">
+            <a:avLst/>
+          </a:prstGeom>
+          <a:noFill/>
+        </p:spPr>
+        <p:txBody>
+          <a:bodyPr wrap="square" rtlCol="0">
+            <a:spAutoFit/>
+          </a:bodyPr>
+          <a:lstStyle/>
+          <a:p>
+            <a:r>
+              <a:rPr lang="zh-CN" altLang="en-US" sz="1200" dirty="0"/>
+              <a:t>异步流量</a:t>
+            </a:r>
+          </a:p>
+        </p:txBody>
+      </p:sp>
+      <p:sp>
+        <p:nvSpPr>
+          <p:cNvPr id="48" name="文本框 47">
+            <a:extLst>
+              <a:ext uri="{FF2B5EF4-FFF2-40B4-BE49-F238E27FC236}">
+                <a16:creationId xmlns:a16="http://schemas.microsoft.com/office/drawing/2014/main" id="{F87FF4D2-7232-4291-B84D-1A99CFC812B7}"/>
+              </a:ext>
+            </a:extLst>
+          </p:cNvPr>
+          <p:cNvSpPr txBox="1"/>
+          <p:nvPr/>
+        </p:nvSpPr>
+        <p:spPr>
+          <a:xfrm>
+            <a:off x="2810441" y="4771410"/>
+            <a:ext cx="1338950" cy="276999"/>
+          </a:xfrm>
+          <a:prstGeom prst="rect">
+            <a:avLst/>
+          </a:prstGeom>
+          <a:noFill/>
+          <a:ln>
+            <a:solidFill>
+              <a:schemeClr val="accent1"/>
+            </a:solidFill>
+          </a:ln>
+        </p:spPr>
+        <p:txBody>
+          <a:bodyPr wrap="square" rtlCol="0">
+            <a:spAutoFit/>
+          </a:bodyPr>
+          <a:lstStyle/>
+          <a:p>
+            <a:r>
+              <a:rPr lang="en-US" altLang="zh-CN" sz="1200" dirty="0"/>
+              <a:t>OS30 metaQ</a:t>
+            </a:r>
+          </a:p>
+        </p:txBody>
+      </p:sp>
+      <p:sp>
+        <p:nvSpPr>
+          <p:cNvPr id="49" name="文本框 48">
+            <a:extLst>
+              <a:ext uri="{FF2B5EF4-FFF2-40B4-BE49-F238E27FC236}">
+                <a16:creationId xmlns:a16="http://schemas.microsoft.com/office/drawing/2014/main" id="{9932CB4E-F585-4556-8A18-FB29F566E08F}"/>
+              </a:ext>
+            </a:extLst>
+          </p:cNvPr>
+          <p:cNvSpPr txBox="1"/>
+          <p:nvPr/>
+        </p:nvSpPr>
+        <p:spPr>
+          <a:xfrm>
+            <a:off x="8527990" y="4737049"/>
+            <a:ext cx="1066310" cy="276999"/>
+          </a:xfrm>
+          <a:prstGeom prst="rect">
+            <a:avLst/>
+          </a:prstGeom>
+          <a:noFill/>
+          <a:ln>
+            <a:solidFill>
+              <a:schemeClr val="accent1"/>
+            </a:solidFill>
+          </a:ln>
+        </p:spPr>
+        <p:txBody>
+          <a:bodyPr wrap="square" rtlCol="0">
+            <a:spAutoFit/>
+          </a:bodyPr>
+          <a:lstStyle/>
+          <a:p>
+            <a:r>
+              <a:rPr lang="en-US" altLang="zh-CN" sz="1200" dirty="0"/>
+              <a:t>SG52 metaQ</a:t>
+            </a:r>
+          </a:p>
+        </p:txBody>
+      </p:sp>
+      <p:cxnSp>
+        <p:nvCxnSpPr>
+          <p:cNvPr id="51" name="直接箭头连接符 50">
+            <a:extLst>
+              <a:ext uri="{FF2B5EF4-FFF2-40B4-BE49-F238E27FC236}">
+                <a16:creationId xmlns:a16="http://schemas.microsoft.com/office/drawing/2014/main" id="{D42E32EC-FE85-4479-8325-DBCAE45D4875}"/>
+              </a:ext>
+            </a:extLst>
+          </p:cNvPr>
+          <p:cNvCxnSpPr>
+            <a:cxnSpLocks/>
+            <a:endCxn id="48" idx="0"/>
+          </p:cNvCxnSpPr>
+          <p:nvPr/>
+        </p:nvCxnSpPr>
+        <p:spPr>
+          <a:xfrm flipH="1">
+            <a:off x="3479916" y="4474790"/>
+            <a:ext cx="3155" cy="296620"/>
+          </a:xfrm>
+          <a:prstGeom prst="straightConnector1">
+            <a:avLst/>
+          </a:prstGeom>
+          <a:ln w="9525" cap="flat" cmpd="sng" algn="ctr">
+            <a:solidFill>
+              <a:schemeClr val="accent2"/>
+            </a:solidFill>
+            <a:prstDash val="solid"/>
+            <a:round/>
+            <a:headEnd type="none" w="med" len="med"/>
+            <a:tailEnd type="arrow" w="med" len="med"/>
+          </a:ln>
+        </p:spPr>
+        <p:style>
+          <a:lnRef idx="0">
+            <a:scrgbClr r="0" g="0" b="0"/>
+          </a:lnRef>
+          <a:fillRef idx="0">
+            <a:scrgbClr r="0" g="0" b="0"/>
+          </a:fillRef>
+          <a:effectRef idx="0">
+            <a:scrgbClr r="0" g="0" b="0"/>
+          </a:effectRef>
+          <a:fontRef idx="minor">
+            <a:schemeClr val="tx1"/>
+          </a:fontRef>
+        </p:style>
+      </p:cxnSp>
+      <p:sp>
+        <p:nvSpPr>
+          <p:cNvPr id="41" name="文本框 40">
+            <a:extLst>
+              <a:ext uri="{FF2B5EF4-FFF2-40B4-BE49-F238E27FC236}">
+                <a16:creationId xmlns:a16="http://schemas.microsoft.com/office/drawing/2014/main" id="{133B9358-0467-4412-A575-408FC280FF68}"/>
+              </a:ext>
+            </a:extLst>
+          </p:cNvPr>
+          <p:cNvSpPr txBox="1"/>
+          <p:nvPr/>
+        </p:nvSpPr>
+        <p:spPr>
+          <a:xfrm>
+            <a:off x="2806730" y="3695669"/>
+            <a:ext cx="1338950" cy="276999"/>
+          </a:xfrm>
+          <a:prstGeom prst="rect">
+            <a:avLst/>
+          </a:prstGeom>
+          <a:noFill/>
+          <a:ln>
+            <a:solidFill>
+              <a:schemeClr val="accent1"/>
+            </a:solidFill>
+          </a:ln>
+        </p:spPr>
+        <p:txBody>
+          <a:bodyPr wrap="square" rtlCol="0">
+            <a:spAutoFit/>
+          </a:bodyPr>
+          <a:lstStyle/>
+          <a:p>
+            <a:pPr algn="ctr"/>
+            <a:r>
+              <a:rPr lang="en-US" altLang="zh-CN" sz="1200" dirty="0"/>
+              <a:t>mtop-rg-sg</a:t>
+            </a:r>
+          </a:p>
+        </p:txBody>
+      </p:sp>
+      <p:sp>
+        <p:nvSpPr>
+          <p:cNvPr id="42" name="文本框 41">
+            <a:extLst>
+              <a:ext uri="{FF2B5EF4-FFF2-40B4-BE49-F238E27FC236}">
+                <a16:creationId xmlns:a16="http://schemas.microsoft.com/office/drawing/2014/main" id="{F91C12AA-9ABE-4861-8D4B-1B19EEFB55B4}"/>
+              </a:ext>
+            </a:extLst>
+          </p:cNvPr>
+          <p:cNvSpPr txBox="1"/>
+          <p:nvPr/>
+        </p:nvSpPr>
+        <p:spPr>
+          <a:xfrm>
+            <a:off x="7410620" y="3695669"/>
+            <a:ext cx="1338950" cy="276999"/>
+          </a:xfrm>
+          <a:prstGeom prst="rect">
+            <a:avLst/>
+          </a:prstGeom>
+          <a:noFill/>
+          <a:ln>
+            <a:solidFill>
+              <a:schemeClr val="accent1"/>
+            </a:solidFill>
+          </a:ln>
+        </p:spPr>
+        <p:txBody>
+          <a:bodyPr wrap="square" rtlCol="0">
+            <a:spAutoFit/>
+          </a:bodyPr>
+          <a:lstStyle/>
+          <a:p>
+            <a:pPr algn="ctr"/>
+            <a:r>
+              <a:rPr lang="en-US" altLang="zh-CN" sz="1200" dirty="0"/>
+              <a:t>Mtop-sg-2</a:t>
+            </a:r>
+          </a:p>
+        </p:txBody>
+      </p:sp>
+      <p:sp>
+        <p:nvSpPr>
+          <p:cNvPr id="50" name="文本框 49">
+            <a:extLst>
+              <a:ext uri="{FF2B5EF4-FFF2-40B4-BE49-F238E27FC236}">
+                <a16:creationId xmlns:a16="http://schemas.microsoft.com/office/drawing/2014/main" id="{D018C3E3-9B18-44B2-BBB4-22D7E4977618}"/>
+              </a:ext>
+            </a:extLst>
+          </p:cNvPr>
+          <p:cNvSpPr txBox="1"/>
+          <p:nvPr/>
+        </p:nvSpPr>
+        <p:spPr>
+          <a:xfrm>
+            <a:off x="4598060" y="2768883"/>
+            <a:ext cx="2518823" cy="276999"/>
+          </a:xfrm>
+          <a:prstGeom prst="rect">
+            <a:avLst/>
+          </a:prstGeom>
+          <a:noFill/>
+          <a:ln>
+            <a:solidFill>
+              <a:schemeClr val="accent1"/>
+            </a:solidFill>
+          </a:ln>
+        </p:spPr>
+        <p:txBody>
+          <a:bodyPr wrap="square" rtlCol="0">
+            <a:spAutoFit/>
+          </a:bodyPr>
+          <a:lstStyle/>
+          <a:p>
+            <a:pPr algn="ctr"/>
+            <a:r>
+              <a:rPr lang="en-US" altLang="zh-CN" sz="1200" dirty="0"/>
+              <a:t>Diamond</a:t>
+            </a:r>
+            <a:r>
+              <a:rPr lang="zh-CN" altLang="en-US" sz="1200" dirty="0"/>
+              <a:t>记录</a:t>
+            </a:r>
+            <a:r>
+              <a:rPr lang="en-US" altLang="zh-CN" sz="1200" dirty="0"/>
+              <a:t>UID</a:t>
+            </a:r>
+            <a:r>
+              <a:rPr lang="zh-CN" altLang="en-US" sz="1200" dirty="0"/>
+              <a:t>的调度规则</a:t>
+            </a:r>
+            <a:endParaRPr lang="en-US" altLang="zh-CN" sz="1200" dirty="0"/>
+          </a:p>
+        </p:txBody>
+      </p:sp>
+      <p:cxnSp>
+        <p:nvCxnSpPr>
+          <p:cNvPr id="34" name="直接箭头连接符 33">
+            <a:extLst>
+              <a:ext uri="{FF2B5EF4-FFF2-40B4-BE49-F238E27FC236}">
+                <a16:creationId xmlns:a16="http://schemas.microsoft.com/office/drawing/2014/main" id="{5874C26A-1283-44F7-8924-D07BA65D1346}"/>
+              </a:ext>
+            </a:extLst>
+          </p:cNvPr>
+          <p:cNvCxnSpPr>
+            <a:stCxn id="7" idx="3"/>
+            <a:endCxn id="50" idx="1"/>
+          </p:cNvCxnSpPr>
+          <p:nvPr/>
+        </p:nvCxnSpPr>
+        <p:spPr>
+          <a:xfrm>
+            <a:off x="4156840" y="2698595"/>
+            <a:ext cx="441220" cy="208788"/>
+          </a:xfrm>
+          <a:prstGeom prst="straightConnector1">
+            <a:avLst/>
+          </a:prstGeom>
+          <a:ln>
+            <a:tailEnd type="triangle"/>
+          </a:ln>
+        </p:spPr>
+        <p:style>
+          <a:lnRef idx="1">
+            <a:schemeClr val="accent1"/>
+          </a:lnRef>
+          <a:fillRef idx="0">
+            <a:schemeClr val="accent1"/>
+          </a:fillRef>
+          <a:effectRef idx="0">
+            <a:schemeClr val="accent1"/>
+          </a:effectRef>
+          <a:fontRef idx="minor">
+            <a:schemeClr val="tx1"/>
+          </a:fontRef>
+        </p:style>
+      </p:cxnSp>
+      <p:cxnSp>
+        <p:nvCxnSpPr>
+          <p:cNvPr id="52" name="直接箭头连接符 51">
+            <a:extLst>
+              <a:ext uri="{FF2B5EF4-FFF2-40B4-BE49-F238E27FC236}">
+                <a16:creationId xmlns:a16="http://schemas.microsoft.com/office/drawing/2014/main" id="{A0166CD3-C50F-483B-B68D-0B88D3483DF6}"/>
+              </a:ext>
+            </a:extLst>
+          </p:cNvPr>
+          <p:cNvCxnSpPr>
+            <a:stCxn id="8" idx="1"/>
+            <a:endCxn id="50" idx="3"/>
+          </p:cNvCxnSpPr>
+          <p:nvPr/>
+        </p:nvCxnSpPr>
+        <p:spPr>
+          <a:xfrm flipH="1">
+            <a:off x="7116883" y="2698595"/>
+            <a:ext cx="293738" cy="208788"/>
+          </a:xfrm>
+          <a:prstGeom prst="straightConnector1">
+            <a:avLst/>
+          </a:prstGeom>
+          <a:ln>
+            <a:tailEnd type="triangle"/>
+          </a:ln>
+        </p:spPr>
+        <p:style>
+          <a:lnRef idx="1">
+            <a:schemeClr val="accent1"/>
+          </a:lnRef>
+          <a:fillRef idx="0">
+            <a:schemeClr val="accent1"/>
+          </a:fillRef>
+          <a:effectRef idx="0">
+            <a:schemeClr val="accent1"/>
+          </a:effectRef>
+          <a:fontRef idx="minor">
+            <a:schemeClr val="tx1"/>
+          </a:fontRef>
+        </p:style>
+      </p:cxnSp>
+      <p:cxnSp>
+        <p:nvCxnSpPr>
+          <p:cNvPr id="57" name="直接箭头连接符 56">
+            <a:extLst>
+              <a:ext uri="{FF2B5EF4-FFF2-40B4-BE49-F238E27FC236}">
+                <a16:creationId xmlns:a16="http://schemas.microsoft.com/office/drawing/2014/main" id="{99C870B4-043D-48AF-BAF0-82BABF5EB980}"/>
+              </a:ext>
+            </a:extLst>
+          </p:cNvPr>
+          <p:cNvCxnSpPr>
+            <a:endCxn id="42" idx="0"/>
+          </p:cNvCxnSpPr>
+          <p:nvPr/>
+        </p:nvCxnSpPr>
+        <p:spPr>
+          <a:xfrm>
+            <a:off x="3465150" y="2837707"/>
+            <a:ext cx="4614945" cy="857962"/>
+          </a:xfrm>
+          <a:prstGeom prst="straightConnector1">
+            <a:avLst/>
+          </a:prstGeom>
+          <a:ln>
+            <a:tailEnd type="triangle"/>
+          </a:ln>
+        </p:spPr>
+        <p:style>
+          <a:lnRef idx="1">
+            <a:schemeClr val="accent1"/>
+          </a:lnRef>
+          <a:fillRef idx="0">
+            <a:schemeClr val="accent1"/>
+          </a:fillRef>
+          <a:effectRef idx="0">
+            <a:schemeClr val="accent1"/>
+          </a:effectRef>
+          <a:fontRef idx="minor">
+            <a:schemeClr val="tx1"/>
+          </a:fontRef>
+        </p:style>
+      </p:cxnSp>
+      <p:cxnSp>
+        <p:nvCxnSpPr>
+          <p:cNvPr id="59" name="直接箭头连接符 58">
+            <a:extLst>
+              <a:ext uri="{FF2B5EF4-FFF2-40B4-BE49-F238E27FC236}">
+                <a16:creationId xmlns:a16="http://schemas.microsoft.com/office/drawing/2014/main" id="{189E872B-5D7A-4062-B21A-796D135309B9}"/>
+              </a:ext>
+            </a:extLst>
+          </p:cNvPr>
+          <p:cNvCxnSpPr>
+            <a:stCxn id="42" idx="2"/>
+            <a:endCxn id="12" idx="0"/>
+          </p:cNvCxnSpPr>
+          <p:nvPr/>
+        </p:nvCxnSpPr>
+        <p:spPr>
+          <a:xfrm>
+            <a:off x="8080095" y="3972668"/>
+            <a:ext cx="0" cy="262452"/>
+          </a:xfrm>
+          <a:prstGeom prst="straightConnector1">
+            <a:avLst/>
+          </a:prstGeom>
+          <a:ln>
+            <a:tailEnd type="triangle"/>
+          </a:ln>
+        </p:spPr>
+        <p:style>
+          <a:lnRef idx="1">
+            <a:schemeClr val="accent1"/>
+          </a:lnRef>
+          <a:fillRef idx="0">
+            <a:schemeClr val="accent1"/>
+          </a:fillRef>
+          <a:effectRef idx="0">
+            <a:schemeClr val="accent1"/>
+          </a:effectRef>
+          <a:fontRef idx="minor">
+            <a:schemeClr val="tx1"/>
+          </a:fontRef>
+        </p:style>
+      </p:cxnSp>
+      <p:cxnSp>
+        <p:nvCxnSpPr>
+          <p:cNvPr id="61" name="直接箭头连接符 60">
+            <a:extLst>
+              <a:ext uri="{FF2B5EF4-FFF2-40B4-BE49-F238E27FC236}">
+                <a16:creationId xmlns:a16="http://schemas.microsoft.com/office/drawing/2014/main" id="{5AEC6823-8022-4E82-A9BD-5409F029A6DF}"/>
+              </a:ext>
+            </a:extLst>
+          </p:cNvPr>
+          <p:cNvCxnSpPr>
+            <a:stCxn id="12" idx="2"/>
+            <a:endCxn id="27" idx="0"/>
+          </p:cNvCxnSpPr>
+          <p:nvPr/>
+        </p:nvCxnSpPr>
+        <p:spPr>
+          <a:xfrm>
+            <a:off x="8080095" y="4512119"/>
+            <a:ext cx="0" cy="726860"/>
+          </a:xfrm>
+          <a:prstGeom prst="straightConnector1">
+            <a:avLst/>
+          </a:prstGeom>
+          <a:ln>
+            <a:tailEnd type="triangle"/>
+          </a:ln>
+        </p:spPr>
+        <p:style>
+          <a:lnRef idx="1">
+            <a:schemeClr val="accent1"/>
+          </a:lnRef>
+          <a:fillRef idx="0">
+            <a:schemeClr val="accent1"/>
+          </a:fillRef>
+          <a:effectRef idx="0">
+            <a:schemeClr val="accent1"/>
+          </a:effectRef>
+          <a:fontRef idx="minor">
+            <a:schemeClr val="tx1"/>
+          </a:fontRef>
+        </p:style>
+      </p:cxnSp>
+      <p:cxnSp>
+        <p:nvCxnSpPr>
+          <p:cNvPr id="63" name="直接箭头连接符 62">
+            <a:extLst>
+              <a:ext uri="{FF2B5EF4-FFF2-40B4-BE49-F238E27FC236}">
+                <a16:creationId xmlns:a16="http://schemas.microsoft.com/office/drawing/2014/main" id="{4E5739EA-3204-40D8-A13E-CBC64155594D}"/>
+              </a:ext>
+            </a:extLst>
+          </p:cNvPr>
+          <p:cNvCxnSpPr>
+            <a:stCxn id="25" idx="0"/>
+            <a:endCxn id="48" idx="2"/>
+          </p:cNvCxnSpPr>
+          <p:nvPr/>
+        </p:nvCxnSpPr>
+        <p:spPr>
+          <a:xfrm flipV="1">
+            <a:off x="3479916" y="5048409"/>
+            <a:ext cx="0" cy="226055"/>
+          </a:xfrm>
+          <a:prstGeom prst="straightConnector1">
+            <a:avLst/>
+          </a:prstGeom>
+          <a:ln w="9525" cap="flat" cmpd="sng" algn="ctr">
+            <a:solidFill>
+              <a:schemeClr val="accent2"/>
+            </a:solidFill>
+            <a:prstDash val="solid"/>
+            <a:round/>
+            <a:headEnd type="none" w="med" len="med"/>
+            <a:tailEnd type="arrow" w="med" len="med"/>
+          </a:ln>
+        </p:spPr>
+        <p:style>
+          <a:lnRef idx="0">
+            <a:scrgbClr r="0" g="0" b="0"/>
+          </a:lnRef>
+          <a:fillRef idx="0">
+            <a:scrgbClr r="0" g="0" b="0"/>
+          </a:fillRef>
+          <a:effectRef idx="0">
+            <a:scrgbClr r="0" g="0" b="0"/>
+          </a:effectRef>
+          <a:fontRef idx="minor">
+            <a:schemeClr val="tx1"/>
+          </a:fontRef>
+        </p:style>
+      </p:cxnSp>
+      <p:sp>
+        <p:nvSpPr>
+          <p:cNvPr id="64" name="文本框 63">
+            <a:extLst>
+              <a:ext uri="{FF2B5EF4-FFF2-40B4-BE49-F238E27FC236}">
+                <a16:creationId xmlns:a16="http://schemas.microsoft.com/office/drawing/2014/main" id="{0047992F-1C94-4E2C-88F5-AAA449BCB40C}"/>
+              </a:ext>
+            </a:extLst>
+          </p:cNvPr>
+          <p:cNvSpPr txBox="1"/>
+          <p:nvPr/>
+        </p:nvSpPr>
+        <p:spPr>
+          <a:xfrm>
+            <a:off x="4489754" y="4012401"/>
+            <a:ext cx="2518823" cy="1569660"/>
+          </a:xfrm>
+          <a:prstGeom prst="rect">
+            <a:avLst/>
+          </a:prstGeom>
+          <a:noFill/>
+        </p:spPr>
+        <p:txBody>
+          <a:bodyPr wrap="square" rtlCol="0">
+            <a:spAutoFit/>
+          </a:bodyPr>
+          <a:lstStyle/>
+          <a:p>
+            <a:r>
+              <a:rPr lang="en-US" altLang="zh-CN" sz="1200" dirty="0"/>
+              <a:t>HSF</a:t>
+            </a:r>
+            <a:r>
+              <a:rPr lang="zh-CN" altLang="en-US" sz="1200" dirty="0"/>
+              <a:t>虽然提供了单元化能力，不过要有</a:t>
+            </a:r>
+            <a:r>
+              <a:rPr lang="en-US" altLang="zh-CN" sz="1200" dirty="0" err="1"/>
+              <a:t>uid</a:t>
+            </a:r>
+            <a:r>
+              <a:rPr lang="zh-CN" altLang="en-US" sz="1200" dirty="0"/>
+              <a:t>调度，目前调度统一放在了接入层，</a:t>
+            </a:r>
+            <a:r>
+              <a:rPr lang="en-US" altLang="zh-CN" sz="1200" dirty="0"/>
+              <a:t>HSFOPS</a:t>
+            </a:r>
+            <a:r>
+              <a:rPr lang="zh-CN" altLang="en-US" sz="1200" dirty="0"/>
+              <a:t>上业务配置的仍然是中心调用，只是注册到了不同单元上，其他中间件也提供了不同的单元化及容灾模式，具体看业务接入方式，整体上是实现单元封闭</a:t>
+            </a:r>
+          </a:p>
+        </p:txBody>
+      </p:sp>
+      <p:sp>
+        <p:nvSpPr>
+          <p:cNvPr id="39" name="矩形 38">
+            <a:extLst>
+              <a:ext uri="{FF2B5EF4-FFF2-40B4-BE49-F238E27FC236}">
+                <a16:creationId xmlns:a16="http://schemas.microsoft.com/office/drawing/2014/main" id="{53EF9FA6-EF88-4AC1-B2F4-9E22A3393418}"/>
+              </a:ext>
+            </a:extLst>
+          </p:cNvPr>
+          <p:cNvSpPr/>
+          <p:nvPr/>
+        </p:nvSpPr>
+        <p:spPr>
+          <a:xfrm>
+            <a:off x="3476205" y="6088001"/>
+            <a:ext cx="1805795" cy="247289"/>
+          </a:xfrm>
+          <a:prstGeom prst="rect">
+            <a:avLst/>
+          </a:prstGeom>
+        </p:spPr>
+        <p:style>
+          <a:lnRef idx="2">
+            <a:schemeClr val="accent6"/>
+          </a:lnRef>
+          <a:fillRef idx="1">
+            <a:schemeClr val="lt1"/>
+          </a:fillRef>
+          <a:effectRef idx="0">
+            <a:schemeClr val="accent6"/>
+          </a:effectRef>
+          <a:fontRef idx="minor">
+            <a:schemeClr val="dk1"/>
+          </a:fontRef>
+        </p:style>
+        <p:txBody>
+          <a:bodyPr rtlCol="0" anchor="ctr"/>
+          <a:lstStyle/>
+          <a:p>
+            <a:pPr algn="ctr"/>
+            <a:r>
+              <a:rPr lang="en-US" altLang="zh-CN" sz="1200" dirty="0"/>
+              <a:t>DB leader in OS30</a:t>
+            </a:r>
+          </a:p>
+        </p:txBody>
+      </p:sp>
+      <p:sp>
+        <p:nvSpPr>
+          <p:cNvPr id="40" name="矩形 39">
+            <a:extLst>
+              <a:ext uri="{FF2B5EF4-FFF2-40B4-BE49-F238E27FC236}">
+                <a16:creationId xmlns:a16="http://schemas.microsoft.com/office/drawing/2014/main" id="{E54E41B0-3E61-4172-A2B3-2F81D92F9E69}"/>
+              </a:ext>
+            </a:extLst>
+          </p:cNvPr>
+          <p:cNvSpPr/>
+          <p:nvPr/>
+        </p:nvSpPr>
+        <p:spPr>
+          <a:xfrm>
+            <a:off x="5604825" y="6119193"/>
+            <a:ext cx="1805795" cy="247289"/>
+          </a:xfrm>
+          <a:prstGeom prst="rect">
+            <a:avLst/>
+          </a:prstGeom>
+        </p:spPr>
+        <p:style>
+          <a:lnRef idx="2">
+            <a:schemeClr val="accent6"/>
+          </a:lnRef>
+          <a:fillRef idx="1">
+            <a:schemeClr val="lt1"/>
+          </a:fillRef>
+          <a:effectRef idx="0">
+            <a:schemeClr val="accent6"/>
+          </a:effectRef>
+          <a:fontRef idx="minor">
+            <a:schemeClr val="dk1"/>
+          </a:fontRef>
+        </p:style>
+        <p:txBody>
+          <a:bodyPr rtlCol="0" anchor="ctr"/>
+          <a:lstStyle/>
+          <a:p>
+            <a:pPr algn="ctr"/>
+            <a:r>
+              <a:rPr lang="en-US" altLang="zh-CN" sz="1200" dirty="0"/>
+              <a:t>DB follow in SG52</a:t>
+            </a:r>
+          </a:p>
+        </p:txBody>
+      </p:sp>
+      <p:sp>
+        <p:nvSpPr>
+          <p:cNvPr id="45" name="矩形 44">
+            <a:extLst>
+              <a:ext uri="{FF2B5EF4-FFF2-40B4-BE49-F238E27FC236}">
+                <a16:creationId xmlns:a16="http://schemas.microsoft.com/office/drawing/2014/main" id="{8CD11FAD-27D0-4F3F-9DE2-1097216C60C4}"/>
+              </a:ext>
+            </a:extLst>
+          </p:cNvPr>
+          <p:cNvSpPr/>
+          <p:nvPr/>
+        </p:nvSpPr>
+        <p:spPr>
+          <a:xfrm>
+            <a:off x="4434673" y="6490821"/>
+            <a:ext cx="1805795" cy="247289"/>
+          </a:xfrm>
+          <a:prstGeom prst="rect">
+            <a:avLst/>
+          </a:prstGeom>
+        </p:spPr>
+        <p:style>
+          <a:lnRef idx="2">
+            <a:schemeClr val="accent6"/>
+          </a:lnRef>
+          <a:fillRef idx="1">
+            <a:schemeClr val="lt1"/>
+          </a:fillRef>
+          <a:effectRef idx="0">
+            <a:schemeClr val="accent6"/>
+          </a:effectRef>
+          <a:fontRef idx="minor">
+            <a:schemeClr val="dk1"/>
+          </a:fontRef>
+        </p:style>
+        <p:txBody>
+          <a:bodyPr rtlCol="0" anchor="ctr"/>
+          <a:lstStyle/>
+          <a:p>
+            <a:pPr algn="ctr"/>
+            <a:r>
+              <a:rPr lang="en-US" altLang="zh-CN" sz="1200" dirty="0"/>
+              <a:t>DB </a:t>
+            </a:r>
+            <a:r>
+              <a:rPr lang="en-US" altLang="zh-CN" sz="1200" dirty="0" err="1"/>
+              <a:t>binlong</a:t>
+            </a:r>
+            <a:r>
+              <a:rPr lang="en-US" altLang="zh-CN" sz="1200" dirty="0"/>
+              <a:t> in SG113</a:t>
+            </a:r>
+          </a:p>
+        </p:txBody>
+      </p:sp>
+      <p:cxnSp>
+        <p:nvCxnSpPr>
+          <p:cNvPr id="11" name="直接箭头连接符 10">
+            <a:extLst>
+              <a:ext uri="{FF2B5EF4-FFF2-40B4-BE49-F238E27FC236}">
+                <a16:creationId xmlns:a16="http://schemas.microsoft.com/office/drawing/2014/main" id="{A21BDFA9-CD15-4BEF-9746-4B9FED91E824}"/>
+              </a:ext>
+            </a:extLst>
+          </p:cNvPr>
+          <p:cNvCxnSpPr>
+            <a:endCxn id="3" idx="0"/>
+          </p:cNvCxnSpPr>
+          <p:nvPr/>
+        </p:nvCxnSpPr>
+        <p:spPr>
+          <a:xfrm flipH="1">
+            <a:off x="5382883" y="5515978"/>
+            <a:ext cx="2651185" cy="447750"/>
+          </a:xfrm>
+          <a:prstGeom prst="straightConnector1">
+            <a:avLst/>
+          </a:prstGeom>
+          <a:ln>
+            <a:tailEnd type="triangle"/>
+          </a:ln>
+        </p:spPr>
+        <p:style>
+          <a:lnRef idx="1">
+            <a:schemeClr val="accent1"/>
+          </a:lnRef>
+          <a:fillRef idx="0">
+            <a:schemeClr val="accent1"/>
+          </a:fillRef>
+          <a:effectRef idx="0">
+            <a:schemeClr val="accent1"/>
+          </a:effectRef>
+          <a:fontRef idx="minor">
+            <a:schemeClr val="tx1"/>
+          </a:fontRef>
+        </p:style>
+      </p:cxnSp>
+      <p:cxnSp>
+        <p:nvCxnSpPr>
+          <p:cNvPr id="16" name="直接箭头连接符 15">
+            <a:extLst>
+              <a:ext uri="{FF2B5EF4-FFF2-40B4-BE49-F238E27FC236}">
+                <a16:creationId xmlns:a16="http://schemas.microsoft.com/office/drawing/2014/main" id="{D35326A1-F9C7-48D8-AFB7-F3373BBA8BCB}"/>
+              </a:ext>
+            </a:extLst>
+          </p:cNvPr>
+          <p:cNvCxnSpPr>
+            <a:stCxn id="25" idx="2"/>
+            <a:endCxn id="3" idx="0"/>
+          </p:cNvCxnSpPr>
+          <p:nvPr/>
+        </p:nvCxnSpPr>
+        <p:spPr>
+          <a:xfrm>
+            <a:off x="3479916" y="5551463"/>
+            <a:ext cx="1902967" cy="412265"/>
+          </a:xfrm>
+          <a:prstGeom prst="straightConnector1">
+            <a:avLst/>
+          </a:prstGeom>
+          <a:ln w="9525" cap="flat" cmpd="sng" algn="ctr">
+            <a:solidFill>
+              <a:schemeClr val="accent2"/>
+            </a:solidFill>
+            <a:prstDash val="solid"/>
+            <a:round/>
+            <a:headEnd type="none" w="med" len="med"/>
+            <a:tailEnd type="arrow" w="med" len="med"/>
+          </a:ln>
+        </p:spPr>
+        <p:style>
+          <a:lnRef idx="0">
+            <a:scrgbClr r="0" g="0" b="0"/>
+          </a:lnRef>
+          <a:fillRef idx="0">
+            <a:scrgbClr r="0" g="0" b="0"/>
+          </a:fillRef>
+          <a:effectRef idx="0">
+            <a:scrgbClr r="0" g="0" b="0"/>
+          </a:effectRef>
+          <a:fontRef idx="minor">
+            <a:schemeClr val="tx1"/>
+          </a:fontRef>
+        </p:style>
+      </p:cxnSp>
+    </p:spTree>
+    <p:extLst>
+      <p:ext uri="{BB962C8B-B14F-4D97-AF65-F5344CB8AC3E}">
+        <p14:creationId xmlns:p14="http://schemas.microsoft.com/office/powerpoint/2010/main" val="1903048047"/>
+      </p:ext>
+    </p:extLst>
+  </p:cSld>
+  <p:clrMapOvr>
+    <a:masterClrMapping/>
+  </p:clrMapOvr>
+</p:sld>
+</file>
+
+<file path=ppt/slides/slide7.xml><?xml version="1.0" encoding="utf-8"?>
+<p:sld xmlns:a="http://schemas.openxmlformats.org/drawingml/2006/main" xmlns:r="http://schemas.openxmlformats.org/officeDocument/2006/relationships" xmlns:p="http://schemas.openxmlformats.org/presentationml/2006/main">
+  <p:cSld>
+    <p:spTree>
+      <p:nvGrpSpPr>
+        <p:cNvPr id="1" name=""/>
+        <p:cNvGrpSpPr/>
+        <p:nvPr/>
+      </p:nvGrpSpPr>
+      <p:grpSpPr>
+        <a:xfrm>
+          <a:off x="0" y="0"/>
+          <a:ext cx="0" cy="0"/>
+          <a:chOff x="0" y="0"/>
+          <a:chExt cx="0" cy="0"/>
+        </a:xfrm>
+      </p:grpSpPr>
+      <p:sp>
+        <p:nvSpPr>
+          <p:cNvPr id="52" name="矩形 51">
+            <a:extLst>
+              <a:ext uri="{FF2B5EF4-FFF2-40B4-BE49-F238E27FC236}">
+                <a16:creationId xmlns:a16="http://schemas.microsoft.com/office/drawing/2014/main" id="{965030FB-3490-4358-AF38-6AB9237D6C1E}"/>
+              </a:ext>
+            </a:extLst>
+          </p:cNvPr>
+          <p:cNvSpPr/>
+          <p:nvPr/>
+        </p:nvSpPr>
+        <p:spPr>
+          <a:xfrm>
+            <a:off x="7724227" y="1454989"/>
+            <a:ext cx="1983355" cy="4324709"/>
+          </a:xfrm>
+          <a:prstGeom prst="rect">
+            <a:avLst/>
+          </a:prstGeom>
+        </p:spPr>
+        <p:style>
+          <a:lnRef idx="2">
+            <a:schemeClr val="accent6"/>
+          </a:lnRef>
+          <a:fillRef idx="1">
+            <a:schemeClr val="lt1"/>
+          </a:fillRef>
+          <a:effectRef idx="0">
+            <a:schemeClr val="accent6"/>
+          </a:effectRef>
+          <a:fontRef idx="minor">
+            <a:schemeClr val="dk1"/>
+          </a:fontRef>
+        </p:style>
+        <p:txBody>
+          <a:bodyPr rtlCol="0" anchor="ctr"/>
+          <a:lstStyle/>
+          <a:p>
+            <a:pPr algn="ctr"/>
+            <a:endParaRPr lang="zh-CN" altLang="en-US"/>
+          </a:p>
+        </p:txBody>
+      </p:sp>
+      <p:sp>
+        <p:nvSpPr>
+          <p:cNvPr id="53" name="文本框 52">
+            <a:extLst>
+              <a:ext uri="{FF2B5EF4-FFF2-40B4-BE49-F238E27FC236}">
+                <a16:creationId xmlns:a16="http://schemas.microsoft.com/office/drawing/2014/main" id="{FB8543F9-DD04-4D08-A336-97D50A3ED103}"/>
+              </a:ext>
+            </a:extLst>
+          </p:cNvPr>
+          <p:cNvSpPr txBox="1"/>
+          <p:nvPr/>
+        </p:nvSpPr>
+        <p:spPr>
+          <a:xfrm>
+            <a:off x="7816968" y="1506987"/>
+            <a:ext cx="913675" cy="276999"/>
+          </a:xfrm>
+          <a:prstGeom prst="rect">
+            <a:avLst/>
+          </a:prstGeom>
+          <a:noFill/>
+        </p:spPr>
+        <p:txBody>
+          <a:bodyPr wrap="square" rtlCol="0">
+            <a:spAutoFit/>
+          </a:bodyPr>
+          <a:lstStyle/>
+          <a:p>
+            <a:r>
+              <a:rPr lang="zh-CN" altLang="en-US" sz="1200" dirty="0"/>
+              <a:t>香港中心</a:t>
+            </a:r>
+          </a:p>
+        </p:txBody>
+      </p:sp>
+      <p:sp>
+        <p:nvSpPr>
+          <p:cNvPr id="50" name="矩形 49">
+            <a:extLst>
+              <a:ext uri="{FF2B5EF4-FFF2-40B4-BE49-F238E27FC236}">
+                <a16:creationId xmlns:a16="http://schemas.microsoft.com/office/drawing/2014/main" id="{68A9EE10-8B27-43F6-B7D6-40B729B9C5D2}"/>
+              </a:ext>
+            </a:extLst>
+          </p:cNvPr>
+          <p:cNvSpPr/>
+          <p:nvPr/>
+        </p:nvSpPr>
+        <p:spPr>
+          <a:xfrm>
+            <a:off x="4496520" y="1454989"/>
+            <a:ext cx="1983355" cy="4324709"/>
+          </a:xfrm>
+          <a:prstGeom prst="rect">
+            <a:avLst/>
+          </a:prstGeom>
+        </p:spPr>
+        <p:style>
+          <a:lnRef idx="2">
+            <a:schemeClr val="accent6"/>
+          </a:lnRef>
+          <a:fillRef idx="1">
+            <a:schemeClr val="lt1"/>
+          </a:fillRef>
+          <a:effectRef idx="0">
+            <a:schemeClr val="accent6"/>
+          </a:effectRef>
+          <a:fontRef idx="minor">
+            <a:schemeClr val="dk1"/>
+          </a:fontRef>
+        </p:style>
+        <p:txBody>
+          <a:bodyPr rtlCol="0" anchor="ctr"/>
+          <a:lstStyle/>
+          <a:p>
+            <a:pPr algn="ctr"/>
+            <a:endParaRPr lang="zh-CN" altLang="en-US"/>
+          </a:p>
+        </p:txBody>
+      </p:sp>
+      <p:sp>
+        <p:nvSpPr>
+          <p:cNvPr id="51" name="文本框 50">
+            <a:extLst>
+              <a:ext uri="{FF2B5EF4-FFF2-40B4-BE49-F238E27FC236}">
+                <a16:creationId xmlns:a16="http://schemas.microsoft.com/office/drawing/2014/main" id="{BA8C140E-5455-4006-896F-2004AD4333DE}"/>
+              </a:ext>
+            </a:extLst>
+          </p:cNvPr>
+          <p:cNvSpPr txBox="1"/>
+          <p:nvPr/>
+        </p:nvSpPr>
+        <p:spPr>
+          <a:xfrm>
+            <a:off x="4589261" y="1506987"/>
+            <a:ext cx="913675" cy="276999"/>
+          </a:xfrm>
+          <a:prstGeom prst="rect">
+            <a:avLst/>
+          </a:prstGeom>
+          <a:noFill/>
+        </p:spPr>
+        <p:txBody>
+          <a:bodyPr wrap="square" rtlCol="0">
+            <a:spAutoFit/>
+          </a:bodyPr>
+          <a:lstStyle/>
+          <a:p>
+            <a:r>
+              <a:rPr lang="zh-CN" altLang="en-US" sz="1200" dirty="0"/>
+              <a:t>美国</a:t>
+            </a:r>
+          </a:p>
+        </p:txBody>
+      </p:sp>
+      <p:sp>
+        <p:nvSpPr>
+          <p:cNvPr id="48" name="矩形 47">
+            <a:extLst>
+              <a:ext uri="{FF2B5EF4-FFF2-40B4-BE49-F238E27FC236}">
+                <a16:creationId xmlns:a16="http://schemas.microsoft.com/office/drawing/2014/main" id="{7FAB0E0B-20F8-4037-8CD8-D1B444E8DFFE}"/>
+              </a:ext>
+            </a:extLst>
+          </p:cNvPr>
+          <p:cNvSpPr/>
+          <p:nvPr/>
+        </p:nvSpPr>
+        <p:spPr>
+          <a:xfrm>
+            <a:off x="1380226" y="1454989"/>
+            <a:ext cx="1983355" cy="4324709"/>
+          </a:xfrm>
+          <a:prstGeom prst="rect">
+            <a:avLst/>
+          </a:prstGeom>
+        </p:spPr>
+        <p:style>
+          <a:lnRef idx="2">
+            <a:schemeClr val="accent6"/>
+          </a:lnRef>
+          <a:fillRef idx="1">
+            <a:schemeClr val="lt1"/>
+          </a:fillRef>
+          <a:effectRef idx="0">
+            <a:schemeClr val="accent6"/>
+          </a:effectRef>
+          <a:fontRef idx="minor">
+            <a:schemeClr val="dk1"/>
+          </a:fontRef>
+        </p:style>
+        <p:txBody>
+          <a:bodyPr rtlCol="0" anchor="ctr"/>
+          <a:lstStyle/>
+          <a:p>
+            <a:pPr algn="ctr"/>
+            <a:endParaRPr lang="zh-CN" altLang="en-US"/>
+          </a:p>
+        </p:txBody>
+      </p:sp>
+      <p:sp>
+        <p:nvSpPr>
           <p:cNvPr id="4" name="笑脸 3">
             <a:extLst>
               <a:ext uri="{FF2B5EF4-FFF2-40B4-BE49-F238E27FC236}">
@@ -12503,7 +14396,7 @@
         </p:nvSpPr>
         <p:spPr>
           <a:xfrm>
-            <a:off x="4566250" y="1000665"/>
+            <a:off x="4566246" y="890679"/>
             <a:ext cx="1805795" cy="247289"/>
           </a:xfrm>
           <a:prstGeom prst="rect">
@@ -12555,7 +14448,7 @@
         </p:nvSpPr>
         <p:spPr>
           <a:xfrm>
-            <a:off x="1854681" y="1877684"/>
+            <a:off x="1472968" y="1877684"/>
             <a:ext cx="1805795" cy="247289"/>
           </a:xfrm>
           <a:prstGeom prst="rect">
@@ -12651,7 +14544,7 @@
         </p:nvSpPr>
         <p:spPr>
           <a:xfrm>
-            <a:off x="7372710" y="1877684"/>
+            <a:off x="7786049" y="1877684"/>
             <a:ext cx="1805795" cy="247289"/>
           </a:xfrm>
           <a:prstGeom prst="rect">
@@ -12699,7 +14592,7 @@
         </p:nvSpPr>
         <p:spPr>
           <a:xfrm>
-            <a:off x="1854680" y="3349925"/>
+            <a:off x="1472967" y="3349925"/>
             <a:ext cx="1805795" cy="247289"/>
           </a:xfrm>
           <a:prstGeom prst="rect">
@@ -12795,7 +14688,7 @@
         </p:nvSpPr>
         <p:spPr>
           <a:xfrm>
-            <a:off x="7372708" y="3429000"/>
+            <a:off x="7786047" y="3429000"/>
             <a:ext cx="1805795" cy="247289"/>
           </a:xfrm>
           <a:prstGeom prst="rect">
@@ -12843,7 +14736,7 @@
         </p:nvSpPr>
         <p:spPr>
           <a:xfrm>
-            <a:off x="1854680" y="3850257"/>
+            <a:off x="1472967" y="3850257"/>
             <a:ext cx="1805795" cy="247289"/>
           </a:xfrm>
           <a:prstGeom prst="rect">
@@ -12939,7 +14832,7 @@
         </p:nvSpPr>
         <p:spPr>
           <a:xfrm>
-            <a:off x="7372709" y="3919266"/>
+            <a:off x="7786048" y="3919266"/>
             <a:ext cx="1805795" cy="247289"/>
           </a:xfrm>
           <a:prstGeom prst="rect">
@@ -12987,7 +14880,7 @@
         </p:nvSpPr>
         <p:spPr>
           <a:xfrm>
-            <a:off x="7372706" y="2373705"/>
+            <a:off x="7786045" y="2373705"/>
             <a:ext cx="1805795" cy="247289"/>
           </a:xfrm>
           <a:prstGeom prst="rect">
@@ -13083,7 +14976,7 @@
         </p:nvSpPr>
         <p:spPr>
           <a:xfrm>
-            <a:off x="1854680" y="2378016"/>
+            <a:off x="1472967" y="2378016"/>
             <a:ext cx="1805795" cy="247289"/>
           </a:xfrm>
           <a:prstGeom prst="rect">
@@ -13131,7 +15024,7 @@
         </p:nvSpPr>
         <p:spPr>
           <a:xfrm>
-            <a:off x="1846053" y="2790647"/>
+            <a:off x="1464340" y="2790647"/>
             <a:ext cx="1805795" cy="247289"/>
           </a:xfrm>
           <a:prstGeom prst="rect">
@@ -13233,7 +15126,7 @@
         </p:nvSpPr>
         <p:spPr>
           <a:xfrm>
-            <a:off x="7372708" y="2790647"/>
+            <a:off x="7786047" y="2790647"/>
             <a:ext cx="1805795" cy="247289"/>
           </a:xfrm>
           <a:prstGeom prst="rect">
@@ -13284,7 +15177,7 @@
         </p:nvSpPr>
         <p:spPr>
           <a:xfrm>
-            <a:off x="1846052" y="4350589"/>
+            <a:off x="1464339" y="4350589"/>
             <a:ext cx="1805795" cy="247289"/>
           </a:xfrm>
           <a:prstGeom prst="rect">
@@ -13380,7 +15273,7 @@
         </p:nvSpPr>
         <p:spPr>
           <a:xfrm>
-            <a:off x="7372708" y="4405221"/>
+            <a:off x="7786047" y="4405221"/>
             <a:ext cx="1805795" cy="247289"/>
           </a:xfrm>
           <a:prstGeom prst="rect">
@@ -13484,7 +15377,7 @@
         </p:nvSpPr>
         <p:spPr>
           <a:xfrm>
-            <a:off x="1854680" y="4850921"/>
+            <a:off x="1472967" y="4850921"/>
             <a:ext cx="1805795" cy="247289"/>
           </a:xfrm>
           <a:prstGeom prst="rect">
@@ -13540,7 +15433,7 @@
         </p:nvSpPr>
         <p:spPr>
           <a:xfrm>
-            <a:off x="7372707" y="4924240"/>
+            <a:off x="7786046" y="4924240"/>
             <a:ext cx="1805795" cy="247289"/>
           </a:xfrm>
           <a:prstGeom prst="rect">
@@ -13592,15 +15485,14 @@
             </a:extLst>
           </p:cNvPr>
           <p:cNvCxnSpPr>
-            <a:stCxn id="18" idx="3"/>
-            <a:endCxn id="17" idx="1"/>
+            <a:cxnSpLocks/>
           </p:cNvCxnSpPr>
           <p:nvPr/>
         </p:nvCxnSpPr>
         <p:spPr>
           <a:xfrm flipV="1">
-            <a:off x="3660475" y="2497351"/>
-            <a:ext cx="905771" cy="4310"/>
+            <a:off x="3286309" y="2454460"/>
+            <a:ext cx="1287484" cy="4310"/>
           </a:xfrm>
           <a:prstGeom prst="straightConnector1">
             <a:avLst/>
@@ -13643,7 +15535,7 @@
         <p:spPr>
           <a:xfrm flipV="1">
             <a:off x="6372041" y="2497350"/>
-            <a:ext cx="1000665" cy="1"/>
+            <a:ext cx="1414004" cy="1"/>
           </a:xfrm>
           <a:prstGeom prst="straightConnector1">
             <a:avLst/>
@@ -13685,8 +15577,8 @@
         </p:nvCxnSpPr>
         <p:spPr>
           <a:xfrm>
-            <a:off x="3651848" y="2914292"/>
-            <a:ext cx="914400" cy="0"/>
+            <a:off x="3270135" y="2914292"/>
+            <a:ext cx="1296113" cy="0"/>
           </a:xfrm>
           <a:prstGeom prst="straightConnector1">
             <a:avLst/>
@@ -13729,7 +15621,7 @@
         <p:spPr>
           <a:xfrm>
             <a:off x="6372043" y="2914292"/>
-            <a:ext cx="1000665" cy="0"/>
+            <a:ext cx="1414004" cy="0"/>
           </a:xfrm>
           <a:prstGeom prst="straightConnector1">
             <a:avLst/>
@@ -13768,7 +15660,7 @@
         </p:nvSpPr>
         <p:spPr>
           <a:xfrm>
-            <a:off x="3603679" y="2187524"/>
+            <a:off x="3421806" y="2133123"/>
             <a:ext cx="1275274" cy="276999"/>
           </a:xfrm>
           <a:prstGeom prst="rect">
@@ -13804,7 +15696,7 @@
         </p:nvSpPr>
         <p:spPr>
           <a:xfrm>
-            <a:off x="6334656" y="2184880"/>
+            <a:off x="6564694" y="2188491"/>
             <a:ext cx="1275274" cy="276999"/>
           </a:xfrm>
           <a:prstGeom prst="rect">
@@ -13840,7 +15732,7 @@
         </p:nvSpPr>
         <p:spPr>
           <a:xfrm>
-            <a:off x="3692104" y="2650705"/>
+            <a:off x="3556234" y="2675626"/>
             <a:ext cx="1275274" cy="276999"/>
           </a:xfrm>
           <a:prstGeom prst="rect">
@@ -13876,7 +15768,7 @@
         </p:nvSpPr>
         <p:spPr>
           <a:xfrm>
-            <a:off x="6510775" y="2659827"/>
+            <a:off x="6700557" y="2666525"/>
             <a:ext cx="1275274" cy="276999"/>
           </a:xfrm>
           <a:prstGeom prst="rect">
@@ -13947,7 +15839,7 @@
         </p:nvSpPr>
         <p:spPr>
           <a:xfrm>
-            <a:off x="1854680" y="5335910"/>
+            <a:off x="1472967" y="5335910"/>
             <a:ext cx="1805795" cy="247289"/>
           </a:xfrm>
           <a:prstGeom prst="rect">
@@ -14041,7 +15933,7 @@
         </p:nvSpPr>
         <p:spPr>
           <a:xfrm>
-            <a:off x="7372705" y="5381442"/>
+            <a:off x="7786044" y="5351013"/>
             <a:ext cx="1805795" cy="247289"/>
           </a:xfrm>
           <a:prstGeom prst="rect">
@@ -14068,8 +15960,784 @@
           <a:p>
             <a:pPr algn="ctr"/>
             <a:r>
+              <a:rPr lang="zh-CN" altLang="en-US" sz="1200" dirty="0"/>
+              <a:t>主</a:t>
+            </a:r>
+            <a:r>
               <a:rPr lang="en-US" altLang="zh-CN" sz="1200" dirty="0"/>
               <a:t>DB</a:t>
+            </a:r>
+          </a:p>
+        </p:txBody>
+      </p:sp>
+      <p:sp>
+        <p:nvSpPr>
+          <p:cNvPr id="49" name="文本框 48">
+            <a:extLst>
+              <a:ext uri="{FF2B5EF4-FFF2-40B4-BE49-F238E27FC236}">
+                <a16:creationId xmlns:a16="http://schemas.microsoft.com/office/drawing/2014/main" id="{7F6688F4-013D-43BE-92C8-200F56FDB728}"/>
+              </a:ext>
+            </a:extLst>
+          </p:cNvPr>
+          <p:cNvSpPr txBox="1"/>
+          <p:nvPr/>
+        </p:nvSpPr>
+        <p:spPr>
+          <a:xfrm>
+            <a:off x="1472967" y="1506987"/>
+            <a:ext cx="913675" cy="276999"/>
+          </a:xfrm>
+          <a:prstGeom prst="rect">
+            <a:avLst/>
+          </a:prstGeom>
+          <a:noFill/>
+        </p:spPr>
+        <p:txBody>
+          <a:bodyPr wrap="square" rtlCol="0">
+            <a:spAutoFit/>
+          </a:bodyPr>
+          <a:lstStyle/>
+          <a:p>
+            <a:r>
+              <a:rPr lang="zh-CN" altLang="en-US" sz="1200" dirty="0"/>
+              <a:t>欧洲</a:t>
+            </a:r>
+          </a:p>
+        </p:txBody>
+      </p:sp>
+      <p:sp>
+        <p:nvSpPr>
+          <p:cNvPr id="54" name="矩形 53">
+            <a:extLst>
+              <a:ext uri="{FF2B5EF4-FFF2-40B4-BE49-F238E27FC236}">
+                <a16:creationId xmlns:a16="http://schemas.microsoft.com/office/drawing/2014/main" id="{9654CE66-CE6F-472C-AA42-77D284CAAD27}"/>
+              </a:ext>
+            </a:extLst>
+          </p:cNvPr>
+          <p:cNvSpPr/>
+          <p:nvPr/>
+        </p:nvSpPr>
+        <p:spPr>
+          <a:xfrm>
+            <a:off x="65067" y="1933754"/>
+            <a:ext cx="851139" cy="1603075"/>
+          </a:xfrm>
+          <a:prstGeom prst="rect">
+            <a:avLst/>
+          </a:prstGeom>
+        </p:spPr>
+        <p:style>
+          <a:lnRef idx="2">
+            <a:schemeClr val="accent6"/>
+          </a:lnRef>
+          <a:fillRef idx="1">
+            <a:schemeClr val="lt1"/>
+          </a:fillRef>
+          <a:effectRef idx="0">
+            <a:schemeClr val="accent6"/>
+          </a:effectRef>
+          <a:fontRef idx="minor">
+            <a:schemeClr val="dk1"/>
+          </a:fontRef>
+        </p:style>
+        <p:txBody>
+          <a:bodyPr rtlCol="0" anchor="ctr"/>
+          <a:lstStyle/>
+          <a:p>
+            <a:pPr algn="ctr"/>
+            <a:r>
+              <a:rPr lang="zh-CN" altLang="en-US" sz="1200" dirty="0"/>
+              <a:t>区域化变更服务</a:t>
+            </a:r>
+            <a:endParaRPr lang="en-US" altLang="zh-CN" sz="1200" dirty="0"/>
+          </a:p>
+          <a:p>
+            <a:pPr algn="ctr"/>
+            <a:r>
+              <a:rPr lang="zh-CN" altLang="en-US" sz="1200" dirty="0"/>
+              <a:t>更新数据库和缓存</a:t>
+            </a:r>
+          </a:p>
+        </p:txBody>
+      </p:sp>
+      <p:cxnSp>
+        <p:nvCxnSpPr>
+          <p:cNvPr id="56" name="直接箭头连接符 55">
+            <a:extLst>
+              <a:ext uri="{FF2B5EF4-FFF2-40B4-BE49-F238E27FC236}">
+                <a16:creationId xmlns:a16="http://schemas.microsoft.com/office/drawing/2014/main" id="{D90E9923-E7D9-4462-B1FC-E151A2F79C1A}"/>
+              </a:ext>
+            </a:extLst>
+          </p:cNvPr>
+          <p:cNvCxnSpPr>
+            <a:cxnSpLocks/>
+            <a:endCxn id="18" idx="1"/>
+          </p:cNvCxnSpPr>
+          <p:nvPr/>
+        </p:nvCxnSpPr>
+        <p:spPr>
+          <a:xfrm flipV="1">
+            <a:off x="916206" y="2501661"/>
+            <a:ext cx="556761" cy="10543"/>
+          </a:xfrm>
+          <a:prstGeom prst="straightConnector1">
+            <a:avLst/>
+          </a:prstGeom>
+          <a:ln>
+            <a:tailEnd type="triangle"/>
+          </a:ln>
+        </p:spPr>
+        <p:style>
+          <a:lnRef idx="1">
+            <a:schemeClr val="accent1"/>
+          </a:lnRef>
+          <a:fillRef idx="0">
+            <a:schemeClr val="accent1"/>
+          </a:fillRef>
+          <a:effectRef idx="0">
+            <a:schemeClr val="accent1"/>
+          </a:effectRef>
+          <a:fontRef idx="minor">
+            <a:schemeClr val="tx1"/>
+          </a:fontRef>
+        </p:style>
+      </p:cxnSp>
+      <p:cxnSp>
+        <p:nvCxnSpPr>
+          <p:cNvPr id="58" name="直接箭头连接符 57">
+            <a:extLst>
+              <a:ext uri="{FF2B5EF4-FFF2-40B4-BE49-F238E27FC236}">
+                <a16:creationId xmlns:a16="http://schemas.microsoft.com/office/drawing/2014/main" id="{B08C7143-5A38-4E01-B19A-B31C67AAB4E6}"/>
+              </a:ext>
+            </a:extLst>
+          </p:cNvPr>
+          <p:cNvCxnSpPr>
+            <a:cxnSpLocks/>
+            <a:endCxn id="19" idx="1"/>
+          </p:cNvCxnSpPr>
+          <p:nvPr/>
+        </p:nvCxnSpPr>
+        <p:spPr>
+          <a:xfrm flipV="1">
+            <a:off x="887986" y="2914292"/>
+            <a:ext cx="576354" cy="29232"/>
+          </a:xfrm>
+          <a:prstGeom prst="straightConnector1">
+            <a:avLst/>
+          </a:prstGeom>
+          <a:ln>
+            <a:tailEnd type="triangle"/>
+          </a:ln>
+        </p:spPr>
+        <p:style>
+          <a:lnRef idx="1">
+            <a:schemeClr val="accent1"/>
+          </a:lnRef>
+          <a:fillRef idx="0">
+            <a:schemeClr val="accent1"/>
+          </a:fillRef>
+          <a:effectRef idx="0">
+            <a:schemeClr val="accent1"/>
+          </a:effectRef>
+          <a:fontRef idx="minor">
+            <a:schemeClr val="tx1"/>
+          </a:fontRef>
+        </p:style>
+      </p:cxnSp>
+      <p:cxnSp>
+        <p:nvCxnSpPr>
+          <p:cNvPr id="67" name="直接箭头连接符 66">
+            <a:extLst>
+              <a:ext uri="{FF2B5EF4-FFF2-40B4-BE49-F238E27FC236}">
+                <a16:creationId xmlns:a16="http://schemas.microsoft.com/office/drawing/2014/main" id="{03F6F26A-3015-4B54-A9A7-1192E3BB2946}"/>
+              </a:ext>
+            </a:extLst>
+          </p:cNvPr>
+          <p:cNvCxnSpPr>
+            <a:stCxn id="5" idx="2"/>
+            <a:endCxn id="7" idx="0"/>
+          </p:cNvCxnSpPr>
+          <p:nvPr/>
+        </p:nvCxnSpPr>
+        <p:spPr>
+          <a:xfrm>
+            <a:off x="5469144" y="1137968"/>
+            <a:ext cx="4" cy="739716"/>
+          </a:xfrm>
+          <a:prstGeom prst="straightConnector1">
+            <a:avLst/>
+          </a:prstGeom>
+          <a:ln w="9525" cap="flat" cmpd="sng" algn="ctr">
+            <a:solidFill>
+              <a:schemeClr val="dk1"/>
+            </a:solidFill>
+            <a:prstDash val="solid"/>
+            <a:round/>
+            <a:headEnd type="none" w="med" len="med"/>
+            <a:tailEnd type="arrow" w="med" len="med"/>
+          </a:ln>
+        </p:spPr>
+        <p:style>
+          <a:lnRef idx="0">
+            <a:scrgbClr r="0" g="0" b="0"/>
+          </a:lnRef>
+          <a:fillRef idx="0">
+            <a:scrgbClr r="0" g="0" b="0"/>
+          </a:fillRef>
+          <a:effectRef idx="0">
+            <a:scrgbClr r="0" g="0" b="0"/>
+          </a:effectRef>
+          <a:fontRef idx="minor">
+            <a:schemeClr val="tx1"/>
+          </a:fontRef>
+        </p:style>
+      </p:cxnSp>
+      <p:cxnSp>
+        <p:nvCxnSpPr>
+          <p:cNvPr id="69" name="直接箭头连接符 68">
+            <a:extLst>
+              <a:ext uri="{FF2B5EF4-FFF2-40B4-BE49-F238E27FC236}">
+                <a16:creationId xmlns:a16="http://schemas.microsoft.com/office/drawing/2014/main" id="{2B058025-793D-464C-B693-52BC03619C89}"/>
+              </a:ext>
+            </a:extLst>
+          </p:cNvPr>
+          <p:cNvCxnSpPr>
+            <a:stCxn id="7" idx="2"/>
+            <a:endCxn id="17" idx="0"/>
+          </p:cNvCxnSpPr>
+          <p:nvPr/>
+        </p:nvCxnSpPr>
+        <p:spPr>
+          <a:xfrm flipH="1">
+            <a:off x="5469144" y="2124973"/>
+            <a:ext cx="4" cy="248733"/>
+          </a:xfrm>
+          <a:prstGeom prst="straightConnector1">
+            <a:avLst/>
+          </a:prstGeom>
+          <a:ln w="9525" cap="flat" cmpd="sng" algn="ctr">
+            <a:solidFill>
+              <a:schemeClr val="dk1"/>
+            </a:solidFill>
+            <a:prstDash val="solid"/>
+            <a:round/>
+            <a:headEnd type="none" w="med" len="med"/>
+            <a:tailEnd type="arrow" w="med" len="med"/>
+          </a:ln>
+        </p:spPr>
+        <p:style>
+          <a:lnRef idx="0">
+            <a:scrgbClr r="0" g="0" b="0"/>
+          </a:lnRef>
+          <a:fillRef idx="0">
+            <a:scrgbClr r="0" g="0" b="0"/>
+          </a:fillRef>
+          <a:effectRef idx="0">
+            <a:scrgbClr r="0" g="0" b="0"/>
+          </a:effectRef>
+          <a:fontRef idx="minor">
+            <a:schemeClr val="tx1"/>
+          </a:fontRef>
+        </p:style>
+      </p:cxnSp>
+      <p:cxnSp>
+        <p:nvCxnSpPr>
+          <p:cNvPr id="71" name="直接箭头连接符 70">
+            <a:extLst>
+              <a:ext uri="{FF2B5EF4-FFF2-40B4-BE49-F238E27FC236}">
+                <a16:creationId xmlns:a16="http://schemas.microsoft.com/office/drawing/2014/main" id="{20E0453E-3160-40A6-8966-80FE66ACC15A}"/>
+              </a:ext>
+            </a:extLst>
+          </p:cNvPr>
+          <p:cNvCxnSpPr/>
+          <p:nvPr/>
+        </p:nvCxnSpPr>
+        <p:spPr>
+          <a:xfrm flipH="1">
+            <a:off x="3286309" y="2620994"/>
+            <a:ext cx="1302952" cy="0"/>
+          </a:xfrm>
+          <a:prstGeom prst="straightConnector1">
+            <a:avLst/>
+          </a:prstGeom>
+          <a:ln w="9525" cap="flat" cmpd="sng" algn="ctr">
+            <a:solidFill>
+              <a:schemeClr val="dk1"/>
+            </a:solidFill>
+            <a:prstDash val="solid"/>
+            <a:round/>
+            <a:headEnd type="none" w="med" len="med"/>
+            <a:tailEnd type="arrow" w="med" len="med"/>
+          </a:ln>
+        </p:spPr>
+        <p:style>
+          <a:lnRef idx="0">
+            <a:scrgbClr r="0" g="0" b="0"/>
+          </a:lnRef>
+          <a:fillRef idx="0">
+            <a:scrgbClr r="0" g="0" b="0"/>
+          </a:fillRef>
+          <a:effectRef idx="0">
+            <a:scrgbClr r="0" g="0" b="0"/>
+          </a:effectRef>
+          <a:fontRef idx="minor">
+            <a:schemeClr val="tx1"/>
+          </a:fontRef>
+        </p:style>
+      </p:cxnSp>
+      <p:cxnSp>
+        <p:nvCxnSpPr>
+          <p:cNvPr id="73" name="直接箭头连接符 72">
+            <a:extLst>
+              <a:ext uri="{FF2B5EF4-FFF2-40B4-BE49-F238E27FC236}">
+                <a16:creationId xmlns:a16="http://schemas.microsoft.com/office/drawing/2014/main" id="{DBCD4D7B-8FE1-49BA-8B15-CE13297EE3E2}"/>
+              </a:ext>
+            </a:extLst>
+          </p:cNvPr>
+          <p:cNvCxnSpPr>
+            <a:stCxn id="18" idx="2"/>
+            <a:endCxn id="19" idx="0"/>
+          </p:cNvCxnSpPr>
+          <p:nvPr/>
+        </p:nvCxnSpPr>
+        <p:spPr>
+          <a:xfrm flipH="1">
+            <a:off x="2367238" y="2625305"/>
+            <a:ext cx="8627" cy="165342"/>
+          </a:xfrm>
+          <a:prstGeom prst="straightConnector1">
+            <a:avLst/>
+          </a:prstGeom>
+          <a:ln w="9525" cap="flat" cmpd="sng" algn="ctr">
+            <a:solidFill>
+              <a:schemeClr val="dk1"/>
+            </a:solidFill>
+            <a:prstDash val="solid"/>
+            <a:round/>
+            <a:headEnd type="none" w="med" len="med"/>
+            <a:tailEnd type="arrow" w="med" len="med"/>
+          </a:ln>
+        </p:spPr>
+        <p:style>
+          <a:lnRef idx="0">
+            <a:scrgbClr r="0" g="0" b="0"/>
+          </a:lnRef>
+          <a:fillRef idx="0">
+            <a:scrgbClr r="0" g="0" b="0"/>
+          </a:fillRef>
+          <a:effectRef idx="0">
+            <a:scrgbClr r="0" g="0" b="0"/>
+          </a:effectRef>
+          <a:fontRef idx="minor">
+            <a:schemeClr val="tx1"/>
+          </a:fontRef>
+        </p:style>
+      </p:cxnSp>
+      <p:cxnSp>
+        <p:nvCxnSpPr>
+          <p:cNvPr id="75" name="直接箭头连接符 74">
+            <a:extLst>
+              <a:ext uri="{FF2B5EF4-FFF2-40B4-BE49-F238E27FC236}">
+                <a16:creationId xmlns:a16="http://schemas.microsoft.com/office/drawing/2014/main" id="{2FB3C39D-C723-4875-999F-173604B7E26C}"/>
+              </a:ext>
+            </a:extLst>
+          </p:cNvPr>
+          <p:cNvCxnSpPr>
+            <a:endCxn id="10" idx="0"/>
+          </p:cNvCxnSpPr>
+          <p:nvPr/>
+        </p:nvCxnSpPr>
+        <p:spPr>
+          <a:xfrm>
+            <a:off x="2367236" y="3037936"/>
+            <a:ext cx="8629" cy="311989"/>
+          </a:xfrm>
+          <a:prstGeom prst="straightConnector1">
+            <a:avLst/>
+          </a:prstGeom>
+          <a:ln w="9525" cap="flat" cmpd="sng" algn="ctr">
+            <a:solidFill>
+              <a:schemeClr val="dk1"/>
+            </a:solidFill>
+            <a:prstDash val="solid"/>
+            <a:round/>
+            <a:headEnd type="none" w="med" len="med"/>
+            <a:tailEnd type="arrow" w="med" len="med"/>
+          </a:ln>
+        </p:spPr>
+        <p:style>
+          <a:lnRef idx="0">
+            <a:scrgbClr r="0" g="0" b="0"/>
+          </a:lnRef>
+          <a:fillRef idx="0">
+            <a:scrgbClr r="0" g="0" b="0"/>
+          </a:fillRef>
+          <a:effectRef idx="0">
+            <a:scrgbClr r="0" g="0" b="0"/>
+          </a:effectRef>
+          <a:fontRef idx="minor">
+            <a:schemeClr val="tx1"/>
+          </a:fontRef>
+        </p:style>
+      </p:cxnSp>
+      <p:cxnSp>
+        <p:nvCxnSpPr>
+          <p:cNvPr id="77" name="直接箭头连接符 76">
+            <a:extLst>
+              <a:ext uri="{FF2B5EF4-FFF2-40B4-BE49-F238E27FC236}">
+                <a16:creationId xmlns:a16="http://schemas.microsoft.com/office/drawing/2014/main" id="{09C43873-8E1E-476B-9A19-F1C8FEFB2ADA}"/>
+              </a:ext>
+            </a:extLst>
+          </p:cNvPr>
+          <p:cNvCxnSpPr>
+            <a:stCxn id="10" idx="2"/>
+            <a:endCxn id="13" idx="0"/>
+          </p:cNvCxnSpPr>
+          <p:nvPr/>
+        </p:nvCxnSpPr>
+        <p:spPr>
+          <a:xfrm>
+            <a:off x="2375865" y="3597214"/>
+            <a:ext cx="0" cy="253043"/>
+          </a:xfrm>
+          <a:prstGeom prst="straightConnector1">
+            <a:avLst/>
+          </a:prstGeom>
+          <a:ln w="9525" cap="flat" cmpd="sng" algn="ctr">
+            <a:solidFill>
+              <a:schemeClr val="dk1"/>
+            </a:solidFill>
+            <a:prstDash val="solid"/>
+            <a:round/>
+            <a:headEnd type="none" w="med" len="med"/>
+            <a:tailEnd type="arrow" w="med" len="med"/>
+          </a:ln>
+        </p:spPr>
+        <p:style>
+          <a:lnRef idx="0">
+            <a:scrgbClr r="0" g="0" b="0"/>
+          </a:lnRef>
+          <a:fillRef idx="0">
+            <a:scrgbClr r="0" g="0" b="0"/>
+          </a:fillRef>
+          <a:effectRef idx="0">
+            <a:scrgbClr r="0" g="0" b="0"/>
+          </a:effectRef>
+          <a:fontRef idx="minor">
+            <a:schemeClr val="tx1"/>
+          </a:fontRef>
+        </p:style>
+      </p:cxnSp>
+      <p:cxnSp>
+        <p:nvCxnSpPr>
+          <p:cNvPr id="79" name="直接箭头连接符 78">
+            <a:extLst>
+              <a:ext uri="{FF2B5EF4-FFF2-40B4-BE49-F238E27FC236}">
+                <a16:creationId xmlns:a16="http://schemas.microsoft.com/office/drawing/2014/main" id="{B96F8624-36E7-4D77-A0E5-6E571F951583}"/>
+              </a:ext>
+            </a:extLst>
+          </p:cNvPr>
+          <p:cNvCxnSpPr>
+            <a:cxnSpLocks/>
+            <a:endCxn id="22" idx="0"/>
+          </p:cNvCxnSpPr>
+          <p:nvPr/>
+        </p:nvCxnSpPr>
+        <p:spPr>
+          <a:xfrm>
+            <a:off x="2367236" y="4097546"/>
+            <a:ext cx="1" cy="253043"/>
+          </a:xfrm>
+          <a:prstGeom prst="straightConnector1">
+            <a:avLst/>
+          </a:prstGeom>
+          <a:ln w="9525" cap="flat" cmpd="sng" algn="ctr">
+            <a:solidFill>
+              <a:schemeClr val="dk1"/>
+            </a:solidFill>
+            <a:prstDash val="solid"/>
+            <a:round/>
+            <a:headEnd type="none" w="med" len="med"/>
+            <a:tailEnd type="arrow" w="med" len="med"/>
+          </a:ln>
+        </p:spPr>
+        <p:style>
+          <a:lnRef idx="0">
+            <a:scrgbClr r="0" g="0" b="0"/>
+          </a:lnRef>
+          <a:fillRef idx="0">
+            <a:scrgbClr r="0" g="0" b="0"/>
+          </a:fillRef>
+          <a:effectRef idx="0">
+            <a:scrgbClr r="0" g="0" b="0"/>
+          </a:effectRef>
+          <a:fontRef idx="minor">
+            <a:schemeClr val="tx1"/>
+          </a:fontRef>
+        </p:style>
+      </p:cxnSp>
+      <p:cxnSp>
+        <p:nvCxnSpPr>
+          <p:cNvPr id="85" name="直接箭头连接符 84">
+            <a:extLst>
+              <a:ext uri="{FF2B5EF4-FFF2-40B4-BE49-F238E27FC236}">
+                <a16:creationId xmlns:a16="http://schemas.microsoft.com/office/drawing/2014/main" id="{F195CFFD-CDE1-4C6E-A1D8-9EF2B1FFDE39}"/>
+              </a:ext>
+            </a:extLst>
+          </p:cNvPr>
+          <p:cNvCxnSpPr>
+            <a:stCxn id="22" idx="2"/>
+            <a:endCxn id="26" idx="0"/>
+          </p:cNvCxnSpPr>
+          <p:nvPr/>
+        </p:nvCxnSpPr>
+        <p:spPr>
+          <a:xfrm>
+            <a:off x="2367237" y="4597878"/>
+            <a:ext cx="8628" cy="253043"/>
+          </a:xfrm>
+          <a:prstGeom prst="straightConnector1">
+            <a:avLst/>
+          </a:prstGeom>
+          <a:ln w="9525" cap="flat" cmpd="sng" algn="ctr">
+            <a:solidFill>
+              <a:schemeClr val="dk1"/>
+            </a:solidFill>
+            <a:prstDash val="solid"/>
+            <a:round/>
+            <a:headEnd type="none" w="med" len="med"/>
+            <a:tailEnd type="arrow" w="med" len="med"/>
+          </a:ln>
+        </p:spPr>
+        <p:style>
+          <a:lnRef idx="0">
+            <a:scrgbClr r="0" g="0" b="0"/>
+          </a:lnRef>
+          <a:fillRef idx="0">
+            <a:scrgbClr r="0" g="0" b="0"/>
+          </a:fillRef>
+          <a:effectRef idx="0">
+            <a:scrgbClr r="0" g="0" b="0"/>
+          </a:effectRef>
+          <a:fontRef idx="minor">
+            <a:schemeClr val="tx1"/>
+          </a:fontRef>
+        </p:style>
+      </p:cxnSp>
+      <p:cxnSp>
+        <p:nvCxnSpPr>
+          <p:cNvPr id="87" name="直接箭头连接符 86">
+            <a:extLst>
+              <a:ext uri="{FF2B5EF4-FFF2-40B4-BE49-F238E27FC236}">
+                <a16:creationId xmlns:a16="http://schemas.microsoft.com/office/drawing/2014/main" id="{88227CCC-EBB3-48F7-B450-0EFA747577F2}"/>
+              </a:ext>
+            </a:extLst>
+          </p:cNvPr>
+          <p:cNvCxnSpPr>
+            <a:stCxn id="26" idx="2"/>
+            <a:endCxn id="44" idx="0"/>
+          </p:cNvCxnSpPr>
+          <p:nvPr/>
+        </p:nvCxnSpPr>
+        <p:spPr>
+          <a:xfrm>
+            <a:off x="2375865" y="5098210"/>
+            <a:ext cx="0" cy="237700"/>
+          </a:xfrm>
+          <a:prstGeom prst="straightConnector1">
+            <a:avLst/>
+          </a:prstGeom>
+          <a:ln w="9525" cap="flat" cmpd="sng" algn="ctr">
+            <a:solidFill>
+              <a:schemeClr val="accent2"/>
+            </a:solidFill>
+            <a:prstDash val="solid"/>
+            <a:round/>
+            <a:headEnd type="none" w="med" len="med"/>
+            <a:tailEnd type="arrow" w="med" len="med"/>
+          </a:ln>
+        </p:spPr>
+        <p:style>
+          <a:lnRef idx="0">
+            <a:scrgbClr r="0" g="0" b="0"/>
+          </a:lnRef>
+          <a:fillRef idx="0">
+            <a:scrgbClr r="0" g="0" b="0"/>
+          </a:fillRef>
+          <a:effectRef idx="0">
+            <a:scrgbClr r="0" g="0" b="0"/>
+          </a:effectRef>
+          <a:fontRef idx="minor">
+            <a:schemeClr val="tx1"/>
+          </a:fontRef>
+        </p:style>
+      </p:cxnSp>
+      <p:cxnSp>
+        <p:nvCxnSpPr>
+          <p:cNvPr id="89" name="直接箭头连接符 88">
+            <a:extLst>
+              <a:ext uri="{FF2B5EF4-FFF2-40B4-BE49-F238E27FC236}">
+                <a16:creationId xmlns:a16="http://schemas.microsoft.com/office/drawing/2014/main" id="{94C80EE6-E971-4B79-BFFD-E88A665BBA48}"/>
+              </a:ext>
+            </a:extLst>
+          </p:cNvPr>
+          <p:cNvCxnSpPr>
+            <a:stCxn id="46" idx="1"/>
+            <a:endCxn id="45" idx="3"/>
+          </p:cNvCxnSpPr>
+          <p:nvPr/>
+        </p:nvCxnSpPr>
+        <p:spPr>
+          <a:xfrm flipH="1" flipV="1">
+            <a:off x="6372041" y="5459555"/>
+            <a:ext cx="1414003" cy="15103"/>
+          </a:xfrm>
+          <a:prstGeom prst="straightConnector1">
+            <a:avLst/>
+          </a:prstGeom>
+          <a:ln>
+            <a:headEnd type="triangle"/>
+            <a:tailEnd type="triangle"/>
+          </a:ln>
+        </p:spPr>
+        <p:style>
+          <a:lnRef idx="1">
+            <a:schemeClr val="accent1"/>
+          </a:lnRef>
+          <a:fillRef idx="0">
+            <a:schemeClr val="accent1"/>
+          </a:fillRef>
+          <a:effectRef idx="0">
+            <a:schemeClr val="accent1"/>
+          </a:effectRef>
+          <a:fontRef idx="minor">
+            <a:schemeClr val="tx1"/>
+          </a:fontRef>
+        </p:style>
+      </p:cxnSp>
+      <p:cxnSp>
+        <p:nvCxnSpPr>
+          <p:cNvPr id="93" name="连接符: 肘形 92">
+            <a:extLst>
+              <a:ext uri="{FF2B5EF4-FFF2-40B4-BE49-F238E27FC236}">
+                <a16:creationId xmlns:a16="http://schemas.microsoft.com/office/drawing/2014/main" id="{6AE7773C-89D1-4F19-A7FA-9E4BF6CC7F88}"/>
+              </a:ext>
+            </a:extLst>
+          </p:cNvPr>
+          <p:cNvCxnSpPr>
+            <a:stCxn id="44" idx="3"/>
+            <a:endCxn id="46" idx="2"/>
+          </p:cNvCxnSpPr>
+          <p:nvPr/>
+        </p:nvCxnSpPr>
+        <p:spPr>
+          <a:xfrm>
+            <a:off x="3278762" y="5459555"/>
+            <a:ext cx="5410180" cy="138747"/>
+          </a:xfrm>
+          <a:prstGeom prst="bentConnector4">
+            <a:avLst>
+              <a:gd name="adj1" fmla="val 9873"/>
+              <a:gd name="adj2" fmla="val 397397"/>
+            </a:avLst>
+          </a:prstGeom>
+          <a:ln>
+            <a:tailEnd type="triangle"/>
+          </a:ln>
+        </p:spPr>
+        <p:style>
+          <a:lnRef idx="1">
+            <a:schemeClr val="accent1"/>
+          </a:lnRef>
+          <a:fillRef idx="0">
+            <a:schemeClr val="accent1"/>
+          </a:fillRef>
+          <a:effectRef idx="0">
+            <a:schemeClr val="accent1"/>
+          </a:effectRef>
+          <a:fontRef idx="minor">
+            <a:schemeClr val="tx1"/>
+          </a:fontRef>
+        </p:style>
+      </p:cxnSp>
+      <p:sp>
+        <p:nvSpPr>
+          <p:cNvPr id="96" name="文本框 95">
+            <a:extLst>
+              <a:ext uri="{FF2B5EF4-FFF2-40B4-BE49-F238E27FC236}">
+                <a16:creationId xmlns:a16="http://schemas.microsoft.com/office/drawing/2014/main" id="{23FE74C6-0118-484A-89AC-42A88B0D1C80}"/>
+              </a:ext>
+            </a:extLst>
+          </p:cNvPr>
+          <p:cNvSpPr txBox="1"/>
+          <p:nvPr/>
+        </p:nvSpPr>
+        <p:spPr>
+          <a:xfrm>
+            <a:off x="6564694" y="5577930"/>
+            <a:ext cx="1105607" cy="461665"/>
+          </a:xfrm>
+          <a:prstGeom prst="rect">
+            <a:avLst/>
+          </a:prstGeom>
+          <a:noFill/>
+        </p:spPr>
+        <p:txBody>
+          <a:bodyPr wrap="square" rtlCol="0">
+            <a:spAutoFit/>
+          </a:bodyPr>
+          <a:lstStyle/>
+          <a:p>
+            <a:r>
+              <a:rPr lang="en-US" altLang="zh-CN" sz="1200" dirty="0"/>
+              <a:t>DRC</a:t>
+            </a:r>
+            <a:r>
+              <a:rPr lang="zh-CN" altLang="en-US" sz="1200" dirty="0"/>
+              <a:t>数据选择性同步</a:t>
+            </a:r>
+          </a:p>
+        </p:txBody>
+      </p:sp>
+      <p:sp>
+        <p:nvSpPr>
+          <p:cNvPr id="97" name="文本框 96">
+            <a:extLst>
+              <a:ext uri="{FF2B5EF4-FFF2-40B4-BE49-F238E27FC236}">
+                <a16:creationId xmlns:a16="http://schemas.microsoft.com/office/drawing/2014/main" id="{051AF0E9-EFCE-4005-821C-C7AFBBFE3118}"/>
+              </a:ext>
+            </a:extLst>
+          </p:cNvPr>
+          <p:cNvSpPr txBox="1"/>
+          <p:nvPr/>
+        </p:nvSpPr>
+        <p:spPr>
+          <a:xfrm>
+            <a:off x="77990" y="5171529"/>
+            <a:ext cx="1255865" cy="1200329"/>
+          </a:xfrm>
+          <a:prstGeom prst="rect">
+            <a:avLst/>
+          </a:prstGeom>
+          <a:noFill/>
+        </p:spPr>
+        <p:txBody>
+          <a:bodyPr wrap="square" rtlCol="0">
+            <a:spAutoFit/>
+          </a:bodyPr>
+          <a:lstStyle/>
+          <a:p>
+            <a:r>
+              <a:rPr lang="zh-CN" altLang="en-US" sz="1200" dirty="0"/>
+              <a:t>进行切流时候的，会触发禁写逻辑，禁止写入。如果</a:t>
+            </a:r>
+            <a:r>
+              <a:rPr lang="en-US" altLang="zh-CN" sz="1200" dirty="0"/>
+              <a:t>DRC</a:t>
+            </a:r>
+            <a:r>
+              <a:rPr lang="zh-CN" altLang="en-US" sz="1200" dirty="0"/>
+              <a:t>延迟大，需要进行强切，事后进行数据修复</a:t>
             </a:r>
           </a:p>
         </p:txBody>

--- a/ppt/tmp_ppt.pptx
+++ b/ppt/tmp_ppt.pptx
@@ -9,9 +9,10 @@
     <p:sldId id="257" r:id="rId3"/>
     <p:sldId id="258" r:id="rId4"/>
     <p:sldId id="262" r:id="rId5"/>
-    <p:sldId id="259" r:id="rId6"/>
-    <p:sldId id="260" r:id="rId7"/>
-    <p:sldId id="261" r:id="rId8"/>
+    <p:sldId id="263" r:id="rId6"/>
+    <p:sldId id="259" r:id="rId7"/>
+    <p:sldId id="260" r:id="rId8"/>
+    <p:sldId id="261" r:id="rId9"/>
   </p:sldIdLst>
   <p:sldSz cx="12192000" cy="6858000"/>
   <p:notesSz cx="6858000" cy="9144000"/>
@@ -10144,10 +10145,10 @@
       </p:grpSpPr>
       <p:sp>
         <p:nvSpPr>
-          <p:cNvPr id="39" name="矩形 38">
-            <a:extLst>
-              <a:ext uri="{FF2B5EF4-FFF2-40B4-BE49-F238E27FC236}">
-                <a16:creationId xmlns:a16="http://schemas.microsoft.com/office/drawing/2014/main" id="{51DDEB4C-CC56-4F92-B485-53EEC3E4182A}"/>
+          <p:cNvPr id="4" name="矩形 3">
+            <a:extLst>
+              <a:ext uri="{FF2B5EF4-FFF2-40B4-BE49-F238E27FC236}">
+                <a16:creationId xmlns:a16="http://schemas.microsoft.com/office/drawing/2014/main" id="{21672997-9689-46BE-9882-0BE65A4A6CEC}"/>
               </a:ext>
             </a:extLst>
           </p:cNvPr>
@@ -10156,12 +10157,18 @@
         </p:nvSpPr>
         <p:spPr>
           <a:xfrm>
-            <a:off x="969951" y="1636036"/>
-            <a:ext cx="8839200" cy="4241273"/>
-          </a:xfrm>
-          <a:prstGeom prst="rect">
-            <a:avLst/>
-          </a:prstGeom>
+            <a:off x="1775661" y="230040"/>
+            <a:ext cx="4504370" cy="2507410"/>
+          </a:xfrm>
+          <a:prstGeom prst="rect">
+            <a:avLst/>
+          </a:prstGeom>
+          <a:ln>
+            <a:solidFill>
+              <a:schemeClr val="accent6"/>
+            </a:solidFill>
+            <a:prstDash val="dash"/>
+          </a:ln>
         </p:spPr>
         <p:style>
           <a:lnRef idx="2">
@@ -10188,10 +10195,10 @@
       </p:sp>
       <p:sp>
         <p:nvSpPr>
-          <p:cNvPr id="37" name="矩形 36">
-            <a:extLst>
-              <a:ext uri="{FF2B5EF4-FFF2-40B4-BE49-F238E27FC236}">
-                <a16:creationId xmlns:a16="http://schemas.microsoft.com/office/drawing/2014/main" id="{3A9B01A6-2DD5-4E4B-938F-250950B199DD}"/>
+          <p:cNvPr id="5" name="矩形 4">
+            <a:extLst>
+              <a:ext uri="{FF2B5EF4-FFF2-40B4-BE49-F238E27FC236}">
+                <a16:creationId xmlns:a16="http://schemas.microsoft.com/office/drawing/2014/main" id="{073580CF-031C-4511-AC9E-1B454F4703A3}"/>
               </a:ext>
             </a:extLst>
           </p:cNvPr>
@@ -10200,8 +10207,8 @@
         </p:nvSpPr>
         <p:spPr>
           <a:xfrm>
-            <a:off x="7301125" y="2006925"/>
-            <a:ext cx="2070339" cy="3593455"/>
+            <a:off x="2081842" y="1752323"/>
+            <a:ext cx="2070340" cy="806847"/>
           </a:xfrm>
           <a:prstGeom prst="rect">
             <a:avLst/>
@@ -10226,16 +10233,16 @@
           <a:lstStyle/>
           <a:p>
             <a:pPr algn="ctr"/>
-            <a:endParaRPr lang="zh-CN" altLang="en-US" dirty="0"/>
-          </a:p>
-        </p:txBody>
-      </p:sp>
-      <p:sp>
-        <p:nvSpPr>
-          <p:cNvPr id="38" name="文本框 37">
-            <a:extLst>
-              <a:ext uri="{FF2B5EF4-FFF2-40B4-BE49-F238E27FC236}">
-                <a16:creationId xmlns:a16="http://schemas.microsoft.com/office/drawing/2014/main" id="{5FB872FC-F924-4B48-9EA6-8E5704E6821B}"/>
+            <a:endParaRPr lang="zh-CN" altLang="en-US"/>
+          </a:p>
+        </p:txBody>
+      </p:sp>
+      <p:sp>
+        <p:nvSpPr>
+          <p:cNvPr id="6" name="文本框 5">
+            <a:extLst>
+              <a:ext uri="{FF2B5EF4-FFF2-40B4-BE49-F238E27FC236}">
+                <a16:creationId xmlns:a16="http://schemas.microsoft.com/office/drawing/2014/main" id="{6ECD5E49-4246-45FE-81DF-2B1642D4762F}"/>
               </a:ext>
             </a:extLst>
           </p:cNvPr>
@@ -10244,8 +10251,8 @@
         </p:nvSpPr>
         <p:spPr>
           <a:xfrm>
-            <a:off x="7356592" y="2070379"/>
-            <a:ext cx="921352" cy="276999"/>
+            <a:off x="2139351" y="1769613"/>
+            <a:ext cx="885645" cy="276999"/>
           </a:xfrm>
           <a:prstGeom prst="rect">
             <a:avLst/>
@@ -10259,22 +10266,23 @@
           <a:lstStyle/>
           <a:p>
             <a:r>
-              <a:rPr lang="en-US" altLang="zh-CN" sz="1200" dirty="0"/>
-              <a:t>SG5</a:t>
-            </a:r>
-            <a:r>
               <a:rPr lang="zh-CN" altLang="en-US" sz="1200" dirty="0"/>
               <a:t>机房</a:t>
             </a:r>
-          </a:p>
-        </p:txBody>
-      </p:sp>
-      <p:sp>
-        <p:nvSpPr>
-          <p:cNvPr id="35" name="矩形 34">
-            <a:extLst>
-              <a:ext uri="{FF2B5EF4-FFF2-40B4-BE49-F238E27FC236}">
-                <a16:creationId xmlns:a16="http://schemas.microsoft.com/office/drawing/2014/main" id="{D4A674F5-621C-4B92-A85C-C9DECC8B4210}"/>
+            <a:r>
+              <a:rPr lang="en-US" altLang="zh-CN" sz="1200" dirty="0"/>
+              <a:t>2</a:t>
+            </a:r>
+            <a:endParaRPr lang="zh-CN" altLang="en-US" sz="1200" dirty="0"/>
+          </a:p>
+        </p:txBody>
+      </p:sp>
+      <p:sp>
+        <p:nvSpPr>
+          <p:cNvPr id="9" name="矩形 8">
+            <a:extLst>
+              <a:ext uri="{FF2B5EF4-FFF2-40B4-BE49-F238E27FC236}">
+                <a16:creationId xmlns:a16="http://schemas.microsoft.com/office/drawing/2014/main" id="{135B9ADB-C856-4403-8C99-8D9B9DB9C2FF}"/>
               </a:ext>
             </a:extLst>
           </p:cNvPr>
@@ -10283,8 +10291,8 @@
         </p:nvSpPr>
         <p:spPr>
           <a:xfrm>
-            <a:off x="2309920" y="2006925"/>
-            <a:ext cx="2070339" cy="3594339"/>
+            <a:off x="2041585" y="442823"/>
+            <a:ext cx="3968152" cy="1046671"/>
           </a:xfrm>
           <a:prstGeom prst="rect">
             <a:avLst/>
@@ -10309,16 +10317,16 @@
           <a:lstStyle/>
           <a:p>
             <a:pPr algn="ctr"/>
-            <a:endParaRPr lang="zh-CN" altLang="en-US" dirty="0"/>
-          </a:p>
-        </p:txBody>
-      </p:sp>
-      <p:sp>
-        <p:nvSpPr>
-          <p:cNvPr id="4" name="笑脸 3">
-            <a:extLst>
-              <a:ext uri="{FF2B5EF4-FFF2-40B4-BE49-F238E27FC236}">
-                <a16:creationId xmlns:a16="http://schemas.microsoft.com/office/drawing/2014/main" id="{1D10A485-66F8-477D-8C9E-22EC928622C0}"/>
+            <a:endParaRPr lang="zh-CN" altLang="en-US"/>
+          </a:p>
+        </p:txBody>
+      </p:sp>
+      <p:sp>
+        <p:nvSpPr>
+          <p:cNvPr id="10" name="矩形 9">
+            <a:extLst>
+              <a:ext uri="{FF2B5EF4-FFF2-40B4-BE49-F238E27FC236}">
+                <a16:creationId xmlns:a16="http://schemas.microsoft.com/office/drawing/2014/main" id="{7EADC1D7-3F57-46C5-929F-50BB76301346}"/>
               </a:ext>
             </a:extLst>
           </p:cNvPr>
@@ -10327,10 +10335,10 @@
         </p:nvSpPr>
         <p:spPr>
           <a:xfrm>
-            <a:off x="5510098" y="130062"/>
-            <a:ext cx="585902" cy="327054"/>
-          </a:xfrm>
-          <a:prstGeom prst="smileyFace">
+            <a:off x="2559170" y="920151"/>
+            <a:ext cx="1339970" cy="316302"/>
+          </a:xfrm>
+          <a:prstGeom prst="rect">
             <a:avLst/>
           </a:prstGeom>
         </p:spPr>
@@ -10353,16 +10361,116 @@
           <a:lstStyle/>
           <a:p>
             <a:pPr algn="ctr"/>
-            <a:endParaRPr lang="zh-CN" altLang="en-US"/>
-          </a:p>
-        </p:txBody>
-      </p:sp>
-      <p:sp>
-        <p:nvSpPr>
-          <p:cNvPr id="5" name="文本框 4">
-            <a:extLst>
-              <a:ext uri="{FF2B5EF4-FFF2-40B4-BE49-F238E27FC236}">
-                <a16:creationId xmlns:a16="http://schemas.microsoft.com/office/drawing/2014/main" id="{E25C409C-C599-49F7-81AF-355E8C68184F}"/>
+            <a:r>
+              <a:rPr lang="en-US" altLang="zh-CN" sz="1200" dirty="0"/>
+              <a:t>DB leader</a:t>
+            </a:r>
+            <a:endParaRPr lang="zh-CN" altLang="en-US" sz="1200" dirty="0"/>
+          </a:p>
+        </p:txBody>
+      </p:sp>
+      <p:sp>
+        <p:nvSpPr>
+          <p:cNvPr id="11" name="矩形 10">
+            <a:extLst>
+              <a:ext uri="{FF2B5EF4-FFF2-40B4-BE49-F238E27FC236}">
+                <a16:creationId xmlns:a16="http://schemas.microsoft.com/office/drawing/2014/main" id="{0BA12E65-4C2E-47EB-B164-6F166A82CA2E}"/>
+              </a:ext>
+            </a:extLst>
+          </p:cNvPr>
+          <p:cNvSpPr/>
+          <p:nvPr/>
+        </p:nvSpPr>
+        <p:spPr>
+          <a:xfrm>
+            <a:off x="4488611" y="892349"/>
+            <a:ext cx="1339970" cy="316302"/>
+          </a:xfrm>
+          <a:prstGeom prst="rect">
+            <a:avLst/>
+          </a:prstGeom>
+        </p:spPr>
+        <p:style>
+          <a:lnRef idx="2">
+            <a:schemeClr val="accent6"/>
+          </a:lnRef>
+          <a:fillRef idx="1">
+            <a:schemeClr val="lt1"/>
+          </a:fillRef>
+          <a:effectRef idx="0">
+            <a:schemeClr val="accent6"/>
+          </a:effectRef>
+          <a:fontRef idx="minor">
+            <a:schemeClr val="dk1"/>
+          </a:fontRef>
+        </p:style>
+        <p:txBody>
+          <a:bodyPr rtlCol="0" anchor="ctr"/>
+          <a:lstStyle/>
+          <a:p>
+            <a:pPr algn="ctr"/>
+            <a:r>
+              <a:rPr lang="en-US" altLang="zh-CN" sz="1200" dirty="0"/>
+              <a:t>DB follow</a:t>
+            </a:r>
+            <a:endParaRPr lang="zh-CN" altLang="en-US" sz="1200" dirty="0"/>
+          </a:p>
+        </p:txBody>
+      </p:sp>
+      <p:sp>
+        <p:nvSpPr>
+          <p:cNvPr id="12" name="矩形 11">
+            <a:extLst>
+              <a:ext uri="{FF2B5EF4-FFF2-40B4-BE49-F238E27FC236}">
+                <a16:creationId xmlns:a16="http://schemas.microsoft.com/office/drawing/2014/main" id="{42FAD3BE-C8FE-4CD7-8B67-2163F3C97B00}"/>
+              </a:ext>
+            </a:extLst>
+          </p:cNvPr>
+          <p:cNvSpPr/>
+          <p:nvPr/>
+        </p:nvSpPr>
+        <p:spPr>
+          <a:xfrm>
+            <a:off x="2622431" y="2046612"/>
+            <a:ext cx="1339970" cy="316302"/>
+          </a:xfrm>
+          <a:prstGeom prst="rect">
+            <a:avLst/>
+          </a:prstGeom>
+        </p:spPr>
+        <p:style>
+          <a:lnRef idx="2">
+            <a:schemeClr val="accent6"/>
+          </a:lnRef>
+          <a:fillRef idx="1">
+            <a:schemeClr val="lt1"/>
+          </a:fillRef>
+          <a:effectRef idx="0">
+            <a:schemeClr val="accent6"/>
+          </a:effectRef>
+          <a:fontRef idx="minor">
+            <a:schemeClr val="dk1"/>
+          </a:fontRef>
+        </p:style>
+        <p:txBody>
+          <a:bodyPr rtlCol="0" anchor="ctr"/>
+          <a:lstStyle/>
+          <a:p>
+            <a:pPr algn="ctr"/>
+            <a:r>
+              <a:rPr lang="en-US" altLang="zh-CN" sz="1200" dirty="0"/>
+              <a:t>DB log</a:t>
+            </a:r>
+            <a:endParaRPr lang="zh-CN" altLang="en-US" sz="1200" dirty="0"/>
+          </a:p>
+        </p:txBody>
+      </p:sp>
+      <p:sp>
+        <p:nvSpPr>
+          <p:cNvPr id="13" name="文本框 12">
+            <a:extLst>
+              <a:ext uri="{FF2B5EF4-FFF2-40B4-BE49-F238E27FC236}">
+                <a16:creationId xmlns:a16="http://schemas.microsoft.com/office/drawing/2014/main" id="{27B64D1B-113F-4405-960C-A6294A81E185}"/>
               </a:ext>
             </a:extLst>
           </p:cNvPr>
@@ -10371,18 +10479,13 @@
         </p:nvSpPr>
         <p:spPr>
           <a:xfrm>
-            <a:off x="5041396" y="549007"/>
-            <a:ext cx="1460740" cy="276999"/>
+            <a:off x="2139351" y="511834"/>
+            <a:ext cx="885645" cy="276999"/>
           </a:xfrm>
           <a:prstGeom prst="rect">
             <a:avLst/>
           </a:prstGeom>
           <a:noFill/>
-          <a:ln>
-            <a:solidFill>
-              <a:schemeClr val="accent1"/>
-            </a:solidFill>
-          </a:ln>
         </p:spPr>
         <p:txBody>
           <a:bodyPr wrap="square" rtlCol="0">
@@ -10392,11 +10495,11 @@
           <a:p>
             <a:r>
               <a:rPr lang="zh-CN" altLang="en-US" sz="1200" dirty="0"/>
-              <a:t>请求</a:t>
-            </a:r>
-            <a:r>
-              <a:rPr lang="en-US" altLang="zh-CN" sz="1200" dirty="0"/>
-              <a:t>www.aaa.com</a:t>
+              <a:t>机房</a:t>
+            </a:r>
+            <a:r>
+              <a:rPr lang="en-US" altLang="zh-CN" sz="1200" dirty="0"/>
+              <a:t>1</a:t>
             </a:r>
             <a:endParaRPr lang="zh-CN" altLang="en-US" sz="1200" dirty="0"/>
           </a:p>
@@ -10404,10 +10507,10 @@
       </p:sp>
       <p:sp>
         <p:nvSpPr>
-          <p:cNvPr id="6" name="文本框 5">
-            <a:extLst>
-              <a:ext uri="{FF2B5EF4-FFF2-40B4-BE49-F238E27FC236}">
-                <a16:creationId xmlns:a16="http://schemas.microsoft.com/office/drawing/2014/main" id="{23DE99EB-DD92-4C77-8DBE-23396BAD83B9}"/>
+          <p:cNvPr id="14" name="文本框 13">
+            <a:extLst>
+              <a:ext uri="{FF2B5EF4-FFF2-40B4-BE49-F238E27FC236}">
+                <a16:creationId xmlns:a16="http://schemas.microsoft.com/office/drawing/2014/main" id="{6A0D7A46-579D-49FF-984E-C76B4637994F}"/>
               </a:ext>
             </a:extLst>
           </p:cNvPr>
@@ -10416,18 +10519,13 @@
         </p:nvSpPr>
         <p:spPr>
           <a:xfrm>
-            <a:off x="4544495" y="1062743"/>
-            <a:ext cx="2457369" cy="276999"/>
+            <a:off x="822385" y="293298"/>
+            <a:ext cx="948906" cy="276999"/>
           </a:xfrm>
           <a:prstGeom prst="rect">
             <a:avLst/>
           </a:prstGeom>
           <a:noFill/>
-          <a:ln>
-            <a:solidFill>
-              <a:schemeClr val="accent1"/>
-            </a:solidFill>
-          </a:ln>
         </p:spPr>
         <p:txBody>
           <a:bodyPr wrap="square" rtlCol="0">
@@ -10437,50 +10535,133 @@
           <a:p>
             <a:r>
               <a:rPr lang="zh-CN" altLang="en-US" sz="1200" dirty="0"/>
-              <a:t>解析到</a:t>
-            </a:r>
-            <a:r>
-              <a:rPr lang="en-US" altLang="zh-CN" sz="1200" dirty="0"/>
-              <a:t>base</a:t>
-            </a:r>
-            <a:r>
-              <a:rPr lang="zh-CN" altLang="en-US" sz="1200" dirty="0"/>
-              <a:t>域名</a:t>
-            </a:r>
-            <a:r>
-              <a:rPr lang="en-US" altLang="zh-CN" sz="1200" dirty="0"/>
-              <a:t>www.aaadns.com</a:t>
-            </a:r>
-            <a:endParaRPr lang="zh-CN" altLang="en-US" sz="1200" dirty="0"/>
-          </a:p>
-        </p:txBody>
-      </p:sp>
-      <p:sp>
-        <p:nvSpPr>
-          <p:cNvPr id="7" name="文本框 6">
-            <a:extLst>
-              <a:ext uri="{FF2B5EF4-FFF2-40B4-BE49-F238E27FC236}">
-                <a16:creationId xmlns:a16="http://schemas.microsoft.com/office/drawing/2014/main" id="{7F4DE25D-3378-4829-9E89-1C17AEF5F1C9}"/>
-              </a:ext>
-            </a:extLst>
-          </p:cNvPr>
-          <p:cNvSpPr txBox="1"/>
-          <p:nvPr/>
-        </p:nvSpPr>
-        <p:spPr>
-          <a:xfrm>
-            <a:off x="2850436" y="2370658"/>
-            <a:ext cx="1338950" cy="278224"/>
-          </a:xfrm>
-          <a:prstGeom prst="rect">
-            <a:avLst/>
-          </a:prstGeom>
-          <a:noFill/>
+              <a:t>正常部署</a:t>
+            </a:r>
+          </a:p>
+        </p:txBody>
+      </p:sp>
+      <p:sp>
+        <p:nvSpPr>
+          <p:cNvPr id="15" name="矩形 14">
+            <a:extLst>
+              <a:ext uri="{FF2B5EF4-FFF2-40B4-BE49-F238E27FC236}">
+                <a16:creationId xmlns:a16="http://schemas.microsoft.com/office/drawing/2014/main" id="{F404F2FB-856B-47C6-BA46-96F7A2BA9768}"/>
+              </a:ext>
+            </a:extLst>
+          </p:cNvPr>
+          <p:cNvSpPr/>
+          <p:nvPr/>
+        </p:nvSpPr>
+        <p:spPr>
+          <a:xfrm>
+            <a:off x="306985" y="3700734"/>
+            <a:ext cx="4504370" cy="2507410"/>
+          </a:xfrm>
+          <a:prstGeom prst="rect">
+            <a:avLst/>
+          </a:prstGeom>
           <a:ln>
             <a:solidFill>
-              <a:schemeClr val="accent1"/>
+              <a:schemeClr val="accent6"/>
             </a:solidFill>
+            <a:prstDash val="dash"/>
           </a:ln>
+        </p:spPr>
+        <p:style>
+          <a:lnRef idx="2">
+            <a:schemeClr val="accent6"/>
+          </a:lnRef>
+          <a:fillRef idx="1">
+            <a:schemeClr val="lt1"/>
+          </a:fillRef>
+          <a:effectRef idx="0">
+            <a:schemeClr val="accent6"/>
+          </a:effectRef>
+          <a:fontRef idx="minor">
+            <a:schemeClr val="dk1"/>
+          </a:fontRef>
+        </p:style>
+        <p:txBody>
+          <a:bodyPr rtlCol="0" anchor="ctr"/>
+          <a:lstStyle/>
+          <a:p>
+            <a:pPr algn="ctr"/>
+            <a:endParaRPr lang="zh-CN" altLang="en-US"/>
+          </a:p>
+        </p:txBody>
+      </p:sp>
+      <p:sp>
+        <p:nvSpPr>
+          <p:cNvPr id="16" name="矩形 15">
+            <a:extLst>
+              <a:ext uri="{FF2B5EF4-FFF2-40B4-BE49-F238E27FC236}">
+                <a16:creationId xmlns:a16="http://schemas.microsoft.com/office/drawing/2014/main" id="{9E657E99-E406-4FD6-81B9-D1260ECFBAD4}"/>
+              </a:ext>
+            </a:extLst>
+          </p:cNvPr>
+          <p:cNvSpPr/>
+          <p:nvPr/>
+        </p:nvSpPr>
+        <p:spPr>
+          <a:xfrm>
+            <a:off x="613166" y="5223017"/>
+            <a:ext cx="2070340" cy="806847"/>
+          </a:xfrm>
+          <a:prstGeom prst="rect">
+            <a:avLst/>
+          </a:prstGeom>
+          <a:solidFill>
+            <a:srgbClr val="FF0000"/>
+          </a:solidFill>
+        </p:spPr>
+        <p:style>
+          <a:lnRef idx="2">
+            <a:schemeClr val="accent6"/>
+          </a:lnRef>
+          <a:fillRef idx="1">
+            <a:schemeClr val="lt1"/>
+          </a:fillRef>
+          <a:effectRef idx="0">
+            <a:schemeClr val="accent6"/>
+          </a:effectRef>
+          <a:fontRef idx="minor">
+            <a:schemeClr val="dk1"/>
+          </a:fontRef>
+        </p:style>
+        <p:txBody>
+          <a:bodyPr rtlCol="0" anchor="ctr"/>
+          <a:lstStyle/>
+          <a:p>
+            <a:pPr algn="ctr"/>
+            <a:endParaRPr lang="zh-CN" altLang="en-US">
+              <a:solidFill>
+                <a:srgbClr val="FF0000"/>
+              </a:solidFill>
+            </a:endParaRPr>
+          </a:p>
+        </p:txBody>
+      </p:sp>
+      <p:sp>
+        <p:nvSpPr>
+          <p:cNvPr id="17" name="文本框 16">
+            <a:extLst>
+              <a:ext uri="{FF2B5EF4-FFF2-40B4-BE49-F238E27FC236}">
+                <a16:creationId xmlns:a16="http://schemas.microsoft.com/office/drawing/2014/main" id="{ED10C937-E239-4EEC-9B84-2075EC42392E}"/>
+              </a:ext>
+            </a:extLst>
+          </p:cNvPr>
+          <p:cNvSpPr txBox="1"/>
+          <p:nvPr/>
+        </p:nvSpPr>
+        <p:spPr>
+          <a:xfrm>
+            <a:off x="670675" y="5240307"/>
+            <a:ext cx="885645" cy="276999"/>
+          </a:xfrm>
+          <a:prstGeom prst="rect">
+            <a:avLst/>
+          </a:prstGeom>
+          <a:noFill/>
         </p:spPr>
         <p:txBody>
           <a:bodyPr wrap="square" rtlCol="0">
@@ -10489,23 +10670,214 @@
           <a:lstStyle/>
           <a:p>
             <a:r>
-              <a:rPr lang="en-US" altLang="zh-CN" sz="1200" dirty="0"/>
-              <a:t>OS30</a:t>
-            </a:r>
-            <a:r>
-              <a:rPr lang="zh-CN" altLang="en-US" sz="1200" dirty="0"/>
-              <a:t>统一接入层</a:t>
-            </a:r>
-            <a:endParaRPr lang="en-US" altLang="zh-CN" sz="1200" dirty="0"/>
-          </a:p>
-        </p:txBody>
-      </p:sp>
-      <p:sp>
-        <p:nvSpPr>
-          <p:cNvPr id="8" name="文本框 7">
-            <a:extLst>
-              <a:ext uri="{FF2B5EF4-FFF2-40B4-BE49-F238E27FC236}">
-                <a16:creationId xmlns:a16="http://schemas.microsoft.com/office/drawing/2014/main" id="{7B2E211B-64CC-4FDC-A6A5-B6A98608231C}"/>
+              <a:rPr lang="zh-CN" altLang="en-US" sz="1200" dirty="0"/>
+              <a:t>机房</a:t>
+            </a:r>
+            <a:r>
+              <a:rPr lang="en-US" altLang="zh-CN" sz="1200" dirty="0"/>
+              <a:t>2</a:t>
+            </a:r>
+            <a:endParaRPr lang="zh-CN" altLang="en-US" sz="1200" dirty="0"/>
+          </a:p>
+        </p:txBody>
+      </p:sp>
+      <p:sp>
+        <p:nvSpPr>
+          <p:cNvPr id="18" name="矩形 17">
+            <a:extLst>
+              <a:ext uri="{FF2B5EF4-FFF2-40B4-BE49-F238E27FC236}">
+                <a16:creationId xmlns:a16="http://schemas.microsoft.com/office/drawing/2014/main" id="{6EB3CBDB-FEBB-4BFB-B799-5F32E97C0E8F}"/>
+              </a:ext>
+            </a:extLst>
+          </p:cNvPr>
+          <p:cNvSpPr/>
+          <p:nvPr/>
+        </p:nvSpPr>
+        <p:spPr>
+          <a:xfrm>
+            <a:off x="572909" y="3913517"/>
+            <a:ext cx="3968152" cy="1046671"/>
+          </a:xfrm>
+          <a:prstGeom prst="rect">
+            <a:avLst/>
+          </a:prstGeom>
+        </p:spPr>
+        <p:style>
+          <a:lnRef idx="2">
+            <a:schemeClr val="accent6"/>
+          </a:lnRef>
+          <a:fillRef idx="1">
+            <a:schemeClr val="lt1"/>
+          </a:fillRef>
+          <a:effectRef idx="0">
+            <a:schemeClr val="accent6"/>
+          </a:effectRef>
+          <a:fontRef idx="minor">
+            <a:schemeClr val="dk1"/>
+          </a:fontRef>
+        </p:style>
+        <p:txBody>
+          <a:bodyPr rtlCol="0" anchor="ctr"/>
+          <a:lstStyle/>
+          <a:p>
+            <a:pPr algn="ctr"/>
+            <a:endParaRPr lang="zh-CN" altLang="en-US"/>
+          </a:p>
+        </p:txBody>
+      </p:sp>
+      <p:sp>
+        <p:nvSpPr>
+          <p:cNvPr id="19" name="矩形 18">
+            <a:extLst>
+              <a:ext uri="{FF2B5EF4-FFF2-40B4-BE49-F238E27FC236}">
+                <a16:creationId xmlns:a16="http://schemas.microsoft.com/office/drawing/2014/main" id="{2B0144F5-9683-479D-9295-CBBBB4D88903}"/>
+              </a:ext>
+            </a:extLst>
+          </p:cNvPr>
+          <p:cNvSpPr/>
+          <p:nvPr/>
+        </p:nvSpPr>
+        <p:spPr>
+          <a:xfrm>
+            <a:off x="1090494" y="4390845"/>
+            <a:ext cx="1339970" cy="316302"/>
+          </a:xfrm>
+          <a:prstGeom prst="rect">
+            <a:avLst/>
+          </a:prstGeom>
+        </p:spPr>
+        <p:style>
+          <a:lnRef idx="2">
+            <a:schemeClr val="accent6"/>
+          </a:lnRef>
+          <a:fillRef idx="1">
+            <a:schemeClr val="lt1"/>
+          </a:fillRef>
+          <a:effectRef idx="0">
+            <a:schemeClr val="accent6"/>
+          </a:effectRef>
+          <a:fontRef idx="minor">
+            <a:schemeClr val="dk1"/>
+          </a:fontRef>
+        </p:style>
+        <p:txBody>
+          <a:bodyPr rtlCol="0" anchor="ctr"/>
+          <a:lstStyle/>
+          <a:p>
+            <a:pPr algn="ctr"/>
+            <a:r>
+              <a:rPr lang="en-US" altLang="zh-CN" sz="1200" dirty="0"/>
+              <a:t>DB leader</a:t>
+            </a:r>
+            <a:endParaRPr lang="zh-CN" altLang="en-US" sz="1200" dirty="0"/>
+          </a:p>
+        </p:txBody>
+      </p:sp>
+      <p:sp>
+        <p:nvSpPr>
+          <p:cNvPr id="20" name="矩形 19">
+            <a:extLst>
+              <a:ext uri="{FF2B5EF4-FFF2-40B4-BE49-F238E27FC236}">
+                <a16:creationId xmlns:a16="http://schemas.microsoft.com/office/drawing/2014/main" id="{994BAF5D-B4E5-4E03-A52E-188304A30300}"/>
+              </a:ext>
+            </a:extLst>
+          </p:cNvPr>
+          <p:cNvSpPr/>
+          <p:nvPr/>
+        </p:nvSpPr>
+        <p:spPr>
+          <a:xfrm>
+            <a:off x="3019935" y="4363043"/>
+            <a:ext cx="1339970" cy="316302"/>
+          </a:xfrm>
+          <a:prstGeom prst="rect">
+            <a:avLst/>
+          </a:prstGeom>
+        </p:spPr>
+        <p:style>
+          <a:lnRef idx="2">
+            <a:schemeClr val="accent6"/>
+          </a:lnRef>
+          <a:fillRef idx="1">
+            <a:schemeClr val="lt1"/>
+          </a:fillRef>
+          <a:effectRef idx="0">
+            <a:schemeClr val="accent6"/>
+          </a:effectRef>
+          <a:fontRef idx="minor">
+            <a:schemeClr val="dk1"/>
+          </a:fontRef>
+        </p:style>
+        <p:txBody>
+          <a:bodyPr rtlCol="0" anchor="ctr"/>
+          <a:lstStyle/>
+          <a:p>
+            <a:pPr algn="ctr"/>
+            <a:r>
+              <a:rPr lang="en-US" altLang="zh-CN" sz="1200" dirty="0"/>
+              <a:t>DB follow</a:t>
+            </a:r>
+            <a:endParaRPr lang="zh-CN" altLang="en-US" sz="1200" dirty="0"/>
+          </a:p>
+        </p:txBody>
+      </p:sp>
+      <p:sp>
+        <p:nvSpPr>
+          <p:cNvPr id="21" name="矩形 20">
+            <a:extLst>
+              <a:ext uri="{FF2B5EF4-FFF2-40B4-BE49-F238E27FC236}">
+                <a16:creationId xmlns:a16="http://schemas.microsoft.com/office/drawing/2014/main" id="{0923EDDB-12A8-428E-8A26-3B3AAB0DADE2}"/>
+              </a:ext>
+            </a:extLst>
+          </p:cNvPr>
+          <p:cNvSpPr/>
+          <p:nvPr/>
+        </p:nvSpPr>
+        <p:spPr>
+          <a:xfrm>
+            <a:off x="1153755" y="5517306"/>
+            <a:ext cx="1339970" cy="316302"/>
+          </a:xfrm>
+          <a:prstGeom prst="rect">
+            <a:avLst/>
+          </a:prstGeom>
+          <a:solidFill>
+            <a:srgbClr val="FF0000"/>
+          </a:solidFill>
+        </p:spPr>
+        <p:style>
+          <a:lnRef idx="2">
+            <a:schemeClr val="accent6"/>
+          </a:lnRef>
+          <a:fillRef idx="1">
+            <a:schemeClr val="lt1"/>
+          </a:fillRef>
+          <a:effectRef idx="0">
+            <a:schemeClr val="accent6"/>
+          </a:effectRef>
+          <a:fontRef idx="minor">
+            <a:schemeClr val="dk1"/>
+          </a:fontRef>
+        </p:style>
+        <p:txBody>
+          <a:bodyPr rtlCol="0" anchor="ctr"/>
+          <a:lstStyle/>
+          <a:p>
+            <a:pPr algn="ctr"/>
+            <a:r>
+              <a:rPr lang="en-US" altLang="zh-CN" sz="1200" dirty="0"/>
+              <a:t>DB log</a:t>
+            </a:r>
+            <a:endParaRPr lang="zh-CN" altLang="en-US" sz="1200" dirty="0"/>
+          </a:p>
+        </p:txBody>
+      </p:sp>
+      <p:sp>
+        <p:nvSpPr>
+          <p:cNvPr id="22" name="文本框 21">
+            <a:extLst>
+              <a:ext uri="{FF2B5EF4-FFF2-40B4-BE49-F238E27FC236}">
+                <a16:creationId xmlns:a16="http://schemas.microsoft.com/office/drawing/2014/main" id="{67AC89C1-E172-4C93-A5E4-377E537CDA0A}"/>
               </a:ext>
             </a:extLst>
           </p:cNvPr>
@@ -10514,18 +10886,13 @@
         </p:nvSpPr>
         <p:spPr>
           <a:xfrm>
-            <a:off x="7443167" y="2370658"/>
-            <a:ext cx="1338950" cy="278224"/>
+            <a:off x="670675" y="3982528"/>
+            <a:ext cx="885645" cy="276999"/>
           </a:xfrm>
           <a:prstGeom prst="rect">
             <a:avLst/>
           </a:prstGeom>
           <a:noFill/>
-          <a:ln>
-            <a:solidFill>
-              <a:schemeClr val="accent1"/>
-            </a:solidFill>
-          </a:ln>
         </p:spPr>
         <p:txBody>
           <a:bodyPr wrap="square" rtlCol="0">
@@ -10534,23 +10901,67 @@
           <a:lstStyle/>
           <a:p>
             <a:r>
-              <a:rPr lang="en-US" altLang="zh-CN" sz="1200" dirty="0"/>
-              <a:t>SG52</a:t>
-            </a:r>
-            <a:r>
-              <a:rPr lang="zh-CN" altLang="en-US" sz="1200" dirty="0"/>
-              <a:t>统一接入层</a:t>
-            </a:r>
-            <a:endParaRPr lang="en-US" altLang="zh-CN" sz="1200" dirty="0"/>
-          </a:p>
-        </p:txBody>
-      </p:sp>
-      <p:sp>
-        <p:nvSpPr>
-          <p:cNvPr id="9" name="文本框 8">
-            <a:extLst>
-              <a:ext uri="{FF2B5EF4-FFF2-40B4-BE49-F238E27FC236}">
-                <a16:creationId xmlns:a16="http://schemas.microsoft.com/office/drawing/2014/main" id="{EEF82D11-56DC-46C1-90E8-E630333A0D62}"/>
+              <a:rPr lang="zh-CN" altLang="en-US" sz="1200" dirty="0"/>
+              <a:t>机房</a:t>
+            </a:r>
+            <a:r>
+              <a:rPr lang="en-US" altLang="zh-CN" sz="1200" dirty="0"/>
+              <a:t>1</a:t>
+            </a:r>
+            <a:endParaRPr lang="zh-CN" altLang="en-US" sz="1200" dirty="0"/>
+          </a:p>
+        </p:txBody>
+      </p:sp>
+      <p:sp>
+        <p:nvSpPr>
+          <p:cNvPr id="23" name="箭头: 下 22">
+            <a:extLst>
+              <a:ext uri="{FF2B5EF4-FFF2-40B4-BE49-F238E27FC236}">
+                <a16:creationId xmlns:a16="http://schemas.microsoft.com/office/drawing/2014/main" id="{B95CC466-9882-4989-AE5D-C5B0FF70D44F}"/>
+              </a:ext>
+            </a:extLst>
+          </p:cNvPr>
+          <p:cNvSpPr/>
+          <p:nvPr/>
+        </p:nvSpPr>
+        <p:spPr>
+          <a:xfrm>
+            <a:off x="1311215" y="2875472"/>
+            <a:ext cx="661359" cy="693944"/>
+          </a:xfrm>
+          <a:prstGeom prst="downArrow">
+            <a:avLst/>
+          </a:prstGeom>
+        </p:spPr>
+        <p:style>
+          <a:lnRef idx="2">
+            <a:schemeClr val="accent6"/>
+          </a:lnRef>
+          <a:fillRef idx="1">
+            <a:schemeClr val="lt1"/>
+          </a:fillRef>
+          <a:effectRef idx="0">
+            <a:schemeClr val="accent6"/>
+          </a:effectRef>
+          <a:fontRef idx="minor">
+            <a:schemeClr val="dk1"/>
+          </a:fontRef>
+        </p:style>
+        <p:txBody>
+          <a:bodyPr rtlCol="0" anchor="ctr"/>
+          <a:lstStyle/>
+          <a:p>
+            <a:pPr algn="ctr"/>
+            <a:endParaRPr lang="zh-CN" altLang="en-US"/>
+          </a:p>
+        </p:txBody>
+      </p:sp>
+      <p:sp>
+        <p:nvSpPr>
+          <p:cNvPr id="24" name="文本框 23">
+            <a:extLst>
+              <a:ext uri="{FF2B5EF4-FFF2-40B4-BE49-F238E27FC236}">
+                <a16:creationId xmlns:a16="http://schemas.microsoft.com/office/drawing/2014/main" id="{32B51784-CFEA-494C-AEEE-23DE17E1AF0E}"/>
               </a:ext>
             </a:extLst>
           </p:cNvPr>
@@ -10559,18 +10970,13 @@
         </p:nvSpPr>
         <p:spPr>
           <a:xfrm>
-            <a:off x="2850436" y="2996520"/>
-            <a:ext cx="1338950" cy="276999"/>
+            <a:off x="2081842" y="2978989"/>
+            <a:ext cx="1477992" cy="461665"/>
           </a:xfrm>
           <a:prstGeom prst="rect">
             <a:avLst/>
           </a:prstGeom>
           <a:noFill/>
-          <a:ln>
-            <a:solidFill>
-              <a:schemeClr val="accent1"/>
-            </a:solidFill>
-          </a:ln>
         </p:spPr>
         <p:txBody>
           <a:bodyPr wrap="square" rtlCol="0">
@@ -10580,53 +10986,130 @@
           <a:p>
             <a:r>
               <a:rPr lang="en-US" altLang="zh-CN" sz="1200" dirty="0"/>
-              <a:t>OS30</a:t>
-            </a:r>
-            <a:r>
-              <a:rPr lang="zh-CN" altLang="en-US" sz="1200" dirty="0"/>
-              <a:t>应用</a:t>
-            </a:r>
-            <a:r>
-              <a:rPr lang="en-US" altLang="zh-CN" sz="1200" dirty="0"/>
-              <a:t>A</a:t>
-            </a:r>
-            <a:r>
-              <a:rPr lang="zh-CN" altLang="en-US" sz="1200" dirty="0"/>
-              <a:t>节点</a:t>
-            </a:r>
-            <a:r>
-              <a:rPr lang="en-US" altLang="zh-CN" sz="1200" dirty="0"/>
-              <a:t>1</a:t>
-            </a:r>
-          </a:p>
-        </p:txBody>
-      </p:sp>
-      <p:sp>
-        <p:nvSpPr>
-          <p:cNvPr id="10" name="文本框 9">
-            <a:extLst>
-              <a:ext uri="{FF2B5EF4-FFF2-40B4-BE49-F238E27FC236}">
-                <a16:creationId xmlns:a16="http://schemas.microsoft.com/office/drawing/2014/main" id="{4006409F-F125-4E0D-9250-36B192A88286}"/>
-              </a:ext>
-            </a:extLst>
-          </p:cNvPr>
-          <p:cNvSpPr txBox="1"/>
-          <p:nvPr/>
-        </p:nvSpPr>
-        <p:spPr>
-          <a:xfrm>
-            <a:off x="2850437" y="3344158"/>
-            <a:ext cx="1338950" cy="276999"/>
-          </a:xfrm>
-          <a:prstGeom prst="rect">
-            <a:avLst/>
-          </a:prstGeom>
-          <a:noFill/>
+              <a:t>Log</a:t>
+            </a:r>
+            <a:r>
+              <a:rPr lang="zh-CN" altLang="en-US" sz="1200" dirty="0"/>
+              <a:t>节点异常，不影响主备节点</a:t>
+            </a:r>
+          </a:p>
+        </p:txBody>
+      </p:sp>
+      <p:sp>
+        <p:nvSpPr>
+          <p:cNvPr id="26" name="矩形 25">
+            <a:extLst>
+              <a:ext uri="{FF2B5EF4-FFF2-40B4-BE49-F238E27FC236}">
+                <a16:creationId xmlns:a16="http://schemas.microsoft.com/office/drawing/2014/main" id="{EEC7C095-9551-4F17-BA18-3E7DD094EE63}"/>
+              </a:ext>
+            </a:extLst>
+          </p:cNvPr>
+          <p:cNvSpPr/>
+          <p:nvPr/>
+        </p:nvSpPr>
+        <p:spPr>
+          <a:xfrm>
+            <a:off x="6229767" y="3631723"/>
+            <a:ext cx="4504370" cy="2507410"/>
+          </a:xfrm>
+          <a:prstGeom prst="rect">
+            <a:avLst/>
+          </a:prstGeom>
           <a:ln>
             <a:solidFill>
-              <a:schemeClr val="accent1"/>
+              <a:schemeClr val="accent6"/>
             </a:solidFill>
+            <a:prstDash val="dash"/>
           </a:ln>
+        </p:spPr>
+        <p:style>
+          <a:lnRef idx="2">
+            <a:schemeClr val="accent6"/>
+          </a:lnRef>
+          <a:fillRef idx="1">
+            <a:schemeClr val="lt1"/>
+          </a:fillRef>
+          <a:effectRef idx="0">
+            <a:schemeClr val="accent6"/>
+          </a:effectRef>
+          <a:fontRef idx="minor">
+            <a:schemeClr val="dk1"/>
+          </a:fontRef>
+        </p:style>
+        <p:txBody>
+          <a:bodyPr rtlCol="0" anchor="ctr"/>
+          <a:lstStyle/>
+          <a:p>
+            <a:pPr algn="ctr"/>
+            <a:endParaRPr lang="zh-CN" altLang="en-US"/>
+          </a:p>
+        </p:txBody>
+      </p:sp>
+      <p:sp>
+        <p:nvSpPr>
+          <p:cNvPr id="27" name="矩形 26">
+            <a:extLst>
+              <a:ext uri="{FF2B5EF4-FFF2-40B4-BE49-F238E27FC236}">
+                <a16:creationId xmlns:a16="http://schemas.microsoft.com/office/drawing/2014/main" id="{7C1FDB5A-0131-4D8A-A668-E696BFA6CFB5}"/>
+              </a:ext>
+            </a:extLst>
+          </p:cNvPr>
+          <p:cNvSpPr/>
+          <p:nvPr/>
+        </p:nvSpPr>
+        <p:spPr>
+          <a:xfrm>
+            <a:off x="6535948" y="5154006"/>
+            <a:ext cx="2070340" cy="806847"/>
+          </a:xfrm>
+          <a:prstGeom prst="rect">
+            <a:avLst/>
+          </a:prstGeom>
+        </p:spPr>
+        <p:style>
+          <a:lnRef idx="2">
+            <a:schemeClr val="accent6"/>
+          </a:lnRef>
+          <a:fillRef idx="1">
+            <a:schemeClr val="lt1"/>
+          </a:fillRef>
+          <a:effectRef idx="0">
+            <a:schemeClr val="accent6"/>
+          </a:effectRef>
+          <a:fontRef idx="minor">
+            <a:schemeClr val="dk1"/>
+          </a:fontRef>
+        </p:style>
+        <p:txBody>
+          <a:bodyPr rtlCol="0" anchor="ctr"/>
+          <a:lstStyle/>
+          <a:p>
+            <a:pPr algn="ctr"/>
+            <a:endParaRPr lang="zh-CN" altLang="en-US"/>
+          </a:p>
+        </p:txBody>
+      </p:sp>
+      <p:sp>
+        <p:nvSpPr>
+          <p:cNvPr id="28" name="文本框 27">
+            <a:extLst>
+              <a:ext uri="{FF2B5EF4-FFF2-40B4-BE49-F238E27FC236}">
+                <a16:creationId xmlns:a16="http://schemas.microsoft.com/office/drawing/2014/main" id="{A9EB7403-DD1F-4AED-95C6-F27CF2044573}"/>
+              </a:ext>
+            </a:extLst>
+          </p:cNvPr>
+          <p:cNvSpPr txBox="1"/>
+          <p:nvPr/>
+        </p:nvSpPr>
+        <p:spPr>
+          <a:xfrm>
+            <a:off x="6593457" y="5171296"/>
+            <a:ext cx="885645" cy="276999"/>
+          </a:xfrm>
+          <a:prstGeom prst="rect">
+            <a:avLst/>
+          </a:prstGeom>
+          <a:noFill/>
         </p:spPr>
         <p:txBody>
           <a:bodyPr wrap="square" rtlCol="0">
@@ -10635,34 +11118,220 @@
           <a:lstStyle/>
           <a:p>
             <a:r>
-              <a:rPr lang="en-US" altLang="zh-CN" sz="1200" dirty="0"/>
-              <a:t>OS30</a:t>
-            </a:r>
-            <a:r>
-              <a:rPr lang="zh-CN" altLang="en-US" sz="1200" dirty="0"/>
-              <a:t>应用</a:t>
-            </a:r>
-            <a:r>
-              <a:rPr lang="en-US" altLang="zh-CN" sz="1200" dirty="0"/>
-              <a:t>A</a:t>
-            </a:r>
-            <a:r>
-              <a:rPr lang="zh-CN" altLang="en-US" sz="1200" dirty="0"/>
-              <a:t>节点</a:t>
+              <a:rPr lang="zh-CN" altLang="en-US" sz="1200" dirty="0"/>
+              <a:t>机房</a:t>
             </a:r>
             <a:r>
               <a:rPr lang="en-US" altLang="zh-CN" sz="1200" dirty="0"/>
               <a:t>2</a:t>
             </a:r>
-          </a:p>
-        </p:txBody>
-      </p:sp>
-      <p:sp>
-        <p:nvSpPr>
-          <p:cNvPr id="11" name="文本框 10">
-            <a:extLst>
-              <a:ext uri="{FF2B5EF4-FFF2-40B4-BE49-F238E27FC236}">
-                <a16:creationId xmlns:a16="http://schemas.microsoft.com/office/drawing/2014/main" id="{51EE403E-55AE-42F1-BF38-C3DEF5944C84}"/>
+            <a:endParaRPr lang="zh-CN" altLang="en-US" sz="1200" dirty="0"/>
+          </a:p>
+        </p:txBody>
+      </p:sp>
+      <p:sp>
+        <p:nvSpPr>
+          <p:cNvPr id="29" name="矩形 28">
+            <a:extLst>
+              <a:ext uri="{FF2B5EF4-FFF2-40B4-BE49-F238E27FC236}">
+                <a16:creationId xmlns:a16="http://schemas.microsoft.com/office/drawing/2014/main" id="{F8153550-81DD-433B-84C2-43B1FE6C880F}"/>
+              </a:ext>
+            </a:extLst>
+          </p:cNvPr>
+          <p:cNvSpPr/>
+          <p:nvPr/>
+        </p:nvSpPr>
+        <p:spPr>
+          <a:xfrm>
+            <a:off x="6495691" y="3844506"/>
+            <a:ext cx="3968152" cy="1046671"/>
+          </a:xfrm>
+          <a:prstGeom prst="rect">
+            <a:avLst/>
+          </a:prstGeom>
+          <a:solidFill>
+            <a:srgbClr val="FF0000"/>
+          </a:solidFill>
+        </p:spPr>
+        <p:style>
+          <a:lnRef idx="2">
+            <a:schemeClr val="accent6"/>
+          </a:lnRef>
+          <a:fillRef idx="1">
+            <a:schemeClr val="lt1"/>
+          </a:fillRef>
+          <a:effectRef idx="0">
+            <a:schemeClr val="accent6"/>
+          </a:effectRef>
+          <a:fontRef idx="minor">
+            <a:schemeClr val="dk1"/>
+          </a:fontRef>
+        </p:style>
+        <p:txBody>
+          <a:bodyPr rtlCol="0" anchor="ctr"/>
+          <a:lstStyle/>
+          <a:p>
+            <a:pPr algn="ctr"/>
+            <a:endParaRPr lang="zh-CN" altLang="en-US"/>
+          </a:p>
+        </p:txBody>
+      </p:sp>
+      <p:sp>
+        <p:nvSpPr>
+          <p:cNvPr id="30" name="矩形 29">
+            <a:extLst>
+              <a:ext uri="{FF2B5EF4-FFF2-40B4-BE49-F238E27FC236}">
+                <a16:creationId xmlns:a16="http://schemas.microsoft.com/office/drawing/2014/main" id="{2F97B5E8-FAFE-49AB-84AD-BF015D55516B}"/>
+              </a:ext>
+            </a:extLst>
+          </p:cNvPr>
+          <p:cNvSpPr/>
+          <p:nvPr/>
+        </p:nvSpPr>
+        <p:spPr>
+          <a:xfrm>
+            <a:off x="7013276" y="4321834"/>
+            <a:ext cx="1339970" cy="316302"/>
+          </a:xfrm>
+          <a:prstGeom prst="rect">
+            <a:avLst/>
+          </a:prstGeom>
+          <a:solidFill>
+            <a:srgbClr val="FF0000"/>
+          </a:solidFill>
+        </p:spPr>
+        <p:style>
+          <a:lnRef idx="2">
+            <a:schemeClr val="accent6"/>
+          </a:lnRef>
+          <a:fillRef idx="1">
+            <a:schemeClr val="lt1"/>
+          </a:fillRef>
+          <a:effectRef idx="0">
+            <a:schemeClr val="accent6"/>
+          </a:effectRef>
+          <a:fontRef idx="minor">
+            <a:schemeClr val="dk1"/>
+          </a:fontRef>
+        </p:style>
+        <p:txBody>
+          <a:bodyPr rtlCol="0" anchor="ctr"/>
+          <a:lstStyle/>
+          <a:p>
+            <a:pPr algn="ctr"/>
+            <a:r>
+              <a:rPr lang="en-US" altLang="zh-CN" sz="1200" dirty="0"/>
+              <a:t>DB leader</a:t>
+            </a:r>
+            <a:endParaRPr lang="zh-CN" altLang="en-US" sz="1200" dirty="0"/>
+          </a:p>
+        </p:txBody>
+      </p:sp>
+      <p:sp>
+        <p:nvSpPr>
+          <p:cNvPr id="31" name="矩形 30">
+            <a:extLst>
+              <a:ext uri="{FF2B5EF4-FFF2-40B4-BE49-F238E27FC236}">
+                <a16:creationId xmlns:a16="http://schemas.microsoft.com/office/drawing/2014/main" id="{B79A0C16-DF47-42D9-AEBB-8B76FA8A8484}"/>
+              </a:ext>
+            </a:extLst>
+          </p:cNvPr>
+          <p:cNvSpPr/>
+          <p:nvPr/>
+        </p:nvSpPr>
+        <p:spPr>
+          <a:xfrm>
+            <a:off x="8942717" y="4294032"/>
+            <a:ext cx="1339970" cy="316302"/>
+          </a:xfrm>
+          <a:prstGeom prst="rect">
+            <a:avLst/>
+          </a:prstGeom>
+          <a:solidFill>
+            <a:srgbClr val="FF0000"/>
+          </a:solidFill>
+        </p:spPr>
+        <p:style>
+          <a:lnRef idx="2">
+            <a:schemeClr val="accent6"/>
+          </a:lnRef>
+          <a:fillRef idx="1">
+            <a:schemeClr val="lt1"/>
+          </a:fillRef>
+          <a:effectRef idx="0">
+            <a:schemeClr val="accent6"/>
+          </a:effectRef>
+          <a:fontRef idx="minor">
+            <a:schemeClr val="dk1"/>
+          </a:fontRef>
+        </p:style>
+        <p:txBody>
+          <a:bodyPr rtlCol="0" anchor="ctr"/>
+          <a:lstStyle/>
+          <a:p>
+            <a:pPr algn="ctr"/>
+            <a:r>
+              <a:rPr lang="en-US" altLang="zh-CN" sz="1200" dirty="0"/>
+              <a:t>DB follow</a:t>
+            </a:r>
+            <a:endParaRPr lang="zh-CN" altLang="en-US" sz="1200" dirty="0"/>
+          </a:p>
+        </p:txBody>
+      </p:sp>
+      <p:sp>
+        <p:nvSpPr>
+          <p:cNvPr id="32" name="矩形 31">
+            <a:extLst>
+              <a:ext uri="{FF2B5EF4-FFF2-40B4-BE49-F238E27FC236}">
+                <a16:creationId xmlns:a16="http://schemas.microsoft.com/office/drawing/2014/main" id="{3132A238-47CA-4E70-B377-7C7F0EC97799}"/>
+              </a:ext>
+            </a:extLst>
+          </p:cNvPr>
+          <p:cNvSpPr/>
+          <p:nvPr/>
+        </p:nvSpPr>
+        <p:spPr>
+          <a:xfrm>
+            <a:off x="7076537" y="5448295"/>
+            <a:ext cx="1339970" cy="316302"/>
+          </a:xfrm>
+          <a:prstGeom prst="rect">
+            <a:avLst/>
+          </a:prstGeom>
+        </p:spPr>
+        <p:style>
+          <a:lnRef idx="2">
+            <a:schemeClr val="accent6"/>
+          </a:lnRef>
+          <a:fillRef idx="1">
+            <a:schemeClr val="lt1"/>
+          </a:fillRef>
+          <a:effectRef idx="0">
+            <a:schemeClr val="accent6"/>
+          </a:effectRef>
+          <a:fontRef idx="minor">
+            <a:schemeClr val="dk1"/>
+          </a:fontRef>
+        </p:style>
+        <p:txBody>
+          <a:bodyPr rtlCol="0" anchor="ctr"/>
+          <a:lstStyle/>
+          <a:p>
+            <a:pPr algn="ctr"/>
+            <a:r>
+              <a:rPr lang="en-US" altLang="zh-CN" sz="1200" dirty="0"/>
+              <a:t>DB log</a:t>
+            </a:r>
+            <a:endParaRPr lang="zh-CN" altLang="en-US" sz="1200" dirty="0"/>
+          </a:p>
+        </p:txBody>
+      </p:sp>
+      <p:sp>
+        <p:nvSpPr>
+          <p:cNvPr id="33" name="文本框 32">
+            <a:extLst>
+              <a:ext uri="{FF2B5EF4-FFF2-40B4-BE49-F238E27FC236}">
+                <a16:creationId xmlns:a16="http://schemas.microsoft.com/office/drawing/2014/main" id="{2537561F-F868-4503-9695-B31BE9475DC0}"/>
               </a:ext>
             </a:extLst>
           </p:cNvPr>
@@ -10671,18 +11340,13 @@
         </p:nvSpPr>
         <p:spPr>
           <a:xfrm>
-            <a:off x="7443166" y="2996519"/>
-            <a:ext cx="1338950" cy="276999"/>
+            <a:off x="6593457" y="3913517"/>
+            <a:ext cx="885645" cy="276999"/>
           </a:xfrm>
           <a:prstGeom prst="rect">
             <a:avLst/>
           </a:prstGeom>
           <a:noFill/>
-          <a:ln>
-            <a:solidFill>
-              <a:schemeClr val="accent1"/>
-            </a:solidFill>
-          </a:ln>
         </p:spPr>
         <p:txBody>
           <a:bodyPr wrap="square" rtlCol="0">
@@ -10691,34 +11355,67 @@
           <a:lstStyle/>
           <a:p>
             <a:r>
-              <a:rPr lang="en-US" altLang="zh-CN" sz="1200" dirty="0"/>
-              <a:t>SG52</a:t>
-            </a:r>
-            <a:r>
-              <a:rPr lang="zh-CN" altLang="en-US" sz="1200" dirty="0"/>
-              <a:t>应用</a:t>
-            </a:r>
-            <a:r>
-              <a:rPr lang="en-US" altLang="zh-CN" sz="1200" dirty="0"/>
-              <a:t>A</a:t>
-            </a:r>
-            <a:r>
-              <a:rPr lang="zh-CN" altLang="en-US" sz="1200" dirty="0"/>
-              <a:t>节点</a:t>
-            </a:r>
-            <a:r>
-              <a:rPr lang="en-US" altLang="zh-CN" sz="1200" dirty="0"/>
-              <a:t>3</a:t>
-            </a:r>
-          </a:p>
-        </p:txBody>
-      </p:sp>
-      <p:sp>
-        <p:nvSpPr>
-          <p:cNvPr id="12" name="文本框 11">
-            <a:extLst>
-              <a:ext uri="{FF2B5EF4-FFF2-40B4-BE49-F238E27FC236}">
-                <a16:creationId xmlns:a16="http://schemas.microsoft.com/office/drawing/2014/main" id="{1F0F606F-010E-4D31-84F3-26B46353DC9E}"/>
+              <a:rPr lang="zh-CN" altLang="en-US" sz="1200" dirty="0"/>
+              <a:t>机房</a:t>
+            </a:r>
+            <a:r>
+              <a:rPr lang="en-US" altLang="zh-CN" sz="1200" dirty="0"/>
+              <a:t>1</a:t>
+            </a:r>
+            <a:endParaRPr lang="zh-CN" altLang="en-US" sz="1200" dirty="0"/>
+          </a:p>
+        </p:txBody>
+      </p:sp>
+      <p:sp>
+        <p:nvSpPr>
+          <p:cNvPr id="34" name="箭头: 下 33">
+            <a:extLst>
+              <a:ext uri="{FF2B5EF4-FFF2-40B4-BE49-F238E27FC236}">
+                <a16:creationId xmlns:a16="http://schemas.microsoft.com/office/drawing/2014/main" id="{CC5AB5C1-3218-453E-8457-F4617550C39A}"/>
+              </a:ext>
+            </a:extLst>
+          </p:cNvPr>
+          <p:cNvSpPr/>
+          <p:nvPr/>
+        </p:nvSpPr>
+        <p:spPr>
+          <a:xfrm>
+            <a:off x="6351917" y="2796873"/>
+            <a:ext cx="661359" cy="693944"/>
+          </a:xfrm>
+          <a:prstGeom prst="downArrow">
+            <a:avLst/>
+          </a:prstGeom>
+        </p:spPr>
+        <p:style>
+          <a:lnRef idx="2">
+            <a:schemeClr val="accent6"/>
+          </a:lnRef>
+          <a:fillRef idx="1">
+            <a:schemeClr val="lt1"/>
+          </a:fillRef>
+          <a:effectRef idx="0">
+            <a:schemeClr val="accent6"/>
+          </a:effectRef>
+          <a:fontRef idx="minor">
+            <a:schemeClr val="dk1"/>
+          </a:fontRef>
+        </p:style>
+        <p:txBody>
+          <a:bodyPr rtlCol="0" anchor="ctr"/>
+          <a:lstStyle/>
+          <a:p>
+            <a:pPr algn="ctr"/>
+            <a:endParaRPr lang="zh-CN" altLang="en-US"/>
+          </a:p>
+        </p:txBody>
+      </p:sp>
+      <p:sp>
+        <p:nvSpPr>
+          <p:cNvPr id="35" name="文本框 34">
+            <a:extLst>
+              <a:ext uri="{FF2B5EF4-FFF2-40B4-BE49-F238E27FC236}">
+                <a16:creationId xmlns:a16="http://schemas.microsoft.com/office/drawing/2014/main" id="{2837A4FB-A7CC-403B-A804-F1E81B4C93CC}"/>
               </a:ext>
             </a:extLst>
           </p:cNvPr>
@@ -10727,18 +11424,13 @@
         </p:nvSpPr>
         <p:spPr>
           <a:xfrm>
-            <a:off x="7443166" y="3377750"/>
-            <a:ext cx="1338950" cy="276999"/>
+            <a:off x="7047782" y="2868773"/>
+            <a:ext cx="1305464" cy="461665"/>
           </a:xfrm>
           <a:prstGeom prst="rect">
             <a:avLst/>
           </a:prstGeom>
           <a:noFill/>
-          <a:ln>
-            <a:solidFill>
-              <a:schemeClr val="accent1"/>
-            </a:solidFill>
-          </a:ln>
         </p:spPr>
         <p:txBody>
           <a:bodyPr wrap="square" rtlCol="0">
@@ -10747,1465 +11439,16 @@
           <a:lstStyle/>
           <a:p>
             <a:r>
-              <a:rPr lang="en-US" altLang="zh-CN" sz="1200" dirty="0"/>
-              <a:t>SG52</a:t>
-            </a:r>
-            <a:r>
-              <a:rPr lang="zh-CN" altLang="en-US" sz="1200" dirty="0"/>
-              <a:t>应用</a:t>
-            </a:r>
-            <a:r>
-              <a:rPr lang="en-US" altLang="zh-CN" sz="1200" dirty="0"/>
-              <a:t>A</a:t>
-            </a:r>
-            <a:r>
-              <a:rPr lang="zh-CN" altLang="en-US" sz="1200" dirty="0"/>
-              <a:t>节点</a:t>
-            </a:r>
-            <a:r>
-              <a:rPr lang="en-US" altLang="zh-CN" sz="1200" dirty="0"/>
-              <a:t>4</a:t>
-            </a:r>
-          </a:p>
-        </p:txBody>
-      </p:sp>
-      <p:sp>
-        <p:nvSpPr>
-          <p:cNvPr id="13" name="文本框 12">
-            <a:extLst>
-              <a:ext uri="{FF2B5EF4-FFF2-40B4-BE49-F238E27FC236}">
-                <a16:creationId xmlns:a16="http://schemas.microsoft.com/office/drawing/2014/main" id="{E9129C8D-CDAC-49D4-A6F4-F33BF447ACAB}"/>
-              </a:ext>
-            </a:extLst>
-          </p:cNvPr>
-          <p:cNvSpPr txBox="1"/>
-          <p:nvPr/>
-        </p:nvSpPr>
-        <p:spPr>
-          <a:xfrm>
-            <a:off x="4630606" y="2279379"/>
-            <a:ext cx="2518823" cy="461665"/>
-          </a:xfrm>
-          <a:prstGeom prst="rect">
-            <a:avLst/>
-          </a:prstGeom>
-          <a:noFill/>
-          <a:ln>
-            <a:solidFill>
-              <a:schemeClr val="accent1"/>
-            </a:solidFill>
-          </a:ln>
-        </p:spPr>
-        <p:txBody>
-          <a:bodyPr wrap="square" rtlCol="0">
-            <a:spAutoFit/>
-          </a:bodyPr>
-          <a:lstStyle/>
-          <a:p>
-            <a:r>
-              <a:rPr lang="en-US" altLang="zh-CN" sz="1200" dirty="0"/>
-              <a:t>Vipserver key </a:t>
-            </a:r>
-            <a:r>
-              <a:rPr lang="zh-CN" altLang="en-US" sz="1200" dirty="0"/>
-              <a:t>跨机房注册</a:t>
-            </a:r>
-            <a:r>
-              <a:rPr lang="en-US" altLang="zh-CN" sz="1200" dirty="0"/>
-              <a:t> app-a</a:t>
-            </a:r>
-            <a:r>
-              <a:rPr lang="zh-CN" altLang="en-US" sz="1200" dirty="0"/>
-              <a:t>：</a:t>
-            </a:r>
-            <a:endParaRPr lang="en-US" altLang="zh-CN" sz="1200" dirty="0"/>
-          </a:p>
-          <a:p>
-            <a:r>
-              <a:rPr lang="zh-CN" altLang="en-US" sz="1200" dirty="0"/>
-              <a:t>节点</a:t>
-            </a:r>
-            <a:r>
-              <a:rPr lang="en-US" altLang="zh-CN" sz="1200" dirty="0"/>
-              <a:t>1</a:t>
-            </a:r>
-            <a:r>
-              <a:rPr lang="zh-CN" altLang="en-US" sz="1200" dirty="0"/>
-              <a:t>   节点</a:t>
-            </a:r>
-            <a:r>
-              <a:rPr lang="en-US" altLang="zh-CN" sz="1200" dirty="0"/>
-              <a:t>2   </a:t>
-            </a:r>
-            <a:r>
-              <a:rPr lang="zh-CN" altLang="en-US" sz="1200" dirty="0"/>
-              <a:t>节点</a:t>
-            </a:r>
-            <a:r>
-              <a:rPr lang="en-US" altLang="zh-CN" sz="1200" dirty="0"/>
-              <a:t>3     </a:t>
-            </a:r>
-            <a:r>
-              <a:rPr lang="zh-CN" altLang="en-US" sz="1200" dirty="0"/>
-              <a:t>节点</a:t>
-            </a:r>
-            <a:r>
-              <a:rPr lang="en-US" altLang="zh-CN" sz="1200" dirty="0"/>
-              <a:t>4</a:t>
-            </a:r>
-          </a:p>
-        </p:txBody>
-      </p:sp>
-      <p:cxnSp>
-        <p:nvCxnSpPr>
-          <p:cNvPr id="15" name="直接箭头连接符 14">
-            <a:extLst>
-              <a:ext uri="{FF2B5EF4-FFF2-40B4-BE49-F238E27FC236}">
-                <a16:creationId xmlns:a16="http://schemas.microsoft.com/office/drawing/2014/main" id="{01421A87-D201-4817-96A6-229B2BE1721F}"/>
-              </a:ext>
-            </a:extLst>
-          </p:cNvPr>
-          <p:cNvCxnSpPr>
-            <a:stCxn id="8" idx="1"/>
-            <a:endCxn id="13" idx="3"/>
-          </p:cNvCxnSpPr>
-          <p:nvPr/>
-        </p:nvCxnSpPr>
-        <p:spPr>
-          <a:xfrm flipH="1">
-            <a:off x="7149429" y="2509770"/>
-            <a:ext cx="293738" cy="442"/>
-          </a:xfrm>
-          <a:prstGeom prst="straightConnector1">
-            <a:avLst/>
-          </a:prstGeom>
-          <a:ln>
-            <a:tailEnd type="triangle"/>
-          </a:ln>
-        </p:spPr>
-        <p:style>
-          <a:lnRef idx="1">
-            <a:schemeClr val="accent1"/>
-          </a:lnRef>
-          <a:fillRef idx="0">
-            <a:schemeClr val="accent1"/>
-          </a:fillRef>
-          <a:effectRef idx="0">
-            <a:schemeClr val="accent1"/>
-          </a:effectRef>
-          <a:fontRef idx="minor">
-            <a:schemeClr val="tx1"/>
-          </a:fontRef>
-        </p:style>
-      </p:cxnSp>
-      <p:cxnSp>
-        <p:nvCxnSpPr>
-          <p:cNvPr id="18" name="直接箭头连接符 17">
-            <a:extLst>
-              <a:ext uri="{FF2B5EF4-FFF2-40B4-BE49-F238E27FC236}">
-                <a16:creationId xmlns:a16="http://schemas.microsoft.com/office/drawing/2014/main" id="{C7E8F700-ABB0-4593-B268-A033D90E3226}"/>
-              </a:ext>
-            </a:extLst>
-          </p:cNvPr>
-          <p:cNvCxnSpPr>
-            <a:stCxn id="7" idx="3"/>
-            <a:endCxn id="13" idx="1"/>
-          </p:cNvCxnSpPr>
-          <p:nvPr/>
-        </p:nvCxnSpPr>
-        <p:spPr>
-          <a:xfrm>
-            <a:off x="4189386" y="2509770"/>
-            <a:ext cx="441220" cy="442"/>
-          </a:xfrm>
-          <a:prstGeom prst="straightConnector1">
-            <a:avLst/>
-          </a:prstGeom>
-          <a:ln>
-            <a:tailEnd type="triangle"/>
-          </a:ln>
-        </p:spPr>
-        <p:style>
-          <a:lnRef idx="1">
-            <a:schemeClr val="accent1"/>
-          </a:lnRef>
-          <a:fillRef idx="0">
-            <a:schemeClr val="accent1"/>
-          </a:fillRef>
-          <a:effectRef idx="0">
-            <a:schemeClr val="accent1"/>
-          </a:effectRef>
-          <a:fontRef idx="minor">
-            <a:schemeClr val="tx1"/>
-          </a:fontRef>
-        </p:style>
-      </p:cxnSp>
-      <p:cxnSp>
-        <p:nvCxnSpPr>
-          <p:cNvPr id="20" name="直接箭头连接符 19">
-            <a:extLst>
-              <a:ext uri="{FF2B5EF4-FFF2-40B4-BE49-F238E27FC236}">
-                <a16:creationId xmlns:a16="http://schemas.microsoft.com/office/drawing/2014/main" id="{14FE827C-8382-4447-9D05-A6199C916657}"/>
-              </a:ext>
-            </a:extLst>
-          </p:cNvPr>
-          <p:cNvCxnSpPr>
-            <a:stCxn id="5" idx="2"/>
-            <a:endCxn id="6" idx="0"/>
-          </p:cNvCxnSpPr>
-          <p:nvPr/>
-        </p:nvCxnSpPr>
-        <p:spPr>
-          <a:xfrm>
-            <a:off x="5771766" y="826006"/>
-            <a:ext cx="1414" cy="236737"/>
-          </a:xfrm>
-          <a:prstGeom prst="straightConnector1">
-            <a:avLst/>
-          </a:prstGeom>
-          <a:ln>
-            <a:tailEnd type="triangle"/>
-          </a:ln>
-        </p:spPr>
-        <p:style>
-          <a:lnRef idx="1">
-            <a:schemeClr val="accent1"/>
-          </a:lnRef>
-          <a:fillRef idx="0">
-            <a:schemeClr val="accent1"/>
-          </a:fillRef>
-          <a:effectRef idx="0">
-            <a:schemeClr val="accent1"/>
-          </a:effectRef>
-          <a:fontRef idx="minor">
-            <a:schemeClr val="tx1"/>
-          </a:fontRef>
-        </p:style>
-      </p:cxnSp>
-      <p:cxnSp>
-        <p:nvCxnSpPr>
-          <p:cNvPr id="22" name="直接箭头连接符 21">
-            <a:extLst>
-              <a:ext uri="{FF2B5EF4-FFF2-40B4-BE49-F238E27FC236}">
-                <a16:creationId xmlns:a16="http://schemas.microsoft.com/office/drawing/2014/main" id="{E81D865B-99C4-45A5-95C8-790B9D7C766F}"/>
-              </a:ext>
-            </a:extLst>
-          </p:cNvPr>
-          <p:cNvCxnSpPr>
-            <a:stCxn id="6" idx="2"/>
-            <a:endCxn id="7" idx="0"/>
-          </p:cNvCxnSpPr>
-          <p:nvPr/>
-        </p:nvCxnSpPr>
-        <p:spPr>
-          <a:xfrm flipH="1">
-            <a:off x="3519911" y="1339742"/>
-            <a:ext cx="2253269" cy="1030916"/>
-          </a:xfrm>
-          <a:prstGeom prst="straightConnector1">
-            <a:avLst/>
-          </a:prstGeom>
-          <a:ln>
-            <a:tailEnd type="triangle"/>
-          </a:ln>
-        </p:spPr>
-        <p:style>
-          <a:lnRef idx="1">
-            <a:schemeClr val="accent1"/>
-          </a:lnRef>
-          <a:fillRef idx="0">
-            <a:schemeClr val="accent1"/>
-          </a:fillRef>
-          <a:effectRef idx="0">
-            <a:schemeClr val="accent1"/>
-          </a:effectRef>
-          <a:fontRef idx="minor">
-            <a:schemeClr val="tx1"/>
-          </a:fontRef>
-        </p:style>
-      </p:cxnSp>
-      <p:cxnSp>
-        <p:nvCxnSpPr>
-          <p:cNvPr id="24" name="直接箭头连接符 23">
-            <a:extLst>
-              <a:ext uri="{FF2B5EF4-FFF2-40B4-BE49-F238E27FC236}">
-                <a16:creationId xmlns:a16="http://schemas.microsoft.com/office/drawing/2014/main" id="{C2961714-37DB-4CDF-91D8-EB4A5400FE5C}"/>
-              </a:ext>
-            </a:extLst>
-          </p:cNvPr>
-          <p:cNvCxnSpPr>
-            <a:stCxn id="7" idx="2"/>
-            <a:endCxn id="12" idx="1"/>
-          </p:cNvCxnSpPr>
-          <p:nvPr/>
-        </p:nvCxnSpPr>
-        <p:spPr>
-          <a:xfrm>
-            <a:off x="3519911" y="2648882"/>
-            <a:ext cx="3923255" cy="867368"/>
-          </a:xfrm>
-          <a:prstGeom prst="straightConnector1">
-            <a:avLst/>
-          </a:prstGeom>
-          <a:ln>
-            <a:tailEnd type="triangle"/>
-          </a:ln>
-        </p:spPr>
-        <p:style>
-          <a:lnRef idx="1">
-            <a:schemeClr val="accent1"/>
-          </a:lnRef>
-          <a:fillRef idx="0">
-            <a:schemeClr val="accent1"/>
-          </a:fillRef>
-          <a:effectRef idx="0">
-            <a:schemeClr val="accent1"/>
-          </a:effectRef>
-          <a:fontRef idx="minor">
-            <a:schemeClr val="tx1"/>
-          </a:fontRef>
-        </p:style>
-      </p:cxnSp>
-      <p:sp>
-        <p:nvSpPr>
-          <p:cNvPr id="25" name="文本框 24">
-            <a:extLst>
-              <a:ext uri="{FF2B5EF4-FFF2-40B4-BE49-F238E27FC236}">
-                <a16:creationId xmlns:a16="http://schemas.microsoft.com/office/drawing/2014/main" id="{CF6EE4CF-15F9-4DD1-873B-9F047D25F980}"/>
-              </a:ext>
-            </a:extLst>
-          </p:cNvPr>
-          <p:cNvSpPr txBox="1"/>
-          <p:nvPr/>
-        </p:nvSpPr>
-        <p:spPr>
-          <a:xfrm>
-            <a:off x="2850436" y="4630572"/>
-            <a:ext cx="1338950" cy="276999"/>
-          </a:xfrm>
-          <a:prstGeom prst="rect">
-            <a:avLst/>
-          </a:prstGeom>
-          <a:noFill/>
-          <a:ln>
-            <a:solidFill>
-              <a:schemeClr val="accent1"/>
-            </a:solidFill>
-          </a:ln>
-        </p:spPr>
-        <p:txBody>
-          <a:bodyPr wrap="square" rtlCol="0">
-            <a:spAutoFit/>
-          </a:bodyPr>
-          <a:lstStyle/>
-          <a:p>
-            <a:r>
-              <a:rPr lang="en-US" altLang="zh-CN" sz="1200" dirty="0"/>
-              <a:t>OS30</a:t>
-            </a:r>
-            <a:r>
-              <a:rPr lang="zh-CN" altLang="en-US" sz="1200" dirty="0"/>
-              <a:t>应用</a:t>
-            </a:r>
-            <a:r>
-              <a:rPr lang="en-US" altLang="zh-CN" sz="1200" dirty="0"/>
-              <a:t>B</a:t>
-            </a:r>
-            <a:r>
-              <a:rPr lang="zh-CN" altLang="en-US" sz="1200" dirty="0"/>
-              <a:t>节点</a:t>
-            </a:r>
-            <a:r>
-              <a:rPr lang="en-US" altLang="zh-CN" sz="1200" dirty="0"/>
-              <a:t>1</a:t>
-            </a:r>
-          </a:p>
-        </p:txBody>
-      </p:sp>
-      <p:sp>
-        <p:nvSpPr>
-          <p:cNvPr id="26" name="文本框 25">
-            <a:extLst>
-              <a:ext uri="{FF2B5EF4-FFF2-40B4-BE49-F238E27FC236}">
-                <a16:creationId xmlns:a16="http://schemas.microsoft.com/office/drawing/2014/main" id="{78DBE6AF-84EF-4666-B5A5-CD34FDFF1AC3}"/>
-              </a:ext>
-            </a:extLst>
-          </p:cNvPr>
-          <p:cNvSpPr txBox="1"/>
-          <p:nvPr/>
-        </p:nvSpPr>
-        <p:spPr>
-          <a:xfrm>
-            <a:off x="2847282" y="4990879"/>
-            <a:ext cx="1338950" cy="276999"/>
-          </a:xfrm>
-          <a:prstGeom prst="rect">
-            <a:avLst/>
-          </a:prstGeom>
-          <a:noFill/>
-          <a:ln>
-            <a:solidFill>
-              <a:schemeClr val="accent1"/>
-            </a:solidFill>
-          </a:ln>
-        </p:spPr>
-        <p:txBody>
-          <a:bodyPr wrap="square" rtlCol="0">
-            <a:spAutoFit/>
-          </a:bodyPr>
-          <a:lstStyle/>
-          <a:p>
-            <a:r>
-              <a:rPr lang="en-US" altLang="zh-CN" sz="1200" dirty="0"/>
-              <a:t>OS30</a:t>
-            </a:r>
-            <a:r>
-              <a:rPr lang="zh-CN" altLang="en-US" sz="1200" dirty="0"/>
-              <a:t>应用</a:t>
-            </a:r>
-            <a:r>
-              <a:rPr lang="en-US" altLang="zh-CN" sz="1200" dirty="0"/>
-              <a:t>B</a:t>
-            </a:r>
-            <a:r>
-              <a:rPr lang="zh-CN" altLang="en-US" sz="1200" dirty="0"/>
-              <a:t>节点</a:t>
-            </a:r>
-            <a:r>
-              <a:rPr lang="en-US" altLang="zh-CN" sz="1200" dirty="0"/>
-              <a:t>1</a:t>
-            </a:r>
-          </a:p>
-        </p:txBody>
-      </p:sp>
-      <p:sp>
-        <p:nvSpPr>
-          <p:cNvPr id="27" name="文本框 26">
-            <a:extLst>
-              <a:ext uri="{FF2B5EF4-FFF2-40B4-BE49-F238E27FC236}">
-                <a16:creationId xmlns:a16="http://schemas.microsoft.com/office/drawing/2014/main" id="{1E7FC0FD-4872-4048-A1FF-0FC0220C7DE9}"/>
-              </a:ext>
-            </a:extLst>
-          </p:cNvPr>
-          <p:cNvSpPr txBox="1"/>
-          <p:nvPr/>
-        </p:nvSpPr>
-        <p:spPr>
-          <a:xfrm>
-            <a:off x="7443166" y="4561323"/>
-            <a:ext cx="1338950" cy="276999"/>
-          </a:xfrm>
-          <a:prstGeom prst="rect">
-            <a:avLst/>
-          </a:prstGeom>
-          <a:noFill/>
-          <a:ln>
-            <a:solidFill>
-              <a:schemeClr val="accent1"/>
-            </a:solidFill>
-          </a:ln>
-        </p:spPr>
-        <p:txBody>
-          <a:bodyPr wrap="square" rtlCol="0">
-            <a:spAutoFit/>
-          </a:bodyPr>
-          <a:lstStyle/>
-          <a:p>
-            <a:r>
-              <a:rPr lang="en-US" altLang="zh-CN" sz="1200" dirty="0"/>
-              <a:t>SG52</a:t>
-            </a:r>
-            <a:r>
-              <a:rPr lang="zh-CN" altLang="en-US" sz="1200" dirty="0"/>
-              <a:t>应用</a:t>
-            </a:r>
-            <a:r>
-              <a:rPr lang="en-US" altLang="zh-CN" sz="1200" dirty="0"/>
-              <a:t>B</a:t>
-            </a:r>
-            <a:r>
-              <a:rPr lang="zh-CN" altLang="en-US" sz="1200" dirty="0"/>
-              <a:t>节点</a:t>
-            </a:r>
-            <a:r>
-              <a:rPr lang="en-US" altLang="zh-CN" sz="1200" dirty="0"/>
-              <a:t>3</a:t>
-            </a:r>
-          </a:p>
-        </p:txBody>
-      </p:sp>
-      <p:sp>
-        <p:nvSpPr>
-          <p:cNvPr id="28" name="文本框 27">
-            <a:extLst>
-              <a:ext uri="{FF2B5EF4-FFF2-40B4-BE49-F238E27FC236}">
-                <a16:creationId xmlns:a16="http://schemas.microsoft.com/office/drawing/2014/main" id="{92E26A39-05B4-4787-9653-8D0302079F7D}"/>
-              </a:ext>
-            </a:extLst>
-          </p:cNvPr>
-          <p:cNvSpPr txBox="1"/>
-          <p:nvPr/>
-        </p:nvSpPr>
-        <p:spPr>
-          <a:xfrm>
-            <a:off x="7443166" y="4921630"/>
-            <a:ext cx="1338950" cy="276999"/>
-          </a:xfrm>
-          <a:prstGeom prst="rect">
-            <a:avLst/>
-          </a:prstGeom>
-          <a:noFill/>
-          <a:ln>
-            <a:solidFill>
-              <a:schemeClr val="accent1"/>
-            </a:solidFill>
-          </a:ln>
-        </p:spPr>
-        <p:txBody>
-          <a:bodyPr wrap="square" rtlCol="0">
-            <a:spAutoFit/>
-          </a:bodyPr>
-          <a:lstStyle/>
-          <a:p>
-            <a:r>
-              <a:rPr lang="en-US" altLang="zh-CN" sz="1200" dirty="0"/>
-              <a:t>SG52</a:t>
-            </a:r>
-            <a:r>
-              <a:rPr lang="zh-CN" altLang="en-US" sz="1200" dirty="0"/>
-              <a:t>应用</a:t>
-            </a:r>
-            <a:r>
-              <a:rPr lang="en-US" altLang="zh-CN" sz="1200" dirty="0"/>
-              <a:t>B</a:t>
-            </a:r>
-            <a:r>
-              <a:rPr lang="zh-CN" altLang="en-US" sz="1200" dirty="0"/>
-              <a:t>节点</a:t>
-            </a:r>
-            <a:r>
-              <a:rPr lang="en-US" altLang="zh-CN" sz="1200" dirty="0"/>
-              <a:t>4</a:t>
-            </a:r>
-          </a:p>
-        </p:txBody>
-      </p:sp>
-      <p:sp>
-        <p:nvSpPr>
-          <p:cNvPr id="29" name="文本框 28">
-            <a:extLst>
-              <a:ext uri="{FF2B5EF4-FFF2-40B4-BE49-F238E27FC236}">
-                <a16:creationId xmlns:a16="http://schemas.microsoft.com/office/drawing/2014/main" id="{8AA42813-6614-486E-B48E-BEFDF9E784A7}"/>
-              </a:ext>
-            </a:extLst>
-          </p:cNvPr>
-          <p:cNvSpPr txBox="1"/>
-          <p:nvPr/>
-        </p:nvSpPr>
-        <p:spPr>
-          <a:xfrm>
-            <a:off x="4630606" y="5017540"/>
-            <a:ext cx="2518823" cy="461665"/>
-          </a:xfrm>
-          <a:prstGeom prst="rect">
-            <a:avLst/>
-          </a:prstGeom>
-          <a:noFill/>
-          <a:ln>
-            <a:solidFill>
-              <a:schemeClr val="accent1"/>
-            </a:solidFill>
-          </a:ln>
-        </p:spPr>
-        <p:txBody>
-          <a:bodyPr wrap="square" rtlCol="0">
-            <a:spAutoFit/>
-          </a:bodyPr>
-          <a:lstStyle/>
-          <a:p>
-            <a:r>
-              <a:rPr lang="en-US" altLang="zh-CN" sz="1200" dirty="0"/>
-              <a:t>configServer </a:t>
-            </a:r>
-            <a:r>
-              <a:rPr lang="zh-CN" altLang="en-US" sz="1200" dirty="0"/>
-              <a:t>跨机房注册</a:t>
-            </a:r>
-            <a:r>
-              <a:rPr lang="en-US" altLang="zh-CN" sz="1200" dirty="0"/>
-              <a:t> app-b</a:t>
-            </a:r>
-            <a:r>
-              <a:rPr lang="zh-CN" altLang="en-US" sz="1200" dirty="0"/>
-              <a:t>：</a:t>
-            </a:r>
-            <a:endParaRPr lang="en-US" altLang="zh-CN" sz="1200" dirty="0"/>
-          </a:p>
-          <a:p>
-            <a:r>
-              <a:rPr lang="zh-CN" altLang="en-US" sz="1200" dirty="0"/>
-              <a:t>节点</a:t>
-            </a:r>
-            <a:r>
-              <a:rPr lang="en-US" altLang="zh-CN" sz="1200" dirty="0"/>
-              <a:t>1</a:t>
-            </a:r>
-            <a:r>
-              <a:rPr lang="zh-CN" altLang="en-US" sz="1200" dirty="0"/>
-              <a:t>   节点</a:t>
-            </a:r>
-            <a:r>
-              <a:rPr lang="en-US" altLang="zh-CN" sz="1200" dirty="0"/>
-              <a:t>2   </a:t>
-            </a:r>
-            <a:r>
-              <a:rPr lang="zh-CN" altLang="en-US" sz="1200" dirty="0"/>
-              <a:t>节点</a:t>
-            </a:r>
-            <a:r>
-              <a:rPr lang="en-US" altLang="zh-CN" sz="1200" dirty="0"/>
-              <a:t>3     </a:t>
-            </a:r>
-            <a:r>
-              <a:rPr lang="zh-CN" altLang="en-US" sz="1200" dirty="0"/>
-              <a:t>节点</a:t>
-            </a:r>
-            <a:r>
-              <a:rPr lang="en-US" altLang="zh-CN" sz="1200" dirty="0"/>
-              <a:t>4</a:t>
-            </a:r>
-          </a:p>
-        </p:txBody>
-      </p:sp>
-      <p:sp>
-        <p:nvSpPr>
-          <p:cNvPr id="36" name="文本框 35">
-            <a:extLst>
-              <a:ext uri="{FF2B5EF4-FFF2-40B4-BE49-F238E27FC236}">
-                <a16:creationId xmlns:a16="http://schemas.microsoft.com/office/drawing/2014/main" id="{97CE3447-D7BB-4DE2-9790-81EB74563206}"/>
-              </a:ext>
-            </a:extLst>
-          </p:cNvPr>
-          <p:cNvSpPr txBox="1"/>
-          <p:nvPr/>
-        </p:nvSpPr>
-        <p:spPr>
-          <a:xfrm>
-            <a:off x="2386606" y="2086750"/>
-            <a:ext cx="921352" cy="276999"/>
-          </a:xfrm>
-          <a:prstGeom prst="rect">
-            <a:avLst/>
-          </a:prstGeom>
-          <a:noFill/>
-        </p:spPr>
-        <p:txBody>
-          <a:bodyPr wrap="square" rtlCol="0">
-            <a:spAutoFit/>
-          </a:bodyPr>
-          <a:lstStyle/>
-          <a:p>
-            <a:r>
-              <a:rPr lang="en-US" altLang="zh-CN" sz="1200" dirty="0"/>
-              <a:t>OS30</a:t>
-            </a:r>
-            <a:r>
-              <a:rPr lang="zh-CN" altLang="en-US" sz="1200" dirty="0"/>
-              <a:t>机房</a:t>
-            </a:r>
-          </a:p>
-        </p:txBody>
-      </p:sp>
-      <p:sp>
-        <p:nvSpPr>
-          <p:cNvPr id="40" name="文本框 39">
-            <a:extLst>
-              <a:ext uri="{FF2B5EF4-FFF2-40B4-BE49-F238E27FC236}">
-                <a16:creationId xmlns:a16="http://schemas.microsoft.com/office/drawing/2014/main" id="{188BD3F6-83C7-4E12-9981-CFB2BFF75FBC}"/>
-              </a:ext>
-            </a:extLst>
-          </p:cNvPr>
-          <p:cNvSpPr txBox="1"/>
-          <p:nvPr/>
-        </p:nvSpPr>
-        <p:spPr>
-          <a:xfrm>
-            <a:off x="1013999" y="1701171"/>
-            <a:ext cx="1605074" cy="276999"/>
-          </a:xfrm>
-          <a:prstGeom prst="rect">
-            <a:avLst/>
-          </a:prstGeom>
-          <a:noFill/>
-        </p:spPr>
-        <p:txBody>
-          <a:bodyPr wrap="square" rtlCol="0">
-            <a:spAutoFit/>
-          </a:bodyPr>
-          <a:lstStyle/>
-          <a:p>
-            <a:r>
-              <a:rPr lang="zh-CN" altLang="en-US" sz="1200" dirty="0"/>
-              <a:t>新加坡单元</a:t>
-            </a:r>
-          </a:p>
-        </p:txBody>
-      </p:sp>
-      <p:cxnSp>
-        <p:nvCxnSpPr>
-          <p:cNvPr id="43" name="直接箭头连接符 42">
-            <a:extLst>
-              <a:ext uri="{FF2B5EF4-FFF2-40B4-BE49-F238E27FC236}">
-                <a16:creationId xmlns:a16="http://schemas.microsoft.com/office/drawing/2014/main" id="{01BD03DD-C0B9-4535-B3FA-0CF1B13E86A8}"/>
-              </a:ext>
-            </a:extLst>
-          </p:cNvPr>
-          <p:cNvCxnSpPr/>
-          <p:nvPr/>
-        </p:nvCxnSpPr>
-        <p:spPr>
-          <a:xfrm>
-            <a:off x="969951" y="385313"/>
-            <a:ext cx="651815" cy="0"/>
-          </a:xfrm>
-          <a:prstGeom prst="straightConnector1">
-            <a:avLst/>
-          </a:prstGeom>
-          <a:ln>
-            <a:tailEnd type="triangle"/>
-          </a:ln>
-        </p:spPr>
-        <p:style>
-          <a:lnRef idx="1">
-            <a:schemeClr val="accent1"/>
-          </a:lnRef>
-          <a:fillRef idx="0">
-            <a:schemeClr val="accent1"/>
-          </a:fillRef>
-          <a:effectRef idx="0">
-            <a:schemeClr val="accent1"/>
-          </a:effectRef>
-          <a:fontRef idx="minor">
-            <a:schemeClr val="tx1"/>
-          </a:fontRef>
-        </p:style>
-      </p:cxnSp>
-      <p:sp>
-        <p:nvSpPr>
-          <p:cNvPr id="44" name="文本框 43">
-            <a:extLst>
-              <a:ext uri="{FF2B5EF4-FFF2-40B4-BE49-F238E27FC236}">
-                <a16:creationId xmlns:a16="http://schemas.microsoft.com/office/drawing/2014/main" id="{2FF2C28D-9F3D-4300-A8D4-71720EF18C32}"/>
-              </a:ext>
-            </a:extLst>
-          </p:cNvPr>
-          <p:cNvSpPr txBox="1"/>
-          <p:nvPr/>
-        </p:nvSpPr>
-        <p:spPr>
-          <a:xfrm>
-            <a:off x="1754038" y="243534"/>
-            <a:ext cx="902898" cy="276999"/>
-          </a:xfrm>
-          <a:prstGeom prst="rect">
-            <a:avLst/>
-          </a:prstGeom>
-          <a:noFill/>
-        </p:spPr>
-        <p:txBody>
-          <a:bodyPr wrap="square" rtlCol="0">
-            <a:spAutoFit/>
-          </a:bodyPr>
-          <a:lstStyle/>
-          <a:p>
-            <a:r>
-              <a:rPr lang="zh-CN" altLang="en-US" sz="1200" dirty="0"/>
-              <a:t>正常流量</a:t>
-            </a:r>
-          </a:p>
-        </p:txBody>
-      </p:sp>
-      <p:cxnSp>
-        <p:nvCxnSpPr>
-          <p:cNvPr id="46" name="直接箭头连接符 45">
-            <a:extLst>
-              <a:ext uri="{FF2B5EF4-FFF2-40B4-BE49-F238E27FC236}">
-                <a16:creationId xmlns:a16="http://schemas.microsoft.com/office/drawing/2014/main" id="{BD1955F4-6E0E-4556-9BC9-A88A8FC68E57}"/>
-              </a:ext>
-            </a:extLst>
-          </p:cNvPr>
-          <p:cNvCxnSpPr/>
-          <p:nvPr/>
-        </p:nvCxnSpPr>
-        <p:spPr>
-          <a:xfrm>
-            <a:off x="969951" y="822385"/>
-            <a:ext cx="651815" cy="0"/>
-          </a:xfrm>
-          <a:prstGeom prst="straightConnector1">
-            <a:avLst/>
-          </a:prstGeom>
-          <a:ln w="9525" cap="flat" cmpd="sng" algn="ctr">
-            <a:solidFill>
-              <a:schemeClr val="accent2"/>
-            </a:solidFill>
-            <a:prstDash val="solid"/>
-            <a:round/>
-            <a:headEnd type="none" w="med" len="med"/>
-            <a:tailEnd type="arrow" w="med" len="med"/>
-          </a:ln>
-        </p:spPr>
-        <p:style>
-          <a:lnRef idx="0">
-            <a:scrgbClr r="0" g="0" b="0"/>
-          </a:lnRef>
-          <a:fillRef idx="0">
-            <a:scrgbClr r="0" g="0" b="0"/>
-          </a:fillRef>
-          <a:effectRef idx="0">
-            <a:scrgbClr r="0" g="0" b="0"/>
-          </a:effectRef>
-          <a:fontRef idx="minor">
-            <a:schemeClr val="tx1"/>
-          </a:fontRef>
-        </p:style>
-      </p:cxnSp>
-      <p:sp>
-        <p:nvSpPr>
-          <p:cNvPr id="47" name="文本框 46">
-            <a:extLst>
-              <a:ext uri="{FF2B5EF4-FFF2-40B4-BE49-F238E27FC236}">
-                <a16:creationId xmlns:a16="http://schemas.microsoft.com/office/drawing/2014/main" id="{8AEAC16B-54A0-4311-980E-DF476462E5B9}"/>
-              </a:ext>
-            </a:extLst>
-          </p:cNvPr>
-          <p:cNvSpPr txBox="1"/>
-          <p:nvPr/>
-        </p:nvSpPr>
-        <p:spPr>
-          <a:xfrm>
-            <a:off x="1754038" y="672456"/>
-            <a:ext cx="902898" cy="276999"/>
-          </a:xfrm>
-          <a:prstGeom prst="rect">
-            <a:avLst/>
-          </a:prstGeom>
-          <a:noFill/>
-        </p:spPr>
-        <p:txBody>
-          <a:bodyPr wrap="square" rtlCol="0">
-            <a:spAutoFit/>
-          </a:bodyPr>
-          <a:lstStyle/>
-          <a:p>
-            <a:r>
-              <a:rPr lang="zh-CN" altLang="en-US" sz="1200" dirty="0"/>
-              <a:t>异步流量</a:t>
-            </a:r>
-          </a:p>
-        </p:txBody>
-      </p:sp>
-      <p:sp>
-        <p:nvSpPr>
-          <p:cNvPr id="48" name="文本框 47">
-            <a:extLst>
-              <a:ext uri="{FF2B5EF4-FFF2-40B4-BE49-F238E27FC236}">
-                <a16:creationId xmlns:a16="http://schemas.microsoft.com/office/drawing/2014/main" id="{F87FF4D2-7232-4291-B84D-1A99CFC812B7}"/>
-              </a:ext>
-            </a:extLst>
-          </p:cNvPr>
-          <p:cNvSpPr txBox="1"/>
-          <p:nvPr/>
-        </p:nvSpPr>
-        <p:spPr>
-          <a:xfrm>
-            <a:off x="2847282" y="3917777"/>
-            <a:ext cx="1338950" cy="276999"/>
-          </a:xfrm>
-          <a:prstGeom prst="rect">
-            <a:avLst/>
-          </a:prstGeom>
-          <a:noFill/>
-          <a:ln>
-            <a:solidFill>
-              <a:schemeClr val="accent1"/>
-            </a:solidFill>
-          </a:ln>
-        </p:spPr>
-        <p:txBody>
-          <a:bodyPr wrap="square" rtlCol="0">
-            <a:spAutoFit/>
-          </a:bodyPr>
-          <a:lstStyle/>
-          <a:p>
-            <a:r>
-              <a:rPr lang="en-US" altLang="zh-CN" sz="1200" dirty="0"/>
-              <a:t>OS30 metaQ</a:t>
-            </a:r>
-          </a:p>
-        </p:txBody>
-      </p:sp>
-      <p:sp>
-        <p:nvSpPr>
-          <p:cNvPr id="49" name="文本框 48">
-            <a:extLst>
-              <a:ext uri="{FF2B5EF4-FFF2-40B4-BE49-F238E27FC236}">
-                <a16:creationId xmlns:a16="http://schemas.microsoft.com/office/drawing/2014/main" id="{9932CB4E-F585-4556-8A18-FB29F566E08F}"/>
-              </a:ext>
-            </a:extLst>
-          </p:cNvPr>
-          <p:cNvSpPr txBox="1"/>
-          <p:nvPr/>
-        </p:nvSpPr>
-        <p:spPr>
-          <a:xfrm>
-            <a:off x="7450615" y="3931868"/>
-            <a:ext cx="1338950" cy="276999"/>
-          </a:xfrm>
-          <a:prstGeom prst="rect">
-            <a:avLst/>
-          </a:prstGeom>
-          <a:noFill/>
-          <a:ln>
-            <a:solidFill>
-              <a:schemeClr val="accent1"/>
-            </a:solidFill>
-          </a:ln>
-        </p:spPr>
-        <p:txBody>
-          <a:bodyPr wrap="square" rtlCol="0">
-            <a:spAutoFit/>
-          </a:bodyPr>
-          <a:lstStyle/>
-          <a:p>
-            <a:r>
-              <a:rPr lang="en-US" altLang="zh-CN" sz="1200" dirty="0"/>
-              <a:t>SG52 metaQ</a:t>
-            </a:r>
-          </a:p>
-        </p:txBody>
-      </p:sp>
-      <p:cxnSp>
-        <p:nvCxnSpPr>
-          <p:cNvPr id="51" name="直接箭头连接符 50">
-            <a:extLst>
-              <a:ext uri="{FF2B5EF4-FFF2-40B4-BE49-F238E27FC236}">
-                <a16:creationId xmlns:a16="http://schemas.microsoft.com/office/drawing/2014/main" id="{D42E32EC-FE85-4479-8325-DBCAE45D4875}"/>
-              </a:ext>
-            </a:extLst>
-          </p:cNvPr>
-          <p:cNvCxnSpPr>
-            <a:stCxn id="10" idx="2"/>
-            <a:endCxn id="48" idx="0"/>
-          </p:cNvCxnSpPr>
-          <p:nvPr/>
-        </p:nvCxnSpPr>
-        <p:spPr>
-          <a:xfrm flipH="1">
-            <a:off x="3516757" y="3621157"/>
-            <a:ext cx="3155" cy="296620"/>
-          </a:xfrm>
-          <a:prstGeom prst="straightConnector1">
-            <a:avLst/>
-          </a:prstGeom>
-          <a:ln w="9525" cap="flat" cmpd="sng" algn="ctr">
-            <a:solidFill>
-              <a:schemeClr val="accent2"/>
-            </a:solidFill>
-            <a:prstDash val="solid"/>
-            <a:round/>
-            <a:headEnd type="none" w="med" len="med"/>
-            <a:tailEnd type="arrow" w="med" len="med"/>
-          </a:ln>
-        </p:spPr>
-        <p:style>
-          <a:lnRef idx="0">
-            <a:scrgbClr r="0" g="0" b="0"/>
-          </a:lnRef>
-          <a:fillRef idx="0">
-            <a:scrgbClr r="0" g="0" b="0"/>
-          </a:fillRef>
-          <a:effectRef idx="0">
-            <a:scrgbClr r="0" g="0" b="0"/>
-          </a:effectRef>
-          <a:fontRef idx="minor">
-            <a:schemeClr val="tx1"/>
-          </a:fontRef>
-        </p:style>
-      </p:cxnSp>
-      <p:sp>
-        <p:nvSpPr>
-          <p:cNvPr id="54" name="文本框 53">
-            <a:extLst>
-              <a:ext uri="{FF2B5EF4-FFF2-40B4-BE49-F238E27FC236}">
-                <a16:creationId xmlns:a16="http://schemas.microsoft.com/office/drawing/2014/main" id="{04EC76CD-D8C1-484B-9892-0032D247886A}"/>
-              </a:ext>
-            </a:extLst>
-          </p:cNvPr>
-          <p:cNvSpPr txBox="1"/>
-          <p:nvPr/>
-        </p:nvSpPr>
-        <p:spPr>
-          <a:xfrm>
-            <a:off x="7773220" y="159150"/>
-            <a:ext cx="4256338" cy="1384995"/>
-          </a:xfrm>
-          <a:prstGeom prst="rect">
-            <a:avLst/>
-          </a:prstGeom>
-          <a:noFill/>
-        </p:spPr>
-        <p:txBody>
-          <a:bodyPr wrap="square" rtlCol="0">
-            <a:spAutoFit/>
-          </a:bodyPr>
-          <a:lstStyle/>
-          <a:p>
-            <a:r>
-              <a:rPr lang="zh-CN" altLang="en-US" sz="1200" dirty="0"/>
-              <a:t>备注：</a:t>
-            </a:r>
-            <a:endParaRPr lang="en-US" altLang="zh-CN" sz="1200" dirty="0"/>
-          </a:p>
-          <a:p>
-            <a:r>
-              <a:rPr lang="en-US" altLang="zh-CN" sz="1200" dirty="0"/>
-              <a:t>Aserver</a:t>
-            </a:r>
-            <a:r>
-              <a:rPr lang="zh-CN" altLang="en-US" sz="1200" dirty="0"/>
-              <a:t>调度识别单元不识别机房，因此</a:t>
-            </a:r>
-            <a:r>
-              <a:rPr lang="en-US" altLang="zh-CN" sz="1200" dirty="0" err="1"/>
-              <a:t>vipserver</a:t>
-            </a:r>
-            <a:r>
-              <a:rPr lang="en-US" altLang="zh-CN" sz="1200" dirty="0"/>
-              <a:t> key</a:t>
-            </a:r>
-            <a:r>
-              <a:rPr lang="zh-CN" altLang="en-US" sz="1200" dirty="0"/>
-              <a:t>多机房挂载同一个</a:t>
-            </a:r>
-            <a:r>
-              <a:rPr lang="en-US" altLang="zh-CN" sz="1200" dirty="0"/>
-              <a:t>key</a:t>
-            </a:r>
-            <a:r>
-              <a:rPr lang="zh-CN" altLang="en-US" sz="1200" dirty="0"/>
-              <a:t>上可以进行机房间的负载均衡。</a:t>
-            </a:r>
-            <a:endParaRPr lang="en-US" altLang="zh-CN" sz="1200" dirty="0"/>
-          </a:p>
-          <a:p>
-            <a:r>
-              <a:rPr lang="zh-CN" altLang="en-US" sz="1200" dirty="0"/>
-              <a:t>而</a:t>
-            </a:r>
-            <a:r>
-              <a:rPr lang="en-US" altLang="zh-CN" sz="1200" dirty="0"/>
-              <a:t>HSF</a:t>
-            </a:r>
-            <a:r>
-              <a:rPr lang="zh-CN" altLang="en-US" sz="1200" dirty="0"/>
-              <a:t>也可以以单元的粒度进行配置，配置为</a:t>
-            </a:r>
-            <a:r>
-              <a:rPr lang="en-US" altLang="zh-CN" sz="1200" dirty="0"/>
-              <a:t>center</a:t>
-            </a:r>
-            <a:r>
-              <a:rPr lang="zh-CN" altLang="en-US" sz="1200" dirty="0"/>
-              <a:t>模式，即可自主在不同机房间进行负载均衡。</a:t>
-            </a:r>
-            <a:endParaRPr lang="en-US" altLang="zh-CN" sz="1200" dirty="0"/>
-          </a:p>
-          <a:p>
-            <a:r>
-              <a:rPr lang="zh-CN" altLang="en-US" sz="1200" dirty="0"/>
-              <a:t>异步消息也是以单元为基础，同单元不同机房可能会出现跨机房的流量投递和消费</a:t>
-            </a:r>
-          </a:p>
-        </p:txBody>
-      </p:sp>
-      <p:sp>
-        <p:nvSpPr>
-          <p:cNvPr id="52" name="矩形 51">
-            <a:extLst>
-              <a:ext uri="{FF2B5EF4-FFF2-40B4-BE49-F238E27FC236}">
-                <a16:creationId xmlns:a16="http://schemas.microsoft.com/office/drawing/2014/main" id="{C00B2E5B-D0E6-446D-9252-9EC99353E5BC}"/>
-              </a:ext>
-            </a:extLst>
-          </p:cNvPr>
-          <p:cNvSpPr/>
-          <p:nvPr/>
-        </p:nvSpPr>
-        <p:spPr>
-          <a:xfrm>
-            <a:off x="3128513" y="5963728"/>
-            <a:ext cx="4508740" cy="857962"/>
-          </a:xfrm>
-          <a:prstGeom prst="rect">
-            <a:avLst/>
-          </a:prstGeom>
-        </p:spPr>
-        <p:style>
-          <a:lnRef idx="2">
-            <a:schemeClr val="accent6"/>
-          </a:lnRef>
-          <a:fillRef idx="1">
-            <a:schemeClr val="lt1"/>
-          </a:fillRef>
-          <a:effectRef idx="0">
-            <a:schemeClr val="accent6"/>
-          </a:effectRef>
-          <a:fontRef idx="minor">
-            <a:schemeClr val="dk1"/>
-          </a:fontRef>
-        </p:style>
-        <p:txBody>
-          <a:bodyPr rtlCol="0" anchor="ctr"/>
-          <a:lstStyle/>
-          <a:p>
-            <a:pPr algn="ctr"/>
-            <a:endParaRPr lang="zh-CN" altLang="en-US"/>
-          </a:p>
-        </p:txBody>
-      </p:sp>
-      <p:sp>
-        <p:nvSpPr>
-          <p:cNvPr id="55" name="矩形 54">
-            <a:extLst>
-              <a:ext uri="{FF2B5EF4-FFF2-40B4-BE49-F238E27FC236}">
-                <a16:creationId xmlns:a16="http://schemas.microsoft.com/office/drawing/2014/main" id="{EBF46A08-5A58-40AD-8870-D581FE82C666}"/>
-              </a:ext>
-            </a:extLst>
-          </p:cNvPr>
-          <p:cNvSpPr/>
-          <p:nvPr/>
-        </p:nvSpPr>
-        <p:spPr>
-          <a:xfrm>
-            <a:off x="3476205" y="6088001"/>
-            <a:ext cx="1805795" cy="247289"/>
-          </a:xfrm>
-          <a:prstGeom prst="rect">
-            <a:avLst/>
-          </a:prstGeom>
-        </p:spPr>
-        <p:style>
-          <a:lnRef idx="2">
-            <a:schemeClr val="accent6"/>
-          </a:lnRef>
-          <a:fillRef idx="1">
-            <a:schemeClr val="lt1"/>
-          </a:fillRef>
-          <a:effectRef idx="0">
-            <a:schemeClr val="accent6"/>
-          </a:effectRef>
-          <a:fontRef idx="minor">
-            <a:schemeClr val="dk1"/>
-          </a:fontRef>
-        </p:style>
-        <p:txBody>
-          <a:bodyPr rtlCol="0" anchor="ctr"/>
-          <a:lstStyle/>
-          <a:p>
-            <a:pPr algn="ctr"/>
-            <a:r>
-              <a:rPr lang="en-US" altLang="zh-CN" sz="1200" dirty="0"/>
-              <a:t>DB leader in OS30</a:t>
-            </a:r>
-          </a:p>
-        </p:txBody>
-      </p:sp>
-      <p:sp>
-        <p:nvSpPr>
-          <p:cNvPr id="56" name="矩形 55">
-            <a:extLst>
-              <a:ext uri="{FF2B5EF4-FFF2-40B4-BE49-F238E27FC236}">
-                <a16:creationId xmlns:a16="http://schemas.microsoft.com/office/drawing/2014/main" id="{6D13D2E2-EDBB-4908-8C33-E02CCA22E7B1}"/>
-              </a:ext>
-            </a:extLst>
-          </p:cNvPr>
-          <p:cNvSpPr/>
-          <p:nvPr/>
-        </p:nvSpPr>
-        <p:spPr>
-          <a:xfrm>
-            <a:off x="5604825" y="6119193"/>
-            <a:ext cx="1805795" cy="247289"/>
-          </a:xfrm>
-          <a:prstGeom prst="rect">
-            <a:avLst/>
-          </a:prstGeom>
-        </p:spPr>
-        <p:style>
-          <a:lnRef idx="2">
-            <a:schemeClr val="accent6"/>
-          </a:lnRef>
-          <a:fillRef idx="1">
-            <a:schemeClr val="lt1"/>
-          </a:fillRef>
-          <a:effectRef idx="0">
-            <a:schemeClr val="accent6"/>
-          </a:effectRef>
-          <a:fontRef idx="minor">
-            <a:schemeClr val="dk1"/>
-          </a:fontRef>
-        </p:style>
-        <p:txBody>
-          <a:bodyPr rtlCol="0" anchor="ctr"/>
-          <a:lstStyle/>
-          <a:p>
-            <a:pPr algn="ctr"/>
-            <a:r>
-              <a:rPr lang="en-US" altLang="zh-CN" sz="1200" dirty="0"/>
-              <a:t>DB follow in SG52</a:t>
-            </a:r>
-          </a:p>
-        </p:txBody>
-      </p:sp>
-      <p:sp>
-        <p:nvSpPr>
-          <p:cNvPr id="57" name="矩形 56">
-            <a:extLst>
-              <a:ext uri="{FF2B5EF4-FFF2-40B4-BE49-F238E27FC236}">
-                <a16:creationId xmlns:a16="http://schemas.microsoft.com/office/drawing/2014/main" id="{1202CBE6-68DC-4F03-80E9-DBF7F4ACEFC1}"/>
-              </a:ext>
-            </a:extLst>
-          </p:cNvPr>
-          <p:cNvSpPr/>
-          <p:nvPr/>
-        </p:nvSpPr>
-        <p:spPr>
-          <a:xfrm>
-            <a:off x="4434673" y="6490821"/>
-            <a:ext cx="1805795" cy="247289"/>
-          </a:xfrm>
-          <a:prstGeom prst="rect">
-            <a:avLst/>
-          </a:prstGeom>
-        </p:spPr>
-        <p:style>
-          <a:lnRef idx="2">
-            <a:schemeClr val="accent6"/>
-          </a:lnRef>
-          <a:fillRef idx="1">
-            <a:schemeClr val="lt1"/>
-          </a:fillRef>
-          <a:effectRef idx="0">
-            <a:schemeClr val="accent6"/>
-          </a:effectRef>
-          <a:fontRef idx="minor">
-            <a:schemeClr val="dk1"/>
-          </a:fontRef>
-        </p:style>
-        <p:txBody>
-          <a:bodyPr rtlCol="0" anchor="ctr"/>
-          <a:lstStyle/>
-          <a:p>
-            <a:pPr algn="ctr"/>
-            <a:r>
-              <a:rPr lang="en-US" altLang="zh-CN" sz="1200" dirty="0"/>
-              <a:t>DB </a:t>
-            </a:r>
-            <a:r>
-              <a:rPr lang="en-US" altLang="zh-CN" sz="1200" dirty="0" err="1"/>
-              <a:t>binlong</a:t>
-            </a:r>
-            <a:r>
-              <a:rPr lang="en-US" altLang="zh-CN" sz="1200" dirty="0"/>
-              <a:t> in SG113</a:t>
-            </a:r>
-          </a:p>
-        </p:txBody>
-      </p:sp>
-      <p:cxnSp>
-        <p:nvCxnSpPr>
-          <p:cNvPr id="23" name="直接箭头连接符 22">
-            <a:extLst>
-              <a:ext uri="{FF2B5EF4-FFF2-40B4-BE49-F238E27FC236}">
-                <a16:creationId xmlns:a16="http://schemas.microsoft.com/office/drawing/2014/main" id="{175BA767-8ED6-45CF-83EF-053DE1A2CEAD}"/>
-              </a:ext>
-            </a:extLst>
-          </p:cNvPr>
-          <p:cNvCxnSpPr>
-            <a:stCxn id="12" idx="1"/>
-          </p:cNvCxnSpPr>
-          <p:nvPr/>
-        </p:nvCxnSpPr>
-        <p:spPr>
-          <a:xfrm flipH="1">
-            <a:off x="4186232" y="3516250"/>
-            <a:ext cx="3256934" cy="1613128"/>
-          </a:xfrm>
-          <a:prstGeom prst="straightConnector1">
-            <a:avLst/>
-          </a:prstGeom>
-          <a:ln>
-            <a:tailEnd type="triangle"/>
-          </a:ln>
-        </p:spPr>
-        <p:style>
-          <a:lnRef idx="1">
-            <a:schemeClr val="accent1"/>
-          </a:lnRef>
-          <a:fillRef idx="0">
-            <a:schemeClr val="accent1"/>
-          </a:fillRef>
-          <a:effectRef idx="0">
-            <a:schemeClr val="accent1"/>
-          </a:effectRef>
-          <a:fontRef idx="minor">
-            <a:schemeClr val="tx1"/>
-          </a:fontRef>
-        </p:style>
-      </p:cxnSp>
-      <p:cxnSp>
-        <p:nvCxnSpPr>
-          <p:cNvPr id="32" name="直接箭头连接符 31">
-            <a:extLst>
-              <a:ext uri="{FF2B5EF4-FFF2-40B4-BE49-F238E27FC236}">
-                <a16:creationId xmlns:a16="http://schemas.microsoft.com/office/drawing/2014/main" id="{BCC0DE57-D231-4EB0-BDE8-2BD28A58923B}"/>
-              </a:ext>
-            </a:extLst>
-          </p:cNvPr>
-          <p:cNvCxnSpPr>
-            <a:cxnSpLocks/>
-            <a:stCxn id="28" idx="1"/>
-            <a:endCxn id="48" idx="3"/>
-          </p:cNvCxnSpPr>
-          <p:nvPr/>
-        </p:nvCxnSpPr>
-        <p:spPr>
-          <a:xfrm flipH="1" flipV="1">
-            <a:off x="4186232" y="4056277"/>
-            <a:ext cx="3256934" cy="1003853"/>
-          </a:xfrm>
-          <a:prstGeom prst="straightConnector1">
-            <a:avLst/>
-          </a:prstGeom>
-          <a:ln w="9525" cap="flat" cmpd="sng" algn="ctr">
-            <a:solidFill>
-              <a:schemeClr val="accent2"/>
-            </a:solidFill>
-            <a:prstDash val="solid"/>
-            <a:round/>
-            <a:headEnd type="none" w="med" len="med"/>
-            <a:tailEnd type="arrow" w="med" len="med"/>
-          </a:ln>
-        </p:spPr>
-        <p:style>
-          <a:lnRef idx="0">
-            <a:scrgbClr r="0" g="0" b="0"/>
-          </a:lnRef>
-          <a:fillRef idx="0">
-            <a:scrgbClr r="0" g="0" b="0"/>
-          </a:fillRef>
-          <a:effectRef idx="0">
-            <a:scrgbClr r="0" g="0" b="0"/>
-          </a:effectRef>
-          <a:fontRef idx="minor">
-            <a:schemeClr val="tx1"/>
-          </a:fontRef>
-        </p:style>
-      </p:cxnSp>
-      <p:cxnSp>
-        <p:nvCxnSpPr>
-          <p:cNvPr id="58" name="直接箭头连接符 57">
-            <a:extLst>
-              <a:ext uri="{FF2B5EF4-FFF2-40B4-BE49-F238E27FC236}">
-                <a16:creationId xmlns:a16="http://schemas.microsoft.com/office/drawing/2014/main" id="{C41AE5DC-81AF-49BE-A195-C72C86A9FEF5}"/>
-              </a:ext>
-            </a:extLst>
-          </p:cNvPr>
-          <p:cNvCxnSpPr>
-            <a:stCxn id="26" idx="2"/>
-            <a:endCxn id="52" idx="0"/>
-          </p:cNvCxnSpPr>
-          <p:nvPr/>
-        </p:nvCxnSpPr>
-        <p:spPr>
-          <a:xfrm>
-            <a:off x="3516757" y="5267878"/>
-            <a:ext cx="1866126" cy="695850"/>
-          </a:xfrm>
-          <a:prstGeom prst="straightConnector1">
-            <a:avLst/>
-          </a:prstGeom>
-          <a:ln>
-            <a:tailEnd type="triangle"/>
-          </a:ln>
-        </p:spPr>
-        <p:style>
-          <a:lnRef idx="1">
-            <a:schemeClr val="accent1"/>
-          </a:lnRef>
-          <a:fillRef idx="0">
-            <a:schemeClr val="accent1"/>
-          </a:fillRef>
-          <a:effectRef idx="0">
-            <a:schemeClr val="accent1"/>
-          </a:effectRef>
-          <a:fontRef idx="minor">
-            <a:schemeClr val="tx1"/>
-          </a:fontRef>
-        </p:style>
-      </p:cxnSp>
-      <p:cxnSp>
-        <p:nvCxnSpPr>
-          <p:cNvPr id="60" name="直接箭头连接符 59">
-            <a:extLst>
-              <a:ext uri="{FF2B5EF4-FFF2-40B4-BE49-F238E27FC236}">
-                <a16:creationId xmlns:a16="http://schemas.microsoft.com/office/drawing/2014/main" id="{25966F3D-441B-4B6F-8C35-BA32353A89EA}"/>
-              </a:ext>
-            </a:extLst>
-          </p:cNvPr>
-          <p:cNvCxnSpPr>
-            <a:stCxn id="28" idx="2"/>
-            <a:endCxn id="52" idx="0"/>
-          </p:cNvCxnSpPr>
-          <p:nvPr/>
-        </p:nvCxnSpPr>
-        <p:spPr>
-          <a:xfrm flipH="1">
-            <a:off x="5382883" y="5198629"/>
-            <a:ext cx="2729758" cy="765099"/>
-          </a:xfrm>
-          <a:prstGeom prst="straightConnector1">
-            <a:avLst/>
-          </a:prstGeom>
-          <a:ln w="9525" cap="flat" cmpd="sng" algn="ctr">
-            <a:solidFill>
-              <a:schemeClr val="accent2"/>
-            </a:solidFill>
-            <a:prstDash val="solid"/>
-            <a:round/>
-            <a:headEnd type="none" w="med" len="med"/>
-            <a:tailEnd type="arrow" w="med" len="med"/>
-          </a:ln>
-        </p:spPr>
-        <p:style>
-          <a:lnRef idx="0">
-            <a:scrgbClr r="0" g="0" b="0"/>
-          </a:lnRef>
-          <a:fillRef idx="0">
-            <a:scrgbClr r="0" g="0" b="0"/>
-          </a:fillRef>
-          <a:effectRef idx="0">
-            <a:scrgbClr r="0" g="0" b="0"/>
-          </a:effectRef>
-          <a:fontRef idx="minor">
-            <a:schemeClr val="tx1"/>
-          </a:fontRef>
-        </p:style>
-      </p:cxnSp>
+              <a:rPr lang="zh-CN" altLang="en-US" sz="1200" dirty="0"/>
+              <a:t>主备节点挂，单一节点无法选主</a:t>
+            </a:r>
+          </a:p>
+        </p:txBody>
+      </p:sp>
     </p:spTree>
     <p:extLst>
       <p:ext uri="{BB962C8B-B14F-4D97-AF65-F5344CB8AC3E}">
-        <p14:creationId xmlns:p14="http://schemas.microsoft.com/office/powerpoint/2010/main" val="1694452982"/>
+        <p14:creationId xmlns:p14="http://schemas.microsoft.com/office/powerpoint/2010/main" val="1258577624"/>
       </p:ext>
     </p:extLst>
   </p:cSld>
@@ -12234,6 +11477,2096 @@
       </p:grpSpPr>
       <p:sp>
         <p:nvSpPr>
+          <p:cNvPr id="39" name="矩形 38">
+            <a:extLst>
+              <a:ext uri="{FF2B5EF4-FFF2-40B4-BE49-F238E27FC236}">
+                <a16:creationId xmlns:a16="http://schemas.microsoft.com/office/drawing/2014/main" id="{51DDEB4C-CC56-4F92-B485-53EEC3E4182A}"/>
+              </a:ext>
+            </a:extLst>
+          </p:cNvPr>
+          <p:cNvSpPr/>
+          <p:nvPr/>
+        </p:nvSpPr>
+        <p:spPr>
+          <a:xfrm>
+            <a:off x="969951" y="1636036"/>
+            <a:ext cx="8839200" cy="4241273"/>
+          </a:xfrm>
+          <a:prstGeom prst="rect">
+            <a:avLst/>
+          </a:prstGeom>
+        </p:spPr>
+        <p:style>
+          <a:lnRef idx="2">
+            <a:schemeClr val="accent6"/>
+          </a:lnRef>
+          <a:fillRef idx="1">
+            <a:schemeClr val="lt1"/>
+          </a:fillRef>
+          <a:effectRef idx="0">
+            <a:schemeClr val="accent6"/>
+          </a:effectRef>
+          <a:fontRef idx="minor">
+            <a:schemeClr val="dk1"/>
+          </a:fontRef>
+        </p:style>
+        <p:txBody>
+          <a:bodyPr rtlCol="0" anchor="ctr"/>
+          <a:lstStyle/>
+          <a:p>
+            <a:pPr algn="ctr"/>
+            <a:endParaRPr lang="zh-CN" altLang="en-US"/>
+          </a:p>
+        </p:txBody>
+      </p:sp>
+      <p:sp>
+        <p:nvSpPr>
+          <p:cNvPr id="37" name="矩形 36">
+            <a:extLst>
+              <a:ext uri="{FF2B5EF4-FFF2-40B4-BE49-F238E27FC236}">
+                <a16:creationId xmlns:a16="http://schemas.microsoft.com/office/drawing/2014/main" id="{3A9B01A6-2DD5-4E4B-938F-250950B199DD}"/>
+              </a:ext>
+            </a:extLst>
+          </p:cNvPr>
+          <p:cNvSpPr/>
+          <p:nvPr/>
+        </p:nvSpPr>
+        <p:spPr>
+          <a:xfrm>
+            <a:off x="7301125" y="2006925"/>
+            <a:ext cx="2070339" cy="3593455"/>
+          </a:xfrm>
+          <a:prstGeom prst="rect">
+            <a:avLst/>
+          </a:prstGeom>
+        </p:spPr>
+        <p:style>
+          <a:lnRef idx="2">
+            <a:schemeClr val="accent6"/>
+          </a:lnRef>
+          <a:fillRef idx="1">
+            <a:schemeClr val="lt1"/>
+          </a:fillRef>
+          <a:effectRef idx="0">
+            <a:schemeClr val="accent6"/>
+          </a:effectRef>
+          <a:fontRef idx="minor">
+            <a:schemeClr val="dk1"/>
+          </a:fontRef>
+        </p:style>
+        <p:txBody>
+          <a:bodyPr rtlCol="0" anchor="ctr"/>
+          <a:lstStyle/>
+          <a:p>
+            <a:pPr algn="ctr"/>
+            <a:endParaRPr lang="zh-CN" altLang="en-US" dirty="0"/>
+          </a:p>
+        </p:txBody>
+      </p:sp>
+      <p:sp>
+        <p:nvSpPr>
+          <p:cNvPr id="38" name="文本框 37">
+            <a:extLst>
+              <a:ext uri="{FF2B5EF4-FFF2-40B4-BE49-F238E27FC236}">
+                <a16:creationId xmlns:a16="http://schemas.microsoft.com/office/drawing/2014/main" id="{5FB872FC-F924-4B48-9EA6-8E5704E6821B}"/>
+              </a:ext>
+            </a:extLst>
+          </p:cNvPr>
+          <p:cNvSpPr txBox="1"/>
+          <p:nvPr/>
+        </p:nvSpPr>
+        <p:spPr>
+          <a:xfrm>
+            <a:off x="7356592" y="2070379"/>
+            <a:ext cx="921352" cy="276999"/>
+          </a:xfrm>
+          <a:prstGeom prst="rect">
+            <a:avLst/>
+          </a:prstGeom>
+          <a:noFill/>
+        </p:spPr>
+        <p:txBody>
+          <a:bodyPr wrap="square" rtlCol="0">
+            <a:spAutoFit/>
+          </a:bodyPr>
+          <a:lstStyle/>
+          <a:p>
+            <a:r>
+              <a:rPr lang="en-US" altLang="zh-CN" sz="1200" dirty="0"/>
+              <a:t>SG5</a:t>
+            </a:r>
+            <a:r>
+              <a:rPr lang="zh-CN" altLang="en-US" sz="1200" dirty="0"/>
+              <a:t>机房</a:t>
+            </a:r>
+          </a:p>
+        </p:txBody>
+      </p:sp>
+      <p:sp>
+        <p:nvSpPr>
+          <p:cNvPr id="35" name="矩形 34">
+            <a:extLst>
+              <a:ext uri="{FF2B5EF4-FFF2-40B4-BE49-F238E27FC236}">
+                <a16:creationId xmlns:a16="http://schemas.microsoft.com/office/drawing/2014/main" id="{D4A674F5-621C-4B92-A85C-C9DECC8B4210}"/>
+              </a:ext>
+            </a:extLst>
+          </p:cNvPr>
+          <p:cNvSpPr/>
+          <p:nvPr/>
+        </p:nvSpPr>
+        <p:spPr>
+          <a:xfrm>
+            <a:off x="2309920" y="2006925"/>
+            <a:ext cx="2070339" cy="3594339"/>
+          </a:xfrm>
+          <a:prstGeom prst="rect">
+            <a:avLst/>
+          </a:prstGeom>
+        </p:spPr>
+        <p:style>
+          <a:lnRef idx="2">
+            <a:schemeClr val="accent6"/>
+          </a:lnRef>
+          <a:fillRef idx="1">
+            <a:schemeClr val="lt1"/>
+          </a:fillRef>
+          <a:effectRef idx="0">
+            <a:schemeClr val="accent6"/>
+          </a:effectRef>
+          <a:fontRef idx="minor">
+            <a:schemeClr val="dk1"/>
+          </a:fontRef>
+        </p:style>
+        <p:txBody>
+          <a:bodyPr rtlCol="0" anchor="ctr"/>
+          <a:lstStyle/>
+          <a:p>
+            <a:pPr algn="ctr"/>
+            <a:endParaRPr lang="zh-CN" altLang="en-US" dirty="0"/>
+          </a:p>
+        </p:txBody>
+      </p:sp>
+      <p:sp>
+        <p:nvSpPr>
+          <p:cNvPr id="4" name="笑脸 3">
+            <a:extLst>
+              <a:ext uri="{FF2B5EF4-FFF2-40B4-BE49-F238E27FC236}">
+                <a16:creationId xmlns:a16="http://schemas.microsoft.com/office/drawing/2014/main" id="{1D10A485-66F8-477D-8C9E-22EC928622C0}"/>
+              </a:ext>
+            </a:extLst>
+          </p:cNvPr>
+          <p:cNvSpPr/>
+          <p:nvPr/>
+        </p:nvSpPr>
+        <p:spPr>
+          <a:xfrm>
+            <a:off x="5510098" y="130062"/>
+            <a:ext cx="585902" cy="327054"/>
+          </a:xfrm>
+          <a:prstGeom prst="smileyFace">
+            <a:avLst/>
+          </a:prstGeom>
+        </p:spPr>
+        <p:style>
+          <a:lnRef idx="2">
+            <a:schemeClr val="accent6"/>
+          </a:lnRef>
+          <a:fillRef idx="1">
+            <a:schemeClr val="lt1"/>
+          </a:fillRef>
+          <a:effectRef idx="0">
+            <a:schemeClr val="accent6"/>
+          </a:effectRef>
+          <a:fontRef idx="minor">
+            <a:schemeClr val="dk1"/>
+          </a:fontRef>
+        </p:style>
+        <p:txBody>
+          <a:bodyPr rtlCol="0" anchor="ctr"/>
+          <a:lstStyle/>
+          <a:p>
+            <a:pPr algn="ctr"/>
+            <a:endParaRPr lang="zh-CN" altLang="en-US"/>
+          </a:p>
+        </p:txBody>
+      </p:sp>
+      <p:sp>
+        <p:nvSpPr>
+          <p:cNvPr id="5" name="文本框 4">
+            <a:extLst>
+              <a:ext uri="{FF2B5EF4-FFF2-40B4-BE49-F238E27FC236}">
+                <a16:creationId xmlns:a16="http://schemas.microsoft.com/office/drawing/2014/main" id="{E25C409C-C599-49F7-81AF-355E8C68184F}"/>
+              </a:ext>
+            </a:extLst>
+          </p:cNvPr>
+          <p:cNvSpPr txBox="1"/>
+          <p:nvPr/>
+        </p:nvSpPr>
+        <p:spPr>
+          <a:xfrm>
+            <a:off x="5041396" y="549007"/>
+            <a:ext cx="1460740" cy="276999"/>
+          </a:xfrm>
+          <a:prstGeom prst="rect">
+            <a:avLst/>
+          </a:prstGeom>
+          <a:noFill/>
+          <a:ln>
+            <a:solidFill>
+              <a:schemeClr val="accent1"/>
+            </a:solidFill>
+          </a:ln>
+        </p:spPr>
+        <p:txBody>
+          <a:bodyPr wrap="square" rtlCol="0">
+            <a:spAutoFit/>
+          </a:bodyPr>
+          <a:lstStyle/>
+          <a:p>
+            <a:r>
+              <a:rPr lang="zh-CN" altLang="en-US" sz="1200" dirty="0"/>
+              <a:t>请求</a:t>
+            </a:r>
+            <a:r>
+              <a:rPr lang="en-US" altLang="zh-CN" sz="1200" dirty="0"/>
+              <a:t>www.aaa.com</a:t>
+            </a:r>
+            <a:endParaRPr lang="zh-CN" altLang="en-US" sz="1200" dirty="0"/>
+          </a:p>
+        </p:txBody>
+      </p:sp>
+      <p:sp>
+        <p:nvSpPr>
+          <p:cNvPr id="6" name="文本框 5">
+            <a:extLst>
+              <a:ext uri="{FF2B5EF4-FFF2-40B4-BE49-F238E27FC236}">
+                <a16:creationId xmlns:a16="http://schemas.microsoft.com/office/drawing/2014/main" id="{23DE99EB-DD92-4C77-8DBE-23396BAD83B9}"/>
+              </a:ext>
+            </a:extLst>
+          </p:cNvPr>
+          <p:cNvSpPr txBox="1"/>
+          <p:nvPr/>
+        </p:nvSpPr>
+        <p:spPr>
+          <a:xfrm>
+            <a:off x="4544495" y="1062743"/>
+            <a:ext cx="2457369" cy="276999"/>
+          </a:xfrm>
+          <a:prstGeom prst="rect">
+            <a:avLst/>
+          </a:prstGeom>
+          <a:noFill/>
+          <a:ln>
+            <a:solidFill>
+              <a:schemeClr val="accent1"/>
+            </a:solidFill>
+          </a:ln>
+        </p:spPr>
+        <p:txBody>
+          <a:bodyPr wrap="square" rtlCol="0">
+            <a:spAutoFit/>
+          </a:bodyPr>
+          <a:lstStyle/>
+          <a:p>
+            <a:r>
+              <a:rPr lang="zh-CN" altLang="en-US" sz="1200" dirty="0"/>
+              <a:t>解析到</a:t>
+            </a:r>
+            <a:r>
+              <a:rPr lang="en-US" altLang="zh-CN" sz="1200" dirty="0"/>
+              <a:t>base</a:t>
+            </a:r>
+            <a:r>
+              <a:rPr lang="zh-CN" altLang="en-US" sz="1200" dirty="0"/>
+              <a:t>域名</a:t>
+            </a:r>
+            <a:r>
+              <a:rPr lang="en-US" altLang="zh-CN" sz="1200" dirty="0"/>
+              <a:t>www.aaadns.com</a:t>
+            </a:r>
+            <a:endParaRPr lang="zh-CN" altLang="en-US" sz="1200" dirty="0"/>
+          </a:p>
+        </p:txBody>
+      </p:sp>
+      <p:sp>
+        <p:nvSpPr>
+          <p:cNvPr id="7" name="文本框 6">
+            <a:extLst>
+              <a:ext uri="{FF2B5EF4-FFF2-40B4-BE49-F238E27FC236}">
+                <a16:creationId xmlns:a16="http://schemas.microsoft.com/office/drawing/2014/main" id="{7F4DE25D-3378-4829-9E89-1C17AEF5F1C9}"/>
+              </a:ext>
+            </a:extLst>
+          </p:cNvPr>
+          <p:cNvSpPr txBox="1"/>
+          <p:nvPr/>
+        </p:nvSpPr>
+        <p:spPr>
+          <a:xfrm>
+            <a:off x="2850436" y="2370658"/>
+            <a:ext cx="1338950" cy="278224"/>
+          </a:xfrm>
+          <a:prstGeom prst="rect">
+            <a:avLst/>
+          </a:prstGeom>
+          <a:noFill/>
+          <a:ln>
+            <a:solidFill>
+              <a:schemeClr val="accent1"/>
+            </a:solidFill>
+          </a:ln>
+        </p:spPr>
+        <p:txBody>
+          <a:bodyPr wrap="square" rtlCol="0">
+            <a:spAutoFit/>
+          </a:bodyPr>
+          <a:lstStyle/>
+          <a:p>
+            <a:r>
+              <a:rPr lang="en-US" altLang="zh-CN" sz="1200" dirty="0"/>
+              <a:t>OS30</a:t>
+            </a:r>
+            <a:r>
+              <a:rPr lang="zh-CN" altLang="en-US" sz="1200" dirty="0"/>
+              <a:t>统一接入层</a:t>
+            </a:r>
+            <a:endParaRPr lang="en-US" altLang="zh-CN" sz="1200" dirty="0"/>
+          </a:p>
+        </p:txBody>
+      </p:sp>
+      <p:sp>
+        <p:nvSpPr>
+          <p:cNvPr id="8" name="文本框 7">
+            <a:extLst>
+              <a:ext uri="{FF2B5EF4-FFF2-40B4-BE49-F238E27FC236}">
+                <a16:creationId xmlns:a16="http://schemas.microsoft.com/office/drawing/2014/main" id="{7B2E211B-64CC-4FDC-A6A5-B6A98608231C}"/>
+              </a:ext>
+            </a:extLst>
+          </p:cNvPr>
+          <p:cNvSpPr txBox="1"/>
+          <p:nvPr/>
+        </p:nvSpPr>
+        <p:spPr>
+          <a:xfrm>
+            <a:off x="7443167" y="2370658"/>
+            <a:ext cx="1338950" cy="278224"/>
+          </a:xfrm>
+          <a:prstGeom prst="rect">
+            <a:avLst/>
+          </a:prstGeom>
+          <a:noFill/>
+          <a:ln>
+            <a:solidFill>
+              <a:schemeClr val="accent1"/>
+            </a:solidFill>
+          </a:ln>
+        </p:spPr>
+        <p:txBody>
+          <a:bodyPr wrap="square" rtlCol="0">
+            <a:spAutoFit/>
+          </a:bodyPr>
+          <a:lstStyle/>
+          <a:p>
+            <a:r>
+              <a:rPr lang="en-US" altLang="zh-CN" sz="1200" dirty="0"/>
+              <a:t>SG52</a:t>
+            </a:r>
+            <a:r>
+              <a:rPr lang="zh-CN" altLang="en-US" sz="1200" dirty="0"/>
+              <a:t>统一接入层</a:t>
+            </a:r>
+            <a:endParaRPr lang="en-US" altLang="zh-CN" sz="1200" dirty="0"/>
+          </a:p>
+        </p:txBody>
+      </p:sp>
+      <p:sp>
+        <p:nvSpPr>
+          <p:cNvPr id="9" name="文本框 8">
+            <a:extLst>
+              <a:ext uri="{FF2B5EF4-FFF2-40B4-BE49-F238E27FC236}">
+                <a16:creationId xmlns:a16="http://schemas.microsoft.com/office/drawing/2014/main" id="{EEF82D11-56DC-46C1-90E8-E630333A0D62}"/>
+              </a:ext>
+            </a:extLst>
+          </p:cNvPr>
+          <p:cNvSpPr txBox="1"/>
+          <p:nvPr/>
+        </p:nvSpPr>
+        <p:spPr>
+          <a:xfrm>
+            <a:off x="2850436" y="2996520"/>
+            <a:ext cx="1338950" cy="276999"/>
+          </a:xfrm>
+          <a:prstGeom prst="rect">
+            <a:avLst/>
+          </a:prstGeom>
+          <a:noFill/>
+          <a:ln>
+            <a:solidFill>
+              <a:schemeClr val="accent1"/>
+            </a:solidFill>
+          </a:ln>
+        </p:spPr>
+        <p:txBody>
+          <a:bodyPr wrap="square" rtlCol="0">
+            <a:spAutoFit/>
+          </a:bodyPr>
+          <a:lstStyle/>
+          <a:p>
+            <a:r>
+              <a:rPr lang="en-US" altLang="zh-CN" sz="1200" dirty="0"/>
+              <a:t>OS30</a:t>
+            </a:r>
+            <a:r>
+              <a:rPr lang="zh-CN" altLang="en-US" sz="1200" dirty="0"/>
+              <a:t>应用</a:t>
+            </a:r>
+            <a:r>
+              <a:rPr lang="en-US" altLang="zh-CN" sz="1200" dirty="0"/>
+              <a:t>A</a:t>
+            </a:r>
+            <a:r>
+              <a:rPr lang="zh-CN" altLang="en-US" sz="1200" dirty="0"/>
+              <a:t>节点</a:t>
+            </a:r>
+            <a:r>
+              <a:rPr lang="en-US" altLang="zh-CN" sz="1200" dirty="0"/>
+              <a:t>1</a:t>
+            </a:r>
+          </a:p>
+        </p:txBody>
+      </p:sp>
+      <p:sp>
+        <p:nvSpPr>
+          <p:cNvPr id="10" name="文本框 9">
+            <a:extLst>
+              <a:ext uri="{FF2B5EF4-FFF2-40B4-BE49-F238E27FC236}">
+                <a16:creationId xmlns:a16="http://schemas.microsoft.com/office/drawing/2014/main" id="{4006409F-F125-4E0D-9250-36B192A88286}"/>
+              </a:ext>
+            </a:extLst>
+          </p:cNvPr>
+          <p:cNvSpPr txBox="1"/>
+          <p:nvPr/>
+        </p:nvSpPr>
+        <p:spPr>
+          <a:xfrm>
+            <a:off x="2850437" y="3344158"/>
+            <a:ext cx="1338950" cy="276999"/>
+          </a:xfrm>
+          <a:prstGeom prst="rect">
+            <a:avLst/>
+          </a:prstGeom>
+          <a:noFill/>
+          <a:ln>
+            <a:solidFill>
+              <a:schemeClr val="accent1"/>
+            </a:solidFill>
+          </a:ln>
+        </p:spPr>
+        <p:txBody>
+          <a:bodyPr wrap="square" rtlCol="0">
+            <a:spAutoFit/>
+          </a:bodyPr>
+          <a:lstStyle/>
+          <a:p>
+            <a:r>
+              <a:rPr lang="en-US" altLang="zh-CN" sz="1200" dirty="0"/>
+              <a:t>OS30</a:t>
+            </a:r>
+            <a:r>
+              <a:rPr lang="zh-CN" altLang="en-US" sz="1200" dirty="0"/>
+              <a:t>应用</a:t>
+            </a:r>
+            <a:r>
+              <a:rPr lang="en-US" altLang="zh-CN" sz="1200" dirty="0"/>
+              <a:t>A</a:t>
+            </a:r>
+            <a:r>
+              <a:rPr lang="zh-CN" altLang="en-US" sz="1200" dirty="0"/>
+              <a:t>节点</a:t>
+            </a:r>
+            <a:r>
+              <a:rPr lang="en-US" altLang="zh-CN" sz="1200" dirty="0"/>
+              <a:t>2</a:t>
+            </a:r>
+          </a:p>
+        </p:txBody>
+      </p:sp>
+      <p:sp>
+        <p:nvSpPr>
+          <p:cNvPr id="11" name="文本框 10">
+            <a:extLst>
+              <a:ext uri="{FF2B5EF4-FFF2-40B4-BE49-F238E27FC236}">
+                <a16:creationId xmlns:a16="http://schemas.microsoft.com/office/drawing/2014/main" id="{51EE403E-55AE-42F1-BF38-C3DEF5944C84}"/>
+              </a:ext>
+            </a:extLst>
+          </p:cNvPr>
+          <p:cNvSpPr txBox="1"/>
+          <p:nvPr/>
+        </p:nvSpPr>
+        <p:spPr>
+          <a:xfrm>
+            <a:off x="7443166" y="2996519"/>
+            <a:ext cx="1338950" cy="276999"/>
+          </a:xfrm>
+          <a:prstGeom prst="rect">
+            <a:avLst/>
+          </a:prstGeom>
+          <a:noFill/>
+          <a:ln>
+            <a:solidFill>
+              <a:schemeClr val="accent1"/>
+            </a:solidFill>
+          </a:ln>
+        </p:spPr>
+        <p:txBody>
+          <a:bodyPr wrap="square" rtlCol="0">
+            <a:spAutoFit/>
+          </a:bodyPr>
+          <a:lstStyle/>
+          <a:p>
+            <a:r>
+              <a:rPr lang="en-US" altLang="zh-CN" sz="1200" dirty="0"/>
+              <a:t>SG52</a:t>
+            </a:r>
+            <a:r>
+              <a:rPr lang="zh-CN" altLang="en-US" sz="1200" dirty="0"/>
+              <a:t>应用</a:t>
+            </a:r>
+            <a:r>
+              <a:rPr lang="en-US" altLang="zh-CN" sz="1200" dirty="0"/>
+              <a:t>A</a:t>
+            </a:r>
+            <a:r>
+              <a:rPr lang="zh-CN" altLang="en-US" sz="1200" dirty="0"/>
+              <a:t>节点</a:t>
+            </a:r>
+            <a:r>
+              <a:rPr lang="en-US" altLang="zh-CN" sz="1200" dirty="0"/>
+              <a:t>3</a:t>
+            </a:r>
+          </a:p>
+        </p:txBody>
+      </p:sp>
+      <p:sp>
+        <p:nvSpPr>
+          <p:cNvPr id="12" name="文本框 11">
+            <a:extLst>
+              <a:ext uri="{FF2B5EF4-FFF2-40B4-BE49-F238E27FC236}">
+                <a16:creationId xmlns:a16="http://schemas.microsoft.com/office/drawing/2014/main" id="{1F0F606F-010E-4D31-84F3-26B46353DC9E}"/>
+              </a:ext>
+            </a:extLst>
+          </p:cNvPr>
+          <p:cNvSpPr txBox="1"/>
+          <p:nvPr/>
+        </p:nvSpPr>
+        <p:spPr>
+          <a:xfrm>
+            <a:off x="7443166" y="3377750"/>
+            <a:ext cx="1338950" cy="276999"/>
+          </a:xfrm>
+          <a:prstGeom prst="rect">
+            <a:avLst/>
+          </a:prstGeom>
+          <a:noFill/>
+          <a:ln>
+            <a:solidFill>
+              <a:schemeClr val="accent1"/>
+            </a:solidFill>
+          </a:ln>
+        </p:spPr>
+        <p:txBody>
+          <a:bodyPr wrap="square" rtlCol="0">
+            <a:spAutoFit/>
+          </a:bodyPr>
+          <a:lstStyle/>
+          <a:p>
+            <a:r>
+              <a:rPr lang="en-US" altLang="zh-CN" sz="1200" dirty="0"/>
+              <a:t>SG52</a:t>
+            </a:r>
+            <a:r>
+              <a:rPr lang="zh-CN" altLang="en-US" sz="1200" dirty="0"/>
+              <a:t>应用</a:t>
+            </a:r>
+            <a:r>
+              <a:rPr lang="en-US" altLang="zh-CN" sz="1200" dirty="0"/>
+              <a:t>A</a:t>
+            </a:r>
+            <a:r>
+              <a:rPr lang="zh-CN" altLang="en-US" sz="1200" dirty="0"/>
+              <a:t>节点</a:t>
+            </a:r>
+            <a:r>
+              <a:rPr lang="en-US" altLang="zh-CN" sz="1200" dirty="0"/>
+              <a:t>4</a:t>
+            </a:r>
+          </a:p>
+        </p:txBody>
+      </p:sp>
+      <p:sp>
+        <p:nvSpPr>
+          <p:cNvPr id="13" name="文本框 12">
+            <a:extLst>
+              <a:ext uri="{FF2B5EF4-FFF2-40B4-BE49-F238E27FC236}">
+                <a16:creationId xmlns:a16="http://schemas.microsoft.com/office/drawing/2014/main" id="{E9129C8D-CDAC-49D4-A6F4-F33BF447ACAB}"/>
+              </a:ext>
+            </a:extLst>
+          </p:cNvPr>
+          <p:cNvSpPr txBox="1"/>
+          <p:nvPr/>
+        </p:nvSpPr>
+        <p:spPr>
+          <a:xfrm>
+            <a:off x="4630606" y="2279379"/>
+            <a:ext cx="2518823" cy="461665"/>
+          </a:xfrm>
+          <a:prstGeom prst="rect">
+            <a:avLst/>
+          </a:prstGeom>
+          <a:noFill/>
+          <a:ln>
+            <a:solidFill>
+              <a:schemeClr val="accent1"/>
+            </a:solidFill>
+          </a:ln>
+        </p:spPr>
+        <p:txBody>
+          <a:bodyPr wrap="square" rtlCol="0">
+            <a:spAutoFit/>
+          </a:bodyPr>
+          <a:lstStyle/>
+          <a:p>
+            <a:r>
+              <a:rPr lang="en-US" altLang="zh-CN" sz="1200" dirty="0"/>
+              <a:t>Vipserver key </a:t>
+            </a:r>
+            <a:r>
+              <a:rPr lang="zh-CN" altLang="en-US" sz="1200" dirty="0"/>
+              <a:t>跨机房注册</a:t>
+            </a:r>
+            <a:r>
+              <a:rPr lang="en-US" altLang="zh-CN" sz="1200" dirty="0"/>
+              <a:t> app-a</a:t>
+            </a:r>
+            <a:r>
+              <a:rPr lang="zh-CN" altLang="en-US" sz="1200" dirty="0"/>
+              <a:t>：</a:t>
+            </a:r>
+            <a:endParaRPr lang="en-US" altLang="zh-CN" sz="1200" dirty="0"/>
+          </a:p>
+          <a:p>
+            <a:r>
+              <a:rPr lang="zh-CN" altLang="en-US" sz="1200" dirty="0"/>
+              <a:t>节点</a:t>
+            </a:r>
+            <a:r>
+              <a:rPr lang="en-US" altLang="zh-CN" sz="1200" dirty="0"/>
+              <a:t>1</a:t>
+            </a:r>
+            <a:r>
+              <a:rPr lang="zh-CN" altLang="en-US" sz="1200" dirty="0"/>
+              <a:t>   节点</a:t>
+            </a:r>
+            <a:r>
+              <a:rPr lang="en-US" altLang="zh-CN" sz="1200" dirty="0"/>
+              <a:t>2   </a:t>
+            </a:r>
+            <a:r>
+              <a:rPr lang="zh-CN" altLang="en-US" sz="1200" dirty="0"/>
+              <a:t>节点</a:t>
+            </a:r>
+            <a:r>
+              <a:rPr lang="en-US" altLang="zh-CN" sz="1200" dirty="0"/>
+              <a:t>3     </a:t>
+            </a:r>
+            <a:r>
+              <a:rPr lang="zh-CN" altLang="en-US" sz="1200" dirty="0"/>
+              <a:t>节点</a:t>
+            </a:r>
+            <a:r>
+              <a:rPr lang="en-US" altLang="zh-CN" sz="1200" dirty="0"/>
+              <a:t>4</a:t>
+            </a:r>
+          </a:p>
+        </p:txBody>
+      </p:sp>
+      <p:cxnSp>
+        <p:nvCxnSpPr>
+          <p:cNvPr id="15" name="直接箭头连接符 14">
+            <a:extLst>
+              <a:ext uri="{FF2B5EF4-FFF2-40B4-BE49-F238E27FC236}">
+                <a16:creationId xmlns:a16="http://schemas.microsoft.com/office/drawing/2014/main" id="{01421A87-D201-4817-96A6-229B2BE1721F}"/>
+              </a:ext>
+            </a:extLst>
+          </p:cNvPr>
+          <p:cNvCxnSpPr>
+            <a:stCxn id="8" idx="1"/>
+            <a:endCxn id="13" idx="3"/>
+          </p:cNvCxnSpPr>
+          <p:nvPr/>
+        </p:nvCxnSpPr>
+        <p:spPr>
+          <a:xfrm flipH="1">
+            <a:off x="7149429" y="2509770"/>
+            <a:ext cx="293738" cy="442"/>
+          </a:xfrm>
+          <a:prstGeom prst="straightConnector1">
+            <a:avLst/>
+          </a:prstGeom>
+          <a:ln>
+            <a:tailEnd type="triangle"/>
+          </a:ln>
+        </p:spPr>
+        <p:style>
+          <a:lnRef idx="1">
+            <a:schemeClr val="accent1"/>
+          </a:lnRef>
+          <a:fillRef idx="0">
+            <a:schemeClr val="accent1"/>
+          </a:fillRef>
+          <a:effectRef idx="0">
+            <a:schemeClr val="accent1"/>
+          </a:effectRef>
+          <a:fontRef idx="minor">
+            <a:schemeClr val="tx1"/>
+          </a:fontRef>
+        </p:style>
+      </p:cxnSp>
+      <p:cxnSp>
+        <p:nvCxnSpPr>
+          <p:cNvPr id="18" name="直接箭头连接符 17">
+            <a:extLst>
+              <a:ext uri="{FF2B5EF4-FFF2-40B4-BE49-F238E27FC236}">
+                <a16:creationId xmlns:a16="http://schemas.microsoft.com/office/drawing/2014/main" id="{C7E8F700-ABB0-4593-B268-A033D90E3226}"/>
+              </a:ext>
+            </a:extLst>
+          </p:cNvPr>
+          <p:cNvCxnSpPr>
+            <a:stCxn id="7" idx="3"/>
+            <a:endCxn id="13" idx="1"/>
+          </p:cNvCxnSpPr>
+          <p:nvPr/>
+        </p:nvCxnSpPr>
+        <p:spPr>
+          <a:xfrm>
+            <a:off x="4189386" y="2509770"/>
+            <a:ext cx="441220" cy="442"/>
+          </a:xfrm>
+          <a:prstGeom prst="straightConnector1">
+            <a:avLst/>
+          </a:prstGeom>
+          <a:ln>
+            <a:tailEnd type="triangle"/>
+          </a:ln>
+        </p:spPr>
+        <p:style>
+          <a:lnRef idx="1">
+            <a:schemeClr val="accent1"/>
+          </a:lnRef>
+          <a:fillRef idx="0">
+            <a:schemeClr val="accent1"/>
+          </a:fillRef>
+          <a:effectRef idx="0">
+            <a:schemeClr val="accent1"/>
+          </a:effectRef>
+          <a:fontRef idx="minor">
+            <a:schemeClr val="tx1"/>
+          </a:fontRef>
+        </p:style>
+      </p:cxnSp>
+      <p:cxnSp>
+        <p:nvCxnSpPr>
+          <p:cNvPr id="20" name="直接箭头连接符 19">
+            <a:extLst>
+              <a:ext uri="{FF2B5EF4-FFF2-40B4-BE49-F238E27FC236}">
+                <a16:creationId xmlns:a16="http://schemas.microsoft.com/office/drawing/2014/main" id="{14FE827C-8382-4447-9D05-A6199C916657}"/>
+              </a:ext>
+            </a:extLst>
+          </p:cNvPr>
+          <p:cNvCxnSpPr>
+            <a:stCxn id="5" idx="2"/>
+            <a:endCxn id="6" idx="0"/>
+          </p:cNvCxnSpPr>
+          <p:nvPr/>
+        </p:nvCxnSpPr>
+        <p:spPr>
+          <a:xfrm>
+            <a:off x="5771766" y="826006"/>
+            <a:ext cx="1414" cy="236737"/>
+          </a:xfrm>
+          <a:prstGeom prst="straightConnector1">
+            <a:avLst/>
+          </a:prstGeom>
+          <a:ln>
+            <a:tailEnd type="triangle"/>
+          </a:ln>
+        </p:spPr>
+        <p:style>
+          <a:lnRef idx="1">
+            <a:schemeClr val="accent1"/>
+          </a:lnRef>
+          <a:fillRef idx="0">
+            <a:schemeClr val="accent1"/>
+          </a:fillRef>
+          <a:effectRef idx="0">
+            <a:schemeClr val="accent1"/>
+          </a:effectRef>
+          <a:fontRef idx="minor">
+            <a:schemeClr val="tx1"/>
+          </a:fontRef>
+        </p:style>
+      </p:cxnSp>
+      <p:cxnSp>
+        <p:nvCxnSpPr>
+          <p:cNvPr id="22" name="直接箭头连接符 21">
+            <a:extLst>
+              <a:ext uri="{FF2B5EF4-FFF2-40B4-BE49-F238E27FC236}">
+                <a16:creationId xmlns:a16="http://schemas.microsoft.com/office/drawing/2014/main" id="{E81D865B-99C4-45A5-95C8-790B9D7C766F}"/>
+              </a:ext>
+            </a:extLst>
+          </p:cNvPr>
+          <p:cNvCxnSpPr>
+            <a:stCxn id="6" idx="2"/>
+            <a:endCxn id="7" idx="0"/>
+          </p:cNvCxnSpPr>
+          <p:nvPr/>
+        </p:nvCxnSpPr>
+        <p:spPr>
+          <a:xfrm flipH="1">
+            <a:off x="3519911" y="1339742"/>
+            <a:ext cx="2253269" cy="1030916"/>
+          </a:xfrm>
+          <a:prstGeom prst="straightConnector1">
+            <a:avLst/>
+          </a:prstGeom>
+          <a:ln>
+            <a:tailEnd type="triangle"/>
+          </a:ln>
+        </p:spPr>
+        <p:style>
+          <a:lnRef idx="1">
+            <a:schemeClr val="accent1"/>
+          </a:lnRef>
+          <a:fillRef idx="0">
+            <a:schemeClr val="accent1"/>
+          </a:fillRef>
+          <a:effectRef idx="0">
+            <a:schemeClr val="accent1"/>
+          </a:effectRef>
+          <a:fontRef idx="minor">
+            <a:schemeClr val="tx1"/>
+          </a:fontRef>
+        </p:style>
+      </p:cxnSp>
+      <p:cxnSp>
+        <p:nvCxnSpPr>
+          <p:cNvPr id="24" name="直接箭头连接符 23">
+            <a:extLst>
+              <a:ext uri="{FF2B5EF4-FFF2-40B4-BE49-F238E27FC236}">
+                <a16:creationId xmlns:a16="http://schemas.microsoft.com/office/drawing/2014/main" id="{C2961714-37DB-4CDF-91D8-EB4A5400FE5C}"/>
+              </a:ext>
+            </a:extLst>
+          </p:cNvPr>
+          <p:cNvCxnSpPr>
+            <a:stCxn id="7" idx="2"/>
+            <a:endCxn id="12" idx="1"/>
+          </p:cNvCxnSpPr>
+          <p:nvPr/>
+        </p:nvCxnSpPr>
+        <p:spPr>
+          <a:xfrm>
+            <a:off x="3519911" y="2648882"/>
+            <a:ext cx="3923255" cy="867368"/>
+          </a:xfrm>
+          <a:prstGeom prst="straightConnector1">
+            <a:avLst/>
+          </a:prstGeom>
+          <a:ln>
+            <a:tailEnd type="triangle"/>
+          </a:ln>
+        </p:spPr>
+        <p:style>
+          <a:lnRef idx="1">
+            <a:schemeClr val="accent1"/>
+          </a:lnRef>
+          <a:fillRef idx="0">
+            <a:schemeClr val="accent1"/>
+          </a:fillRef>
+          <a:effectRef idx="0">
+            <a:schemeClr val="accent1"/>
+          </a:effectRef>
+          <a:fontRef idx="minor">
+            <a:schemeClr val="tx1"/>
+          </a:fontRef>
+        </p:style>
+      </p:cxnSp>
+      <p:sp>
+        <p:nvSpPr>
+          <p:cNvPr id="25" name="文本框 24">
+            <a:extLst>
+              <a:ext uri="{FF2B5EF4-FFF2-40B4-BE49-F238E27FC236}">
+                <a16:creationId xmlns:a16="http://schemas.microsoft.com/office/drawing/2014/main" id="{CF6EE4CF-15F9-4DD1-873B-9F047D25F980}"/>
+              </a:ext>
+            </a:extLst>
+          </p:cNvPr>
+          <p:cNvSpPr txBox="1"/>
+          <p:nvPr/>
+        </p:nvSpPr>
+        <p:spPr>
+          <a:xfrm>
+            <a:off x="2850436" y="4630572"/>
+            <a:ext cx="1338950" cy="276999"/>
+          </a:xfrm>
+          <a:prstGeom prst="rect">
+            <a:avLst/>
+          </a:prstGeom>
+          <a:noFill/>
+          <a:ln>
+            <a:solidFill>
+              <a:schemeClr val="accent1"/>
+            </a:solidFill>
+          </a:ln>
+        </p:spPr>
+        <p:txBody>
+          <a:bodyPr wrap="square" rtlCol="0">
+            <a:spAutoFit/>
+          </a:bodyPr>
+          <a:lstStyle/>
+          <a:p>
+            <a:r>
+              <a:rPr lang="en-US" altLang="zh-CN" sz="1200" dirty="0"/>
+              <a:t>OS30</a:t>
+            </a:r>
+            <a:r>
+              <a:rPr lang="zh-CN" altLang="en-US" sz="1200" dirty="0"/>
+              <a:t>应用</a:t>
+            </a:r>
+            <a:r>
+              <a:rPr lang="en-US" altLang="zh-CN" sz="1200" dirty="0"/>
+              <a:t>B</a:t>
+            </a:r>
+            <a:r>
+              <a:rPr lang="zh-CN" altLang="en-US" sz="1200" dirty="0"/>
+              <a:t>节点</a:t>
+            </a:r>
+            <a:r>
+              <a:rPr lang="en-US" altLang="zh-CN" sz="1200" dirty="0"/>
+              <a:t>1</a:t>
+            </a:r>
+          </a:p>
+        </p:txBody>
+      </p:sp>
+      <p:sp>
+        <p:nvSpPr>
+          <p:cNvPr id="26" name="文本框 25">
+            <a:extLst>
+              <a:ext uri="{FF2B5EF4-FFF2-40B4-BE49-F238E27FC236}">
+                <a16:creationId xmlns:a16="http://schemas.microsoft.com/office/drawing/2014/main" id="{78DBE6AF-84EF-4666-B5A5-CD34FDFF1AC3}"/>
+              </a:ext>
+            </a:extLst>
+          </p:cNvPr>
+          <p:cNvSpPr txBox="1"/>
+          <p:nvPr/>
+        </p:nvSpPr>
+        <p:spPr>
+          <a:xfrm>
+            <a:off x="2847282" y="4990879"/>
+            <a:ext cx="1338950" cy="276999"/>
+          </a:xfrm>
+          <a:prstGeom prst="rect">
+            <a:avLst/>
+          </a:prstGeom>
+          <a:noFill/>
+          <a:ln>
+            <a:solidFill>
+              <a:schemeClr val="accent1"/>
+            </a:solidFill>
+          </a:ln>
+        </p:spPr>
+        <p:txBody>
+          <a:bodyPr wrap="square" rtlCol="0">
+            <a:spAutoFit/>
+          </a:bodyPr>
+          <a:lstStyle/>
+          <a:p>
+            <a:r>
+              <a:rPr lang="en-US" altLang="zh-CN" sz="1200" dirty="0"/>
+              <a:t>OS30</a:t>
+            </a:r>
+            <a:r>
+              <a:rPr lang="zh-CN" altLang="en-US" sz="1200" dirty="0"/>
+              <a:t>应用</a:t>
+            </a:r>
+            <a:r>
+              <a:rPr lang="en-US" altLang="zh-CN" sz="1200" dirty="0"/>
+              <a:t>B</a:t>
+            </a:r>
+            <a:r>
+              <a:rPr lang="zh-CN" altLang="en-US" sz="1200" dirty="0"/>
+              <a:t>节点</a:t>
+            </a:r>
+            <a:r>
+              <a:rPr lang="en-US" altLang="zh-CN" sz="1200" dirty="0"/>
+              <a:t>1</a:t>
+            </a:r>
+          </a:p>
+        </p:txBody>
+      </p:sp>
+      <p:sp>
+        <p:nvSpPr>
+          <p:cNvPr id="27" name="文本框 26">
+            <a:extLst>
+              <a:ext uri="{FF2B5EF4-FFF2-40B4-BE49-F238E27FC236}">
+                <a16:creationId xmlns:a16="http://schemas.microsoft.com/office/drawing/2014/main" id="{1E7FC0FD-4872-4048-A1FF-0FC0220C7DE9}"/>
+              </a:ext>
+            </a:extLst>
+          </p:cNvPr>
+          <p:cNvSpPr txBox="1"/>
+          <p:nvPr/>
+        </p:nvSpPr>
+        <p:spPr>
+          <a:xfrm>
+            <a:off x="7443166" y="4561323"/>
+            <a:ext cx="1338950" cy="276999"/>
+          </a:xfrm>
+          <a:prstGeom prst="rect">
+            <a:avLst/>
+          </a:prstGeom>
+          <a:noFill/>
+          <a:ln>
+            <a:solidFill>
+              <a:schemeClr val="accent1"/>
+            </a:solidFill>
+          </a:ln>
+        </p:spPr>
+        <p:txBody>
+          <a:bodyPr wrap="square" rtlCol="0">
+            <a:spAutoFit/>
+          </a:bodyPr>
+          <a:lstStyle/>
+          <a:p>
+            <a:r>
+              <a:rPr lang="en-US" altLang="zh-CN" sz="1200" dirty="0"/>
+              <a:t>SG52</a:t>
+            </a:r>
+            <a:r>
+              <a:rPr lang="zh-CN" altLang="en-US" sz="1200" dirty="0"/>
+              <a:t>应用</a:t>
+            </a:r>
+            <a:r>
+              <a:rPr lang="en-US" altLang="zh-CN" sz="1200" dirty="0"/>
+              <a:t>B</a:t>
+            </a:r>
+            <a:r>
+              <a:rPr lang="zh-CN" altLang="en-US" sz="1200" dirty="0"/>
+              <a:t>节点</a:t>
+            </a:r>
+            <a:r>
+              <a:rPr lang="en-US" altLang="zh-CN" sz="1200" dirty="0"/>
+              <a:t>3</a:t>
+            </a:r>
+          </a:p>
+        </p:txBody>
+      </p:sp>
+      <p:sp>
+        <p:nvSpPr>
+          <p:cNvPr id="28" name="文本框 27">
+            <a:extLst>
+              <a:ext uri="{FF2B5EF4-FFF2-40B4-BE49-F238E27FC236}">
+                <a16:creationId xmlns:a16="http://schemas.microsoft.com/office/drawing/2014/main" id="{92E26A39-05B4-4787-9653-8D0302079F7D}"/>
+              </a:ext>
+            </a:extLst>
+          </p:cNvPr>
+          <p:cNvSpPr txBox="1"/>
+          <p:nvPr/>
+        </p:nvSpPr>
+        <p:spPr>
+          <a:xfrm>
+            <a:off x="7443166" y="4921630"/>
+            <a:ext cx="1338950" cy="276999"/>
+          </a:xfrm>
+          <a:prstGeom prst="rect">
+            <a:avLst/>
+          </a:prstGeom>
+          <a:noFill/>
+          <a:ln>
+            <a:solidFill>
+              <a:schemeClr val="accent1"/>
+            </a:solidFill>
+          </a:ln>
+        </p:spPr>
+        <p:txBody>
+          <a:bodyPr wrap="square" rtlCol="0">
+            <a:spAutoFit/>
+          </a:bodyPr>
+          <a:lstStyle/>
+          <a:p>
+            <a:r>
+              <a:rPr lang="en-US" altLang="zh-CN" sz="1200" dirty="0"/>
+              <a:t>SG52</a:t>
+            </a:r>
+            <a:r>
+              <a:rPr lang="zh-CN" altLang="en-US" sz="1200" dirty="0"/>
+              <a:t>应用</a:t>
+            </a:r>
+            <a:r>
+              <a:rPr lang="en-US" altLang="zh-CN" sz="1200" dirty="0"/>
+              <a:t>B</a:t>
+            </a:r>
+            <a:r>
+              <a:rPr lang="zh-CN" altLang="en-US" sz="1200" dirty="0"/>
+              <a:t>节点</a:t>
+            </a:r>
+            <a:r>
+              <a:rPr lang="en-US" altLang="zh-CN" sz="1200" dirty="0"/>
+              <a:t>4</a:t>
+            </a:r>
+          </a:p>
+        </p:txBody>
+      </p:sp>
+      <p:sp>
+        <p:nvSpPr>
+          <p:cNvPr id="29" name="文本框 28">
+            <a:extLst>
+              <a:ext uri="{FF2B5EF4-FFF2-40B4-BE49-F238E27FC236}">
+                <a16:creationId xmlns:a16="http://schemas.microsoft.com/office/drawing/2014/main" id="{8AA42813-6614-486E-B48E-BEFDF9E784A7}"/>
+              </a:ext>
+            </a:extLst>
+          </p:cNvPr>
+          <p:cNvSpPr txBox="1"/>
+          <p:nvPr/>
+        </p:nvSpPr>
+        <p:spPr>
+          <a:xfrm>
+            <a:off x="4630606" y="5017540"/>
+            <a:ext cx="2518823" cy="461665"/>
+          </a:xfrm>
+          <a:prstGeom prst="rect">
+            <a:avLst/>
+          </a:prstGeom>
+          <a:noFill/>
+          <a:ln>
+            <a:solidFill>
+              <a:schemeClr val="accent1"/>
+            </a:solidFill>
+          </a:ln>
+        </p:spPr>
+        <p:txBody>
+          <a:bodyPr wrap="square" rtlCol="0">
+            <a:spAutoFit/>
+          </a:bodyPr>
+          <a:lstStyle/>
+          <a:p>
+            <a:r>
+              <a:rPr lang="en-US" altLang="zh-CN" sz="1200" dirty="0"/>
+              <a:t>configServer </a:t>
+            </a:r>
+            <a:r>
+              <a:rPr lang="zh-CN" altLang="en-US" sz="1200" dirty="0"/>
+              <a:t>跨机房注册</a:t>
+            </a:r>
+            <a:r>
+              <a:rPr lang="en-US" altLang="zh-CN" sz="1200" dirty="0"/>
+              <a:t> app-b</a:t>
+            </a:r>
+            <a:r>
+              <a:rPr lang="zh-CN" altLang="en-US" sz="1200" dirty="0"/>
+              <a:t>：</a:t>
+            </a:r>
+            <a:endParaRPr lang="en-US" altLang="zh-CN" sz="1200" dirty="0"/>
+          </a:p>
+          <a:p>
+            <a:r>
+              <a:rPr lang="zh-CN" altLang="en-US" sz="1200" dirty="0"/>
+              <a:t>节点</a:t>
+            </a:r>
+            <a:r>
+              <a:rPr lang="en-US" altLang="zh-CN" sz="1200" dirty="0"/>
+              <a:t>1</a:t>
+            </a:r>
+            <a:r>
+              <a:rPr lang="zh-CN" altLang="en-US" sz="1200" dirty="0"/>
+              <a:t>   节点</a:t>
+            </a:r>
+            <a:r>
+              <a:rPr lang="en-US" altLang="zh-CN" sz="1200" dirty="0"/>
+              <a:t>2   </a:t>
+            </a:r>
+            <a:r>
+              <a:rPr lang="zh-CN" altLang="en-US" sz="1200" dirty="0"/>
+              <a:t>节点</a:t>
+            </a:r>
+            <a:r>
+              <a:rPr lang="en-US" altLang="zh-CN" sz="1200" dirty="0"/>
+              <a:t>3     </a:t>
+            </a:r>
+            <a:r>
+              <a:rPr lang="zh-CN" altLang="en-US" sz="1200" dirty="0"/>
+              <a:t>节点</a:t>
+            </a:r>
+            <a:r>
+              <a:rPr lang="en-US" altLang="zh-CN" sz="1200" dirty="0"/>
+              <a:t>4</a:t>
+            </a:r>
+          </a:p>
+        </p:txBody>
+      </p:sp>
+      <p:sp>
+        <p:nvSpPr>
+          <p:cNvPr id="36" name="文本框 35">
+            <a:extLst>
+              <a:ext uri="{FF2B5EF4-FFF2-40B4-BE49-F238E27FC236}">
+                <a16:creationId xmlns:a16="http://schemas.microsoft.com/office/drawing/2014/main" id="{97CE3447-D7BB-4DE2-9790-81EB74563206}"/>
+              </a:ext>
+            </a:extLst>
+          </p:cNvPr>
+          <p:cNvSpPr txBox="1"/>
+          <p:nvPr/>
+        </p:nvSpPr>
+        <p:spPr>
+          <a:xfrm>
+            <a:off x="2386606" y="2086750"/>
+            <a:ext cx="921352" cy="276999"/>
+          </a:xfrm>
+          <a:prstGeom prst="rect">
+            <a:avLst/>
+          </a:prstGeom>
+          <a:noFill/>
+        </p:spPr>
+        <p:txBody>
+          <a:bodyPr wrap="square" rtlCol="0">
+            <a:spAutoFit/>
+          </a:bodyPr>
+          <a:lstStyle/>
+          <a:p>
+            <a:r>
+              <a:rPr lang="en-US" altLang="zh-CN" sz="1200" dirty="0"/>
+              <a:t>OS30</a:t>
+            </a:r>
+            <a:r>
+              <a:rPr lang="zh-CN" altLang="en-US" sz="1200" dirty="0"/>
+              <a:t>机房</a:t>
+            </a:r>
+          </a:p>
+        </p:txBody>
+      </p:sp>
+      <p:sp>
+        <p:nvSpPr>
+          <p:cNvPr id="40" name="文本框 39">
+            <a:extLst>
+              <a:ext uri="{FF2B5EF4-FFF2-40B4-BE49-F238E27FC236}">
+                <a16:creationId xmlns:a16="http://schemas.microsoft.com/office/drawing/2014/main" id="{188BD3F6-83C7-4E12-9981-CFB2BFF75FBC}"/>
+              </a:ext>
+            </a:extLst>
+          </p:cNvPr>
+          <p:cNvSpPr txBox="1"/>
+          <p:nvPr/>
+        </p:nvSpPr>
+        <p:spPr>
+          <a:xfrm>
+            <a:off x="1013999" y="1701171"/>
+            <a:ext cx="1605074" cy="276999"/>
+          </a:xfrm>
+          <a:prstGeom prst="rect">
+            <a:avLst/>
+          </a:prstGeom>
+          <a:noFill/>
+        </p:spPr>
+        <p:txBody>
+          <a:bodyPr wrap="square" rtlCol="0">
+            <a:spAutoFit/>
+          </a:bodyPr>
+          <a:lstStyle/>
+          <a:p>
+            <a:r>
+              <a:rPr lang="zh-CN" altLang="en-US" sz="1200" dirty="0"/>
+              <a:t>新加坡单元</a:t>
+            </a:r>
+          </a:p>
+        </p:txBody>
+      </p:sp>
+      <p:cxnSp>
+        <p:nvCxnSpPr>
+          <p:cNvPr id="43" name="直接箭头连接符 42">
+            <a:extLst>
+              <a:ext uri="{FF2B5EF4-FFF2-40B4-BE49-F238E27FC236}">
+                <a16:creationId xmlns:a16="http://schemas.microsoft.com/office/drawing/2014/main" id="{01BD03DD-C0B9-4535-B3FA-0CF1B13E86A8}"/>
+              </a:ext>
+            </a:extLst>
+          </p:cNvPr>
+          <p:cNvCxnSpPr/>
+          <p:nvPr/>
+        </p:nvCxnSpPr>
+        <p:spPr>
+          <a:xfrm>
+            <a:off x="969951" y="385313"/>
+            <a:ext cx="651815" cy="0"/>
+          </a:xfrm>
+          <a:prstGeom prst="straightConnector1">
+            <a:avLst/>
+          </a:prstGeom>
+          <a:ln>
+            <a:tailEnd type="triangle"/>
+          </a:ln>
+        </p:spPr>
+        <p:style>
+          <a:lnRef idx="1">
+            <a:schemeClr val="accent1"/>
+          </a:lnRef>
+          <a:fillRef idx="0">
+            <a:schemeClr val="accent1"/>
+          </a:fillRef>
+          <a:effectRef idx="0">
+            <a:schemeClr val="accent1"/>
+          </a:effectRef>
+          <a:fontRef idx="minor">
+            <a:schemeClr val="tx1"/>
+          </a:fontRef>
+        </p:style>
+      </p:cxnSp>
+      <p:sp>
+        <p:nvSpPr>
+          <p:cNvPr id="44" name="文本框 43">
+            <a:extLst>
+              <a:ext uri="{FF2B5EF4-FFF2-40B4-BE49-F238E27FC236}">
+                <a16:creationId xmlns:a16="http://schemas.microsoft.com/office/drawing/2014/main" id="{2FF2C28D-9F3D-4300-A8D4-71720EF18C32}"/>
+              </a:ext>
+            </a:extLst>
+          </p:cNvPr>
+          <p:cNvSpPr txBox="1"/>
+          <p:nvPr/>
+        </p:nvSpPr>
+        <p:spPr>
+          <a:xfrm>
+            <a:off x="1754038" y="243534"/>
+            <a:ext cx="902898" cy="276999"/>
+          </a:xfrm>
+          <a:prstGeom prst="rect">
+            <a:avLst/>
+          </a:prstGeom>
+          <a:noFill/>
+        </p:spPr>
+        <p:txBody>
+          <a:bodyPr wrap="square" rtlCol="0">
+            <a:spAutoFit/>
+          </a:bodyPr>
+          <a:lstStyle/>
+          <a:p>
+            <a:r>
+              <a:rPr lang="zh-CN" altLang="en-US" sz="1200" dirty="0"/>
+              <a:t>正常流量</a:t>
+            </a:r>
+          </a:p>
+        </p:txBody>
+      </p:sp>
+      <p:cxnSp>
+        <p:nvCxnSpPr>
+          <p:cNvPr id="46" name="直接箭头连接符 45">
+            <a:extLst>
+              <a:ext uri="{FF2B5EF4-FFF2-40B4-BE49-F238E27FC236}">
+                <a16:creationId xmlns:a16="http://schemas.microsoft.com/office/drawing/2014/main" id="{BD1955F4-6E0E-4556-9BC9-A88A8FC68E57}"/>
+              </a:ext>
+            </a:extLst>
+          </p:cNvPr>
+          <p:cNvCxnSpPr/>
+          <p:nvPr/>
+        </p:nvCxnSpPr>
+        <p:spPr>
+          <a:xfrm>
+            <a:off x="969951" y="822385"/>
+            <a:ext cx="651815" cy="0"/>
+          </a:xfrm>
+          <a:prstGeom prst="straightConnector1">
+            <a:avLst/>
+          </a:prstGeom>
+          <a:ln w="9525" cap="flat" cmpd="sng" algn="ctr">
+            <a:solidFill>
+              <a:schemeClr val="accent2"/>
+            </a:solidFill>
+            <a:prstDash val="solid"/>
+            <a:round/>
+            <a:headEnd type="none" w="med" len="med"/>
+            <a:tailEnd type="arrow" w="med" len="med"/>
+          </a:ln>
+        </p:spPr>
+        <p:style>
+          <a:lnRef idx="0">
+            <a:scrgbClr r="0" g="0" b="0"/>
+          </a:lnRef>
+          <a:fillRef idx="0">
+            <a:scrgbClr r="0" g="0" b="0"/>
+          </a:fillRef>
+          <a:effectRef idx="0">
+            <a:scrgbClr r="0" g="0" b="0"/>
+          </a:effectRef>
+          <a:fontRef idx="minor">
+            <a:schemeClr val="tx1"/>
+          </a:fontRef>
+        </p:style>
+      </p:cxnSp>
+      <p:sp>
+        <p:nvSpPr>
+          <p:cNvPr id="47" name="文本框 46">
+            <a:extLst>
+              <a:ext uri="{FF2B5EF4-FFF2-40B4-BE49-F238E27FC236}">
+                <a16:creationId xmlns:a16="http://schemas.microsoft.com/office/drawing/2014/main" id="{8AEAC16B-54A0-4311-980E-DF476462E5B9}"/>
+              </a:ext>
+            </a:extLst>
+          </p:cNvPr>
+          <p:cNvSpPr txBox="1"/>
+          <p:nvPr/>
+        </p:nvSpPr>
+        <p:spPr>
+          <a:xfrm>
+            <a:off x="1754038" y="672456"/>
+            <a:ext cx="902898" cy="276999"/>
+          </a:xfrm>
+          <a:prstGeom prst="rect">
+            <a:avLst/>
+          </a:prstGeom>
+          <a:noFill/>
+        </p:spPr>
+        <p:txBody>
+          <a:bodyPr wrap="square" rtlCol="0">
+            <a:spAutoFit/>
+          </a:bodyPr>
+          <a:lstStyle/>
+          <a:p>
+            <a:r>
+              <a:rPr lang="zh-CN" altLang="en-US" sz="1200" dirty="0"/>
+              <a:t>异步流量</a:t>
+            </a:r>
+          </a:p>
+        </p:txBody>
+      </p:sp>
+      <p:sp>
+        <p:nvSpPr>
+          <p:cNvPr id="48" name="文本框 47">
+            <a:extLst>
+              <a:ext uri="{FF2B5EF4-FFF2-40B4-BE49-F238E27FC236}">
+                <a16:creationId xmlns:a16="http://schemas.microsoft.com/office/drawing/2014/main" id="{F87FF4D2-7232-4291-B84D-1A99CFC812B7}"/>
+              </a:ext>
+            </a:extLst>
+          </p:cNvPr>
+          <p:cNvSpPr txBox="1"/>
+          <p:nvPr/>
+        </p:nvSpPr>
+        <p:spPr>
+          <a:xfrm>
+            <a:off x="2847282" y="3917777"/>
+            <a:ext cx="1338950" cy="276999"/>
+          </a:xfrm>
+          <a:prstGeom prst="rect">
+            <a:avLst/>
+          </a:prstGeom>
+          <a:noFill/>
+          <a:ln>
+            <a:solidFill>
+              <a:schemeClr val="accent1"/>
+            </a:solidFill>
+          </a:ln>
+        </p:spPr>
+        <p:txBody>
+          <a:bodyPr wrap="square" rtlCol="0">
+            <a:spAutoFit/>
+          </a:bodyPr>
+          <a:lstStyle/>
+          <a:p>
+            <a:r>
+              <a:rPr lang="en-US" altLang="zh-CN" sz="1200" dirty="0"/>
+              <a:t>OS30 metaQ</a:t>
+            </a:r>
+          </a:p>
+        </p:txBody>
+      </p:sp>
+      <p:sp>
+        <p:nvSpPr>
+          <p:cNvPr id="49" name="文本框 48">
+            <a:extLst>
+              <a:ext uri="{FF2B5EF4-FFF2-40B4-BE49-F238E27FC236}">
+                <a16:creationId xmlns:a16="http://schemas.microsoft.com/office/drawing/2014/main" id="{9932CB4E-F585-4556-8A18-FB29F566E08F}"/>
+              </a:ext>
+            </a:extLst>
+          </p:cNvPr>
+          <p:cNvSpPr txBox="1"/>
+          <p:nvPr/>
+        </p:nvSpPr>
+        <p:spPr>
+          <a:xfrm>
+            <a:off x="7450615" y="3931868"/>
+            <a:ext cx="1338950" cy="276999"/>
+          </a:xfrm>
+          <a:prstGeom prst="rect">
+            <a:avLst/>
+          </a:prstGeom>
+          <a:noFill/>
+          <a:ln>
+            <a:solidFill>
+              <a:schemeClr val="accent1"/>
+            </a:solidFill>
+          </a:ln>
+        </p:spPr>
+        <p:txBody>
+          <a:bodyPr wrap="square" rtlCol="0">
+            <a:spAutoFit/>
+          </a:bodyPr>
+          <a:lstStyle/>
+          <a:p>
+            <a:r>
+              <a:rPr lang="en-US" altLang="zh-CN" sz="1200" dirty="0"/>
+              <a:t>SG52 metaQ</a:t>
+            </a:r>
+          </a:p>
+        </p:txBody>
+      </p:sp>
+      <p:cxnSp>
+        <p:nvCxnSpPr>
+          <p:cNvPr id="51" name="直接箭头连接符 50">
+            <a:extLst>
+              <a:ext uri="{FF2B5EF4-FFF2-40B4-BE49-F238E27FC236}">
+                <a16:creationId xmlns:a16="http://schemas.microsoft.com/office/drawing/2014/main" id="{D42E32EC-FE85-4479-8325-DBCAE45D4875}"/>
+              </a:ext>
+            </a:extLst>
+          </p:cNvPr>
+          <p:cNvCxnSpPr>
+            <a:stCxn id="10" idx="2"/>
+            <a:endCxn id="48" idx="0"/>
+          </p:cNvCxnSpPr>
+          <p:nvPr/>
+        </p:nvCxnSpPr>
+        <p:spPr>
+          <a:xfrm flipH="1">
+            <a:off x="3516757" y="3621157"/>
+            <a:ext cx="3155" cy="296620"/>
+          </a:xfrm>
+          <a:prstGeom prst="straightConnector1">
+            <a:avLst/>
+          </a:prstGeom>
+          <a:ln w="9525" cap="flat" cmpd="sng" algn="ctr">
+            <a:solidFill>
+              <a:schemeClr val="accent2"/>
+            </a:solidFill>
+            <a:prstDash val="solid"/>
+            <a:round/>
+            <a:headEnd type="none" w="med" len="med"/>
+            <a:tailEnd type="arrow" w="med" len="med"/>
+          </a:ln>
+        </p:spPr>
+        <p:style>
+          <a:lnRef idx="0">
+            <a:scrgbClr r="0" g="0" b="0"/>
+          </a:lnRef>
+          <a:fillRef idx="0">
+            <a:scrgbClr r="0" g="0" b="0"/>
+          </a:fillRef>
+          <a:effectRef idx="0">
+            <a:scrgbClr r="0" g="0" b="0"/>
+          </a:effectRef>
+          <a:fontRef idx="minor">
+            <a:schemeClr val="tx1"/>
+          </a:fontRef>
+        </p:style>
+      </p:cxnSp>
+      <p:sp>
+        <p:nvSpPr>
+          <p:cNvPr id="54" name="文本框 53">
+            <a:extLst>
+              <a:ext uri="{FF2B5EF4-FFF2-40B4-BE49-F238E27FC236}">
+                <a16:creationId xmlns:a16="http://schemas.microsoft.com/office/drawing/2014/main" id="{04EC76CD-D8C1-484B-9892-0032D247886A}"/>
+              </a:ext>
+            </a:extLst>
+          </p:cNvPr>
+          <p:cNvSpPr txBox="1"/>
+          <p:nvPr/>
+        </p:nvSpPr>
+        <p:spPr>
+          <a:xfrm>
+            <a:off x="7773220" y="159150"/>
+            <a:ext cx="4256338" cy="1384995"/>
+          </a:xfrm>
+          <a:prstGeom prst="rect">
+            <a:avLst/>
+          </a:prstGeom>
+          <a:noFill/>
+        </p:spPr>
+        <p:txBody>
+          <a:bodyPr wrap="square" rtlCol="0">
+            <a:spAutoFit/>
+          </a:bodyPr>
+          <a:lstStyle/>
+          <a:p>
+            <a:r>
+              <a:rPr lang="zh-CN" altLang="en-US" sz="1200" dirty="0"/>
+              <a:t>备注：</a:t>
+            </a:r>
+            <a:endParaRPr lang="en-US" altLang="zh-CN" sz="1200" dirty="0"/>
+          </a:p>
+          <a:p>
+            <a:r>
+              <a:rPr lang="en-US" altLang="zh-CN" sz="1200" dirty="0"/>
+              <a:t>Aserver</a:t>
+            </a:r>
+            <a:r>
+              <a:rPr lang="zh-CN" altLang="en-US" sz="1200" dirty="0"/>
+              <a:t>调度识别单元不识别机房，因此</a:t>
+            </a:r>
+            <a:r>
+              <a:rPr lang="en-US" altLang="zh-CN" sz="1200" dirty="0" err="1"/>
+              <a:t>vipserver</a:t>
+            </a:r>
+            <a:r>
+              <a:rPr lang="en-US" altLang="zh-CN" sz="1200" dirty="0"/>
+              <a:t> key</a:t>
+            </a:r>
+            <a:r>
+              <a:rPr lang="zh-CN" altLang="en-US" sz="1200" dirty="0"/>
+              <a:t>多机房挂载同一个</a:t>
+            </a:r>
+            <a:r>
+              <a:rPr lang="en-US" altLang="zh-CN" sz="1200" dirty="0"/>
+              <a:t>key</a:t>
+            </a:r>
+            <a:r>
+              <a:rPr lang="zh-CN" altLang="en-US" sz="1200" dirty="0"/>
+              <a:t>上可以进行机房间的负载均衡。</a:t>
+            </a:r>
+            <a:endParaRPr lang="en-US" altLang="zh-CN" sz="1200" dirty="0"/>
+          </a:p>
+          <a:p>
+            <a:r>
+              <a:rPr lang="zh-CN" altLang="en-US" sz="1200" dirty="0"/>
+              <a:t>而</a:t>
+            </a:r>
+            <a:r>
+              <a:rPr lang="en-US" altLang="zh-CN" sz="1200" dirty="0"/>
+              <a:t>HSF</a:t>
+            </a:r>
+            <a:r>
+              <a:rPr lang="zh-CN" altLang="en-US" sz="1200" dirty="0"/>
+              <a:t>也可以以单元的粒度进行配置，配置为</a:t>
+            </a:r>
+            <a:r>
+              <a:rPr lang="en-US" altLang="zh-CN" sz="1200" dirty="0"/>
+              <a:t>center</a:t>
+            </a:r>
+            <a:r>
+              <a:rPr lang="zh-CN" altLang="en-US" sz="1200" dirty="0"/>
+              <a:t>模式，即可自主在不同机房间进行负载均衡。</a:t>
+            </a:r>
+            <a:endParaRPr lang="en-US" altLang="zh-CN" sz="1200" dirty="0"/>
+          </a:p>
+          <a:p>
+            <a:r>
+              <a:rPr lang="zh-CN" altLang="en-US" sz="1200" dirty="0"/>
+              <a:t>异步消息也是以单元为基础，同单元不同机房可能会出现跨机房的流量投递和消费</a:t>
+            </a:r>
+          </a:p>
+        </p:txBody>
+      </p:sp>
+      <p:sp>
+        <p:nvSpPr>
+          <p:cNvPr id="52" name="矩形 51">
+            <a:extLst>
+              <a:ext uri="{FF2B5EF4-FFF2-40B4-BE49-F238E27FC236}">
+                <a16:creationId xmlns:a16="http://schemas.microsoft.com/office/drawing/2014/main" id="{C00B2E5B-D0E6-446D-9252-9EC99353E5BC}"/>
+              </a:ext>
+            </a:extLst>
+          </p:cNvPr>
+          <p:cNvSpPr/>
+          <p:nvPr/>
+        </p:nvSpPr>
+        <p:spPr>
+          <a:xfrm>
+            <a:off x="3128513" y="5963728"/>
+            <a:ext cx="4508740" cy="857962"/>
+          </a:xfrm>
+          <a:prstGeom prst="rect">
+            <a:avLst/>
+          </a:prstGeom>
+        </p:spPr>
+        <p:style>
+          <a:lnRef idx="2">
+            <a:schemeClr val="accent6"/>
+          </a:lnRef>
+          <a:fillRef idx="1">
+            <a:schemeClr val="lt1"/>
+          </a:fillRef>
+          <a:effectRef idx="0">
+            <a:schemeClr val="accent6"/>
+          </a:effectRef>
+          <a:fontRef idx="minor">
+            <a:schemeClr val="dk1"/>
+          </a:fontRef>
+        </p:style>
+        <p:txBody>
+          <a:bodyPr rtlCol="0" anchor="ctr"/>
+          <a:lstStyle/>
+          <a:p>
+            <a:pPr algn="ctr"/>
+            <a:endParaRPr lang="zh-CN" altLang="en-US"/>
+          </a:p>
+        </p:txBody>
+      </p:sp>
+      <p:sp>
+        <p:nvSpPr>
+          <p:cNvPr id="55" name="矩形 54">
+            <a:extLst>
+              <a:ext uri="{FF2B5EF4-FFF2-40B4-BE49-F238E27FC236}">
+                <a16:creationId xmlns:a16="http://schemas.microsoft.com/office/drawing/2014/main" id="{EBF46A08-5A58-40AD-8870-D581FE82C666}"/>
+              </a:ext>
+            </a:extLst>
+          </p:cNvPr>
+          <p:cNvSpPr/>
+          <p:nvPr/>
+        </p:nvSpPr>
+        <p:spPr>
+          <a:xfrm>
+            <a:off x="3476205" y="6088001"/>
+            <a:ext cx="1805795" cy="247289"/>
+          </a:xfrm>
+          <a:prstGeom prst="rect">
+            <a:avLst/>
+          </a:prstGeom>
+        </p:spPr>
+        <p:style>
+          <a:lnRef idx="2">
+            <a:schemeClr val="accent6"/>
+          </a:lnRef>
+          <a:fillRef idx="1">
+            <a:schemeClr val="lt1"/>
+          </a:fillRef>
+          <a:effectRef idx="0">
+            <a:schemeClr val="accent6"/>
+          </a:effectRef>
+          <a:fontRef idx="minor">
+            <a:schemeClr val="dk1"/>
+          </a:fontRef>
+        </p:style>
+        <p:txBody>
+          <a:bodyPr rtlCol="0" anchor="ctr"/>
+          <a:lstStyle/>
+          <a:p>
+            <a:pPr algn="ctr"/>
+            <a:r>
+              <a:rPr lang="en-US" altLang="zh-CN" sz="1200" dirty="0"/>
+              <a:t>DB leader in OS30</a:t>
+            </a:r>
+          </a:p>
+        </p:txBody>
+      </p:sp>
+      <p:sp>
+        <p:nvSpPr>
+          <p:cNvPr id="56" name="矩形 55">
+            <a:extLst>
+              <a:ext uri="{FF2B5EF4-FFF2-40B4-BE49-F238E27FC236}">
+                <a16:creationId xmlns:a16="http://schemas.microsoft.com/office/drawing/2014/main" id="{6D13D2E2-EDBB-4908-8C33-E02CCA22E7B1}"/>
+              </a:ext>
+            </a:extLst>
+          </p:cNvPr>
+          <p:cNvSpPr/>
+          <p:nvPr/>
+        </p:nvSpPr>
+        <p:spPr>
+          <a:xfrm>
+            <a:off x="5604825" y="6119193"/>
+            <a:ext cx="1805795" cy="247289"/>
+          </a:xfrm>
+          <a:prstGeom prst="rect">
+            <a:avLst/>
+          </a:prstGeom>
+        </p:spPr>
+        <p:style>
+          <a:lnRef idx="2">
+            <a:schemeClr val="accent6"/>
+          </a:lnRef>
+          <a:fillRef idx="1">
+            <a:schemeClr val="lt1"/>
+          </a:fillRef>
+          <a:effectRef idx="0">
+            <a:schemeClr val="accent6"/>
+          </a:effectRef>
+          <a:fontRef idx="minor">
+            <a:schemeClr val="dk1"/>
+          </a:fontRef>
+        </p:style>
+        <p:txBody>
+          <a:bodyPr rtlCol="0" anchor="ctr"/>
+          <a:lstStyle/>
+          <a:p>
+            <a:pPr algn="ctr"/>
+            <a:r>
+              <a:rPr lang="en-US" altLang="zh-CN" sz="1200" dirty="0"/>
+              <a:t>DB follow in SG52</a:t>
+            </a:r>
+          </a:p>
+        </p:txBody>
+      </p:sp>
+      <p:sp>
+        <p:nvSpPr>
+          <p:cNvPr id="57" name="矩形 56">
+            <a:extLst>
+              <a:ext uri="{FF2B5EF4-FFF2-40B4-BE49-F238E27FC236}">
+                <a16:creationId xmlns:a16="http://schemas.microsoft.com/office/drawing/2014/main" id="{1202CBE6-68DC-4F03-80E9-DBF7F4ACEFC1}"/>
+              </a:ext>
+            </a:extLst>
+          </p:cNvPr>
+          <p:cNvSpPr/>
+          <p:nvPr/>
+        </p:nvSpPr>
+        <p:spPr>
+          <a:xfrm>
+            <a:off x="4434673" y="6490821"/>
+            <a:ext cx="1805795" cy="247289"/>
+          </a:xfrm>
+          <a:prstGeom prst="rect">
+            <a:avLst/>
+          </a:prstGeom>
+        </p:spPr>
+        <p:style>
+          <a:lnRef idx="2">
+            <a:schemeClr val="accent6"/>
+          </a:lnRef>
+          <a:fillRef idx="1">
+            <a:schemeClr val="lt1"/>
+          </a:fillRef>
+          <a:effectRef idx="0">
+            <a:schemeClr val="accent6"/>
+          </a:effectRef>
+          <a:fontRef idx="minor">
+            <a:schemeClr val="dk1"/>
+          </a:fontRef>
+        </p:style>
+        <p:txBody>
+          <a:bodyPr rtlCol="0" anchor="ctr"/>
+          <a:lstStyle/>
+          <a:p>
+            <a:pPr algn="ctr"/>
+            <a:r>
+              <a:rPr lang="en-US" altLang="zh-CN" sz="1200" dirty="0"/>
+              <a:t>DB </a:t>
+            </a:r>
+            <a:r>
+              <a:rPr lang="en-US" altLang="zh-CN" sz="1200" dirty="0" err="1"/>
+              <a:t>binlong</a:t>
+            </a:r>
+            <a:r>
+              <a:rPr lang="en-US" altLang="zh-CN" sz="1200" dirty="0"/>
+              <a:t> in SG113</a:t>
+            </a:r>
+          </a:p>
+        </p:txBody>
+      </p:sp>
+      <p:cxnSp>
+        <p:nvCxnSpPr>
+          <p:cNvPr id="23" name="直接箭头连接符 22">
+            <a:extLst>
+              <a:ext uri="{FF2B5EF4-FFF2-40B4-BE49-F238E27FC236}">
+                <a16:creationId xmlns:a16="http://schemas.microsoft.com/office/drawing/2014/main" id="{175BA767-8ED6-45CF-83EF-053DE1A2CEAD}"/>
+              </a:ext>
+            </a:extLst>
+          </p:cNvPr>
+          <p:cNvCxnSpPr>
+            <a:stCxn id="12" idx="1"/>
+          </p:cNvCxnSpPr>
+          <p:nvPr/>
+        </p:nvCxnSpPr>
+        <p:spPr>
+          <a:xfrm flipH="1">
+            <a:off x="4186232" y="3516250"/>
+            <a:ext cx="3256934" cy="1613128"/>
+          </a:xfrm>
+          <a:prstGeom prst="straightConnector1">
+            <a:avLst/>
+          </a:prstGeom>
+          <a:ln>
+            <a:tailEnd type="triangle"/>
+          </a:ln>
+        </p:spPr>
+        <p:style>
+          <a:lnRef idx="1">
+            <a:schemeClr val="accent1"/>
+          </a:lnRef>
+          <a:fillRef idx="0">
+            <a:schemeClr val="accent1"/>
+          </a:fillRef>
+          <a:effectRef idx="0">
+            <a:schemeClr val="accent1"/>
+          </a:effectRef>
+          <a:fontRef idx="minor">
+            <a:schemeClr val="tx1"/>
+          </a:fontRef>
+        </p:style>
+      </p:cxnSp>
+      <p:cxnSp>
+        <p:nvCxnSpPr>
+          <p:cNvPr id="32" name="直接箭头连接符 31">
+            <a:extLst>
+              <a:ext uri="{FF2B5EF4-FFF2-40B4-BE49-F238E27FC236}">
+                <a16:creationId xmlns:a16="http://schemas.microsoft.com/office/drawing/2014/main" id="{BCC0DE57-D231-4EB0-BDE8-2BD28A58923B}"/>
+              </a:ext>
+            </a:extLst>
+          </p:cNvPr>
+          <p:cNvCxnSpPr>
+            <a:cxnSpLocks/>
+            <a:stCxn id="28" idx="1"/>
+            <a:endCxn id="48" idx="3"/>
+          </p:cNvCxnSpPr>
+          <p:nvPr/>
+        </p:nvCxnSpPr>
+        <p:spPr>
+          <a:xfrm flipH="1" flipV="1">
+            <a:off x="4186232" y="4056277"/>
+            <a:ext cx="3256934" cy="1003853"/>
+          </a:xfrm>
+          <a:prstGeom prst="straightConnector1">
+            <a:avLst/>
+          </a:prstGeom>
+          <a:ln w="9525" cap="flat" cmpd="sng" algn="ctr">
+            <a:solidFill>
+              <a:schemeClr val="accent2"/>
+            </a:solidFill>
+            <a:prstDash val="solid"/>
+            <a:round/>
+            <a:headEnd type="none" w="med" len="med"/>
+            <a:tailEnd type="arrow" w="med" len="med"/>
+          </a:ln>
+        </p:spPr>
+        <p:style>
+          <a:lnRef idx="0">
+            <a:scrgbClr r="0" g="0" b="0"/>
+          </a:lnRef>
+          <a:fillRef idx="0">
+            <a:scrgbClr r="0" g="0" b="0"/>
+          </a:fillRef>
+          <a:effectRef idx="0">
+            <a:scrgbClr r="0" g="0" b="0"/>
+          </a:effectRef>
+          <a:fontRef idx="minor">
+            <a:schemeClr val="tx1"/>
+          </a:fontRef>
+        </p:style>
+      </p:cxnSp>
+      <p:cxnSp>
+        <p:nvCxnSpPr>
+          <p:cNvPr id="58" name="直接箭头连接符 57">
+            <a:extLst>
+              <a:ext uri="{FF2B5EF4-FFF2-40B4-BE49-F238E27FC236}">
+                <a16:creationId xmlns:a16="http://schemas.microsoft.com/office/drawing/2014/main" id="{C41AE5DC-81AF-49BE-A195-C72C86A9FEF5}"/>
+              </a:ext>
+            </a:extLst>
+          </p:cNvPr>
+          <p:cNvCxnSpPr>
+            <a:stCxn id="26" idx="2"/>
+            <a:endCxn id="52" idx="0"/>
+          </p:cNvCxnSpPr>
+          <p:nvPr/>
+        </p:nvCxnSpPr>
+        <p:spPr>
+          <a:xfrm>
+            <a:off x="3516757" y="5267878"/>
+            <a:ext cx="1866126" cy="695850"/>
+          </a:xfrm>
+          <a:prstGeom prst="straightConnector1">
+            <a:avLst/>
+          </a:prstGeom>
+          <a:ln>
+            <a:tailEnd type="triangle"/>
+          </a:ln>
+        </p:spPr>
+        <p:style>
+          <a:lnRef idx="1">
+            <a:schemeClr val="accent1"/>
+          </a:lnRef>
+          <a:fillRef idx="0">
+            <a:schemeClr val="accent1"/>
+          </a:fillRef>
+          <a:effectRef idx="0">
+            <a:schemeClr val="accent1"/>
+          </a:effectRef>
+          <a:fontRef idx="minor">
+            <a:schemeClr val="tx1"/>
+          </a:fontRef>
+        </p:style>
+      </p:cxnSp>
+      <p:cxnSp>
+        <p:nvCxnSpPr>
+          <p:cNvPr id="60" name="直接箭头连接符 59">
+            <a:extLst>
+              <a:ext uri="{FF2B5EF4-FFF2-40B4-BE49-F238E27FC236}">
+                <a16:creationId xmlns:a16="http://schemas.microsoft.com/office/drawing/2014/main" id="{25966F3D-441B-4B6F-8C35-BA32353A89EA}"/>
+              </a:ext>
+            </a:extLst>
+          </p:cNvPr>
+          <p:cNvCxnSpPr>
+            <a:stCxn id="28" idx="2"/>
+            <a:endCxn id="52" idx="0"/>
+          </p:cNvCxnSpPr>
+          <p:nvPr/>
+        </p:nvCxnSpPr>
+        <p:spPr>
+          <a:xfrm flipH="1">
+            <a:off x="5382883" y="5198629"/>
+            <a:ext cx="2729758" cy="765099"/>
+          </a:xfrm>
+          <a:prstGeom prst="straightConnector1">
+            <a:avLst/>
+          </a:prstGeom>
+          <a:ln w="9525" cap="flat" cmpd="sng" algn="ctr">
+            <a:solidFill>
+              <a:schemeClr val="accent2"/>
+            </a:solidFill>
+            <a:prstDash val="solid"/>
+            <a:round/>
+            <a:headEnd type="none" w="med" len="med"/>
+            <a:tailEnd type="arrow" w="med" len="med"/>
+          </a:ln>
+        </p:spPr>
+        <p:style>
+          <a:lnRef idx="0">
+            <a:scrgbClr r="0" g="0" b="0"/>
+          </a:lnRef>
+          <a:fillRef idx="0">
+            <a:scrgbClr r="0" g="0" b="0"/>
+          </a:fillRef>
+          <a:effectRef idx="0">
+            <a:scrgbClr r="0" g="0" b="0"/>
+          </a:effectRef>
+          <a:fontRef idx="minor">
+            <a:schemeClr val="tx1"/>
+          </a:fontRef>
+        </p:style>
+      </p:cxnSp>
+    </p:spTree>
+    <p:extLst>
+      <p:ext uri="{BB962C8B-B14F-4D97-AF65-F5344CB8AC3E}">
+        <p14:creationId xmlns:p14="http://schemas.microsoft.com/office/powerpoint/2010/main" val="1694452982"/>
+      </p:ext>
+    </p:extLst>
+  </p:cSld>
+  <p:clrMapOvr>
+    <a:masterClrMapping/>
+  </p:clrMapOvr>
+</p:sld>
+</file>
+
+<file path=ppt/slides/slide7.xml><?xml version="1.0" encoding="utf-8"?>
+<p:sld xmlns:a="http://schemas.openxmlformats.org/drawingml/2006/main" xmlns:r="http://schemas.openxmlformats.org/officeDocument/2006/relationships" xmlns:p="http://schemas.openxmlformats.org/presentationml/2006/main">
+  <p:cSld>
+    <p:spTree>
+      <p:nvGrpSpPr>
+        <p:cNvPr id="1" name=""/>
+        <p:cNvGrpSpPr/>
+        <p:nvPr/>
+      </p:nvGrpSpPr>
+      <p:grpSpPr>
+        <a:xfrm>
+          <a:off x="0" y="0"/>
+          <a:ext cx="0" cy="0"/>
+          <a:chOff x="0" y="0"/>
+          <a:chExt cx="0" cy="0"/>
+        </a:xfrm>
+      </p:grpSpPr>
+      <p:sp>
+        <p:nvSpPr>
           <p:cNvPr id="3" name="矩形 2">
             <a:extLst>
               <a:ext uri="{FF2B5EF4-FFF2-40B4-BE49-F238E27FC236}">
@@ -14117,7 +15450,7 @@
 </p:sld>
 </file>
 
-<file path=ppt/slides/slide7.xml><?xml version="1.0" encoding="utf-8"?>
+<file path=ppt/slides/slide8.xml><?xml version="1.0" encoding="utf-8"?>
 <p:sld xmlns:a="http://schemas.openxmlformats.org/drawingml/2006/main" xmlns:r="http://schemas.openxmlformats.org/officeDocument/2006/relationships" xmlns:p="http://schemas.openxmlformats.org/presentationml/2006/main">
   <p:cSld>
     <p:spTree>

--- a/ppt/tmp_ppt.pptx
+++ b/ppt/tmp_ppt.pptx
@@ -266,7 +266,7 @@
           <a:p>
             <a:fld id="{454A0F4F-8F8E-4FE7-B4C3-4986872B7D08}" type="datetimeFigureOut">
               <a:rPr lang="zh-CN" altLang="en-US" smtClean="0"/>
-              <a:t>2021/4/10</a:t>
+              <a:t>2021/4/11</a:t>
             </a:fld>
             <a:endParaRPr lang="zh-CN" altLang="en-US"/>
           </a:p>
@@ -464,7 +464,7 @@
           <a:p>
             <a:fld id="{454A0F4F-8F8E-4FE7-B4C3-4986872B7D08}" type="datetimeFigureOut">
               <a:rPr lang="zh-CN" altLang="en-US" smtClean="0"/>
-              <a:t>2021/4/10</a:t>
+              <a:t>2021/4/11</a:t>
             </a:fld>
             <a:endParaRPr lang="zh-CN" altLang="en-US"/>
           </a:p>
@@ -672,7 +672,7 @@
           <a:p>
             <a:fld id="{454A0F4F-8F8E-4FE7-B4C3-4986872B7D08}" type="datetimeFigureOut">
               <a:rPr lang="zh-CN" altLang="en-US" smtClean="0"/>
-              <a:t>2021/4/10</a:t>
+              <a:t>2021/4/11</a:t>
             </a:fld>
             <a:endParaRPr lang="zh-CN" altLang="en-US"/>
           </a:p>
@@ -870,7 +870,7 @@
           <a:p>
             <a:fld id="{454A0F4F-8F8E-4FE7-B4C3-4986872B7D08}" type="datetimeFigureOut">
               <a:rPr lang="zh-CN" altLang="en-US" smtClean="0"/>
-              <a:t>2021/4/10</a:t>
+              <a:t>2021/4/11</a:t>
             </a:fld>
             <a:endParaRPr lang="zh-CN" altLang="en-US"/>
           </a:p>
@@ -1145,7 +1145,7 @@
           <a:p>
             <a:fld id="{454A0F4F-8F8E-4FE7-B4C3-4986872B7D08}" type="datetimeFigureOut">
               <a:rPr lang="zh-CN" altLang="en-US" smtClean="0"/>
-              <a:t>2021/4/10</a:t>
+              <a:t>2021/4/11</a:t>
             </a:fld>
             <a:endParaRPr lang="zh-CN" altLang="en-US"/>
           </a:p>
@@ -1410,7 +1410,7 @@
           <a:p>
             <a:fld id="{454A0F4F-8F8E-4FE7-B4C3-4986872B7D08}" type="datetimeFigureOut">
               <a:rPr lang="zh-CN" altLang="en-US" smtClean="0"/>
-              <a:t>2021/4/10</a:t>
+              <a:t>2021/4/11</a:t>
             </a:fld>
             <a:endParaRPr lang="zh-CN" altLang="en-US"/>
           </a:p>
@@ -1822,7 +1822,7 @@
           <a:p>
             <a:fld id="{454A0F4F-8F8E-4FE7-B4C3-4986872B7D08}" type="datetimeFigureOut">
               <a:rPr lang="zh-CN" altLang="en-US" smtClean="0"/>
-              <a:t>2021/4/10</a:t>
+              <a:t>2021/4/11</a:t>
             </a:fld>
             <a:endParaRPr lang="zh-CN" altLang="en-US"/>
           </a:p>
@@ -1963,7 +1963,7 @@
           <a:p>
             <a:fld id="{454A0F4F-8F8E-4FE7-B4C3-4986872B7D08}" type="datetimeFigureOut">
               <a:rPr lang="zh-CN" altLang="en-US" smtClean="0"/>
-              <a:t>2021/4/10</a:t>
+              <a:t>2021/4/11</a:t>
             </a:fld>
             <a:endParaRPr lang="zh-CN" altLang="en-US"/>
           </a:p>
@@ -2076,7 +2076,7 @@
           <a:p>
             <a:fld id="{454A0F4F-8F8E-4FE7-B4C3-4986872B7D08}" type="datetimeFigureOut">
               <a:rPr lang="zh-CN" altLang="en-US" smtClean="0"/>
-              <a:t>2021/4/10</a:t>
+              <a:t>2021/4/11</a:t>
             </a:fld>
             <a:endParaRPr lang="zh-CN" altLang="en-US"/>
           </a:p>
@@ -2387,7 +2387,7 @@
           <a:p>
             <a:fld id="{454A0F4F-8F8E-4FE7-B4C3-4986872B7D08}" type="datetimeFigureOut">
               <a:rPr lang="zh-CN" altLang="en-US" smtClean="0"/>
-              <a:t>2021/4/10</a:t>
+              <a:t>2021/4/11</a:t>
             </a:fld>
             <a:endParaRPr lang="zh-CN" altLang="en-US"/>
           </a:p>
@@ -2675,7 +2675,7 @@
           <a:p>
             <a:fld id="{454A0F4F-8F8E-4FE7-B4C3-4986872B7D08}" type="datetimeFigureOut">
               <a:rPr lang="zh-CN" altLang="en-US" smtClean="0"/>
-              <a:t>2021/4/10</a:t>
+              <a:t>2021/4/11</a:t>
             </a:fld>
             <a:endParaRPr lang="zh-CN" altLang="en-US"/>
           </a:p>
@@ -2916,7 +2916,7 @@
           <a:p>
             <a:fld id="{454A0F4F-8F8E-4FE7-B4C3-4986872B7D08}" type="datetimeFigureOut">
               <a:rPr lang="zh-CN" altLang="en-US" smtClean="0"/>
-              <a:t>2021/4/10</a:t>
+              <a:t>2021/4/11</a:t>
             </a:fld>
             <a:endParaRPr lang="zh-CN" altLang="en-US"/>
           </a:p>
@@ -13110,12 +13110,8 @@
               <a:t>调度识别单元不识别机房，因此</a:t>
             </a:r>
             <a:r>
-              <a:rPr lang="en-US" altLang="zh-CN" sz="1200" dirty="0" err="1"/>
-              <a:t>vipserver</a:t>
-            </a:r>
-            <a:r>
-              <a:rPr lang="en-US" altLang="zh-CN" sz="1200" dirty="0"/>
-              <a:t> key</a:t>
+              <a:rPr lang="en-US" altLang="zh-CN" sz="1200" dirty="0"/>
+              <a:t>vipserver key</a:t>
             </a:r>
             <a:r>
               <a:rPr lang="zh-CN" altLang="en-US" sz="1200" dirty="0"/>
@@ -13342,15 +13338,7 @@
             <a:pPr algn="ctr"/>
             <a:r>
               <a:rPr lang="en-US" altLang="zh-CN" sz="1200" dirty="0"/>
-              <a:t>DB </a:t>
-            </a:r>
-            <a:r>
-              <a:rPr lang="en-US" altLang="zh-CN" sz="1200" dirty="0" err="1"/>
-              <a:t>binlong</a:t>
-            </a:r>
-            <a:r>
-              <a:rPr lang="en-US" altLang="zh-CN" sz="1200" dirty="0"/>
-              <a:t> in SG113</a:t>
+              <a:t>DB log in SG113</a:t>
             </a:r>
           </a:p>
         </p:txBody>
@@ -15335,15 +15323,7 @@
             <a:pPr algn="ctr"/>
             <a:r>
               <a:rPr lang="en-US" altLang="zh-CN" sz="1200" dirty="0"/>
-              <a:t>DB </a:t>
-            </a:r>
-            <a:r>
-              <a:rPr lang="en-US" altLang="zh-CN" sz="1200" dirty="0" err="1"/>
-              <a:t>binlong</a:t>
-            </a:r>
-            <a:r>
-              <a:rPr lang="en-US" altLang="zh-CN" sz="1200" dirty="0"/>
-              <a:t> in SG113</a:t>
+              <a:t>DB log in SG113</a:t>
             </a:r>
           </a:p>
         </p:txBody>

--- a/ppt/tmp_ppt.pptx
+++ b/ppt/tmp_ppt.pptx
@@ -10,9 +10,10 @@
     <p:sldId id="258" r:id="rId4"/>
     <p:sldId id="262" r:id="rId5"/>
     <p:sldId id="263" r:id="rId6"/>
-    <p:sldId id="259" r:id="rId7"/>
-    <p:sldId id="260" r:id="rId8"/>
-    <p:sldId id="261" r:id="rId9"/>
+    <p:sldId id="264" r:id="rId7"/>
+    <p:sldId id="259" r:id="rId8"/>
+    <p:sldId id="260" r:id="rId9"/>
+    <p:sldId id="261" r:id="rId10"/>
   </p:sldIdLst>
   <p:sldSz cx="12192000" cy="6858000"/>
   <p:notesSz cx="6858000" cy="9144000"/>
@@ -11477,10 +11478,10 @@
       </p:grpSpPr>
       <p:sp>
         <p:nvSpPr>
-          <p:cNvPr id="39" name="矩形 38">
-            <a:extLst>
-              <a:ext uri="{FF2B5EF4-FFF2-40B4-BE49-F238E27FC236}">
-                <a16:creationId xmlns:a16="http://schemas.microsoft.com/office/drawing/2014/main" id="{51DDEB4C-CC56-4F92-B485-53EEC3E4182A}"/>
+          <p:cNvPr id="4" name="矩形 3">
+            <a:extLst>
+              <a:ext uri="{FF2B5EF4-FFF2-40B4-BE49-F238E27FC236}">
+                <a16:creationId xmlns:a16="http://schemas.microsoft.com/office/drawing/2014/main" id="{F3CA577E-808B-4DF8-BBC9-AB80E61E05AE}"/>
               </a:ext>
             </a:extLst>
           </p:cNvPr>
@@ -11489,12 +11490,18 @@
         </p:nvSpPr>
         <p:spPr>
           <a:xfrm>
-            <a:off x="969951" y="1636036"/>
-            <a:ext cx="8839200" cy="4241273"/>
-          </a:xfrm>
-          <a:prstGeom prst="rect">
-            <a:avLst/>
-          </a:prstGeom>
+            <a:off x="3272287" y="2064589"/>
+            <a:ext cx="4727275" cy="2421147"/>
+          </a:xfrm>
+          <a:prstGeom prst="rect">
+            <a:avLst/>
+          </a:prstGeom>
+          <a:ln>
+            <a:solidFill>
+              <a:schemeClr val="accent6"/>
+            </a:solidFill>
+            <a:prstDash val="dash"/>
+          </a:ln>
         </p:spPr>
         <p:style>
           <a:lnRef idx="2">
@@ -11515,16 +11522,16 @@
           <a:lstStyle/>
           <a:p>
             <a:pPr algn="ctr"/>
-            <a:endParaRPr lang="zh-CN" altLang="en-US"/>
-          </a:p>
-        </p:txBody>
-      </p:sp>
-      <p:sp>
-        <p:nvSpPr>
-          <p:cNvPr id="37" name="矩形 36">
-            <a:extLst>
-              <a:ext uri="{FF2B5EF4-FFF2-40B4-BE49-F238E27FC236}">
-                <a16:creationId xmlns:a16="http://schemas.microsoft.com/office/drawing/2014/main" id="{3A9B01A6-2DD5-4E4B-938F-250950B199DD}"/>
+            <a:endParaRPr lang="zh-CN" altLang="en-US" sz="1200" dirty="0"/>
+          </a:p>
+        </p:txBody>
+      </p:sp>
+      <p:sp>
+        <p:nvSpPr>
+          <p:cNvPr id="5" name="矩形 4">
+            <a:extLst>
+              <a:ext uri="{FF2B5EF4-FFF2-40B4-BE49-F238E27FC236}">
+                <a16:creationId xmlns:a16="http://schemas.microsoft.com/office/drawing/2014/main" id="{B0A9FAE4-E366-4888-9A9C-C4E556EC67DE}"/>
               </a:ext>
             </a:extLst>
           </p:cNvPr>
@@ -11533,8 +11540,8 @@
         </p:nvSpPr>
         <p:spPr>
           <a:xfrm>
-            <a:off x="7301125" y="2006925"/>
-            <a:ext cx="2070339" cy="3593455"/>
+            <a:off x="4623760" y="3455365"/>
+            <a:ext cx="2070340" cy="921104"/>
           </a:xfrm>
           <a:prstGeom prst="rect">
             <a:avLst/>
@@ -11559,16 +11566,16 @@
           <a:lstStyle/>
           <a:p>
             <a:pPr algn="ctr"/>
-            <a:endParaRPr lang="zh-CN" altLang="en-US" dirty="0"/>
-          </a:p>
-        </p:txBody>
-      </p:sp>
-      <p:sp>
-        <p:nvSpPr>
-          <p:cNvPr id="38" name="文本框 37">
-            <a:extLst>
-              <a:ext uri="{FF2B5EF4-FFF2-40B4-BE49-F238E27FC236}">
-                <a16:creationId xmlns:a16="http://schemas.microsoft.com/office/drawing/2014/main" id="{5FB872FC-F924-4B48-9EA6-8E5704E6821B}"/>
+            <a:endParaRPr lang="zh-CN" altLang="en-US"/>
+          </a:p>
+        </p:txBody>
+      </p:sp>
+      <p:sp>
+        <p:nvSpPr>
+          <p:cNvPr id="6" name="文本框 5">
+            <a:extLst>
+              <a:ext uri="{FF2B5EF4-FFF2-40B4-BE49-F238E27FC236}">
+                <a16:creationId xmlns:a16="http://schemas.microsoft.com/office/drawing/2014/main" id="{0E2AE00B-6B63-4A52-9916-DF6633D4A15F}"/>
               </a:ext>
             </a:extLst>
           </p:cNvPr>
@@ -11577,8 +11584,8 @@
         </p:nvSpPr>
         <p:spPr>
           <a:xfrm>
-            <a:off x="7356592" y="2070379"/>
-            <a:ext cx="921352" cy="276999"/>
+            <a:off x="4724400" y="3557926"/>
+            <a:ext cx="1158815" cy="276999"/>
           </a:xfrm>
           <a:prstGeom prst="rect">
             <a:avLst/>
@@ -11592,22 +11599,31 @@
           <a:lstStyle/>
           <a:p>
             <a:r>
-              <a:rPr lang="en-US" altLang="zh-CN" sz="1200" dirty="0"/>
-              <a:t>SG5</a:t>
+              <a:rPr lang="zh-CN" altLang="en-US" sz="1200" dirty="0"/>
+              <a:t>区域</a:t>
+            </a:r>
+            <a:r>
+              <a:rPr lang="en-US" altLang="zh-CN" sz="1200" dirty="0"/>
+              <a:t>A</a:t>
             </a:r>
             <a:r>
               <a:rPr lang="zh-CN" altLang="en-US" sz="1200" dirty="0"/>
               <a:t>机房</a:t>
             </a:r>
-          </a:p>
-        </p:txBody>
-      </p:sp>
-      <p:sp>
-        <p:nvSpPr>
-          <p:cNvPr id="35" name="矩形 34">
-            <a:extLst>
-              <a:ext uri="{FF2B5EF4-FFF2-40B4-BE49-F238E27FC236}">
-                <a16:creationId xmlns:a16="http://schemas.microsoft.com/office/drawing/2014/main" id="{D4A674F5-621C-4B92-A85C-C9DECC8B4210}"/>
+            <a:r>
+              <a:rPr lang="en-US" altLang="zh-CN" sz="1200" dirty="0"/>
+              <a:t>3</a:t>
+            </a:r>
+            <a:endParaRPr lang="zh-CN" altLang="en-US" sz="1200" dirty="0"/>
+          </a:p>
+        </p:txBody>
+      </p:sp>
+      <p:sp>
+        <p:nvSpPr>
+          <p:cNvPr id="7" name="矩形 6">
+            <a:extLst>
+              <a:ext uri="{FF2B5EF4-FFF2-40B4-BE49-F238E27FC236}">
+                <a16:creationId xmlns:a16="http://schemas.microsoft.com/office/drawing/2014/main" id="{90266A34-6BE7-4A44-A506-CBD8A2AF8618}"/>
               </a:ext>
             </a:extLst>
           </p:cNvPr>
@@ -11616,8 +11632,8 @@
         </p:nvSpPr>
         <p:spPr>
           <a:xfrm>
-            <a:off x="2309920" y="2006925"/>
-            <a:ext cx="2070339" cy="3594339"/>
+            <a:off x="5785449" y="2277375"/>
+            <a:ext cx="2070340" cy="1046671"/>
           </a:xfrm>
           <a:prstGeom prst="rect">
             <a:avLst/>
@@ -11642,60 +11658,16 @@
           <a:lstStyle/>
           <a:p>
             <a:pPr algn="ctr"/>
-            <a:endParaRPr lang="zh-CN" altLang="en-US" dirty="0"/>
-          </a:p>
-        </p:txBody>
-      </p:sp>
-      <p:sp>
-        <p:nvSpPr>
-          <p:cNvPr id="4" name="笑脸 3">
-            <a:extLst>
-              <a:ext uri="{FF2B5EF4-FFF2-40B4-BE49-F238E27FC236}">
-                <a16:creationId xmlns:a16="http://schemas.microsoft.com/office/drawing/2014/main" id="{1D10A485-66F8-477D-8C9E-22EC928622C0}"/>
-              </a:ext>
-            </a:extLst>
-          </p:cNvPr>
-          <p:cNvSpPr/>
-          <p:nvPr/>
-        </p:nvSpPr>
-        <p:spPr>
-          <a:xfrm>
-            <a:off x="5510098" y="130062"/>
-            <a:ext cx="585902" cy="327054"/>
-          </a:xfrm>
-          <a:prstGeom prst="smileyFace">
-            <a:avLst/>
-          </a:prstGeom>
-        </p:spPr>
-        <p:style>
-          <a:lnRef idx="2">
-            <a:schemeClr val="accent6"/>
-          </a:lnRef>
-          <a:fillRef idx="1">
-            <a:schemeClr val="lt1"/>
-          </a:fillRef>
-          <a:effectRef idx="0">
-            <a:schemeClr val="accent6"/>
-          </a:effectRef>
-          <a:fontRef idx="minor">
-            <a:schemeClr val="dk1"/>
-          </a:fontRef>
-        </p:style>
-        <p:txBody>
-          <a:bodyPr rtlCol="0" anchor="ctr"/>
-          <a:lstStyle/>
-          <a:p>
-            <a:pPr algn="ctr"/>
             <a:endParaRPr lang="zh-CN" altLang="en-US"/>
           </a:p>
         </p:txBody>
       </p:sp>
       <p:sp>
         <p:nvSpPr>
-          <p:cNvPr id="5" name="文本框 4">
-            <a:extLst>
-              <a:ext uri="{FF2B5EF4-FFF2-40B4-BE49-F238E27FC236}">
-                <a16:creationId xmlns:a16="http://schemas.microsoft.com/office/drawing/2014/main" id="{E25C409C-C599-49F7-81AF-355E8C68184F}"/>
+          <p:cNvPr id="8" name="文本框 7">
+            <a:extLst>
+              <a:ext uri="{FF2B5EF4-FFF2-40B4-BE49-F238E27FC236}">
+                <a16:creationId xmlns:a16="http://schemas.microsoft.com/office/drawing/2014/main" id="{0A937549-19CD-438A-8773-9F41731F0710}"/>
               </a:ext>
             </a:extLst>
           </p:cNvPr>
@@ -11704,18 +11676,13 @@
         </p:nvSpPr>
         <p:spPr>
           <a:xfrm>
-            <a:off x="5041396" y="549007"/>
-            <a:ext cx="1460740" cy="276999"/>
+            <a:off x="5883215" y="2346386"/>
+            <a:ext cx="1178943" cy="276999"/>
           </a:xfrm>
           <a:prstGeom prst="rect">
             <a:avLst/>
           </a:prstGeom>
           <a:noFill/>
-          <a:ln>
-            <a:solidFill>
-              <a:schemeClr val="accent1"/>
-            </a:solidFill>
-          </a:ln>
         </p:spPr>
         <p:txBody>
           <a:bodyPr wrap="square" rtlCol="0">
@@ -11725,11 +11692,19 @@
           <a:p>
             <a:r>
               <a:rPr lang="zh-CN" altLang="en-US" sz="1200" dirty="0"/>
-              <a:t>请求</a:t>
-            </a:r>
-            <a:r>
-              <a:rPr lang="en-US" altLang="zh-CN" sz="1200" dirty="0"/>
-              <a:t>www.aaa.com</a:t>
+              <a:t>区域</a:t>
+            </a:r>
+            <a:r>
+              <a:rPr lang="en-US" altLang="zh-CN" sz="1200" dirty="0"/>
+              <a:t>A</a:t>
+            </a:r>
+            <a:r>
+              <a:rPr lang="zh-CN" altLang="en-US" sz="1200" dirty="0"/>
+              <a:t>机房</a:t>
+            </a:r>
+            <a:r>
+              <a:rPr lang="en-US" altLang="zh-CN" sz="1200" dirty="0"/>
+              <a:t>2</a:t>
             </a:r>
             <a:endParaRPr lang="zh-CN" altLang="en-US" sz="1200" dirty="0"/>
           </a:p>
@@ -11737,10 +11712,198 @@
       </p:sp>
       <p:sp>
         <p:nvSpPr>
-          <p:cNvPr id="6" name="文本框 5">
-            <a:extLst>
-              <a:ext uri="{FF2B5EF4-FFF2-40B4-BE49-F238E27FC236}">
-                <a16:creationId xmlns:a16="http://schemas.microsoft.com/office/drawing/2014/main" id="{23DE99EB-DD92-4C77-8DBE-23396BAD83B9}"/>
+          <p:cNvPr id="9" name="矩形 8">
+            <a:extLst>
+              <a:ext uri="{FF2B5EF4-FFF2-40B4-BE49-F238E27FC236}">
+                <a16:creationId xmlns:a16="http://schemas.microsoft.com/office/drawing/2014/main" id="{12E84904-1614-4B32-9BB4-2ECFE8EF7B8B}"/>
+              </a:ext>
+            </a:extLst>
+          </p:cNvPr>
+          <p:cNvSpPr/>
+          <p:nvPr/>
+        </p:nvSpPr>
+        <p:spPr>
+          <a:xfrm>
+            <a:off x="3479321" y="2277375"/>
+            <a:ext cx="2070340" cy="1046671"/>
+          </a:xfrm>
+          <a:prstGeom prst="rect">
+            <a:avLst/>
+          </a:prstGeom>
+        </p:spPr>
+        <p:style>
+          <a:lnRef idx="2">
+            <a:schemeClr val="accent6"/>
+          </a:lnRef>
+          <a:fillRef idx="1">
+            <a:schemeClr val="lt1"/>
+          </a:fillRef>
+          <a:effectRef idx="0">
+            <a:schemeClr val="accent6"/>
+          </a:effectRef>
+          <a:fontRef idx="minor">
+            <a:schemeClr val="dk1"/>
+          </a:fontRef>
+        </p:style>
+        <p:txBody>
+          <a:bodyPr rtlCol="0" anchor="ctr"/>
+          <a:lstStyle/>
+          <a:p>
+            <a:pPr algn="ctr"/>
+            <a:endParaRPr lang="zh-CN" altLang="en-US"/>
+          </a:p>
+        </p:txBody>
+      </p:sp>
+      <p:sp>
+        <p:nvSpPr>
+          <p:cNvPr id="10" name="矩形 9">
+            <a:extLst>
+              <a:ext uri="{FF2B5EF4-FFF2-40B4-BE49-F238E27FC236}">
+                <a16:creationId xmlns:a16="http://schemas.microsoft.com/office/drawing/2014/main" id="{D6F33468-C1D2-4B87-83DA-9D5A074C7032}"/>
+              </a:ext>
+            </a:extLst>
+          </p:cNvPr>
+          <p:cNvSpPr/>
+          <p:nvPr/>
+        </p:nvSpPr>
+        <p:spPr>
+          <a:xfrm>
+            <a:off x="3996906" y="2754703"/>
+            <a:ext cx="1339970" cy="316302"/>
+          </a:xfrm>
+          <a:prstGeom prst="rect">
+            <a:avLst/>
+          </a:prstGeom>
+        </p:spPr>
+        <p:style>
+          <a:lnRef idx="2">
+            <a:schemeClr val="accent6"/>
+          </a:lnRef>
+          <a:fillRef idx="1">
+            <a:schemeClr val="lt1"/>
+          </a:fillRef>
+          <a:effectRef idx="0">
+            <a:schemeClr val="accent6"/>
+          </a:effectRef>
+          <a:fontRef idx="minor">
+            <a:schemeClr val="dk1"/>
+          </a:fontRef>
+        </p:style>
+        <p:txBody>
+          <a:bodyPr rtlCol="0" anchor="ctr"/>
+          <a:lstStyle/>
+          <a:p>
+            <a:pPr algn="ctr"/>
+            <a:r>
+              <a:rPr lang="en-US" altLang="zh-CN" sz="1200" dirty="0"/>
+              <a:t>DB leader</a:t>
+            </a:r>
+            <a:endParaRPr lang="zh-CN" altLang="en-US" sz="1200" dirty="0"/>
+          </a:p>
+        </p:txBody>
+      </p:sp>
+      <p:sp>
+        <p:nvSpPr>
+          <p:cNvPr id="11" name="矩形 10">
+            <a:extLst>
+              <a:ext uri="{FF2B5EF4-FFF2-40B4-BE49-F238E27FC236}">
+                <a16:creationId xmlns:a16="http://schemas.microsoft.com/office/drawing/2014/main" id="{9B5FDB77-7071-4028-A2FB-E208A6D21886}"/>
+              </a:ext>
+            </a:extLst>
+          </p:cNvPr>
+          <p:cNvSpPr/>
+          <p:nvPr/>
+        </p:nvSpPr>
+        <p:spPr>
+          <a:xfrm>
+            <a:off x="6124754" y="2754703"/>
+            <a:ext cx="1339970" cy="316302"/>
+          </a:xfrm>
+          <a:prstGeom prst="rect">
+            <a:avLst/>
+          </a:prstGeom>
+        </p:spPr>
+        <p:style>
+          <a:lnRef idx="2">
+            <a:schemeClr val="accent6"/>
+          </a:lnRef>
+          <a:fillRef idx="1">
+            <a:schemeClr val="lt1"/>
+          </a:fillRef>
+          <a:effectRef idx="0">
+            <a:schemeClr val="accent6"/>
+          </a:effectRef>
+          <a:fontRef idx="minor">
+            <a:schemeClr val="dk1"/>
+          </a:fontRef>
+        </p:style>
+        <p:txBody>
+          <a:bodyPr rtlCol="0" anchor="ctr"/>
+          <a:lstStyle/>
+          <a:p>
+            <a:pPr algn="ctr"/>
+            <a:r>
+              <a:rPr lang="en-US" altLang="zh-CN" sz="1200" dirty="0"/>
+              <a:t>DB follow</a:t>
+            </a:r>
+            <a:endParaRPr lang="zh-CN" altLang="en-US" sz="1200" dirty="0"/>
+          </a:p>
+        </p:txBody>
+      </p:sp>
+      <p:sp>
+        <p:nvSpPr>
+          <p:cNvPr id="12" name="矩形 11">
+            <a:extLst>
+              <a:ext uri="{FF2B5EF4-FFF2-40B4-BE49-F238E27FC236}">
+                <a16:creationId xmlns:a16="http://schemas.microsoft.com/office/drawing/2014/main" id="{7E9BEB94-60D5-4F7B-BB67-19A6D85A291C}"/>
+              </a:ext>
+            </a:extLst>
+          </p:cNvPr>
+          <p:cNvSpPr/>
+          <p:nvPr/>
+        </p:nvSpPr>
+        <p:spPr>
+          <a:xfrm>
+            <a:off x="4859548" y="3894834"/>
+            <a:ext cx="1339970" cy="316302"/>
+          </a:xfrm>
+          <a:prstGeom prst="rect">
+            <a:avLst/>
+          </a:prstGeom>
+        </p:spPr>
+        <p:style>
+          <a:lnRef idx="2">
+            <a:schemeClr val="accent6"/>
+          </a:lnRef>
+          <a:fillRef idx="1">
+            <a:schemeClr val="lt1"/>
+          </a:fillRef>
+          <a:effectRef idx="0">
+            <a:schemeClr val="accent6"/>
+          </a:effectRef>
+          <a:fontRef idx="minor">
+            <a:schemeClr val="dk1"/>
+          </a:fontRef>
+        </p:style>
+        <p:txBody>
+          <a:bodyPr rtlCol="0" anchor="ctr"/>
+          <a:lstStyle/>
+          <a:p>
+            <a:pPr algn="ctr"/>
+            <a:r>
+              <a:rPr lang="en-US" altLang="zh-CN" sz="1200" dirty="0"/>
+              <a:t>DB log</a:t>
+            </a:r>
+            <a:endParaRPr lang="zh-CN" altLang="en-US" sz="1200" dirty="0"/>
+          </a:p>
+        </p:txBody>
+      </p:sp>
+      <p:sp>
+        <p:nvSpPr>
+          <p:cNvPr id="13" name="文本框 12">
+            <a:extLst>
+              <a:ext uri="{FF2B5EF4-FFF2-40B4-BE49-F238E27FC236}">
+                <a16:creationId xmlns:a16="http://schemas.microsoft.com/office/drawing/2014/main" id="{6AB8FD27-E2A1-4A4A-BCD3-45E494CF5EFC}"/>
               </a:ext>
             </a:extLst>
           </p:cNvPr>
@@ -11749,18 +11912,13 @@
         </p:nvSpPr>
         <p:spPr>
           <a:xfrm>
-            <a:off x="4544495" y="1062743"/>
-            <a:ext cx="2457369" cy="276999"/>
+            <a:off x="3577087" y="2346386"/>
+            <a:ext cx="1219199" cy="276999"/>
           </a:xfrm>
           <a:prstGeom prst="rect">
             <a:avLst/>
           </a:prstGeom>
           <a:noFill/>
-          <a:ln>
-            <a:solidFill>
-              <a:schemeClr val="accent1"/>
-            </a:solidFill>
-          </a:ln>
         </p:spPr>
         <p:txBody>
           <a:bodyPr wrap="square" rtlCol="0">
@@ -11770,19 +11928,19 @@
           <a:p>
             <a:r>
               <a:rPr lang="zh-CN" altLang="en-US" sz="1200" dirty="0"/>
-              <a:t>解析到</a:t>
-            </a:r>
-            <a:r>
-              <a:rPr lang="en-US" altLang="zh-CN" sz="1200" dirty="0"/>
-              <a:t>base</a:t>
-            </a:r>
-            <a:r>
-              <a:rPr lang="zh-CN" altLang="en-US" sz="1200" dirty="0"/>
-              <a:t>域名</a:t>
-            </a:r>
-            <a:r>
-              <a:rPr lang="en-US" altLang="zh-CN" sz="1200" dirty="0"/>
-              <a:t>www.aaadns.com</a:t>
+              <a:t>区域</a:t>
+            </a:r>
+            <a:r>
+              <a:rPr lang="en-US" altLang="zh-CN" sz="1200" dirty="0"/>
+              <a:t>A</a:t>
+            </a:r>
+            <a:r>
+              <a:rPr lang="zh-CN" altLang="en-US" sz="1200" dirty="0"/>
+              <a:t>机房</a:t>
+            </a:r>
+            <a:r>
+              <a:rPr lang="en-US" altLang="zh-CN" sz="1200" dirty="0"/>
+              <a:t>1</a:t>
             </a:r>
             <a:endParaRPr lang="zh-CN" altLang="en-US" sz="1200" dirty="0"/>
           </a:p>
@@ -11790,10 +11948,10 @@
       </p:sp>
       <p:sp>
         <p:nvSpPr>
-          <p:cNvPr id="7" name="文本框 6">
-            <a:extLst>
-              <a:ext uri="{FF2B5EF4-FFF2-40B4-BE49-F238E27FC236}">
-                <a16:creationId xmlns:a16="http://schemas.microsoft.com/office/drawing/2014/main" id="{7F4DE25D-3378-4829-9E89-1C17AEF5F1C9}"/>
+          <p:cNvPr id="14" name="文本框 13">
+            <a:extLst>
+              <a:ext uri="{FF2B5EF4-FFF2-40B4-BE49-F238E27FC236}">
+                <a16:creationId xmlns:a16="http://schemas.microsoft.com/office/drawing/2014/main" id="{5B8EF78A-35A9-4FB3-8E2D-5ECCD17C1BF9}"/>
               </a:ext>
             </a:extLst>
           </p:cNvPr>
@@ -11802,18 +11960,13 @@
         </p:nvSpPr>
         <p:spPr>
           <a:xfrm>
-            <a:off x="2850436" y="2370658"/>
-            <a:ext cx="1338950" cy="278224"/>
+            <a:off x="3479321" y="3557926"/>
+            <a:ext cx="750497" cy="276999"/>
           </a:xfrm>
           <a:prstGeom prst="rect">
             <a:avLst/>
           </a:prstGeom>
           <a:noFill/>
-          <a:ln>
-            <a:solidFill>
-              <a:schemeClr val="accent1"/>
-            </a:solidFill>
-          </a:ln>
         </p:spPr>
         <p:txBody>
           <a:bodyPr wrap="square" rtlCol="0">
@@ -11822,23 +11975,115 @@
           <a:lstStyle/>
           <a:p>
             <a:r>
-              <a:rPr lang="en-US" altLang="zh-CN" sz="1200" dirty="0"/>
-              <a:t>OS30</a:t>
-            </a:r>
-            <a:r>
-              <a:rPr lang="zh-CN" altLang="en-US" sz="1200" dirty="0"/>
-              <a:t>统一接入层</a:t>
-            </a:r>
-            <a:endParaRPr lang="en-US" altLang="zh-CN" sz="1200" dirty="0"/>
-          </a:p>
-        </p:txBody>
-      </p:sp>
-      <p:sp>
-        <p:nvSpPr>
-          <p:cNvPr id="8" name="文本框 7">
-            <a:extLst>
-              <a:ext uri="{FF2B5EF4-FFF2-40B4-BE49-F238E27FC236}">
-                <a16:creationId xmlns:a16="http://schemas.microsoft.com/office/drawing/2014/main" id="{7B2E211B-64CC-4FDC-A6A5-B6A98608231C}"/>
+              <a:rPr lang="zh-CN" altLang="en-US" sz="1200" dirty="0"/>
+              <a:t>中心</a:t>
+            </a:r>
+            <a:r>
+              <a:rPr lang="en-US" altLang="zh-CN" sz="1200" dirty="0"/>
+              <a:t>DB</a:t>
+            </a:r>
+            <a:endParaRPr lang="zh-CN" altLang="en-US" sz="1200" dirty="0"/>
+          </a:p>
+        </p:txBody>
+      </p:sp>
+      <p:sp>
+        <p:nvSpPr>
+          <p:cNvPr id="15" name="矩形 14">
+            <a:extLst>
+              <a:ext uri="{FF2B5EF4-FFF2-40B4-BE49-F238E27FC236}">
+                <a16:creationId xmlns:a16="http://schemas.microsoft.com/office/drawing/2014/main" id="{E5AFD5C7-F66E-4FFA-AD3F-363F4847710A}"/>
+              </a:ext>
+            </a:extLst>
+          </p:cNvPr>
+          <p:cNvSpPr/>
+          <p:nvPr/>
+        </p:nvSpPr>
+        <p:spPr>
+          <a:xfrm>
+            <a:off x="4623760" y="253042"/>
+            <a:ext cx="2070340" cy="1046671"/>
+          </a:xfrm>
+          <a:prstGeom prst="rect">
+            <a:avLst/>
+          </a:prstGeom>
+        </p:spPr>
+        <p:style>
+          <a:lnRef idx="2">
+            <a:schemeClr val="accent6"/>
+          </a:lnRef>
+          <a:fillRef idx="1">
+            <a:schemeClr val="lt1"/>
+          </a:fillRef>
+          <a:effectRef idx="0">
+            <a:schemeClr val="accent6"/>
+          </a:effectRef>
+          <a:fontRef idx="minor">
+            <a:schemeClr val="dk1"/>
+          </a:fontRef>
+        </p:style>
+        <p:txBody>
+          <a:bodyPr rtlCol="0" anchor="ctr"/>
+          <a:lstStyle/>
+          <a:p>
+            <a:pPr algn="ctr"/>
+            <a:endParaRPr lang="zh-CN" altLang="en-US"/>
+          </a:p>
+        </p:txBody>
+      </p:sp>
+      <p:sp>
+        <p:nvSpPr>
+          <p:cNvPr id="16" name="矩形 15">
+            <a:extLst>
+              <a:ext uri="{FF2B5EF4-FFF2-40B4-BE49-F238E27FC236}">
+                <a16:creationId xmlns:a16="http://schemas.microsoft.com/office/drawing/2014/main" id="{91CDD418-5B00-43F4-AB56-097D3DD2BC02}"/>
+              </a:ext>
+            </a:extLst>
+          </p:cNvPr>
+          <p:cNvSpPr/>
+          <p:nvPr/>
+        </p:nvSpPr>
+        <p:spPr>
+          <a:xfrm>
+            <a:off x="5141345" y="730370"/>
+            <a:ext cx="1339970" cy="316302"/>
+          </a:xfrm>
+          <a:prstGeom prst="rect">
+            <a:avLst/>
+          </a:prstGeom>
+        </p:spPr>
+        <p:style>
+          <a:lnRef idx="2">
+            <a:schemeClr val="accent6"/>
+          </a:lnRef>
+          <a:fillRef idx="1">
+            <a:schemeClr val="lt1"/>
+          </a:fillRef>
+          <a:effectRef idx="0">
+            <a:schemeClr val="accent6"/>
+          </a:effectRef>
+          <a:fontRef idx="minor">
+            <a:schemeClr val="dk1"/>
+          </a:fontRef>
+        </p:style>
+        <p:txBody>
+          <a:bodyPr rtlCol="0" anchor="ctr"/>
+          <a:lstStyle/>
+          <a:p>
+            <a:pPr algn="ctr"/>
+            <a:r>
+              <a:rPr lang="en-US" altLang="zh-CN" sz="1200" dirty="0"/>
+              <a:t>DB leader</a:t>
+            </a:r>
+            <a:endParaRPr lang="zh-CN" altLang="en-US" sz="1200" dirty="0"/>
+          </a:p>
+        </p:txBody>
+      </p:sp>
+      <p:sp>
+        <p:nvSpPr>
+          <p:cNvPr id="17" name="文本框 16">
+            <a:extLst>
+              <a:ext uri="{FF2B5EF4-FFF2-40B4-BE49-F238E27FC236}">
+                <a16:creationId xmlns:a16="http://schemas.microsoft.com/office/drawing/2014/main" id="{14D833AB-31EA-41AD-A8A0-972EBADED514}"/>
               </a:ext>
             </a:extLst>
           </p:cNvPr>
@@ -11847,18 +12092,13 @@
         </p:nvSpPr>
         <p:spPr>
           <a:xfrm>
-            <a:off x="7443167" y="2370658"/>
-            <a:ext cx="1338950" cy="278224"/>
+            <a:off x="4721526" y="322053"/>
+            <a:ext cx="885645" cy="276999"/>
           </a:xfrm>
           <a:prstGeom prst="rect">
             <a:avLst/>
           </a:prstGeom>
           <a:noFill/>
-          <a:ln>
-            <a:solidFill>
-              <a:schemeClr val="accent1"/>
-            </a:solidFill>
-          </a:ln>
         </p:spPr>
         <p:txBody>
           <a:bodyPr wrap="square" rtlCol="0">
@@ -11867,23 +12107,159 @@
           <a:lstStyle/>
           <a:p>
             <a:r>
-              <a:rPr lang="en-US" altLang="zh-CN" sz="1200" dirty="0"/>
-              <a:t>SG52</a:t>
-            </a:r>
-            <a:r>
-              <a:rPr lang="zh-CN" altLang="en-US" sz="1200" dirty="0"/>
-              <a:t>统一接入层</a:t>
-            </a:r>
-            <a:endParaRPr lang="en-US" altLang="zh-CN" sz="1200" dirty="0"/>
-          </a:p>
-        </p:txBody>
-      </p:sp>
-      <p:sp>
-        <p:nvSpPr>
-          <p:cNvPr id="9" name="文本框 8">
-            <a:extLst>
-              <a:ext uri="{FF2B5EF4-FFF2-40B4-BE49-F238E27FC236}">
-                <a16:creationId xmlns:a16="http://schemas.microsoft.com/office/drawing/2014/main" id="{EEF82D11-56DC-46C1-90E8-E630333A0D62}"/>
+              <a:rPr lang="zh-CN" altLang="en-US" sz="1200" dirty="0"/>
+              <a:t>区域</a:t>
+            </a:r>
+            <a:r>
+              <a:rPr lang="en-US" altLang="zh-CN" sz="1200" dirty="0"/>
+              <a:t>B</a:t>
+            </a:r>
+            <a:endParaRPr lang="zh-CN" altLang="en-US" sz="1200" dirty="0"/>
+          </a:p>
+        </p:txBody>
+      </p:sp>
+      <p:sp>
+        <p:nvSpPr>
+          <p:cNvPr id="18" name="箭头: 上下 17">
+            <a:extLst>
+              <a:ext uri="{FF2B5EF4-FFF2-40B4-BE49-F238E27FC236}">
+                <a16:creationId xmlns:a16="http://schemas.microsoft.com/office/drawing/2014/main" id="{ED759D2E-9BA6-4881-8668-D752EE59F3A6}"/>
+              </a:ext>
+            </a:extLst>
+          </p:cNvPr>
+          <p:cNvSpPr/>
+          <p:nvPr/>
+        </p:nvSpPr>
+        <p:spPr>
+          <a:xfrm>
+            <a:off x="5451894" y="1320808"/>
+            <a:ext cx="471578" cy="722688"/>
+          </a:xfrm>
+          <a:prstGeom prst="upDownArrow">
+            <a:avLst/>
+          </a:prstGeom>
+        </p:spPr>
+        <p:style>
+          <a:lnRef idx="2">
+            <a:schemeClr val="accent6"/>
+          </a:lnRef>
+          <a:fillRef idx="1">
+            <a:schemeClr val="lt1"/>
+          </a:fillRef>
+          <a:effectRef idx="0">
+            <a:schemeClr val="accent6"/>
+          </a:effectRef>
+          <a:fontRef idx="minor">
+            <a:schemeClr val="dk1"/>
+          </a:fontRef>
+        </p:style>
+        <p:txBody>
+          <a:bodyPr rtlCol="0" anchor="ctr"/>
+          <a:lstStyle/>
+          <a:p>
+            <a:pPr algn="ctr"/>
+            <a:endParaRPr lang="zh-CN" altLang="en-US"/>
+          </a:p>
+        </p:txBody>
+      </p:sp>
+      <p:sp>
+        <p:nvSpPr>
+          <p:cNvPr id="19" name="矩形 18">
+            <a:extLst>
+              <a:ext uri="{FF2B5EF4-FFF2-40B4-BE49-F238E27FC236}">
+                <a16:creationId xmlns:a16="http://schemas.microsoft.com/office/drawing/2014/main" id="{2556FAC8-C3C9-4996-8849-C41DB19EF05B}"/>
+              </a:ext>
+            </a:extLst>
+          </p:cNvPr>
+          <p:cNvSpPr/>
+          <p:nvPr/>
+        </p:nvSpPr>
+        <p:spPr>
+          <a:xfrm>
+            <a:off x="215660" y="2754703"/>
+            <a:ext cx="2070340" cy="1046671"/>
+          </a:xfrm>
+          <a:prstGeom prst="rect">
+            <a:avLst/>
+          </a:prstGeom>
+        </p:spPr>
+        <p:style>
+          <a:lnRef idx="2">
+            <a:schemeClr val="accent6"/>
+          </a:lnRef>
+          <a:fillRef idx="1">
+            <a:schemeClr val="lt1"/>
+          </a:fillRef>
+          <a:effectRef idx="0">
+            <a:schemeClr val="accent6"/>
+          </a:effectRef>
+          <a:fontRef idx="minor">
+            <a:schemeClr val="dk1"/>
+          </a:fontRef>
+        </p:style>
+        <p:txBody>
+          <a:bodyPr rtlCol="0" anchor="ctr"/>
+          <a:lstStyle/>
+          <a:p>
+            <a:pPr algn="ctr"/>
+            <a:endParaRPr lang="zh-CN" altLang="en-US"/>
+          </a:p>
+        </p:txBody>
+      </p:sp>
+      <p:sp>
+        <p:nvSpPr>
+          <p:cNvPr id="20" name="矩形 19">
+            <a:extLst>
+              <a:ext uri="{FF2B5EF4-FFF2-40B4-BE49-F238E27FC236}">
+                <a16:creationId xmlns:a16="http://schemas.microsoft.com/office/drawing/2014/main" id="{993D4C14-C92A-43EE-A2C4-C2E611FBB464}"/>
+              </a:ext>
+            </a:extLst>
+          </p:cNvPr>
+          <p:cNvSpPr/>
+          <p:nvPr/>
+        </p:nvSpPr>
+        <p:spPr>
+          <a:xfrm>
+            <a:off x="733245" y="3232031"/>
+            <a:ext cx="1339970" cy="316302"/>
+          </a:xfrm>
+          <a:prstGeom prst="rect">
+            <a:avLst/>
+          </a:prstGeom>
+        </p:spPr>
+        <p:style>
+          <a:lnRef idx="2">
+            <a:schemeClr val="accent6"/>
+          </a:lnRef>
+          <a:fillRef idx="1">
+            <a:schemeClr val="lt1"/>
+          </a:fillRef>
+          <a:effectRef idx="0">
+            <a:schemeClr val="accent6"/>
+          </a:effectRef>
+          <a:fontRef idx="minor">
+            <a:schemeClr val="dk1"/>
+          </a:fontRef>
+        </p:style>
+        <p:txBody>
+          <a:bodyPr rtlCol="0" anchor="ctr"/>
+          <a:lstStyle/>
+          <a:p>
+            <a:pPr algn="ctr"/>
+            <a:r>
+              <a:rPr lang="en-US" altLang="zh-CN" sz="1200" dirty="0"/>
+              <a:t>DB leader</a:t>
+            </a:r>
+            <a:endParaRPr lang="zh-CN" altLang="en-US" sz="1200" dirty="0"/>
+          </a:p>
+        </p:txBody>
+      </p:sp>
+      <p:sp>
+        <p:nvSpPr>
+          <p:cNvPr id="21" name="文本框 20">
+            <a:extLst>
+              <a:ext uri="{FF2B5EF4-FFF2-40B4-BE49-F238E27FC236}">
+                <a16:creationId xmlns:a16="http://schemas.microsoft.com/office/drawing/2014/main" id="{C3870990-AA4B-44D8-8593-D2E585DBD2ED}"/>
               </a:ext>
             </a:extLst>
           </p:cNvPr>
@@ -11892,18 +12268,13 @@
         </p:nvSpPr>
         <p:spPr>
           <a:xfrm>
-            <a:off x="2850436" y="2996520"/>
-            <a:ext cx="1338950" cy="276999"/>
+            <a:off x="313426" y="2823714"/>
+            <a:ext cx="885645" cy="276999"/>
           </a:xfrm>
           <a:prstGeom prst="rect">
             <a:avLst/>
           </a:prstGeom>
           <a:noFill/>
-          <a:ln>
-            <a:solidFill>
-              <a:schemeClr val="accent1"/>
-            </a:solidFill>
-          </a:ln>
         </p:spPr>
         <p:txBody>
           <a:bodyPr wrap="square" rtlCol="0">
@@ -11912,34 +12283,115 @@
           <a:lstStyle/>
           <a:p>
             <a:r>
-              <a:rPr lang="en-US" altLang="zh-CN" sz="1200" dirty="0"/>
-              <a:t>OS30</a:t>
-            </a:r>
-            <a:r>
-              <a:rPr lang="zh-CN" altLang="en-US" sz="1200" dirty="0"/>
-              <a:t>应用</a:t>
-            </a:r>
-            <a:r>
-              <a:rPr lang="en-US" altLang="zh-CN" sz="1200" dirty="0"/>
-              <a:t>A</a:t>
-            </a:r>
-            <a:r>
-              <a:rPr lang="zh-CN" altLang="en-US" sz="1200" dirty="0"/>
-              <a:t>节点</a:t>
-            </a:r>
-            <a:r>
-              <a:rPr lang="en-US" altLang="zh-CN" sz="1200" dirty="0"/>
-              <a:t>1</a:t>
-            </a:r>
-          </a:p>
-        </p:txBody>
-      </p:sp>
-      <p:sp>
-        <p:nvSpPr>
-          <p:cNvPr id="10" name="文本框 9">
-            <a:extLst>
-              <a:ext uri="{FF2B5EF4-FFF2-40B4-BE49-F238E27FC236}">
-                <a16:creationId xmlns:a16="http://schemas.microsoft.com/office/drawing/2014/main" id="{4006409F-F125-4E0D-9250-36B192A88286}"/>
+              <a:rPr lang="zh-CN" altLang="en-US" sz="1200" dirty="0"/>
+              <a:t>区域</a:t>
+            </a:r>
+            <a:r>
+              <a:rPr lang="en-US" altLang="zh-CN" sz="1200" dirty="0"/>
+              <a:t>C</a:t>
+            </a:r>
+            <a:endParaRPr lang="zh-CN" altLang="en-US" sz="1200" dirty="0"/>
+          </a:p>
+        </p:txBody>
+      </p:sp>
+      <p:sp>
+        <p:nvSpPr>
+          <p:cNvPr id="22" name="矩形 21">
+            <a:extLst>
+              <a:ext uri="{FF2B5EF4-FFF2-40B4-BE49-F238E27FC236}">
+                <a16:creationId xmlns:a16="http://schemas.microsoft.com/office/drawing/2014/main" id="{D7FB352B-6E01-4436-9278-4738410E4948}"/>
+              </a:ext>
+            </a:extLst>
+          </p:cNvPr>
+          <p:cNvSpPr/>
+          <p:nvPr/>
+        </p:nvSpPr>
+        <p:spPr>
+          <a:xfrm>
+            <a:off x="4623760" y="5518985"/>
+            <a:ext cx="2070340" cy="1046671"/>
+          </a:xfrm>
+          <a:prstGeom prst="rect">
+            <a:avLst/>
+          </a:prstGeom>
+        </p:spPr>
+        <p:style>
+          <a:lnRef idx="2">
+            <a:schemeClr val="accent6"/>
+          </a:lnRef>
+          <a:fillRef idx="1">
+            <a:schemeClr val="lt1"/>
+          </a:fillRef>
+          <a:effectRef idx="0">
+            <a:schemeClr val="accent6"/>
+          </a:effectRef>
+          <a:fontRef idx="minor">
+            <a:schemeClr val="dk1"/>
+          </a:fontRef>
+        </p:style>
+        <p:txBody>
+          <a:bodyPr rtlCol="0" anchor="ctr"/>
+          <a:lstStyle/>
+          <a:p>
+            <a:pPr algn="ctr"/>
+            <a:endParaRPr lang="zh-CN" altLang="en-US"/>
+          </a:p>
+        </p:txBody>
+      </p:sp>
+      <p:sp>
+        <p:nvSpPr>
+          <p:cNvPr id="23" name="矩形 22">
+            <a:extLst>
+              <a:ext uri="{FF2B5EF4-FFF2-40B4-BE49-F238E27FC236}">
+                <a16:creationId xmlns:a16="http://schemas.microsoft.com/office/drawing/2014/main" id="{FC36C679-54CF-4C7E-816E-6B67AD3ECECD}"/>
+              </a:ext>
+            </a:extLst>
+          </p:cNvPr>
+          <p:cNvSpPr/>
+          <p:nvPr/>
+        </p:nvSpPr>
+        <p:spPr>
+          <a:xfrm>
+            <a:off x="5141345" y="5996313"/>
+            <a:ext cx="1339970" cy="316302"/>
+          </a:xfrm>
+          <a:prstGeom prst="rect">
+            <a:avLst/>
+          </a:prstGeom>
+        </p:spPr>
+        <p:style>
+          <a:lnRef idx="2">
+            <a:schemeClr val="accent6"/>
+          </a:lnRef>
+          <a:fillRef idx="1">
+            <a:schemeClr val="lt1"/>
+          </a:fillRef>
+          <a:effectRef idx="0">
+            <a:schemeClr val="accent6"/>
+          </a:effectRef>
+          <a:fontRef idx="minor">
+            <a:schemeClr val="dk1"/>
+          </a:fontRef>
+        </p:style>
+        <p:txBody>
+          <a:bodyPr rtlCol="0" anchor="ctr"/>
+          <a:lstStyle/>
+          <a:p>
+            <a:pPr algn="ctr"/>
+            <a:r>
+              <a:rPr lang="en-US" altLang="zh-CN" sz="1200" dirty="0"/>
+              <a:t>DB leader</a:t>
+            </a:r>
+            <a:endParaRPr lang="zh-CN" altLang="en-US" sz="1200" dirty="0"/>
+          </a:p>
+        </p:txBody>
+      </p:sp>
+      <p:sp>
+        <p:nvSpPr>
+          <p:cNvPr id="24" name="文本框 23">
+            <a:extLst>
+              <a:ext uri="{FF2B5EF4-FFF2-40B4-BE49-F238E27FC236}">
+                <a16:creationId xmlns:a16="http://schemas.microsoft.com/office/drawing/2014/main" id="{63AAD5D7-FB8A-4262-80A5-779D1186415B}"/>
               </a:ext>
             </a:extLst>
           </p:cNvPr>
@@ -11948,18 +12400,13 @@
         </p:nvSpPr>
         <p:spPr>
           <a:xfrm>
-            <a:off x="2850437" y="3344158"/>
-            <a:ext cx="1338950" cy="276999"/>
+            <a:off x="4721526" y="5587996"/>
+            <a:ext cx="885645" cy="276999"/>
           </a:xfrm>
           <a:prstGeom prst="rect">
             <a:avLst/>
           </a:prstGeom>
           <a:noFill/>
-          <a:ln>
-            <a:solidFill>
-              <a:schemeClr val="accent1"/>
-            </a:solidFill>
-          </a:ln>
         </p:spPr>
         <p:txBody>
           <a:bodyPr wrap="square" rtlCol="0">
@@ -11968,34 +12415,115 @@
           <a:lstStyle/>
           <a:p>
             <a:r>
-              <a:rPr lang="en-US" altLang="zh-CN" sz="1200" dirty="0"/>
-              <a:t>OS30</a:t>
-            </a:r>
-            <a:r>
-              <a:rPr lang="zh-CN" altLang="en-US" sz="1200" dirty="0"/>
-              <a:t>应用</a:t>
-            </a:r>
-            <a:r>
-              <a:rPr lang="en-US" altLang="zh-CN" sz="1200" dirty="0"/>
-              <a:t>A</a:t>
-            </a:r>
-            <a:r>
-              <a:rPr lang="zh-CN" altLang="en-US" sz="1200" dirty="0"/>
-              <a:t>节点</a:t>
-            </a:r>
-            <a:r>
-              <a:rPr lang="en-US" altLang="zh-CN" sz="1200" dirty="0"/>
-              <a:t>2</a:t>
-            </a:r>
-          </a:p>
-        </p:txBody>
-      </p:sp>
-      <p:sp>
-        <p:nvSpPr>
-          <p:cNvPr id="11" name="文本框 10">
-            <a:extLst>
-              <a:ext uri="{FF2B5EF4-FFF2-40B4-BE49-F238E27FC236}">
-                <a16:creationId xmlns:a16="http://schemas.microsoft.com/office/drawing/2014/main" id="{51EE403E-55AE-42F1-BF38-C3DEF5944C84}"/>
+              <a:rPr lang="zh-CN" altLang="en-US" sz="1200" dirty="0"/>
+              <a:t>区域</a:t>
+            </a:r>
+            <a:r>
+              <a:rPr lang="en-US" altLang="zh-CN" sz="1200" dirty="0"/>
+              <a:t>D</a:t>
+            </a:r>
+            <a:endParaRPr lang="zh-CN" altLang="en-US" sz="1200" dirty="0"/>
+          </a:p>
+        </p:txBody>
+      </p:sp>
+      <p:sp>
+        <p:nvSpPr>
+          <p:cNvPr id="25" name="矩形 24">
+            <a:extLst>
+              <a:ext uri="{FF2B5EF4-FFF2-40B4-BE49-F238E27FC236}">
+                <a16:creationId xmlns:a16="http://schemas.microsoft.com/office/drawing/2014/main" id="{912AA52F-5939-4001-B48A-071A095A0C6E}"/>
+              </a:ext>
+            </a:extLst>
+          </p:cNvPr>
+          <p:cNvSpPr/>
+          <p:nvPr/>
+        </p:nvSpPr>
+        <p:spPr>
+          <a:xfrm>
+            <a:off x="9624206" y="2754703"/>
+            <a:ext cx="2070340" cy="1046671"/>
+          </a:xfrm>
+          <a:prstGeom prst="rect">
+            <a:avLst/>
+          </a:prstGeom>
+        </p:spPr>
+        <p:style>
+          <a:lnRef idx="2">
+            <a:schemeClr val="accent6"/>
+          </a:lnRef>
+          <a:fillRef idx="1">
+            <a:schemeClr val="lt1"/>
+          </a:fillRef>
+          <a:effectRef idx="0">
+            <a:schemeClr val="accent6"/>
+          </a:effectRef>
+          <a:fontRef idx="minor">
+            <a:schemeClr val="dk1"/>
+          </a:fontRef>
+        </p:style>
+        <p:txBody>
+          <a:bodyPr rtlCol="0" anchor="ctr"/>
+          <a:lstStyle/>
+          <a:p>
+            <a:pPr algn="ctr"/>
+            <a:endParaRPr lang="zh-CN" altLang="en-US"/>
+          </a:p>
+        </p:txBody>
+      </p:sp>
+      <p:sp>
+        <p:nvSpPr>
+          <p:cNvPr id="26" name="矩形 25">
+            <a:extLst>
+              <a:ext uri="{FF2B5EF4-FFF2-40B4-BE49-F238E27FC236}">
+                <a16:creationId xmlns:a16="http://schemas.microsoft.com/office/drawing/2014/main" id="{B1D9E732-3770-4A5B-9138-5593F5213957}"/>
+              </a:ext>
+            </a:extLst>
+          </p:cNvPr>
+          <p:cNvSpPr/>
+          <p:nvPr/>
+        </p:nvSpPr>
+        <p:spPr>
+          <a:xfrm>
+            <a:off x="10141791" y="3232031"/>
+            <a:ext cx="1339970" cy="316302"/>
+          </a:xfrm>
+          <a:prstGeom prst="rect">
+            <a:avLst/>
+          </a:prstGeom>
+        </p:spPr>
+        <p:style>
+          <a:lnRef idx="2">
+            <a:schemeClr val="accent6"/>
+          </a:lnRef>
+          <a:fillRef idx="1">
+            <a:schemeClr val="lt1"/>
+          </a:fillRef>
+          <a:effectRef idx="0">
+            <a:schemeClr val="accent6"/>
+          </a:effectRef>
+          <a:fontRef idx="minor">
+            <a:schemeClr val="dk1"/>
+          </a:fontRef>
+        </p:style>
+        <p:txBody>
+          <a:bodyPr rtlCol="0" anchor="ctr"/>
+          <a:lstStyle/>
+          <a:p>
+            <a:pPr algn="ctr"/>
+            <a:r>
+              <a:rPr lang="en-US" altLang="zh-CN" sz="1200" dirty="0"/>
+              <a:t>DB leader</a:t>
+            </a:r>
+            <a:endParaRPr lang="zh-CN" altLang="en-US" sz="1200" dirty="0"/>
+          </a:p>
+        </p:txBody>
+      </p:sp>
+      <p:sp>
+        <p:nvSpPr>
+          <p:cNvPr id="27" name="文本框 26">
+            <a:extLst>
+              <a:ext uri="{FF2B5EF4-FFF2-40B4-BE49-F238E27FC236}">
+                <a16:creationId xmlns:a16="http://schemas.microsoft.com/office/drawing/2014/main" id="{96EC4C84-2045-45B0-A498-55E9D05D3041}"/>
               </a:ext>
             </a:extLst>
           </p:cNvPr>
@@ -12004,18 +12532,13 @@
         </p:nvSpPr>
         <p:spPr>
           <a:xfrm>
-            <a:off x="7443166" y="2996519"/>
-            <a:ext cx="1338950" cy="276999"/>
+            <a:off x="9721972" y="2823714"/>
+            <a:ext cx="885645" cy="276999"/>
           </a:xfrm>
           <a:prstGeom prst="rect">
             <a:avLst/>
           </a:prstGeom>
           <a:noFill/>
-          <a:ln>
-            <a:solidFill>
-              <a:schemeClr val="accent1"/>
-            </a:solidFill>
-          </a:ln>
         </p:spPr>
         <p:txBody>
           <a:bodyPr wrap="square" rtlCol="0">
@@ -12024,34 +12547,155 @@
           <a:lstStyle/>
           <a:p>
             <a:r>
-              <a:rPr lang="en-US" altLang="zh-CN" sz="1200" dirty="0"/>
-              <a:t>SG52</a:t>
-            </a:r>
-            <a:r>
-              <a:rPr lang="zh-CN" altLang="en-US" sz="1200" dirty="0"/>
-              <a:t>应用</a:t>
-            </a:r>
-            <a:r>
-              <a:rPr lang="en-US" altLang="zh-CN" sz="1200" dirty="0"/>
-              <a:t>A</a:t>
-            </a:r>
-            <a:r>
-              <a:rPr lang="zh-CN" altLang="en-US" sz="1200" dirty="0"/>
-              <a:t>节点</a:t>
-            </a:r>
-            <a:r>
-              <a:rPr lang="en-US" altLang="zh-CN" sz="1200" dirty="0"/>
-              <a:t>3</a:t>
-            </a:r>
-          </a:p>
-        </p:txBody>
-      </p:sp>
-      <p:sp>
-        <p:nvSpPr>
-          <p:cNvPr id="12" name="文本框 11">
-            <a:extLst>
-              <a:ext uri="{FF2B5EF4-FFF2-40B4-BE49-F238E27FC236}">
-                <a16:creationId xmlns:a16="http://schemas.microsoft.com/office/drawing/2014/main" id="{1F0F606F-010E-4D31-84F3-26B46353DC9E}"/>
+              <a:rPr lang="zh-CN" altLang="en-US" sz="1200" dirty="0"/>
+              <a:t>区域</a:t>
+            </a:r>
+            <a:r>
+              <a:rPr lang="en-US" altLang="zh-CN" sz="1200" dirty="0"/>
+              <a:t>E</a:t>
+            </a:r>
+            <a:endParaRPr lang="zh-CN" altLang="en-US" sz="1200" dirty="0"/>
+          </a:p>
+        </p:txBody>
+      </p:sp>
+      <p:sp>
+        <p:nvSpPr>
+          <p:cNvPr id="28" name="箭头: 左右 27">
+            <a:extLst>
+              <a:ext uri="{FF2B5EF4-FFF2-40B4-BE49-F238E27FC236}">
+                <a16:creationId xmlns:a16="http://schemas.microsoft.com/office/drawing/2014/main" id="{4E8FBF74-6077-4899-86F4-8E3AE9EB390A}"/>
+              </a:ext>
+            </a:extLst>
+          </p:cNvPr>
+          <p:cNvSpPr/>
+          <p:nvPr/>
+        </p:nvSpPr>
+        <p:spPr>
+          <a:xfrm>
+            <a:off x="2286000" y="3071005"/>
+            <a:ext cx="957533" cy="477328"/>
+          </a:xfrm>
+          <a:prstGeom prst="leftRightArrow">
+            <a:avLst/>
+          </a:prstGeom>
+        </p:spPr>
+        <p:style>
+          <a:lnRef idx="2">
+            <a:schemeClr val="accent6"/>
+          </a:lnRef>
+          <a:fillRef idx="1">
+            <a:schemeClr val="lt1"/>
+          </a:fillRef>
+          <a:effectRef idx="0">
+            <a:schemeClr val="accent6"/>
+          </a:effectRef>
+          <a:fontRef idx="minor">
+            <a:schemeClr val="dk1"/>
+          </a:fontRef>
+        </p:style>
+        <p:txBody>
+          <a:bodyPr rtlCol="0" anchor="ctr"/>
+          <a:lstStyle/>
+          <a:p>
+            <a:pPr algn="ctr"/>
+            <a:endParaRPr lang="zh-CN" altLang="en-US"/>
+          </a:p>
+        </p:txBody>
+      </p:sp>
+      <p:sp>
+        <p:nvSpPr>
+          <p:cNvPr id="29" name="箭头: 左右 28">
+            <a:extLst>
+              <a:ext uri="{FF2B5EF4-FFF2-40B4-BE49-F238E27FC236}">
+                <a16:creationId xmlns:a16="http://schemas.microsoft.com/office/drawing/2014/main" id="{421C6D25-80A2-449C-85DB-13CF42466D5B}"/>
+              </a:ext>
+            </a:extLst>
+          </p:cNvPr>
+          <p:cNvSpPr/>
+          <p:nvPr/>
+        </p:nvSpPr>
+        <p:spPr>
+          <a:xfrm>
+            <a:off x="8013939" y="3036498"/>
+            <a:ext cx="1610267" cy="477328"/>
+          </a:xfrm>
+          <a:prstGeom prst="leftRightArrow">
+            <a:avLst/>
+          </a:prstGeom>
+        </p:spPr>
+        <p:style>
+          <a:lnRef idx="2">
+            <a:schemeClr val="accent6"/>
+          </a:lnRef>
+          <a:fillRef idx="1">
+            <a:schemeClr val="lt1"/>
+          </a:fillRef>
+          <a:effectRef idx="0">
+            <a:schemeClr val="accent6"/>
+          </a:effectRef>
+          <a:fontRef idx="minor">
+            <a:schemeClr val="dk1"/>
+          </a:fontRef>
+        </p:style>
+        <p:txBody>
+          <a:bodyPr rtlCol="0" anchor="ctr"/>
+          <a:lstStyle/>
+          <a:p>
+            <a:pPr algn="ctr"/>
+            <a:endParaRPr lang="zh-CN" altLang="en-US"/>
+          </a:p>
+        </p:txBody>
+      </p:sp>
+      <p:sp>
+        <p:nvSpPr>
+          <p:cNvPr id="30" name="箭头: 上下 29">
+            <a:extLst>
+              <a:ext uri="{FF2B5EF4-FFF2-40B4-BE49-F238E27FC236}">
+                <a16:creationId xmlns:a16="http://schemas.microsoft.com/office/drawing/2014/main" id="{BAF59C24-D7A2-475C-95D0-7DADE093C43E}"/>
+              </a:ext>
+            </a:extLst>
+          </p:cNvPr>
+          <p:cNvSpPr/>
+          <p:nvPr/>
+        </p:nvSpPr>
+        <p:spPr>
+          <a:xfrm>
+            <a:off x="5374258" y="4492453"/>
+            <a:ext cx="471578" cy="1026532"/>
+          </a:xfrm>
+          <a:prstGeom prst="upDownArrow">
+            <a:avLst/>
+          </a:prstGeom>
+        </p:spPr>
+        <p:style>
+          <a:lnRef idx="2">
+            <a:schemeClr val="accent6"/>
+          </a:lnRef>
+          <a:fillRef idx="1">
+            <a:schemeClr val="lt1"/>
+          </a:fillRef>
+          <a:effectRef idx="0">
+            <a:schemeClr val="accent6"/>
+          </a:effectRef>
+          <a:fontRef idx="minor">
+            <a:schemeClr val="dk1"/>
+          </a:fontRef>
+        </p:style>
+        <p:txBody>
+          <a:bodyPr rtlCol="0" anchor="ctr"/>
+          <a:lstStyle/>
+          <a:p>
+            <a:pPr algn="ctr"/>
+            <a:endParaRPr lang="zh-CN" altLang="en-US"/>
+          </a:p>
+        </p:txBody>
+      </p:sp>
+      <p:sp>
+        <p:nvSpPr>
+          <p:cNvPr id="31" name="文本框 30">
+            <a:extLst>
+              <a:ext uri="{FF2B5EF4-FFF2-40B4-BE49-F238E27FC236}">
+                <a16:creationId xmlns:a16="http://schemas.microsoft.com/office/drawing/2014/main" id="{06A3552C-A3A8-4FE4-8DCE-C1459B356448}"/>
               </a:ext>
             </a:extLst>
           </p:cNvPr>
@@ -12060,18 +12704,13 @@
         </p:nvSpPr>
         <p:spPr>
           <a:xfrm>
-            <a:off x="7443166" y="3377750"/>
-            <a:ext cx="1338950" cy="276999"/>
+            <a:off x="1219201" y="1177991"/>
+            <a:ext cx="2260120" cy="461665"/>
           </a:xfrm>
           <a:prstGeom prst="rect">
             <a:avLst/>
           </a:prstGeom>
           <a:noFill/>
-          <a:ln>
-            <a:solidFill>
-              <a:schemeClr val="accent1"/>
-            </a:solidFill>
-          </a:ln>
         </p:spPr>
         <p:txBody>
           <a:bodyPr wrap="square" rtlCol="0">
@@ -12080,1453 +12719,16 @@
           <a:lstStyle/>
           <a:p>
             <a:r>
-              <a:rPr lang="en-US" altLang="zh-CN" sz="1200" dirty="0"/>
-              <a:t>SG52</a:t>
-            </a:r>
-            <a:r>
-              <a:rPr lang="zh-CN" altLang="en-US" sz="1200" dirty="0"/>
-              <a:t>应用</a:t>
-            </a:r>
-            <a:r>
-              <a:rPr lang="en-US" altLang="zh-CN" sz="1200" dirty="0"/>
-              <a:t>A</a:t>
-            </a:r>
-            <a:r>
-              <a:rPr lang="zh-CN" altLang="en-US" sz="1200" dirty="0"/>
-              <a:t>节点</a:t>
-            </a:r>
-            <a:r>
-              <a:rPr lang="en-US" altLang="zh-CN" sz="1200" dirty="0"/>
-              <a:t>4</a:t>
-            </a:r>
-          </a:p>
-        </p:txBody>
-      </p:sp>
-      <p:sp>
-        <p:nvSpPr>
-          <p:cNvPr id="13" name="文本框 12">
-            <a:extLst>
-              <a:ext uri="{FF2B5EF4-FFF2-40B4-BE49-F238E27FC236}">
-                <a16:creationId xmlns:a16="http://schemas.microsoft.com/office/drawing/2014/main" id="{E9129C8D-CDAC-49D4-A6F4-F33BF447ACAB}"/>
-              </a:ext>
-            </a:extLst>
-          </p:cNvPr>
-          <p:cNvSpPr txBox="1"/>
-          <p:nvPr/>
-        </p:nvSpPr>
-        <p:spPr>
-          <a:xfrm>
-            <a:off x="4630606" y="2279379"/>
-            <a:ext cx="2518823" cy="461665"/>
-          </a:xfrm>
-          <a:prstGeom prst="rect">
-            <a:avLst/>
-          </a:prstGeom>
-          <a:noFill/>
-          <a:ln>
-            <a:solidFill>
-              <a:schemeClr val="accent1"/>
-            </a:solidFill>
-          </a:ln>
-        </p:spPr>
-        <p:txBody>
-          <a:bodyPr wrap="square" rtlCol="0">
-            <a:spAutoFit/>
-          </a:bodyPr>
-          <a:lstStyle/>
-          <a:p>
-            <a:r>
-              <a:rPr lang="en-US" altLang="zh-CN" sz="1200" dirty="0"/>
-              <a:t>Vipserver key </a:t>
-            </a:r>
-            <a:r>
-              <a:rPr lang="zh-CN" altLang="en-US" sz="1200" dirty="0"/>
-              <a:t>跨机房注册</a:t>
-            </a:r>
-            <a:r>
-              <a:rPr lang="en-US" altLang="zh-CN" sz="1200" dirty="0"/>
-              <a:t> app-a</a:t>
-            </a:r>
-            <a:r>
-              <a:rPr lang="zh-CN" altLang="en-US" sz="1200" dirty="0"/>
-              <a:t>：</a:t>
-            </a:r>
-            <a:endParaRPr lang="en-US" altLang="zh-CN" sz="1200" dirty="0"/>
-          </a:p>
-          <a:p>
-            <a:r>
-              <a:rPr lang="zh-CN" altLang="en-US" sz="1200" dirty="0"/>
-              <a:t>节点</a:t>
-            </a:r>
-            <a:r>
-              <a:rPr lang="en-US" altLang="zh-CN" sz="1200" dirty="0"/>
-              <a:t>1</a:t>
-            </a:r>
-            <a:r>
-              <a:rPr lang="zh-CN" altLang="en-US" sz="1200" dirty="0"/>
-              <a:t>   节点</a:t>
-            </a:r>
-            <a:r>
-              <a:rPr lang="en-US" altLang="zh-CN" sz="1200" dirty="0"/>
-              <a:t>2   </a:t>
-            </a:r>
-            <a:r>
-              <a:rPr lang="zh-CN" altLang="en-US" sz="1200" dirty="0"/>
-              <a:t>节点</a:t>
-            </a:r>
-            <a:r>
-              <a:rPr lang="en-US" altLang="zh-CN" sz="1200" dirty="0"/>
-              <a:t>3     </a:t>
-            </a:r>
-            <a:r>
-              <a:rPr lang="zh-CN" altLang="en-US" sz="1200" dirty="0"/>
-              <a:t>节点</a:t>
-            </a:r>
-            <a:r>
-              <a:rPr lang="en-US" altLang="zh-CN" sz="1200" dirty="0"/>
-              <a:t>4</a:t>
-            </a:r>
-          </a:p>
-        </p:txBody>
-      </p:sp>
-      <p:cxnSp>
-        <p:nvCxnSpPr>
-          <p:cNvPr id="15" name="直接箭头连接符 14">
-            <a:extLst>
-              <a:ext uri="{FF2B5EF4-FFF2-40B4-BE49-F238E27FC236}">
-                <a16:creationId xmlns:a16="http://schemas.microsoft.com/office/drawing/2014/main" id="{01421A87-D201-4817-96A6-229B2BE1721F}"/>
-              </a:ext>
-            </a:extLst>
-          </p:cNvPr>
-          <p:cNvCxnSpPr>
-            <a:stCxn id="8" idx="1"/>
-            <a:endCxn id="13" idx="3"/>
-          </p:cNvCxnSpPr>
-          <p:nvPr/>
-        </p:nvCxnSpPr>
-        <p:spPr>
-          <a:xfrm flipH="1">
-            <a:off x="7149429" y="2509770"/>
-            <a:ext cx="293738" cy="442"/>
-          </a:xfrm>
-          <a:prstGeom prst="straightConnector1">
-            <a:avLst/>
-          </a:prstGeom>
-          <a:ln>
-            <a:tailEnd type="triangle"/>
-          </a:ln>
-        </p:spPr>
-        <p:style>
-          <a:lnRef idx="1">
-            <a:schemeClr val="accent1"/>
-          </a:lnRef>
-          <a:fillRef idx="0">
-            <a:schemeClr val="accent1"/>
-          </a:fillRef>
-          <a:effectRef idx="0">
-            <a:schemeClr val="accent1"/>
-          </a:effectRef>
-          <a:fontRef idx="minor">
-            <a:schemeClr val="tx1"/>
-          </a:fontRef>
-        </p:style>
-      </p:cxnSp>
-      <p:cxnSp>
-        <p:nvCxnSpPr>
-          <p:cNvPr id="18" name="直接箭头连接符 17">
-            <a:extLst>
-              <a:ext uri="{FF2B5EF4-FFF2-40B4-BE49-F238E27FC236}">
-                <a16:creationId xmlns:a16="http://schemas.microsoft.com/office/drawing/2014/main" id="{C7E8F700-ABB0-4593-B268-A033D90E3226}"/>
-              </a:ext>
-            </a:extLst>
-          </p:cNvPr>
-          <p:cNvCxnSpPr>
-            <a:stCxn id="7" idx="3"/>
-            <a:endCxn id="13" idx="1"/>
-          </p:cNvCxnSpPr>
-          <p:nvPr/>
-        </p:nvCxnSpPr>
-        <p:spPr>
-          <a:xfrm>
-            <a:off x="4189386" y="2509770"/>
-            <a:ext cx="441220" cy="442"/>
-          </a:xfrm>
-          <a:prstGeom prst="straightConnector1">
-            <a:avLst/>
-          </a:prstGeom>
-          <a:ln>
-            <a:tailEnd type="triangle"/>
-          </a:ln>
-        </p:spPr>
-        <p:style>
-          <a:lnRef idx="1">
-            <a:schemeClr val="accent1"/>
-          </a:lnRef>
-          <a:fillRef idx="0">
-            <a:schemeClr val="accent1"/>
-          </a:fillRef>
-          <a:effectRef idx="0">
-            <a:schemeClr val="accent1"/>
-          </a:effectRef>
-          <a:fontRef idx="minor">
-            <a:schemeClr val="tx1"/>
-          </a:fontRef>
-        </p:style>
-      </p:cxnSp>
-      <p:cxnSp>
-        <p:nvCxnSpPr>
-          <p:cNvPr id="20" name="直接箭头连接符 19">
-            <a:extLst>
-              <a:ext uri="{FF2B5EF4-FFF2-40B4-BE49-F238E27FC236}">
-                <a16:creationId xmlns:a16="http://schemas.microsoft.com/office/drawing/2014/main" id="{14FE827C-8382-4447-9D05-A6199C916657}"/>
-              </a:ext>
-            </a:extLst>
-          </p:cNvPr>
-          <p:cNvCxnSpPr>
-            <a:stCxn id="5" idx="2"/>
-            <a:endCxn id="6" idx="0"/>
-          </p:cNvCxnSpPr>
-          <p:nvPr/>
-        </p:nvCxnSpPr>
-        <p:spPr>
-          <a:xfrm>
-            <a:off x="5771766" y="826006"/>
-            <a:ext cx="1414" cy="236737"/>
-          </a:xfrm>
-          <a:prstGeom prst="straightConnector1">
-            <a:avLst/>
-          </a:prstGeom>
-          <a:ln>
-            <a:tailEnd type="triangle"/>
-          </a:ln>
-        </p:spPr>
-        <p:style>
-          <a:lnRef idx="1">
-            <a:schemeClr val="accent1"/>
-          </a:lnRef>
-          <a:fillRef idx="0">
-            <a:schemeClr val="accent1"/>
-          </a:fillRef>
-          <a:effectRef idx="0">
-            <a:schemeClr val="accent1"/>
-          </a:effectRef>
-          <a:fontRef idx="minor">
-            <a:schemeClr val="tx1"/>
-          </a:fontRef>
-        </p:style>
-      </p:cxnSp>
-      <p:cxnSp>
-        <p:nvCxnSpPr>
-          <p:cNvPr id="22" name="直接箭头连接符 21">
-            <a:extLst>
-              <a:ext uri="{FF2B5EF4-FFF2-40B4-BE49-F238E27FC236}">
-                <a16:creationId xmlns:a16="http://schemas.microsoft.com/office/drawing/2014/main" id="{E81D865B-99C4-45A5-95C8-790B9D7C766F}"/>
-              </a:ext>
-            </a:extLst>
-          </p:cNvPr>
-          <p:cNvCxnSpPr>
-            <a:stCxn id="6" idx="2"/>
-            <a:endCxn id="7" idx="0"/>
-          </p:cNvCxnSpPr>
-          <p:nvPr/>
-        </p:nvCxnSpPr>
-        <p:spPr>
-          <a:xfrm flipH="1">
-            <a:off x="3519911" y="1339742"/>
-            <a:ext cx="2253269" cy="1030916"/>
-          </a:xfrm>
-          <a:prstGeom prst="straightConnector1">
-            <a:avLst/>
-          </a:prstGeom>
-          <a:ln>
-            <a:tailEnd type="triangle"/>
-          </a:ln>
-        </p:spPr>
-        <p:style>
-          <a:lnRef idx="1">
-            <a:schemeClr val="accent1"/>
-          </a:lnRef>
-          <a:fillRef idx="0">
-            <a:schemeClr val="accent1"/>
-          </a:fillRef>
-          <a:effectRef idx="0">
-            <a:schemeClr val="accent1"/>
-          </a:effectRef>
-          <a:fontRef idx="minor">
-            <a:schemeClr val="tx1"/>
-          </a:fontRef>
-        </p:style>
-      </p:cxnSp>
-      <p:cxnSp>
-        <p:nvCxnSpPr>
-          <p:cNvPr id="24" name="直接箭头连接符 23">
-            <a:extLst>
-              <a:ext uri="{FF2B5EF4-FFF2-40B4-BE49-F238E27FC236}">
-                <a16:creationId xmlns:a16="http://schemas.microsoft.com/office/drawing/2014/main" id="{C2961714-37DB-4CDF-91D8-EB4A5400FE5C}"/>
-              </a:ext>
-            </a:extLst>
-          </p:cNvPr>
-          <p:cNvCxnSpPr>
-            <a:stCxn id="7" idx="2"/>
-            <a:endCxn id="12" idx="1"/>
-          </p:cNvCxnSpPr>
-          <p:nvPr/>
-        </p:nvCxnSpPr>
-        <p:spPr>
-          <a:xfrm>
-            <a:off x="3519911" y="2648882"/>
-            <a:ext cx="3923255" cy="867368"/>
-          </a:xfrm>
-          <a:prstGeom prst="straightConnector1">
-            <a:avLst/>
-          </a:prstGeom>
-          <a:ln>
-            <a:tailEnd type="triangle"/>
-          </a:ln>
-        </p:spPr>
-        <p:style>
-          <a:lnRef idx="1">
-            <a:schemeClr val="accent1"/>
-          </a:lnRef>
-          <a:fillRef idx="0">
-            <a:schemeClr val="accent1"/>
-          </a:fillRef>
-          <a:effectRef idx="0">
-            <a:schemeClr val="accent1"/>
-          </a:effectRef>
-          <a:fontRef idx="minor">
-            <a:schemeClr val="tx1"/>
-          </a:fontRef>
-        </p:style>
-      </p:cxnSp>
-      <p:sp>
-        <p:nvSpPr>
-          <p:cNvPr id="25" name="文本框 24">
-            <a:extLst>
-              <a:ext uri="{FF2B5EF4-FFF2-40B4-BE49-F238E27FC236}">
-                <a16:creationId xmlns:a16="http://schemas.microsoft.com/office/drawing/2014/main" id="{CF6EE4CF-15F9-4DD1-873B-9F047D25F980}"/>
-              </a:ext>
-            </a:extLst>
-          </p:cNvPr>
-          <p:cNvSpPr txBox="1"/>
-          <p:nvPr/>
-        </p:nvSpPr>
-        <p:spPr>
-          <a:xfrm>
-            <a:off x="2850436" y="4630572"/>
-            <a:ext cx="1338950" cy="276999"/>
-          </a:xfrm>
-          <a:prstGeom prst="rect">
-            <a:avLst/>
-          </a:prstGeom>
-          <a:noFill/>
-          <a:ln>
-            <a:solidFill>
-              <a:schemeClr val="accent1"/>
-            </a:solidFill>
-          </a:ln>
-        </p:spPr>
-        <p:txBody>
-          <a:bodyPr wrap="square" rtlCol="0">
-            <a:spAutoFit/>
-          </a:bodyPr>
-          <a:lstStyle/>
-          <a:p>
-            <a:r>
-              <a:rPr lang="en-US" altLang="zh-CN" sz="1200" dirty="0"/>
-              <a:t>OS30</a:t>
-            </a:r>
-            <a:r>
-              <a:rPr lang="zh-CN" altLang="en-US" sz="1200" dirty="0"/>
-              <a:t>应用</a:t>
-            </a:r>
-            <a:r>
-              <a:rPr lang="en-US" altLang="zh-CN" sz="1200" dirty="0"/>
-              <a:t>B</a:t>
-            </a:r>
-            <a:r>
-              <a:rPr lang="zh-CN" altLang="en-US" sz="1200" dirty="0"/>
-              <a:t>节点</a:t>
-            </a:r>
-            <a:r>
-              <a:rPr lang="en-US" altLang="zh-CN" sz="1200" dirty="0"/>
-              <a:t>1</a:t>
-            </a:r>
-          </a:p>
-        </p:txBody>
-      </p:sp>
-      <p:sp>
-        <p:nvSpPr>
-          <p:cNvPr id="26" name="文本框 25">
-            <a:extLst>
-              <a:ext uri="{FF2B5EF4-FFF2-40B4-BE49-F238E27FC236}">
-                <a16:creationId xmlns:a16="http://schemas.microsoft.com/office/drawing/2014/main" id="{78DBE6AF-84EF-4666-B5A5-CD34FDFF1AC3}"/>
-              </a:ext>
-            </a:extLst>
-          </p:cNvPr>
-          <p:cNvSpPr txBox="1"/>
-          <p:nvPr/>
-        </p:nvSpPr>
-        <p:spPr>
-          <a:xfrm>
-            <a:off x="2847282" y="4990879"/>
-            <a:ext cx="1338950" cy="276999"/>
-          </a:xfrm>
-          <a:prstGeom prst="rect">
-            <a:avLst/>
-          </a:prstGeom>
-          <a:noFill/>
-          <a:ln>
-            <a:solidFill>
-              <a:schemeClr val="accent1"/>
-            </a:solidFill>
-          </a:ln>
-        </p:spPr>
-        <p:txBody>
-          <a:bodyPr wrap="square" rtlCol="0">
-            <a:spAutoFit/>
-          </a:bodyPr>
-          <a:lstStyle/>
-          <a:p>
-            <a:r>
-              <a:rPr lang="en-US" altLang="zh-CN" sz="1200" dirty="0"/>
-              <a:t>OS30</a:t>
-            </a:r>
-            <a:r>
-              <a:rPr lang="zh-CN" altLang="en-US" sz="1200" dirty="0"/>
-              <a:t>应用</a:t>
-            </a:r>
-            <a:r>
-              <a:rPr lang="en-US" altLang="zh-CN" sz="1200" dirty="0"/>
-              <a:t>B</a:t>
-            </a:r>
-            <a:r>
-              <a:rPr lang="zh-CN" altLang="en-US" sz="1200" dirty="0"/>
-              <a:t>节点</a:t>
-            </a:r>
-            <a:r>
-              <a:rPr lang="en-US" altLang="zh-CN" sz="1200" dirty="0"/>
-              <a:t>1</a:t>
-            </a:r>
-          </a:p>
-        </p:txBody>
-      </p:sp>
-      <p:sp>
-        <p:nvSpPr>
-          <p:cNvPr id="27" name="文本框 26">
-            <a:extLst>
-              <a:ext uri="{FF2B5EF4-FFF2-40B4-BE49-F238E27FC236}">
-                <a16:creationId xmlns:a16="http://schemas.microsoft.com/office/drawing/2014/main" id="{1E7FC0FD-4872-4048-A1FF-0FC0220C7DE9}"/>
-              </a:ext>
-            </a:extLst>
-          </p:cNvPr>
-          <p:cNvSpPr txBox="1"/>
-          <p:nvPr/>
-        </p:nvSpPr>
-        <p:spPr>
-          <a:xfrm>
-            <a:off x="7443166" y="4561323"/>
-            <a:ext cx="1338950" cy="276999"/>
-          </a:xfrm>
-          <a:prstGeom prst="rect">
-            <a:avLst/>
-          </a:prstGeom>
-          <a:noFill/>
-          <a:ln>
-            <a:solidFill>
-              <a:schemeClr val="accent1"/>
-            </a:solidFill>
-          </a:ln>
-        </p:spPr>
-        <p:txBody>
-          <a:bodyPr wrap="square" rtlCol="0">
-            <a:spAutoFit/>
-          </a:bodyPr>
-          <a:lstStyle/>
-          <a:p>
-            <a:r>
-              <a:rPr lang="en-US" altLang="zh-CN" sz="1200" dirty="0"/>
-              <a:t>SG52</a:t>
-            </a:r>
-            <a:r>
-              <a:rPr lang="zh-CN" altLang="en-US" sz="1200" dirty="0"/>
-              <a:t>应用</a:t>
-            </a:r>
-            <a:r>
-              <a:rPr lang="en-US" altLang="zh-CN" sz="1200" dirty="0"/>
-              <a:t>B</a:t>
-            </a:r>
-            <a:r>
-              <a:rPr lang="zh-CN" altLang="en-US" sz="1200" dirty="0"/>
-              <a:t>节点</a:t>
-            </a:r>
-            <a:r>
-              <a:rPr lang="en-US" altLang="zh-CN" sz="1200" dirty="0"/>
-              <a:t>3</a:t>
-            </a:r>
-          </a:p>
-        </p:txBody>
-      </p:sp>
-      <p:sp>
-        <p:nvSpPr>
-          <p:cNvPr id="28" name="文本框 27">
-            <a:extLst>
-              <a:ext uri="{FF2B5EF4-FFF2-40B4-BE49-F238E27FC236}">
-                <a16:creationId xmlns:a16="http://schemas.microsoft.com/office/drawing/2014/main" id="{92E26A39-05B4-4787-9653-8D0302079F7D}"/>
-              </a:ext>
-            </a:extLst>
-          </p:cNvPr>
-          <p:cNvSpPr txBox="1"/>
-          <p:nvPr/>
-        </p:nvSpPr>
-        <p:spPr>
-          <a:xfrm>
-            <a:off x="7443166" y="4921630"/>
-            <a:ext cx="1338950" cy="276999"/>
-          </a:xfrm>
-          <a:prstGeom prst="rect">
-            <a:avLst/>
-          </a:prstGeom>
-          <a:noFill/>
-          <a:ln>
-            <a:solidFill>
-              <a:schemeClr val="accent1"/>
-            </a:solidFill>
-          </a:ln>
-        </p:spPr>
-        <p:txBody>
-          <a:bodyPr wrap="square" rtlCol="0">
-            <a:spAutoFit/>
-          </a:bodyPr>
-          <a:lstStyle/>
-          <a:p>
-            <a:r>
-              <a:rPr lang="en-US" altLang="zh-CN" sz="1200" dirty="0"/>
-              <a:t>SG52</a:t>
-            </a:r>
-            <a:r>
-              <a:rPr lang="zh-CN" altLang="en-US" sz="1200" dirty="0"/>
-              <a:t>应用</a:t>
-            </a:r>
-            <a:r>
-              <a:rPr lang="en-US" altLang="zh-CN" sz="1200" dirty="0"/>
-              <a:t>B</a:t>
-            </a:r>
-            <a:r>
-              <a:rPr lang="zh-CN" altLang="en-US" sz="1200" dirty="0"/>
-              <a:t>节点</a:t>
-            </a:r>
-            <a:r>
-              <a:rPr lang="en-US" altLang="zh-CN" sz="1200" dirty="0"/>
-              <a:t>4</a:t>
-            </a:r>
-          </a:p>
-        </p:txBody>
-      </p:sp>
-      <p:sp>
-        <p:nvSpPr>
-          <p:cNvPr id="29" name="文本框 28">
-            <a:extLst>
-              <a:ext uri="{FF2B5EF4-FFF2-40B4-BE49-F238E27FC236}">
-                <a16:creationId xmlns:a16="http://schemas.microsoft.com/office/drawing/2014/main" id="{8AA42813-6614-486E-B48E-BEFDF9E784A7}"/>
-              </a:ext>
-            </a:extLst>
-          </p:cNvPr>
-          <p:cNvSpPr txBox="1"/>
-          <p:nvPr/>
-        </p:nvSpPr>
-        <p:spPr>
-          <a:xfrm>
-            <a:off x="4630606" y="5017540"/>
-            <a:ext cx="2518823" cy="461665"/>
-          </a:xfrm>
-          <a:prstGeom prst="rect">
-            <a:avLst/>
-          </a:prstGeom>
-          <a:noFill/>
-          <a:ln>
-            <a:solidFill>
-              <a:schemeClr val="accent1"/>
-            </a:solidFill>
-          </a:ln>
-        </p:spPr>
-        <p:txBody>
-          <a:bodyPr wrap="square" rtlCol="0">
-            <a:spAutoFit/>
-          </a:bodyPr>
-          <a:lstStyle/>
-          <a:p>
-            <a:r>
-              <a:rPr lang="en-US" altLang="zh-CN" sz="1200" dirty="0"/>
-              <a:t>configServer </a:t>
-            </a:r>
-            <a:r>
-              <a:rPr lang="zh-CN" altLang="en-US" sz="1200" dirty="0"/>
-              <a:t>跨机房注册</a:t>
-            </a:r>
-            <a:r>
-              <a:rPr lang="en-US" altLang="zh-CN" sz="1200" dirty="0"/>
-              <a:t> app-b</a:t>
-            </a:r>
-            <a:r>
-              <a:rPr lang="zh-CN" altLang="en-US" sz="1200" dirty="0"/>
-              <a:t>：</a:t>
-            </a:r>
-            <a:endParaRPr lang="en-US" altLang="zh-CN" sz="1200" dirty="0"/>
-          </a:p>
-          <a:p>
-            <a:r>
-              <a:rPr lang="zh-CN" altLang="en-US" sz="1200" dirty="0"/>
-              <a:t>节点</a:t>
-            </a:r>
-            <a:r>
-              <a:rPr lang="en-US" altLang="zh-CN" sz="1200" dirty="0"/>
-              <a:t>1</a:t>
-            </a:r>
-            <a:r>
-              <a:rPr lang="zh-CN" altLang="en-US" sz="1200" dirty="0"/>
-              <a:t>   节点</a:t>
-            </a:r>
-            <a:r>
-              <a:rPr lang="en-US" altLang="zh-CN" sz="1200" dirty="0"/>
-              <a:t>2   </a:t>
-            </a:r>
-            <a:r>
-              <a:rPr lang="zh-CN" altLang="en-US" sz="1200" dirty="0"/>
-              <a:t>节点</a:t>
-            </a:r>
-            <a:r>
-              <a:rPr lang="en-US" altLang="zh-CN" sz="1200" dirty="0"/>
-              <a:t>3     </a:t>
-            </a:r>
-            <a:r>
-              <a:rPr lang="zh-CN" altLang="en-US" sz="1200" dirty="0"/>
-              <a:t>节点</a:t>
-            </a:r>
-            <a:r>
-              <a:rPr lang="en-US" altLang="zh-CN" sz="1200" dirty="0"/>
-              <a:t>4</a:t>
-            </a:r>
-          </a:p>
-        </p:txBody>
-      </p:sp>
-      <p:sp>
-        <p:nvSpPr>
-          <p:cNvPr id="36" name="文本框 35">
-            <a:extLst>
-              <a:ext uri="{FF2B5EF4-FFF2-40B4-BE49-F238E27FC236}">
-                <a16:creationId xmlns:a16="http://schemas.microsoft.com/office/drawing/2014/main" id="{97CE3447-D7BB-4DE2-9790-81EB74563206}"/>
-              </a:ext>
-            </a:extLst>
-          </p:cNvPr>
-          <p:cNvSpPr txBox="1"/>
-          <p:nvPr/>
-        </p:nvSpPr>
-        <p:spPr>
-          <a:xfrm>
-            <a:off x="2386606" y="2086750"/>
-            <a:ext cx="921352" cy="276999"/>
-          </a:xfrm>
-          <a:prstGeom prst="rect">
-            <a:avLst/>
-          </a:prstGeom>
-          <a:noFill/>
-        </p:spPr>
-        <p:txBody>
-          <a:bodyPr wrap="square" rtlCol="0">
-            <a:spAutoFit/>
-          </a:bodyPr>
-          <a:lstStyle/>
-          <a:p>
-            <a:r>
-              <a:rPr lang="en-US" altLang="zh-CN" sz="1200" dirty="0"/>
-              <a:t>OS30</a:t>
-            </a:r>
-            <a:r>
-              <a:rPr lang="zh-CN" altLang="en-US" sz="1200" dirty="0"/>
-              <a:t>机房</a:t>
-            </a:r>
-          </a:p>
-        </p:txBody>
-      </p:sp>
-      <p:sp>
-        <p:nvSpPr>
-          <p:cNvPr id="40" name="文本框 39">
-            <a:extLst>
-              <a:ext uri="{FF2B5EF4-FFF2-40B4-BE49-F238E27FC236}">
-                <a16:creationId xmlns:a16="http://schemas.microsoft.com/office/drawing/2014/main" id="{188BD3F6-83C7-4E12-9981-CFB2BFF75FBC}"/>
-              </a:ext>
-            </a:extLst>
-          </p:cNvPr>
-          <p:cNvSpPr txBox="1"/>
-          <p:nvPr/>
-        </p:nvSpPr>
-        <p:spPr>
-          <a:xfrm>
-            <a:off x="1013999" y="1701171"/>
-            <a:ext cx="1605074" cy="276999"/>
-          </a:xfrm>
-          <a:prstGeom prst="rect">
-            <a:avLst/>
-          </a:prstGeom>
-          <a:noFill/>
-        </p:spPr>
-        <p:txBody>
-          <a:bodyPr wrap="square" rtlCol="0">
-            <a:spAutoFit/>
-          </a:bodyPr>
-          <a:lstStyle/>
-          <a:p>
-            <a:r>
-              <a:rPr lang="zh-CN" altLang="en-US" sz="1200" dirty="0"/>
-              <a:t>新加坡单元</a:t>
-            </a:r>
-          </a:p>
-        </p:txBody>
-      </p:sp>
-      <p:cxnSp>
-        <p:nvCxnSpPr>
-          <p:cNvPr id="43" name="直接箭头连接符 42">
-            <a:extLst>
-              <a:ext uri="{FF2B5EF4-FFF2-40B4-BE49-F238E27FC236}">
-                <a16:creationId xmlns:a16="http://schemas.microsoft.com/office/drawing/2014/main" id="{01BD03DD-C0B9-4535-B3FA-0CF1B13E86A8}"/>
-              </a:ext>
-            </a:extLst>
-          </p:cNvPr>
-          <p:cNvCxnSpPr/>
-          <p:nvPr/>
-        </p:nvCxnSpPr>
-        <p:spPr>
-          <a:xfrm>
-            <a:off x="969951" y="385313"/>
-            <a:ext cx="651815" cy="0"/>
-          </a:xfrm>
-          <a:prstGeom prst="straightConnector1">
-            <a:avLst/>
-          </a:prstGeom>
-          <a:ln>
-            <a:tailEnd type="triangle"/>
-          </a:ln>
-        </p:spPr>
-        <p:style>
-          <a:lnRef idx="1">
-            <a:schemeClr val="accent1"/>
-          </a:lnRef>
-          <a:fillRef idx="0">
-            <a:schemeClr val="accent1"/>
-          </a:fillRef>
-          <a:effectRef idx="0">
-            <a:schemeClr val="accent1"/>
-          </a:effectRef>
-          <a:fontRef idx="minor">
-            <a:schemeClr val="tx1"/>
-          </a:fontRef>
-        </p:style>
-      </p:cxnSp>
-      <p:sp>
-        <p:nvSpPr>
-          <p:cNvPr id="44" name="文本框 43">
-            <a:extLst>
-              <a:ext uri="{FF2B5EF4-FFF2-40B4-BE49-F238E27FC236}">
-                <a16:creationId xmlns:a16="http://schemas.microsoft.com/office/drawing/2014/main" id="{2FF2C28D-9F3D-4300-A8D4-71720EF18C32}"/>
-              </a:ext>
-            </a:extLst>
-          </p:cNvPr>
-          <p:cNvSpPr txBox="1"/>
-          <p:nvPr/>
-        </p:nvSpPr>
-        <p:spPr>
-          <a:xfrm>
-            <a:off x="1754038" y="243534"/>
-            <a:ext cx="902898" cy="276999"/>
-          </a:xfrm>
-          <a:prstGeom prst="rect">
-            <a:avLst/>
-          </a:prstGeom>
-          <a:noFill/>
-        </p:spPr>
-        <p:txBody>
-          <a:bodyPr wrap="square" rtlCol="0">
-            <a:spAutoFit/>
-          </a:bodyPr>
-          <a:lstStyle/>
-          <a:p>
-            <a:r>
-              <a:rPr lang="zh-CN" altLang="en-US" sz="1200" dirty="0"/>
-              <a:t>正常流量</a:t>
-            </a:r>
-          </a:p>
-        </p:txBody>
-      </p:sp>
-      <p:cxnSp>
-        <p:nvCxnSpPr>
-          <p:cNvPr id="46" name="直接箭头连接符 45">
-            <a:extLst>
-              <a:ext uri="{FF2B5EF4-FFF2-40B4-BE49-F238E27FC236}">
-                <a16:creationId xmlns:a16="http://schemas.microsoft.com/office/drawing/2014/main" id="{BD1955F4-6E0E-4556-9BC9-A88A8FC68E57}"/>
-              </a:ext>
-            </a:extLst>
-          </p:cNvPr>
-          <p:cNvCxnSpPr/>
-          <p:nvPr/>
-        </p:nvCxnSpPr>
-        <p:spPr>
-          <a:xfrm>
-            <a:off x="969951" y="822385"/>
-            <a:ext cx="651815" cy="0"/>
-          </a:xfrm>
-          <a:prstGeom prst="straightConnector1">
-            <a:avLst/>
-          </a:prstGeom>
-          <a:ln w="9525" cap="flat" cmpd="sng" algn="ctr">
-            <a:solidFill>
-              <a:schemeClr val="accent2"/>
-            </a:solidFill>
-            <a:prstDash val="solid"/>
-            <a:round/>
-            <a:headEnd type="none" w="med" len="med"/>
-            <a:tailEnd type="arrow" w="med" len="med"/>
-          </a:ln>
-        </p:spPr>
-        <p:style>
-          <a:lnRef idx="0">
-            <a:scrgbClr r="0" g="0" b="0"/>
-          </a:lnRef>
-          <a:fillRef idx="0">
-            <a:scrgbClr r="0" g="0" b="0"/>
-          </a:fillRef>
-          <a:effectRef idx="0">
-            <a:scrgbClr r="0" g="0" b="0"/>
-          </a:effectRef>
-          <a:fontRef idx="minor">
-            <a:schemeClr val="tx1"/>
-          </a:fontRef>
-        </p:style>
-      </p:cxnSp>
-      <p:sp>
-        <p:nvSpPr>
-          <p:cNvPr id="47" name="文本框 46">
-            <a:extLst>
-              <a:ext uri="{FF2B5EF4-FFF2-40B4-BE49-F238E27FC236}">
-                <a16:creationId xmlns:a16="http://schemas.microsoft.com/office/drawing/2014/main" id="{8AEAC16B-54A0-4311-980E-DF476462E5B9}"/>
-              </a:ext>
-            </a:extLst>
-          </p:cNvPr>
-          <p:cNvSpPr txBox="1"/>
-          <p:nvPr/>
-        </p:nvSpPr>
-        <p:spPr>
-          <a:xfrm>
-            <a:off x="1754038" y="672456"/>
-            <a:ext cx="902898" cy="276999"/>
-          </a:xfrm>
-          <a:prstGeom prst="rect">
-            <a:avLst/>
-          </a:prstGeom>
-          <a:noFill/>
-        </p:spPr>
-        <p:txBody>
-          <a:bodyPr wrap="square" rtlCol="0">
-            <a:spAutoFit/>
-          </a:bodyPr>
-          <a:lstStyle/>
-          <a:p>
-            <a:r>
-              <a:rPr lang="zh-CN" altLang="en-US" sz="1200" dirty="0"/>
-              <a:t>异步流量</a:t>
-            </a:r>
-          </a:p>
-        </p:txBody>
-      </p:sp>
-      <p:sp>
-        <p:nvSpPr>
-          <p:cNvPr id="48" name="文本框 47">
-            <a:extLst>
-              <a:ext uri="{FF2B5EF4-FFF2-40B4-BE49-F238E27FC236}">
-                <a16:creationId xmlns:a16="http://schemas.microsoft.com/office/drawing/2014/main" id="{F87FF4D2-7232-4291-B84D-1A99CFC812B7}"/>
-              </a:ext>
-            </a:extLst>
-          </p:cNvPr>
-          <p:cNvSpPr txBox="1"/>
-          <p:nvPr/>
-        </p:nvSpPr>
-        <p:spPr>
-          <a:xfrm>
-            <a:off x="2847282" y="3917777"/>
-            <a:ext cx="1338950" cy="276999"/>
-          </a:xfrm>
-          <a:prstGeom prst="rect">
-            <a:avLst/>
-          </a:prstGeom>
-          <a:noFill/>
-          <a:ln>
-            <a:solidFill>
-              <a:schemeClr val="accent1"/>
-            </a:solidFill>
-          </a:ln>
-        </p:spPr>
-        <p:txBody>
-          <a:bodyPr wrap="square" rtlCol="0">
-            <a:spAutoFit/>
-          </a:bodyPr>
-          <a:lstStyle/>
-          <a:p>
-            <a:r>
-              <a:rPr lang="en-US" altLang="zh-CN" sz="1200" dirty="0"/>
-              <a:t>OS30 metaQ</a:t>
-            </a:r>
-          </a:p>
-        </p:txBody>
-      </p:sp>
-      <p:sp>
-        <p:nvSpPr>
-          <p:cNvPr id="49" name="文本框 48">
-            <a:extLst>
-              <a:ext uri="{FF2B5EF4-FFF2-40B4-BE49-F238E27FC236}">
-                <a16:creationId xmlns:a16="http://schemas.microsoft.com/office/drawing/2014/main" id="{9932CB4E-F585-4556-8A18-FB29F566E08F}"/>
-              </a:ext>
-            </a:extLst>
-          </p:cNvPr>
-          <p:cNvSpPr txBox="1"/>
-          <p:nvPr/>
-        </p:nvSpPr>
-        <p:spPr>
-          <a:xfrm>
-            <a:off x="7450615" y="3931868"/>
-            <a:ext cx="1338950" cy="276999"/>
-          </a:xfrm>
-          <a:prstGeom prst="rect">
-            <a:avLst/>
-          </a:prstGeom>
-          <a:noFill/>
-          <a:ln>
-            <a:solidFill>
-              <a:schemeClr val="accent1"/>
-            </a:solidFill>
-          </a:ln>
-        </p:spPr>
-        <p:txBody>
-          <a:bodyPr wrap="square" rtlCol="0">
-            <a:spAutoFit/>
-          </a:bodyPr>
-          <a:lstStyle/>
-          <a:p>
-            <a:r>
-              <a:rPr lang="en-US" altLang="zh-CN" sz="1200" dirty="0"/>
-              <a:t>SG52 metaQ</a:t>
-            </a:r>
-          </a:p>
-        </p:txBody>
-      </p:sp>
-      <p:cxnSp>
-        <p:nvCxnSpPr>
-          <p:cNvPr id="51" name="直接箭头连接符 50">
-            <a:extLst>
-              <a:ext uri="{FF2B5EF4-FFF2-40B4-BE49-F238E27FC236}">
-                <a16:creationId xmlns:a16="http://schemas.microsoft.com/office/drawing/2014/main" id="{D42E32EC-FE85-4479-8325-DBCAE45D4875}"/>
-              </a:ext>
-            </a:extLst>
-          </p:cNvPr>
-          <p:cNvCxnSpPr>
-            <a:stCxn id="10" idx="2"/>
-            <a:endCxn id="48" idx="0"/>
-          </p:cNvCxnSpPr>
-          <p:nvPr/>
-        </p:nvCxnSpPr>
-        <p:spPr>
-          <a:xfrm flipH="1">
-            <a:off x="3516757" y="3621157"/>
-            <a:ext cx="3155" cy="296620"/>
-          </a:xfrm>
-          <a:prstGeom prst="straightConnector1">
-            <a:avLst/>
-          </a:prstGeom>
-          <a:ln w="9525" cap="flat" cmpd="sng" algn="ctr">
-            <a:solidFill>
-              <a:schemeClr val="accent2"/>
-            </a:solidFill>
-            <a:prstDash val="solid"/>
-            <a:round/>
-            <a:headEnd type="none" w="med" len="med"/>
-            <a:tailEnd type="arrow" w="med" len="med"/>
-          </a:ln>
-        </p:spPr>
-        <p:style>
-          <a:lnRef idx="0">
-            <a:scrgbClr r="0" g="0" b="0"/>
-          </a:lnRef>
-          <a:fillRef idx="0">
-            <a:scrgbClr r="0" g="0" b="0"/>
-          </a:fillRef>
-          <a:effectRef idx="0">
-            <a:scrgbClr r="0" g="0" b="0"/>
-          </a:effectRef>
-          <a:fontRef idx="minor">
-            <a:schemeClr val="tx1"/>
-          </a:fontRef>
-        </p:style>
-      </p:cxnSp>
-      <p:sp>
-        <p:nvSpPr>
-          <p:cNvPr id="54" name="文本框 53">
-            <a:extLst>
-              <a:ext uri="{FF2B5EF4-FFF2-40B4-BE49-F238E27FC236}">
-                <a16:creationId xmlns:a16="http://schemas.microsoft.com/office/drawing/2014/main" id="{04EC76CD-D8C1-484B-9892-0032D247886A}"/>
-              </a:ext>
-            </a:extLst>
-          </p:cNvPr>
-          <p:cNvSpPr txBox="1"/>
-          <p:nvPr/>
-        </p:nvSpPr>
-        <p:spPr>
-          <a:xfrm>
-            <a:off x="7773220" y="159150"/>
-            <a:ext cx="4256338" cy="1384995"/>
-          </a:xfrm>
-          <a:prstGeom prst="rect">
-            <a:avLst/>
-          </a:prstGeom>
-          <a:noFill/>
-        </p:spPr>
-        <p:txBody>
-          <a:bodyPr wrap="square" rtlCol="0">
-            <a:spAutoFit/>
-          </a:bodyPr>
-          <a:lstStyle/>
-          <a:p>
-            <a:r>
-              <a:rPr lang="zh-CN" altLang="en-US" sz="1200" dirty="0"/>
-              <a:t>备注：</a:t>
-            </a:r>
-            <a:endParaRPr lang="en-US" altLang="zh-CN" sz="1200" dirty="0"/>
-          </a:p>
-          <a:p>
-            <a:r>
-              <a:rPr lang="en-US" altLang="zh-CN" sz="1200" dirty="0"/>
-              <a:t>Aserver</a:t>
-            </a:r>
-            <a:r>
-              <a:rPr lang="zh-CN" altLang="en-US" sz="1200" dirty="0"/>
-              <a:t>调度识别单元不识别机房，因此</a:t>
-            </a:r>
-            <a:r>
-              <a:rPr lang="en-US" altLang="zh-CN" sz="1200" dirty="0"/>
-              <a:t>vipserver key</a:t>
-            </a:r>
-            <a:r>
-              <a:rPr lang="zh-CN" altLang="en-US" sz="1200" dirty="0"/>
-              <a:t>多机房挂载同一个</a:t>
-            </a:r>
-            <a:r>
-              <a:rPr lang="en-US" altLang="zh-CN" sz="1200" dirty="0"/>
-              <a:t>key</a:t>
-            </a:r>
-            <a:r>
-              <a:rPr lang="zh-CN" altLang="en-US" sz="1200" dirty="0"/>
-              <a:t>上可以进行机房间的负载均衡。</a:t>
-            </a:r>
-            <a:endParaRPr lang="en-US" altLang="zh-CN" sz="1200" dirty="0"/>
-          </a:p>
-          <a:p>
-            <a:r>
-              <a:rPr lang="zh-CN" altLang="en-US" sz="1200" dirty="0"/>
-              <a:t>而</a:t>
-            </a:r>
-            <a:r>
-              <a:rPr lang="en-US" altLang="zh-CN" sz="1200" dirty="0"/>
-              <a:t>HSF</a:t>
-            </a:r>
-            <a:r>
-              <a:rPr lang="zh-CN" altLang="en-US" sz="1200" dirty="0"/>
-              <a:t>也可以以单元的粒度进行配置，配置为</a:t>
-            </a:r>
-            <a:r>
-              <a:rPr lang="en-US" altLang="zh-CN" sz="1200" dirty="0"/>
-              <a:t>center</a:t>
-            </a:r>
-            <a:r>
-              <a:rPr lang="zh-CN" altLang="en-US" sz="1200" dirty="0"/>
-              <a:t>模式，即可自主在不同机房间进行负载均衡。</a:t>
-            </a:r>
-            <a:endParaRPr lang="en-US" altLang="zh-CN" sz="1200" dirty="0"/>
-          </a:p>
-          <a:p>
-            <a:r>
-              <a:rPr lang="zh-CN" altLang="en-US" sz="1200" dirty="0"/>
-              <a:t>异步消息也是以单元为基础，同单元不同机房可能会出现跨机房的流量投递和消费</a:t>
-            </a:r>
-          </a:p>
-        </p:txBody>
-      </p:sp>
-      <p:sp>
-        <p:nvSpPr>
-          <p:cNvPr id="52" name="矩形 51">
-            <a:extLst>
-              <a:ext uri="{FF2B5EF4-FFF2-40B4-BE49-F238E27FC236}">
-                <a16:creationId xmlns:a16="http://schemas.microsoft.com/office/drawing/2014/main" id="{C00B2E5B-D0E6-446D-9252-9EC99353E5BC}"/>
-              </a:ext>
-            </a:extLst>
-          </p:cNvPr>
-          <p:cNvSpPr/>
-          <p:nvPr/>
-        </p:nvSpPr>
-        <p:spPr>
-          <a:xfrm>
-            <a:off x="3128513" y="5963728"/>
-            <a:ext cx="4508740" cy="857962"/>
-          </a:xfrm>
-          <a:prstGeom prst="rect">
-            <a:avLst/>
-          </a:prstGeom>
-        </p:spPr>
-        <p:style>
-          <a:lnRef idx="2">
-            <a:schemeClr val="accent6"/>
-          </a:lnRef>
-          <a:fillRef idx="1">
-            <a:schemeClr val="lt1"/>
-          </a:fillRef>
-          <a:effectRef idx="0">
-            <a:schemeClr val="accent6"/>
-          </a:effectRef>
-          <a:fontRef idx="minor">
-            <a:schemeClr val="dk1"/>
-          </a:fontRef>
-        </p:style>
-        <p:txBody>
-          <a:bodyPr rtlCol="0" anchor="ctr"/>
-          <a:lstStyle/>
-          <a:p>
-            <a:pPr algn="ctr"/>
-            <a:endParaRPr lang="zh-CN" altLang="en-US"/>
-          </a:p>
-        </p:txBody>
-      </p:sp>
-      <p:sp>
-        <p:nvSpPr>
-          <p:cNvPr id="55" name="矩形 54">
-            <a:extLst>
-              <a:ext uri="{FF2B5EF4-FFF2-40B4-BE49-F238E27FC236}">
-                <a16:creationId xmlns:a16="http://schemas.microsoft.com/office/drawing/2014/main" id="{EBF46A08-5A58-40AD-8870-D581FE82C666}"/>
-              </a:ext>
-            </a:extLst>
-          </p:cNvPr>
-          <p:cNvSpPr/>
-          <p:nvPr/>
-        </p:nvSpPr>
-        <p:spPr>
-          <a:xfrm>
-            <a:off x="3476205" y="6088001"/>
-            <a:ext cx="1805795" cy="247289"/>
-          </a:xfrm>
-          <a:prstGeom prst="rect">
-            <a:avLst/>
-          </a:prstGeom>
-        </p:spPr>
-        <p:style>
-          <a:lnRef idx="2">
-            <a:schemeClr val="accent6"/>
-          </a:lnRef>
-          <a:fillRef idx="1">
-            <a:schemeClr val="lt1"/>
-          </a:fillRef>
-          <a:effectRef idx="0">
-            <a:schemeClr val="accent6"/>
-          </a:effectRef>
-          <a:fontRef idx="minor">
-            <a:schemeClr val="dk1"/>
-          </a:fontRef>
-        </p:style>
-        <p:txBody>
-          <a:bodyPr rtlCol="0" anchor="ctr"/>
-          <a:lstStyle/>
-          <a:p>
-            <a:pPr algn="ctr"/>
-            <a:r>
-              <a:rPr lang="en-US" altLang="zh-CN" sz="1200" dirty="0"/>
-              <a:t>DB leader in OS30</a:t>
-            </a:r>
-          </a:p>
-        </p:txBody>
-      </p:sp>
-      <p:sp>
-        <p:nvSpPr>
-          <p:cNvPr id="56" name="矩形 55">
-            <a:extLst>
-              <a:ext uri="{FF2B5EF4-FFF2-40B4-BE49-F238E27FC236}">
-                <a16:creationId xmlns:a16="http://schemas.microsoft.com/office/drawing/2014/main" id="{6D13D2E2-EDBB-4908-8C33-E02CCA22E7B1}"/>
-              </a:ext>
-            </a:extLst>
-          </p:cNvPr>
-          <p:cNvSpPr/>
-          <p:nvPr/>
-        </p:nvSpPr>
-        <p:spPr>
-          <a:xfrm>
-            <a:off x="5604825" y="6119193"/>
-            <a:ext cx="1805795" cy="247289"/>
-          </a:xfrm>
-          <a:prstGeom prst="rect">
-            <a:avLst/>
-          </a:prstGeom>
-        </p:spPr>
-        <p:style>
-          <a:lnRef idx="2">
-            <a:schemeClr val="accent6"/>
-          </a:lnRef>
-          <a:fillRef idx="1">
-            <a:schemeClr val="lt1"/>
-          </a:fillRef>
-          <a:effectRef idx="0">
-            <a:schemeClr val="accent6"/>
-          </a:effectRef>
-          <a:fontRef idx="minor">
-            <a:schemeClr val="dk1"/>
-          </a:fontRef>
-        </p:style>
-        <p:txBody>
-          <a:bodyPr rtlCol="0" anchor="ctr"/>
-          <a:lstStyle/>
-          <a:p>
-            <a:pPr algn="ctr"/>
-            <a:r>
-              <a:rPr lang="en-US" altLang="zh-CN" sz="1200" dirty="0"/>
-              <a:t>DB follow in SG52</a:t>
-            </a:r>
-          </a:p>
-        </p:txBody>
-      </p:sp>
-      <p:sp>
-        <p:nvSpPr>
-          <p:cNvPr id="57" name="矩形 56">
-            <a:extLst>
-              <a:ext uri="{FF2B5EF4-FFF2-40B4-BE49-F238E27FC236}">
-                <a16:creationId xmlns:a16="http://schemas.microsoft.com/office/drawing/2014/main" id="{1202CBE6-68DC-4F03-80E9-DBF7F4ACEFC1}"/>
-              </a:ext>
-            </a:extLst>
-          </p:cNvPr>
-          <p:cNvSpPr/>
-          <p:nvPr/>
-        </p:nvSpPr>
-        <p:spPr>
-          <a:xfrm>
-            <a:off x="4434673" y="6490821"/>
-            <a:ext cx="1805795" cy="247289"/>
-          </a:xfrm>
-          <a:prstGeom prst="rect">
-            <a:avLst/>
-          </a:prstGeom>
-        </p:spPr>
-        <p:style>
-          <a:lnRef idx="2">
-            <a:schemeClr val="accent6"/>
-          </a:lnRef>
-          <a:fillRef idx="1">
-            <a:schemeClr val="lt1"/>
-          </a:fillRef>
-          <a:effectRef idx="0">
-            <a:schemeClr val="accent6"/>
-          </a:effectRef>
-          <a:fontRef idx="minor">
-            <a:schemeClr val="dk1"/>
-          </a:fontRef>
-        </p:style>
-        <p:txBody>
-          <a:bodyPr rtlCol="0" anchor="ctr"/>
-          <a:lstStyle/>
-          <a:p>
-            <a:pPr algn="ctr"/>
-            <a:r>
-              <a:rPr lang="en-US" altLang="zh-CN" sz="1200" dirty="0"/>
-              <a:t>DB log in SG113</a:t>
-            </a:r>
-          </a:p>
-        </p:txBody>
-      </p:sp>
-      <p:cxnSp>
-        <p:nvCxnSpPr>
-          <p:cNvPr id="23" name="直接箭头连接符 22">
-            <a:extLst>
-              <a:ext uri="{FF2B5EF4-FFF2-40B4-BE49-F238E27FC236}">
-                <a16:creationId xmlns:a16="http://schemas.microsoft.com/office/drawing/2014/main" id="{175BA767-8ED6-45CF-83EF-053DE1A2CEAD}"/>
-              </a:ext>
-            </a:extLst>
-          </p:cNvPr>
-          <p:cNvCxnSpPr>
-            <a:stCxn id="12" idx="1"/>
-          </p:cNvCxnSpPr>
-          <p:nvPr/>
-        </p:nvCxnSpPr>
-        <p:spPr>
-          <a:xfrm flipH="1">
-            <a:off x="4186232" y="3516250"/>
-            <a:ext cx="3256934" cy="1613128"/>
-          </a:xfrm>
-          <a:prstGeom prst="straightConnector1">
-            <a:avLst/>
-          </a:prstGeom>
-          <a:ln>
-            <a:tailEnd type="triangle"/>
-          </a:ln>
-        </p:spPr>
-        <p:style>
-          <a:lnRef idx="1">
-            <a:schemeClr val="accent1"/>
-          </a:lnRef>
-          <a:fillRef idx="0">
-            <a:schemeClr val="accent1"/>
-          </a:fillRef>
-          <a:effectRef idx="0">
-            <a:schemeClr val="accent1"/>
-          </a:effectRef>
-          <a:fontRef idx="minor">
-            <a:schemeClr val="tx1"/>
-          </a:fontRef>
-        </p:style>
-      </p:cxnSp>
-      <p:cxnSp>
-        <p:nvCxnSpPr>
-          <p:cNvPr id="32" name="直接箭头连接符 31">
-            <a:extLst>
-              <a:ext uri="{FF2B5EF4-FFF2-40B4-BE49-F238E27FC236}">
-                <a16:creationId xmlns:a16="http://schemas.microsoft.com/office/drawing/2014/main" id="{BCC0DE57-D231-4EB0-BDE8-2BD28A58923B}"/>
-              </a:ext>
-            </a:extLst>
-          </p:cNvPr>
-          <p:cNvCxnSpPr>
-            <a:cxnSpLocks/>
-            <a:stCxn id="28" idx="1"/>
-            <a:endCxn id="48" idx="3"/>
-          </p:cNvCxnSpPr>
-          <p:nvPr/>
-        </p:nvCxnSpPr>
-        <p:spPr>
-          <a:xfrm flipH="1" flipV="1">
-            <a:off x="4186232" y="4056277"/>
-            <a:ext cx="3256934" cy="1003853"/>
-          </a:xfrm>
-          <a:prstGeom prst="straightConnector1">
-            <a:avLst/>
-          </a:prstGeom>
-          <a:ln w="9525" cap="flat" cmpd="sng" algn="ctr">
-            <a:solidFill>
-              <a:schemeClr val="accent2"/>
-            </a:solidFill>
-            <a:prstDash val="solid"/>
-            <a:round/>
-            <a:headEnd type="none" w="med" len="med"/>
-            <a:tailEnd type="arrow" w="med" len="med"/>
-          </a:ln>
-        </p:spPr>
-        <p:style>
-          <a:lnRef idx="0">
-            <a:scrgbClr r="0" g="0" b="0"/>
-          </a:lnRef>
-          <a:fillRef idx="0">
-            <a:scrgbClr r="0" g="0" b="0"/>
-          </a:fillRef>
-          <a:effectRef idx="0">
-            <a:scrgbClr r="0" g="0" b="0"/>
-          </a:effectRef>
-          <a:fontRef idx="minor">
-            <a:schemeClr val="tx1"/>
-          </a:fontRef>
-        </p:style>
-      </p:cxnSp>
-      <p:cxnSp>
-        <p:nvCxnSpPr>
-          <p:cNvPr id="58" name="直接箭头连接符 57">
-            <a:extLst>
-              <a:ext uri="{FF2B5EF4-FFF2-40B4-BE49-F238E27FC236}">
-                <a16:creationId xmlns:a16="http://schemas.microsoft.com/office/drawing/2014/main" id="{C41AE5DC-81AF-49BE-A195-C72C86A9FEF5}"/>
-              </a:ext>
-            </a:extLst>
-          </p:cNvPr>
-          <p:cNvCxnSpPr>
-            <a:stCxn id="26" idx="2"/>
-            <a:endCxn id="52" idx="0"/>
-          </p:cNvCxnSpPr>
-          <p:nvPr/>
-        </p:nvCxnSpPr>
-        <p:spPr>
-          <a:xfrm>
-            <a:off x="3516757" y="5267878"/>
-            <a:ext cx="1866126" cy="695850"/>
-          </a:xfrm>
-          <a:prstGeom prst="straightConnector1">
-            <a:avLst/>
-          </a:prstGeom>
-          <a:ln>
-            <a:tailEnd type="triangle"/>
-          </a:ln>
-        </p:spPr>
-        <p:style>
-          <a:lnRef idx="1">
-            <a:schemeClr val="accent1"/>
-          </a:lnRef>
-          <a:fillRef idx="0">
-            <a:schemeClr val="accent1"/>
-          </a:fillRef>
-          <a:effectRef idx="0">
-            <a:schemeClr val="accent1"/>
-          </a:effectRef>
-          <a:fontRef idx="minor">
-            <a:schemeClr val="tx1"/>
-          </a:fontRef>
-        </p:style>
-      </p:cxnSp>
-      <p:cxnSp>
-        <p:nvCxnSpPr>
-          <p:cNvPr id="60" name="直接箭头连接符 59">
-            <a:extLst>
-              <a:ext uri="{FF2B5EF4-FFF2-40B4-BE49-F238E27FC236}">
-                <a16:creationId xmlns:a16="http://schemas.microsoft.com/office/drawing/2014/main" id="{25966F3D-441B-4B6F-8C35-BA32353A89EA}"/>
-              </a:ext>
-            </a:extLst>
-          </p:cNvPr>
-          <p:cNvCxnSpPr>
-            <a:stCxn id="28" idx="2"/>
-            <a:endCxn id="52" idx="0"/>
-          </p:cNvCxnSpPr>
-          <p:nvPr/>
-        </p:nvCxnSpPr>
-        <p:spPr>
-          <a:xfrm flipH="1">
-            <a:off x="5382883" y="5198629"/>
-            <a:ext cx="2729758" cy="765099"/>
-          </a:xfrm>
-          <a:prstGeom prst="straightConnector1">
-            <a:avLst/>
-          </a:prstGeom>
-          <a:ln w="9525" cap="flat" cmpd="sng" algn="ctr">
-            <a:solidFill>
-              <a:schemeClr val="accent2"/>
-            </a:solidFill>
-            <a:prstDash val="solid"/>
-            <a:round/>
-            <a:headEnd type="none" w="med" len="med"/>
-            <a:tailEnd type="arrow" w="med" len="med"/>
-          </a:ln>
-        </p:spPr>
-        <p:style>
-          <a:lnRef idx="0">
-            <a:scrgbClr r="0" g="0" b="0"/>
-          </a:lnRef>
-          <a:fillRef idx="0">
-            <a:scrgbClr r="0" g="0" b="0"/>
-          </a:fillRef>
-          <a:effectRef idx="0">
-            <a:scrgbClr r="0" g="0" b="0"/>
-          </a:effectRef>
-          <a:fontRef idx="minor">
-            <a:schemeClr val="tx1"/>
-          </a:fontRef>
-        </p:style>
-      </p:cxnSp>
+              <a:rPr lang="zh-CN" altLang="en-US" sz="1200" dirty="0"/>
+              <a:t>所有数据选择性向中心同步，中心再将数据同步到各个区域</a:t>
+            </a:r>
+          </a:p>
+        </p:txBody>
+      </p:sp>
     </p:spTree>
     <p:extLst>
       <p:ext uri="{BB962C8B-B14F-4D97-AF65-F5344CB8AC3E}">
-        <p14:creationId xmlns:p14="http://schemas.microsoft.com/office/powerpoint/2010/main" val="1694452982"/>
+        <p14:creationId xmlns:p14="http://schemas.microsoft.com/office/powerpoint/2010/main" val="564306672"/>
       </p:ext>
     </p:extLst>
   </p:cSld>
@@ -13555,6 +12757,2084 @@
       </p:grpSpPr>
       <p:sp>
         <p:nvSpPr>
+          <p:cNvPr id="39" name="矩形 38">
+            <a:extLst>
+              <a:ext uri="{FF2B5EF4-FFF2-40B4-BE49-F238E27FC236}">
+                <a16:creationId xmlns:a16="http://schemas.microsoft.com/office/drawing/2014/main" id="{51DDEB4C-CC56-4F92-B485-53EEC3E4182A}"/>
+              </a:ext>
+            </a:extLst>
+          </p:cNvPr>
+          <p:cNvSpPr/>
+          <p:nvPr/>
+        </p:nvSpPr>
+        <p:spPr>
+          <a:xfrm>
+            <a:off x="969951" y="1636036"/>
+            <a:ext cx="8839200" cy="4241273"/>
+          </a:xfrm>
+          <a:prstGeom prst="rect">
+            <a:avLst/>
+          </a:prstGeom>
+        </p:spPr>
+        <p:style>
+          <a:lnRef idx="2">
+            <a:schemeClr val="accent6"/>
+          </a:lnRef>
+          <a:fillRef idx="1">
+            <a:schemeClr val="lt1"/>
+          </a:fillRef>
+          <a:effectRef idx="0">
+            <a:schemeClr val="accent6"/>
+          </a:effectRef>
+          <a:fontRef idx="minor">
+            <a:schemeClr val="dk1"/>
+          </a:fontRef>
+        </p:style>
+        <p:txBody>
+          <a:bodyPr rtlCol="0" anchor="ctr"/>
+          <a:lstStyle/>
+          <a:p>
+            <a:pPr algn="ctr"/>
+            <a:endParaRPr lang="zh-CN" altLang="en-US"/>
+          </a:p>
+        </p:txBody>
+      </p:sp>
+      <p:sp>
+        <p:nvSpPr>
+          <p:cNvPr id="37" name="矩形 36">
+            <a:extLst>
+              <a:ext uri="{FF2B5EF4-FFF2-40B4-BE49-F238E27FC236}">
+                <a16:creationId xmlns:a16="http://schemas.microsoft.com/office/drawing/2014/main" id="{3A9B01A6-2DD5-4E4B-938F-250950B199DD}"/>
+              </a:ext>
+            </a:extLst>
+          </p:cNvPr>
+          <p:cNvSpPr/>
+          <p:nvPr/>
+        </p:nvSpPr>
+        <p:spPr>
+          <a:xfrm>
+            <a:off x="7301125" y="2006925"/>
+            <a:ext cx="2070339" cy="3593455"/>
+          </a:xfrm>
+          <a:prstGeom prst="rect">
+            <a:avLst/>
+          </a:prstGeom>
+        </p:spPr>
+        <p:style>
+          <a:lnRef idx="2">
+            <a:schemeClr val="accent6"/>
+          </a:lnRef>
+          <a:fillRef idx="1">
+            <a:schemeClr val="lt1"/>
+          </a:fillRef>
+          <a:effectRef idx="0">
+            <a:schemeClr val="accent6"/>
+          </a:effectRef>
+          <a:fontRef idx="minor">
+            <a:schemeClr val="dk1"/>
+          </a:fontRef>
+        </p:style>
+        <p:txBody>
+          <a:bodyPr rtlCol="0" anchor="ctr"/>
+          <a:lstStyle/>
+          <a:p>
+            <a:pPr algn="ctr"/>
+            <a:endParaRPr lang="zh-CN" altLang="en-US" dirty="0"/>
+          </a:p>
+        </p:txBody>
+      </p:sp>
+      <p:sp>
+        <p:nvSpPr>
+          <p:cNvPr id="38" name="文本框 37">
+            <a:extLst>
+              <a:ext uri="{FF2B5EF4-FFF2-40B4-BE49-F238E27FC236}">
+                <a16:creationId xmlns:a16="http://schemas.microsoft.com/office/drawing/2014/main" id="{5FB872FC-F924-4B48-9EA6-8E5704E6821B}"/>
+              </a:ext>
+            </a:extLst>
+          </p:cNvPr>
+          <p:cNvSpPr txBox="1"/>
+          <p:nvPr/>
+        </p:nvSpPr>
+        <p:spPr>
+          <a:xfrm>
+            <a:off x="7356592" y="2070379"/>
+            <a:ext cx="921352" cy="276999"/>
+          </a:xfrm>
+          <a:prstGeom prst="rect">
+            <a:avLst/>
+          </a:prstGeom>
+          <a:noFill/>
+        </p:spPr>
+        <p:txBody>
+          <a:bodyPr wrap="square" rtlCol="0">
+            <a:spAutoFit/>
+          </a:bodyPr>
+          <a:lstStyle/>
+          <a:p>
+            <a:r>
+              <a:rPr lang="en-US" altLang="zh-CN" sz="1200" dirty="0"/>
+              <a:t>SG5</a:t>
+            </a:r>
+            <a:r>
+              <a:rPr lang="zh-CN" altLang="en-US" sz="1200" dirty="0"/>
+              <a:t>机房</a:t>
+            </a:r>
+          </a:p>
+        </p:txBody>
+      </p:sp>
+      <p:sp>
+        <p:nvSpPr>
+          <p:cNvPr id="35" name="矩形 34">
+            <a:extLst>
+              <a:ext uri="{FF2B5EF4-FFF2-40B4-BE49-F238E27FC236}">
+                <a16:creationId xmlns:a16="http://schemas.microsoft.com/office/drawing/2014/main" id="{D4A674F5-621C-4B92-A85C-C9DECC8B4210}"/>
+              </a:ext>
+            </a:extLst>
+          </p:cNvPr>
+          <p:cNvSpPr/>
+          <p:nvPr/>
+        </p:nvSpPr>
+        <p:spPr>
+          <a:xfrm>
+            <a:off x="2309920" y="2006925"/>
+            <a:ext cx="2070339" cy="3594339"/>
+          </a:xfrm>
+          <a:prstGeom prst="rect">
+            <a:avLst/>
+          </a:prstGeom>
+        </p:spPr>
+        <p:style>
+          <a:lnRef idx="2">
+            <a:schemeClr val="accent6"/>
+          </a:lnRef>
+          <a:fillRef idx="1">
+            <a:schemeClr val="lt1"/>
+          </a:fillRef>
+          <a:effectRef idx="0">
+            <a:schemeClr val="accent6"/>
+          </a:effectRef>
+          <a:fontRef idx="minor">
+            <a:schemeClr val="dk1"/>
+          </a:fontRef>
+        </p:style>
+        <p:txBody>
+          <a:bodyPr rtlCol="0" anchor="ctr"/>
+          <a:lstStyle/>
+          <a:p>
+            <a:pPr algn="ctr"/>
+            <a:endParaRPr lang="zh-CN" altLang="en-US" dirty="0"/>
+          </a:p>
+        </p:txBody>
+      </p:sp>
+      <p:sp>
+        <p:nvSpPr>
+          <p:cNvPr id="4" name="笑脸 3">
+            <a:extLst>
+              <a:ext uri="{FF2B5EF4-FFF2-40B4-BE49-F238E27FC236}">
+                <a16:creationId xmlns:a16="http://schemas.microsoft.com/office/drawing/2014/main" id="{1D10A485-66F8-477D-8C9E-22EC928622C0}"/>
+              </a:ext>
+            </a:extLst>
+          </p:cNvPr>
+          <p:cNvSpPr/>
+          <p:nvPr/>
+        </p:nvSpPr>
+        <p:spPr>
+          <a:xfrm>
+            <a:off x="5510098" y="130062"/>
+            <a:ext cx="585902" cy="327054"/>
+          </a:xfrm>
+          <a:prstGeom prst="smileyFace">
+            <a:avLst/>
+          </a:prstGeom>
+        </p:spPr>
+        <p:style>
+          <a:lnRef idx="2">
+            <a:schemeClr val="accent6"/>
+          </a:lnRef>
+          <a:fillRef idx="1">
+            <a:schemeClr val="lt1"/>
+          </a:fillRef>
+          <a:effectRef idx="0">
+            <a:schemeClr val="accent6"/>
+          </a:effectRef>
+          <a:fontRef idx="minor">
+            <a:schemeClr val="dk1"/>
+          </a:fontRef>
+        </p:style>
+        <p:txBody>
+          <a:bodyPr rtlCol="0" anchor="ctr"/>
+          <a:lstStyle/>
+          <a:p>
+            <a:pPr algn="ctr"/>
+            <a:endParaRPr lang="zh-CN" altLang="en-US"/>
+          </a:p>
+        </p:txBody>
+      </p:sp>
+      <p:sp>
+        <p:nvSpPr>
+          <p:cNvPr id="5" name="文本框 4">
+            <a:extLst>
+              <a:ext uri="{FF2B5EF4-FFF2-40B4-BE49-F238E27FC236}">
+                <a16:creationId xmlns:a16="http://schemas.microsoft.com/office/drawing/2014/main" id="{E25C409C-C599-49F7-81AF-355E8C68184F}"/>
+              </a:ext>
+            </a:extLst>
+          </p:cNvPr>
+          <p:cNvSpPr txBox="1"/>
+          <p:nvPr/>
+        </p:nvSpPr>
+        <p:spPr>
+          <a:xfrm>
+            <a:off x="5041396" y="549007"/>
+            <a:ext cx="1460740" cy="276999"/>
+          </a:xfrm>
+          <a:prstGeom prst="rect">
+            <a:avLst/>
+          </a:prstGeom>
+          <a:noFill/>
+          <a:ln>
+            <a:solidFill>
+              <a:schemeClr val="accent1"/>
+            </a:solidFill>
+          </a:ln>
+        </p:spPr>
+        <p:txBody>
+          <a:bodyPr wrap="square" rtlCol="0">
+            <a:spAutoFit/>
+          </a:bodyPr>
+          <a:lstStyle/>
+          <a:p>
+            <a:r>
+              <a:rPr lang="zh-CN" altLang="en-US" sz="1200" dirty="0"/>
+              <a:t>请求</a:t>
+            </a:r>
+            <a:r>
+              <a:rPr lang="en-US" altLang="zh-CN" sz="1200" dirty="0"/>
+              <a:t>www.aaa.com</a:t>
+            </a:r>
+            <a:endParaRPr lang="zh-CN" altLang="en-US" sz="1200" dirty="0"/>
+          </a:p>
+        </p:txBody>
+      </p:sp>
+      <p:sp>
+        <p:nvSpPr>
+          <p:cNvPr id="6" name="文本框 5">
+            <a:extLst>
+              <a:ext uri="{FF2B5EF4-FFF2-40B4-BE49-F238E27FC236}">
+                <a16:creationId xmlns:a16="http://schemas.microsoft.com/office/drawing/2014/main" id="{23DE99EB-DD92-4C77-8DBE-23396BAD83B9}"/>
+              </a:ext>
+            </a:extLst>
+          </p:cNvPr>
+          <p:cNvSpPr txBox="1"/>
+          <p:nvPr/>
+        </p:nvSpPr>
+        <p:spPr>
+          <a:xfrm>
+            <a:off x="4544495" y="1062743"/>
+            <a:ext cx="2457369" cy="276999"/>
+          </a:xfrm>
+          <a:prstGeom prst="rect">
+            <a:avLst/>
+          </a:prstGeom>
+          <a:noFill/>
+          <a:ln>
+            <a:solidFill>
+              <a:schemeClr val="accent1"/>
+            </a:solidFill>
+          </a:ln>
+        </p:spPr>
+        <p:txBody>
+          <a:bodyPr wrap="square" rtlCol="0">
+            <a:spAutoFit/>
+          </a:bodyPr>
+          <a:lstStyle/>
+          <a:p>
+            <a:r>
+              <a:rPr lang="zh-CN" altLang="en-US" sz="1200" dirty="0"/>
+              <a:t>解析到</a:t>
+            </a:r>
+            <a:r>
+              <a:rPr lang="en-US" altLang="zh-CN" sz="1200" dirty="0"/>
+              <a:t>base</a:t>
+            </a:r>
+            <a:r>
+              <a:rPr lang="zh-CN" altLang="en-US" sz="1200" dirty="0"/>
+              <a:t>域名</a:t>
+            </a:r>
+            <a:r>
+              <a:rPr lang="en-US" altLang="zh-CN" sz="1200" dirty="0"/>
+              <a:t>www.aaadns.com</a:t>
+            </a:r>
+            <a:endParaRPr lang="zh-CN" altLang="en-US" sz="1200" dirty="0"/>
+          </a:p>
+        </p:txBody>
+      </p:sp>
+      <p:sp>
+        <p:nvSpPr>
+          <p:cNvPr id="7" name="文本框 6">
+            <a:extLst>
+              <a:ext uri="{FF2B5EF4-FFF2-40B4-BE49-F238E27FC236}">
+                <a16:creationId xmlns:a16="http://schemas.microsoft.com/office/drawing/2014/main" id="{7F4DE25D-3378-4829-9E89-1C17AEF5F1C9}"/>
+              </a:ext>
+            </a:extLst>
+          </p:cNvPr>
+          <p:cNvSpPr txBox="1"/>
+          <p:nvPr/>
+        </p:nvSpPr>
+        <p:spPr>
+          <a:xfrm>
+            <a:off x="2850436" y="2370658"/>
+            <a:ext cx="1338950" cy="278224"/>
+          </a:xfrm>
+          <a:prstGeom prst="rect">
+            <a:avLst/>
+          </a:prstGeom>
+          <a:noFill/>
+          <a:ln>
+            <a:solidFill>
+              <a:schemeClr val="accent1"/>
+            </a:solidFill>
+          </a:ln>
+        </p:spPr>
+        <p:txBody>
+          <a:bodyPr wrap="square" rtlCol="0">
+            <a:spAutoFit/>
+          </a:bodyPr>
+          <a:lstStyle/>
+          <a:p>
+            <a:r>
+              <a:rPr lang="en-US" altLang="zh-CN" sz="1200" dirty="0"/>
+              <a:t>OS30</a:t>
+            </a:r>
+            <a:r>
+              <a:rPr lang="zh-CN" altLang="en-US" sz="1200" dirty="0"/>
+              <a:t>统一接入层</a:t>
+            </a:r>
+            <a:endParaRPr lang="en-US" altLang="zh-CN" sz="1200" dirty="0"/>
+          </a:p>
+        </p:txBody>
+      </p:sp>
+      <p:sp>
+        <p:nvSpPr>
+          <p:cNvPr id="8" name="文本框 7">
+            <a:extLst>
+              <a:ext uri="{FF2B5EF4-FFF2-40B4-BE49-F238E27FC236}">
+                <a16:creationId xmlns:a16="http://schemas.microsoft.com/office/drawing/2014/main" id="{7B2E211B-64CC-4FDC-A6A5-B6A98608231C}"/>
+              </a:ext>
+            </a:extLst>
+          </p:cNvPr>
+          <p:cNvSpPr txBox="1"/>
+          <p:nvPr/>
+        </p:nvSpPr>
+        <p:spPr>
+          <a:xfrm>
+            <a:off x="7443167" y="2370658"/>
+            <a:ext cx="1338950" cy="278224"/>
+          </a:xfrm>
+          <a:prstGeom prst="rect">
+            <a:avLst/>
+          </a:prstGeom>
+          <a:noFill/>
+          <a:ln>
+            <a:solidFill>
+              <a:schemeClr val="accent1"/>
+            </a:solidFill>
+          </a:ln>
+        </p:spPr>
+        <p:txBody>
+          <a:bodyPr wrap="square" rtlCol="0">
+            <a:spAutoFit/>
+          </a:bodyPr>
+          <a:lstStyle/>
+          <a:p>
+            <a:r>
+              <a:rPr lang="en-US" altLang="zh-CN" sz="1200" dirty="0"/>
+              <a:t>SG52</a:t>
+            </a:r>
+            <a:r>
+              <a:rPr lang="zh-CN" altLang="en-US" sz="1200" dirty="0"/>
+              <a:t>统一接入层</a:t>
+            </a:r>
+            <a:endParaRPr lang="en-US" altLang="zh-CN" sz="1200" dirty="0"/>
+          </a:p>
+        </p:txBody>
+      </p:sp>
+      <p:sp>
+        <p:nvSpPr>
+          <p:cNvPr id="9" name="文本框 8">
+            <a:extLst>
+              <a:ext uri="{FF2B5EF4-FFF2-40B4-BE49-F238E27FC236}">
+                <a16:creationId xmlns:a16="http://schemas.microsoft.com/office/drawing/2014/main" id="{EEF82D11-56DC-46C1-90E8-E630333A0D62}"/>
+              </a:ext>
+            </a:extLst>
+          </p:cNvPr>
+          <p:cNvSpPr txBox="1"/>
+          <p:nvPr/>
+        </p:nvSpPr>
+        <p:spPr>
+          <a:xfrm>
+            <a:off x="2850436" y="2996520"/>
+            <a:ext cx="1338950" cy="276999"/>
+          </a:xfrm>
+          <a:prstGeom prst="rect">
+            <a:avLst/>
+          </a:prstGeom>
+          <a:noFill/>
+          <a:ln>
+            <a:solidFill>
+              <a:schemeClr val="accent1"/>
+            </a:solidFill>
+          </a:ln>
+        </p:spPr>
+        <p:txBody>
+          <a:bodyPr wrap="square" rtlCol="0">
+            <a:spAutoFit/>
+          </a:bodyPr>
+          <a:lstStyle/>
+          <a:p>
+            <a:r>
+              <a:rPr lang="en-US" altLang="zh-CN" sz="1200" dirty="0"/>
+              <a:t>OS30</a:t>
+            </a:r>
+            <a:r>
+              <a:rPr lang="zh-CN" altLang="en-US" sz="1200" dirty="0"/>
+              <a:t>应用</a:t>
+            </a:r>
+            <a:r>
+              <a:rPr lang="en-US" altLang="zh-CN" sz="1200" dirty="0"/>
+              <a:t>A</a:t>
+            </a:r>
+            <a:r>
+              <a:rPr lang="zh-CN" altLang="en-US" sz="1200" dirty="0"/>
+              <a:t>节点</a:t>
+            </a:r>
+            <a:r>
+              <a:rPr lang="en-US" altLang="zh-CN" sz="1200" dirty="0"/>
+              <a:t>1</a:t>
+            </a:r>
+          </a:p>
+        </p:txBody>
+      </p:sp>
+      <p:sp>
+        <p:nvSpPr>
+          <p:cNvPr id="10" name="文本框 9">
+            <a:extLst>
+              <a:ext uri="{FF2B5EF4-FFF2-40B4-BE49-F238E27FC236}">
+                <a16:creationId xmlns:a16="http://schemas.microsoft.com/office/drawing/2014/main" id="{4006409F-F125-4E0D-9250-36B192A88286}"/>
+              </a:ext>
+            </a:extLst>
+          </p:cNvPr>
+          <p:cNvSpPr txBox="1"/>
+          <p:nvPr/>
+        </p:nvSpPr>
+        <p:spPr>
+          <a:xfrm>
+            <a:off x="2850437" y="3344158"/>
+            <a:ext cx="1338950" cy="276999"/>
+          </a:xfrm>
+          <a:prstGeom prst="rect">
+            <a:avLst/>
+          </a:prstGeom>
+          <a:noFill/>
+          <a:ln>
+            <a:solidFill>
+              <a:schemeClr val="accent1"/>
+            </a:solidFill>
+          </a:ln>
+        </p:spPr>
+        <p:txBody>
+          <a:bodyPr wrap="square" rtlCol="0">
+            <a:spAutoFit/>
+          </a:bodyPr>
+          <a:lstStyle/>
+          <a:p>
+            <a:r>
+              <a:rPr lang="en-US" altLang="zh-CN" sz="1200" dirty="0"/>
+              <a:t>OS30</a:t>
+            </a:r>
+            <a:r>
+              <a:rPr lang="zh-CN" altLang="en-US" sz="1200" dirty="0"/>
+              <a:t>应用</a:t>
+            </a:r>
+            <a:r>
+              <a:rPr lang="en-US" altLang="zh-CN" sz="1200" dirty="0"/>
+              <a:t>A</a:t>
+            </a:r>
+            <a:r>
+              <a:rPr lang="zh-CN" altLang="en-US" sz="1200" dirty="0"/>
+              <a:t>节点</a:t>
+            </a:r>
+            <a:r>
+              <a:rPr lang="en-US" altLang="zh-CN" sz="1200" dirty="0"/>
+              <a:t>2</a:t>
+            </a:r>
+          </a:p>
+        </p:txBody>
+      </p:sp>
+      <p:sp>
+        <p:nvSpPr>
+          <p:cNvPr id="11" name="文本框 10">
+            <a:extLst>
+              <a:ext uri="{FF2B5EF4-FFF2-40B4-BE49-F238E27FC236}">
+                <a16:creationId xmlns:a16="http://schemas.microsoft.com/office/drawing/2014/main" id="{51EE403E-55AE-42F1-BF38-C3DEF5944C84}"/>
+              </a:ext>
+            </a:extLst>
+          </p:cNvPr>
+          <p:cNvSpPr txBox="1"/>
+          <p:nvPr/>
+        </p:nvSpPr>
+        <p:spPr>
+          <a:xfrm>
+            <a:off x="7443166" y="2996519"/>
+            <a:ext cx="1338950" cy="276999"/>
+          </a:xfrm>
+          <a:prstGeom prst="rect">
+            <a:avLst/>
+          </a:prstGeom>
+          <a:noFill/>
+          <a:ln>
+            <a:solidFill>
+              <a:schemeClr val="accent1"/>
+            </a:solidFill>
+          </a:ln>
+        </p:spPr>
+        <p:txBody>
+          <a:bodyPr wrap="square" rtlCol="0">
+            <a:spAutoFit/>
+          </a:bodyPr>
+          <a:lstStyle/>
+          <a:p>
+            <a:r>
+              <a:rPr lang="en-US" altLang="zh-CN" sz="1200" dirty="0"/>
+              <a:t>SG52</a:t>
+            </a:r>
+            <a:r>
+              <a:rPr lang="zh-CN" altLang="en-US" sz="1200" dirty="0"/>
+              <a:t>应用</a:t>
+            </a:r>
+            <a:r>
+              <a:rPr lang="en-US" altLang="zh-CN" sz="1200" dirty="0"/>
+              <a:t>A</a:t>
+            </a:r>
+            <a:r>
+              <a:rPr lang="zh-CN" altLang="en-US" sz="1200" dirty="0"/>
+              <a:t>节点</a:t>
+            </a:r>
+            <a:r>
+              <a:rPr lang="en-US" altLang="zh-CN" sz="1200" dirty="0"/>
+              <a:t>3</a:t>
+            </a:r>
+          </a:p>
+        </p:txBody>
+      </p:sp>
+      <p:sp>
+        <p:nvSpPr>
+          <p:cNvPr id="12" name="文本框 11">
+            <a:extLst>
+              <a:ext uri="{FF2B5EF4-FFF2-40B4-BE49-F238E27FC236}">
+                <a16:creationId xmlns:a16="http://schemas.microsoft.com/office/drawing/2014/main" id="{1F0F606F-010E-4D31-84F3-26B46353DC9E}"/>
+              </a:ext>
+            </a:extLst>
+          </p:cNvPr>
+          <p:cNvSpPr txBox="1"/>
+          <p:nvPr/>
+        </p:nvSpPr>
+        <p:spPr>
+          <a:xfrm>
+            <a:off x="7443166" y="3377750"/>
+            <a:ext cx="1338950" cy="276999"/>
+          </a:xfrm>
+          <a:prstGeom prst="rect">
+            <a:avLst/>
+          </a:prstGeom>
+          <a:noFill/>
+          <a:ln>
+            <a:solidFill>
+              <a:schemeClr val="accent1"/>
+            </a:solidFill>
+          </a:ln>
+        </p:spPr>
+        <p:txBody>
+          <a:bodyPr wrap="square" rtlCol="0">
+            <a:spAutoFit/>
+          </a:bodyPr>
+          <a:lstStyle/>
+          <a:p>
+            <a:r>
+              <a:rPr lang="en-US" altLang="zh-CN" sz="1200" dirty="0"/>
+              <a:t>SG52</a:t>
+            </a:r>
+            <a:r>
+              <a:rPr lang="zh-CN" altLang="en-US" sz="1200" dirty="0"/>
+              <a:t>应用</a:t>
+            </a:r>
+            <a:r>
+              <a:rPr lang="en-US" altLang="zh-CN" sz="1200" dirty="0"/>
+              <a:t>A</a:t>
+            </a:r>
+            <a:r>
+              <a:rPr lang="zh-CN" altLang="en-US" sz="1200" dirty="0"/>
+              <a:t>节点</a:t>
+            </a:r>
+            <a:r>
+              <a:rPr lang="en-US" altLang="zh-CN" sz="1200" dirty="0"/>
+              <a:t>4</a:t>
+            </a:r>
+          </a:p>
+        </p:txBody>
+      </p:sp>
+      <p:sp>
+        <p:nvSpPr>
+          <p:cNvPr id="13" name="文本框 12">
+            <a:extLst>
+              <a:ext uri="{FF2B5EF4-FFF2-40B4-BE49-F238E27FC236}">
+                <a16:creationId xmlns:a16="http://schemas.microsoft.com/office/drawing/2014/main" id="{E9129C8D-CDAC-49D4-A6F4-F33BF447ACAB}"/>
+              </a:ext>
+            </a:extLst>
+          </p:cNvPr>
+          <p:cNvSpPr txBox="1"/>
+          <p:nvPr/>
+        </p:nvSpPr>
+        <p:spPr>
+          <a:xfrm>
+            <a:off x="4630606" y="2279379"/>
+            <a:ext cx="2518823" cy="461665"/>
+          </a:xfrm>
+          <a:prstGeom prst="rect">
+            <a:avLst/>
+          </a:prstGeom>
+          <a:noFill/>
+          <a:ln>
+            <a:solidFill>
+              <a:schemeClr val="accent1"/>
+            </a:solidFill>
+          </a:ln>
+        </p:spPr>
+        <p:txBody>
+          <a:bodyPr wrap="square" rtlCol="0">
+            <a:spAutoFit/>
+          </a:bodyPr>
+          <a:lstStyle/>
+          <a:p>
+            <a:r>
+              <a:rPr lang="en-US" altLang="zh-CN" sz="1200" dirty="0"/>
+              <a:t>Vipserver key </a:t>
+            </a:r>
+            <a:r>
+              <a:rPr lang="zh-CN" altLang="en-US" sz="1200" dirty="0"/>
+              <a:t>跨机房注册</a:t>
+            </a:r>
+            <a:r>
+              <a:rPr lang="en-US" altLang="zh-CN" sz="1200" dirty="0"/>
+              <a:t> app-a</a:t>
+            </a:r>
+            <a:r>
+              <a:rPr lang="zh-CN" altLang="en-US" sz="1200" dirty="0"/>
+              <a:t>：</a:t>
+            </a:r>
+            <a:endParaRPr lang="en-US" altLang="zh-CN" sz="1200" dirty="0"/>
+          </a:p>
+          <a:p>
+            <a:r>
+              <a:rPr lang="zh-CN" altLang="en-US" sz="1200" dirty="0"/>
+              <a:t>节点</a:t>
+            </a:r>
+            <a:r>
+              <a:rPr lang="en-US" altLang="zh-CN" sz="1200" dirty="0"/>
+              <a:t>1</a:t>
+            </a:r>
+            <a:r>
+              <a:rPr lang="zh-CN" altLang="en-US" sz="1200" dirty="0"/>
+              <a:t>   节点</a:t>
+            </a:r>
+            <a:r>
+              <a:rPr lang="en-US" altLang="zh-CN" sz="1200" dirty="0"/>
+              <a:t>2   </a:t>
+            </a:r>
+            <a:r>
+              <a:rPr lang="zh-CN" altLang="en-US" sz="1200" dirty="0"/>
+              <a:t>节点</a:t>
+            </a:r>
+            <a:r>
+              <a:rPr lang="en-US" altLang="zh-CN" sz="1200" dirty="0"/>
+              <a:t>3     </a:t>
+            </a:r>
+            <a:r>
+              <a:rPr lang="zh-CN" altLang="en-US" sz="1200" dirty="0"/>
+              <a:t>节点</a:t>
+            </a:r>
+            <a:r>
+              <a:rPr lang="en-US" altLang="zh-CN" sz="1200" dirty="0"/>
+              <a:t>4</a:t>
+            </a:r>
+          </a:p>
+        </p:txBody>
+      </p:sp>
+      <p:cxnSp>
+        <p:nvCxnSpPr>
+          <p:cNvPr id="15" name="直接箭头连接符 14">
+            <a:extLst>
+              <a:ext uri="{FF2B5EF4-FFF2-40B4-BE49-F238E27FC236}">
+                <a16:creationId xmlns:a16="http://schemas.microsoft.com/office/drawing/2014/main" id="{01421A87-D201-4817-96A6-229B2BE1721F}"/>
+              </a:ext>
+            </a:extLst>
+          </p:cNvPr>
+          <p:cNvCxnSpPr>
+            <a:stCxn id="8" idx="1"/>
+            <a:endCxn id="13" idx="3"/>
+          </p:cNvCxnSpPr>
+          <p:nvPr/>
+        </p:nvCxnSpPr>
+        <p:spPr>
+          <a:xfrm flipH="1">
+            <a:off x="7149429" y="2509770"/>
+            <a:ext cx="293738" cy="442"/>
+          </a:xfrm>
+          <a:prstGeom prst="straightConnector1">
+            <a:avLst/>
+          </a:prstGeom>
+          <a:ln>
+            <a:tailEnd type="triangle"/>
+          </a:ln>
+        </p:spPr>
+        <p:style>
+          <a:lnRef idx="1">
+            <a:schemeClr val="accent1"/>
+          </a:lnRef>
+          <a:fillRef idx="0">
+            <a:schemeClr val="accent1"/>
+          </a:fillRef>
+          <a:effectRef idx="0">
+            <a:schemeClr val="accent1"/>
+          </a:effectRef>
+          <a:fontRef idx="minor">
+            <a:schemeClr val="tx1"/>
+          </a:fontRef>
+        </p:style>
+      </p:cxnSp>
+      <p:cxnSp>
+        <p:nvCxnSpPr>
+          <p:cNvPr id="18" name="直接箭头连接符 17">
+            <a:extLst>
+              <a:ext uri="{FF2B5EF4-FFF2-40B4-BE49-F238E27FC236}">
+                <a16:creationId xmlns:a16="http://schemas.microsoft.com/office/drawing/2014/main" id="{C7E8F700-ABB0-4593-B268-A033D90E3226}"/>
+              </a:ext>
+            </a:extLst>
+          </p:cNvPr>
+          <p:cNvCxnSpPr>
+            <a:stCxn id="7" idx="3"/>
+            <a:endCxn id="13" idx="1"/>
+          </p:cNvCxnSpPr>
+          <p:nvPr/>
+        </p:nvCxnSpPr>
+        <p:spPr>
+          <a:xfrm>
+            <a:off x="4189386" y="2509770"/>
+            <a:ext cx="441220" cy="442"/>
+          </a:xfrm>
+          <a:prstGeom prst="straightConnector1">
+            <a:avLst/>
+          </a:prstGeom>
+          <a:ln>
+            <a:tailEnd type="triangle"/>
+          </a:ln>
+        </p:spPr>
+        <p:style>
+          <a:lnRef idx="1">
+            <a:schemeClr val="accent1"/>
+          </a:lnRef>
+          <a:fillRef idx="0">
+            <a:schemeClr val="accent1"/>
+          </a:fillRef>
+          <a:effectRef idx="0">
+            <a:schemeClr val="accent1"/>
+          </a:effectRef>
+          <a:fontRef idx="minor">
+            <a:schemeClr val="tx1"/>
+          </a:fontRef>
+        </p:style>
+      </p:cxnSp>
+      <p:cxnSp>
+        <p:nvCxnSpPr>
+          <p:cNvPr id="20" name="直接箭头连接符 19">
+            <a:extLst>
+              <a:ext uri="{FF2B5EF4-FFF2-40B4-BE49-F238E27FC236}">
+                <a16:creationId xmlns:a16="http://schemas.microsoft.com/office/drawing/2014/main" id="{14FE827C-8382-4447-9D05-A6199C916657}"/>
+              </a:ext>
+            </a:extLst>
+          </p:cNvPr>
+          <p:cNvCxnSpPr>
+            <a:stCxn id="5" idx="2"/>
+            <a:endCxn id="6" idx="0"/>
+          </p:cNvCxnSpPr>
+          <p:nvPr/>
+        </p:nvCxnSpPr>
+        <p:spPr>
+          <a:xfrm>
+            <a:off x="5771766" y="826006"/>
+            <a:ext cx="1414" cy="236737"/>
+          </a:xfrm>
+          <a:prstGeom prst="straightConnector1">
+            <a:avLst/>
+          </a:prstGeom>
+          <a:ln>
+            <a:tailEnd type="triangle"/>
+          </a:ln>
+        </p:spPr>
+        <p:style>
+          <a:lnRef idx="1">
+            <a:schemeClr val="accent1"/>
+          </a:lnRef>
+          <a:fillRef idx="0">
+            <a:schemeClr val="accent1"/>
+          </a:fillRef>
+          <a:effectRef idx="0">
+            <a:schemeClr val="accent1"/>
+          </a:effectRef>
+          <a:fontRef idx="minor">
+            <a:schemeClr val="tx1"/>
+          </a:fontRef>
+        </p:style>
+      </p:cxnSp>
+      <p:cxnSp>
+        <p:nvCxnSpPr>
+          <p:cNvPr id="22" name="直接箭头连接符 21">
+            <a:extLst>
+              <a:ext uri="{FF2B5EF4-FFF2-40B4-BE49-F238E27FC236}">
+                <a16:creationId xmlns:a16="http://schemas.microsoft.com/office/drawing/2014/main" id="{E81D865B-99C4-45A5-95C8-790B9D7C766F}"/>
+              </a:ext>
+            </a:extLst>
+          </p:cNvPr>
+          <p:cNvCxnSpPr>
+            <a:stCxn id="6" idx="2"/>
+            <a:endCxn id="7" idx="0"/>
+          </p:cNvCxnSpPr>
+          <p:nvPr/>
+        </p:nvCxnSpPr>
+        <p:spPr>
+          <a:xfrm flipH="1">
+            <a:off x="3519911" y="1339742"/>
+            <a:ext cx="2253269" cy="1030916"/>
+          </a:xfrm>
+          <a:prstGeom prst="straightConnector1">
+            <a:avLst/>
+          </a:prstGeom>
+          <a:ln>
+            <a:tailEnd type="triangle"/>
+          </a:ln>
+        </p:spPr>
+        <p:style>
+          <a:lnRef idx="1">
+            <a:schemeClr val="accent1"/>
+          </a:lnRef>
+          <a:fillRef idx="0">
+            <a:schemeClr val="accent1"/>
+          </a:fillRef>
+          <a:effectRef idx="0">
+            <a:schemeClr val="accent1"/>
+          </a:effectRef>
+          <a:fontRef idx="minor">
+            <a:schemeClr val="tx1"/>
+          </a:fontRef>
+        </p:style>
+      </p:cxnSp>
+      <p:cxnSp>
+        <p:nvCxnSpPr>
+          <p:cNvPr id="24" name="直接箭头连接符 23">
+            <a:extLst>
+              <a:ext uri="{FF2B5EF4-FFF2-40B4-BE49-F238E27FC236}">
+                <a16:creationId xmlns:a16="http://schemas.microsoft.com/office/drawing/2014/main" id="{C2961714-37DB-4CDF-91D8-EB4A5400FE5C}"/>
+              </a:ext>
+            </a:extLst>
+          </p:cNvPr>
+          <p:cNvCxnSpPr>
+            <a:stCxn id="7" idx="2"/>
+            <a:endCxn id="12" idx="1"/>
+          </p:cNvCxnSpPr>
+          <p:nvPr/>
+        </p:nvCxnSpPr>
+        <p:spPr>
+          <a:xfrm>
+            <a:off x="3519911" y="2648882"/>
+            <a:ext cx="3923255" cy="867368"/>
+          </a:xfrm>
+          <a:prstGeom prst="straightConnector1">
+            <a:avLst/>
+          </a:prstGeom>
+          <a:ln>
+            <a:tailEnd type="triangle"/>
+          </a:ln>
+        </p:spPr>
+        <p:style>
+          <a:lnRef idx="1">
+            <a:schemeClr val="accent1"/>
+          </a:lnRef>
+          <a:fillRef idx="0">
+            <a:schemeClr val="accent1"/>
+          </a:fillRef>
+          <a:effectRef idx="0">
+            <a:schemeClr val="accent1"/>
+          </a:effectRef>
+          <a:fontRef idx="minor">
+            <a:schemeClr val="tx1"/>
+          </a:fontRef>
+        </p:style>
+      </p:cxnSp>
+      <p:sp>
+        <p:nvSpPr>
+          <p:cNvPr id="25" name="文本框 24">
+            <a:extLst>
+              <a:ext uri="{FF2B5EF4-FFF2-40B4-BE49-F238E27FC236}">
+                <a16:creationId xmlns:a16="http://schemas.microsoft.com/office/drawing/2014/main" id="{CF6EE4CF-15F9-4DD1-873B-9F047D25F980}"/>
+              </a:ext>
+            </a:extLst>
+          </p:cNvPr>
+          <p:cNvSpPr txBox="1"/>
+          <p:nvPr/>
+        </p:nvSpPr>
+        <p:spPr>
+          <a:xfrm>
+            <a:off x="2850436" y="4630572"/>
+            <a:ext cx="1338950" cy="276999"/>
+          </a:xfrm>
+          <a:prstGeom prst="rect">
+            <a:avLst/>
+          </a:prstGeom>
+          <a:noFill/>
+          <a:ln>
+            <a:solidFill>
+              <a:schemeClr val="accent1"/>
+            </a:solidFill>
+          </a:ln>
+        </p:spPr>
+        <p:txBody>
+          <a:bodyPr wrap="square" rtlCol="0">
+            <a:spAutoFit/>
+          </a:bodyPr>
+          <a:lstStyle/>
+          <a:p>
+            <a:r>
+              <a:rPr lang="en-US" altLang="zh-CN" sz="1200" dirty="0"/>
+              <a:t>OS30</a:t>
+            </a:r>
+            <a:r>
+              <a:rPr lang="zh-CN" altLang="en-US" sz="1200" dirty="0"/>
+              <a:t>应用</a:t>
+            </a:r>
+            <a:r>
+              <a:rPr lang="en-US" altLang="zh-CN" sz="1200" dirty="0"/>
+              <a:t>B</a:t>
+            </a:r>
+            <a:r>
+              <a:rPr lang="zh-CN" altLang="en-US" sz="1200" dirty="0"/>
+              <a:t>节点</a:t>
+            </a:r>
+            <a:r>
+              <a:rPr lang="en-US" altLang="zh-CN" sz="1200" dirty="0"/>
+              <a:t>1</a:t>
+            </a:r>
+          </a:p>
+        </p:txBody>
+      </p:sp>
+      <p:sp>
+        <p:nvSpPr>
+          <p:cNvPr id="26" name="文本框 25">
+            <a:extLst>
+              <a:ext uri="{FF2B5EF4-FFF2-40B4-BE49-F238E27FC236}">
+                <a16:creationId xmlns:a16="http://schemas.microsoft.com/office/drawing/2014/main" id="{78DBE6AF-84EF-4666-B5A5-CD34FDFF1AC3}"/>
+              </a:ext>
+            </a:extLst>
+          </p:cNvPr>
+          <p:cNvSpPr txBox="1"/>
+          <p:nvPr/>
+        </p:nvSpPr>
+        <p:spPr>
+          <a:xfrm>
+            <a:off x="2847282" y="4990879"/>
+            <a:ext cx="1338950" cy="276999"/>
+          </a:xfrm>
+          <a:prstGeom prst="rect">
+            <a:avLst/>
+          </a:prstGeom>
+          <a:noFill/>
+          <a:ln>
+            <a:solidFill>
+              <a:schemeClr val="accent1"/>
+            </a:solidFill>
+          </a:ln>
+        </p:spPr>
+        <p:txBody>
+          <a:bodyPr wrap="square" rtlCol="0">
+            <a:spAutoFit/>
+          </a:bodyPr>
+          <a:lstStyle/>
+          <a:p>
+            <a:r>
+              <a:rPr lang="en-US" altLang="zh-CN" sz="1200" dirty="0"/>
+              <a:t>OS30</a:t>
+            </a:r>
+            <a:r>
+              <a:rPr lang="zh-CN" altLang="en-US" sz="1200" dirty="0"/>
+              <a:t>应用</a:t>
+            </a:r>
+            <a:r>
+              <a:rPr lang="en-US" altLang="zh-CN" sz="1200" dirty="0"/>
+              <a:t>B</a:t>
+            </a:r>
+            <a:r>
+              <a:rPr lang="zh-CN" altLang="en-US" sz="1200" dirty="0"/>
+              <a:t>节点</a:t>
+            </a:r>
+            <a:r>
+              <a:rPr lang="en-US" altLang="zh-CN" sz="1200" dirty="0"/>
+              <a:t>1</a:t>
+            </a:r>
+          </a:p>
+        </p:txBody>
+      </p:sp>
+      <p:sp>
+        <p:nvSpPr>
+          <p:cNvPr id="27" name="文本框 26">
+            <a:extLst>
+              <a:ext uri="{FF2B5EF4-FFF2-40B4-BE49-F238E27FC236}">
+                <a16:creationId xmlns:a16="http://schemas.microsoft.com/office/drawing/2014/main" id="{1E7FC0FD-4872-4048-A1FF-0FC0220C7DE9}"/>
+              </a:ext>
+            </a:extLst>
+          </p:cNvPr>
+          <p:cNvSpPr txBox="1"/>
+          <p:nvPr/>
+        </p:nvSpPr>
+        <p:spPr>
+          <a:xfrm>
+            <a:off x="7443166" y="4561323"/>
+            <a:ext cx="1338950" cy="276999"/>
+          </a:xfrm>
+          <a:prstGeom prst="rect">
+            <a:avLst/>
+          </a:prstGeom>
+          <a:noFill/>
+          <a:ln>
+            <a:solidFill>
+              <a:schemeClr val="accent1"/>
+            </a:solidFill>
+          </a:ln>
+        </p:spPr>
+        <p:txBody>
+          <a:bodyPr wrap="square" rtlCol="0">
+            <a:spAutoFit/>
+          </a:bodyPr>
+          <a:lstStyle/>
+          <a:p>
+            <a:r>
+              <a:rPr lang="en-US" altLang="zh-CN" sz="1200" dirty="0"/>
+              <a:t>SG52</a:t>
+            </a:r>
+            <a:r>
+              <a:rPr lang="zh-CN" altLang="en-US" sz="1200" dirty="0"/>
+              <a:t>应用</a:t>
+            </a:r>
+            <a:r>
+              <a:rPr lang="en-US" altLang="zh-CN" sz="1200" dirty="0"/>
+              <a:t>B</a:t>
+            </a:r>
+            <a:r>
+              <a:rPr lang="zh-CN" altLang="en-US" sz="1200" dirty="0"/>
+              <a:t>节点</a:t>
+            </a:r>
+            <a:r>
+              <a:rPr lang="en-US" altLang="zh-CN" sz="1200" dirty="0"/>
+              <a:t>3</a:t>
+            </a:r>
+          </a:p>
+        </p:txBody>
+      </p:sp>
+      <p:sp>
+        <p:nvSpPr>
+          <p:cNvPr id="28" name="文本框 27">
+            <a:extLst>
+              <a:ext uri="{FF2B5EF4-FFF2-40B4-BE49-F238E27FC236}">
+                <a16:creationId xmlns:a16="http://schemas.microsoft.com/office/drawing/2014/main" id="{92E26A39-05B4-4787-9653-8D0302079F7D}"/>
+              </a:ext>
+            </a:extLst>
+          </p:cNvPr>
+          <p:cNvSpPr txBox="1"/>
+          <p:nvPr/>
+        </p:nvSpPr>
+        <p:spPr>
+          <a:xfrm>
+            <a:off x="7443166" y="4921630"/>
+            <a:ext cx="1338950" cy="276999"/>
+          </a:xfrm>
+          <a:prstGeom prst="rect">
+            <a:avLst/>
+          </a:prstGeom>
+          <a:noFill/>
+          <a:ln>
+            <a:solidFill>
+              <a:schemeClr val="accent1"/>
+            </a:solidFill>
+          </a:ln>
+        </p:spPr>
+        <p:txBody>
+          <a:bodyPr wrap="square" rtlCol="0">
+            <a:spAutoFit/>
+          </a:bodyPr>
+          <a:lstStyle/>
+          <a:p>
+            <a:r>
+              <a:rPr lang="en-US" altLang="zh-CN" sz="1200" dirty="0"/>
+              <a:t>SG52</a:t>
+            </a:r>
+            <a:r>
+              <a:rPr lang="zh-CN" altLang="en-US" sz="1200" dirty="0"/>
+              <a:t>应用</a:t>
+            </a:r>
+            <a:r>
+              <a:rPr lang="en-US" altLang="zh-CN" sz="1200" dirty="0"/>
+              <a:t>B</a:t>
+            </a:r>
+            <a:r>
+              <a:rPr lang="zh-CN" altLang="en-US" sz="1200" dirty="0"/>
+              <a:t>节点</a:t>
+            </a:r>
+            <a:r>
+              <a:rPr lang="en-US" altLang="zh-CN" sz="1200" dirty="0"/>
+              <a:t>4</a:t>
+            </a:r>
+          </a:p>
+        </p:txBody>
+      </p:sp>
+      <p:sp>
+        <p:nvSpPr>
+          <p:cNvPr id="29" name="文本框 28">
+            <a:extLst>
+              <a:ext uri="{FF2B5EF4-FFF2-40B4-BE49-F238E27FC236}">
+                <a16:creationId xmlns:a16="http://schemas.microsoft.com/office/drawing/2014/main" id="{8AA42813-6614-486E-B48E-BEFDF9E784A7}"/>
+              </a:ext>
+            </a:extLst>
+          </p:cNvPr>
+          <p:cNvSpPr txBox="1"/>
+          <p:nvPr/>
+        </p:nvSpPr>
+        <p:spPr>
+          <a:xfrm>
+            <a:off x="4630606" y="5017540"/>
+            <a:ext cx="2518823" cy="461665"/>
+          </a:xfrm>
+          <a:prstGeom prst="rect">
+            <a:avLst/>
+          </a:prstGeom>
+          <a:noFill/>
+          <a:ln>
+            <a:solidFill>
+              <a:schemeClr val="accent1"/>
+            </a:solidFill>
+          </a:ln>
+        </p:spPr>
+        <p:txBody>
+          <a:bodyPr wrap="square" rtlCol="0">
+            <a:spAutoFit/>
+          </a:bodyPr>
+          <a:lstStyle/>
+          <a:p>
+            <a:r>
+              <a:rPr lang="en-US" altLang="zh-CN" sz="1200" dirty="0"/>
+              <a:t>configServer </a:t>
+            </a:r>
+            <a:r>
+              <a:rPr lang="zh-CN" altLang="en-US" sz="1200" dirty="0"/>
+              <a:t>跨机房注册</a:t>
+            </a:r>
+            <a:r>
+              <a:rPr lang="en-US" altLang="zh-CN" sz="1200" dirty="0"/>
+              <a:t> app-b</a:t>
+            </a:r>
+            <a:r>
+              <a:rPr lang="zh-CN" altLang="en-US" sz="1200" dirty="0"/>
+              <a:t>：</a:t>
+            </a:r>
+            <a:endParaRPr lang="en-US" altLang="zh-CN" sz="1200" dirty="0"/>
+          </a:p>
+          <a:p>
+            <a:r>
+              <a:rPr lang="zh-CN" altLang="en-US" sz="1200" dirty="0"/>
+              <a:t>节点</a:t>
+            </a:r>
+            <a:r>
+              <a:rPr lang="en-US" altLang="zh-CN" sz="1200" dirty="0"/>
+              <a:t>1</a:t>
+            </a:r>
+            <a:r>
+              <a:rPr lang="zh-CN" altLang="en-US" sz="1200" dirty="0"/>
+              <a:t>   节点</a:t>
+            </a:r>
+            <a:r>
+              <a:rPr lang="en-US" altLang="zh-CN" sz="1200" dirty="0"/>
+              <a:t>2   </a:t>
+            </a:r>
+            <a:r>
+              <a:rPr lang="zh-CN" altLang="en-US" sz="1200" dirty="0"/>
+              <a:t>节点</a:t>
+            </a:r>
+            <a:r>
+              <a:rPr lang="en-US" altLang="zh-CN" sz="1200" dirty="0"/>
+              <a:t>3     </a:t>
+            </a:r>
+            <a:r>
+              <a:rPr lang="zh-CN" altLang="en-US" sz="1200" dirty="0"/>
+              <a:t>节点</a:t>
+            </a:r>
+            <a:r>
+              <a:rPr lang="en-US" altLang="zh-CN" sz="1200" dirty="0"/>
+              <a:t>4</a:t>
+            </a:r>
+          </a:p>
+        </p:txBody>
+      </p:sp>
+      <p:sp>
+        <p:nvSpPr>
+          <p:cNvPr id="36" name="文本框 35">
+            <a:extLst>
+              <a:ext uri="{FF2B5EF4-FFF2-40B4-BE49-F238E27FC236}">
+                <a16:creationId xmlns:a16="http://schemas.microsoft.com/office/drawing/2014/main" id="{97CE3447-D7BB-4DE2-9790-81EB74563206}"/>
+              </a:ext>
+            </a:extLst>
+          </p:cNvPr>
+          <p:cNvSpPr txBox="1"/>
+          <p:nvPr/>
+        </p:nvSpPr>
+        <p:spPr>
+          <a:xfrm>
+            <a:off x="2386606" y="2086750"/>
+            <a:ext cx="921352" cy="276999"/>
+          </a:xfrm>
+          <a:prstGeom prst="rect">
+            <a:avLst/>
+          </a:prstGeom>
+          <a:noFill/>
+        </p:spPr>
+        <p:txBody>
+          <a:bodyPr wrap="square" rtlCol="0">
+            <a:spAutoFit/>
+          </a:bodyPr>
+          <a:lstStyle/>
+          <a:p>
+            <a:r>
+              <a:rPr lang="en-US" altLang="zh-CN" sz="1200" dirty="0"/>
+              <a:t>OS30</a:t>
+            </a:r>
+            <a:r>
+              <a:rPr lang="zh-CN" altLang="en-US" sz="1200" dirty="0"/>
+              <a:t>机房</a:t>
+            </a:r>
+          </a:p>
+        </p:txBody>
+      </p:sp>
+      <p:sp>
+        <p:nvSpPr>
+          <p:cNvPr id="40" name="文本框 39">
+            <a:extLst>
+              <a:ext uri="{FF2B5EF4-FFF2-40B4-BE49-F238E27FC236}">
+                <a16:creationId xmlns:a16="http://schemas.microsoft.com/office/drawing/2014/main" id="{188BD3F6-83C7-4E12-9981-CFB2BFF75FBC}"/>
+              </a:ext>
+            </a:extLst>
+          </p:cNvPr>
+          <p:cNvSpPr txBox="1"/>
+          <p:nvPr/>
+        </p:nvSpPr>
+        <p:spPr>
+          <a:xfrm>
+            <a:off x="1013999" y="1701171"/>
+            <a:ext cx="1605074" cy="276999"/>
+          </a:xfrm>
+          <a:prstGeom prst="rect">
+            <a:avLst/>
+          </a:prstGeom>
+          <a:noFill/>
+        </p:spPr>
+        <p:txBody>
+          <a:bodyPr wrap="square" rtlCol="0">
+            <a:spAutoFit/>
+          </a:bodyPr>
+          <a:lstStyle/>
+          <a:p>
+            <a:r>
+              <a:rPr lang="zh-CN" altLang="en-US" sz="1200" dirty="0"/>
+              <a:t>新加坡单元</a:t>
+            </a:r>
+          </a:p>
+        </p:txBody>
+      </p:sp>
+      <p:cxnSp>
+        <p:nvCxnSpPr>
+          <p:cNvPr id="43" name="直接箭头连接符 42">
+            <a:extLst>
+              <a:ext uri="{FF2B5EF4-FFF2-40B4-BE49-F238E27FC236}">
+                <a16:creationId xmlns:a16="http://schemas.microsoft.com/office/drawing/2014/main" id="{01BD03DD-C0B9-4535-B3FA-0CF1B13E86A8}"/>
+              </a:ext>
+            </a:extLst>
+          </p:cNvPr>
+          <p:cNvCxnSpPr/>
+          <p:nvPr/>
+        </p:nvCxnSpPr>
+        <p:spPr>
+          <a:xfrm>
+            <a:off x="969951" y="385313"/>
+            <a:ext cx="651815" cy="0"/>
+          </a:xfrm>
+          <a:prstGeom prst="straightConnector1">
+            <a:avLst/>
+          </a:prstGeom>
+          <a:ln>
+            <a:tailEnd type="triangle"/>
+          </a:ln>
+        </p:spPr>
+        <p:style>
+          <a:lnRef idx="1">
+            <a:schemeClr val="accent1"/>
+          </a:lnRef>
+          <a:fillRef idx="0">
+            <a:schemeClr val="accent1"/>
+          </a:fillRef>
+          <a:effectRef idx="0">
+            <a:schemeClr val="accent1"/>
+          </a:effectRef>
+          <a:fontRef idx="minor">
+            <a:schemeClr val="tx1"/>
+          </a:fontRef>
+        </p:style>
+      </p:cxnSp>
+      <p:sp>
+        <p:nvSpPr>
+          <p:cNvPr id="44" name="文本框 43">
+            <a:extLst>
+              <a:ext uri="{FF2B5EF4-FFF2-40B4-BE49-F238E27FC236}">
+                <a16:creationId xmlns:a16="http://schemas.microsoft.com/office/drawing/2014/main" id="{2FF2C28D-9F3D-4300-A8D4-71720EF18C32}"/>
+              </a:ext>
+            </a:extLst>
+          </p:cNvPr>
+          <p:cNvSpPr txBox="1"/>
+          <p:nvPr/>
+        </p:nvSpPr>
+        <p:spPr>
+          <a:xfrm>
+            <a:off x="1754038" y="243534"/>
+            <a:ext cx="902898" cy="276999"/>
+          </a:xfrm>
+          <a:prstGeom prst="rect">
+            <a:avLst/>
+          </a:prstGeom>
+          <a:noFill/>
+        </p:spPr>
+        <p:txBody>
+          <a:bodyPr wrap="square" rtlCol="0">
+            <a:spAutoFit/>
+          </a:bodyPr>
+          <a:lstStyle/>
+          <a:p>
+            <a:r>
+              <a:rPr lang="zh-CN" altLang="en-US" sz="1200" dirty="0"/>
+              <a:t>正常流量</a:t>
+            </a:r>
+          </a:p>
+        </p:txBody>
+      </p:sp>
+      <p:cxnSp>
+        <p:nvCxnSpPr>
+          <p:cNvPr id="46" name="直接箭头连接符 45">
+            <a:extLst>
+              <a:ext uri="{FF2B5EF4-FFF2-40B4-BE49-F238E27FC236}">
+                <a16:creationId xmlns:a16="http://schemas.microsoft.com/office/drawing/2014/main" id="{BD1955F4-6E0E-4556-9BC9-A88A8FC68E57}"/>
+              </a:ext>
+            </a:extLst>
+          </p:cNvPr>
+          <p:cNvCxnSpPr/>
+          <p:nvPr/>
+        </p:nvCxnSpPr>
+        <p:spPr>
+          <a:xfrm>
+            <a:off x="969951" y="822385"/>
+            <a:ext cx="651815" cy="0"/>
+          </a:xfrm>
+          <a:prstGeom prst="straightConnector1">
+            <a:avLst/>
+          </a:prstGeom>
+          <a:ln w="9525" cap="flat" cmpd="sng" algn="ctr">
+            <a:solidFill>
+              <a:schemeClr val="accent2"/>
+            </a:solidFill>
+            <a:prstDash val="solid"/>
+            <a:round/>
+            <a:headEnd type="none" w="med" len="med"/>
+            <a:tailEnd type="arrow" w="med" len="med"/>
+          </a:ln>
+        </p:spPr>
+        <p:style>
+          <a:lnRef idx="0">
+            <a:scrgbClr r="0" g="0" b="0"/>
+          </a:lnRef>
+          <a:fillRef idx="0">
+            <a:scrgbClr r="0" g="0" b="0"/>
+          </a:fillRef>
+          <a:effectRef idx="0">
+            <a:scrgbClr r="0" g="0" b="0"/>
+          </a:effectRef>
+          <a:fontRef idx="minor">
+            <a:schemeClr val="tx1"/>
+          </a:fontRef>
+        </p:style>
+      </p:cxnSp>
+      <p:sp>
+        <p:nvSpPr>
+          <p:cNvPr id="47" name="文本框 46">
+            <a:extLst>
+              <a:ext uri="{FF2B5EF4-FFF2-40B4-BE49-F238E27FC236}">
+                <a16:creationId xmlns:a16="http://schemas.microsoft.com/office/drawing/2014/main" id="{8AEAC16B-54A0-4311-980E-DF476462E5B9}"/>
+              </a:ext>
+            </a:extLst>
+          </p:cNvPr>
+          <p:cNvSpPr txBox="1"/>
+          <p:nvPr/>
+        </p:nvSpPr>
+        <p:spPr>
+          <a:xfrm>
+            <a:off x="1754038" y="672456"/>
+            <a:ext cx="902898" cy="276999"/>
+          </a:xfrm>
+          <a:prstGeom prst="rect">
+            <a:avLst/>
+          </a:prstGeom>
+          <a:noFill/>
+        </p:spPr>
+        <p:txBody>
+          <a:bodyPr wrap="square" rtlCol="0">
+            <a:spAutoFit/>
+          </a:bodyPr>
+          <a:lstStyle/>
+          <a:p>
+            <a:r>
+              <a:rPr lang="zh-CN" altLang="en-US" sz="1200" dirty="0"/>
+              <a:t>异步流量</a:t>
+            </a:r>
+          </a:p>
+        </p:txBody>
+      </p:sp>
+      <p:sp>
+        <p:nvSpPr>
+          <p:cNvPr id="48" name="文本框 47">
+            <a:extLst>
+              <a:ext uri="{FF2B5EF4-FFF2-40B4-BE49-F238E27FC236}">
+                <a16:creationId xmlns:a16="http://schemas.microsoft.com/office/drawing/2014/main" id="{F87FF4D2-7232-4291-B84D-1A99CFC812B7}"/>
+              </a:ext>
+            </a:extLst>
+          </p:cNvPr>
+          <p:cNvSpPr txBox="1"/>
+          <p:nvPr/>
+        </p:nvSpPr>
+        <p:spPr>
+          <a:xfrm>
+            <a:off x="2847282" y="3917777"/>
+            <a:ext cx="1338950" cy="276999"/>
+          </a:xfrm>
+          <a:prstGeom prst="rect">
+            <a:avLst/>
+          </a:prstGeom>
+          <a:noFill/>
+          <a:ln>
+            <a:solidFill>
+              <a:schemeClr val="accent1"/>
+            </a:solidFill>
+          </a:ln>
+        </p:spPr>
+        <p:txBody>
+          <a:bodyPr wrap="square" rtlCol="0">
+            <a:spAutoFit/>
+          </a:bodyPr>
+          <a:lstStyle/>
+          <a:p>
+            <a:r>
+              <a:rPr lang="en-US" altLang="zh-CN" sz="1200" dirty="0"/>
+              <a:t>OS30 metaQ</a:t>
+            </a:r>
+          </a:p>
+        </p:txBody>
+      </p:sp>
+      <p:sp>
+        <p:nvSpPr>
+          <p:cNvPr id="49" name="文本框 48">
+            <a:extLst>
+              <a:ext uri="{FF2B5EF4-FFF2-40B4-BE49-F238E27FC236}">
+                <a16:creationId xmlns:a16="http://schemas.microsoft.com/office/drawing/2014/main" id="{9932CB4E-F585-4556-8A18-FB29F566E08F}"/>
+              </a:ext>
+            </a:extLst>
+          </p:cNvPr>
+          <p:cNvSpPr txBox="1"/>
+          <p:nvPr/>
+        </p:nvSpPr>
+        <p:spPr>
+          <a:xfrm>
+            <a:off x="7450615" y="3931868"/>
+            <a:ext cx="1338950" cy="276999"/>
+          </a:xfrm>
+          <a:prstGeom prst="rect">
+            <a:avLst/>
+          </a:prstGeom>
+          <a:noFill/>
+          <a:ln>
+            <a:solidFill>
+              <a:schemeClr val="accent1"/>
+            </a:solidFill>
+          </a:ln>
+        </p:spPr>
+        <p:txBody>
+          <a:bodyPr wrap="square" rtlCol="0">
+            <a:spAutoFit/>
+          </a:bodyPr>
+          <a:lstStyle/>
+          <a:p>
+            <a:r>
+              <a:rPr lang="en-US" altLang="zh-CN" sz="1200" dirty="0"/>
+              <a:t>SG52 metaQ</a:t>
+            </a:r>
+          </a:p>
+        </p:txBody>
+      </p:sp>
+      <p:cxnSp>
+        <p:nvCxnSpPr>
+          <p:cNvPr id="51" name="直接箭头连接符 50">
+            <a:extLst>
+              <a:ext uri="{FF2B5EF4-FFF2-40B4-BE49-F238E27FC236}">
+                <a16:creationId xmlns:a16="http://schemas.microsoft.com/office/drawing/2014/main" id="{D42E32EC-FE85-4479-8325-DBCAE45D4875}"/>
+              </a:ext>
+            </a:extLst>
+          </p:cNvPr>
+          <p:cNvCxnSpPr>
+            <a:stCxn id="10" idx="2"/>
+            <a:endCxn id="48" idx="0"/>
+          </p:cNvCxnSpPr>
+          <p:nvPr/>
+        </p:nvCxnSpPr>
+        <p:spPr>
+          <a:xfrm flipH="1">
+            <a:off x="3516757" y="3621157"/>
+            <a:ext cx="3155" cy="296620"/>
+          </a:xfrm>
+          <a:prstGeom prst="straightConnector1">
+            <a:avLst/>
+          </a:prstGeom>
+          <a:ln w="9525" cap="flat" cmpd="sng" algn="ctr">
+            <a:solidFill>
+              <a:schemeClr val="accent2"/>
+            </a:solidFill>
+            <a:prstDash val="solid"/>
+            <a:round/>
+            <a:headEnd type="none" w="med" len="med"/>
+            <a:tailEnd type="arrow" w="med" len="med"/>
+          </a:ln>
+        </p:spPr>
+        <p:style>
+          <a:lnRef idx="0">
+            <a:scrgbClr r="0" g="0" b="0"/>
+          </a:lnRef>
+          <a:fillRef idx="0">
+            <a:scrgbClr r="0" g="0" b="0"/>
+          </a:fillRef>
+          <a:effectRef idx="0">
+            <a:scrgbClr r="0" g="0" b="0"/>
+          </a:effectRef>
+          <a:fontRef idx="minor">
+            <a:schemeClr val="tx1"/>
+          </a:fontRef>
+        </p:style>
+      </p:cxnSp>
+      <p:sp>
+        <p:nvSpPr>
+          <p:cNvPr id="54" name="文本框 53">
+            <a:extLst>
+              <a:ext uri="{FF2B5EF4-FFF2-40B4-BE49-F238E27FC236}">
+                <a16:creationId xmlns:a16="http://schemas.microsoft.com/office/drawing/2014/main" id="{04EC76CD-D8C1-484B-9892-0032D247886A}"/>
+              </a:ext>
+            </a:extLst>
+          </p:cNvPr>
+          <p:cNvSpPr txBox="1"/>
+          <p:nvPr/>
+        </p:nvSpPr>
+        <p:spPr>
+          <a:xfrm>
+            <a:off x="7773220" y="159150"/>
+            <a:ext cx="4256338" cy="1384995"/>
+          </a:xfrm>
+          <a:prstGeom prst="rect">
+            <a:avLst/>
+          </a:prstGeom>
+          <a:noFill/>
+        </p:spPr>
+        <p:txBody>
+          <a:bodyPr wrap="square" rtlCol="0">
+            <a:spAutoFit/>
+          </a:bodyPr>
+          <a:lstStyle/>
+          <a:p>
+            <a:r>
+              <a:rPr lang="zh-CN" altLang="en-US" sz="1200" dirty="0"/>
+              <a:t>备注：</a:t>
+            </a:r>
+            <a:endParaRPr lang="en-US" altLang="zh-CN" sz="1200" dirty="0"/>
+          </a:p>
+          <a:p>
+            <a:r>
+              <a:rPr lang="en-US" altLang="zh-CN" sz="1200" dirty="0"/>
+              <a:t>Aserver</a:t>
+            </a:r>
+            <a:r>
+              <a:rPr lang="zh-CN" altLang="en-US" sz="1200" dirty="0"/>
+              <a:t>调度识别单元不识别机房，因此</a:t>
+            </a:r>
+            <a:r>
+              <a:rPr lang="en-US" altLang="zh-CN" sz="1200" dirty="0"/>
+              <a:t>vipserver key</a:t>
+            </a:r>
+            <a:r>
+              <a:rPr lang="zh-CN" altLang="en-US" sz="1200" dirty="0"/>
+              <a:t>多机房挂载同一个</a:t>
+            </a:r>
+            <a:r>
+              <a:rPr lang="en-US" altLang="zh-CN" sz="1200" dirty="0"/>
+              <a:t>key</a:t>
+            </a:r>
+            <a:r>
+              <a:rPr lang="zh-CN" altLang="en-US" sz="1200" dirty="0"/>
+              <a:t>上可以进行机房间的负载均衡。</a:t>
+            </a:r>
+            <a:endParaRPr lang="en-US" altLang="zh-CN" sz="1200" dirty="0"/>
+          </a:p>
+          <a:p>
+            <a:r>
+              <a:rPr lang="zh-CN" altLang="en-US" sz="1200" dirty="0"/>
+              <a:t>而</a:t>
+            </a:r>
+            <a:r>
+              <a:rPr lang="en-US" altLang="zh-CN" sz="1200" dirty="0"/>
+              <a:t>HSF</a:t>
+            </a:r>
+            <a:r>
+              <a:rPr lang="zh-CN" altLang="en-US" sz="1200" dirty="0"/>
+              <a:t>也可以以单元的粒度进行配置，配置为</a:t>
+            </a:r>
+            <a:r>
+              <a:rPr lang="en-US" altLang="zh-CN" sz="1200" dirty="0"/>
+              <a:t>center</a:t>
+            </a:r>
+            <a:r>
+              <a:rPr lang="zh-CN" altLang="en-US" sz="1200" dirty="0"/>
+              <a:t>模式，即可自主在不同机房间进行负载均衡。</a:t>
+            </a:r>
+            <a:endParaRPr lang="en-US" altLang="zh-CN" sz="1200" dirty="0"/>
+          </a:p>
+          <a:p>
+            <a:r>
+              <a:rPr lang="zh-CN" altLang="en-US" sz="1200" dirty="0"/>
+              <a:t>异步消息也是以单元为基础，同单元不同机房可能会出现跨机房的流量投递和消费</a:t>
+            </a:r>
+          </a:p>
+        </p:txBody>
+      </p:sp>
+      <p:sp>
+        <p:nvSpPr>
+          <p:cNvPr id="52" name="矩形 51">
+            <a:extLst>
+              <a:ext uri="{FF2B5EF4-FFF2-40B4-BE49-F238E27FC236}">
+                <a16:creationId xmlns:a16="http://schemas.microsoft.com/office/drawing/2014/main" id="{C00B2E5B-D0E6-446D-9252-9EC99353E5BC}"/>
+              </a:ext>
+            </a:extLst>
+          </p:cNvPr>
+          <p:cNvSpPr/>
+          <p:nvPr/>
+        </p:nvSpPr>
+        <p:spPr>
+          <a:xfrm>
+            <a:off x="3128513" y="5963728"/>
+            <a:ext cx="4508740" cy="857962"/>
+          </a:xfrm>
+          <a:prstGeom prst="rect">
+            <a:avLst/>
+          </a:prstGeom>
+        </p:spPr>
+        <p:style>
+          <a:lnRef idx="2">
+            <a:schemeClr val="accent6"/>
+          </a:lnRef>
+          <a:fillRef idx="1">
+            <a:schemeClr val="lt1"/>
+          </a:fillRef>
+          <a:effectRef idx="0">
+            <a:schemeClr val="accent6"/>
+          </a:effectRef>
+          <a:fontRef idx="minor">
+            <a:schemeClr val="dk1"/>
+          </a:fontRef>
+        </p:style>
+        <p:txBody>
+          <a:bodyPr rtlCol="0" anchor="ctr"/>
+          <a:lstStyle/>
+          <a:p>
+            <a:pPr algn="ctr"/>
+            <a:endParaRPr lang="zh-CN" altLang="en-US"/>
+          </a:p>
+        </p:txBody>
+      </p:sp>
+      <p:sp>
+        <p:nvSpPr>
+          <p:cNvPr id="55" name="矩形 54">
+            <a:extLst>
+              <a:ext uri="{FF2B5EF4-FFF2-40B4-BE49-F238E27FC236}">
+                <a16:creationId xmlns:a16="http://schemas.microsoft.com/office/drawing/2014/main" id="{EBF46A08-5A58-40AD-8870-D581FE82C666}"/>
+              </a:ext>
+            </a:extLst>
+          </p:cNvPr>
+          <p:cNvSpPr/>
+          <p:nvPr/>
+        </p:nvSpPr>
+        <p:spPr>
+          <a:xfrm>
+            <a:off x="3476205" y="6088001"/>
+            <a:ext cx="1805795" cy="247289"/>
+          </a:xfrm>
+          <a:prstGeom prst="rect">
+            <a:avLst/>
+          </a:prstGeom>
+        </p:spPr>
+        <p:style>
+          <a:lnRef idx="2">
+            <a:schemeClr val="accent6"/>
+          </a:lnRef>
+          <a:fillRef idx="1">
+            <a:schemeClr val="lt1"/>
+          </a:fillRef>
+          <a:effectRef idx="0">
+            <a:schemeClr val="accent6"/>
+          </a:effectRef>
+          <a:fontRef idx="minor">
+            <a:schemeClr val="dk1"/>
+          </a:fontRef>
+        </p:style>
+        <p:txBody>
+          <a:bodyPr rtlCol="0" anchor="ctr"/>
+          <a:lstStyle/>
+          <a:p>
+            <a:pPr algn="ctr"/>
+            <a:r>
+              <a:rPr lang="en-US" altLang="zh-CN" sz="1200" dirty="0"/>
+              <a:t>DB leader in OS30</a:t>
+            </a:r>
+          </a:p>
+        </p:txBody>
+      </p:sp>
+      <p:sp>
+        <p:nvSpPr>
+          <p:cNvPr id="56" name="矩形 55">
+            <a:extLst>
+              <a:ext uri="{FF2B5EF4-FFF2-40B4-BE49-F238E27FC236}">
+                <a16:creationId xmlns:a16="http://schemas.microsoft.com/office/drawing/2014/main" id="{6D13D2E2-EDBB-4908-8C33-E02CCA22E7B1}"/>
+              </a:ext>
+            </a:extLst>
+          </p:cNvPr>
+          <p:cNvSpPr/>
+          <p:nvPr/>
+        </p:nvSpPr>
+        <p:spPr>
+          <a:xfrm>
+            <a:off x="5604825" y="6119193"/>
+            <a:ext cx="1805795" cy="247289"/>
+          </a:xfrm>
+          <a:prstGeom prst="rect">
+            <a:avLst/>
+          </a:prstGeom>
+        </p:spPr>
+        <p:style>
+          <a:lnRef idx="2">
+            <a:schemeClr val="accent6"/>
+          </a:lnRef>
+          <a:fillRef idx="1">
+            <a:schemeClr val="lt1"/>
+          </a:fillRef>
+          <a:effectRef idx="0">
+            <a:schemeClr val="accent6"/>
+          </a:effectRef>
+          <a:fontRef idx="minor">
+            <a:schemeClr val="dk1"/>
+          </a:fontRef>
+        </p:style>
+        <p:txBody>
+          <a:bodyPr rtlCol="0" anchor="ctr"/>
+          <a:lstStyle/>
+          <a:p>
+            <a:pPr algn="ctr"/>
+            <a:r>
+              <a:rPr lang="en-US" altLang="zh-CN" sz="1200" dirty="0"/>
+              <a:t>DB follow in SG52</a:t>
+            </a:r>
+          </a:p>
+        </p:txBody>
+      </p:sp>
+      <p:sp>
+        <p:nvSpPr>
+          <p:cNvPr id="57" name="矩形 56">
+            <a:extLst>
+              <a:ext uri="{FF2B5EF4-FFF2-40B4-BE49-F238E27FC236}">
+                <a16:creationId xmlns:a16="http://schemas.microsoft.com/office/drawing/2014/main" id="{1202CBE6-68DC-4F03-80E9-DBF7F4ACEFC1}"/>
+              </a:ext>
+            </a:extLst>
+          </p:cNvPr>
+          <p:cNvSpPr/>
+          <p:nvPr/>
+        </p:nvSpPr>
+        <p:spPr>
+          <a:xfrm>
+            <a:off x="4434673" y="6490821"/>
+            <a:ext cx="1805795" cy="247289"/>
+          </a:xfrm>
+          <a:prstGeom prst="rect">
+            <a:avLst/>
+          </a:prstGeom>
+        </p:spPr>
+        <p:style>
+          <a:lnRef idx="2">
+            <a:schemeClr val="accent6"/>
+          </a:lnRef>
+          <a:fillRef idx="1">
+            <a:schemeClr val="lt1"/>
+          </a:fillRef>
+          <a:effectRef idx="0">
+            <a:schemeClr val="accent6"/>
+          </a:effectRef>
+          <a:fontRef idx="minor">
+            <a:schemeClr val="dk1"/>
+          </a:fontRef>
+        </p:style>
+        <p:txBody>
+          <a:bodyPr rtlCol="0" anchor="ctr"/>
+          <a:lstStyle/>
+          <a:p>
+            <a:pPr algn="ctr"/>
+            <a:r>
+              <a:rPr lang="en-US" altLang="zh-CN" sz="1200" dirty="0"/>
+              <a:t>DB log in SG113</a:t>
+            </a:r>
+          </a:p>
+        </p:txBody>
+      </p:sp>
+      <p:cxnSp>
+        <p:nvCxnSpPr>
+          <p:cNvPr id="23" name="直接箭头连接符 22">
+            <a:extLst>
+              <a:ext uri="{FF2B5EF4-FFF2-40B4-BE49-F238E27FC236}">
+                <a16:creationId xmlns:a16="http://schemas.microsoft.com/office/drawing/2014/main" id="{175BA767-8ED6-45CF-83EF-053DE1A2CEAD}"/>
+              </a:ext>
+            </a:extLst>
+          </p:cNvPr>
+          <p:cNvCxnSpPr>
+            <a:stCxn id="12" idx="1"/>
+          </p:cNvCxnSpPr>
+          <p:nvPr/>
+        </p:nvCxnSpPr>
+        <p:spPr>
+          <a:xfrm flipH="1">
+            <a:off x="4186232" y="3516250"/>
+            <a:ext cx="3256934" cy="1613128"/>
+          </a:xfrm>
+          <a:prstGeom prst="straightConnector1">
+            <a:avLst/>
+          </a:prstGeom>
+          <a:ln>
+            <a:tailEnd type="triangle"/>
+          </a:ln>
+        </p:spPr>
+        <p:style>
+          <a:lnRef idx="1">
+            <a:schemeClr val="accent1"/>
+          </a:lnRef>
+          <a:fillRef idx="0">
+            <a:schemeClr val="accent1"/>
+          </a:fillRef>
+          <a:effectRef idx="0">
+            <a:schemeClr val="accent1"/>
+          </a:effectRef>
+          <a:fontRef idx="minor">
+            <a:schemeClr val="tx1"/>
+          </a:fontRef>
+        </p:style>
+      </p:cxnSp>
+      <p:cxnSp>
+        <p:nvCxnSpPr>
+          <p:cNvPr id="32" name="直接箭头连接符 31">
+            <a:extLst>
+              <a:ext uri="{FF2B5EF4-FFF2-40B4-BE49-F238E27FC236}">
+                <a16:creationId xmlns:a16="http://schemas.microsoft.com/office/drawing/2014/main" id="{BCC0DE57-D231-4EB0-BDE8-2BD28A58923B}"/>
+              </a:ext>
+            </a:extLst>
+          </p:cNvPr>
+          <p:cNvCxnSpPr>
+            <a:cxnSpLocks/>
+            <a:stCxn id="28" idx="1"/>
+            <a:endCxn id="48" idx="3"/>
+          </p:cNvCxnSpPr>
+          <p:nvPr/>
+        </p:nvCxnSpPr>
+        <p:spPr>
+          <a:xfrm flipH="1" flipV="1">
+            <a:off x="4186232" y="4056277"/>
+            <a:ext cx="3256934" cy="1003853"/>
+          </a:xfrm>
+          <a:prstGeom prst="straightConnector1">
+            <a:avLst/>
+          </a:prstGeom>
+          <a:ln w="9525" cap="flat" cmpd="sng" algn="ctr">
+            <a:solidFill>
+              <a:schemeClr val="accent2"/>
+            </a:solidFill>
+            <a:prstDash val="solid"/>
+            <a:round/>
+            <a:headEnd type="none" w="med" len="med"/>
+            <a:tailEnd type="arrow" w="med" len="med"/>
+          </a:ln>
+        </p:spPr>
+        <p:style>
+          <a:lnRef idx="0">
+            <a:scrgbClr r="0" g="0" b="0"/>
+          </a:lnRef>
+          <a:fillRef idx="0">
+            <a:scrgbClr r="0" g="0" b="0"/>
+          </a:fillRef>
+          <a:effectRef idx="0">
+            <a:scrgbClr r="0" g="0" b="0"/>
+          </a:effectRef>
+          <a:fontRef idx="minor">
+            <a:schemeClr val="tx1"/>
+          </a:fontRef>
+        </p:style>
+      </p:cxnSp>
+      <p:cxnSp>
+        <p:nvCxnSpPr>
+          <p:cNvPr id="58" name="直接箭头连接符 57">
+            <a:extLst>
+              <a:ext uri="{FF2B5EF4-FFF2-40B4-BE49-F238E27FC236}">
+                <a16:creationId xmlns:a16="http://schemas.microsoft.com/office/drawing/2014/main" id="{C41AE5DC-81AF-49BE-A195-C72C86A9FEF5}"/>
+              </a:ext>
+            </a:extLst>
+          </p:cNvPr>
+          <p:cNvCxnSpPr>
+            <a:stCxn id="26" idx="2"/>
+            <a:endCxn id="52" idx="0"/>
+          </p:cNvCxnSpPr>
+          <p:nvPr/>
+        </p:nvCxnSpPr>
+        <p:spPr>
+          <a:xfrm>
+            <a:off x="3516757" y="5267878"/>
+            <a:ext cx="1866126" cy="695850"/>
+          </a:xfrm>
+          <a:prstGeom prst="straightConnector1">
+            <a:avLst/>
+          </a:prstGeom>
+          <a:ln>
+            <a:tailEnd type="triangle"/>
+          </a:ln>
+        </p:spPr>
+        <p:style>
+          <a:lnRef idx="1">
+            <a:schemeClr val="accent1"/>
+          </a:lnRef>
+          <a:fillRef idx="0">
+            <a:schemeClr val="accent1"/>
+          </a:fillRef>
+          <a:effectRef idx="0">
+            <a:schemeClr val="accent1"/>
+          </a:effectRef>
+          <a:fontRef idx="minor">
+            <a:schemeClr val="tx1"/>
+          </a:fontRef>
+        </p:style>
+      </p:cxnSp>
+      <p:cxnSp>
+        <p:nvCxnSpPr>
+          <p:cNvPr id="60" name="直接箭头连接符 59">
+            <a:extLst>
+              <a:ext uri="{FF2B5EF4-FFF2-40B4-BE49-F238E27FC236}">
+                <a16:creationId xmlns:a16="http://schemas.microsoft.com/office/drawing/2014/main" id="{25966F3D-441B-4B6F-8C35-BA32353A89EA}"/>
+              </a:ext>
+            </a:extLst>
+          </p:cNvPr>
+          <p:cNvCxnSpPr>
+            <a:stCxn id="28" idx="2"/>
+            <a:endCxn id="52" idx="0"/>
+          </p:cNvCxnSpPr>
+          <p:nvPr/>
+        </p:nvCxnSpPr>
+        <p:spPr>
+          <a:xfrm flipH="1">
+            <a:off x="5382883" y="5198629"/>
+            <a:ext cx="2729758" cy="765099"/>
+          </a:xfrm>
+          <a:prstGeom prst="straightConnector1">
+            <a:avLst/>
+          </a:prstGeom>
+          <a:ln w="9525" cap="flat" cmpd="sng" algn="ctr">
+            <a:solidFill>
+              <a:schemeClr val="accent2"/>
+            </a:solidFill>
+            <a:prstDash val="solid"/>
+            <a:round/>
+            <a:headEnd type="none" w="med" len="med"/>
+            <a:tailEnd type="arrow" w="med" len="med"/>
+          </a:ln>
+        </p:spPr>
+        <p:style>
+          <a:lnRef idx="0">
+            <a:scrgbClr r="0" g="0" b="0"/>
+          </a:lnRef>
+          <a:fillRef idx="0">
+            <a:scrgbClr r="0" g="0" b="0"/>
+          </a:fillRef>
+          <a:effectRef idx="0">
+            <a:scrgbClr r="0" g="0" b="0"/>
+          </a:effectRef>
+          <a:fontRef idx="minor">
+            <a:schemeClr val="tx1"/>
+          </a:fontRef>
+        </p:style>
+      </p:cxnSp>
+    </p:spTree>
+    <p:extLst>
+      <p:ext uri="{BB962C8B-B14F-4D97-AF65-F5344CB8AC3E}">
+        <p14:creationId xmlns:p14="http://schemas.microsoft.com/office/powerpoint/2010/main" val="1694452982"/>
+      </p:ext>
+    </p:extLst>
+  </p:cSld>
+  <p:clrMapOvr>
+    <a:masterClrMapping/>
+  </p:clrMapOvr>
+</p:sld>
+</file>
+
+<file path=ppt/slides/slide8.xml><?xml version="1.0" encoding="utf-8"?>
+<p:sld xmlns:a="http://schemas.openxmlformats.org/drawingml/2006/main" xmlns:r="http://schemas.openxmlformats.org/officeDocument/2006/relationships" xmlns:p="http://schemas.openxmlformats.org/presentationml/2006/main">
+  <p:cSld>
+    <p:spTree>
+      <p:nvGrpSpPr>
+        <p:cNvPr id="1" name=""/>
+        <p:cNvGrpSpPr/>
+        <p:nvPr/>
+      </p:nvGrpSpPr>
+      <p:grpSpPr>
+        <a:xfrm>
+          <a:off x="0" y="0"/>
+          <a:ext cx="0" cy="0"/>
+          <a:chOff x="0" y="0"/>
+          <a:chExt cx="0" cy="0"/>
+        </a:xfrm>
+      </p:grpSpPr>
+      <p:sp>
+        <p:nvSpPr>
           <p:cNvPr id="3" name="矩形 2">
             <a:extLst>
               <a:ext uri="{FF2B5EF4-FFF2-40B4-BE49-F238E27FC236}">
@@ -15430,7 +16710,7 @@
 </p:sld>
 </file>
 
-<file path=ppt/slides/slide8.xml><?xml version="1.0" encoding="utf-8"?>
+<file path=ppt/slides/slide9.xml><?xml version="1.0" encoding="utf-8"?>
 <p:sld xmlns:a="http://schemas.openxmlformats.org/drawingml/2006/main" xmlns:r="http://schemas.openxmlformats.org/officeDocument/2006/relationships" xmlns:p="http://schemas.openxmlformats.org/presentationml/2006/main">
   <p:cSld>
     <p:spTree>

--- a/ppt/tmp_ppt.pptx
+++ b/ppt/tmp_ppt.pptx
@@ -14,6 +14,8 @@
     <p:sldId id="259" r:id="rId8"/>
     <p:sldId id="260" r:id="rId9"/>
     <p:sldId id="261" r:id="rId10"/>
+    <p:sldId id="265" r:id="rId11"/>
+    <p:sldId id="266" r:id="rId12"/>
   </p:sldIdLst>
   <p:sldSz cx="12192000" cy="6858000"/>
   <p:notesSz cx="6858000" cy="9144000"/>
@@ -267,7 +269,7 @@
           <a:p>
             <a:fld id="{454A0F4F-8F8E-4FE7-B4C3-4986872B7D08}" type="datetimeFigureOut">
               <a:rPr lang="zh-CN" altLang="en-US" smtClean="0"/>
-              <a:t>2021/4/11</a:t>
+              <a:t>2021/9/14</a:t>
             </a:fld>
             <a:endParaRPr lang="zh-CN" altLang="en-US"/>
           </a:p>
@@ -465,7 +467,7 @@
           <a:p>
             <a:fld id="{454A0F4F-8F8E-4FE7-B4C3-4986872B7D08}" type="datetimeFigureOut">
               <a:rPr lang="zh-CN" altLang="en-US" smtClean="0"/>
-              <a:t>2021/4/11</a:t>
+              <a:t>2021/9/14</a:t>
             </a:fld>
             <a:endParaRPr lang="zh-CN" altLang="en-US"/>
           </a:p>
@@ -673,7 +675,7 @@
           <a:p>
             <a:fld id="{454A0F4F-8F8E-4FE7-B4C3-4986872B7D08}" type="datetimeFigureOut">
               <a:rPr lang="zh-CN" altLang="en-US" smtClean="0"/>
-              <a:t>2021/4/11</a:t>
+              <a:t>2021/9/14</a:t>
             </a:fld>
             <a:endParaRPr lang="zh-CN" altLang="en-US"/>
           </a:p>
@@ -871,7 +873,7 @@
           <a:p>
             <a:fld id="{454A0F4F-8F8E-4FE7-B4C3-4986872B7D08}" type="datetimeFigureOut">
               <a:rPr lang="zh-CN" altLang="en-US" smtClean="0"/>
-              <a:t>2021/4/11</a:t>
+              <a:t>2021/9/14</a:t>
             </a:fld>
             <a:endParaRPr lang="zh-CN" altLang="en-US"/>
           </a:p>
@@ -1146,7 +1148,7 @@
           <a:p>
             <a:fld id="{454A0F4F-8F8E-4FE7-B4C3-4986872B7D08}" type="datetimeFigureOut">
               <a:rPr lang="zh-CN" altLang="en-US" smtClean="0"/>
-              <a:t>2021/4/11</a:t>
+              <a:t>2021/9/14</a:t>
             </a:fld>
             <a:endParaRPr lang="zh-CN" altLang="en-US"/>
           </a:p>
@@ -1411,7 +1413,7 @@
           <a:p>
             <a:fld id="{454A0F4F-8F8E-4FE7-B4C3-4986872B7D08}" type="datetimeFigureOut">
               <a:rPr lang="zh-CN" altLang="en-US" smtClean="0"/>
-              <a:t>2021/4/11</a:t>
+              <a:t>2021/9/14</a:t>
             </a:fld>
             <a:endParaRPr lang="zh-CN" altLang="en-US"/>
           </a:p>
@@ -1823,7 +1825,7 @@
           <a:p>
             <a:fld id="{454A0F4F-8F8E-4FE7-B4C3-4986872B7D08}" type="datetimeFigureOut">
               <a:rPr lang="zh-CN" altLang="en-US" smtClean="0"/>
-              <a:t>2021/4/11</a:t>
+              <a:t>2021/9/14</a:t>
             </a:fld>
             <a:endParaRPr lang="zh-CN" altLang="en-US"/>
           </a:p>
@@ -1964,7 +1966,7 @@
           <a:p>
             <a:fld id="{454A0F4F-8F8E-4FE7-B4C3-4986872B7D08}" type="datetimeFigureOut">
               <a:rPr lang="zh-CN" altLang="en-US" smtClean="0"/>
-              <a:t>2021/4/11</a:t>
+              <a:t>2021/9/14</a:t>
             </a:fld>
             <a:endParaRPr lang="zh-CN" altLang="en-US"/>
           </a:p>
@@ -2077,7 +2079,7 @@
           <a:p>
             <a:fld id="{454A0F4F-8F8E-4FE7-B4C3-4986872B7D08}" type="datetimeFigureOut">
               <a:rPr lang="zh-CN" altLang="en-US" smtClean="0"/>
-              <a:t>2021/4/11</a:t>
+              <a:t>2021/9/14</a:t>
             </a:fld>
             <a:endParaRPr lang="zh-CN" altLang="en-US"/>
           </a:p>
@@ -2388,7 +2390,7 @@
           <a:p>
             <a:fld id="{454A0F4F-8F8E-4FE7-B4C3-4986872B7D08}" type="datetimeFigureOut">
               <a:rPr lang="zh-CN" altLang="en-US" smtClean="0"/>
-              <a:t>2021/4/11</a:t>
+              <a:t>2021/9/14</a:t>
             </a:fld>
             <a:endParaRPr lang="zh-CN" altLang="en-US"/>
           </a:p>
@@ -2676,7 +2678,7 @@
           <a:p>
             <a:fld id="{454A0F4F-8F8E-4FE7-B4C3-4986872B7D08}" type="datetimeFigureOut">
               <a:rPr lang="zh-CN" altLang="en-US" smtClean="0"/>
-              <a:t>2021/4/11</a:t>
+              <a:t>2021/9/14</a:t>
             </a:fld>
             <a:endParaRPr lang="zh-CN" altLang="en-US"/>
           </a:p>
@@ -2917,7 +2919,7 @@
           <a:p>
             <a:fld id="{454A0F4F-8F8E-4FE7-B4C3-4986872B7D08}" type="datetimeFigureOut">
               <a:rPr lang="zh-CN" altLang="en-US" smtClean="0"/>
-              <a:t>2021/4/11</a:t>
+              <a:t>2021/9/14</a:t>
             </a:fld>
             <a:endParaRPr lang="zh-CN" altLang="en-US"/>
           </a:p>
@@ -4660,6 +4662,6595 @@
 </p:sld>
 </file>
 
+<file path=ppt/slides/slide10.xml><?xml version="1.0" encoding="utf-8"?>
+<p:sld xmlns:a="http://schemas.openxmlformats.org/drawingml/2006/main" xmlns:r="http://schemas.openxmlformats.org/officeDocument/2006/relationships" xmlns:p="http://schemas.openxmlformats.org/presentationml/2006/main">
+  <p:cSld>
+    <p:spTree>
+      <p:nvGrpSpPr>
+        <p:cNvPr id="1" name=""/>
+        <p:cNvGrpSpPr/>
+        <p:nvPr/>
+      </p:nvGrpSpPr>
+      <p:grpSpPr>
+        <a:xfrm>
+          <a:off x="0" y="0"/>
+          <a:ext cx="0" cy="0"/>
+          <a:chOff x="0" y="0"/>
+          <a:chExt cx="0" cy="0"/>
+        </a:xfrm>
+      </p:grpSpPr>
+      <p:sp>
+        <p:nvSpPr>
+          <p:cNvPr id="4" name="矩形 3">
+            <a:extLst>
+              <a:ext uri="{FF2B5EF4-FFF2-40B4-BE49-F238E27FC236}">
+                <a16:creationId xmlns:a16="http://schemas.microsoft.com/office/drawing/2014/main" id="{F8EEEBFF-B982-4134-B7C1-F160FCC139F2}"/>
+              </a:ext>
+            </a:extLst>
+          </p:cNvPr>
+          <p:cNvSpPr/>
+          <p:nvPr/>
+        </p:nvSpPr>
+        <p:spPr>
+          <a:xfrm>
+            <a:off x="188834" y="92575"/>
+            <a:ext cx="1083039" cy="5445261"/>
+          </a:xfrm>
+          <a:prstGeom prst="rect">
+            <a:avLst/>
+          </a:prstGeom>
+          <a:noFill/>
+          <a:ln>
+            <a:prstDash val="dash"/>
+          </a:ln>
+        </p:spPr>
+        <p:style>
+          <a:lnRef idx="2">
+            <a:schemeClr val="accent1">
+              <a:shade val="50000"/>
+            </a:schemeClr>
+          </a:lnRef>
+          <a:fillRef idx="1">
+            <a:schemeClr val="accent1"/>
+          </a:fillRef>
+          <a:effectRef idx="0">
+            <a:schemeClr val="accent1"/>
+          </a:effectRef>
+          <a:fontRef idx="minor">
+            <a:schemeClr val="lt1"/>
+          </a:fontRef>
+        </p:style>
+        <p:txBody>
+          <a:bodyPr rtlCol="0" anchor="ctr"/>
+          <a:lstStyle/>
+          <a:p>
+            <a:pPr algn="ctr"/>
+            <a:endParaRPr lang="zh-CN" altLang="en-US" sz="1400" dirty="0"/>
+          </a:p>
+        </p:txBody>
+      </p:sp>
+      <p:grpSp>
+        <p:nvGrpSpPr>
+          <p:cNvPr id="58" name="组合 57">
+            <a:extLst>
+              <a:ext uri="{FF2B5EF4-FFF2-40B4-BE49-F238E27FC236}">
+                <a16:creationId xmlns:a16="http://schemas.microsoft.com/office/drawing/2014/main" id="{EEFD11E2-484E-4842-938A-FF614970EAED}"/>
+              </a:ext>
+            </a:extLst>
+          </p:cNvPr>
+          <p:cNvGrpSpPr/>
+          <p:nvPr/>
+        </p:nvGrpSpPr>
+        <p:grpSpPr>
+          <a:xfrm>
+            <a:off x="1809133" y="4497590"/>
+            <a:ext cx="5538019" cy="870823"/>
+            <a:chOff x="2502307" y="4482842"/>
+            <a:chExt cx="5538019" cy="870823"/>
+          </a:xfrm>
+        </p:grpSpPr>
+        <p:sp>
+          <p:nvSpPr>
+            <p:cNvPr id="5" name="矩形 4">
+              <a:extLst>
+                <a:ext uri="{FF2B5EF4-FFF2-40B4-BE49-F238E27FC236}">
+                  <a16:creationId xmlns:a16="http://schemas.microsoft.com/office/drawing/2014/main" id="{28ABC93E-6953-4260-985B-D403128112BB}"/>
+                </a:ext>
+              </a:extLst>
+            </p:cNvPr>
+            <p:cNvSpPr/>
+            <p:nvPr/>
+          </p:nvSpPr>
+          <p:spPr>
+            <a:xfrm>
+              <a:off x="2502307" y="4482842"/>
+              <a:ext cx="5538019" cy="870823"/>
+            </a:xfrm>
+            <a:prstGeom prst="rect">
+              <a:avLst/>
+            </a:prstGeom>
+            <a:solidFill>
+              <a:schemeClr val="accent6">
+                <a:lumMod val="20000"/>
+                <a:lumOff val="80000"/>
+              </a:schemeClr>
+            </a:solidFill>
+            <a:ln>
+              <a:noFill/>
+              <a:prstDash val="dash"/>
+            </a:ln>
+          </p:spPr>
+          <p:style>
+            <a:lnRef idx="2">
+              <a:schemeClr val="accent1">
+                <a:shade val="50000"/>
+              </a:schemeClr>
+            </a:lnRef>
+            <a:fillRef idx="1">
+              <a:schemeClr val="accent1"/>
+            </a:fillRef>
+            <a:effectRef idx="0">
+              <a:schemeClr val="accent1"/>
+            </a:effectRef>
+            <a:fontRef idx="minor">
+              <a:schemeClr val="lt1"/>
+            </a:fontRef>
+          </p:style>
+          <p:txBody>
+            <a:bodyPr rtlCol="0" anchor="ctr"/>
+            <a:lstStyle/>
+            <a:p>
+              <a:pPr algn="ctr"/>
+              <a:endParaRPr lang="zh-CN" altLang="en-US" sz="1400" dirty="0"/>
+            </a:p>
+          </p:txBody>
+        </p:sp>
+        <p:sp>
+          <p:nvSpPr>
+            <p:cNvPr id="6" name="矩形 5">
+              <a:extLst>
+                <a:ext uri="{FF2B5EF4-FFF2-40B4-BE49-F238E27FC236}">
+                  <a16:creationId xmlns:a16="http://schemas.microsoft.com/office/drawing/2014/main" id="{926A08CF-BA94-405C-99E4-89AAF50FDF3F}"/>
+                </a:ext>
+              </a:extLst>
+            </p:cNvPr>
+            <p:cNvSpPr/>
+            <p:nvPr/>
+          </p:nvSpPr>
+          <p:spPr>
+            <a:xfrm>
+              <a:off x="2721077" y="4568520"/>
+              <a:ext cx="914400" cy="372190"/>
+            </a:xfrm>
+            <a:prstGeom prst="rect">
+              <a:avLst/>
+            </a:prstGeom>
+            <a:solidFill>
+              <a:schemeClr val="accent3">
+                <a:lumMod val="40000"/>
+                <a:lumOff val="60000"/>
+              </a:schemeClr>
+            </a:solidFill>
+            <a:ln>
+              <a:noFill/>
+            </a:ln>
+          </p:spPr>
+          <p:style>
+            <a:lnRef idx="2">
+              <a:schemeClr val="accent1">
+                <a:shade val="50000"/>
+              </a:schemeClr>
+            </a:lnRef>
+            <a:fillRef idx="1">
+              <a:schemeClr val="accent1"/>
+            </a:fillRef>
+            <a:effectRef idx="0">
+              <a:schemeClr val="accent1"/>
+            </a:effectRef>
+            <a:fontRef idx="minor">
+              <a:schemeClr val="lt1"/>
+            </a:fontRef>
+          </p:style>
+          <p:txBody>
+            <a:bodyPr rtlCol="0" anchor="ctr"/>
+            <a:lstStyle/>
+            <a:p>
+              <a:pPr algn="ctr"/>
+              <a:r>
+                <a:rPr lang="zh-CN" altLang="en-US" sz="1400" b="1" dirty="0">
+                  <a:solidFill>
+                    <a:schemeClr val="tx1"/>
+                  </a:solidFill>
+                </a:rPr>
+                <a:t>中间件</a:t>
+              </a:r>
+            </a:p>
+          </p:txBody>
+        </p:sp>
+        <p:sp>
+          <p:nvSpPr>
+            <p:cNvPr id="7" name="矩形 6">
+              <a:extLst>
+                <a:ext uri="{FF2B5EF4-FFF2-40B4-BE49-F238E27FC236}">
+                  <a16:creationId xmlns:a16="http://schemas.microsoft.com/office/drawing/2014/main" id="{DE317C8E-1B90-4445-9905-270A851E7810}"/>
+                </a:ext>
+              </a:extLst>
+            </p:cNvPr>
+            <p:cNvSpPr/>
+            <p:nvPr/>
+          </p:nvSpPr>
+          <p:spPr>
+            <a:xfrm>
+              <a:off x="3765755" y="4568520"/>
+              <a:ext cx="914400" cy="372190"/>
+            </a:xfrm>
+            <a:prstGeom prst="rect">
+              <a:avLst/>
+            </a:prstGeom>
+            <a:solidFill>
+              <a:schemeClr val="accent3">
+                <a:lumMod val="40000"/>
+                <a:lumOff val="60000"/>
+              </a:schemeClr>
+            </a:solidFill>
+            <a:ln>
+              <a:noFill/>
+            </a:ln>
+          </p:spPr>
+          <p:style>
+            <a:lnRef idx="2">
+              <a:schemeClr val="accent1">
+                <a:shade val="50000"/>
+              </a:schemeClr>
+            </a:lnRef>
+            <a:fillRef idx="1">
+              <a:schemeClr val="accent1"/>
+            </a:fillRef>
+            <a:effectRef idx="0">
+              <a:schemeClr val="accent1"/>
+            </a:effectRef>
+            <a:fontRef idx="minor">
+              <a:schemeClr val="lt1"/>
+            </a:fontRef>
+          </p:style>
+          <p:txBody>
+            <a:bodyPr rtlCol="0" anchor="ctr"/>
+            <a:lstStyle/>
+            <a:p>
+              <a:pPr algn="ctr"/>
+              <a:r>
+                <a:rPr lang="zh-CN" altLang="en-US" sz="1400" b="1" dirty="0">
+                  <a:solidFill>
+                    <a:schemeClr val="tx1"/>
+                  </a:solidFill>
+                </a:rPr>
+                <a:t>缓存</a:t>
+              </a:r>
+            </a:p>
+          </p:txBody>
+        </p:sp>
+        <p:sp>
+          <p:nvSpPr>
+            <p:cNvPr id="8" name="矩形 7">
+              <a:extLst>
+                <a:ext uri="{FF2B5EF4-FFF2-40B4-BE49-F238E27FC236}">
+                  <a16:creationId xmlns:a16="http://schemas.microsoft.com/office/drawing/2014/main" id="{49790AE2-524A-446B-9A7F-E775F4372208}"/>
+                </a:ext>
+              </a:extLst>
+            </p:cNvPr>
+            <p:cNvSpPr/>
+            <p:nvPr/>
+          </p:nvSpPr>
+          <p:spPr>
+            <a:xfrm>
+              <a:off x="4831325" y="4568520"/>
+              <a:ext cx="914400" cy="351190"/>
+            </a:xfrm>
+            <a:prstGeom prst="rect">
+              <a:avLst/>
+            </a:prstGeom>
+            <a:solidFill>
+              <a:schemeClr val="accent3">
+                <a:lumMod val="40000"/>
+                <a:lumOff val="60000"/>
+              </a:schemeClr>
+            </a:solidFill>
+            <a:ln>
+              <a:noFill/>
+            </a:ln>
+          </p:spPr>
+          <p:style>
+            <a:lnRef idx="2">
+              <a:schemeClr val="accent1">
+                <a:shade val="50000"/>
+              </a:schemeClr>
+            </a:lnRef>
+            <a:fillRef idx="1">
+              <a:schemeClr val="accent1"/>
+            </a:fillRef>
+            <a:effectRef idx="0">
+              <a:schemeClr val="accent1"/>
+            </a:effectRef>
+            <a:fontRef idx="minor">
+              <a:schemeClr val="lt1"/>
+            </a:fontRef>
+          </p:style>
+          <p:txBody>
+            <a:bodyPr rtlCol="0" anchor="ctr"/>
+            <a:lstStyle/>
+            <a:p>
+              <a:pPr algn="ctr"/>
+              <a:r>
+                <a:rPr lang="en-US" altLang="zh-CN" sz="1400" b="1" dirty="0">
+                  <a:solidFill>
+                    <a:schemeClr val="tx1"/>
+                  </a:solidFill>
+                </a:rPr>
+                <a:t>DB</a:t>
+              </a:r>
+              <a:endParaRPr lang="zh-CN" altLang="en-US" sz="1400" b="1" dirty="0">
+                <a:solidFill>
+                  <a:schemeClr val="tx1"/>
+                </a:solidFill>
+              </a:endParaRPr>
+            </a:p>
+          </p:txBody>
+        </p:sp>
+        <p:sp>
+          <p:nvSpPr>
+            <p:cNvPr id="9" name="矩形 8">
+              <a:extLst>
+                <a:ext uri="{FF2B5EF4-FFF2-40B4-BE49-F238E27FC236}">
+                  <a16:creationId xmlns:a16="http://schemas.microsoft.com/office/drawing/2014/main" id="{E5DE1309-A9B9-4B98-AE32-CAF25B7D415C}"/>
+                </a:ext>
+              </a:extLst>
+            </p:cNvPr>
+            <p:cNvSpPr/>
+            <p:nvPr/>
+          </p:nvSpPr>
+          <p:spPr>
+            <a:xfrm>
+              <a:off x="5929465" y="4568520"/>
+              <a:ext cx="914400" cy="351190"/>
+            </a:xfrm>
+            <a:prstGeom prst="rect">
+              <a:avLst/>
+            </a:prstGeom>
+            <a:solidFill>
+              <a:schemeClr val="accent3">
+                <a:lumMod val="40000"/>
+                <a:lumOff val="60000"/>
+              </a:schemeClr>
+            </a:solidFill>
+            <a:ln>
+              <a:noFill/>
+            </a:ln>
+          </p:spPr>
+          <p:style>
+            <a:lnRef idx="2">
+              <a:schemeClr val="accent1">
+                <a:shade val="50000"/>
+              </a:schemeClr>
+            </a:lnRef>
+            <a:fillRef idx="1">
+              <a:schemeClr val="accent1"/>
+            </a:fillRef>
+            <a:effectRef idx="0">
+              <a:schemeClr val="accent1"/>
+            </a:effectRef>
+            <a:fontRef idx="minor">
+              <a:schemeClr val="lt1"/>
+            </a:fontRef>
+          </p:style>
+          <p:txBody>
+            <a:bodyPr rtlCol="0" anchor="ctr"/>
+            <a:lstStyle/>
+            <a:p>
+              <a:pPr algn="ctr"/>
+              <a:r>
+                <a:rPr lang="zh-CN" altLang="en-US" sz="1400" b="1" dirty="0">
+                  <a:solidFill>
+                    <a:schemeClr val="tx1"/>
+                  </a:solidFill>
+                </a:rPr>
+                <a:t>容器</a:t>
+              </a:r>
+            </a:p>
+          </p:txBody>
+        </p:sp>
+        <p:sp>
+          <p:nvSpPr>
+            <p:cNvPr id="10" name="矩形 9">
+              <a:extLst>
+                <a:ext uri="{FF2B5EF4-FFF2-40B4-BE49-F238E27FC236}">
+                  <a16:creationId xmlns:a16="http://schemas.microsoft.com/office/drawing/2014/main" id="{4CA333CC-7FD9-4A45-9424-6C72F6D732B6}"/>
+                </a:ext>
+              </a:extLst>
+            </p:cNvPr>
+            <p:cNvSpPr/>
+            <p:nvPr/>
+          </p:nvSpPr>
+          <p:spPr>
+            <a:xfrm>
+              <a:off x="6984895" y="4568520"/>
+              <a:ext cx="914400" cy="351190"/>
+            </a:xfrm>
+            <a:prstGeom prst="rect">
+              <a:avLst/>
+            </a:prstGeom>
+            <a:solidFill>
+              <a:schemeClr val="accent3">
+                <a:lumMod val="40000"/>
+                <a:lumOff val="60000"/>
+              </a:schemeClr>
+            </a:solidFill>
+            <a:ln>
+              <a:noFill/>
+            </a:ln>
+          </p:spPr>
+          <p:style>
+            <a:lnRef idx="2">
+              <a:schemeClr val="accent1">
+                <a:shade val="50000"/>
+              </a:schemeClr>
+            </a:lnRef>
+            <a:fillRef idx="1">
+              <a:schemeClr val="accent1"/>
+            </a:fillRef>
+            <a:effectRef idx="0">
+              <a:schemeClr val="accent1"/>
+            </a:effectRef>
+            <a:fontRef idx="minor">
+              <a:schemeClr val="lt1"/>
+            </a:fontRef>
+          </p:style>
+          <p:txBody>
+            <a:bodyPr rtlCol="0" anchor="ctr"/>
+            <a:lstStyle/>
+            <a:p>
+              <a:pPr algn="ctr"/>
+              <a:r>
+                <a:rPr lang="zh-CN" altLang="en-US" sz="1400" b="1" dirty="0">
+                  <a:solidFill>
+                    <a:schemeClr val="tx1"/>
+                  </a:solidFill>
+                </a:rPr>
+                <a:t>接入层</a:t>
+              </a:r>
+            </a:p>
+          </p:txBody>
+        </p:sp>
+        <p:sp>
+          <p:nvSpPr>
+            <p:cNvPr id="28" name="文本框 27">
+              <a:extLst>
+                <a:ext uri="{FF2B5EF4-FFF2-40B4-BE49-F238E27FC236}">
+                  <a16:creationId xmlns:a16="http://schemas.microsoft.com/office/drawing/2014/main" id="{D0920B83-225C-4A90-83FA-73442D5F18AC}"/>
+                </a:ext>
+              </a:extLst>
+            </p:cNvPr>
+            <p:cNvSpPr txBox="1"/>
+            <p:nvPr/>
+          </p:nvSpPr>
+          <p:spPr>
+            <a:xfrm>
+              <a:off x="4790155" y="4990920"/>
+              <a:ext cx="1305845" cy="307777"/>
+            </a:xfrm>
+            <a:prstGeom prst="rect">
+              <a:avLst/>
+            </a:prstGeom>
+            <a:noFill/>
+          </p:spPr>
+          <p:txBody>
+            <a:bodyPr wrap="square" rtlCol="0">
+              <a:spAutoFit/>
+            </a:bodyPr>
+            <a:lstStyle/>
+            <a:p>
+              <a:r>
+                <a:rPr lang="zh-CN" altLang="en-US" sz="1400" b="1" dirty="0"/>
+                <a:t>基础设施</a:t>
+              </a:r>
+            </a:p>
+          </p:txBody>
+        </p:sp>
+      </p:grpSp>
+      <p:grpSp>
+        <p:nvGrpSpPr>
+          <p:cNvPr id="57" name="组合 56">
+            <a:extLst>
+              <a:ext uri="{FF2B5EF4-FFF2-40B4-BE49-F238E27FC236}">
+                <a16:creationId xmlns:a16="http://schemas.microsoft.com/office/drawing/2014/main" id="{EF564A2E-D717-47C7-9B59-6A0DB0B531F4}"/>
+              </a:ext>
+            </a:extLst>
+          </p:cNvPr>
+          <p:cNvGrpSpPr/>
+          <p:nvPr/>
+        </p:nvGrpSpPr>
+        <p:grpSpPr>
+          <a:xfrm>
+            <a:off x="1809133" y="3445395"/>
+            <a:ext cx="5538019" cy="870823"/>
+            <a:chOff x="2502307" y="3430647"/>
+            <a:chExt cx="5538019" cy="870823"/>
+          </a:xfrm>
+        </p:grpSpPr>
+        <p:sp>
+          <p:nvSpPr>
+            <p:cNvPr id="19" name="矩形 18">
+              <a:extLst>
+                <a:ext uri="{FF2B5EF4-FFF2-40B4-BE49-F238E27FC236}">
+                  <a16:creationId xmlns:a16="http://schemas.microsoft.com/office/drawing/2014/main" id="{5D731C7E-63B5-43EE-AB88-D9F70F8ACF47}"/>
+                </a:ext>
+              </a:extLst>
+            </p:cNvPr>
+            <p:cNvSpPr/>
+            <p:nvPr/>
+          </p:nvSpPr>
+          <p:spPr>
+            <a:xfrm>
+              <a:off x="2502307" y="3430647"/>
+              <a:ext cx="5538019" cy="870823"/>
+            </a:xfrm>
+            <a:prstGeom prst="rect">
+              <a:avLst/>
+            </a:prstGeom>
+            <a:solidFill>
+              <a:schemeClr val="accent6">
+                <a:lumMod val="20000"/>
+                <a:lumOff val="80000"/>
+              </a:schemeClr>
+            </a:solidFill>
+            <a:ln>
+              <a:noFill/>
+            </a:ln>
+          </p:spPr>
+          <p:style>
+            <a:lnRef idx="2">
+              <a:schemeClr val="accent1">
+                <a:shade val="50000"/>
+              </a:schemeClr>
+            </a:lnRef>
+            <a:fillRef idx="1">
+              <a:schemeClr val="accent1"/>
+            </a:fillRef>
+            <a:effectRef idx="0">
+              <a:schemeClr val="accent1"/>
+            </a:effectRef>
+            <a:fontRef idx="minor">
+              <a:schemeClr val="lt1"/>
+            </a:fontRef>
+          </p:style>
+          <p:txBody>
+            <a:bodyPr rtlCol="0" anchor="ctr"/>
+            <a:lstStyle/>
+            <a:p>
+              <a:pPr algn="ctr"/>
+              <a:endParaRPr lang="zh-CN" altLang="en-US" sz="1400" dirty="0"/>
+            </a:p>
+          </p:txBody>
+        </p:sp>
+        <p:sp>
+          <p:nvSpPr>
+            <p:cNvPr id="27" name="矩形 26">
+              <a:extLst>
+                <a:ext uri="{FF2B5EF4-FFF2-40B4-BE49-F238E27FC236}">
+                  <a16:creationId xmlns:a16="http://schemas.microsoft.com/office/drawing/2014/main" id="{0607F1B7-17BC-4B76-9549-DC3D3145DFB9}"/>
+                </a:ext>
+              </a:extLst>
+            </p:cNvPr>
+            <p:cNvSpPr/>
+            <p:nvPr/>
+          </p:nvSpPr>
+          <p:spPr>
+            <a:xfrm>
+              <a:off x="2743587" y="3521241"/>
+              <a:ext cx="1115961" cy="348839"/>
+            </a:xfrm>
+            <a:prstGeom prst="rect">
+              <a:avLst/>
+            </a:prstGeom>
+            <a:solidFill>
+              <a:schemeClr val="accent3">
+                <a:lumMod val="40000"/>
+                <a:lumOff val="60000"/>
+              </a:schemeClr>
+            </a:solidFill>
+            <a:ln>
+              <a:noFill/>
+            </a:ln>
+          </p:spPr>
+          <p:style>
+            <a:lnRef idx="2">
+              <a:schemeClr val="accent1">
+                <a:shade val="50000"/>
+              </a:schemeClr>
+            </a:lnRef>
+            <a:fillRef idx="1">
+              <a:schemeClr val="accent1"/>
+            </a:fillRef>
+            <a:effectRef idx="0">
+              <a:schemeClr val="accent1"/>
+            </a:effectRef>
+            <a:fontRef idx="minor">
+              <a:schemeClr val="lt1"/>
+            </a:fontRef>
+          </p:style>
+          <p:txBody>
+            <a:bodyPr rtlCol="0" anchor="ctr"/>
+            <a:lstStyle/>
+            <a:p>
+              <a:pPr algn="ctr"/>
+              <a:r>
+                <a:rPr lang="zh-CN" altLang="en-US" sz="1400" b="1" dirty="0">
+                  <a:solidFill>
+                    <a:schemeClr val="tx1"/>
+                  </a:solidFill>
+                </a:rPr>
+                <a:t>同城双活</a:t>
+              </a:r>
+            </a:p>
+          </p:txBody>
+        </p:sp>
+        <p:sp>
+          <p:nvSpPr>
+            <p:cNvPr id="29" name="矩形 28">
+              <a:extLst>
+                <a:ext uri="{FF2B5EF4-FFF2-40B4-BE49-F238E27FC236}">
+                  <a16:creationId xmlns:a16="http://schemas.microsoft.com/office/drawing/2014/main" id="{BA7767BA-864C-425C-AD18-79753B28DBD4}"/>
+                </a:ext>
+              </a:extLst>
+            </p:cNvPr>
+            <p:cNvSpPr/>
+            <p:nvPr/>
+          </p:nvSpPr>
+          <p:spPr>
+            <a:xfrm>
+              <a:off x="4560098" y="3521241"/>
+              <a:ext cx="1359923" cy="348839"/>
+            </a:xfrm>
+            <a:prstGeom prst="rect">
+              <a:avLst/>
+            </a:prstGeom>
+            <a:solidFill>
+              <a:schemeClr val="accent3">
+                <a:lumMod val="40000"/>
+                <a:lumOff val="60000"/>
+              </a:schemeClr>
+            </a:solidFill>
+            <a:ln>
+              <a:noFill/>
+            </a:ln>
+          </p:spPr>
+          <p:style>
+            <a:lnRef idx="2">
+              <a:schemeClr val="accent1">
+                <a:shade val="50000"/>
+              </a:schemeClr>
+            </a:lnRef>
+            <a:fillRef idx="1">
+              <a:schemeClr val="accent1"/>
+            </a:fillRef>
+            <a:effectRef idx="0">
+              <a:schemeClr val="accent1"/>
+            </a:effectRef>
+            <a:fontRef idx="minor">
+              <a:schemeClr val="lt1"/>
+            </a:fontRef>
+          </p:style>
+          <p:txBody>
+            <a:bodyPr rtlCol="0" anchor="ctr"/>
+            <a:lstStyle/>
+            <a:p>
+              <a:pPr algn="ctr"/>
+              <a:r>
+                <a:rPr lang="zh-CN" altLang="en-US" sz="1400" b="1" dirty="0">
+                  <a:solidFill>
+                    <a:schemeClr val="tx1"/>
+                  </a:solidFill>
+                </a:rPr>
+                <a:t>同城单元化</a:t>
+              </a:r>
+            </a:p>
+          </p:txBody>
+        </p:sp>
+        <p:sp>
+          <p:nvSpPr>
+            <p:cNvPr id="30" name="矩形 29">
+              <a:extLst>
+                <a:ext uri="{FF2B5EF4-FFF2-40B4-BE49-F238E27FC236}">
+                  <a16:creationId xmlns:a16="http://schemas.microsoft.com/office/drawing/2014/main" id="{164F893D-7094-4434-AED7-EC1BD4139F1D}"/>
+                </a:ext>
+              </a:extLst>
+            </p:cNvPr>
+            <p:cNvSpPr/>
+            <p:nvPr/>
+          </p:nvSpPr>
+          <p:spPr>
+            <a:xfrm>
+              <a:off x="6553199" y="3521241"/>
+              <a:ext cx="1115961" cy="348839"/>
+            </a:xfrm>
+            <a:prstGeom prst="rect">
+              <a:avLst/>
+            </a:prstGeom>
+            <a:solidFill>
+              <a:schemeClr val="accent3">
+                <a:lumMod val="40000"/>
+                <a:lumOff val="60000"/>
+              </a:schemeClr>
+            </a:solidFill>
+            <a:ln>
+              <a:noFill/>
+            </a:ln>
+          </p:spPr>
+          <p:style>
+            <a:lnRef idx="2">
+              <a:schemeClr val="accent1">
+                <a:shade val="50000"/>
+              </a:schemeClr>
+            </a:lnRef>
+            <a:fillRef idx="1">
+              <a:schemeClr val="accent1"/>
+            </a:fillRef>
+            <a:effectRef idx="0">
+              <a:schemeClr val="accent1"/>
+            </a:effectRef>
+            <a:fontRef idx="minor">
+              <a:schemeClr val="lt1"/>
+            </a:fontRef>
+          </p:style>
+          <p:txBody>
+            <a:bodyPr rtlCol="0" anchor="ctr"/>
+            <a:lstStyle/>
+            <a:p>
+              <a:pPr algn="ctr"/>
+              <a:r>
+                <a:rPr lang="zh-CN" altLang="en-US" sz="1400" b="1" dirty="0">
+                  <a:solidFill>
+                    <a:schemeClr val="tx1"/>
+                  </a:solidFill>
+                </a:rPr>
+                <a:t>区域化</a:t>
+              </a:r>
+            </a:p>
+          </p:txBody>
+        </p:sp>
+        <p:sp>
+          <p:nvSpPr>
+            <p:cNvPr id="31" name="文本框 30">
+              <a:extLst>
+                <a:ext uri="{FF2B5EF4-FFF2-40B4-BE49-F238E27FC236}">
+                  <a16:creationId xmlns:a16="http://schemas.microsoft.com/office/drawing/2014/main" id="{595F8200-E357-4BE6-B60C-96FD7A2DC74C}"/>
+                </a:ext>
+              </a:extLst>
+            </p:cNvPr>
+            <p:cNvSpPr txBox="1"/>
+            <p:nvPr/>
+          </p:nvSpPr>
+          <p:spPr>
+            <a:xfrm>
+              <a:off x="4560098" y="3923473"/>
+              <a:ext cx="1645675" cy="307777"/>
+            </a:xfrm>
+            <a:prstGeom prst="rect">
+              <a:avLst/>
+            </a:prstGeom>
+            <a:noFill/>
+          </p:spPr>
+          <p:txBody>
+            <a:bodyPr wrap="square" rtlCol="0">
+              <a:spAutoFit/>
+            </a:bodyPr>
+            <a:lstStyle/>
+            <a:p>
+              <a:r>
+                <a:rPr lang="zh-CN" altLang="en-US" sz="1400" b="1" dirty="0"/>
+                <a:t>容灾架构建设</a:t>
+              </a:r>
+            </a:p>
+          </p:txBody>
+        </p:sp>
+      </p:grpSp>
+      <p:sp>
+        <p:nvSpPr>
+          <p:cNvPr id="32" name="矩形 31">
+            <a:extLst>
+              <a:ext uri="{FF2B5EF4-FFF2-40B4-BE49-F238E27FC236}">
+                <a16:creationId xmlns:a16="http://schemas.microsoft.com/office/drawing/2014/main" id="{37478F20-81F0-4799-A0F3-ED4F57213B4A}"/>
+              </a:ext>
+            </a:extLst>
+          </p:cNvPr>
+          <p:cNvSpPr/>
+          <p:nvPr/>
+        </p:nvSpPr>
+        <p:spPr>
+          <a:xfrm>
+            <a:off x="1777875" y="569378"/>
+            <a:ext cx="5538020" cy="2676832"/>
+          </a:xfrm>
+          <a:prstGeom prst="rect">
+            <a:avLst/>
+          </a:prstGeom>
+          <a:solidFill>
+            <a:schemeClr val="accent6">
+              <a:lumMod val="20000"/>
+              <a:lumOff val="80000"/>
+            </a:schemeClr>
+          </a:solidFill>
+          <a:ln>
+            <a:noFill/>
+          </a:ln>
+        </p:spPr>
+        <p:style>
+          <a:lnRef idx="2">
+            <a:schemeClr val="accent1">
+              <a:shade val="50000"/>
+            </a:schemeClr>
+          </a:lnRef>
+          <a:fillRef idx="1">
+            <a:schemeClr val="accent1"/>
+          </a:fillRef>
+          <a:effectRef idx="0">
+            <a:schemeClr val="accent1"/>
+          </a:effectRef>
+          <a:fontRef idx="minor">
+            <a:schemeClr val="lt1"/>
+          </a:fontRef>
+        </p:style>
+        <p:txBody>
+          <a:bodyPr rtlCol="0" anchor="ctr"/>
+          <a:lstStyle/>
+          <a:p>
+            <a:pPr algn="ctr"/>
+            <a:endParaRPr lang="zh-CN" altLang="en-US" sz="1400" dirty="0"/>
+          </a:p>
+        </p:txBody>
+      </p:sp>
+      <p:sp>
+        <p:nvSpPr>
+          <p:cNvPr id="59" name="矩形 58">
+            <a:extLst>
+              <a:ext uri="{FF2B5EF4-FFF2-40B4-BE49-F238E27FC236}">
+                <a16:creationId xmlns:a16="http://schemas.microsoft.com/office/drawing/2014/main" id="{2523254D-F21B-4977-ACBA-4FD397E34EA4}"/>
+              </a:ext>
+            </a:extLst>
+          </p:cNvPr>
+          <p:cNvSpPr/>
+          <p:nvPr/>
+        </p:nvSpPr>
+        <p:spPr>
+          <a:xfrm>
+            <a:off x="1600895" y="110613"/>
+            <a:ext cx="5891980" cy="5427223"/>
+          </a:xfrm>
+          <a:prstGeom prst="rect">
+            <a:avLst/>
+          </a:prstGeom>
+          <a:noFill/>
+          <a:ln>
+            <a:prstDash val="dash"/>
+          </a:ln>
+        </p:spPr>
+        <p:style>
+          <a:lnRef idx="2">
+            <a:schemeClr val="accent1">
+              <a:shade val="50000"/>
+            </a:schemeClr>
+          </a:lnRef>
+          <a:fillRef idx="1">
+            <a:schemeClr val="accent1"/>
+          </a:fillRef>
+          <a:effectRef idx="0">
+            <a:schemeClr val="accent1"/>
+          </a:effectRef>
+          <a:fontRef idx="minor">
+            <a:schemeClr val="lt1"/>
+          </a:fontRef>
+        </p:style>
+        <p:txBody>
+          <a:bodyPr rtlCol="0" anchor="ctr"/>
+          <a:lstStyle/>
+          <a:p>
+            <a:pPr algn="ctr"/>
+            <a:endParaRPr lang="zh-CN" altLang="en-US" dirty="0"/>
+          </a:p>
+        </p:txBody>
+      </p:sp>
+      <p:sp>
+        <p:nvSpPr>
+          <p:cNvPr id="60" name="文本框 59">
+            <a:extLst>
+              <a:ext uri="{FF2B5EF4-FFF2-40B4-BE49-F238E27FC236}">
+                <a16:creationId xmlns:a16="http://schemas.microsoft.com/office/drawing/2014/main" id="{EBEA1998-C7C0-4D2C-9EDD-4A65F6C62D1A}"/>
+              </a:ext>
+            </a:extLst>
+          </p:cNvPr>
+          <p:cNvSpPr txBox="1"/>
+          <p:nvPr/>
+        </p:nvSpPr>
+        <p:spPr>
+          <a:xfrm>
+            <a:off x="4052649" y="180651"/>
+            <a:ext cx="2495630" cy="307777"/>
+          </a:xfrm>
+          <a:prstGeom prst="rect">
+            <a:avLst/>
+          </a:prstGeom>
+          <a:noFill/>
+        </p:spPr>
+        <p:txBody>
+          <a:bodyPr wrap="square" rtlCol="0">
+            <a:spAutoFit/>
+          </a:bodyPr>
+          <a:lstStyle/>
+          <a:p>
+            <a:r>
+              <a:rPr lang="zh-CN" altLang="en-US" sz="1400" b="1" dirty="0"/>
+              <a:t>能力建设</a:t>
+            </a:r>
+          </a:p>
+        </p:txBody>
+      </p:sp>
+      <p:grpSp>
+        <p:nvGrpSpPr>
+          <p:cNvPr id="63" name="组合 62">
+            <a:extLst>
+              <a:ext uri="{FF2B5EF4-FFF2-40B4-BE49-F238E27FC236}">
+                <a16:creationId xmlns:a16="http://schemas.microsoft.com/office/drawing/2014/main" id="{A8A666B1-2CA8-4CEE-BB78-813DAD9AFF81}"/>
+              </a:ext>
+            </a:extLst>
+          </p:cNvPr>
+          <p:cNvGrpSpPr/>
+          <p:nvPr/>
+        </p:nvGrpSpPr>
+        <p:grpSpPr>
+          <a:xfrm>
+            <a:off x="1992795" y="730045"/>
+            <a:ext cx="5117212" cy="2516165"/>
+            <a:chOff x="2685969" y="715297"/>
+            <a:chExt cx="5117212" cy="2516165"/>
+          </a:xfrm>
+        </p:grpSpPr>
+        <p:sp>
+          <p:nvSpPr>
+            <p:cNvPr id="33" name="矩形 32">
+              <a:extLst>
+                <a:ext uri="{FF2B5EF4-FFF2-40B4-BE49-F238E27FC236}">
+                  <a16:creationId xmlns:a16="http://schemas.microsoft.com/office/drawing/2014/main" id="{BF023C54-1C0F-4E3B-BE54-00F046D11483}"/>
+                </a:ext>
+              </a:extLst>
+            </p:cNvPr>
+            <p:cNvSpPr/>
+            <p:nvPr/>
+          </p:nvSpPr>
+          <p:spPr>
+            <a:xfrm>
+              <a:off x="2754258" y="1036760"/>
+              <a:ext cx="324464" cy="1799303"/>
+            </a:xfrm>
+            <a:prstGeom prst="rect">
+              <a:avLst/>
+            </a:prstGeom>
+            <a:solidFill>
+              <a:schemeClr val="bg1">
+                <a:lumMod val="85000"/>
+              </a:schemeClr>
+            </a:solidFill>
+            <a:ln>
+              <a:noFill/>
+            </a:ln>
+          </p:spPr>
+          <p:style>
+            <a:lnRef idx="2">
+              <a:schemeClr val="accent1">
+                <a:shade val="50000"/>
+              </a:schemeClr>
+            </a:lnRef>
+            <a:fillRef idx="1">
+              <a:schemeClr val="accent1"/>
+            </a:fillRef>
+            <a:effectRef idx="0">
+              <a:schemeClr val="accent1"/>
+            </a:effectRef>
+            <a:fontRef idx="minor">
+              <a:schemeClr val="lt1"/>
+            </a:fontRef>
+          </p:style>
+          <p:txBody>
+            <a:bodyPr rtlCol="0" anchor="ctr"/>
+            <a:lstStyle/>
+            <a:p>
+              <a:pPr algn="ctr"/>
+              <a:r>
+                <a:rPr lang="zh-CN" altLang="en-US" b="1" dirty="0">
+                  <a:solidFill>
+                    <a:schemeClr val="tx1"/>
+                  </a:solidFill>
+                </a:rPr>
+                <a:t>监控覆盖</a:t>
+              </a:r>
+            </a:p>
+          </p:txBody>
+        </p:sp>
+        <p:sp>
+          <p:nvSpPr>
+            <p:cNvPr id="36" name="矩形 35">
+              <a:extLst>
+                <a:ext uri="{FF2B5EF4-FFF2-40B4-BE49-F238E27FC236}">
+                  <a16:creationId xmlns:a16="http://schemas.microsoft.com/office/drawing/2014/main" id="{56BB78CE-64D1-45EE-B21C-2B31EE210D68}"/>
+                </a:ext>
+              </a:extLst>
+            </p:cNvPr>
+            <p:cNvSpPr/>
+            <p:nvPr/>
+          </p:nvSpPr>
+          <p:spPr>
+            <a:xfrm>
+              <a:off x="3195845" y="1036759"/>
+              <a:ext cx="324464" cy="1799303"/>
+            </a:xfrm>
+            <a:prstGeom prst="rect">
+              <a:avLst/>
+            </a:prstGeom>
+            <a:solidFill>
+              <a:schemeClr val="bg1">
+                <a:lumMod val="85000"/>
+              </a:schemeClr>
+            </a:solidFill>
+            <a:ln>
+              <a:noFill/>
+            </a:ln>
+          </p:spPr>
+          <p:style>
+            <a:lnRef idx="2">
+              <a:schemeClr val="accent1">
+                <a:shade val="50000"/>
+              </a:schemeClr>
+            </a:lnRef>
+            <a:fillRef idx="1">
+              <a:schemeClr val="accent1"/>
+            </a:fillRef>
+            <a:effectRef idx="0">
+              <a:schemeClr val="accent1"/>
+            </a:effectRef>
+            <a:fontRef idx="minor">
+              <a:schemeClr val="lt1"/>
+            </a:fontRef>
+          </p:style>
+          <p:txBody>
+            <a:bodyPr rtlCol="0" anchor="ctr"/>
+            <a:lstStyle/>
+            <a:p>
+              <a:pPr algn="ctr"/>
+              <a:r>
+                <a:rPr lang="zh-CN" altLang="en-US" b="1" dirty="0">
+                  <a:solidFill>
+                    <a:schemeClr val="tx1"/>
+                  </a:solidFill>
+                </a:rPr>
+                <a:t>基础设施预警</a:t>
+              </a:r>
+            </a:p>
+          </p:txBody>
+        </p:sp>
+        <p:sp>
+          <p:nvSpPr>
+            <p:cNvPr id="37" name="矩形 36">
+              <a:extLst>
+                <a:ext uri="{FF2B5EF4-FFF2-40B4-BE49-F238E27FC236}">
+                  <a16:creationId xmlns:a16="http://schemas.microsoft.com/office/drawing/2014/main" id="{F5625325-A007-46F8-8517-33601E5AEC87}"/>
+                </a:ext>
+              </a:extLst>
+            </p:cNvPr>
+            <p:cNvSpPr/>
+            <p:nvPr/>
+          </p:nvSpPr>
+          <p:spPr>
+            <a:xfrm>
+              <a:off x="3666735" y="1054511"/>
+              <a:ext cx="324464" cy="1799303"/>
+            </a:xfrm>
+            <a:prstGeom prst="rect">
+              <a:avLst/>
+            </a:prstGeom>
+            <a:solidFill>
+              <a:schemeClr val="bg1">
+                <a:lumMod val="85000"/>
+              </a:schemeClr>
+            </a:solidFill>
+            <a:ln>
+              <a:noFill/>
+            </a:ln>
+          </p:spPr>
+          <p:style>
+            <a:lnRef idx="2">
+              <a:schemeClr val="accent1">
+                <a:shade val="50000"/>
+              </a:schemeClr>
+            </a:lnRef>
+            <a:fillRef idx="1">
+              <a:schemeClr val="accent1"/>
+            </a:fillRef>
+            <a:effectRef idx="0">
+              <a:schemeClr val="accent1"/>
+            </a:effectRef>
+            <a:fontRef idx="minor">
+              <a:schemeClr val="lt1"/>
+            </a:fontRef>
+          </p:style>
+          <p:txBody>
+            <a:bodyPr rtlCol="0" anchor="ctr"/>
+            <a:lstStyle/>
+            <a:p>
+              <a:pPr algn="ctr"/>
+              <a:r>
+                <a:rPr lang="zh-CN" altLang="en-US" b="1" dirty="0">
+                  <a:solidFill>
+                    <a:schemeClr val="tx1"/>
+                  </a:solidFill>
+                </a:rPr>
+                <a:t>业务预警</a:t>
+              </a:r>
+            </a:p>
+          </p:txBody>
+        </p:sp>
+        <p:sp>
+          <p:nvSpPr>
+            <p:cNvPr id="38" name="矩形 37">
+              <a:extLst>
+                <a:ext uri="{FF2B5EF4-FFF2-40B4-BE49-F238E27FC236}">
+                  <a16:creationId xmlns:a16="http://schemas.microsoft.com/office/drawing/2014/main" id="{39DB2938-6CBF-43B3-914D-F5698D806FE3}"/>
+                </a:ext>
+              </a:extLst>
+            </p:cNvPr>
+            <p:cNvSpPr/>
+            <p:nvPr/>
+          </p:nvSpPr>
+          <p:spPr>
+            <a:xfrm>
+              <a:off x="2685969" y="715297"/>
+              <a:ext cx="1371600" cy="2212258"/>
+            </a:xfrm>
+            <a:prstGeom prst="rect">
+              <a:avLst/>
+            </a:prstGeom>
+            <a:noFill/>
+            <a:ln>
+              <a:solidFill>
+                <a:schemeClr val="tx1"/>
+              </a:solidFill>
+              <a:prstDash val="dash"/>
+            </a:ln>
+          </p:spPr>
+          <p:style>
+            <a:lnRef idx="2">
+              <a:schemeClr val="accent1">
+                <a:shade val="50000"/>
+              </a:schemeClr>
+            </a:lnRef>
+            <a:fillRef idx="1">
+              <a:schemeClr val="accent1"/>
+            </a:fillRef>
+            <a:effectRef idx="0">
+              <a:schemeClr val="accent1"/>
+            </a:effectRef>
+            <a:fontRef idx="minor">
+              <a:schemeClr val="lt1"/>
+            </a:fontRef>
+          </p:style>
+          <p:txBody>
+            <a:bodyPr rtlCol="0" anchor="ctr"/>
+            <a:lstStyle/>
+            <a:p>
+              <a:pPr algn="ctr"/>
+              <a:endParaRPr lang="zh-CN" altLang="en-US" dirty="0"/>
+            </a:p>
+          </p:txBody>
+        </p:sp>
+        <p:sp>
+          <p:nvSpPr>
+            <p:cNvPr id="39" name="文本框 38">
+              <a:extLst>
+                <a:ext uri="{FF2B5EF4-FFF2-40B4-BE49-F238E27FC236}">
+                  <a16:creationId xmlns:a16="http://schemas.microsoft.com/office/drawing/2014/main" id="{BC471AB4-6A88-42D4-A098-5CDAFBEE0D59}"/>
+                </a:ext>
+              </a:extLst>
+            </p:cNvPr>
+            <p:cNvSpPr txBox="1"/>
+            <p:nvPr/>
+          </p:nvSpPr>
+          <p:spPr>
+            <a:xfrm>
+              <a:off x="3047111" y="746734"/>
+              <a:ext cx="1207102" cy="307777"/>
+            </a:xfrm>
+            <a:prstGeom prst="rect">
+              <a:avLst/>
+            </a:prstGeom>
+            <a:noFill/>
+          </p:spPr>
+          <p:txBody>
+            <a:bodyPr wrap="square" rtlCol="0">
+              <a:spAutoFit/>
+            </a:bodyPr>
+            <a:lstStyle/>
+            <a:p>
+              <a:r>
+                <a:rPr lang="zh-CN" altLang="en-US" sz="1400" b="1" dirty="0"/>
+                <a:t>发现</a:t>
+              </a:r>
+            </a:p>
+          </p:txBody>
+        </p:sp>
+        <p:sp>
+          <p:nvSpPr>
+            <p:cNvPr id="40" name="矩形 39">
+              <a:extLst>
+                <a:ext uri="{FF2B5EF4-FFF2-40B4-BE49-F238E27FC236}">
+                  <a16:creationId xmlns:a16="http://schemas.microsoft.com/office/drawing/2014/main" id="{3470B944-6141-4C70-91CF-0547AC7FC4DE}"/>
+                </a:ext>
+              </a:extLst>
+            </p:cNvPr>
+            <p:cNvSpPr/>
+            <p:nvPr/>
+          </p:nvSpPr>
+          <p:spPr>
+            <a:xfrm>
+              <a:off x="4761800" y="1071426"/>
+              <a:ext cx="1103673" cy="286401"/>
+            </a:xfrm>
+            <a:prstGeom prst="rect">
+              <a:avLst/>
+            </a:prstGeom>
+            <a:solidFill>
+              <a:schemeClr val="accent3">
+                <a:lumMod val="40000"/>
+                <a:lumOff val="60000"/>
+              </a:schemeClr>
+            </a:solidFill>
+            <a:ln>
+              <a:noFill/>
+            </a:ln>
+          </p:spPr>
+          <p:style>
+            <a:lnRef idx="2">
+              <a:schemeClr val="accent1">
+                <a:shade val="50000"/>
+              </a:schemeClr>
+            </a:lnRef>
+            <a:fillRef idx="1">
+              <a:schemeClr val="accent1"/>
+            </a:fillRef>
+            <a:effectRef idx="0">
+              <a:schemeClr val="accent1"/>
+            </a:effectRef>
+            <a:fontRef idx="minor">
+              <a:schemeClr val="lt1"/>
+            </a:fontRef>
+          </p:style>
+          <p:txBody>
+            <a:bodyPr rtlCol="0" anchor="ctr"/>
+            <a:lstStyle/>
+            <a:p>
+              <a:pPr algn="ctr"/>
+              <a:r>
+                <a:rPr lang="zh-CN" altLang="en-US" sz="1400" b="1" dirty="0">
+                  <a:solidFill>
+                    <a:schemeClr val="tx1"/>
+                  </a:solidFill>
+                </a:rPr>
+                <a:t>入口分析</a:t>
+              </a:r>
+            </a:p>
+          </p:txBody>
+        </p:sp>
+        <p:sp>
+          <p:nvSpPr>
+            <p:cNvPr id="41" name="矩形 40">
+              <a:extLst>
+                <a:ext uri="{FF2B5EF4-FFF2-40B4-BE49-F238E27FC236}">
+                  <a16:creationId xmlns:a16="http://schemas.microsoft.com/office/drawing/2014/main" id="{7FD55A5D-CEFB-43F7-AFE9-197518A25439}"/>
+                </a:ext>
+              </a:extLst>
+            </p:cNvPr>
+            <p:cNvSpPr/>
+            <p:nvPr/>
+          </p:nvSpPr>
+          <p:spPr>
+            <a:xfrm>
+              <a:off x="4761800" y="1455036"/>
+              <a:ext cx="1115961" cy="264140"/>
+            </a:xfrm>
+            <a:prstGeom prst="rect">
+              <a:avLst/>
+            </a:prstGeom>
+            <a:solidFill>
+              <a:schemeClr val="accent3">
+                <a:lumMod val="40000"/>
+                <a:lumOff val="60000"/>
+              </a:schemeClr>
+            </a:solidFill>
+            <a:ln>
+              <a:noFill/>
+            </a:ln>
+          </p:spPr>
+          <p:style>
+            <a:lnRef idx="2">
+              <a:schemeClr val="accent1">
+                <a:shade val="50000"/>
+              </a:schemeClr>
+            </a:lnRef>
+            <a:fillRef idx="1">
+              <a:schemeClr val="accent1"/>
+            </a:fillRef>
+            <a:effectRef idx="0">
+              <a:schemeClr val="accent1"/>
+            </a:effectRef>
+            <a:fontRef idx="minor">
+              <a:schemeClr val="lt1"/>
+            </a:fontRef>
+          </p:style>
+          <p:txBody>
+            <a:bodyPr rtlCol="0" anchor="ctr"/>
+            <a:lstStyle/>
+            <a:p>
+              <a:pPr algn="ctr"/>
+              <a:r>
+                <a:rPr lang="zh-CN" altLang="en-US" sz="1400" b="1" dirty="0">
+                  <a:solidFill>
+                    <a:schemeClr val="tx1"/>
+                  </a:solidFill>
+                </a:rPr>
+                <a:t>全链路分析</a:t>
+              </a:r>
+            </a:p>
+          </p:txBody>
+        </p:sp>
+        <p:sp>
+          <p:nvSpPr>
+            <p:cNvPr id="42" name="矩形 41">
+              <a:extLst>
+                <a:ext uri="{FF2B5EF4-FFF2-40B4-BE49-F238E27FC236}">
+                  <a16:creationId xmlns:a16="http://schemas.microsoft.com/office/drawing/2014/main" id="{ED5D4DBA-204E-4A09-AB6B-35C5692A88E2}"/>
+                </a:ext>
+              </a:extLst>
+            </p:cNvPr>
+            <p:cNvSpPr/>
+            <p:nvPr/>
+          </p:nvSpPr>
+          <p:spPr>
+            <a:xfrm>
+              <a:off x="4749512" y="1822342"/>
+              <a:ext cx="1141769" cy="228135"/>
+            </a:xfrm>
+            <a:prstGeom prst="rect">
+              <a:avLst/>
+            </a:prstGeom>
+            <a:solidFill>
+              <a:schemeClr val="accent3">
+                <a:lumMod val="40000"/>
+                <a:lumOff val="60000"/>
+              </a:schemeClr>
+            </a:solidFill>
+            <a:ln>
+              <a:noFill/>
+            </a:ln>
+          </p:spPr>
+          <p:style>
+            <a:lnRef idx="2">
+              <a:schemeClr val="accent1">
+                <a:shade val="50000"/>
+              </a:schemeClr>
+            </a:lnRef>
+            <a:fillRef idx="1">
+              <a:schemeClr val="accent1"/>
+            </a:fillRef>
+            <a:effectRef idx="0">
+              <a:schemeClr val="accent1"/>
+            </a:effectRef>
+            <a:fontRef idx="minor">
+              <a:schemeClr val="lt1"/>
+            </a:fontRef>
+          </p:style>
+          <p:txBody>
+            <a:bodyPr rtlCol="0" anchor="ctr"/>
+            <a:lstStyle/>
+            <a:p>
+              <a:pPr algn="ctr"/>
+              <a:r>
+                <a:rPr lang="zh-CN" altLang="en-US" sz="1400" b="1" dirty="0">
+                  <a:solidFill>
+                    <a:schemeClr val="tx1"/>
+                  </a:solidFill>
+                </a:rPr>
+                <a:t>预案推送</a:t>
+              </a:r>
+            </a:p>
+          </p:txBody>
+        </p:sp>
+        <p:sp>
+          <p:nvSpPr>
+            <p:cNvPr id="43" name="矩形 42">
+              <a:extLst>
+                <a:ext uri="{FF2B5EF4-FFF2-40B4-BE49-F238E27FC236}">
+                  <a16:creationId xmlns:a16="http://schemas.microsoft.com/office/drawing/2014/main" id="{FFFCDD16-2FF4-4307-80EF-7DFBE2E4D454}"/>
+                </a:ext>
+              </a:extLst>
+            </p:cNvPr>
+            <p:cNvSpPr/>
+            <p:nvPr/>
+          </p:nvSpPr>
+          <p:spPr>
+            <a:xfrm>
+              <a:off x="4744593" y="2141071"/>
+              <a:ext cx="1115961" cy="228134"/>
+            </a:xfrm>
+            <a:prstGeom prst="rect">
+              <a:avLst/>
+            </a:prstGeom>
+            <a:solidFill>
+              <a:schemeClr val="accent3">
+                <a:lumMod val="40000"/>
+                <a:lumOff val="60000"/>
+              </a:schemeClr>
+            </a:solidFill>
+            <a:ln>
+              <a:noFill/>
+            </a:ln>
+          </p:spPr>
+          <p:style>
+            <a:lnRef idx="2">
+              <a:schemeClr val="accent1">
+                <a:shade val="50000"/>
+              </a:schemeClr>
+            </a:lnRef>
+            <a:fillRef idx="1">
+              <a:schemeClr val="accent1"/>
+            </a:fillRef>
+            <a:effectRef idx="0">
+              <a:schemeClr val="accent1"/>
+            </a:effectRef>
+            <a:fontRef idx="minor">
+              <a:schemeClr val="lt1"/>
+            </a:fontRef>
+          </p:style>
+          <p:txBody>
+            <a:bodyPr rtlCol="0" anchor="ctr"/>
+            <a:lstStyle/>
+            <a:p>
+              <a:pPr algn="ctr"/>
+              <a:r>
+                <a:rPr lang="zh-CN" altLang="en-US" sz="1400" b="1" dirty="0">
+                  <a:solidFill>
+                    <a:schemeClr val="tx1"/>
+                  </a:solidFill>
+                </a:rPr>
+                <a:t>变更事件</a:t>
+              </a:r>
+            </a:p>
+          </p:txBody>
+        </p:sp>
+        <p:sp>
+          <p:nvSpPr>
+            <p:cNvPr id="44" name="矩形 43">
+              <a:extLst>
+                <a:ext uri="{FF2B5EF4-FFF2-40B4-BE49-F238E27FC236}">
+                  <a16:creationId xmlns:a16="http://schemas.microsoft.com/office/drawing/2014/main" id="{F2AE59ED-60D7-4F11-A618-0F128A0EC62F}"/>
+                </a:ext>
+              </a:extLst>
+            </p:cNvPr>
+            <p:cNvSpPr/>
+            <p:nvPr/>
+          </p:nvSpPr>
+          <p:spPr>
+            <a:xfrm>
+              <a:off x="4755655" y="2454883"/>
+              <a:ext cx="1115961" cy="294100"/>
+            </a:xfrm>
+            <a:prstGeom prst="rect">
+              <a:avLst/>
+            </a:prstGeom>
+            <a:solidFill>
+              <a:schemeClr val="accent3">
+                <a:lumMod val="40000"/>
+                <a:lumOff val="60000"/>
+              </a:schemeClr>
+            </a:solidFill>
+            <a:ln>
+              <a:noFill/>
+            </a:ln>
+          </p:spPr>
+          <p:style>
+            <a:lnRef idx="2">
+              <a:schemeClr val="accent1">
+                <a:shade val="50000"/>
+              </a:schemeClr>
+            </a:lnRef>
+            <a:fillRef idx="1">
+              <a:schemeClr val="accent1"/>
+            </a:fillRef>
+            <a:effectRef idx="0">
+              <a:schemeClr val="accent1"/>
+            </a:effectRef>
+            <a:fontRef idx="minor">
+              <a:schemeClr val="lt1"/>
+            </a:fontRef>
+          </p:style>
+          <p:txBody>
+            <a:bodyPr rtlCol="0" anchor="ctr"/>
+            <a:lstStyle/>
+            <a:p>
+              <a:pPr algn="ctr"/>
+              <a:r>
+                <a:rPr lang="zh-CN" altLang="en-US" sz="1400" b="1" dirty="0">
+                  <a:solidFill>
+                    <a:schemeClr val="tx1"/>
+                  </a:solidFill>
+                </a:rPr>
+                <a:t>跨组件协作</a:t>
+              </a:r>
+            </a:p>
+          </p:txBody>
+        </p:sp>
+        <p:sp>
+          <p:nvSpPr>
+            <p:cNvPr id="45" name="矩形 44">
+              <a:extLst>
+                <a:ext uri="{FF2B5EF4-FFF2-40B4-BE49-F238E27FC236}">
+                  <a16:creationId xmlns:a16="http://schemas.microsoft.com/office/drawing/2014/main" id="{F3803E12-FD0D-4C89-B695-68C780979EDC}"/>
+                </a:ext>
+              </a:extLst>
+            </p:cNvPr>
+            <p:cNvSpPr/>
+            <p:nvPr/>
+          </p:nvSpPr>
+          <p:spPr>
+            <a:xfrm>
+              <a:off x="4591356" y="746734"/>
+              <a:ext cx="1369367" cy="2180821"/>
+            </a:xfrm>
+            <a:prstGeom prst="rect">
+              <a:avLst/>
+            </a:prstGeom>
+            <a:noFill/>
+            <a:ln>
+              <a:prstDash val="dash"/>
+            </a:ln>
+          </p:spPr>
+          <p:style>
+            <a:lnRef idx="2">
+              <a:schemeClr val="accent1">
+                <a:shade val="50000"/>
+              </a:schemeClr>
+            </a:lnRef>
+            <a:fillRef idx="1">
+              <a:schemeClr val="accent1"/>
+            </a:fillRef>
+            <a:effectRef idx="0">
+              <a:schemeClr val="accent1"/>
+            </a:effectRef>
+            <a:fontRef idx="minor">
+              <a:schemeClr val="lt1"/>
+            </a:fontRef>
+          </p:style>
+          <p:txBody>
+            <a:bodyPr rtlCol="0" anchor="ctr"/>
+            <a:lstStyle/>
+            <a:p>
+              <a:pPr algn="ctr"/>
+              <a:endParaRPr lang="zh-CN" altLang="en-US" dirty="0"/>
+            </a:p>
+          </p:txBody>
+        </p:sp>
+        <p:sp>
+          <p:nvSpPr>
+            <p:cNvPr id="46" name="文本框 45">
+              <a:extLst>
+                <a:ext uri="{FF2B5EF4-FFF2-40B4-BE49-F238E27FC236}">
+                  <a16:creationId xmlns:a16="http://schemas.microsoft.com/office/drawing/2014/main" id="{99257B6B-4971-4902-8232-F6A2A20166B2}"/>
+                </a:ext>
+              </a:extLst>
+            </p:cNvPr>
+            <p:cNvSpPr txBox="1"/>
+            <p:nvPr/>
+          </p:nvSpPr>
+          <p:spPr>
+            <a:xfrm>
+              <a:off x="4971965" y="746734"/>
+              <a:ext cx="577648" cy="307777"/>
+            </a:xfrm>
+            <a:prstGeom prst="rect">
+              <a:avLst/>
+            </a:prstGeom>
+            <a:noFill/>
+          </p:spPr>
+          <p:txBody>
+            <a:bodyPr wrap="square" rtlCol="0">
+              <a:spAutoFit/>
+            </a:bodyPr>
+            <a:lstStyle/>
+            <a:p>
+              <a:r>
+                <a:rPr lang="zh-CN" altLang="en-US" sz="1400" b="1" dirty="0"/>
+                <a:t>定位</a:t>
+              </a:r>
+            </a:p>
+          </p:txBody>
+        </p:sp>
+        <p:sp>
+          <p:nvSpPr>
+            <p:cNvPr id="47" name="矩形 46">
+              <a:extLst>
+                <a:ext uri="{FF2B5EF4-FFF2-40B4-BE49-F238E27FC236}">
+                  <a16:creationId xmlns:a16="http://schemas.microsoft.com/office/drawing/2014/main" id="{6C05061E-DC22-494D-BE43-5CE6A196FA74}"/>
+                </a:ext>
+              </a:extLst>
+            </p:cNvPr>
+            <p:cNvSpPr/>
+            <p:nvPr/>
+          </p:nvSpPr>
+          <p:spPr>
+            <a:xfrm>
+              <a:off x="6604258" y="1088603"/>
+              <a:ext cx="1103673" cy="286401"/>
+            </a:xfrm>
+            <a:prstGeom prst="rect">
+              <a:avLst/>
+            </a:prstGeom>
+            <a:solidFill>
+              <a:schemeClr val="accent3">
+                <a:lumMod val="40000"/>
+                <a:lumOff val="60000"/>
+              </a:schemeClr>
+            </a:solidFill>
+            <a:ln>
+              <a:noFill/>
+            </a:ln>
+          </p:spPr>
+          <p:style>
+            <a:lnRef idx="2">
+              <a:schemeClr val="accent1">
+                <a:shade val="50000"/>
+              </a:schemeClr>
+            </a:lnRef>
+            <a:fillRef idx="1">
+              <a:schemeClr val="accent1"/>
+            </a:fillRef>
+            <a:effectRef idx="0">
+              <a:schemeClr val="accent1"/>
+            </a:effectRef>
+            <a:fontRef idx="minor">
+              <a:schemeClr val="lt1"/>
+            </a:fontRef>
+          </p:style>
+          <p:txBody>
+            <a:bodyPr rtlCol="0" anchor="ctr"/>
+            <a:lstStyle/>
+            <a:p>
+              <a:pPr algn="ctr"/>
+              <a:r>
+                <a:rPr lang="zh-CN" altLang="en-US" sz="1400" b="1" dirty="0">
+                  <a:solidFill>
+                    <a:schemeClr val="tx1"/>
+                  </a:solidFill>
+                </a:rPr>
+                <a:t>执行预案</a:t>
+              </a:r>
+            </a:p>
+          </p:txBody>
+        </p:sp>
+        <p:sp>
+          <p:nvSpPr>
+            <p:cNvPr id="48" name="矩形 47">
+              <a:extLst>
+                <a:ext uri="{FF2B5EF4-FFF2-40B4-BE49-F238E27FC236}">
+                  <a16:creationId xmlns:a16="http://schemas.microsoft.com/office/drawing/2014/main" id="{6A93792D-CDF4-4C6D-BC6F-A5E158D956C0}"/>
+                </a:ext>
+              </a:extLst>
+            </p:cNvPr>
+            <p:cNvSpPr/>
+            <p:nvPr/>
+          </p:nvSpPr>
+          <p:spPr>
+            <a:xfrm>
+              <a:off x="6604258" y="1472213"/>
+              <a:ext cx="1115961" cy="264140"/>
+            </a:xfrm>
+            <a:prstGeom prst="rect">
+              <a:avLst/>
+            </a:prstGeom>
+            <a:solidFill>
+              <a:schemeClr val="accent3">
+                <a:lumMod val="40000"/>
+                <a:lumOff val="60000"/>
+              </a:schemeClr>
+            </a:solidFill>
+            <a:ln>
+              <a:noFill/>
+            </a:ln>
+          </p:spPr>
+          <p:style>
+            <a:lnRef idx="2">
+              <a:schemeClr val="accent1">
+                <a:shade val="50000"/>
+              </a:schemeClr>
+            </a:lnRef>
+            <a:fillRef idx="1">
+              <a:schemeClr val="accent1"/>
+            </a:fillRef>
+            <a:effectRef idx="0">
+              <a:schemeClr val="accent1"/>
+            </a:effectRef>
+            <a:fontRef idx="minor">
+              <a:schemeClr val="lt1"/>
+            </a:fontRef>
+          </p:style>
+          <p:txBody>
+            <a:bodyPr rtlCol="0" anchor="ctr"/>
+            <a:lstStyle/>
+            <a:p>
+              <a:pPr algn="ctr"/>
+              <a:r>
+                <a:rPr lang="zh-CN" altLang="en-US" sz="1400" b="1" dirty="0">
+                  <a:solidFill>
+                    <a:schemeClr val="tx1"/>
+                  </a:solidFill>
+                </a:rPr>
+                <a:t>切流回滚</a:t>
+              </a:r>
+            </a:p>
+          </p:txBody>
+        </p:sp>
+        <p:sp>
+          <p:nvSpPr>
+            <p:cNvPr id="49" name="矩形 48">
+              <a:extLst>
+                <a:ext uri="{FF2B5EF4-FFF2-40B4-BE49-F238E27FC236}">
+                  <a16:creationId xmlns:a16="http://schemas.microsoft.com/office/drawing/2014/main" id="{646234A9-F9AC-41C1-A1FC-85DFC7905057}"/>
+                </a:ext>
+              </a:extLst>
+            </p:cNvPr>
+            <p:cNvSpPr/>
+            <p:nvPr/>
+          </p:nvSpPr>
+          <p:spPr>
+            <a:xfrm>
+              <a:off x="6591970" y="1839519"/>
+              <a:ext cx="1141769" cy="228135"/>
+            </a:xfrm>
+            <a:prstGeom prst="rect">
+              <a:avLst/>
+            </a:prstGeom>
+            <a:solidFill>
+              <a:schemeClr val="accent3">
+                <a:lumMod val="40000"/>
+                <a:lumOff val="60000"/>
+              </a:schemeClr>
+            </a:solidFill>
+            <a:ln>
+              <a:noFill/>
+            </a:ln>
+          </p:spPr>
+          <p:style>
+            <a:lnRef idx="2">
+              <a:schemeClr val="accent1">
+                <a:shade val="50000"/>
+              </a:schemeClr>
+            </a:lnRef>
+            <a:fillRef idx="1">
+              <a:schemeClr val="accent1"/>
+            </a:fillRef>
+            <a:effectRef idx="0">
+              <a:schemeClr val="accent1"/>
+            </a:effectRef>
+            <a:fontRef idx="minor">
+              <a:schemeClr val="lt1"/>
+            </a:fontRef>
+          </p:style>
+          <p:txBody>
+            <a:bodyPr rtlCol="0" anchor="ctr"/>
+            <a:lstStyle/>
+            <a:p>
+              <a:pPr algn="ctr"/>
+              <a:r>
+                <a:rPr lang="en-US" altLang="zh-CN" sz="1400" b="1" dirty="0">
+                  <a:solidFill>
+                    <a:schemeClr val="tx1"/>
+                  </a:solidFill>
+                </a:rPr>
+                <a:t>SQL</a:t>
+              </a:r>
+              <a:r>
+                <a:rPr lang="zh-CN" altLang="en-US" sz="1400" b="1" dirty="0">
+                  <a:solidFill>
+                    <a:schemeClr val="tx1"/>
+                  </a:solidFill>
+                </a:rPr>
+                <a:t>限流</a:t>
+              </a:r>
+            </a:p>
+          </p:txBody>
+        </p:sp>
+        <p:sp>
+          <p:nvSpPr>
+            <p:cNvPr id="50" name="矩形 49">
+              <a:extLst>
+                <a:ext uri="{FF2B5EF4-FFF2-40B4-BE49-F238E27FC236}">
+                  <a16:creationId xmlns:a16="http://schemas.microsoft.com/office/drawing/2014/main" id="{363E6F81-B085-4926-84AC-A6D6387DC4C0}"/>
+                </a:ext>
+              </a:extLst>
+            </p:cNvPr>
+            <p:cNvSpPr/>
+            <p:nvPr/>
+          </p:nvSpPr>
+          <p:spPr>
+            <a:xfrm>
+              <a:off x="6587051" y="2158248"/>
+              <a:ext cx="1115961" cy="228134"/>
+            </a:xfrm>
+            <a:prstGeom prst="rect">
+              <a:avLst/>
+            </a:prstGeom>
+            <a:solidFill>
+              <a:schemeClr val="accent3">
+                <a:lumMod val="40000"/>
+                <a:lumOff val="60000"/>
+              </a:schemeClr>
+            </a:solidFill>
+            <a:ln>
+              <a:noFill/>
+            </a:ln>
+          </p:spPr>
+          <p:style>
+            <a:lnRef idx="2">
+              <a:schemeClr val="accent1">
+                <a:shade val="50000"/>
+              </a:schemeClr>
+            </a:lnRef>
+            <a:fillRef idx="1">
+              <a:schemeClr val="accent1"/>
+            </a:fillRef>
+            <a:effectRef idx="0">
+              <a:schemeClr val="accent1"/>
+            </a:effectRef>
+            <a:fontRef idx="minor">
+              <a:schemeClr val="lt1"/>
+            </a:fontRef>
+          </p:style>
+          <p:txBody>
+            <a:bodyPr rtlCol="0" anchor="ctr"/>
+            <a:lstStyle/>
+            <a:p>
+              <a:pPr algn="ctr"/>
+              <a:r>
+                <a:rPr lang="zh-CN" altLang="en-US" sz="1400" b="1" dirty="0">
+                  <a:solidFill>
+                    <a:schemeClr val="tx1"/>
+                  </a:solidFill>
+                </a:rPr>
+                <a:t>节点隔离</a:t>
+              </a:r>
+            </a:p>
+          </p:txBody>
+        </p:sp>
+        <p:sp>
+          <p:nvSpPr>
+            <p:cNvPr id="51" name="矩形 50">
+              <a:extLst>
+                <a:ext uri="{FF2B5EF4-FFF2-40B4-BE49-F238E27FC236}">
+                  <a16:creationId xmlns:a16="http://schemas.microsoft.com/office/drawing/2014/main" id="{16471D98-A07C-4F8A-B461-F539D41E2E13}"/>
+                </a:ext>
+              </a:extLst>
+            </p:cNvPr>
+            <p:cNvSpPr/>
+            <p:nvPr/>
+          </p:nvSpPr>
+          <p:spPr>
+            <a:xfrm>
+              <a:off x="6598113" y="2472060"/>
+              <a:ext cx="1115961" cy="294100"/>
+            </a:xfrm>
+            <a:prstGeom prst="rect">
+              <a:avLst/>
+            </a:prstGeom>
+            <a:solidFill>
+              <a:schemeClr val="accent3">
+                <a:lumMod val="40000"/>
+                <a:lumOff val="60000"/>
+              </a:schemeClr>
+            </a:solidFill>
+            <a:ln>
+              <a:noFill/>
+            </a:ln>
+          </p:spPr>
+          <p:style>
+            <a:lnRef idx="2">
+              <a:schemeClr val="accent1">
+                <a:shade val="50000"/>
+              </a:schemeClr>
+            </a:lnRef>
+            <a:fillRef idx="1">
+              <a:schemeClr val="accent1"/>
+            </a:fillRef>
+            <a:effectRef idx="0">
+              <a:schemeClr val="accent1"/>
+            </a:effectRef>
+            <a:fontRef idx="minor">
+              <a:schemeClr val="lt1"/>
+            </a:fontRef>
+          </p:style>
+          <p:txBody>
+            <a:bodyPr rtlCol="0" anchor="ctr"/>
+            <a:lstStyle/>
+            <a:p>
+              <a:pPr algn="ctr"/>
+              <a:r>
+                <a:rPr lang="zh-CN" altLang="en-US" sz="1400" b="1" dirty="0">
+                  <a:solidFill>
+                    <a:schemeClr val="tx1"/>
+                  </a:solidFill>
+                </a:rPr>
+                <a:t>容量快弹</a:t>
+              </a:r>
+            </a:p>
+          </p:txBody>
+        </p:sp>
+        <p:sp>
+          <p:nvSpPr>
+            <p:cNvPr id="52" name="矩形 51">
+              <a:extLst>
+                <a:ext uri="{FF2B5EF4-FFF2-40B4-BE49-F238E27FC236}">
+                  <a16:creationId xmlns:a16="http://schemas.microsoft.com/office/drawing/2014/main" id="{26E1BFE6-66C4-4ED5-AFEE-A30A7C845409}"/>
+                </a:ext>
+              </a:extLst>
+            </p:cNvPr>
+            <p:cNvSpPr/>
+            <p:nvPr/>
+          </p:nvSpPr>
+          <p:spPr>
+            <a:xfrm>
+              <a:off x="6433814" y="763911"/>
+              <a:ext cx="1369367" cy="2180821"/>
+            </a:xfrm>
+            <a:prstGeom prst="rect">
+              <a:avLst/>
+            </a:prstGeom>
+            <a:noFill/>
+            <a:ln>
+              <a:prstDash val="dash"/>
+            </a:ln>
+          </p:spPr>
+          <p:style>
+            <a:lnRef idx="2">
+              <a:schemeClr val="accent1">
+                <a:shade val="50000"/>
+              </a:schemeClr>
+            </a:lnRef>
+            <a:fillRef idx="1">
+              <a:schemeClr val="accent1"/>
+            </a:fillRef>
+            <a:effectRef idx="0">
+              <a:schemeClr val="accent1"/>
+            </a:effectRef>
+            <a:fontRef idx="minor">
+              <a:schemeClr val="lt1"/>
+            </a:fontRef>
+          </p:style>
+          <p:txBody>
+            <a:bodyPr rtlCol="0" anchor="ctr"/>
+            <a:lstStyle/>
+            <a:p>
+              <a:pPr algn="ctr"/>
+              <a:endParaRPr lang="zh-CN" altLang="en-US" dirty="0"/>
+            </a:p>
+          </p:txBody>
+        </p:sp>
+        <p:sp>
+          <p:nvSpPr>
+            <p:cNvPr id="53" name="文本框 52">
+              <a:extLst>
+                <a:ext uri="{FF2B5EF4-FFF2-40B4-BE49-F238E27FC236}">
+                  <a16:creationId xmlns:a16="http://schemas.microsoft.com/office/drawing/2014/main" id="{D6C898ED-E071-4FB5-8CCF-7F320D3DB119}"/>
+                </a:ext>
+              </a:extLst>
+            </p:cNvPr>
+            <p:cNvSpPr txBox="1"/>
+            <p:nvPr/>
+          </p:nvSpPr>
+          <p:spPr>
+            <a:xfrm>
+              <a:off x="6814423" y="763911"/>
+              <a:ext cx="577648" cy="307777"/>
+            </a:xfrm>
+            <a:prstGeom prst="rect">
+              <a:avLst/>
+            </a:prstGeom>
+            <a:noFill/>
+          </p:spPr>
+          <p:txBody>
+            <a:bodyPr wrap="square" rtlCol="0">
+              <a:spAutoFit/>
+            </a:bodyPr>
+            <a:lstStyle/>
+            <a:p>
+              <a:r>
+                <a:rPr lang="zh-CN" altLang="en-US" sz="1400" b="1" dirty="0"/>
+                <a:t>恢复</a:t>
+              </a:r>
+            </a:p>
+          </p:txBody>
+        </p:sp>
+        <p:sp>
+          <p:nvSpPr>
+            <p:cNvPr id="54" name="文本框 53">
+              <a:extLst>
+                <a:ext uri="{FF2B5EF4-FFF2-40B4-BE49-F238E27FC236}">
+                  <a16:creationId xmlns:a16="http://schemas.microsoft.com/office/drawing/2014/main" id="{A2A987F5-63C8-413B-AF08-3214665D099A}"/>
+                </a:ext>
+              </a:extLst>
+            </p:cNvPr>
+            <p:cNvSpPr txBox="1"/>
+            <p:nvPr/>
+          </p:nvSpPr>
+          <p:spPr>
+            <a:xfrm>
+              <a:off x="4764647" y="2923685"/>
+              <a:ext cx="899651" cy="307777"/>
+            </a:xfrm>
+            <a:prstGeom prst="rect">
+              <a:avLst/>
+            </a:prstGeom>
+            <a:noFill/>
+          </p:spPr>
+          <p:txBody>
+            <a:bodyPr wrap="square" rtlCol="0">
+              <a:spAutoFit/>
+            </a:bodyPr>
+            <a:lstStyle/>
+            <a:p>
+              <a:r>
+                <a:rPr lang="zh-CN" altLang="en-US" sz="1400" b="1" dirty="0"/>
+                <a:t>业务链路</a:t>
+              </a:r>
+            </a:p>
+          </p:txBody>
+        </p:sp>
+        <p:sp>
+          <p:nvSpPr>
+            <p:cNvPr id="61" name="箭头: 右 60">
+              <a:extLst>
+                <a:ext uri="{FF2B5EF4-FFF2-40B4-BE49-F238E27FC236}">
+                  <a16:creationId xmlns:a16="http://schemas.microsoft.com/office/drawing/2014/main" id="{F3CE2CC6-0216-4708-8E3B-98E059568F01}"/>
+                </a:ext>
+              </a:extLst>
+            </p:cNvPr>
+            <p:cNvSpPr/>
+            <p:nvPr/>
+          </p:nvSpPr>
+          <p:spPr>
+            <a:xfrm>
+              <a:off x="4122174" y="1375004"/>
+              <a:ext cx="457038" cy="866751"/>
+            </a:xfrm>
+            <a:prstGeom prst="rightArrow">
+              <a:avLst/>
+            </a:prstGeom>
+            <a:solidFill>
+              <a:schemeClr val="accent5">
+                <a:lumMod val="40000"/>
+                <a:lumOff val="60000"/>
+              </a:schemeClr>
+            </a:solidFill>
+          </p:spPr>
+          <p:style>
+            <a:lnRef idx="2">
+              <a:schemeClr val="accent1">
+                <a:shade val="50000"/>
+              </a:schemeClr>
+            </a:lnRef>
+            <a:fillRef idx="1">
+              <a:schemeClr val="accent1"/>
+            </a:fillRef>
+            <a:effectRef idx="0">
+              <a:schemeClr val="accent1"/>
+            </a:effectRef>
+            <a:fontRef idx="minor">
+              <a:schemeClr val="lt1"/>
+            </a:fontRef>
+          </p:style>
+          <p:txBody>
+            <a:bodyPr rtlCol="0" anchor="ctr"/>
+            <a:lstStyle/>
+            <a:p>
+              <a:pPr algn="ctr"/>
+              <a:endParaRPr lang="zh-CN" altLang="en-US" dirty="0"/>
+            </a:p>
+          </p:txBody>
+        </p:sp>
+        <p:sp>
+          <p:nvSpPr>
+            <p:cNvPr id="62" name="箭头: 右 61">
+              <a:extLst>
+                <a:ext uri="{FF2B5EF4-FFF2-40B4-BE49-F238E27FC236}">
+                  <a16:creationId xmlns:a16="http://schemas.microsoft.com/office/drawing/2014/main" id="{AE2F1332-0D4F-467F-8495-B70458DAFFE4}"/>
+                </a:ext>
+              </a:extLst>
+            </p:cNvPr>
+            <p:cNvSpPr/>
+            <p:nvPr/>
+          </p:nvSpPr>
+          <p:spPr>
+            <a:xfrm>
+              <a:off x="5978143" y="1388050"/>
+              <a:ext cx="457038" cy="866751"/>
+            </a:xfrm>
+            <a:prstGeom prst="rightArrow">
+              <a:avLst/>
+            </a:prstGeom>
+            <a:solidFill>
+              <a:schemeClr val="accent5">
+                <a:lumMod val="40000"/>
+                <a:lumOff val="60000"/>
+              </a:schemeClr>
+            </a:solidFill>
+          </p:spPr>
+          <p:style>
+            <a:lnRef idx="2">
+              <a:schemeClr val="accent1">
+                <a:shade val="50000"/>
+              </a:schemeClr>
+            </a:lnRef>
+            <a:fillRef idx="1">
+              <a:schemeClr val="accent1"/>
+            </a:fillRef>
+            <a:effectRef idx="0">
+              <a:schemeClr val="accent1"/>
+            </a:effectRef>
+            <a:fontRef idx="minor">
+              <a:schemeClr val="lt1"/>
+            </a:fontRef>
+          </p:style>
+          <p:txBody>
+            <a:bodyPr rtlCol="0" anchor="ctr"/>
+            <a:lstStyle/>
+            <a:p>
+              <a:pPr algn="ctr"/>
+              <a:endParaRPr lang="zh-CN" altLang="en-US" dirty="0"/>
+            </a:p>
+          </p:txBody>
+        </p:sp>
+      </p:grpSp>
+      <p:sp>
+        <p:nvSpPr>
+          <p:cNvPr id="64" name="文本框 63">
+            <a:extLst>
+              <a:ext uri="{FF2B5EF4-FFF2-40B4-BE49-F238E27FC236}">
+                <a16:creationId xmlns:a16="http://schemas.microsoft.com/office/drawing/2014/main" id="{21833E19-C2EB-4124-9691-E2185F17AF71}"/>
+              </a:ext>
+            </a:extLst>
+          </p:cNvPr>
+          <p:cNvSpPr txBox="1"/>
+          <p:nvPr/>
+        </p:nvSpPr>
+        <p:spPr>
+          <a:xfrm>
+            <a:off x="270458" y="180651"/>
+            <a:ext cx="919789" cy="307777"/>
+          </a:xfrm>
+          <a:prstGeom prst="rect">
+            <a:avLst/>
+          </a:prstGeom>
+          <a:noFill/>
+        </p:spPr>
+        <p:txBody>
+          <a:bodyPr wrap="square" rtlCol="0">
+            <a:spAutoFit/>
+          </a:bodyPr>
+          <a:lstStyle/>
+          <a:p>
+            <a:r>
+              <a:rPr lang="zh-CN" altLang="en-US" sz="1400" b="1" dirty="0"/>
+              <a:t>能力验证</a:t>
+            </a:r>
+          </a:p>
+        </p:txBody>
+      </p:sp>
+      <p:sp>
+        <p:nvSpPr>
+          <p:cNvPr id="65" name="矩形 64">
+            <a:extLst>
+              <a:ext uri="{FF2B5EF4-FFF2-40B4-BE49-F238E27FC236}">
+                <a16:creationId xmlns:a16="http://schemas.microsoft.com/office/drawing/2014/main" id="{E62F2443-955E-471A-8DB7-976BC859F3D3}"/>
+              </a:ext>
+            </a:extLst>
+          </p:cNvPr>
+          <p:cNvSpPr/>
+          <p:nvPr/>
+        </p:nvSpPr>
+        <p:spPr>
+          <a:xfrm>
+            <a:off x="272360" y="659724"/>
+            <a:ext cx="935023" cy="511292"/>
+          </a:xfrm>
+          <a:prstGeom prst="rect">
+            <a:avLst/>
+          </a:prstGeom>
+          <a:solidFill>
+            <a:schemeClr val="bg2">
+              <a:lumMod val="90000"/>
+            </a:schemeClr>
+          </a:solidFill>
+          <a:ln>
+            <a:noFill/>
+          </a:ln>
+        </p:spPr>
+        <p:style>
+          <a:lnRef idx="2">
+            <a:schemeClr val="accent1">
+              <a:shade val="50000"/>
+            </a:schemeClr>
+          </a:lnRef>
+          <a:fillRef idx="1">
+            <a:schemeClr val="accent1"/>
+          </a:fillRef>
+          <a:effectRef idx="0">
+            <a:schemeClr val="accent1"/>
+          </a:effectRef>
+          <a:fontRef idx="minor">
+            <a:schemeClr val="lt1"/>
+          </a:fontRef>
+        </p:style>
+        <p:txBody>
+          <a:bodyPr rtlCol="0" anchor="ctr"/>
+          <a:lstStyle/>
+          <a:p>
+            <a:pPr algn="ctr"/>
+            <a:r>
+              <a:rPr lang="zh-CN" altLang="en-US" sz="1400" b="1" dirty="0">
+                <a:solidFill>
+                  <a:schemeClr val="tx1"/>
+                </a:solidFill>
+              </a:rPr>
+              <a:t>异常日志注入</a:t>
+            </a:r>
+          </a:p>
+        </p:txBody>
+      </p:sp>
+      <p:sp>
+        <p:nvSpPr>
+          <p:cNvPr id="68" name="矩形 67">
+            <a:extLst>
+              <a:ext uri="{FF2B5EF4-FFF2-40B4-BE49-F238E27FC236}">
+                <a16:creationId xmlns:a16="http://schemas.microsoft.com/office/drawing/2014/main" id="{31824F34-C8CD-4771-87E7-CF2C340FB500}"/>
+              </a:ext>
+            </a:extLst>
+          </p:cNvPr>
+          <p:cNvSpPr/>
+          <p:nvPr/>
+        </p:nvSpPr>
+        <p:spPr>
+          <a:xfrm>
+            <a:off x="286851" y="1439865"/>
+            <a:ext cx="935023" cy="511292"/>
+          </a:xfrm>
+          <a:prstGeom prst="rect">
+            <a:avLst/>
+          </a:prstGeom>
+          <a:solidFill>
+            <a:schemeClr val="bg2">
+              <a:lumMod val="90000"/>
+            </a:schemeClr>
+          </a:solidFill>
+          <a:ln>
+            <a:noFill/>
+          </a:ln>
+        </p:spPr>
+        <p:style>
+          <a:lnRef idx="2">
+            <a:schemeClr val="accent1">
+              <a:shade val="50000"/>
+            </a:schemeClr>
+          </a:lnRef>
+          <a:fillRef idx="1">
+            <a:schemeClr val="accent1"/>
+          </a:fillRef>
+          <a:effectRef idx="0">
+            <a:schemeClr val="accent1"/>
+          </a:effectRef>
+          <a:fontRef idx="minor">
+            <a:schemeClr val="lt1"/>
+          </a:fontRef>
+        </p:style>
+        <p:txBody>
+          <a:bodyPr rtlCol="0" anchor="ctr"/>
+          <a:lstStyle/>
+          <a:p>
+            <a:pPr algn="ctr"/>
+            <a:r>
+              <a:rPr lang="zh-CN" altLang="en-US" sz="1400" b="1" dirty="0">
+                <a:solidFill>
+                  <a:schemeClr val="tx1"/>
+                </a:solidFill>
+              </a:rPr>
+              <a:t>强依赖异常注入</a:t>
+            </a:r>
+          </a:p>
+        </p:txBody>
+      </p:sp>
+      <p:sp>
+        <p:nvSpPr>
+          <p:cNvPr id="69" name="矩形 68">
+            <a:extLst>
+              <a:ext uri="{FF2B5EF4-FFF2-40B4-BE49-F238E27FC236}">
+                <a16:creationId xmlns:a16="http://schemas.microsoft.com/office/drawing/2014/main" id="{B7790A7B-E28A-4A34-B3F0-8EE3F7E257F4}"/>
+              </a:ext>
+            </a:extLst>
+          </p:cNvPr>
+          <p:cNvSpPr/>
+          <p:nvPr/>
+        </p:nvSpPr>
+        <p:spPr>
+          <a:xfrm>
+            <a:off x="276867" y="2211175"/>
+            <a:ext cx="935023" cy="511292"/>
+          </a:xfrm>
+          <a:prstGeom prst="rect">
+            <a:avLst/>
+          </a:prstGeom>
+          <a:solidFill>
+            <a:schemeClr val="bg2">
+              <a:lumMod val="90000"/>
+            </a:schemeClr>
+          </a:solidFill>
+          <a:ln>
+            <a:noFill/>
+          </a:ln>
+        </p:spPr>
+        <p:style>
+          <a:lnRef idx="2">
+            <a:schemeClr val="accent1">
+              <a:shade val="50000"/>
+            </a:schemeClr>
+          </a:lnRef>
+          <a:fillRef idx="1">
+            <a:schemeClr val="accent1"/>
+          </a:fillRef>
+          <a:effectRef idx="0">
+            <a:schemeClr val="accent1"/>
+          </a:effectRef>
+          <a:fontRef idx="minor">
+            <a:schemeClr val="lt1"/>
+          </a:fontRef>
+        </p:style>
+        <p:txBody>
+          <a:bodyPr rtlCol="0" anchor="ctr"/>
+          <a:lstStyle/>
+          <a:p>
+            <a:pPr algn="ctr"/>
+            <a:r>
+              <a:rPr lang="zh-CN" altLang="en-US" sz="1400" b="1" dirty="0">
+                <a:solidFill>
+                  <a:schemeClr val="tx1"/>
+                </a:solidFill>
+              </a:rPr>
+              <a:t>断网演练</a:t>
+            </a:r>
+          </a:p>
+        </p:txBody>
+      </p:sp>
+      <p:sp>
+        <p:nvSpPr>
+          <p:cNvPr id="70" name="矩形 69">
+            <a:extLst>
+              <a:ext uri="{FF2B5EF4-FFF2-40B4-BE49-F238E27FC236}">
+                <a16:creationId xmlns:a16="http://schemas.microsoft.com/office/drawing/2014/main" id="{440FE463-5DC3-4373-97A6-D02007F02D48}"/>
+              </a:ext>
+            </a:extLst>
+          </p:cNvPr>
+          <p:cNvSpPr/>
+          <p:nvPr/>
+        </p:nvSpPr>
+        <p:spPr>
+          <a:xfrm>
+            <a:off x="271164" y="2932973"/>
+            <a:ext cx="935023" cy="511292"/>
+          </a:xfrm>
+          <a:prstGeom prst="rect">
+            <a:avLst/>
+          </a:prstGeom>
+          <a:solidFill>
+            <a:schemeClr val="bg2">
+              <a:lumMod val="90000"/>
+            </a:schemeClr>
+          </a:solidFill>
+          <a:ln>
+            <a:noFill/>
+          </a:ln>
+        </p:spPr>
+        <p:style>
+          <a:lnRef idx="2">
+            <a:schemeClr val="accent1">
+              <a:shade val="50000"/>
+            </a:schemeClr>
+          </a:lnRef>
+          <a:fillRef idx="1">
+            <a:schemeClr val="accent1"/>
+          </a:fillRef>
+          <a:effectRef idx="0">
+            <a:schemeClr val="accent1"/>
+          </a:effectRef>
+          <a:fontRef idx="minor">
+            <a:schemeClr val="lt1"/>
+          </a:fontRef>
+        </p:style>
+        <p:txBody>
+          <a:bodyPr rtlCol="0" anchor="ctr"/>
+          <a:lstStyle/>
+          <a:p>
+            <a:pPr algn="ctr"/>
+            <a:r>
+              <a:rPr lang="zh-CN" altLang="en-US" sz="1400" b="1" dirty="0">
+                <a:solidFill>
+                  <a:schemeClr val="tx1"/>
+                </a:solidFill>
+              </a:rPr>
+              <a:t>基础指标异常注入</a:t>
+            </a:r>
+          </a:p>
+        </p:txBody>
+      </p:sp>
+      <p:sp>
+        <p:nvSpPr>
+          <p:cNvPr id="71" name="矩形 70">
+            <a:extLst>
+              <a:ext uri="{FF2B5EF4-FFF2-40B4-BE49-F238E27FC236}">
+                <a16:creationId xmlns:a16="http://schemas.microsoft.com/office/drawing/2014/main" id="{9F1FA37B-851F-4ECA-B803-34D5FA427001}"/>
+              </a:ext>
+            </a:extLst>
+          </p:cNvPr>
+          <p:cNvSpPr/>
+          <p:nvPr/>
+        </p:nvSpPr>
+        <p:spPr>
+          <a:xfrm>
+            <a:off x="276867" y="3677110"/>
+            <a:ext cx="935023" cy="511292"/>
+          </a:xfrm>
+          <a:prstGeom prst="rect">
+            <a:avLst/>
+          </a:prstGeom>
+          <a:solidFill>
+            <a:schemeClr val="bg2">
+              <a:lumMod val="90000"/>
+            </a:schemeClr>
+          </a:solidFill>
+          <a:ln>
+            <a:noFill/>
+          </a:ln>
+        </p:spPr>
+        <p:style>
+          <a:lnRef idx="2">
+            <a:schemeClr val="accent1">
+              <a:shade val="50000"/>
+            </a:schemeClr>
+          </a:lnRef>
+          <a:fillRef idx="1">
+            <a:schemeClr val="accent1"/>
+          </a:fillRef>
+          <a:effectRef idx="0">
+            <a:schemeClr val="accent1"/>
+          </a:effectRef>
+          <a:fontRef idx="minor">
+            <a:schemeClr val="lt1"/>
+          </a:fontRef>
+        </p:style>
+        <p:txBody>
+          <a:bodyPr rtlCol="0" anchor="ctr"/>
+          <a:lstStyle/>
+          <a:p>
+            <a:pPr algn="ctr"/>
+            <a:r>
+              <a:rPr lang="zh-CN" altLang="en-US" sz="1400" b="1" dirty="0">
+                <a:solidFill>
+                  <a:schemeClr val="tx1"/>
+                </a:solidFill>
+              </a:rPr>
+              <a:t>进程退出注入</a:t>
+            </a:r>
+          </a:p>
+        </p:txBody>
+      </p:sp>
+      <p:sp>
+        <p:nvSpPr>
+          <p:cNvPr id="72" name="矩形 71">
+            <a:extLst>
+              <a:ext uri="{FF2B5EF4-FFF2-40B4-BE49-F238E27FC236}">
+                <a16:creationId xmlns:a16="http://schemas.microsoft.com/office/drawing/2014/main" id="{5BF1938D-5B5F-4E42-BC39-2A75243E2C79}"/>
+              </a:ext>
+            </a:extLst>
+          </p:cNvPr>
+          <p:cNvSpPr/>
+          <p:nvPr/>
+        </p:nvSpPr>
+        <p:spPr>
+          <a:xfrm>
+            <a:off x="255870" y="4390444"/>
+            <a:ext cx="935023" cy="511292"/>
+          </a:xfrm>
+          <a:prstGeom prst="rect">
+            <a:avLst/>
+          </a:prstGeom>
+          <a:solidFill>
+            <a:schemeClr val="bg2">
+              <a:lumMod val="90000"/>
+            </a:schemeClr>
+          </a:solidFill>
+          <a:ln>
+            <a:noFill/>
+          </a:ln>
+        </p:spPr>
+        <p:style>
+          <a:lnRef idx="2">
+            <a:schemeClr val="accent1">
+              <a:shade val="50000"/>
+            </a:schemeClr>
+          </a:lnRef>
+          <a:fillRef idx="1">
+            <a:schemeClr val="accent1"/>
+          </a:fillRef>
+          <a:effectRef idx="0">
+            <a:schemeClr val="accent1"/>
+          </a:effectRef>
+          <a:fontRef idx="minor">
+            <a:schemeClr val="lt1"/>
+          </a:fontRef>
+        </p:style>
+        <p:txBody>
+          <a:bodyPr rtlCol="0" anchor="ctr"/>
+          <a:lstStyle/>
+          <a:p>
+            <a:pPr algn="ctr"/>
+            <a:r>
+              <a:rPr lang="zh-CN" altLang="en-US" sz="1400" b="1" dirty="0">
+                <a:solidFill>
+                  <a:schemeClr val="tx1"/>
+                </a:solidFill>
+              </a:rPr>
+              <a:t>突袭演练</a:t>
+            </a:r>
+          </a:p>
+        </p:txBody>
+      </p:sp>
+      <p:sp>
+        <p:nvSpPr>
+          <p:cNvPr id="73" name="箭头: 右 72">
+            <a:extLst>
+              <a:ext uri="{FF2B5EF4-FFF2-40B4-BE49-F238E27FC236}">
+                <a16:creationId xmlns:a16="http://schemas.microsoft.com/office/drawing/2014/main" id="{D0B7BDA7-5B05-44AD-97FC-D0C8C412C9D1}"/>
+              </a:ext>
+            </a:extLst>
+          </p:cNvPr>
+          <p:cNvSpPr/>
+          <p:nvPr/>
+        </p:nvSpPr>
+        <p:spPr>
+          <a:xfrm>
+            <a:off x="1271873" y="848032"/>
+            <a:ext cx="337143" cy="383458"/>
+          </a:xfrm>
+          <a:prstGeom prst="rightArrow">
+            <a:avLst/>
+          </a:prstGeom>
+          <a:solidFill>
+            <a:schemeClr val="accent1">
+              <a:lumMod val="40000"/>
+              <a:lumOff val="60000"/>
+            </a:schemeClr>
+          </a:solidFill>
+        </p:spPr>
+        <p:style>
+          <a:lnRef idx="2">
+            <a:schemeClr val="accent1">
+              <a:shade val="50000"/>
+            </a:schemeClr>
+          </a:lnRef>
+          <a:fillRef idx="1">
+            <a:schemeClr val="accent1"/>
+          </a:fillRef>
+          <a:effectRef idx="0">
+            <a:schemeClr val="accent1"/>
+          </a:effectRef>
+          <a:fontRef idx="minor">
+            <a:schemeClr val="lt1"/>
+          </a:fontRef>
+        </p:style>
+        <p:txBody>
+          <a:bodyPr rtlCol="0" anchor="ctr"/>
+          <a:lstStyle/>
+          <a:p>
+            <a:pPr algn="ctr"/>
+            <a:endParaRPr lang="zh-CN" altLang="en-US" dirty="0"/>
+          </a:p>
+        </p:txBody>
+      </p:sp>
+      <p:sp>
+        <p:nvSpPr>
+          <p:cNvPr id="74" name="箭头: 右 73">
+            <a:extLst>
+              <a:ext uri="{FF2B5EF4-FFF2-40B4-BE49-F238E27FC236}">
+                <a16:creationId xmlns:a16="http://schemas.microsoft.com/office/drawing/2014/main" id="{E2DF39B1-72C1-4466-89AA-4974D9C1673F}"/>
+              </a:ext>
+            </a:extLst>
+          </p:cNvPr>
+          <p:cNvSpPr/>
+          <p:nvPr/>
+        </p:nvSpPr>
+        <p:spPr>
+          <a:xfrm>
+            <a:off x="1262589" y="1886091"/>
+            <a:ext cx="337143" cy="383458"/>
+          </a:xfrm>
+          <a:prstGeom prst="rightArrow">
+            <a:avLst/>
+          </a:prstGeom>
+          <a:solidFill>
+            <a:schemeClr val="accent1">
+              <a:lumMod val="40000"/>
+              <a:lumOff val="60000"/>
+            </a:schemeClr>
+          </a:solidFill>
+        </p:spPr>
+        <p:style>
+          <a:lnRef idx="2">
+            <a:schemeClr val="accent1">
+              <a:shade val="50000"/>
+            </a:schemeClr>
+          </a:lnRef>
+          <a:fillRef idx="1">
+            <a:schemeClr val="accent1"/>
+          </a:fillRef>
+          <a:effectRef idx="0">
+            <a:schemeClr val="accent1"/>
+          </a:effectRef>
+          <a:fontRef idx="minor">
+            <a:schemeClr val="lt1"/>
+          </a:fontRef>
+        </p:style>
+        <p:txBody>
+          <a:bodyPr rtlCol="0" anchor="ctr"/>
+          <a:lstStyle/>
+          <a:p>
+            <a:pPr algn="ctr"/>
+            <a:endParaRPr lang="zh-CN" altLang="en-US" dirty="0"/>
+          </a:p>
+        </p:txBody>
+      </p:sp>
+      <p:sp>
+        <p:nvSpPr>
+          <p:cNvPr id="75" name="箭头: 右 74">
+            <a:extLst>
+              <a:ext uri="{FF2B5EF4-FFF2-40B4-BE49-F238E27FC236}">
+                <a16:creationId xmlns:a16="http://schemas.microsoft.com/office/drawing/2014/main" id="{1FD89B47-7467-415C-8979-C09A170B82F8}"/>
+              </a:ext>
+            </a:extLst>
+          </p:cNvPr>
+          <p:cNvSpPr/>
+          <p:nvPr/>
+        </p:nvSpPr>
+        <p:spPr>
+          <a:xfrm>
+            <a:off x="1245911" y="3092321"/>
+            <a:ext cx="337143" cy="383458"/>
+          </a:xfrm>
+          <a:prstGeom prst="rightArrow">
+            <a:avLst/>
+          </a:prstGeom>
+          <a:solidFill>
+            <a:schemeClr val="accent1">
+              <a:lumMod val="40000"/>
+              <a:lumOff val="60000"/>
+            </a:schemeClr>
+          </a:solidFill>
+        </p:spPr>
+        <p:style>
+          <a:lnRef idx="2">
+            <a:schemeClr val="accent1">
+              <a:shade val="50000"/>
+            </a:schemeClr>
+          </a:lnRef>
+          <a:fillRef idx="1">
+            <a:schemeClr val="accent1"/>
+          </a:fillRef>
+          <a:effectRef idx="0">
+            <a:schemeClr val="accent1"/>
+          </a:effectRef>
+          <a:fontRef idx="minor">
+            <a:schemeClr val="lt1"/>
+          </a:fontRef>
+        </p:style>
+        <p:txBody>
+          <a:bodyPr rtlCol="0" anchor="ctr"/>
+          <a:lstStyle/>
+          <a:p>
+            <a:pPr algn="ctr"/>
+            <a:endParaRPr lang="zh-CN" altLang="en-US" dirty="0"/>
+          </a:p>
+        </p:txBody>
+      </p:sp>
+      <p:sp>
+        <p:nvSpPr>
+          <p:cNvPr id="76" name="箭头: 右 75">
+            <a:extLst>
+              <a:ext uri="{FF2B5EF4-FFF2-40B4-BE49-F238E27FC236}">
+                <a16:creationId xmlns:a16="http://schemas.microsoft.com/office/drawing/2014/main" id="{C25A4FBE-452B-4C45-B31D-6D96A80143AF}"/>
+              </a:ext>
+            </a:extLst>
+          </p:cNvPr>
+          <p:cNvSpPr/>
+          <p:nvPr/>
+        </p:nvSpPr>
+        <p:spPr>
+          <a:xfrm>
+            <a:off x="1254471" y="4396683"/>
+            <a:ext cx="337143" cy="383458"/>
+          </a:xfrm>
+          <a:prstGeom prst="rightArrow">
+            <a:avLst/>
+          </a:prstGeom>
+          <a:solidFill>
+            <a:schemeClr val="accent1">
+              <a:lumMod val="40000"/>
+              <a:lumOff val="60000"/>
+            </a:schemeClr>
+          </a:solidFill>
+        </p:spPr>
+        <p:style>
+          <a:lnRef idx="2">
+            <a:schemeClr val="accent1">
+              <a:shade val="50000"/>
+            </a:schemeClr>
+          </a:lnRef>
+          <a:fillRef idx="1">
+            <a:schemeClr val="accent1"/>
+          </a:fillRef>
+          <a:effectRef idx="0">
+            <a:schemeClr val="accent1"/>
+          </a:effectRef>
+          <a:fontRef idx="minor">
+            <a:schemeClr val="lt1"/>
+          </a:fontRef>
+        </p:style>
+        <p:txBody>
+          <a:bodyPr rtlCol="0" anchor="ctr"/>
+          <a:lstStyle/>
+          <a:p>
+            <a:pPr algn="ctr"/>
+            <a:endParaRPr lang="zh-CN" altLang="en-US" dirty="0"/>
+          </a:p>
+        </p:txBody>
+      </p:sp>
+      <p:sp>
+        <p:nvSpPr>
+          <p:cNvPr id="77" name="矩形 76">
+            <a:extLst>
+              <a:ext uri="{FF2B5EF4-FFF2-40B4-BE49-F238E27FC236}">
+                <a16:creationId xmlns:a16="http://schemas.microsoft.com/office/drawing/2014/main" id="{FDD40CB9-B02E-409C-A2F3-43F938D4C8C1}"/>
+              </a:ext>
+            </a:extLst>
+          </p:cNvPr>
+          <p:cNvSpPr/>
+          <p:nvPr/>
+        </p:nvSpPr>
+        <p:spPr>
+          <a:xfrm>
+            <a:off x="7900883" y="101593"/>
+            <a:ext cx="1117756" cy="5445261"/>
+          </a:xfrm>
+          <a:prstGeom prst="rect">
+            <a:avLst/>
+          </a:prstGeom>
+          <a:noFill/>
+          <a:ln>
+            <a:prstDash val="dash"/>
+          </a:ln>
+        </p:spPr>
+        <p:style>
+          <a:lnRef idx="2">
+            <a:schemeClr val="accent1">
+              <a:shade val="50000"/>
+            </a:schemeClr>
+          </a:lnRef>
+          <a:fillRef idx="1">
+            <a:schemeClr val="accent1"/>
+          </a:fillRef>
+          <a:effectRef idx="0">
+            <a:schemeClr val="accent1"/>
+          </a:effectRef>
+          <a:fontRef idx="minor">
+            <a:schemeClr val="lt1"/>
+          </a:fontRef>
+        </p:style>
+        <p:txBody>
+          <a:bodyPr rtlCol="0" anchor="ctr"/>
+          <a:lstStyle/>
+          <a:p>
+            <a:pPr algn="ctr"/>
+            <a:endParaRPr lang="zh-CN" altLang="en-US" sz="1400" dirty="0"/>
+          </a:p>
+        </p:txBody>
+      </p:sp>
+      <p:sp>
+        <p:nvSpPr>
+          <p:cNvPr id="78" name="文本框 77">
+            <a:extLst>
+              <a:ext uri="{FF2B5EF4-FFF2-40B4-BE49-F238E27FC236}">
+                <a16:creationId xmlns:a16="http://schemas.microsoft.com/office/drawing/2014/main" id="{69F69AAA-0833-4188-BB56-96CDB8172100}"/>
+              </a:ext>
+            </a:extLst>
+          </p:cNvPr>
+          <p:cNvSpPr txBox="1"/>
+          <p:nvPr/>
+        </p:nvSpPr>
+        <p:spPr>
+          <a:xfrm>
+            <a:off x="7996747" y="180651"/>
+            <a:ext cx="1083039" cy="307777"/>
+          </a:xfrm>
+          <a:prstGeom prst="rect">
+            <a:avLst/>
+          </a:prstGeom>
+          <a:noFill/>
+        </p:spPr>
+        <p:txBody>
+          <a:bodyPr wrap="square" rtlCol="0">
+            <a:spAutoFit/>
+          </a:bodyPr>
+          <a:lstStyle/>
+          <a:p>
+            <a:r>
+              <a:rPr lang="zh-CN" altLang="en-US" sz="1400" b="1" dirty="0"/>
+              <a:t>能力度量</a:t>
+            </a:r>
+          </a:p>
+        </p:txBody>
+      </p:sp>
+      <p:sp>
+        <p:nvSpPr>
+          <p:cNvPr id="79" name="文本框 78">
+            <a:extLst>
+              <a:ext uri="{FF2B5EF4-FFF2-40B4-BE49-F238E27FC236}">
+                <a16:creationId xmlns:a16="http://schemas.microsoft.com/office/drawing/2014/main" id="{D6603844-2407-4850-95AB-1EB31728F377}"/>
+              </a:ext>
+            </a:extLst>
+          </p:cNvPr>
+          <p:cNvSpPr txBox="1"/>
+          <p:nvPr/>
+        </p:nvSpPr>
+        <p:spPr>
+          <a:xfrm>
+            <a:off x="7980330" y="691934"/>
+            <a:ext cx="957260" cy="523220"/>
+          </a:xfrm>
+          <a:prstGeom prst="rect">
+            <a:avLst/>
+          </a:prstGeom>
+          <a:solidFill>
+            <a:schemeClr val="bg1">
+              <a:lumMod val="85000"/>
+            </a:schemeClr>
+          </a:solidFill>
+        </p:spPr>
+        <p:txBody>
+          <a:bodyPr wrap="square" rtlCol="0">
+            <a:spAutoFit/>
+          </a:bodyPr>
+          <a:lstStyle/>
+          <a:p>
+            <a:pPr algn="ctr"/>
+            <a:r>
+              <a:rPr lang="zh-CN" altLang="en-US" sz="1400" b="1" dirty="0"/>
+              <a:t>容灾架构保鲜</a:t>
+            </a:r>
+          </a:p>
+        </p:txBody>
+      </p:sp>
+      <p:sp>
+        <p:nvSpPr>
+          <p:cNvPr id="80" name="文本框 79">
+            <a:extLst>
+              <a:ext uri="{FF2B5EF4-FFF2-40B4-BE49-F238E27FC236}">
+                <a16:creationId xmlns:a16="http://schemas.microsoft.com/office/drawing/2014/main" id="{6BCA78A1-8BDA-44D1-8876-5DF2CC86F796}"/>
+              </a:ext>
+            </a:extLst>
+          </p:cNvPr>
+          <p:cNvSpPr txBox="1"/>
+          <p:nvPr/>
+        </p:nvSpPr>
+        <p:spPr>
+          <a:xfrm>
+            <a:off x="7981568" y="1426147"/>
+            <a:ext cx="957260" cy="307777"/>
+          </a:xfrm>
+          <a:prstGeom prst="rect">
+            <a:avLst/>
+          </a:prstGeom>
+          <a:solidFill>
+            <a:schemeClr val="bg1">
+              <a:lumMod val="85000"/>
+            </a:schemeClr>
+          </a:solidFill>
+        </p:spPr>
+        <p:txBody>
+          <a:bodyPr wrap="square" rtlCol="0">
+            <a:spAutoFit/>
+          </a:bodyPr>
+          <a:lstStyle/>
+          <a:p>
+            <a:r>
+              <a:rPr lang="zh-CN" altLang="en-US" sz="1400" b="1" dirty="0"/>
+              <a:t>预案保鲜</a:t>
+            </a:r>
+          </a:p>
+        </p:txBody>
+      </p:sp>
+      <p:sp>
+        <p:nvSpPr>
+          <p:cNvPr id="81" name="文本框 80">
+            <a:extLst>
+              <a:ext uri="{FF2B5EF4-FFF2-40B4-BE49-F238E27FC236}">
+                <a16:creationId xmlns:a16="http://schemas.microsoft.com/office/drawing/2014/main" id="{B11537BA-2ACC-4FAC-8E32-40D92B6147EA}"/>
+              </a:ext>
+            </a:extLst>
+          </p:cNvPr>
+          <p:cNvSpPr txBox="1"/>
+          <p:nvPr/>
+        </p:nvSpPr>
+        <p:spPr>
+          <a:xfrm>
+            <a:off x="7980330" y="1885794"/>
+            <a:ext cx="957260" cy="523220"/>
+          </a:xfrm>
+          <a:prstGeom prst="rect">
+            <a:avLst/>
+          </a:prstGeom>
+          <a:solidFill>
+            <a:schemeClr val="bg1">
+              <a:lumMod val="85000"/>
+            </a:schemeClr>
+          </a:solidFill>
+        </p:spPr>
+        <p:txBody>
+          <a:bodyPr wrap="square" rtlCol="0">
+            <a:spAutoFit/>
+          </a:bodyPr>
+          <a:lstStyle/>
+          <a:p>
+            <a:pPr algn="ctr"/>
+            <a:r>
+              <a:rPr lang="zh-CN" altLang="en-US" sz="1400" b="1" dirty="0"/>
+              <a:t>容灾能力评分</a:t>
+            </a:r>
+          </a:p>
+        </p:txBody>
+      </p:sp>
+      <p:sp>
+        <p:nvSpPr>
+          <p:cNvPr id="82" name="文本框 81">
+            <a:extLst>
+              <a:ext uri="{FF2B5EF4-FFF2-40B4-BE49-F238E27FC236}">
+                <a16:creationId xmlns:a16="http://schemas.microsoft.com/office/drawing/2014/main" id="{4659A5E6-F1B8-4D7C-BCCE-BDBA0E279E5A}"/>
+              </a:ext>
+            </a:extLst>
+          </p:cNvPr>
+          <p:cNvSpPr txBox="1"/>
+          <p:nvPr/>
+        </p:nvSpPr>
+        <p:spPr>
+          <a:xfrm>
+            <a:off x="7980330" y="2590967"/>
+            <a:ext cx="957260" cy="738664"/>
+          </a:xfrm>
+          <a:prstGeom prst="rect">
+            <a:avLst/>
+          </a:prstGeom>
+          <a:solidFill>
+            <a:schemeClr val="bg1">
+              <a:lumMod val="85000"/>
+            </a:schemeClr>
+          </a:solidFill>
+        </p:spPr>
+        <p:txBody>
+          <a:bodyPr wrap="square" rtlCol="0">
+            <a:spAutoFit/>
+          </a:bodyPr>
+          <a:lstStyle/>
+          <a:p>
+            <a:pPr algn="ctr"/>
+            <a:r>
+              <a:rPr lang="zh-CN" altLang="en-US" sz="1400" b="1" dirty="0"/>
+              <a:t>故障</a:t>
+            </a:r>
+            <a:r>
+              <a:rPr lang="en-US" altLang="zh-CN" sz="1400" b="1" dirty="0"/>
+              <a:t>action</a:t>
+            </a:r>
+            <a:r>
+              <a:rPr lang="zh-CN" altLang="en-US" sz="1400" b="1" dirty="0"/>
+              <a:t>落地</a:t>
+            </a:r>
+          </a:p>
+        </p:txBody>
+      </p:sp>
+      <p:sp>
+        <p:nvSpPr>
+          <p:cNvPr id="83" name="文本框 82">
+            <a:extLst>
+              <a:ext uri="{FF2B5EF4-FFF2-40B4-BE49-F238E27FC236}">
+                <a16:creationId xmlns:a16="http://schemas.microsoft.com/office/drawing/2014/main" id="{A9916691-1C5B-407F-9126-926BF9AC6489}"/>
+              </a:ext>
+            </a:extLst>
+          </p:cNvPr>
+          <p:cNvSpPr txBox="1"/>
+          <p:nvPr/>
+        </p:nvSpPr>
+        <p:spPr>
+          <a:xfrm>
+            <a:off x="7980330" y="3496350"/>
+            <a:ext cx="957260" cy="523220"/>
+          </a:xfrm>
+          <a:prstGeom prst="rect">
+            <a:avLst/>
+          </a:prstGeom>
+          <a:solidFill>
+            <a:schemeClr val="bg1">
+              <a:lumMod val="85000"/>
+            </a:schemeClr>
+          </a:solidFill>
+        </p:spPr>
+        <p:txBody>
+          <a:bodyPr wrap="square" rtlCol="0">
+            <a:spAutoFit/>
+          </a:bodyPr>
+          <a:lstStyle/>
+          <a:p>
+            <a:pPr algn="ctr"/>
+            <a:r>
+              <a:rPr lang="zh-CN" altLang="en-US" sz="1400" b="1" dirty="0"/>
+              <a:t>值班长制度</a:t>
+            </a:r>
+          </a:p>
+        </p:txBody>
+      </p:sp>
+      <p:sp>
+        <p:nvSpPr>
+          <p:cNvPr id="84" name="文本框 83">
+            <a:extLst>
+              <a:ext uri="{FF2B5EF4-FFF2-40B4-BE49-F238E27FC236}">
+                <a16:creationId xmlns:a16="http://schemas.microsoft.com/office/drawing/2014/main" id="{1ED6FF48-0C85-4A57-9EF1-524C80DAEBD0}"/>
+              </a:ext>
+            </a:extLst>
+          </p:cNvPr>
+          <p:cNvSpPr txBox="1"/>
+          <p:nvPr/>
+        </p:nvSpPr>
+        <p:spPr>
+          <a:xfrm>
+            <a:off x="7981131" y="4207296"/>
+            <a:ext cx="957260" cy="523220"/>
+          </a:xfrm>
+          <a:prstGeom prst="rect">
+            <a:avLst/>
+          </a:prstGeom>
+          <a:solidFill>
+            <a:schemeClr val="bg1">
+              <a:lumMod val="85000"/>
+            </a:schemeClr>
+          </a:solidFill>
+        </p:spPr>
+        <p:txBody>
+          <a:bodyPr wrap="square" rtlCol="0">
+            <a:spAutoFit/>
+          </a:bodyPr>
+          <a:lstStyle/>
+          <a:p>
+            <a:pPr algn="ctr"/>
+            <a:r>
+              <a:rPr lang="zh-CN" altLang="en-US" sz="1400" b="1" dirty="0"/>
+              <a:t>整体稳定性分</a:t>
+            </a:r>
+          </a:p>
+        </p:txBody>
+      </p:sp>
+      <p:sp>
+        <p:nvSpPr>
+          <p:cNvPr id="85" name="文本框 84">
+            <a:extLst>
+              <a:ext uri="{FF2B5EF4-FFF2-40B4-BE49-F238E27FC236}">
+                <a16:creationId xmlns:a16="http://schemas.microsoft.com/office/drawing/2014/main" id="{7F62B1A3-CB5B-43D1-8B89-F30367B5B91B}"/>
+              </a:ext>
+            </a:extLst>
+          </p:cNvPr>
+          <p:cNvSpPr txBox="1"/>
+          <p:nvPr/>
+        </p:nvSpPr>
+        <p:spPr>
+          <a:xfrm>
+            <a:off x="7981131" y="4955458"/>
+            <a:ext cx="957260" cy="307777"/>
+          </a:xfrm>
+          <a:prstGeom prst="rect">
+            <a:avLst/>
+          </a:prstGeom>
+          <a:solidFill>
+            <a:schemeClr val="bg1">
+              <a:lumMod val="85000"/>
+            </a:schemeClr>
+          </a:solidFill>
+        </p:spPr>
+        <p:txBody>
+          <a:bodyPr wrap="square" rtlCol="0">
+            <a:spAutoFit/>
+          </a:bodyPr>
+          <a:lstStyle/>
+          <a:p>
+            <a:r>
+              <a:rPr lang="zh-CN" altLang="en-US" sz="1400" b="1" dirty="0"/>
+              <a:t>变更机制</a:t>
+            </a:r>
+          </a:p>
+        </p:txBody>
+      </p:sp>
+      <p:sp>
+        <p:nvSpPr>
+          <p:cNvPr id="86" name="文本框 85">
+            <a:extLst>
+              <a:ext uri="{FF2B5EF4-FFF2-40B4-BE49-F238E27FC236}">
+                <a16:creationId xmlns:a16="http://schemas.microsoft.com/office/drawing/2014/main" id="{21794107-3D16-4528-BE44-D8F36483EC0B}"/>
+              </a:ext>
+            </a:extLst>
+          </p:cNvPr>
+          <p:cNvSpPr txBox="1"/>
+          <p:nvPr/>
+        </p:nvSpPr>
+        <p:spPr>
+          <a:xfrm>
+            <a:off x="260045" y="5073032"/>
+            <a:ext cx="957260" cy="307777"/>
+          </a:xfrm>
+          <a:prstGeom prst="rect">
+            <a:avLst/>
+          </a:prstGeom>
+          <a:solidFill>
+            <a:schemeClr val="bg1">
+              <a:lumMod val="85000"/>
+            </a:schemeClr>
+          </a:solidFill>
+        </p:spPr>
+        <p:txBody>
+          <a:bodyPr wrap="square" rtlCol="0">
+            <a:spAutoFit/>
+          </a:bodyPr>
+          <a:lstStyle/>
+          <a:p>
+            <a:r>
+              <a:rPr lang="zh-CN" altLang="en-US" sz="1400" b="1" dirty="0"/>
+              <a:t>核弹攻击</a:t>
+            </a:r>
+          </a:p>
+        </p:txBody>
+      </p:sp>
+      <p:sp>
+        <p:nvSpPr>
+          <p:cNvPr id="87" name="箭头: 右 86">
+            <a:extLst>
+              <a:ext uri="{FF2B5EF4-FFF2-40B4-BE49-F238E27FC236}">
+                <a16:creationId xmlns:a16="http://schemas.microsoft.com/office/drawing/2014/main" id="{883318F9-AE30-46FE-8B83-5F574FB71905}"/>
+              </a:ext>
+            </a:extLst>
+          </p:cNvPr>
+          <p:cNvSpPr/>
+          <p:nvPr/>
+        </p:nvSpPr>
+        <p:spPr>
+          <a:xfrm>
+            <a:off x="7528307" y="899141"/>
+            <a:ext cx="337143" cy="383458"/>
+          </a:xfrm>
+          <a:prstGeom prst="rightArrow">
+            <a:avLst/>
+          </a:prstGeom>
+          <a:solidFill>
+            <a:schemeClr val="accent1">
+              <a:lumMod val="40000"/>
+              <a:lumOff val="60000"/>
+            </a:schemeClr>
+          </a:solidFill>
+        </p:spPr>
+        <p:style>
+          <a:lnRef idx="2">
+            <a:schemeClr val="accent1">
+              <a:shade val="50000"/>
+            </a:schemeClr>
+          </a:lnRef>
+          <a:fillRef idx="1">
+            <a:schemeClr val="accent1"/>
+          </a:fillRef>
+          <a:effectRef idx="0">
+            <a:schemeClr val="accent1"/>
+          </a:effectRef>
+          <a:fontRef idx="minor">
+            <a:schemeClr val="lt1"/>
+          </a:fontRef>
+        </p:style>
+        <p:txBody>
+          <a:bodyPr rtlCol="0" anchor="ctr"/>
+          <a:lstStyle/>
+          <a:p>
+            <a:pPr algn="ctr"/>
+            <a:endParaRPr lang="zh-CN" altLang="en-US" dirty="0"/>
+          </a:p>
+        </p:txBody>
+      </p:sp>
+      <p:sp>
+        <p:nvSpPr>
+          <p:cNvPr id="88" name="箭头: 右 87">
+            <a:extLst>
+              <a:ext uri="{FF2B5EF4-FFF2-40B4-BE49-F238E27FC236}">
+                <a16:creationId xmlns:a16="http://schemas.microsoft.com/office/drawing/2014/main" id="{27954FE2-94AA-4313-88FF-B2ED70CF5F10}"/>
+              </a:ext>
+            </a:extLst>
+          </p:cNvPr>
+          <p:cNvSpPr/>
+          <p:nvPr/>
+        </p:nvSpPr>
+        <p:spPr>
+          <a:xfrm>
+            <a:off x="7518015" y="1775745"/>
+            <a:ext cx="337143" cy="383458"/>
+          </a:xfrm>
+          <a:prstGeom prst="rightArrow">
+            <a:avLst/>
+          </a:prstGeom>
+          <a:solidFill>
+            <a:schemeClr val="accent1">
+              <a:lumMod val="40000"/>
+              <a:lumOff val="60000"/>
+            </a:schemeClr>
+          </a:solidFill>
+        </p:spPr>
+        <p:style>
+          <a:lnRef idx="2">
+            <a:schemeClr val="accent1">
+              <a:shade val="50000"/>
+            </a:schemeClr>
+          </a:lnRef>
+          <a:fillRef idx="1">
+            <a:schemeClr val="accent1"/>
+          </a:fillRef>
+          <a:effectRef idx="0">
+            <a:schemeClr val="accent1"/>
+          </a:effectRef>
+          <a:fontRef idx="minor">
+            <a:schemeClr val="lt1"/>
+          </a:fontRef>
+        </p:style>
+        <p:txBody>
+          <a:bodyPr rtlCol="0" anchor="ctr"/>
+          <a:lstStyle/>
+          <a:p>
+            <a:pPr algn="ctr"/>
+            <a:endParaRPr lang="zh-CN" altLang="en-US" dirty="0"/>
+          </a:p>
+        </p:txBody>
+      </p:sp>
+      <p:sp>
+        <p:nvSpPr>
+          <p:cNvPr id="89" name="箭头: 右 88">
+            <a:extLst>
+              <a:ext uri="{FF2B5EF4-FFF2-40B4-BE49-F238E27FC236}">
+                <a16:creationId xmlns:a16="http://schemas.microsoft.com/office/drawing/2014/main" id="{0582FF72-5351-44A7-ABF6-A4358CCEF61A}"/>
+              </a:ext>
+            </a:extLst>
+          </p:cNvPr>
+          <p:cNvSpPr/>
+          <p:nvPr/>
+        </p:nvSpPr>
+        <p:spPr>
+          <a:xfrm>
+            <a:off x="7527473" y="2572002"/>
+            <a:ext cx="337143" cy="383458"/>
+          </a:xfrm>
+          <a:prstGeom prst="rightArrow">
+            <a:avLst/>
+          </a:prstGeom>
+          <a:solidFill>
+            <a:schemeClr val="accent1">
+              <a:lumMod val="40000"/>
+              <a:lumOff val="60000"/>
+            </a:schemeClr>
+          </a:solidFill>
+        </p:spPr>
+        <p:style>
+          <a:lnRef idx="2">
+            <a:schemeClr val="accent1">
+              <a:shade val="50000"/>
+            </a:schemeClr>
+          </a:lnRef>
+          <a:fillRef idx="1">
+            <a:schemeClr val="accent1"/>
+          </a:fillRef>
+          <a:effectRef idx="0">
+            <a:schemeClr val="accent1"/>
+          </a:effectRef>
+          <a:fontRef idx="minor">
+            <a:schemeClr val="lt1"/>
+          </a:fontRef>
+        </p:style>
+        <p:txBody>
+          <a:bodyPr rtlCol="0" anchor="ctr"/>
+          <a:lstStyle/>
+          <a:p>
+            <a:pPr algn="ctr"/>
+            <a:endParaRPr lang="zh-CN" altLang="en-US" dirty="0"/>
+          </a:p>
+        </p:txBody>
+      </p:sp>
+      <p:sp>
+        <p:nvSpPr>
+          <p:cNvPr id="90" name="箭头: 右 89">
+            <a:extLst>
+              <a:ext uri="{FF2B5EF4-FFF2-40B4-BE49-F238E27FC236}">
+                <a16:creationId xmlns:a16="http://schemas.microsoft.com/office/drawing/2014/main" id="{B3F7BFE3-C056-4BCA-98FE-46C6F126104D}"/>
+              </a:ext>
+            </a:extLst>
+          </p:cNvPr>
+          <p:cNvSpPr/>
+          <p:nvPr/>
+        </p:nvSpPr>
+        <p:spPr>
+          <a:xfrm>
+            <a:off x="7529071" y="3527154"/>
+            <a:ext cx="337143" cy="383458"/>
+          </a:xfrm>
+          <a:prstGeom prst="rightArrow">
+            <a:avLst/>
+          </a:prstGeom>
+          <a:solidFill>
+            <a:schemeClr val="accent1">
+              <a:lumMod val="40000"/>
+              <a:lumOff val="60000"/>
+            </a:schemeClr>
+          </a:solidFill>
+        </p:spPr>
+        <p:style>
+          <a:lnRef idx="2">
+            <a:schemeClr val="accent1">
+              <a:shade val="50000"/>
+            </a:schemeClr>
+          </a:lnRef>
+          <a:fillRef idx="1">
+            <a:schemeClr val="accent1"/>
+          </a:fillRef>
+          <a:effectRef idx="0">
+            <a:schemeClr val="accent1"/>
+          </a:effectRef>
+          <a:fontRef idx="minor">
+            <a:schemeClr val="lt1"/>
+          </a:fontRef>
+        </p:style>
+        <p:txBody>
+          <a:bodyPr rtlCol="0" anchor="ctr"/>
+          <a:lstStyle/>
+          <a:p>
+            <a:pPr algn="ctr"/>
+            <a:endParaRPr lang="zh-CN" altLang="en-US" dirty="0"/>
+          </a:p>
+        </p:txBody>
+      </p:sp>
+      <p:sp>
+        <p:nvSpPr>
+          <p:cNvPr id="91" name="箭头: 右 90">
+            <a:extLst>
+              <a:ext uri="{FF2B5EF4-FFF2-40B4-BE49-F238E27FC236}">
+                <a16:creationId xmlns:a16="http://schemas.microsoft.com/office/drawing/2014/main" id="{3995CE29-B337-4559-890D-5710A13F8731}"/>
+              </a:ext>
+            </a:extLst>
+          </p:cNvPr>
+          <p:cNvSpPr/>
+          <p:nvPr/>
+        </p:nvSpPr>
+        <p:spPr>
+          <a:xfrm>
+            <a:off x="7527472" y="4518278"/>
+            <a:ext cx="337143" cy="383458"/>
+          </a:xfrm>
+          <a:prstGeom prst="rightArrow">
+            <a:avLst/>
+          </a:prstGeom>
+          <a:solidFill>
+            <a:schemeClr val="accent1">
+              <a:lumMod val="40000"/>
+              <a:lumOff val="60000"/>
+            </a:schemeClr>
+          </a:solidFill>
+        </p:spPr>
+        <p:style>
+          <a:lnRef idx="2">
+            <a:schemeClr val="accent1">
+              <a:shade val="50000"/>
+            </a:schemeClr>
+          </a:lnRef>
+          <a:fillRef idx="1">
+            <a:schemeClr val="accent1"/>
+          </a:fillRef>
+          <a:effectRef idx="0">
+            <a:schemeClr val="accent1"/>
+          </a:effectRef>
+          <a:fontRef idx="minor">
+            <a:schemeClr val="lt1"/>
+          </a:fontRef>
+        </p:style>
+        <p:txBody>
+          <a:bodyPr rtlCol="0" anchor="ctr"/>
+          <a:lstStyle/>
+          <a:p>
+            <a:pPr algn="ctr"/>
+            <a:endParaRPr lang="zh-CN" altLang="en-US" dirty="0"/>
+          </a:p>
+        </p:txBody>
+      </p:sp>
+      <p:cxnSp>
+        <p:nvCxnSpPr>
+          <p:cNvPr id="93" name="连接符: 肘形 92">
+            <a:extLst>
+              <a:ext uri="{FF2B5EF4-FFF2-40B4-BE49-F238E27FC236}">
+                <a16:creationId xmlns:a16="http://schemas.microsoft.com/office/drawing/2014/main" id="{6DBD89BE-AFBA-4B80-BC2C-95C7BA620C27}"/>
+              </a:ext>
+            </a:extLst>
+          </p:cNvPr>
+          <p:cNvCxnSpPr>
+            <a:stCxn id="77" idx="2"/>
+            <a:endCxn id="4" idx="2"/>
+          </p:cNvCxnSpPr>
+          <p:nvPr/>
+        </p:nvCxnSpPr>
+        <p:spPr>
+          <a:xfrm rot="5400000" flipH="1">
+            <a:off x="4590549" y="1677642"/>
+            <a:ext cx="9018" cy="7729407"/>
+          </a:xfrm>
+          <a:prstGeom prst="bentConnector3">
+            <a:avLst>
+              <a:gd name="adj1" fmla="val -3679729"/>
+            </a:avLst>
+          </a:prstGeom>
+          <a:ln w="63500">
+            <a:solidFill>
+              <a:schemeClr val="accent1">
+                <a:lumMod val="40000"/>
+                <a:lumOff val="60000"/>
+              </a:schemeClr>
+            </a:solidFill>
+            <a:tailEnd type="triangle"/>
+          </a:ln>
+        </p:spPr>
+        <p:style>
+          <a:lnRef idx="1">
+            <a:schemeClr val="accent1"/>
+          </a:lnRef>
+          <a:fillRef idx="0">
+            <a:schemeClr val="accent1"/>
+          </a:fillRef>
+          <a:effectRef idx="0">
+            <a:schemeClr val="accent1"/>
+          </a:effectRef>
+          <a:fontRef idx="minor">
+            <a:schemeClr val="tx1"/>
+          </a:fontRef>
+        </p:style>
+      </p:cxnSp>
+      <p:sp>
+        <p:nvSpPr>
+          <p:cNvPr id="95" name="矩形: 圆角 94">
+            <a:extLst>
+              <a:ext uri="{FF2B5EF4-FFF2-40B4-BE49-F238E27FC236}">
+                <a16:creationId xmlns:a16="http://schemas.microsoft.com/office/drawing/2014/main" id="{DAC87338-C1B5-4AEF-B9F4-4653EFBDAA95}"/>
+              </a:ext>
+            </a:extLst>
+          </p:cNvPr>
+          <p:cNvSpPr/>
+          <p:nvPr/>
+        </p:nvSpPr>
+        <p:spPr>
+          <a:xfrm>
+            <a:off x="9483213" y="180650"/>
+            <a:ext cx="2438329" cy="307777"/>
+          </a:xfrm>
+          <a:prstGeom prst="roundRect">
+            <a:avLst/>
+          </a:prstGeom>
+          <a:solidFill>
+            <a:schemeClr val="accent1">
+              <a:lumMod val="40000"/>
+              <a:lumOff val="60000"/>
+            </a:schemeClr>
+          </a:solidFill>
+        </p:spPr>
+        <p:style>
+          <a:lnRef idx="2">
+            <a:schemeClr val="accent1">
+              <a:shade val="50000"/>
+            </a:schemeClr>
+          </a:lnRef>
+          <a:fillRef idx="1">
+            <a:schemeClr val="accent1"/>
+          </a:fillRef>
+          <a:effectRef idx="0">
+            <a:schemeClr val="accent1"/>
+          </a:effectRef>
+          <a:fontRef idx="minor">
+            <a:schemeClr val="lt1"/>
+          </a:fontRef>
+        </p:style>
+        <p:txBody>
+          <a:bodyPr rtlCol="0" anchor="ctr"/>
+          <a:lstStyle/>
+          <a:p>
+            <a:pPr algn="ctr"/>
+            <a:r>
+              <a:rPr lang="zh-CN" altLang="en-US" sz="1400" dirty="0">
+                <a:solidFill>
+                  <a:schemeClr val="tx1"/>
+                </a:solidFill>
+              </a:rPr>
+              <a:t>思路</a:t>
+            </a:r>
+          </a:p>
+        </p:txBody>
+      </p:sp>
+      <p:sp>
+        <p:nvSpPr>
+          <p:cNvPr id="96" name="文本框 95">
+            <a:extLst>
+              <a:ext uri="{FF2B5EF4-FFF2-40B4-BE49-F238E27FC236}">
+                <a16:creationId xmlns:a16="http://schemas.microsoft.com/office/drawing/2014/main" id="{277B8FCB-3E35-4E45-9F19-81E9EA74901F}"/>
+              </a:ext>
+            </a:extLst>
+          </p:cNvPr>
+          <p:cNvSpPr txBox="1"/>
+          <p:nvPr/>
+        </p:nvSpPr>
+        <p:spPr>
+          <a:xfrm>
+            <a:off x="9811046" y="518107"/>
+            <a:ext cx="2192120" cy="523220"/>
+          </a:xfrm>
+          <a:prstGeom prst="rect">
+            <a:avLst/>
+          </a:prstGeom>
+          <a:noFill/>
+        </p:spPr>
+        <p:txBody>
+          <a:bodyPr wrap="square" rtlCol="0">
+            <a:spAutoFit/>
+          </a:bodyPr>
+          <a:lstStyle/>
+          <a:p>
+            <a:r>
+              <a:rPr lang="zh-CN" altLang="en-US" sz="1400" b="1" dirty="0"/>
+              <a:t>建设</a:t>
+            </a:r>
+            <a:r>
+              <a:rPr lang="en-US" altLang="zh-CN" sz="1400" b="1" dirty="0"/>
+              <a:t>-&gt;</a:t>
+            </a:r>
+            <a:r>
+              <a:rPr lang="zh-CN" altLang="en-US" sz="1400" b="1" dirty="0"/>
+              <a:t>度量</a:t>
+            </a:r>
+            <a:r>
+              <a:rPr lang="en-US" altLang="zh-CN" sz="1400" b="1" dirty="0"/>
+              <a:t>-&gt;</a:t>
+            </a:r>
+            <a:r>
+              <a:rPr lang="zh-CN" altLang="en-US" sz="1400" b="1" dirty="0"/>
+              <a:t>验证完成能力落地</a:t>
+            </a:r>
+          </a:p>
+        </p:txBody>
+      </p:sp>
+      <p:sp>
+        <p:nvSpPr>
+          <p:cNvPr id="97" name="矩形: 圆角 96">
+            <a:extLst>
+              <a:ext uri="{FF2B5EF4-FFF2-40B4-BE49-F238E27FC236}">
+                <a16:creationId xmlns:a16="http://schemas.microsoft.com/office/drawing/2014/main" id="{7862A952-5535-4B7E-BDF9-81A8B3B41394}"/>
+              </a:ext>
+            </a:extLst>
+          </p:cNvPr>
+          <p:cNvSpPr/>
+          <p:nvPr/>
+        </p:nvSpPr>
+        <p:spPr>
+          <a:xfrm>
+            <a:off x="9481311" y="1008827"/>
+            <a:ext cx="2438329" cy="307777"/>
+          </a:xfrm>
+          <a:prstGeom prst="roundRect">
+            <a:avLst/>
+          </a:prstGeom>
+          <a:solidFill>
+            <a:schemeClr val="accent1">
+              <a:lumMod val="40000"/>
+              <a:lumOff val="60000"/>
+            </a:schemeClr>
+          </a:solidFill>
+        </p:spPr>
+        <p:style>
+          <a:lnRef idx="2">
+            <a:schemeClr val="accent1">
+              <a:shade val="50000"/>
+            </a:schemeClr>
+          </a:lnRef>
+          <a:fillRef idx="1">
+            <a:schemeClr val="accent1"/>
+          </a:fillRef>
+          <a:effectRef idx="0">
+            <a:schemeClr val="accent1"/>
+          </a:effectRef>
+          <a:fontRef idx="minor">
+            <a:schemeClr val="lt1"/>
+          </a:fontRef>
+        </p:style>
+        <p:txBody>
+          <a:bodyPr rtlCol="0" anchor="ctr"/>
+          <a:lstStyle/>
+          <a:p>
+            <a:pPr algn="ctr"/>
+            <a:r>
+              <a:rPr lang="zh-CN" altLang="en-US" sz="1400" dirty="0">
+                <a:solidFill>
+                  <a:schemeClr val="tx1"/>
+                </a:solidFill>
+              </a:rPr>
+              <a:t>指标</a:t>
+            </a:r>
+          </a:p>
+        </p:txBody>
+      </p:sp>
+      <p:sp>
+        <p:nvSpPr>
+          <p:cNvPr id="98" name="文本框 97">
+            <a:extLst>
+              <a:ext uri="{FF2B5EF4-FFF2-40B4-BE49-F238E27FC236}">
+                <a16:creationId xmlns:a16="http://schemas.microsoft.com/office/drawing/2014/main" id="{683D2198-D77F-473E-9260-4116FC59E680}"/>
+              </a:ext>
+            </a:extLst>
+          </p:cNvPr>
+          <p:cNvSpPr txBox="1"/>
+          <p:nvPr/>
+        </p:nvSpPr>
+        <p:spPr>
+          <a:xfrm>
+            <a:off x="9811046" y="1328672"/>
+            <a:ext cx="2192120" cy="2677656"/>
+          </a:xfrm>
+          <a:prstGeom prst="rect">
+            <a:avLst/>
+          </a:prstGeom>
+          <a:noFill/>
+        </p:spPr>
+        <p:txBody>
+          <a:bodyPr wrap="square" rtlCol="0">
+            <a:spAutoFit/>
+          </a:bodyPr>
+          <a:lstStyle/>
+          <a:p>
+            <a:r>
+              <a:rPr lang="zh-CN" altLang="en-US" sz="1400" b="1" dirty="0"/>
+              <a:t>预警覆盖率</a:t>
+            </a:r>
+            <a:endParaRPr lang="en-US" altLang="zh-CN" sz="1400" b="1" dirty="0"/>
+          </a:p>
+          <a:p>
+            <a:r>
+              <a:rPr lang="zh-CN" altLang="en-US" sz="1400" b="1" dirty="0"/>
+              <a:t>预警触达率</a:t>
+            </a:r>
+            <a:endParaRPr lang="en-US" altLang="zh-CN" sz="1400" b="1" dirty="0"/>
+          </a:p>
+          <a:p>
+            <a:r>
+              <a:rPr lang="en-US" altLang="zh-CN" sz="1400" b="1" dirty="0"/>
+              <a:t>1</a:t>
+            </a:r>
+            <a:r>
+              <a:rPr lang="zh-CN" altLang="en-US" sz="1400" b="1" dirty="0"/>
+              <a:t>分钟故障发现率</a:t>
+            </a:r>
+            <a:endParaRPr lang="en-US" altLang="zh-CN" sz="1400" b="1" dirty="0"/>
+          </a:p>
+          <a:p>
+            <a:r>
+              <a:rPr lang="en-US" altLang="zh-CN" sz="1400" b="1" dirty="0"/>
+              <a:t>5</a:t>
+            </a:r>
+            <a:r>
+              <a:rPr lang="zh-CN" altLang="en-US" sz="1400" b="1" dirty="0"/>
+              <a:t>分钟定位率</a:t>
+            </a:r>
+            <a:endParaRPr lang="en-US" altLang="zh-CN" sz="1400" b="1" dirty="0"/>
+          </a:p>
+          <a:p>
+            <a:r>
+              <a:rPr lang="en-US" altLang="zh-CN" sz="1400" b="1" dirty="0"/>
+              <a:t>10</a:t>
+            </a:r>
+            <a:r>
+              <a:rPr lang="zh-CN" altLang="en-US" sz="1400" b="1" dirty="0"/>
+              <a:t>分钟恢复率</a:t>
+            </a:r>
+            <a:endParaRPr lang="en-US" altLang="zh-CN" sz="1400" b="1" dirty="0"/>
+          </a:p>
+          <a:p>
+            <a:r>
+              <a:rPr lang="zh-CN" altLang="en-US" sz="1400" b="1" dirty="0"/>
+              <a:t>预案保鲜率</a:t>
+            </a:r>
+            <a:endParaRPr lang="en-US" altLang="zh-CN" sz="1400" b="1" dirty="0"/>
+          </a:p>
+          <a:p>
+            <a:r>
+              <a:rPr lang="zh-CN" altLang="en-US" sz="1400" b="1" dirty="0"/>
+              <a:t>架构容灾能力分</a:t>
+            </a:r>
+            <a:endParaRPr lang="en-US" altLang="zh-CN" sz="1400" b="1" dirty="0"/>
+          </a:p>
+          <a:p>
+            <a:r>
+              <a:rPr lang="zh-CN" altLang="en-US" sz="1400" b="1" dirty="0"/>
+              <a:t>业务稳定性分</a:t>
+            </a:r>
+            <a:r>
+              <a:rPr lang="en-US" altLang="zh-CN" sz="1400" b="1" dirty="0"/>
+              <a:t>(</a:t>
+            </a:r>
+            <a:r>
+              <a:rPr lang="zh-CN" altLang="en-US" sz="1400" b="1" dirty="0"/>
+              <a:t>容灾架构及发布规范等</a:t>
+            </a:r>
+            <a:r>
+              <a:rPr lang="en-US" altLang="zh-CN" sz="1400" b="1" dirty="0"/>
+              <a:t>)</a:t>
+            </a:r>
+          </a:p>
+          <a:p>
+            <a:r>
+              <a:rPr lang="zh-CN" altLang="en-US" sz="1400" b="1" dirty="0"/>
+              <a:t>攻击场景有效性</a:t>
+            </a:r>
+            <a:endParaRPr lang="en-US" altLang="zh-CN" sz="1400" b="1" dirty="0"/>
+          </a:p>
+          <a:p>
+            <a:r>
+              <a:rPr lang="zh-CN" altLang="en-US" sz="1400" b="1" dirty="0"/>
+              <a:t>攻击场景覆盖故障率</a:t>
+            </a:r>
+            <a:endParaRPr lang="en-US" altLang="zh-CN" sz="1400" b="1" dirty="0"/>
+          </a:p>
+          <a:p>
+            <a:endParaRPr lang="zh-CN" altLang="en-US" sz="1400" b="1" dirty="0"/>
+          </a:p>
+        </p:txBody>
+      </p:sp>
+    </p:spTree>
+    <p:extLst>
+      <p:ext uri="{BB962C8B-B14F-4D97-AF65-F5344CB8AC3E}">
+        <p14:creationId xmlns:p14="http://schemas.microsoft.com/office/powerpoint/2010/main" val="3042416674"/>
+      </p:ext>
+    </p:extLst>
+  </p:cSld>
+  <p:clrMapOvr>
+    <a:masterClrMapping/>
+  </p:clrMapOvr>
+</p:sld>
+</file>
+
+<file path=ppt/slides/slide11.xml><?xml version="1.0" encoding="utf-8"?>
+<p:sld xmlns:a="http://schemas.openxmlformats.org/drawingml/2006/main" xmlns:r="http://schemas.openxmlformats.org/officeDocument/2006/relationships" xmlns:p="http://schemas.openxmlformats.org/presentationml/2006/main">
+  <p:cSld>
+    <p:spTree>
+      <p:nvGrpSpPr>
+        <p:cNvPr id="1" name=""/>
+        <p:cNvGrpSpPr/>
+        <p:nvPr/>
+      </p:nvGrpSpPr>
+      <p:grpSpPr>
+        <a:xfrm>
+          <a:off x="0" y="0"/>
+          <a:ext cx="0" cy="0"/>
+          <a:chOff x="0" y="0"/>
+          <a:chExt cx="0" cy="0"/>
+        </a:xfrm>
+      </p:grpSpPr>
+      <p:sp>
+        <p:nvSpPr>
+          <p:cNvPr id="4" name="矩形 3">
+            <a:extLst>
+              <a:ext uri="{FF2B5EF4-FFF2-40B4-BE49-F238E27FC236}">
+                <a16:creationId xmlns:a16="http://schemas.microsoft.com/office/drawing/2014/main" id="{F1FB7231-6BBB-4911-9BCD-B23E37A7A2E6}"/>
+              </a:ext>
+            </a:extLst>
+          </p:cNvPr>
+          <p:cNvSpPr/>
+          <p:nvPr/>
+        </p:nvSpPr>
+        <p:spPr>
+          <a:xfrm>
+            <a:off x="575094" y="3053751"/>
+            <a:ext cx="634274" cy="375249"/>
+          </a:xfrm>
+          <a:prstGeom prst="rect">
+            <a:avLst/>
+          </a:prstGeom>
+          <a:noFill/>
+          <a:ln>
+            <a:solidFill>
+              <a:schemeClr val="tx1"/>
+            </a:solidFill>
+          </a:ln>
+        </p:spPr>
+        <p:style>
+          <a:lnRef idx="2">
+            <a:schemeClr val="accent1">
+              <a:shade val="50000"/>
+            </a:schemeClr>
+          </a:lnRef>
+          <a:fillRef idx="1">
+            <a:schemeClr val="accent1"/>
+          </a:fillRef>
+          <a:effectRef idx="0">
+            <a:schemeClr val="accent1"/>
+          </a:effectRef>
+          <a:fontRef idx="minor">
+            <a:schemeClr val="lt1"/>
+          </a:fontRef>
+        </p:style>
+        <p:txBody>
+          <a:bodyPr rtlCol="0" anchor="ctr"/>
+          <a:lstStyle/>
+          <a:p>
+            <a:pPr algn="ctr"/>
+            <a:r>
+              <a:rPr lang="zh-CN" altLang="en-US" sz="1200" dirty="0">
+                <a:solidFill>
+                  <a:schemeClr val="tx1"/>
+                </a:solidFill>
+              </a:rPr>
+              <a:t>快恢</a:t>
+            </a:r>
+          </a:p>
+        </p:txBody>
+      </p:sp>
+      <p:sp>
+        <p:nvSpPr>
+          <p:cNvPr id="5" name="矩形 4">
+            <a:extLst>
+              <a:ext uri="{FF2B5EF4-FFF2-40B4-BE49-F238E27FC236}">
+                <a16:creationId xmlns:a16="http://schemas.microsoft.com/office/drawing/2014/main" id="{A679FEE5-6FEC-49EE-8E82-E1479FCF92A7}"/>
+              </a:ext>
+            </a:extLst>
+          </p:cNvPr>
+          <p:cNvSpPr/>
+          <p:nvPr/>
+        </p:nvSpPr>
+        <p:spPr>
+          <a:xfrm>
+            <a:off x="575094" y="3707596"/>
+            <a:ext cx="634274" cy="375249"/>
+          </a:xfrm>
+          <a:prstGeom prst="rect">
+            <a:avLst/>
+          </a:prstGeom>
+          <a:noFill/>
+          <a:ln>
+            <a:solidFill>
+              <a:schemeClr val="tx1"/>
+            </a:solidFill>
+          </a:ln>
+        </p:spPr>
+        <p:style>
+          <a:lnRef idx="2">
+            <a:schemeClr val="accent1">
+              <a:shade val="50000"/>
+            </a:schemeClr>
+          </a:lnRef>
+          <a:fillRef idx="1">
+            <a:schemeClr val="accent1"/>
+          </a:fillRef>
+          <a:effectRef idx="0">
+            <a:schemeClr val="accent1"/>
+          </a:effectRef>
+          <a:fontRef idx="minor">
+            <a:schemeClr val="lt1"/>
+          </a:fontRef>
+        </p:style>
+        <p:txBody>
+          <a:bodyPr rtlCol="0" anchor="ctr"/>
+          <a:lstStyle/>
+          <a:p>
+            <a:pPr algn="ctr"/>
+            <a:r>
+              <a:rPr lang="zh-CN" altLang="en-US" sz="1200" dirty="0">
+                <a:solidFill>
+                  <a:schemeClr val="tx1"/>
+                </a:solidFill>
+              </a:rPr>
+              <a:t>定位</a:t>
+            </a:r>
+          </a:p>
+        </p:txBody>
+      </p:sp>
+      <p:sp>
+        <p:nvSpPr>
+          <p:cNvPr id="6" name="矩形 5">
+            <a:extLst>
+              <a:ext uri="{FF2B5EF4-FFF2-40B4-BE49-F238E27FC236}">
+                <a16:creationId xmlns:a16="http://schemas.microsoft.com/office/drawing/2014/main" id="{F8FDE261-8785-45B7-9A30-9F3C3A3F42DB}"/>
+              </a:ext>
+            </a:extLst>
+          </p:cNvPr>
+          <p:cNvSpPr/>
+          <p:nvPr/>
+        </p:nvSpPr>
+        <p:spPr>
+          <a:xfrm>
+            <a:off x="575094" y="4420434"/>
+            <a:ext cx="634274" cy="375249"/>
+          </a:xfrm>
+          <a:prstGeom prst="rect">
+            <a:avLst/>
+          </a:prstGeom>
+          <a:noFill/>
+          <a:ln>
+            <a:solidFill>
+              <a:schemeClr val="tx1"/>
+            </a:solidFill>
+          </a:ln>
+        </p:spPr>
+        <p:style>
+          <a:lnRef idx="2">
+            <a:schemeClr val="accent1">
+              <a:shade val="50000"/>
+            </a:schemeClr>
+          </a:lnRef>
+          <a:fillRef idx="1">
+            <a:schemeClr val="accent1"/>
+          </a:fillRef>
+          <a:effectRef idx="0">
+            <a:schemeClr val="accent1"/>
+          </a:effectRef>
+          <a:fontRef idx="minor">
+            <a:schemeClr val="lt1"/>
+          </a:fontRef>
+        </p:style>
+        <p:txBody>
+          <a:bodyPr rtlCol="0" anchor="ctr"/>
+          <a:lstStyle/>
+          <a:p>
+            <a:pPr algn="ctr"/>
+            <a:r>
+              <a:rPr lang="zh-CN" altLang="en-US" sz="1200" dirty="0">
+                <a:solidFill>
+                  <a:schemeClr val="tx1"/>
+                </a:solidFill>
+              </a:rPr>
+              <a:t>同步</a:t>
+            </a:r>
+          </a:p>
+        </p:txBody>
+      </p:sp>
+      <p:sp>
+        <p:nvSpPr>
+          <p:cNvPr id="7" name="矩形 6">
+            <a:extLst>
+              <a:ext uri="{FF2B5EF4-FFF2-40B4-BE49-F238E27FC236}">
+                <a16:creationId xmlns:a16="http://schemas.microsoft.com/office/drawing/2014/main" id="{481B4A8E-306D-44A6-8C57-8F622A5D6F8B}"/>
+              </a:ext>
+            </a:extLst>
+          </p:cNvPr>
+          <p:cNvSpPr/>
+          <p:nvPr/>
+        </p:nvSpPr>
+        <p:spPr>
+          <a:xfrm>
+            <a:off x="1568151" y="3707596"/>
+            <a:ext cx="1064435" cy="375249"/>
+          </a:xfrm>
+          <a:prstGeom prst="rect">
+            <a:avLst/>
+          </a:prstGeom>
+          <a:noFill/>
+          <a:ln>
+            <a:solidFill>
+              <a:schemeClr val="tx1"/>
+            </a:solidFill>
+          </a:ln>
+        </p:spPr>
+        <p:style>
+          <a:lnRef idx="2">
+            <a:schemeClr val="accent1">
+              <a:shade val="50000"/>
+            </a:schemeClr>
+          </a:lnRef>
+          <a:fillRef idx="1">
+            <a:schemeClr val="accent1"/>
+          </a:fillRef>
+          <a:effectRef idx="0">
+            <a:schemeClr val="accent1"/>
+          </a:effectRef>
+          <a:fontRef idx="minor">
+            <a:schemeClr val="lt1"/>
+          </a:fontRef>
+        </p:style>
+        <p:txBody>
+          <a:bodyPr rtlCol="0" anchor="ctr"/>
+          <a:lstStyle/>
+          <a:p>
+            <a:pPr algn="ctr"/>
+            <a:r>
+              <a:rPr lang="zh-CN" altLang="en-US" sz="1200" dirty="0">
+                <a:solidFill>
+                  <a:schemeClr val="tx1"/>
+                </a:solidFill>
+              </a:rPr>
+              <a:t>故障发生</a:t>
+            </a:r>
+          </a:p>
+        </p:txBody>
+      </p:sp>
+      <p:cxnSp>
+        <p:nvCxnSpPr>
+          <p:cNvPr id="9" name="连接符: 肘形 8">
+            <a:extLst>
+              <a:ext uri="{FF2B5EF4-FFF2-40B4-BE49-F238E27FC236}">
+                <a16:creationId xmlns:a16="http://schemas.microsoft.com/office/drawing/2014/main" id="{F5FD9C6B-325F-4D62-B112-FF7F07191BA5}"/>
+              </a:ext>
+            </a:extLst>
+          </p:cNvPr>
+          <p:cNvCxnSpPr>
+            <a:stCxn id="4" idx="3"/>
+            <a:endCxn id="7" idx="1"/>
+          </p:cNvCxnSpPr>
+          <p:nvPr/>
+        </p:nvCxnSpPr>
+        <p:spPr>
+          <a:xfrm>
+            <a:off x="1209368" y="3241376"/>
+            <a:ext cx="358783" cy="653845"/>
+          </a:xfrm>
+          <a:prstGeom prst="bentConnector3">
+            <a:avLst/>
+          </a:prstGeom>
+          <a:ln>
+            <a:solidFill>
+              <a:schemeClr val="tx1"/>
+            </a:solidFill>
+            <a:tailEnd type="triangle"/>
+          </a:ln>
+        </p:spPr>
+        <p:style>
+          <a:lnRef idx="1">
+            <a:schemeClr val="accent1"/>
+          </a:lnRef>
+          <a:fillRef idx="0">
+            <a:schemeClr val="accent1"/>
+          </a:fillRef>
+          <a:effectRef idx="0">
+            <a:schemeClr val="accent1"/>
+          </a:effectRef>
+          <a:fontRef idx="minor">
+            <a:schemeClr val="tx1"/>
+          </a:fontRef>
+        </p:style>
+      </p:cxnSp>
+      <p:cxnSp>
+        <p:nvCxnSpPr>
+          <p:cNvPr id="11" name="连接符: 肘形 10">
+            <a:extLst>
+              <a:ext uri="{FF2B5EF4-FFF2-40B4-BE49-F238E27FC236}">
+                <a16:creationId xmlns:a16="http://schemas.microsoft.com/office/drawing/2014/main" id="{F80D4AD6-48B7-4D9A-86FF-003A16ADDE2B}"/>
+              </a:ext>
+            </a:extLst>
+          </p:cNvPr>
+          <p:cNvCxnSpPr>
+            <a:stCxn id="6" idx="3"/>
+            <a:endCxn id="7" idx="1"/>
+          </p:cNvCxnSpPr>
+          <p:nvPr/>
+        </p:nvCxnSpPr>
+        <p:spPr>
+          <a:xfrm flipV="1">
+            <a:off x="1209368" y="3895221"/>
+            <a:ext cx="358783" cy="712838"/>
+          </a:xfrm>
+          <a:prstGeom prst="bentConnector3">
+            <a:avLst/>
+          </a:prstGeom>
+          <a:ln>
+            <a:solidFill>
+              <a:schemeClr val="tx1"/>
+            </a:solidFill>
+            <a:tailEnd type="triangle"/>
+          </a:ln>
+        </p:spPr>
+        <p:style>
+          <a:lnRef idx="1">
+            <a:schemeClr val="accent1"/>
+          </a:lnRef>
+          <a:fillRef idx="0">
+            <a:schemeClr val="accent1"/>
+          </a:fillRef>
+          <a:effectRef idx="0">
+            <a:schemeClr val="accent1"/>
+          </a:effectRef>
+          <a:fontRef idx="minor">
+            <a:schemeClr val="tx1"/>
+          </a:fontRef>
+        </p:style>
+      </p:cxnSp>
+      <p:cxnSp>
+        <p:nvCxnSpPr>
+          <p:cNvPr id="13" name="直接箭头连接符 12">
+            <a:extLst>
+              <a:ext uri="{FF2B5EF4-FFF2-40B4-BE49-F238E27FC236}">
+                <a16:creationId xmlns:a16="http://schemas.microsoft.com/office/drawing/2014/main" id="{80A6D61D-5BF2-4CDA-B433-B25E0E18CADD}"/>
+              </a:ext>
+            </a:extLst>
+          </p:cNvPr>
+          <p:cNvCxnSpPr>
+            <a:stCxn id="5" idx="3"/>
+            <a:endCxn id="7" idx="1"/>
+          </p:cNvCxnSpPr>
+          <p:nvPr/>
+        </p:nvCxnSpPr>
+        <p:spPr>
+          <a:xfrm>
+            <a:off x="1209368" y="3895221"/>
+            <a:ext cx="358783" cy="0"/>
+          </a:xfrm>
+          <a:prstGeom prst="straightConnector1">
+            <a:avLst/>
+          </a:prstGeom>
+          <a:ln>
+            <a:solidFill>
+              <a:schemeClr val="tx1"/>
+            </a:solidFill>
+            <a:tailEnd type="triangle"/>
+          </a:ln>
+        </p:spPr>
+        <p:style>
+          <a:lnRef idx="1">
+            <a:schemeClr val="accent1"/>
+          </a:lnRef>
+          <a:fillRef idx="0">
+            <a:schemeClr val="accent1"/>
+          </a:fillRef>
+          <a:effectRef idx="0">
+            <a:schemeClr val="accent1"/>
+          </a:effectRef>
+          <a:fontRef idx="minor">
+            <a:schemeClr val="tx1"/>
+          </a:fontRef>
+        </p:style>
+      </p:cxnSp>
+      <p:sp>
+        <p:nvSpPr>
+          <p:cNvPr id="14" name="矩形 13">
+            <a:extLst>
+              <a:ext uri="{FF2B5EF4-FFF2-40B4-BE49-F238E27FC236}">
+                <a16:creationId xmlns:a16="http://schemas.microsoft.com/office/drawing/2014/main" id="{F416B513-E551-4E9E-91CC-62AF01D3855F}"/>
+              </a:ext>
+            </a:extLst>
+          </p:cNvPr>
+          <p:cNvSpPr/>
+          <p:nvPr/>
+        </p:nvSpPr>
+        <p:spPr>
+          <a:xfrm>
+            <a:off x="3308459" y="1200371"/>
+            <a:ext cx="968571" cy="375249"/>
+          </a:xfrm>
+          <a:prstGeom prst="rect">
+            <a:avLst/>
+          </a:prstGeom>
+          <a:noFill/>
+          <a:ln>
+            <a:solidFill>
+              <a:schemeClr val="tx1"/>
+            </a:solidFill>
+          </a:ln>
+        </p:spPr>
+        <p:style>
+          <a:lnRef idx="2">
+            <a:schemeClr val="accent1">
+              <a:shade val="50000"/>
+            </a:schemeClr>
+          </a:lnRef>
+          <a:fillRef idx="1">
+            <a:schemeClr val="accent1"/>
+          </a:fillRef>
+          <a:effectRef idx="0">
+            <a:schemeClr val="accent1"/>
+          </a:effectRef>
+          <a:fontRef idx="minor">
+            <a:schemeClr val="lt1"/>
+          </a:fontRef>
+        </p:style>
+        <p:txBody>
+          <a:bodyPr rtlCol="0" anchor="ctr"/>
+          <a:lstStyle/>
+          <a:p>
+            <a:pPr algn="ctr"/>
+            <a:r>
+              <a:rPr lang="zh-CN" altLang="en-US" sz="1200" dirty="0">
+                <a:solidFill>
+                  <a:schemeClr val="tx1"/>
+                </a:solidFill>
+              </a:rPr>
+              <a:t>流量异常</a:t>
+            </a:r>
+          </a:p>
+        </p:txBody>
+      </p:sp>
+      <p:sp>
+        <p:nvSpPr>
+          <p:cNvPr id="15" name="矩形 14">
+            <a:extLst>
+              <a:ext uri="{FF2B5EF4-FFF2-40B4-BE49-F238E27FC236}">
+                <a16:creationId xmlns:a16="http://schemas.microsoft.com/office/drawing/2014/main" id="{F986B43F-A556-4F34-9C91-3F581B425E42}"/>
+              </a:ext>
+            </a:extLst>
+          </p:cNvPr>
+          <p:cNvSpPr/>
+          <p:nvPr/>
+        </p:nvSpPr>
+        <p:spPr>
+          <a:xfrm>
+            <a:off x="3308460" y="5392993"/>
+            <a:ext cx="968571" cy="375249"/>
+          </a:xfrm>
+          <a:prstGeom prst="rect">
+            <a:avLst/>
+          </a:prstGeom>
+          <a:noFill/>
+          <a:ln>
+            <a:solidFill>
+              <a:schemeClr val="tx1"/>
+            </a:solidFill>
+          </a:ln>
+        </p:spPr>
+        <p:style>
+          <a:lnRef idx="2">
+            <a:schemeClr val="accent1">
+              <a:shade val="50000"/>
+            </a:schemeClr>
+          </a:lnRef>
+          <a:fillRef idx="1">
+            <a:schemeClr val="accent1"/>
+          </a:fillRef>
+          <a:effectRef idx="0">
+            <a:schemeClr val="accent1"/>
+          </a:effectRef>
+          <a:fontRef idx="minor">
+            <a:schemeClr val="lt1"/>
+          </a:fontRef>
+        </p:style>
+        <p:txBody>
+          <a:bodyPr rtlCol="0" anchor="ctr"/>
+          <a:lstStyle/>
+          <a:p>
+            <a:pPr algn="ctr"/>
+            <a:r>
+              <a:rPr lang="zh-CN" altLang="en-US" sz="1200" dirty="0">
+                <a:solidFill>
+                  <a:schemeClr val="tx1"/>
+                </a:solidFill>
+              </a:rPr>
+              <a:t>指标异常</a:t>
+            </a:r>
+          </a:p>
+        </p:txBody>
+      </p:sp>
+      <p:cxnSp>
+        <p:nvCxnSpPr>
+          <p:cNvPr id="20" name="连接符: 肘形 19">
+            <a:extLst>
+              <a:ext uri="{FF2B5EF4-FFF2-40B4-BE49-F238E27FC236}">
+                <a16:creationId xmlns:a16="http://schemas.microsoft.com/office/drawing/2014/main" id="{175CD00A-6760-425A-8AD4-842D17000A46}"/>
+              </a:ext>
+            </a:extLst>
+          </p:cNvPr>
+          <p:cNvCxnSpPr>
+            <a:stCxn id="7" idx="3"/>
+            <a:endCxn id="14" idx="1"/>
+          </p:cNvCxnSpPr>
+          <p:nvPr/>
+        </p:nvCxnSpPr>
+        <p:spPr>
+          <a:xfrm flipV="1">
+            <a:off x="2632586" y="1387996"/>
+            <a:ext cx="675873" cy="2507225"/>
+          </a:xfrm>
+          <a:prstGeom prst="bentConnector3">
+            <a:avLst/>
+          </a:prstGeom>
+          <a:ln>
+            <a:solidFill>
+              <a:schemeClr val="tx1"/>
+            </a:solidFill>
+            <a:tailEnd type="triangle"/>
+          </a:ln>
+        </p:spPr>
+        <p:style>
+          <a:lnRef idx="1">
+            <a:schemeClr val="accent1"/>
+          </a:lnRef>
+          <a:fillRef idx="0">
+            <a:schemeClr val="accent1"/>
+          </a:fillRef>
+          <a:effectRef idx="0">
+            <a:schemeClr val="accent1"/>
+          </a:effectRef>
+          <a:fontRef idx="minor">
+            <a:schemeClr val="tx1"/>
+          </a:fontRef>
+        </p:style>
+      </p:cxnSp>
+      <p:cxnSp>
+        <p:nvCxnSpPr>
+          <p:cNvPr id="22" name="连接符: 肘形 21">
+            <a:extLst>
+              <a:ext uri="{FF2B5EF4-FFF2-40B4-BE49-F238E27FC236}">
+                <a16:creationId xmlns:a16="http://schemas.microsoft.com/office/drawing/2014/main" id="{C0639D2B-7219-4337-AC6A-F6B66CAAAC1E}"/>
+              </a:ext>
+            </a:extLst>
+          </p:cNvPr>
+          <p:cNvCxnSpPr>
+            <a:stCxn id="7" idx="3"/>
+            <a:endCxn id="15" idx="1"/>
+          </p:cNvCxnSpPr>
+          <p:nvPr/>
+        </p:nvCxnSpPr>
+        <p:spPr>
+          <a:xfrm>
+            <a:off x="2632586" y="3895221"/>
+            <a:ext cx="675874" cy="1685397"/>
+          </a:xfrm>
+          <a:prstGeom prst="bentConnector3">
+            <a:avLst/>
+          </a:prstGeom>
+          <a:ln>
+            <a:solidFill>
+              <a:schemeClr val="tx1"/>
+            </a:solidFill>
+            <a:tailEnd type="triangle"/>
+          </a:ln>
+        </p:spPr>
+        <p:style>
+          <a:lnRef idx="1">
+            <a:schemeClr val="accent1"/>
+          </a:lnRef>
+          <a:fillRef idx="0">
+            <a:schemeClr val="accent1"/>
+          </a:fillRef>
+          <a:effectRef idx="0">
+            <a:schemeClr val="accent1"/>
+          </a:effectRef>
+          <a:fontRef idx="minor">
+            <a:schemeClr val="tx1"/>
+          </a:fontRef>
+        </p:style>
+      </p:cxnSp>
+      <p:sp>
+        <p:nvSpPr>
+          <p:cNvPr id="23" name="矩形 22">
+            <a:extLst>
+              <a:ext uri="{FF2B5EF4-FFF2-40B4-BE49-F238E27FC236}">
+                <a16:creationId xmlns:a16="http://schemas.microsoft.com/office/drawing/2014/main" id="{E86C7817-9B54-4646-9E45-0AD5A856D2E5}"/>
+              </a:ext>
+            </a:extLst>
+          </p:cNvPr>
+          <p:cNvSpPr/>
+          <p:nvPr/>
+        </p:nvSpPr>
+        <p:spPr>
+          <a:xfrm>
+            <a:off x="4837475" y="1999610"/>
+            <a:ext cx="968571" cy="375249"/>
+          </a:xfrm>
+          <a:prstGeom prst="rect">
+            <a:avLst/>
+          </a:prstGeom>
+          <a:noFill/>
+          <a:ln>
+            <a:solidFill>
+              <a:schemeClr val="tx1"/>
+            </a:solidFill>
+          </a:ln>
+        </p:spPr>
+        <p:style>
+          <a:lnRef idx="2">
+            <a:schemeClr val="accent1">
+              <a:shade val="50000"/>
+            </a:schemeClr>
+          </a:lnRef>
+          <a:fillRef idx="1">
+            <a:schemeClr val="accent1"/>
+          </a:fillRef>
+          <a:effectRef idx="0">
+            <a:schemeClr val="accent1"/>
+          </a:effectRef>
+          <a:fontRef idx="minor">
+            <a:schemeClr val="lt1"/>
+          </a:fontRef>
+        </p:style>
+        <p:txBody>
+          <a:bodyPr rtlCol="0" anchor="ctr"/>
+          <a:lstStyle/>
+          <a:p>
+            <a:pPr algn="ctr"/>
+            <a:r>
+              <a:rPr lang="zh-CN" altLang="en-US" sz="1200" dirty="0">
+                <a:solidFill>
+                  <a:schemeClr val="tx1"/>
+                </a:solidFill>
+              </a:rPr>
+              <a:t>流量上涨</a:t>
+            </a:r>
+          </a:p>
+        </p:txBody>
+      </p:sp>
+      <p:sp>
+        <p:nvSpPr>
+          <p:cNvPr id="24" name="矩形 23">
+            <a:extLst>
+              <a:ext uri="{FF2B5EF4-FFF2-40B4-BE49-F238E27FC236}">
+                <a16:creationId xmlns:a16="http://schemas.microsoft.com/office/drawing/2014/main" id="{FEEBE029-E3F3-44D7-8806-BA60B22DA880}"/>
+              </a:ext>
+            </a:extLst>
+          </p:cNvPr>
+          <p:cNvSpPr/>
+          <p:nvPr/>
+        </p:nvSpPr>
+        <p:spPr>
+          <a:xfrm>
+            <a:off x="4837475" y="603871"/>
+            <a:ext cx="968571" cy="375249"/>
+          </a:xfrm>
+          <a:prstGeom prst="rect">
+            <a:avLst/>
+          </a:prstGeom>
+          <a:noFill/>
+          <a:ln>
+            <a:solidFill>
+              <a:schemeClr val="tx1"/>
+            </a:solidFill>
+          </a:ln>
+        </p:spPr>
+        <p:style>
+          <a:lnRef idx="2">
+            <a:schemeClr val="accent1">
+              <a:shade val="50000"/>
+            </a:schemeClr>
+          </a:lnRef>
+          <a:fillRef idx="1">
+            <a:schemeClr val="accent1"/>
+          </a:fillRef>
+          <a:effectRef idx="0">
+            <a:schemeClr val="accent1"/>
+          </a:effectRef>
+          <a:fontRef idx="minor">
+            <a:schemeClr val="lt1"/>
+          </a:fontRef>
+        </p:style>
+        <p:txBody>
+          <a:bodyPr rtlCol="0" anchor="ctr"/>
+          <a:lstStyle/>
+          <a:p>
+            <a:pPr algn="ctr"/>
+            <a:r>
+              <a:rPr lang="zh-CN" altLang="en-US" sz="1200" dirty="0">
+                <a:solidFill>
+                  <a:schemeClr val="tx1"/>
+                </a:solidFill>
+              </a:rPr>
+              <a:t>流量下跌</a:t>
+            </a:r>
+          </a:p>
+        </p:txBody>
+      </p:sp>
+      <p:sp>
+        <p:nvSpPr>
+          <p:cNvPr id="25" name="矩形 24">
+            <a:extLst>
+              <a:ext uri="{FF2B5EF4-FFF2-40B4-BE49-F238E27FC236}">
+                <a16:creationId xmlns:a16="http://schemas.microsoft.com/office/drawing/2014/main" id="{8E69369F-120A-485D-9BB8-D384CFD8B5A2}"/>
+              </a:ext>
+            </a:extLst>
+          </p:cNvPr>
+          <p:cNvSpPr/>
+          <p:nvPr/>
+        </p:nvSpPr>
+        <p:spPr>
+          <a:xfrm>
+            <a:off x="6390972" y="1811591"/>
+            <a:ext cx="968571" cy="375249"/>
+          </a:xfrm>
+          <a:prstGeom prst="rect">
+            <a:avLst/>
+          </a:prstGeom>
+          <a:noFill/>
+          <a:ln>
+            <a:solidFill>
+              <a:schemeClr val="tx1"/>
+            </a:solidFill>
+          </a:ln>
+        </p:spPr>
+        <p:style>
+          <a:lnRef idx="2">
+            <a:schemeClr val="accent1">
+              <a:shade val="50000"/>
+            </a:schemeClr>
+          </a:lnRef>
+          <a:fillRef idx="1">
+            <a:schemeClr val="accent1"/>
+          </a:fillRef>
+          <a:effectRef idx="0">
+            <a:schemeClr val="accent1"/>
+          </a:effectRef>
+          <a:fontRef idx="minor">
+            <a:schemeClr val="lt1"/>
+          </a:fontRef>
+        </p:style>
+        <p:txBody>
+          <a:bodyPr rtlCol="0" anchor="ctr"/>
+          <a:lstStyle/>
+          <a:p>
+            <a:pPr algn="ctr"/>
+            <a:r>
+              <a:rPr lang="zh-CN" altLang="en-US" sz="1200" dirty="0">
+                <a:solidFill>
+                  <a:schemeClr val="tx1"/>
+                </a:solidFill>
+              </a:rPr>
+              <a:t>入口上涨</a:t>
+            </a:r>
+          </a:p>
+        </p:txBody>
+      </p:sp>
+      <p:sp>
+        <p:nvSpPr>
+          <p:cNvPr id="26" name="矩形 25">
+            <a:extLst>
+              <a:ext uri="{FF2B5EF4-FFF2-40B4-BE49-F238E27FC236}">
+                <a16:creationId xmlns:a16="http://schemas.microsoft.com/office/drawing/2014/main" id="{311095D3-B3E7-43F8-9CE0-456230F966F5}"/>
+              </a:ext>
+            </a:extLst>
+          </p:cNvPr>
+          <p:cNvSpPr/>
+          <p:nvPr/>
+        </p:nvSpPr>
+        <p:spPr>
+          <a:xfrm>
+            <a:off x="6390972" y="2469100"/>
+            <a:ext cx="968571" cy="375249"/>
+          </a:xfrm>
+          <a:prstGeom prst="rect">
+            <a:avLst/>
+          </a:prstGeom>
+          <a:noFill/>
+          <a:ln>
+            <a:solidFill>
+              <a:schemeClr val="tx1"/>
+            </a:solidFill>
+          </a:ln>
+        </p:spPr>
+        <p:style>
+          <a:lnRef idx="2">
+            <a:schemeClr val="accent1">
+              <a:shade val="50000"/>
+            </a:schemeClr>
+          </a:lnRef>
+          <a:fillRef idx="1">
+            <a:schemeClr val="accent1"/>
+          </a:fillRef>
+          <a:effectRef idx="0">
+            <a:schemeClr val="accent1"/>
+          </a:effectRef>
+          <a:fontRef idx="minor">
+            <a:schemeClr val="lt1"/>
+          </a:fontRef>
+        </p:style>
+        <p:txBody>
+          <a:bodyPr rtlCol="0" anchor="ctr"/>
+          <a:lstStyle/>
+          <a:p>
+            <a:pPr algn="ctr"/>
+            <a:r>
+              <a:rPr lang="zh-CN" altLang="en-US" sz="1200" dirty="0">
+                <a:solidFill>
+                  <a:schemeClr val="tx1"/>
+                </a:solidFill>
+              </a:rPr>
+              <a:t>上游上涨</a:t>
+            </a:r>
+          </a:p>
+        </p:txBody>
+      </p:sp>
+      <p:sp>
+        <p:nvSpPr>
+          <p:cNvPr id="27" name="矩形 26">
+            <a:extLst>
+              <a:ext uri="{FF2B5EF4-FFF2-40B4-BE49-F238E27FC236}">
+                <a16:creationId xmlns:a16="http://schemas.microsoft.com/office/drawing/2014/main" id="{54AF59FB-DAD6-47C5-B9D7-BF33C019BC3B}"/>
+              </a:ext>
+            </a:extLst>
+          </p:cNvPr>
+          <p:cNvSpPr/>
+          <p:nvPr/>
+        </p:nvSpPr>
+        <p:spPr>
+          <a:xfrm>
+            <a:off x="7993628" y="1694810"/>
+            <a:ext cx="1347117" cy="375249"/>
+          </a:xfrm>
+          <a:prstGeom prst="rect">
+            <a:avLst/>
+          </a:prstGeom>
+          <a:solidFill>
+            <a:srgbClr val="FFFF00"/>
+          </a:solidFill>
+          <a:ln>
+            <a:solidFill>
+              <a:schemeClr val="tx1"/>
+            </a:solidFill>
+          </a:ln>
+        </p:spPr>
+        <p:style>
+          <a:lnRef idx="2">
+            <a:schemeClr val="accent1">
+              <a:shade val="50000"/>
+            </a:schemeClr>
+          </a:lnRef>
+          <a:fillRef idx="1">
+            <a:schemeClr val="accent1"/>
+          </a:fillRef>
+          <a:effectRef idx="0">
+            <a:schemeClr val="accent1"/>
+          </a:effectRef>
+          <a:fontRef idx="minor">
+            <a:schemeClr val="lt1"/>
+          </a:fontRef>
+        </p:style>
+        <p:txBody>
+          <a:bodyPr rtlCol="0" anchor="ctr"/>
+          <a:lstStyle/>
+          <a:p>
+            <a:pPr algn="ctr"/>
+            <a:r>
+              <a:rPr lang="zh-CN" altLang="en-US" sz="1200" dirty="0">
+                <a:solidFill>
+                  <a:schemeClr val="tx1"/>
+                </a:solidFill>
+              </a:rPr>
+              <a:t>防爬防攻击限流</a:t>
+            </a:r>
+          </a:p>
+        </p:txBody>
+      </p:sp>
+      <p:sp>
+        <p:nvSpPr>
+          <p:cNvPr id="28" name="矩形 27">
+            <a:extLst>
+              <a:ext uri="{FF2B5EF4-FFF2-40B4-BE49-F238E27FC236}">
+                <a16:creationId xmlns:a16="http://schemas.microsoft.com/office/drawing/2014/main" id="{25DBCF15-A6BE-42DA-AD7D-CB824A8F6691}"/>
+              </a:ext>
+            </a:extLst>
+          </p:cNvPr>
+          <p:cNvSpPr/>
+          <p:nvPr/>
+        </p:nvSpPr>
+        <p:spPr>
+          <a:xfrm>
+            <a:off x="7988715" y="2267562"/>
+            <a:ext cx="1403650" cy="375249"/>
+          </a:xfrm>
+          <a:prstGeom prst="rect">
+            <a:avLst/>
+          </a:prstGeom>
+          <a:solidFill>
+            <a:srgbClr val="FFFF00"/>
+          </a:solidFill>
+          <a:ln>
+            <a:solidFill>
+              <a:schemeClr val="tx1"/>
+            </a:solidFill>
+          </a:ln>
+        </p:spPr>
+        <p:style>
+          <a:lnRef idx="2">
+            <a:schemeClr val="accent1">
+              <a:shade val="50000"/>
+            </a:schemeClr>
+          </a:lnRef>
+          <a:fillRef idx="1">
+            <a:schemeClr val="accent1"/>
+          </a:fillRef>
+          <a:effectRef idx="0">
+            <a:schemeClr val="accent1"/>
+          </a:effectRef>
+          <a:fontRef idx="minor">
+            <a:schemeClr val="lt1"/>
+          </a:fontRef>
+        </p:style>
+        <p:txBody>
+          <a:bodyPr rtlCol="0" anchor="ctr"/>
+          <a:lstStyle/>
+          <a:p>
+            <a:pPr algn="ctr"/>
+            <a:r>
+              <a:rPr lang="zh-CN" altLang="en-US" sz="1200" dirty="0">
+                <a:solidFill>
+                  <a:schemeClr val="tx1"/>
+                </a:solidFill>
+              </a:rPr>
+              <a:t>业务限流</a:t>
+            </a:r>
+          </a:p>
+        </p:txBody>
+      </p:sp>
+      <p:sp>
+        <p:nvSpPr>
+          <p:cNvPr id="29" name="矩形 28">
+            <a:extLst>
+              <a:ext uri="{FF2B5EF4-FFF2-40B4-BE49-F238E27FC236}">
+                <a16:creationId xmlns:a16="http://schemas.microsoft.com/office/drawing/2014/main" id="{F4B48B44-1BC1-4928-B031-402C56C76EBE}"/>
+              </a:ext>
+            </a:extLst>
+          </p:cNvPr>
+          <p:cNvSpPr/>
+          <p:nvPr/>
+        </p:nvSpPr>
+        <p:spPr>
+          <a:xfrm>
+            <a:off x="6385955" y="170442"/>
+            <a:ext cx="1042314" cy="375249"/>
+          </a:xfrm>
+          <a:prstGeom prst="rect">
+            <a:avLst/>
+          </a:prstGeom>
+          <a:noFill/>
+          <a:ln>
+            <a:solidFill>
+              <a:schemeClr val="tx1"/>
+            </a:solidFill>
+          </a:ln>
+        </p:spPr>
+        <p:style>
+          <a:lnRef idx="2">
+            <a:schemeClr val="accent1">
+              <a:shade val="50000"/>
+            </a:schemeClr>
+          </a:lnRef>
+          <a:fillRef idx="1">
+            <a:schemeClr val="accent1"/>
+          </a:fillRef>
+          <a:effectRef idx="0">
+            <a:schemeClr val="accent1"/>
+          </a:effectRef>
+          <a:fontRef idx="minor">
+            <a:schemeClr val="lt1"/>
+          </a:fontRef>
+        </p:style>
+        <p:txBody>
+          <a:bodyPr rtlCol="0" anchor="ctr"/>
+          <a:lstStyle/>
+          <a:p>
+            <a:pPr algn="ctr"/>
+            <a:r>
+              <a:rPr lang="zh-CN" altLang="en-US" sz="1200" dirty="0">
+                <a:solidFill>
+                  <a:schemeClr val="tx1"/>
+                </a:solidFill>
+              </a:rPr>
+              <a:t>季节活动</a:t>
+            </a:r>
+          </a:p>
+        </p:txBody>
+      </p:sp>
+      <p:sp>
+        <p:nvSpPr>
+          <p:cNvPr id="30" name="矩形 29">
+            <a:extLst>
+              <a:ext uri="{FF2B5EF4-FFF2-40B4-BE49-F238E27FC236}">
+                <a16:creationId xmlns:a16="http://schemas.microsoft.com/office/drawing/2014/main" id="{9F270494-0015-462C-9303-BA281AFAB741}"/>
+              </a:ext>
+            </a:extLst>
+          </p:cNvPr>
+          <p:cNvSpPr/>
+          <p:nvPr/>
+        </p:nvSpPr>
+        <p:spPr>
+          <a:xfrm>
+            <a:off x="6385955" y="603872"/>
+            <a:ext cx="1042314" cy="375249"/>
+          </a:xfrm>
+          <a:prstGeom prst="rect">
+            <a:avLst/>
+          </a:prstGeom>
+          <a:noFill/>
+          <a:ln>
+            <a:solidFill>
+              <a:schemeClr val="tx1"/>
+            </a:solidFill>
+          </a:ln>
+        </p:spPr>
+        <p:style>
+          <a:lnRef idx="2">
+            <a:schemeClr val="accent1">
+              <a:shade val="50000"/>
+            </a:schemeClr>
+          </a:lnRef>
+          <a:fillRef idx="1">
+            <a:schemeClr val="accent1"/>
+          </a:fillRef>
+          <a:effectRef idx="0">
+            <a:schemeClr val="accent1"/>
+          </a:effectRef>
+          <a:fontRef idx="minor">
+            <a:schemeClr val="lt1"/>
+          </a:fontRef>
+        </p:style>
+        <p:txBody>
+          <a:bodyPr rtlCol="0" anchor="ctr"/>
+          <a:lstStyle/>
+          <a:p>
+            <a:pPr algn="ctr"/>
+            <a:r>
+              <a:rPr lang="zh-CN" altLang="en-US" sz="1200" dirty="0">
+                <a:solidFill>
+                  <a:schemeClr val="tx1"/>
+                </a:solidFill>
+              </a:rPr>
+              <a:t>上游异常</a:t>
+            </a:r>
+          </a:p>
+        </p:txBody>
+      </p:sp>
+      <p:sp>
+        <p:nvSpPr>
+          <p:cNvPr id="31" name="矩形 30">
+            <a:extLst>
+              <a:ext uri="{FF2B5EF4-FFF2-40B4-BE49-F238E27FC236}">
+                <a16:creationId xmlns:a16="http://schemas.microsoft.com/office/drawing/2014/main" id="{6C7BBBBE-B01E-473A-9E69-C8FD1CD2AC65}"/>
+              </a:ext>
+            </a:extLst>
+          </p:cNvPr>
+          <p:cNvSpPr/>
+          <p:nvPr/>
+        </p:nvSpPr>
+        <p:spPr>
+          <a:xfrm>
+            <a:off x="6410633" y="1073756"/>
+            <a:ext cx="1017636" cy="375249"/>
+          </a:xfrm>
+          <a:prstGeom prst="rect">
+            <a:avLst/>
+          </a:prstGeom>
+          <a:noFill/>
+          <a:ln>
+            <a:solidFill>
+              <a:schemeClr val="tx1"/>
+            </a:solidFill>
+          </a:ln>
+        </p:spPr>
+        <p:style>
+          <a:lnRef idx="2">
+            <a:schemeClr val="accent1">
+              <a:shade val="50000"/>
+            </a:schemeClr>
+          </a:lnRef>
+          <a:fillRef idx="1">
+            <a:schemeClr val="accent1"/>
+          </a:fillRef>
+          <a:effectRef idx="0">
+            <a:schemeClr val="accent1"/>
+          </a:effectRef>
+          <a:fontRef idx="minor">
+            <a:schemeClr val="lt1"/>
+          </a:fontRef>
+        </p:style>
+        <p:txBody>
+          <a:bodyPr rtlCol="0" anchor="ctr"/>
+          <a:lstStyle/>
+          <a:p>
+            <a:pPr algn="ctr"/>
+            <a:r>
+              <a:rPr lang="zh-CN" altLang="en-US" sz="1200" dirty="0">
+                <a:solidFill>
+                  <a:schemeClr val="tx1"/>
+                </a:solidFill>
+              </a:rPr>
+              <a:t>接入层异常</a:t>
+            </a:r>
+          </a:p>
+        </p:txBody>
+      </p:sp>
+      <p:cxnSp>
+        <p:nvCxnSpPr>
+          <p:cNvPr id="33" name="连接符: 肘形 32">
+            <a:extLst>
+              <a:ext uri="{FF2B5EF4-FFF2-40B4-BE49-F238E27FC236}">
+                <a16:creationId xmlns:a16="http://schemas.microsoft.com/office/drawing/2014/main" id="{A6BBC657-EDF3-4238-BC7E-E06B1EC3A7EE}"/>
+              </a:ext>
+            </a:extLst>
+          </p:cNvPr>
+          <p:cNvCxnSpPr>
+            <a:stCxn id="24" idx="3"/>
+            <a:endCxn id="29" idx="1"/>
+          </p:cNvCxnSpPr>
+          <p:nvPr/>
+        </p:nvCxnSpPr>
+        <p:spPr>
+          <a:xfrm flipV="1">
+            <a:off x="5806046" y="358067"/>
+            <a:ext cx="579909" cy="433429"/>
+          </a:xfrm>
+          <a:prstGeom prst="bentConnector3">
+            <a:avLst/>
+          </a:prstGeom>
+          <a:ln>
+            <a:solidFill>
+              <a:schemeClr val="tx1"/>
+            </a:solidFill>
+            <a:tailEnd type="triangle"/>
+          </a:ln>
+        </p:spPr>
+        <p:style>
+          <a:lnRef idx="1">
+            <a:schemeClr val="accent1"/>
+          </a:lnRef>
+          <a:fillRef idx="0">
+            <a:schemeClr val="accent1"/>
+          </a:fillRef>
+          <a:effectRef idx="0">
+            <a:schemeClr val="accent1"/>
+          </a:effectRef>
+          <a:fontRef idx="minor">
+            <a:schemeClr val="tx1"/>
+          </a:fontRef>
+        </p:style>
+      </p:cxnSp>
+      <p:cxnSp>
+        <p:nvCxnSpPr>
+          <p:cNvPr id="35" name="连接符: 肘形 34">
+            <a:extLst>
+              <a:ext uri="{FF2B5EF4-FFF2-40B4-BE49-F238E27FC236}">
+                <a16:creationId xmlns:a16="http://schemas.microsoft.com/office/drawing/2014/main" id="{4FA6A7B0-6FCF-4054-A79E-20466D1BC22A}"/>
+              </a:ext>
+            </a:extLst>
+          </p:cNvPr>
+          <p:cNvCxnSpPr>
+            <a:stCxn id="24" idx="3"/>
+            <a:endCxn id="31" idx="1"/>
+          </p:cNvCxnSpPr>
+          <p:nvPr/>
+        </p:nvCxnSpPr>
+        <p:spPr>
+          <a:xfrm>
+            <a:off x="5806046" y="791496"/>
+            <a:ext cx="604587" cy="469885"/>
+          </a:xfrm>
+          <a:prstGeom prst="bentConnector3">
+            <a:avLst/>
+          </a:prstGeom>
+          <a:ln>
+            <a:solidFill>
+              <a:schemeClr val="tx1"/>
+            </a:solidFill>
+            <a:tailEnd type="triangle"/>
+          </a:ln>
+        </p:spPr>
+        <p:style>
+          <a:lnRef idx="1">
+            <a:schemeClr val="accent1"/>
+          </a:lnRef>
+          <a:fillRef idx="0">
+            <a:schemeClr val="accent1"/>
+          </a:fillRef>
+          <a:effectRef idx="0">
+            <a:schemeClr val="accent1"/>
+          </a:effectRef>
+          <a:fontRef idx="minor">
+            <a:schemeClr val="tx1"/>
+          </a:fontRef>
+        </p:style>
+      </p:cxnSp>
+      <p:cxnSp>
+        <p:nvCxnSpPr>
+          <p:cNvPr id="37" name="直接箭头连接符 36">
+            <a:extLst>
+              <a:ext uri="{FF2B5EF4-FFF2-40B4-BE49-F238E27FC236}">
+                <a16:creationId xmlns:a16="http://schemas.microsoft.com/office/drawing/2014/main" id="{E022EC8B-8E88-46FE-99C6-A4E4A573EC8D}"/>
+              </a:ext>
+            </a:extLst>
+          </p:cNvPr>
+          <p:cNvCxnSpPr>
+            <a:stCxn id="24" idx="3"/>
+            <a:endCxn id="30" idx="1"/>
+          </p:cNvCxnSpPr>
+          <p:nvPr/>
+        </p:nvCxnSpPr>
+        <p:spPr>
+          <a:xfrm>
+            <a:off x="5806046" y="791496"/>
+            <a:ext cx="579909" cy="1"/>
+          </a:xfrm>
+          <a:prstGeom prst="straightConnector1">
+            <a:avLst/>
+          </a:prstGeom>
+          <a:ln>
+            <a:solidFill>
+              <a:schemeClr val="tx1"/>
+            </a:solidFill>
+            <a:tailEnd type="triangle"/>
+          </a:ln>
+        </p:spPr>
+        <p:style>
+          <a:lnRef idx="1">
+            <a:schemeClr val="accent1"/>
+          </a:lnRef>
+          <a:fillRef idx="0">
+            <a:schemeClr val="accent1"/>
+          </a:fillRef>
+          <a:effectRef idx="0">
+            <a:schemeClr val="accent1"/>
+          </a:effectRef>
+          <a:fontRef idx="minor">
+            <a:schemeClr val="tx1"/>
+          </a:fontRef>
+        </p:style>
+      </p:cxnSp>
+      <p:sp>
+        <p:nvSpPr>
+          <p:cNvPr id="38" name="矩形 37">
+            <a:extLst>
+              <a:ext uri="{FF2B5EF4-FFF2-40B4-BE49-F238E27FC236}">
+                <a16:creationId xmlns:a16="http://schemas.microsoft.com/office/drawing/2014/main" id="{B5EB623E-5C2E-4BFE-9BDC-CA1796B74E28}"/>
+              </a:ext>
+            </a:extLst>
+          </p:cNvPr>
+          <p:cNvSpPr/>
+          <p:nvPr/>
+        </p:nvSpPr>
+        <p:spPr>
+          <a:xfrm>
+            <a:off x="7988715" y="2863686"/>
+            <a:ext cx="1403650" cy="375249"/>
+          </a:xfrm>
+          <a:prstGeom prst="rect">
+            <a:avLst/>
+          </a:prstGeom>
+          <a:solidFill>
+            <a:srgbClr val="FFFF00"/>
+          </a:solidFill>
+          <a:ln>
+            <a:solidFill>
+              <a:schemeClr val="tx1"/>
+            </a:solidFill>
+          </a:ln>
+        </p:spPr>
+        <p:style>
+          <a:lnRef idx="2">
+            <a:schemeClr val="accent1">
+              <a:shade val="50000"/>
+            </a:schemeClr>
+          </a:lnRef>
+          <a:fillRef idx="1">
+            <a:schemeClr val="accent1"/>
+          </a:fillRef>
+          <a:effectRef idx="0">
+            <a:schemeClr val="accent1"/>
+          </a:effectRef>
+          <a:fontRef idx="minor">
+            <a:schemeClr val="lt1"/>
+          </a:fontRef>
+        </p:style>
+        <p:txBody>
+          <a:bodyPr rtlCol="0" anchor="ctr"/>
+          <a:lstStyle/>
+          <a:p>
+            <a:pPr algn="ctr"/>
+            <a:r>
+              <a:rPr lang="zh-CN" altLang="en-US" sz="1200" dirty="0">
+                <a:solidFill>
+                  <a:schemeClr val="tx1"/>
+                </a:solidFill>
+              </a:rPr>
+              <a:t>扩容</a:t>
+            </a:r>
+          </a:p>
+        </p:txBody>
+      </p:sp>
+      <p:cxnSp>
+        <p:nvCxnSpPr>
+          <p:cNvPr id="40" name="连接符: 肘形 39">
+            <a:extLst>
+              <a:ext uri="{FF2B5EF4-FFF2-40B4-BE49-F238E27FC236}">
+                <a16:creationId xmlns:a16="http://schemas.microsoft.com/office/drawing/2014/main" id="{8B2D0866-A46D-43E1-99A1-E264F3CBB178}"/>
+              </a:ext>
+            </a:extLst>
+          </p:cNvPr>
+          <p:cNvCxnSpPr>
+            <a:stCxn id="23" idx="3"/>
+            <a:endCxn id="25" idx="1"/>
+          </p:cNvCxnSpPr>
+          <p:nvPr/>
+        </p:nvCxnSpPr>
+        <p:spPr>
+          <a:xfrm flipV="1">
+            <a:off x="5806046" y="1999216"/>
+            <a:ext cx="584926" cy="188019"/>
+          </a:xfrm>
+          <a:prstGeom prst="bentConnector3">
+            <a:avLst/>
+          </a:prstGeom>
+          <a:ln>
+            <a:solidFill>
+              <a:schemeClr val="tx1"/>
+            </a:solidFill>
+            <a:tailEnd type="triangle"/>
+          </a:ln>
+        </p:spPr>
+        <p:style>
+          <a:lnRef idx="1">
+            <a:schemeClr val="accent1"/>
+          </a:lnRef>
+          <a:fillRef idx="0">
+            <a:schemeClr val="accent1"/>
+          </a:fillRef>
+          <a:effectRef idx="0">
+            <a:schemeClr val="accent1"/>
+          </a:effectRef>
+          <a:fontRef idx="minor">
+            <a:schemeClr val="tx1"/>
+          </a:fontRef>
+        </p:style>
+      </p:cxnSp>
+      <p:cxnSp>
+        <p:nvCxnSpPr>
+          <p:cNvPr id="42" name="连接符: 肘形 41">
+            <a:extLst>
+              <a:ext uri="{FF2B5EF4-FFF2-40B4-BE49-F238E27FC236}">
+                <a16:creationId xmlns:a16="http://schemas.microsoft.com/office/drawing/2014/main" id="{7D200636-FE40-4755-BEAA-AF8B096456EE}"/>
+              </a:ext>
+            </a:extLst>
+          </p:cNvPr>
+          <p:cNvCxnSpPr>
+            <a:stCxn id="23" idx="3"/>
+            <a:endCxn id="26" idx="1"/>
+          </p:cNvCxnSpPr>
+          <p:nvPr/>
+        </p:nvCxnSpPr>
+        <p:spPr>
+          <a:xfrm>
+            <a:off x="5806046" y="2187235"/>
+            <a:ext cx="584926" cy="469490"/>
+          </a:xfrm>
+          <a:prstGeom prst="bentConnector3">
+            <a:avLst/>
+          </a:prstGeom>
+          <a:ln>
+            <a:solidFill>
+              <a:schemeClr val="tx1"/>
+            </a:solidFill>
+            <a:tailEnd type="triangle"/>
+          </a:ln>
+        </p:spPr>
+        <p:style>
+          <a:lnRef idx="1">
+            <a:schemeClr val="accent1"/>
+          </a:lnRef>
+          <a:fillRef idx="0">
+            <a:schemeClr val="accent1"/>
+          </a:fillRef>
+          <a:effectRef idx="0">
+            <a:schemeClr val="accent1"/>
+          </a:effectRef>
+          <a:fontRef idx="minor">
+            <a:schemeClr val="tx1"/>
+          </a:fontRef>
+        </p:style>
+      </p:cxnSp>
+      <p:cxnSp>
+        <p:nvCxnSpPr>
+          <p:cNvPr id="44" name="连接符: 肘形 43">
+            <a:extLst>
+              <a:ext uri="{FF2B5EF4-FFF2-40B4-BE49-F238E27FC236}">
+                <a16:creationId xmlns:a16="http://schemas.microsoft.com/office/drawing/2014/main" id="{2A208B23-4E3D-444F-B458-14362E9F908F}"/>
+              </a:ext>
+            </a:extLst>
+          </p:cNvPr>
+          <p:cNvCxnSpPr>
+            <a:stCxn id="14" idx="3"/>
+            <a:endCxn id="24" idx="1"/>
+          </p:cNvCxnSpPr>
+          <p:nvPr/>
+        </p:nvCxnSpPr>
+        <p:spPr>
+          <a:xfrm flipV="1">
+            <a:off x="4277030" y="791496"/>
+            <a:ext cx="560445" cy="596500"/>
+          </a:xfrm>
+          <a:prstGeom prst="bentConnector3">
+            <a:avLst/>
+          </a:prstGeom>
+          <a:ln>
+            <a:solidFill>
+              <a:schemeClr val="tx1"/>
+            </a:solidFill>
+            <a:tailEnd type="triangle"/>
+          </a:ln>
+        </p:spPr>
+        <p:style>
+          <a:lnRef idx="1">
+            <a:schemeClr val="accent1"/>
+          </a:lnRef>
+          <a:fillRef idx="0">
+            <a:schemeClr val="accent1"/>
+          </a:fillRef>
+          <a:effectRef idx="0">
+            <a:schemeClr val="accent1"/>
+          </a:effectRef>
+          <a:fontRef idx="minor">
+            <a:schemeClr val="tx1"/>
+          </a:fontRef>
+        </p:style>
+      </p:cxnSp>
+      <p:cxnSp>
+        <p:nvCxnSpPr>
+          <p:cNvPr id="46" name="连接符: 肘形 45">
+            <a:extLst>
+              <a:ext uri="{FF2B5EF4-FFF2-40B4-BE49-F238E27FC236}">
+                <a16:creationId xmlns:a16="http://schemas.microsoft.com/office/drawing/2014/main" id="{E3F2EC3F-05C6-4F53-B27B-A1A88D41C746}"/>
+              </a:ext>
+            </a:extLst>
+          </p:cNvPr>
+          <p:cNvCxnSpPr>
+            <a:stCxn id="14" idx="3"/>
+            <a:endCxn id="23" idx="1"/>
+          </p:cNvCxnSpPr>
+          <p:nvPr/>
+        </p:nvCxnSpPr>
+        <p:spPr>
+          <a:xfrm>
+            <a:off x="4277030" y="1387996"/>
+            <a:ext cx="560445" cy="799239"/>
+          </a:xfrm>
+          <a:prstGeom prst="bentConnector3">
+            <a:avLst/>
+          </a:prstGeom>
+          <a:ln>
+            <a:solidFill>
+              <a:schemeClr val="tx1"/>
+            </a:solidFill>
+            <a:tailEnd type="triangle"/>
+          </a:ln>
+        </p:spPr>
+        <p:style>
+          <a:lnRef idx="1">
+            <a:schemeClr val="accent1"/>
+          </a:lnRef>
+          <a:fillRef idx="0">
+            <a:schemeClr val="accent1"/>
+          </a:fillRef>
+          <a:effectRef idx="0">
+            <a:schemeClr val="accent1"/>
+          </a:effectRef>
+          <a:fontRef idx="minor">
+            <a:schemeClr val="tx1"/>
+          </a:fontRef>
+        </p:style>
+      </p:cxnSp>
+      <p:cxnSp>
+        <p:nvCxnSpPr>
+          <p:cNvPr id="48" name="连接符: 肘形 47">
+            <a:extLst>
+              <a:ext uri="{FF2B5EF4-FFF2-40B4-BE49-F238E27FC236}">
+                <a16:creationId xmlns:a16="http://schemas.microsoft.com/office/drawing/2014/main" id="{745C10AF-07E5-42F8-ACA9-66097DB7F80F}"/>
+              </a:ext>
+            </a:extLst>
+          </p:cNvPr>
+          <p:cNvCxnSpPr>
+            <a:stCxn id="25" idx="3"/>
+            <a:endCxn id="27" idx="1"/>
+          </p:cNvCxnSpPr>
+          <p:nvPr/>
+        </p:nvCxnSpPr>
+        <p:spPr>
+          <a:xfrm flipV="1">
+            <a:off x="7359543" y="1882435"/>
+            <a:ext cx="634085" cy="116781"/>
+          </a:xfrm>
+          <a:prstGeom prst="bentConnector3">
+            <a:avLst/>
+          </a:prstGeom>
+          <a:ln>
+            <a:solidFill>
+              <a:schemeClr val="tx1"/>
+            </a:solidFill>
+            <a:tailEnd type="triangle"/>
+          </a:ln>
+        </p:spPr>
+        <p:style>
+          <a:lnRef idx="1">
+            <a:schemeClr val="accent1"/>
+          </a:lnRef>
+          <a:fillRef idx="0">
+            <a:schemeClr val="accent1"/>
+          </a:fillRef>
+          <a:effectRef idx="0">
+            <a:schemeClr val="accent1"/>
+          </a:effectRef>
+          <a:fontRef idx="minor">
+            <a:schemeClr val="tx1"/>
+          </a:fontRef>
+        </p:style>
+      </p:cxnSp>
+      <p:cxnSp>
+        <p:nvCxnSpPr>
+          <p:cNvPr id="50" name="连接符: 肘形 49">
+            <a:extLst>
+              <a:ext uri="{FF2B5EF4-FFF2-40B4-BE49-F238E27FC236}">
+                <a16:creationId xmlns:a16="http://schemas.microsoft.com/office/drawing/2014/main" id="{E3B9376F-64B8-4A7E-B58F-8A30A7A6FE9C}"/>
+              </a:ext>
+            </a:extLst>
+          </p:cNvPr>
+          <p:cNvCxnSpPr>
+            <a:stCxn id="25" idx="3"/>
+            <a:endCxn id="28" idx="1"/>
+          </p:cNvCxnSpPr>
+          <p:nvPr/>
+        </p:nvCxnSpPr>
+        <p:spPr>
+          <a:xfrm>
+            <a:off x="7359543" y="1999216"/>
+            <a:ext cx="629172" cy="455971"/>
+          </a:xfrm>
+          <a:prstGeom prst="bentConnector3">
+            <a:avLst/>
+          </a:prstGeom>
+          <a:ln>
+            <a:solidFill>
+              <a:schemeClr val="tx1"/>
+            </a:solidFill>
+            <a:tailEnd type="triangle"/>
+          </a:ln>
+        </p:spPr>
+        <p:style>
+          <a:lnRef idx="1">
+            <a:schemeClr val="accent1"/>
+          </a:lnRef>
+          <a:fillRef idx="0">
+            <a:schemeClr val="accent1"/>
+          </a:fillRef>
+          <a:effectRef idx="0">
+            <a:schemeClr val="accent1"/>
+          </a:effectRef>
+          <a:fontRef idx="minor">
+            <a:schemeClr val="tx1"/>
+          </a:fontRef>
+        </p:style>
+      </p:cxnSp>
+      <p:cxnSp>
+        <p:nvCxnSpPr>
+          <p:cNvPr id="52" name="连接符: 肘形 51">
+            <a:extLst>
+              <a:ext uri="{FF2B5EF4-FFF2-40B4-BE49-F238E27FC236}">
+                <a16:creationId xmlns:a16="http://schemas.microsoft.com/office/drawing/2014/main" id="{6F4FB66F-E5A9-44E5-AFEA-754745F599EA}"/>
+              </a:ext>
+            </a:extLst>
+          </p:cNvPr>
+          <p:cNvCxnSpPr>
+            <a:stCxn id="26" idx="3"/>
+            <a:endCxn id="28" idx="1"/>
+          </p:cNvCxnSpPr>
+          <p:nvPr/>
+        </p:nvCxnSpPr>
+        <p:spPr>
+          <a:xfrm flipV="1">
+            <a:off x="7359543" y="2455187"/>
+            <a:ext cx="629172" cy="201538"/>
+          </a:xfrm>
+          <a:prstGeom prst="bentConnector3">
+            <a:avLst/>
+          </a:prstGeom>
+          <a:ln>
+            <a:solidFill>
+              <a:schemeClr val="tx1"/>
+            </a:solidFill>
+            <a:tailEnd type="triangle"/>
+          </a:ln>
+        </p:spPr>
+        <p:style>
+          <a:lnRef idx="1">
+            <a:schemeClr val="accent1"/>
+          </a:lnRef>
+          <a:fillRef idx="0">
+            <a:schemeClr val="accent1"/>
+          </a:fillRef>
+          <a:effectRef idx="0">
+            <a:schemeClr val="accent1"/>
+          </a:effectRef>
+          <a:fontRef idx="minor">
+            <a:schemeClr val="tx1"/>
+          </a:fontRef>
+        </p:style>
+      </p:cxnSp>
+      <p:cxnSp>
+        <p:nvCxnSpPr>
+          <p:cNvPr id="54" name="连接符: 肘形 53">
+            <a:extLst>
+              <a:ext uri="{FF2B5EF4-FFF2-40B4-BE49-F238E27FC236}">
+                <a16:creationId xmlns:a16="http://schemas.microsoft.com/office/drawing/2014/main" id="{DE14D91C-0B7E-4F27-A3D8-51D87EB5E92D}"/>
+              </a:ext>
+            </a:extLst>
+          </p:cNvPr>
+          <p:cNvCxnSpPr>
+            <a:stCxn id="26" idx="3"/>
+            <a:endCxn id="38" idx="1"/>
+          </p:cNvCxnSpPr>
+          <p:nvPr/>
+        </p:nvCxnSpPr>
+        <p:spPr>
+          <a:xfrm>
+            <a:off x="7359543" y="2656725"/>
+            <a:ext cx="629172" cy="394586"/>
+          </a:xfrm>
+          <a:prstGeom prst="bentConnector3">
+            <a:avLst/>
+          </a:prstGeom>
+          <a:ln>
+            <a:solidFill>
+              <a:schemeClr val="tx1"/>
+            </a:solidFill>
+            <a:tailEnd type="triangle"/>
+          </a:ln>
+        </p:spPr>
+        <p:style>
+          <a:lnRef idx="1">
+            <a:schemeClr val="accent1"/>
+          </a:lnRef>
+          <a:fillRef idx="0">
+            <a:schemeClr val="accent1"/>
+          </a:fillRef>
+          <a:effectRef idx="0">
+            <a:schemeClr val="accent1"/>
+          </a:effectRef>
+          <a:fontRef idx="minor">
+            <a:schemeClr val="tx1"/>
+          </a:fontRef>
+        </p:style>
+      </p:cxnSp>
+      <p:sp>
+        <p:nvSpPr>
+          <p:cNvPr id="56" name="矩形 55">
+            <a:extLst>
+              <a:ext uri="{FF2B5EF4-FFF2-40B4-BE49-F238E27FC236}">
+                <a16:creationId xmlns:a16="http://schemas.microsoft.com/office/drawing/2014/main" id="{79FDD4E5-5A3C-4ABC-A728-4058E34105C1}"/>
+              </a:ext>
+            </a:extLst>
+          </p:cNvPr>
+          <p:cNvSpPr/>
+          <p:nvPr/>
+        </p:nvSpPr>
+        <p:spPr>
+          <a:xfrm>
+            <a:off x="4886736" y="3895220"/>
+            <a:ext cx="968571" cy="375249"/>
+          </a:xfrm>
+          <a:prstGeom prst="rect">
+            <a:avLst/>
+          </a:prstGeom>
+          <a:noFill/>
+          <a:ln>
+            <a:solidFill>
+              <a:schemeClr val="tx1"/>
+            </a:solidFill>
+          </a:ln>
+        </p:spPr>
+        <p:style>
+          <a:lnRef idx="2">
+            <a:schemeClr val="accent1">
+              <a:shade val="50000"/>
+            </a:schemeClr>
+          </a:lnRef>
+          <a:fillRef idx="1">
+            <a:schemeClr val="accent1"/>
+          </a:fillRef>
+          <a:effectRef idx="0">
+            <a:schemeClr val="accent1"/>
+          </a:effectRef>
+          <a:fontRef idx="minor">
+            <a:schemeClr val="lt1"/>
+          </a:fontRef>
+        </p:style>
+        <p:txBody>
+          <a:bodyPr rtlCol="0" anchor="ctr"/>
+          <a:lstStyle/>
+          <a:p>
+            <a:pPr algn="ctr"/>
+            <a:r>
+              <a:rPr lang="zh-CN" altLang="en-US" sz="1200" dirty="0">
+                <a:solidFill>
+                  <a:schemeClr val="tx1"/>
+                </a:solidFill>
+              </a:rPr>
+              <a:t>单元异常</a:t>
+            </a:r>
+          </a:p>
+        </p:txBody>
+      </p:sp>
+      <p:sp>
+        <p:nvSpPr>
+          <p:cNvPr id="57" name="矩形 56">
+            <a:extLst>
+              <a:ext uri="{FF2B5EF4-FFF2-40B4-BE49-F238E27FC236}">
+                <a16:creationId xmlns:a16="http://schemas.microsoft.com/office/drawing/2014/main" id="{A7F9ACE0-FDD7-4220-9093-359ECCA1A4E6}"/>
+              </a:ext>
+            </a:extLst>
+          </p:cNvPr>
+          <p:cNvSpPr/>
+          <p:nvPr/>
+        </p:nvSpPr>
+        <p:spPr>
+          <a:xfrm>
+            <a:off x="6390971" y="3895220"/>
+            <a:ext cx="968571" cy="375249"/>
+          </a:xfrm>
+          <a:prstGeom prst="rect">
+            <a:avLst/>
+          </a:prstGeom>
+          <a:solidFill>
+            <a:srgbClr val="FFFF00"/>
+          </a:solidFill>
+          <a:ln>
+            <a:solidFill>
+              <a:schemeClr val="tx1"/>
+            </a:solidFill>
+          </a:ln>
+        </p:spPr>
+        <p:style>
+          <a:lnRef idx="2">
+            <a:schemeClr val="accent1">
+              <a:shade val="50000"/>
+            </a:schemeClr>
+          </a:lnRef>
+          <a:fillRef idx="1">
+            <a:schemeClr val="accent1"/>
+          </a:fillRef>
+          <a:effectRef idx="0">
+            <a:schemeClr val="accent1"/>
+          </a:effectRef>
+          <a:fontRef idx="minor">
+            <a:schemeClr val="lt1"/>
+          </a:fontRef>
+        </p:style>
+        <p:txBody>
+          <a:bodyPr rtlCol="0" anchor="ctr"/>
+          <a:lstStyle/>
+          <a:p>
+            <a:pPr algn="ctr"/>
+            <a:r>
+              <a:rPr lang="zh-CN" altLang="en-US" sz="1200" dirty="0">
+                <a:solidFill>
+                  <a:schemeClr val="tx1"/>
+                </a:solidFill>
+              </a:rPr>
+              <a:t>容灾切流</a:t>
+            </a:r>
+          </a:p>
+        </p:txBody>
+      </p:sp>
+      <p:cxnSp>
+        <p:nvCxnSpPr>
+          <p:cNvPr id="59" name="直接箭头连接符 58">
+            <a:extLst>
+              <a:ext uri="{FF2B5EF4-FFF2-40B4-BE49-F238E27FC236}">
+                <a16:creationId xmlns:a16="http://schemas.microsoft.com/office/drawing/2014/main" id="{621024F7-AD3D-4CC3-9A86-369EA0A87A9C}"/>
+              </a:ext>
+            </a:extLst>
+          </p:cNvPr>
+          <p:cNvCxnSpPr>
+            <a:stCxn id="56" idx="3"/>
+            <a:endCxn id="57" idx="1"/>
+          </p:cNvCxnSpPr>
+          <p:nvPr/>
+        </p:nvCxnSpPr>
+        <p:spPr>
+          <a:xfrm>
+            <a:off x="5855307" y="4082845"/>
+            <a:ext cx="535664" cy="0"/>
+          </a:xfrm>
+          <a:prstGeom prst="straightConnector1">
+            <a:avLst/>
+          </a:prstGeom>
+          <a:ln>
+            <a:solidFill>
+              <a:schemeClr val="tx1"/>
+            </a:solidFill>
+            <a:tailEnd type="triangle"/>
+          </a:ln>
+        </p:spPr>
+        <p:style>
+          <a:lnRef idx="1">
+            <a:schemeClr val="accent1"/>
+          </a:lnRef>
+          <a:fillRef idx="0">
+            <a:schemeClr val="accent1"/>
+          </a:fillRef>
+          <a:effectRef idx="0">
+            <a:schemeClr val="accent1"/>
+          </a:effectRef>
+          <a:fontRef idx="minor">
+            <a:schemeClr val="tx1"/>
+          </a:fontRef>
+        </p:style>
+      </p:cxnSp>
+      <p:sp>
+        <p:nvSpPr>
+          <p:cNvPr id="60" name="矩形 59">
+            <a:extLst>
+              <a:ext uri="{FF2B5EF4-FFF2-40B4-BE49-F238E27FC236}">
+                <a16:creationId xmlns:a16="http://schemas.microsoft.com/office/drawing/2014/main" id="{F0034313-143A-4D22-A81A-0B00A5D6C769}"/>
+              </a:ext>
+            </a:extLst>
+          </p:cNvPr>
+          <p:cNvSpPr/>
+          <p:nvPr/>
+        </p:nvSpPr>
+        <p:spPr>
+          <a:xfrm>
+            <a:off x="4886735" y="5205368"/>
+            <a:ext cx="968571" cy="375249"/>
+          </a:xfrm>
+          <a:prstGeom prst="rect">
+            <a:avLst/>
+          </a:prstGeom>
+          <a:noFill/>
+          <a:ln>
+            <a:solidFill>
+              <a:schemeClr val="tx1"/>
+            </a:solidFill>
+          </a:ln>
+        </p:spPr>
+        <p:style>
+          <a:lnRef idx="2">
+            <a:schemeClr val="accent1">
+              <a:shade val="50000"/>
+            </a:schemeClr>
+          </a:lnRef>
+          <a:fillRef idx="1">
+            <a:schemeClr val="accent1"/>
+          </a:fillRef>
+          <a:effectRef idx="0">
+            <a:schemeClr val="accent1"/>
+          </a:effectRef>
+          <a:fontRef idx="minor">
+            <a:schemeClr val="lt1"/>
+          </a:fontRef>
+        </p:style>
+        <p:txBody>
+          <a:bodyPr rtlCol="0" anchor="ctr"/>
+          <a:lstStyle/>
+          <a:p>
+            <a:pPr algn="ctr"/>
+            <a:r>
+              <a:rPr lang="zh-CN" altLang="en-US" sz="1200" dirty="0">
+                <a:solidFill>
+                  <a:schemeClr val="tx1"/>
+                </a:solidFill>
+              </a:rPr>
+              <a:t>全局异常</a:t>
+            </a:r>
+          </a:p>
+        </p:txBody>
+      </p:sp>
+      <p:sp>
+        <p:nvSpPr>
+          <p:cNvPr id="61" name="矩形 60">
+            <a:extLst>
+              <a:ext uri="{FF2B5EF4-FFF2-40B4-BE49-F238E27FC236}">
+                <a16:creationId xmlns:a16="http://schemas.microsoft.com/office/drawing/2014/main" id="{522EA982-5D62-4F62-8451-B173E764E4BC}"/>
+              </a:ext>
+            </a:extLst>
+          </p:cNvPr>
+          <p:cNvSpPr/>
+          <p:nvPr/>
+        </p:nvSpPr>
+        <p:spPr>
+          <a:xfrm>
+            <a:off x="6410633" y="4550294"/>
+            <a:ext cx="968571" cy="375249"/>
+          </a:xfrm>
+          <a:prstGeom prst="rect">
+            <a:avLst/>
+          </a:prstGeom>
+          <a:noFill/>
+          <a:ln>
+            <a:solidFill>
+              <a:schemeClr val="tx1"/>
+            </a:solidFill>
+          </a:ln>
+        </p:spPr>
+        <p:style>
+          <a:lnRef idx="2">
+            <a:schemeClr val="accent1">
+              <a:shade val="50000"/>
+            </a:schemeClr>
+          </a:lnRef>
+          <a:fillRef idx="1">
+            <a:schemeClr val="accent1"/>
+          </a:fillRef>
+          <a:effectRef idx="0">
+            <a:schemeClr val="accent1"/>
+          </a:effectRef>
+          <a:fontRef idx="minor">
+            <a:schemeClr val="lt1"/>
+          </a:fontRef>
+        </p:style>
+        <p:txBody>
+          <a:bodyPr rtlCol="0" anchor="ctr"/>
+          <a:lstStyle/>
+          <a:p>
+            <a:pPr algn="ctr"/>
+            <a:r>
+              <a:rPr lang="zh-CN" altLang="en-US" sz="1200" dirty="0">
+                <a:solidFill>
+                  <a:schemeClr val="tx1"/>
+                </a:solidFill>
+              </a:rPr>
+              <a:t>发布关联</a:t>
+            </a:r>
+          </a:p>
+        </p:txBody>
+      </p:sp>
+      <p:sp>
+        <p:nvSpPr>
+          <p:cNvPr id="62" name="矩形 61">
+            <a:extLst>
+              <a:ext uri="{FF2B5EF4-FFF2-40B4-BE49-F238E27FC236}">
+                <a16:creationId xmlns:a16="http://schemas.microsoft.com/office/drawing/2014/main" id="{2ECA1137-35D2-4EE9-ABAF-8D0128349B8C}"/>
+              </a:ext>
+            </a:extLst>
+          </p:cNvPr>
+          <p:cNvSpPr/>
+          <p:nvPr/>
+        </p:nvSpPr>
+        <p:spPr>
+          <a:xfrm>
+            <a:off x="6410632" y="5017743"/>
+            <a:ext cx="968571" cy="375249"/>
+          </a:xfrm>
+          <a:prstGeom prst="rect">
+            <a:avLst/>
+          </a:prstGeom>
+          <a:noFill/>
+          <a:ln>
+            <a:solidFill>
+              <a:schemeClr val="tx1"/>
+            </a:solidFill>
+          </a:ln>
+        </p:spPr>
+        <p:style>
+          <a:lnRef idx="2">
+            <a:schemeClr val="accent1">
+              <a:shade val="50000"/>
+            </a:schemeClr>
+          </a:lnRef>
+          <a:fillRef idx="1">
+            <a:schemeClr val="accent1"/>
+          </a:fillRef>
+          <a:effectRef idx="0">
+            <a:schemeClr val="accent1"/>
+          </a:effectRef>
+          <a:fontRef idx="minor">
+            <a:schemeClr val="lt1"/>
+          </a:fontRef>
+        </p:style>
+        <p:txBody>
+          <a:bodyPr rtlCol="0" anchor="ctr"/>
+          <a:lstStyle/>
+          <a:p>
+            <a:pPr algn="ctr"/>
+            <a:r>
+              <a:rPr lang="zh-CN" altLang="en-US" sz="1200" dirty="0">
+                <a:solidFill>
+                  <a:schemeClr val="tx1"/>
+                </a:solidFill>
+              </a:rPr>
+              <a:t>依赖异常</a:t>
+            </a:r>
+          </a:p>
+        </p:txBody>
+      </p:sp>
+      <p:sp>
+        <p:nvSpPr>
+          <p:cNvPr id="63" name="矩形 62">
+            <a:extLst>
+              <a:ext uri="{FF2B5EF4-FFF2-40B4-BE49-F238E27FC236}">
+                <a16:creationId xmlns:a16="http://schemas.microsoft.com/office/drawing/2014/main" id="{1C937304-A2B2-469C-AE4E-4AF78EE3D67D}"/>
+              </a:ext>
+            </a:extLst>
+          </p:cNvPr>
+          <p:cNvSpPr/>
+          <p:nvPr/>
+        </p:nvSpPr>
+        <p:spPr>
+          <a:xfrm>
+            <a:off x="6415549" y="5465131"/>
+            <a:ext cx="968571" cy="375249"/>
+          </a:xfrm>
+          <a:prstGeom prst="rect">
+            <a:avLst/>
+          </a:prstGeom>
+          <a:noFill/>
+          <a:ln>
+            <a:solidFill>
+              <a:schemeClr val="tx1"/>
+            </a:solidFill>
+          </a:ln>
+        </p:spPr>
+        <p:style>
+          <a:lnRef idx="2">
+            <a:schemeClr val="accent1">
+              <a:shade val="50000"/>
+            </a:schemeClr>
+          </a:lnRef>
+          <a:fillRef idx="1">
+            <a:schemeClr val="accent1"/>
+          </a:fillRef>
+          <a:effectRef idx="0">
+            <a:schemeClr val="accent1"/>
+          </a:effectRef>
+          <a:fontRef idx="minor">
+            <a:schemeClr val="lt1"/>
+          </a:fontRef>
+        </p:style>
+        <p:txBody>
+          <a:bodyPr rtlCol="0" anchor="ctr"/>
+          <a:lstStyle/>
+          <a:p>
+            <a:pPr algn="ctr"/>
+            <a:r>
+              <a:rPr lang="zh-CN" altLang="en-US" sz="1200" dirty="0">
+                <a:solidFill>
+                  <a:schemeClr val="tx1"/>
+                </a:solidFill>
+              </a:rPr>
+              <a:t>中间件异常</a:t>
+            </a:r>
+          </a:p>
+        </p:txBody>
+      </p:sp>
+      <p:sp>
+        <p:nvSpPr>
+          <p:cNvPr id="64" name="矩形 63">
+            <a:extLst>
+              <a:ext uri="{FF2B5EF4-FFF2-40B4-BE49-F238E27FC236}">
+                <a16:creationId xmlns:a16="http://schemas.microsoft.com/office/drawing/2014/main" id="{ED8BE476-22BC-490D-B9DB-F4FF4DF8E014}"/>
+              </a:ext>
+            </a:extLst>
+          </p:cNvPr>
+          <p:cNvSpPr/>
+          <p:nvPr/>
+        </p:nvSpPr>
+        <p:spPr>
+          <a:xfrm>
+            <a:off x="6410632" y="5952641"/>
+            <a:ext cx="968571" cy="375249"/>
+          </a:xfrm>
+          <a:prstGeom prst="rect">
+            <a:avLst/>
+          </a:prstGeom>
+          <a:noFill/>
+          <a:ln>
+            <a:solidFill>
+              <a:schemeClr val="tx1"/>
+            </a:solidFill>
+          </a:ln>
+        </p:spPr>
+        <p:style>
+          <a:lnRef idx="2">
+            <a:schemeClr val="accent1">
+              <a:shade val="50000"/>
+            </a:schemeClr>
+          </a:lnRef>
+          <a:fillRef idx="1">
+            <a:schemeClr val="accent1"/>
+          </a:fillRef>
+          <a:effectRef idx="0">
+            <a:schemeClr val="accent1"/>
+          </a:effectRef>
+          <a:fontRef idx="minor">
+            <a:schemeClr val="lt1"/>
+          </a:fontRef>
+        </p:style>
+        <p:txBody>
+          <a:bodyPr rtlCol="0" anchor="ctr"/>
+          <a:lstStyle/>
+          <a:p>
+            <a:pPr algn="ctr"/>
+            <a:r>
+              <a:rPr lang="zh-CN" altLang="en-US" sz="1200" dirty="0">
+                <a:solidFill>
+                  <a:schemeClr val="tx1"/>
+                </a:solidFill>
+              </a:rPr>
+              <a:t>容器异常</a:t>
+            </a:r>
+          </a:p>
+        </p:txBody>
+      </p:sp>
+      <p:cxnSp>
+        <p:nvCxnSpPr>
+          <p:cNvPr id="66" name="连接符: 肘形 65">
+            <a:extLst>
+              <a:ext uri="{FF2B5EF4-FFF2-40B4-BE49-F238E27FC236}">
+                <a16:creationId xmlns:a16="http://schemas.microsoft.com/office/drawing/2014/main" id="{69CE87B8-0486-4D5A-A71D-23027C3D0728}"/>
+              </a:ext>
+            </a:extLst>
+          </p:cNvPr>
+          <p:cNvCxnSpPr>
+            <a:stCxn id="60" idx="3"/>
+            <a:endCxn id="61" idx="1"/>
+          </p:cNvCxnSpPr>
+          <p:nvPr/>
+        </p:nvCxnSpPr>
+        <p:spPr>
+          <a:xfrm flipV="1">
+            <a:off x="5855306" y="4737919"/>
+            <a:ext cx="555327" cy="655074"/>
+          </a:xfrm>
+          <a:prstGeom prst="bentConnector3">
+            <a:avLst/>
+          </a:prstGeom>
+          <a:ln>
+            <a:solidFill>
+              <a:schemeClr val="tx1"/>
+            </a:solidFill>
+            <a:tailEnd type="triangle"/>
+          </a:ln>
+        </p:spPr>
+        <p:style>
+          <a:lnRef idx="1">
+            <a:schemeClr val="accent1"/>
+          </a:lnRef>
+          <a:fillRef idx="0">
+            <a:schemeClr val="accent1"/>
+          </a:fillRef>
+          <a:effectRef idx="0">
+            <a:schemeClr val="accent1"/>
+          </a:effectRef>
+          <a:fontRef idx="minor">
+            <a:schemeClr val="tx1"/>
+          </a:fontRef>
+        </p:style>
+      </p:cxnSp>
+      <p:cxnSp>
+        <p:nvCxnSpPr>
+          <p:cNvPr id="68" name="连接符: 肘形 67">
+            <a:extLst>
+              <a:ext uri="{FF2B5EF4-FFF2-40B4-BE49-F238E27FC236}">
+                <a16:creationId xmlns:a16="http://schemas.microsoft.com/office/drawing/2014/main" id="{4F195DD1-D51B-4014-8ECD-3C4640E3A8E5}"/>
+              </a:ext>
+            </a:extLst>
+          </p:cNvPr>
+          <p:cNvCxnSpPr>
+            <a:stCxn id="60" idx="3"/>
+            <a:endCxn id="62" idx="1"/>
+          </p:cNvCxnSpPr>
+          <p:nvPr/>
+        </p:nvCxnSpPr>
+        <p:spPr>
+          <a:xfrm flipV="1">
+            <a:off x="5855306" y="5205368"/>
+            <a:ext cx="555326" cy="187625"/>
+          </a:xfrm>
+          <a:prstGeom prst="bentConnector3">
+            <a:avLst/>
+          </a:prstGeom>
+          <a:ln>
+            <a:solidFill>
+              <a:schemeClr val="tx1"/>
+            </a:solidFill>
+            <a:tailEnd type="triangle"/>
+          </a:ln>
+        </p:spPr>
+        <p:style>
+          <a:lnRef idx="1">
+            <a:schemeClr val="accent1"/>
+          </a:lnRef>
+          <a:fillRef idx="0">
+            <a:schemeClr val="accent1"/>
+          </a:fillRef>
+          <a:effectRef idx="0">
+            <a:schemeClr val="accent1"/>
+          </a:effectRef>
+          <a:fontRef idx="minor">
+            <a:schemeClr val="tx1"/>
+          </a:fontRef>
+        </p:style>
+      </p:cxnSp>
+      <p:cxnSp>
+        <p:nvCxnSpPr>
+          <p:cNvPr id="70" name="连接符: 肘形 69">
+            <a:extLst>
+              <a:ext uri="{FF2B5EF4-FFF2-40B4-BE49-F238E27FC236}">
+                <a16:creationId xmlns:a16="http://schemas.microsoft.com/office/drawing/2014/main" id="{204BA45A-4F41-4FFF-8AC5-7B6C47496CB2}"/>
+              </a:ext>
+            </a:extLst>
+          </p:cNvPr>
+          <p:cNvCxnSpPr>
+            <a:stCxn id="60" idx="3"/>
+            <a:endCxn id="63" idx="1"/>
+          </p:cNvCxnSpPr>
+          <p:nvPr/>
+        </p:nvCxnSpPr>
+        <p:spPr>
+          <a:xfrm>
+            <a:off x="5855306" y="5392993"/>
+            <a:ext cx="560243" cy="259763"/>
+          </a:xfrm>
+          <a:prstGeom prst="bentConnector3">
+            <a:avLst/>
+          </a:prstGeom>
+          <a:ln>
+            <a:solidFill>
+              <a:schemeClr val="tx1"/>
+            </a:solidFill>
+            <a:tailEnd type="triangle"/>
+          </a:ln>
+        </p:spPr>
+        <p:style>
+          <a:lnRef idx="1">
+            <a:schemeClr val="accent1"/>
+          </a:lnRef>
+          <a:fillRef idx="0">
+            <a:schemeClr val="accent1"/>
+          </a:fillRef>
+          <a:effectRef idx="0">
+            <a:schemeClr val="accent1"/>
+          </a:effectRef>
+          <a:fontRef idx="minor">
+            <a:schemeClr val="tx1"/>
+          </a:fontRef>
+        </p:style>
+      </p:cxnSp>
+      <p:cxnSp>
+        <p:nvCxnSpPr>
+          <p:cNvPr id="72" name="连接符: 肘形 71">
+            <a:extLst>
+              <a:ext uri="{FF2B5EF4-FFF2-40B4-BE49-F238E27FC236}">
+                <a16:creationId xmlns:a16="http://schemas.microsoft.com/office/drawing/2014/main" id="{342BE7FF-70EB-4AAD-9DFD-AD8B01F86089}"/>
+              </a:ext>
+            </a:extLst>
+          </p:cNvPr>
+          <p:cNvCxnSpPr>
+            <a:stCxn id="60" idx="3"/>
+            <a:endCxn id="64" idx="1"/>
+          </p:cNvCxnSpPr>
+          <p:nvPr/>
+        </p:nvCxnSpPr>
+        <p:spPr>
+          <a:xfrm>
+            <a:off x="5855306" y="5392993"/>
+            <a:ext cx="555326" cy="747273"/>
+          </a:xfrm>
+          <a:prstGeom prst="bentConnector3">
+            <a:avLst/>
+          </a:prstGeom>
+          <a:ln>
+            <a:solidFill>
+              <a:schemeClr val="tx1"/>
+            </a:solidFill>
+            <a:tailEnd type="triangle"/>
+          </a:ln>
+        </p:spPr>
+        <p:style>
+          <a:lnRef idx="1">
+            <a:schemeClr val="accent1"/>
+          </a:lnRef>
+          <a:fillRef idx="0">
+            <a:schemeClr val="accent1"/>
+          </a:fillRef>
+          <a:effectRef idx="0">
+            <a:schemeClr val="accent1"/>
+          </a:effectRef>
+          <a:fontRef idx="minor">
+            <a:schemeClr val="tx1"/>
+          </a:fontRef>
+        </p:style>
+      </p:cxnSp>
+      <p:sp>
+        <p:nvSpPr>
+          <p:cNvPr id="73" name="矩形 72">
+            <a:extLst>
+              <a:ext uri="{FF2B5EF4-FFF2-40B4-BE49-F238E27FC236}">
+                <a16:creationId xmlns:a16="http://schemas.microsoft.com/office/drawing/2014/main" id="{5251007C-4DAB-4499-8B26-F1E770619E7D}"/>
+              </a:ext>
+            </a:extLst>
+          </p:cNvPr>
+          <p:cNvSpPr/>
+          <p:nvPr/>
+        </p:nvSpPr>
+        <p:spPr>
+          <a:xfrm>
+            <a:off x="7988715" y="4550294"/>
+            <a:ext cx="1403650" cy="375249"/>
+          </a:xfrm>
+          <a:prstGeom prst="rect">
+            <a:avLst/>
+          </a:prstGeom>
+          <a:solidFill>
+            <a:srgbClr val="FFFF00"/>
+          </a:solidFill>
+          <a:ln>
+            <a:solidFill>
+              <a:schemeClr val="tx1"/>
+            </a:solidFill>
+          </a:ln>
+        </p:spPr>
+        <p:style>
+          <a:lnRef idx="2">
+            <a:schemeClr val="accent1">
+              <a:shade val="50000"/>
+            </a:schemeClr>
+          </a:lnRef>
+          <a:fillRef idx="1">
+            <a:schemeClr val="accent1"/>
+          </a:fillRef>
+          <a:effectRef idx="0">
+            <a:schemeClr val="accent1"/>
+          </a:effectRef>
+          <a:fontRef idx="minor">
+            <a:schemeClr val="lt1"/>
+          </a:fontRef>
+        </p:style>
+        <p:txBody>
+          <a:bodyPr rtlCol="0" anchor="ctr"/>
+          <a:lstStyle/>
+          <a:p>
+            <a:pPr algn="ctr"/>
+            <a:r>
+              <a:rPr lang="zh-CN" altLang="en-US" sz="1200" dirty="0">
+                <a:solidFill>
+                  <a:schemeClr val="tx1"/>
+                </a:solidFill>
+              </a:rPr>
+              <a:t>隔离回滚</a:t>
+            </a:r>
+          </a:p>
+        </p:txBody>
+      </p:sp>
+      <p:sp>
+        <p:nvSpPr>
+          <p:cNvPr id="74" name="矩形 73">
+            <a:extLst>
+              <a:ext uri="{FF2B5EF4-FFF2-40B4-BE49-F238E27FC236}">
+                <a16:creationId xmlns:a16="http://schemas.microsoft.com/office/drawing/2014/main" id="{1A42773B-F132-4A9B-8547-77E6ED784FDB}"/>
+              </a:ext>
+            </a:extLst>
+          </p:cNvPr>
+          <p:cNvSpPr/>
+          <p:nvPr/>
+        </p:nvSpPr>
+        <p:spPr>
+          <a:xfrm>
+            <a:off x="7988715" y="5251467"/>
+            <a:ext cx="1403650" cy="375249"/>
+          </a:xfrm>
+          <a:prstGeom prst="rect">
+            <a:avLst/>
+          </a:prstGeom>
+          <a:solidFill>
+            <a:srgbClr val="FFFF00"/>
+          </a:solidFill>
+          <a:ln>
+            <a:solidFill>
+              <a:schemeClr val="tx1"/>
+            </a:solidFill>
+          </a:ln>
+        </p:spPr>
+        <p:style>
+          <a:lnRef idx="2">
+            <a:schemeClr val="accent1">
+              <a:shade val="50000"/>
+            </a:schemeClr>
+          </a:lnRef>
+          <a:fillRef idx="1">
+            <a:schemeClr val="accent1"/>
+          </a:fillRef>
+          <a:effectRef idx="0">
+            <a:schemeClr val="accent1"/>
+          </a:effectRef>
+          <a:fontRef idx="minor">
+            <a:schemeClr val="lt1"/>
+          </a:fontRef>
+        </p:style>
+        <p:txBody>
+          <a:bodyPr rtlCol="0" anchor="ctr"/>
+          <a:lstStyle/>
+          <a:p>
+            <a:pPr algn="ctr"/>
+            <a:r>
+              <a:rPr lang="zh-CN" altLang="en-US" sz="1200" dirty="0">
+                <a:solidFill>
+                  <a:schemeClr val="tx1"/>
+                </a:solidFill>
+              </a:rPr>
+              <a:t>预案</a:t>
+            </a:r>
+          </a:p>
+        </p:txBody>
+      </p:sp>
+      <p:sp>
+        <p:nvSpPr>
+          <p:cNvPr id="75" name="矩形 74">
+            <a:extLst>
+              <a:ext uri="{FF2B5EF4-FFF2-40B4-BE49-F238E27FC236}">
+                <a16:creationId xmlns:a16="http://schemas.microsoft.com/office/drawing/2014/main" id="{B9E19D4F-B5D0-4CCD-A7E3-E3A4FB7D7912}"/>
+              </a:ext>
+            </a:extLst>
+          </p:cNvPr>
+          <p:cNvSpPr/>
+          <p:nvPr/>
+        </p:nvSpPr>
+        <p:spPr>
+          <a:xfrm>
+            <a:off x="7988715" y="5952641"/>
+            <a:ext cx="1403650" cy="375249"/>
+          </a:xfrm>
+          <a:prstGeom prst="rect">
+            <a:avLst/>
+          </a:prstGeom>
+          <a:solidFill>
+            <a:srgbClr val="FFFF00"/>
+          </a:solidFill>
+          <a:ln>
+            <a:solidFill>
+              <a:schemeClr val="tx1"/>
+            </a:solidFill>
+          </a:ln>
+        </p:spPr>
+        <p:style>
+          <a:lnRef idx="2">
+            <a:schemeClr val="accent1">
+              <a:shade val="50000"/>
+            </a:schemeClr>
+          </a:lnRef>
+          <a:fillRef idx="1">
+            <a:schemeClr val="accent1"/>
+          </a:fillRef>
+          <a:effectRef idx="0">
+            <a:schemeClr val="accent1"/>
+          </a:effectRef>
+          <a:fontRef idx="minor">
+            <a:schemeClr val="lt1"/>
+          </a:fontRef>
+        </p:style>
+        <p:txBody>
+          <a:bodyPr rtlCol="0" anchor="ctr"/>
+          <a:lstStyle/>
+          <a:p>
+            <a:pPr algn="ctr"/>
+            <a:r>
+              <a:rPr lang="zh-CN" altLang="en-US" sz="1200" dirty="0">
+                <a:solidFill>
+                  <a:schemeClr val="tx1"/>
+                </a:solidFill>
+              </a:rPr>
+              <a:t>隔离</a:t>
+            </a:r>
+          </a:p>
+        </p:txBody>
+      </p:sp>
+      <p:cxnSp>
+        <p:nvCxnSpPr>
+          <p:cNvPr id="77" name="连接符: 肘形 76">
+            <a:extLst>
+              <a:ext uri="{FF2B5EF4-FFF2-40B4-BE49-F238E27FC236}">
+                <a16:creationId xmlns:a16="http://schemas.microsoft.com/office/drawing/2014/main" id="{210C9D73-75F6-46A8-A586-6C62320DAA35}"/>
+              </a:ext>
+            </a:extLst>
+          </p:cNvPr>
+          <p:cNvCxnSpPr>
+            <a:stCxn id="15" idx="3"/>
+            <a:endCxn id="56" idx="1"/>
+          </p:cNvCxnSpPr>
+          <p:nvPr/>
+        </p:nvCxnSpPr>
+        <p:spPr>
+          <a:xfrm flipV="1">
+            <a:off x="4277031" y="4082845"/>
+            <a:ext cx="609705" cy="1497773"/>
+          </a:xfrm>
+          <a:prstGeom prst="bentConnector3">
+            <a:avLst/>
+          </a:prstGeom>
+          <a:ln>
+            <a:solidFill>
+              <a:schemeClr val="tx1"/>
+            </a:solidFill>
+            <a:tailEnd type="triangle"/>
+          </a:ln>
+        </p:spPr>
+        <p:style>
+          <a:lnRef idx="1">
+            <a:schemeClr val="accent1"/>
+          </a:lnRef>
+          <a:fillRef idx="0">
+            <a:schemeClr val="accent1"/>
+          </a:fillRef>
+          <a:effectRef idx="0">
+            <a:schemeClr val="accent1"/>
+          </a:effectRef>
+          <a:fontRef idx="minor">
+            <a:schemeClr val="tx1"/>
+          </a:fontRef>
+        </p:style>
+      </p:cxnSp>
+      <p:cxnSp>
+        <p:nvCxnSpPr>
+          <p:cNvPr id="79" name="连接符: 肘形 78">
+            <a:extLst>
+              <a:ext uri="{FF2B5EF4-FFF2-40B4-BE49-F238E27FC236}">
+                <a16:creationId xmlns:a16="http://schemas.microsoft.com/office/drawing/2014/main" id="{BB2EA63E-BD10-42CF-B4C2-2635069409E1}"/>
+              </a:ext>
+            </a:extLst>
+          </p:cNvPr>
+          <p:cNvCxnSpPr>
+            <a:stCxn id="15" idx="3"/>
+            <a:endCxn id="60" idx="1"/>
+          </p:cNvCxnSpPr>
+          <p:nvPr/>
+        </p:nvCxnSpPr>
+        <p:spPr>
+          <a:xfrm flipV="1">
+            <a:off x="4277031" y="5392993"/>
+            <a:ext cx="609704" cy="187625"/>
+          </a:xfrm>
+          <a:prstGeom prst="bentConnector3">
+            <a:avLst/>
+          </a:prstGeom>
+          <a:ln>
+            <a:solidFill>
+              <a:schemeClr val="tx1"/>
+            </a:solidFill>
+            <a:tailEnd type="triangle"/>
+          </a:ln>
+        </p:spPr>
+        <p:style>
+          <a:lnRef idx="1">
+            <a:schemeClr val="accent1"/>
+          </a:lnRef>
+          <a:fillRef idx="0">
+            <a:schemeClr val="accent1"/>
+          </a:fillRef>
+          <a:effectRef idx="0">
+            <a:schemeClr val="accent1"/>
+          </a:effectRef>
+          <a:fontRef idx="minor">
+            <a:schemeClr val="tx1"/>
+          </a:fontRef>
+        </p:style>
+      </p:cxnSp>
+      <p:cxnSp>
+        <p:nvCxnSpPr>
+          <p:cNvPr id="81" name="连接符: 肘形 80">
+            <a:extLst>
+              <a:ext uri="{FF2B5EF4-FFF2-40B4-BE49-F238E27FC236}">
+                <a16:creationId xmlns:a16="http://schemas.microsoft.com/office/drawing/2014/main" id="{0940AA92-C7F8-4268-8EB9-107BFCD0F0CC}"/>
+              </a:ext>
+            </a:extLst>
+          </p:cNvPr>
+          <p:cNvCxnSpPr>
+            <a:stCxn id="62" idx="3"/>
+            <a:endCxn id="74" idx="1"/>
+          </p:cNvCxnSpPr>
+          <p:nvPr/>
+        </p:nvCxnSpPr>
+        <p:spPr>
+          <a:xfrm>
+            <a:off x="7379203" y="5205368"/>
+            <a:ext cx="609512" cy="233724"/>
+          </a:xfrm>
+          <a:prstGeom prst="bentConnector3">
+            <a:avLst/>
+          </a:prstGeom>
+          <a:ln>
+            <a:solidFill>
+              <a:schemeClr val="tx1"/>
+            </a:solidFill>
+            <a:tailEnd type="triangle"/>
+          </a:ln>
+        </p:spPr>
+        <p:style>
+          <a:lnRef idx="1">
+            <a:schemeClr val="accent1"/>
+          </a:lnRef>
+          <a:fillRef idx="0">
+            <a:schemeClr val="accent1"/>
+          </a:fillRef>
+          <a:effectRef idx="0">
+            <a:schemeClr val="accent1"/>
+          </a:effectRef>
+          <a:fontRef idx="minor">
+            <a:schemeClr val="tx1"/>
+          </a:fontRef>
+        </p:style>
+      </p:cxnSp>
+      <p:cxnSp>
+        <p:nvCxnSpPr>
+          <p:cNvPr id="83" name="连接符: 肘形 82">
+            <a:extLst>
+              <a:ext uri="{FF2B5EF4-FFF2-40B4-BE49-F238E27FC236}">
+                <a16:creationId xmlns:a16="http://schemas.microsoft.com/office/drawing/2014/main" id="{702559F3-7222-4995-A964-2CA2745512F1}"/>
+              </a:ext>
+            </a:extLst>
+          </p:cNvPr>
+          <p:cNvCxnSpPr>
+            <a:stCxn id="63" idx="3"/>
+            <a:endCxn id="74" idx="1"/>
+          </p:cNvCxnSpPr>
+          <p:nvPr/>
+        </p:nvCxnSpPr>
+        <p:spPr>
+          <a:xfrm flipV="1">
+            <a:off x="7384120" y="5439092"/>
+            <a:ext cx="604595" cy="213664"/>
+          </a:xfrm>
+          <a:prstGeom prst="bentConnector3">
+            <a:avLst/>
+          </a:prstGeom>
+          <a:ln>
+            <a:solidFill>
+              <a:schemeClr val="tx1"/>
+            </a:solidFill>
+            <a:tailEnd type="triangle"/>
+          </a:ln>
+        </p:spPr>
+        <p:style>
+          <a:lnRef idx="1">
+            <a:schemeClr val="accent1"/>
+          </a:lnRef>
+          <a:fillRef idx="0">
+            <a:schemeClr val="accent1"/>
+          </a:fillRef>
+          <a:effectRef idx="0">
+            <a:schemeClr val="accent1"/>
+          </a:effectRef>
+          <a:fontRef idx="minor">
+            <a:schemeClr val="tx1"/>
+          </a:fontRef>
+        </p:style>
+      </p:cxnSp>
+      <p:cxnSp>
+        <p:nvCxnSpPr>
+          <p:cNvPr id="89" name="直接箭头连接符 88">
+            <a:extLst>
+              <a:ext uri="{FF2B5EF4-FFF2-40B4-BE49-F238E27FC236}">
+                <a16:creationId xmlns:a16="http://schemas.microsoft.com/office/drawing/2014/main" id="{51DF304F-7DA3-4D23-ADC2-7E3CE5804D27}"/>
+              </a:ext>
+            </a:extLst>
+          </p:cNvPr>
+          <p:cNvCxnSpPr>
+            <a:stCxn id="64" idx="3"/>
+            <a:endCxn id="75" idx="1"/>
+          </p:cNvCxnSpPr>
+          <p:nvPr/>
+        </p:nvCxnSpPr>
+        <p:spPr>
+          <a:xfrm>
+            <a:off x="7379203" y="6140266"/>
+            <a:ext cx="609512" cy="0"/>
+          </a:xfrm>
+          <a:prstGeom prst="straightConnector1">
+            <a:avLst/>
+          </a:prstGeom>
+          <a:ln>
+            <a:solidFill>
+              <a:schemeClr val="tx1"/>
+            </a:solidFill>
+            <a:tailEnd type="triangle"/>
+          </a:ln>
+        </p:spPr>
+        <p:style>
+          <a:lnRef idx="1">
+            <a:schemeClr val="accent1"/>
+          </a:lnRef>
+          <a:fillRef idx="0">
+            <a:schemeClr val="accent1"/>
+          </a:fillRef>
+          <a:effectRef idx="0">
+            <a:schemeClr val="accent1"/>
+          </a:effectRef>
+          <a:fontRef idx="minor">
+            <a:schemeClr val="tx1"/>
+          </a:fontRef>
+        </p:style>
+      </p:cxnSp>
+      <p:cxnSp>
+        <p:nvCxnSpPr>
+          <p:cNvPr id="91" name="直接箭头连接符 90">
+            <a:extLst>
+              <a:ext uri="{FF2B5EF4-FFF2-40B4-BE49-F238E27FC236}">
+                <a16:creationId xmlns:a16="http://schemas.microsoft.com/office/drawing/2014/main" id="{D5CC71FF-E098-4A35-AD38-C81511302A8E}"/>
+              </a:ext>
+            </a:extLst>
+          </p:cNvPr>
+          <p:cNvCxnSpPr>
+            <a:stCxn id="61" idx="3"/>
+            <a:endCxn id="73" idx="1"/>
+          </p:cNvCxnSpPr>
+          <p:nvPr/>
+        </p:nvCxnSpPr>
+        <p:spPr>
+          <a:xfrm>
+            <a:off x="7379204" y="4737919"/>
+            <a:ext cx="609511" cy="0"/>
+          </a:xfrm>
+          <a:prstGeom prst="straightConnector1">
+            <a:avLst/>
+          </a:prstGeom>
+          <a:ln>
+            <a:solidFill>
+              <a:schemeClr val="tx1"/>
+            </a:solidFill>
+            <a:tailEnd type="triangle"/>
+          </a:ln>
+        </p:spPr>
+        <p:style>
+          <a:lnRef idx="1">
+            <a:schemeClr val="accent1"/>
+          </a:lnRef>
+          <a:fillRef idx="0">
+            <a:schemeClr val="accent1"/>
+          </a:fillRef>
+          <a:effectRef idx="0">
+            <a:schemeClr val="accent1"/>
+          </a:effectRef>
+          <a:fontRef idx="minor">
+            <a:schemeClr val="tx1"/>
+          </a:fontRef>
+        </p:style>
+      </p:cxnSp>
+    </p:spTree>
+    <p:extLst>
+      <p:ext uri="{BB962C8B-B14F-4D97-AF65-F5344CB8AC3E}">
+        <p14:creationId xmlns:p14="http://schemas.microsoft.com/office/powerpoint/2010/main" val="357002417"/>
+      </p:ext>
+    </p:extLst>
+  </p:cSld>
+  <p:clrMapOvr>
+    <a:masterClrMapping/>
+  </p:clrMapOvr>
+</p:sld>
+</file>
+
 <file path=ppt/slides/slide2.xml><?xml version="1.0" encoding="utf-8"?>
 <p:sld xmlns:a="http://schemas.openxmlformats.org/drawingml/2006/main" xmlns:r="http://schemas.openxmlformats.org/officeDocument/2006/relationships" xmlns:p="http://schemas.openxmlformats.org/presentationml/2006/main">
   <p:cSld>
@@ -19633,7 +26224,33 @@
       </a:bgFillStyleLst>
     </a:fmtScheme>
   </a:themeElements>
-  <a:objectDefaults/>
+  <a:objectDefaults>
+    <a:spDef>
+      <a:spPr/>
+      <a:bodyPr rtlCol="0" anchor="ctr"/>
+      <a:lstStyle>
+        <a:defPPr algn="ctr">
+          <a:defRPr dirty="0"/>
+        </a:defPPr>
+      </a:lstStyle>
+      <a:style>
+        <a:lnRef idx="2">
+          <a:schemeClr val="accent1">
+            <a:shade val="50000"/>
+          </a:schemeClr>
+        </a:lnRef>
+        <a:fillRef idx="1">
+          <a:schemeClr val="accent1"/>
+        </a:fillRef>
+        <a:effectRef idx="0">
+          <a:schemeClr val="accent1"/>
+        </a:effectRef>
+        <a:fontRef idx="minor">
+          <a:schemeClr val="lt1"/>
+        </a:fontRef>
+      </a:style>
+    </a:spDef>
+  </a:objectDefaults>
   <a:extraClrSchemeLst/>
   <a:extLst>
     <a:ext uri="{05A4C25C-085E-4340-85A3-A5531E510DB2}">
